--- a/ABS_勉強会.pptx
+++ b/ABS_勉強会.pptx
@@ -6,11 +6,16 @@
   </p:sldMasterIdLst>
   <p:sldIdLst>
     <p:sldId id="256" r:id="rId2"/>
-    <p:sldId id="257" r:id="rId3"/>
-    <p:sldId id="258" r:id="rId4"/>
-    <p:sldId id="259" r:id="rId5"/>
-    <p:sldId id="261" r:id="rId6"/>
+    <p:sldId id="258" r:id="rId3"/>
+    <p:sldId id="259" r:id="rId4"/>
+    <p:sldId id="261" r:id="rId5"/>
+    <p:sldId id="267" r:id="rId6"/>
     <p:sldId id="260" r:id="rId7"/>
+    <p:sldId id="262" r:id="rId8"/>
+    <p:sldId id="263" r:id="rId9"/>
+    <p:sldId id="264" r:id="rId10"/>
+    <p:sldId id="265" r:id="rId11"/>
+    <p:sldId id="266" r:id="rId12"/>
   </p:sldIdLst>
   <p:sldSz cx="12192000" cy="6858000"/>
   <p:notesSz cx="6858000" cy="9144000"/>
@@ -3605,6 +3610,14 @@
 <file path=ppt/slides/slide1.xml><?xml version="1.0" encoding="utf-8"?>
 <p:sld xmlns:a="http://schemas.openxmlformats.org/drawingml/2006/main" xmlns:r="http://schemas.openxmlformats.org/officeDocument/2006/relationships" xmlns:p="http://schemas.openxmlformats.org/presentationml/2006/main">
   <p:cSld>
+    <p:bg>
+      <p:bgPr>
+        <a:solidFill>
+          <a:schemeClr val="accent5"/>
+        </a:solidFill>
+        <a:effectLst/>
+      </p:bgPr>
+    </p:bg>
     <p:spTree>
       <p:nvGrpSpPr>
         <p:cNvPr id="1" name=""/>
@@ -3641,11 +3654,19 @@
           <a:lstStyle/>
           <a:p>
             <a:r>
-              <a:rPr kumimoji="1" lang="en-US" altLang="ja-JP" dirty="0"/>
+              <a:rPr kumimoji="1" lang="en-US" altLang="ja-JP" b="1" dirty="0">
+                <a:solidFill>
+                  <a:schemeClr val="bg1"/>
+                </a:solidFill>
+              </a:rPr>
               <a:t>ABS</a:t>
             </a:r>
             <a:r>
-              <a:rPr kumimoji="1" lang="ja-JP" altLang="en-US"/>
+              <a:rPr kumimoji="1" lang="ja-JP" altLang="en-US" b="1">
+                <a:solidFill>
+                  <a:schemeClr val="bg1"/>
+                </a:solidFill>
+              </a:rPr>
               <a:t>を解く！</a:t>
             </a:r>
           </a:p>
@@ -3673,14 +3694,26 @@
           <a:lstStyle/>
           <a:p>
             <a:r>
-              <a:rPr kumimoji="1" lang="en-US" altLang="ja-JP" dirty="0" err="1"/>
+              <a:rPr kumimoji="1" lang="en-US" altLang="ja-JP" dirty="0" err="1">
+                <a:solidFill>
+                  <a:schemeClr val="bg1"/>
+                </a:solidFill>
+              </a:rPr>
               <a:t>triC</a:t>
             </a:r>
             <a:r>
-              <a:rPr kumimoji="1" lang="en-US" altLang="ja-JP" dirty="0"/>
+              <a:rPr kumimoji="1" lang="en-US" altLang="ja-JP" dirty="0">
+                <a:solidFill>
+                  <a:schemeClr val="bg1"/>
+                </a:solidFill>
+              </a:rPr>
               <a:t> 2024/01/06</a:t>
             </a:r>
-            <a:endParaRPr kumimoji="1" lang="ja-JP" altLang="en-US"/>
+            <a:endParaRPr kumimoji="1" lang="ja-JP" altLang="en-US">
+              <a:solidFill>
+                <a:schemeClr val="bg1"/>
+              </a:solidFill>
+            </a:endParaRPr>
           </a:p>
         </p:txBody>
       </p:sp>
@@ -3697,166 +3730,7 @@
 </p:sld>
 </file>
 
-<file path=ppt/slides/slide2.xml><?xml version="1.0" encoding="utf-8"?>
-<p:sld xmlns:a="http://schemas.openxmlformats.org/drawingml/2006/main" xmlns:r="http://schemas.openxmlformats.org/officeDocument/2006/relationships" xmlns:p="http://schemas.openxmlformats.org/presentationml/2006/main">
-  <p:cSld>
-    <p:spTree>
-      <p:nvGrpSpPr>
-        <p:cNvPr id="1" name=""/>
-        <p:cNvGrpSpPr/>
-        <p:nvPr/>
-      </p:nvGrpSpPr>
-      <p:grpSpPr>
-        <a:xfrm>
-          <a:off x="0" y="0"/>
-          <a:ext cx="0" cy="0"/>
-          <a:chOff x="0" y="0"/>
-          <a:chExt cx="0" cy="0"/>
-        </a:xfrm>
-      </p:grpSpPr>
-      <p:sp>
-        <p:nvSpPr>
-          <p:cNvPr id="2" name="タイトル 1">
-            <a:extLst>
-              <a:ext uri="{FF2B5EF4-FFF2-40B4-BE49-F238E27FC236}">
-                <a16:creationId xmlns:a16="http://schemas.microsoft.com/office/drawing/2014/main" id="{A39E4F7C-1251-442A-56B5-0A9CABF46E86}"/>
-              </a:ext>
-            </a:extLst>
-          </p:cNvPr>
-          <p:cNvSpPr>
-            <a:spLocks noGrp="1"/>
-          </p:cNvSpPr>
-          <p:nvPr>
-            <p:ph type="title"/>
-          </p:nvPr>
-        </p:nvSpPr>
-        <p:spPr>
-          <a:xfrm>
-            <a:off x="722530" y="507957"/>
-            <a:ext cx="9603275" cy="1049235"/>
-          </a:xfrm>
-        </p:spPr>
-        <p:txBody>
-          <a:bodyPr/>
-          <a:lstStyle/>
-          <a:p>
-            <a:r>
-              <a:rPr kumimoji="1" lang="ja-JP" altLang="en-US"/>
-              <a:t>テーマの色について</a:t>
-            </a:r>
-          </a:p>
-        </p:txBody>
-      </p:sp>
-      <p:sp>
-        <p:nvSpPr>
-          <p:cNvPr id="3" name="コンテンツ プレースホルダー 2">
-            <a:extLst>
-              <a:ext uri="{FF2B5EF4-FFF2-40B4-BE49-F238E27FC236}">
-                <a16:creationId xmlns:a16="http://schemas.microsoft.com/office/drawing/2014/main" id="{4AE6F12E-9E5F-E1D8-2E3F-85882F0A32ED}"/>
-              </a:ext>
-            </a:extLst>
-          </p:cNvPr>
-          <p:cNvSpPr>
-            <a:spLocks noGrp="1"/>
-          </p:cNvSpPr>
-          <p:nvPr>
-            <p:ph idx="1"/>
-          </p:nvPr>
-        </p:nvSpPr>
-        <p:spPr/>
-        <p:txBody>
-          <a:bodyPr/>
-          <a:lstStyle/>
-          <a:p>
-            <a:pPr marL="0" indent="0">
-              <a:buNone/>
-            </a:pPr>
-            <a:r>
-              <a:rPr lang="ja-JP" altLang="en-US" sz="3600"/>
-              <a:t>黒色　</a:t>
-            </a:r>
-            <a:r>
-              <a:rPr lang="en-US" altLang="ja-JP" sz="3600" dirty="0"/>
-              <a:t>…</a:t>
-            </a:r>
-            <a:r>
-              <a:rPr lang="ja-JP" altLang="en-US" sz="3600"/>
-              <a:t>　一般的なプログラミングの知識、内容</a:t>
-            </a:r>
-            <a:endParaRPr lang="en-US" altLang="ja-JP" sz="3600" dirty="0"/>
-          </a:p>
-          <a:p>
-            <a:pPr marL="0" indent="0">
-              <a:buNone/>
-            </a:pPr>
-            <a:endParaRPr lang="en-US" altLang="ja-JP" sz="3600" dirty="0">
-              <a:solidFill>
-                <a:srgbClr val="FF0000"/>
-              </a:solidFill>
-            </a:endParaRPr>
-          </a:p>
-          <a:p>
-            <a:pPr marL="0" indent="0">
-              <a:buNone/>
-            </a:pPr>
-            <a:r>
-              <a:rPr lang="ja-JP" altLang="en-US" sz="3600">
-                <a:solidFill>
-                  <a:srgbClr val="FF0000"/>
-                </a:solidFill>
-              </a:rPr>
-              <a:t>赤色　</a:t>
-            </a:r>
-            <a:r>
-              <a:rPr lang="en-US" altLang="ja-JP" sz="3600" dirty="0">
-                <a:solidFill>
-                  <a:srgbClr val="FF0000"/>
-                </a:solidFill>
-              </a:rPr>
-              <a:t>…</a:t>
-            </a:r>
-            <a:r>
-              <a:rPr lang="ja-JP" altLang="en-US" sz="3600">
-                <a:solidFill>
-                  <a:srgbClr val="FF0000"/>
-                </a:solidFill>
-              </a:rPr>
-              <a:t>　競プロに特化した知識、内容</a:t>
-            </a:r>
-            <a:endParaRPr lang="en-US" altLang="ja-JP" sz="3600" dirty="0">
-              <a:solidFill>
-                <a:srgbClr val="FF0000"/>
-              </a:solidFill>
-            </a:endParaRPr>
-          </a:p>
-          <a:p>
-            <a:pPr marL="0" indent="0">
-              <a:buNone/>
-            </a:pPr>
-            <a:endParaRPr lang="en-US" altLang="ja-JP" dirty="0"/>
-          </a:p>
-          <a:p>
-            <a:pPr marL="0" indent="0">
-              <a:buNone/>
-            </a:pPr>
-            <a:endParaRPr kumimoji="1" lang="ja-JP" altLang="en-US"/>
-          </a:p>
-        </p:txBody>
-      </p:sp>
-    </p:spTree>
-    <p:extLst>
-      <p:ext uri="{BB962C8B-B14F-4D97-AF65-F5344CB8AC3E}">
-        <p14:creationId xmlns:p14="http://schemas.microsoft.com/office/powerpoint/2010/main" val="1284711007"/>
-      </p:ext>
-    </p:extLst>
-  </p:cSld>
-  <p:clrMapOvr>
-    <a:masterClrMapping/>
-  </p:clrMapOvr>
-</p:sld>
-</file>
-
-<file path=ppt/slides/slide3.xml><?xml version="1.0" encoding="utf-8"?>
+<file path=ppt/slides/slide10.xml><?xml version="1.0" encoding="utf-8"?>
 <p:sld xmlns:a="http://schemas.openxmlformats.org/drawingml/2006/main" xmlns:r="http://schemas.openxmlformats.org/officeDocument/2006/relationships" xmlns:p="http://schemas.openxmlformats.org/presentationml/2006/main">
   <p:cSld>
     <p:spTree>
@@ -3920,14 +3794,7 @@
           <a:bodyPr rtlCol="0" anchor="ctr"/>
           <a:lstStyle/>
           <a:p>
-            <a:r>
-              <a:rPr kumimoji="1" lang="ja-JP" altLang="en-US" sz="4000" b="1">
-                <a:solidFill>
-                  <a:schemeClr val="bg1"/>
-                </a:solidFill>
-              </a:rPr>
-              <a:t>テーマの色と内容</a:t>
-            </a:r>
+            <a:endParaRPr kumimoji="1" lang="ja-JP" altLang="en-US" sz="4000" b="1"/>
           </a:p>
         </p:txBody>
       </p:sp>
@@ -3976,220 +3843,14 @@
           <a:lstStyle/>
           <a:p>
             <a:pPr algn="ctr"/>
-            <a:r>
-              <a:rPr lang="ja-JP" altLang="en-US" sz="3200" b="1"/>
-              <a:t>０</a:t>
-            </a:r>
             <a:endParaRPr kumimoji="1" lang="ja-JP" altLang="en-US" sz="3200" b="1"/>
-          </a:p>
-        </p:txBody>
-      </p:sp>
-      <p:sp>
-        <p:nvSpPr>
-          <p:cNvPr id="8" name="角丸四角形 7">
-            <a:extLst>
-              <a:ext uri="{FF2B5EF4-FFF2-40B4-BE49-F238E27FC236}">
-                <a16:creationId xmlns:a16="http://schemas.microsoft.com/office/drawing/2014/main" id="{FF391980-B9F8-2C7C-6526-9A2955ABA876}"/>
-              </a:ext>
-            </a:extLst>
-          </p:cNvPr>
-          <p:cNvSpPr/>
-          <p:nvPr/>
-        </p:nvSpPr>
-        <p:spPr>
-          <a:xfrm>
-            <a:off x="1940011" y="2357051"/>
-            <a:ext cx="2384853" cy="2143898"/>
-          </a:xfrm>
-          <a:prstGeom prst="roundRect">
-            <a:avLst/>
-          </a:prstGeom>
-          <a:solidFill>
-            <a:schemeClr val="accent5"/>
-          </a:solidFill>
-        </p:spPr>
-        <p:style>
-          <a:lnRef idx="2">
-            <a:schemeClr val="accent1">
-              <a:shade val="15000"/>
-            </a:schemeClr>
-          </a:lnRef>
-          <a:fillRef idx="1">
-            <a:schemeClr val="accent1"/>
-          </a:fillRef>
-          <a:effectRef idx="0">
-            <a:schemeClr val="accent1"/>
-          </a:effectRef>
-          <a:fontRef idx="minor">
-            <a:schemeClr val="lt1"/>
-          </a:fontRef>
-        </p:style>
-        <p:txBody>
-          <a:bodyPr rtlCol="0" anchor="ctr"/>
-          <a:lstStyle/>
-          <a:p>
-            <a:pPr algn="ctr"/>
-            <a:r>
-              <a:rPr lang="ja-JP" altLang="en-US" sz="4000" b="1">
-                <a:solidFill>
-                  <a:schemeClr val="tx1"/>
-                </a:solidFill>
-              </a:rPr>
-              <a:t>黒</a:t>
-            </a:r>
-            <a:endParaRPr kumimoji="1" lang="ja-JP" altLang="en-US" sz="4000" b="1">
-              <a:solidFill>
-                <a:schemeClr val="tx1"/>
-              </a:solidFill>
-            </a:endParaRPr>
-          </a:p>
-        </p:txBody>
-      </p:sp>
-      <p:sp>
-        <p:nvSpPr>
-          <p:cNvPr id="9" name="角丸四角形 8">
-            <a:extLst>
-              <a:ext uri="{FF2B5EF4-FFF2-40B4-BE49-F238E27FC236}">
-                <a16:creationId xmlns:a16="http://schemas.microsoft.com/office/drawing/2014/main" id="{0B01053D-9810-5296-3F12-C2E97EE8BA05}"/>
-              </a:ext>
-            </a:extLst>
-          </p:cNvPr>
-          <p:cNvSpPr/>
-          <p:nvPr/>
-        </p:nvSpPr>
-        <p:spPr>
-          <a:xfrm>
-            <a:off x="7552042" y="2357051"/>
-            <a:ext cx="2384853" cy="2143898"/>
-          </a:xfrm>
-          <a:prstGeom prst="roundRect">
-            <a:avLst/>
-          </a:prstGeom>
-          <a:solidFill>
-            <a:schemeClr val="accent5"/>
-          </a:solidFill>
-        </p:spPr>
-        <p:style>
-          <a:lnRef idx="2">
-            <a:schemeClr val="accent1">
-              <a:shade val="15000"/>
-            </a:schemeClr>
-          </a:lnRef>
-          <a:fillRef idx="1">
-            <a:schemeClr val="accent1"/>
-          </a:fillRef>
-          <a:effectRef idx="0">
-            <a:schemeClr val="accent1"/>
-          </a:effectRef>
-          <a:fontRef idx="minor">
-            <a:schemeClr val="lt1"/>
-          </a:fontRef>
-        </p:style>
-        <p:txBody>
-          <a:bodyPr rtlCol="0" anchor="ctr"/>
-          <a:lstStyle/>
-          <a:p>
-            <a:pPr algn="ctr"/>
-            <a:r>
-              <a:rPr lang="ja-JP" altLang="en-US" sz="4000" b="1">
-                <a:solidFill>
-                  <a:srgbClr val="FF0000"/>
-                </a:solidFill>
-              </a:rPr>
-              <a:t>赤</a:t>
-            </a:r>
-            <a:endParaRPr kumimoji="1" lang="ja-JP" altLang="en-US" sz="4000" b="1">
-              <a:solidFill>
-                <a:srgbClr val="FF0000"/>
-              </a:solidFill>
-            </a:endParaRPr>
-          </a:p>
-        </p:txBody>
-      </p:sp>
-      <p:sp>
-        <p:nvSpPr>
-          <p:cNvPr id="10" name="テキスト ボックス 9">
-            <a:extLst>
-              <a:ext uri="{FF2B5EF4-FFF2-40B4-BE49-F238E27FC236}">
-                <a16:creationId xmlns:a16="http://schemas.microsoft.com/office/drawing/2014/main" id="{F4AEB0A1-5D88-70BD-A5ED-8482858B81AE}"/>
-              </a:ext>
-            </a:extLst>
-          </p:cNvPr>
-          <p:cNvSpPr txBox="1"/>
-          <p:nvPr/>
-        </p:nvSpPr>
-        <p:spPr>
-          <a:xfrm>
-            <a:off x="656967" y="4859959"/>
-            <a:ext cx="5439033" cy="1200329"/>
-          </a:xfrm>
-          <a:prstGeom prst="rect">
-            <a:avLst/>
-          </a:prstGeom>
-          <a:noFill/>
-        </p:spPr>
-        <p:txBody>
-          <a:bodyPr wrap="square" rtlCol="0">
-            <a:spAutoFit/>
-          </a:bodyPr>
-          <a:lstStyle/>
-          <a:p>
-            <a:r>
-              <a:rPr kumimoji="1" lang="ja-JP" altLang="en-US" sz="3600"/>
-              <a:t>一般的なプログラミング</a:t>
-            </a:r>
-            <a:endParaRPr kumimoji="1" lang="en-US" altLang="ja-JP" sz="3600" dirty="0"/>
-          </a:p>
-          <a:p>
-            <a:pPr algn="ctr"/>
-            <a:r>
-              <a:rPr lang="ja-JP" altLang="en-US" sz="3600"/>
-              <a:t>の内容</a:t>
-            </a:r>
-            <a:endParaRPr kumimoji="1" lang="ja-JP" altLang="en-US" sz="3600"/>
-          </a:p>
-        </p:txBody>
-      </p:sp>
-      <p:sp>
-        <p:nvSpPr>
-          <p:cNvPr id="11" name="テキスト ボックス 10">
-            <a:extLst>
-              <a:ext uri="{FF2B5EF4-FFF2-40B4-BE49-F238E27FC236}">
-                <a16:creationId xmlns:a16="http://schemas.microsoft.com/office/drawing/2014/main" id="{A0256301-7406-CA2C-583D-DA14640AB099}"/>
-              </a:ext>
-            </a:extLst>
-          </p:cNvPr>
-          <p:cNvSpPr txBox="1"/>
-          <p:nvPr/>
-        </p:nvSpPr>
-        <p:spPr>
-          <a:xfrm>
-            <a:off x="6794157" y="4813792"/>
-            <a:ext cx="3877985" cy="646331"/>
-          </a:xfrm>
-          <a:prstGeom prst="rect">
-            <a:avLst/>
-          </a:prstGeom>
-          <a:noFill/>
-        </p:spPr>
-        <p:txBody>
-          <a:bodyPr wrap="none" rtlCol="0">
-            <a:spAutoFit/>
-          </a:bodyPr>
-          <a:lstStyle/>
-          <a:p>
-            <a:r>
-              <a:rPr lang="ja-JP" altLang="en-US" sz="3600"/>
-              <a:t>競プロ特化の内容</a:t>
-            </a:r>
-            <a:endParaRPr kumimoji="1" lang="ja-JP" altLang="en-US" sz="3600"/>
           </a:p>
         </p:txBody>
       </p:sp>
     </p:spTree>
     <p:extLst>
       <p:ext uri="{BB962C8B-B14F-4D97-AF65-F5344CB8AC3E}">
-        <p14:creationId xmlns:p14="http://schemas.microsoft.com/office/powerpoint/2010/main" val="3782743833"/>
+        <p14:creationId xmlns:p14="http://schemas.microsoft.com/office/powerpoint/2010/main" val="68594532"/>
       </p:ext>
     </p:extLst>
   </p:cSld>
@@ -4199,7 +3860,7 @@
 </p:sld>
 </file>
 
-<file path=ppt/slides/slide4.xml><?xml version="1.0" encoding="utf-8"?>
+<file path=ppt/slides/slide11.xml><?xml version="1.0" encoding="utf-8"?>
 <p:sld xmlns:a="http://schemas.openxmlformats.org/drawingml/2006/main" xmlns:r="http://schemas.openxmlformats.org/officeDocument/2006/relationships" xmlns:p="http://schemas.openxmlformats.org/presentationml/2006/main">
   <p:cSld>
     <p:spTree>
@@ -4263,18 +3924,6 @@
           <a:bodyPr rtlCol="0" anchor="ctr"/>
           <a:lstStyle/>
           <a:p>
-            <a:r>
-              <a:rPr lang="en-US" altLang="ja-JP" sz="4000" b="1" dirty="0" err="1"/>
-              <a:t>PracticeA</a:t>
-            </a:r>
-            <a:r>
-              <a:rPr lang="en-US" altLang="ja-JP" sz="4000" b="1" dirty="0"/>
-              <a:t> – Welcome to </a:t>
-            </a:r>
-            <a:r>
-              <a:rPr lang="en-US" altLang="ja-JP" sz="4000" b="1" dirty="0" err="1"/>
-              <a:t>AtCoder</a:t>
-            </a:r>
             <a:endParaRPr kumimoji="1" lang="ja-JP" altLang="en-US" sz="4000" b="1"/>
           </a:p>
         </p:txBody>
@@ -4324,109 +3973,14 @@
           <a:lstStyle/>
           <a:p>
             <a:pPr algn="ctr"/>
-            <a:r>
-              <a:rPr lang="en-US" altLang="ja-JP" sz="3200" b="1" dirty="0"/>
-              <a:t>1</a:t>
-            </a:r>
             <a:endParaRPr kumimoji="1" lang="ja-JP" altLang="en-US" sz="3200" b="1"/>
-          </a:p>
-        </p:txBody>
-      </p:sp>
-      <p:sp>
-        <p:nvSpPr>
-          <p:cNvPr id="3" name="テキスト ボックス 2">
-            <a:extLst>
-              <a:ext uri="{FF2B5EF4-FFF2-40B4-BE49-F238E27FC236}">
-                <a16:creationId xmlns:a16="http://schemas.microsoft.com/office/drawing/2014/main" id="{65DCAC70-DBFD-617E-DB5F-5DD5BC92B39A}"/>
-              </a:ext>
-            </a:extLst>
-          </p:cNvPr>
-          <p:cNvSpPr txBox="1"/>
-          <p:nvPr/>
-        </p:nvSpPr>
-        <p:spPr>
-          <a:xfrm flipH="1">
-            <a:off x="698157" y="1787131"/>
-            <a:ext cx="6973489" cy="584775"/>
-          </a:xfrm>
-          <a:prstGeom prst="rect">
-            <a:avLst/>
-          </a:prstGeom>
-          <a:noFill/>
-        </p:spPr>
-        <p:txBody>
-          <a:bodyPr wrap="square" rtlCol="0">
-            <a:spAutoFit/>
-          </a:bodyPr>
-          <a:lstStyle/>
-          <a:p>
-            <a:r>
-              <a:rPr kumimoji="1" lang="ja-JP" altLang="en-US" sz="3200"/>
-              <a:t>この問題のポイント</a:t>
-            </a:r>
-          </a:p>
-        </p:txBody>
-      </p:sp>
-      <p:sp>
-        <p:nvSpPr>
-          <p:cNvPr id="6" name="テキスト ボックス 5">
-            <a:extLst>
-              <a:ext uri="{FF2B5EF4-FFF2-40B4-BE49-F238E27FC236}">
-                <a16:creationId xmlns:a16="http://schemas.microsoft.com/office/drawing/2014/main" id="{4DAE5CBE-6B47-30D8-35D0-75ACA3327D73}"/>
-              </a:ext>
-            </a:extLst>
-          </p:cNvPr>
-          <p:cNvSpPr txBox="1"/>
-          <p:nvPr/>
-        </p:nvSpPr>
-        <p:spPr>
-          <a:xfrm>
-            <a:off x="965200" y="2761161"/>
-            <a:ext cx="7888698" cy="584775"/>
-          </a:xfrm>
-          <a:prstGeom prst="rect">
-            <a:avLst/>
-          </a:prstGeom>
-          <a:noFill/>
-        </p:spPr>
-        <p:txBody>
-          <a:bodyPr wrap="none" rtlCol="0">
-            <a:spAutoFit/>
-          </a:bodyPr>
-          <a:lstStyle/>
-          <a:p>
-            <a:r>
-              <a:rPr kumimoji="1" lang="ja-JP" altLang="en-US" sz="3200">
-                <a:solidFill>
-                  <a:srgbClr val="F8582E"/>
-                </a:solidFill>
-              </a:rPr>
-              <a:t>・入出力ができるようになる</a:t>
-            </a:r>
-            <a:r>
-              <a:rPr lang="en-US" altLang="ja-JP" sz="3200"/>
-              <a:t>(</a:t>
-            </a:r>
-            <a:r>
-              <a:rPr lang="ja-JP" altLang="en-US" sz="3200"/>
-              <a:t>標準入出力</a:t>
-            </a:r>
-            <a:r>
-              <a:rPr lang="en-US" altLang="ja-JP" sz="3200"/>
-              <a:t>)</a:t>
-            </a:r>
-            <a:endParaRPr kumimoji="1" lang="ja-JP" altLang="en-US" sz="3200">
-              <a:solidFill>
-                <a:srgbClr val="F8582E"/>
-              </a:solidFill>
-            </a:endParaRPr>
           </a:p>
         </p:txBody>
       </p:sp>
     </p:spTree>
     <p:extLst>
       <p:ext uri="{BB962C8B-B14F-4D97-AF65-F5344CB8AC3E}">
-        <p14:creationId xmlns:p14="http://schemas.microsoft.com/office/powerpoint/2010/main" val="2846300250"/>
+        <p14:creationId xmlns:p14="http://schemas.microsoft.com/office/powerpoint/2010/main" val="1962949379"/>
       </p:ext>
     </p:extLst>
   </p:cSld>
@@ -4436,7 +3990,7 @@
 </p:sld>
 </file>
 
-<file path=ppt/slides/slide5.xml><?xml version="1.0" encoding="utf-8"?>
+<file path=ppt/slides/slide2.xml><?xml version="1.0" encoding="utf-8"?>
 <p:sld xmlns:a="http://schemas.openxmlformats.org/drawingml/2006/main" xmlns:r="http://schemas.openxmlformats.org/officeDocument/2006/relationships" xmlns:p="http://schemas.openxmlformats.org/presentationml/2006/main">
   <p:cSld>
     <p:spTree>
@@ -4503,24 +4057,11 @@
             <a:r>
               <a:rPr kumimoji="1" lang="ja-JP" altLang="en-US" sz="4000" b="1">
                 <a:solidFill>
-                  <a:srgbClr val="F8582E"/>
-                </a:solidFill>
-              </a:rPr>
-              <a:t>入出力</a:t>
-            </a:r>
-            <a:r>
-              <a:rPr lang="ja-JP" altLang="en-US" sz="4000" b="1">
-                <a:solidFill>
-                  <a:srgbClr val="F8582E"/>
-                </a:solidFill>
-              </a:rPr>
-              <a:t>ができるようになる</a:t>
-            </a:r>
-            <a:endParaRPr kumimoji="1" lang="ja-JP" altLang="en-US" sz="4000" b="1">
-              <a:solidFill>
-                <a:srgbClr val="F8582E"/>
-              </a:solidFill>
-            </a:endParaRPr>
+                  <a:schemeClr val="bg1"/>
+                </a:solidFill>
+              </a:rPr>
+              <a:t>テーマの色と内容</a:t>
+            </a:r>
           </a:p>
         </p:txBody>
       </p:sp>
@@ -4570,8 +4111,8 @@
           <a:p>
             <a:pPr algn="ctr"/>
             <a:r>
-              <a:rPr lang="en-US" altLang="ja-JP" sz="3200" b="1" dirty="0"/>
-              <a:t>1.1</a:t>
+              <a:rPr lang="ja-JP" altLang="en-US" sz="3200" b="1"/>
+              <a:t>０</a:t>
             </a:r>
             <a:endParaRPr kumimoji="1" lang="ja-JP" altLang="en-US" sz="3200" b="1"/>
           </a:p>
@@ -4579,10 +4120,132 @@
       </p:sp>
       <p:sp>
         <p:nvSpPr>
-          <p:cNvPr id="2" name="テキスト ボックス 1">
-            <a:extLst>
-              <a:ext uri="{FF2B5EF4-FFF2-40B4-BE49-F238E27FC236}">
-                <a16:creationId xmlns:a16="http://schemas.microsoft.com/office/drawing/2014/main" id="{5B6DF4F8-02F3-21BA-6494-CEF155679A79}"/>
+          <p:cNvPr id="8" name="角丸四角形 7">
+            <a:extLst>
+              <a:ext uri="{FF2B5EF4-FFF2-40B4-BE49-F238E27FC236}">
+                <a16:creationId xmlns:a16="http://schemas.microsoft.com/office/drawing/2014/main" id="{FF391980-B9F8-2C7C-6526-9A2955ABA876}"/>
+              </a:ext>
+            </a:extLst>
+          </p:cNvPr>
+          <p:cNvSpPr/>
+          <p:nvPr/>
+        </p:nvSpPr>
+        <p:spPr>
+          <a:xfrm>
+            <a:off x="1940011" y="2357051"/>
+            <a:ext cx="2384853" cy="2143898"/>
+          </a:xfrm>
+          <a:prstGeom prst="roundRect">
+            <a:avLst/>
+          </a:prstGeom>
+          <a:solidFill>
+            <a:schemeClr val="accent5"/>
+          </a:solidFill>
+        </p:spPr>
+        <p:style>
+          <a:lnRef idx="2">
+            <a:schemeClr val="accent1">
+              <a:shade val="15000"/>
+            </a:schemeClr>
+          </a:lnRef>
+          <a:fillRef idx="1">
+            <a:schemeClr val="accent1"/>
+          </a:fillRef>
+          <a:effectRef idx="0">
+            <a:schemeClr val="accent1"/>
+          </a:effectRef>
+          <a:fontRef idx="minor">
+            <a:schemeClr val="lt1"/>
+          </a:fontRef>
+        </p:style>
+        <p:txBody>
+          <a:bodyPr rtlCol="0" anchor="ctr"/>
+          <a:lstStyle/>
+          <a:p>
+            <a:pPr algn="ctr"/>
+            <a:r>
+              <a:rPr lang="ja-JP" altLang="en-US" sz="4000" b="1">
+                <a:solidFill>
+                  <a:schemeClr val="tx1"/>
+                </a:solidFill>
+              </a:rPr>
+              <a:t>黒</a:t>
+            </a:r>
+            <a:endParaRPr kumimoji="1" lang="ja-JP" altLang="en-US" sz="4000" b="1">
+              <a:solidFill>
+                <a:schemeClr val="tx1"/>
+              </a:solidFill>
+            </a:endParaRPr>
+          </a:p>
+        </p:txBody>
+      </p:sp>
+      <p:sp>
+        <p:nvSpPr>
+          <p:cNvPr id="9" name="角丸四角形 8">
+            <a:extLst>
+              <a:ext uri="{FF2B5EF4-FFF2-40B4-BE49-F238E27FC236}">
+                <a16:creationId xmlns:a16="http://schemas.microsoft.com/office/drawing/2014/main" id="{0B01053D-9810-5296-3F12-C2E97EE8BA05}"/>
+              </a:ext>
+            </a:extLst>
+          </p:cNvPr>
+          <p:cNvSpPr/>
+          <p:nvPr/>
+        </p:nvSpPr>
+        <p:spPr>
+          <a:xfrm>
+            <a:off x="7552042" y="2357051"/>
+            <a:ext cx="2384853" cy="2143898"/>
+          </a:xfrm>
+          <a:prstGeom prst="roundRect">
+            <a:avLst/>
+          </a:prstGeom>
+          <a:solidFill>
+            <a:schemeClr val="accent5"/>
+          </a:solidFill>
+        </p:spPr>
+        <p:style>
+          <a:lnRef idx="2">
+            <a:schemeClr val="accent1">
+              <a:shade val="15000"/>
+            </a:schemeClr>
+          </a:lnRef>
+          <a:fillRef idx="1">
+            <a:schemeClr val="accent1"/>
+          </a:fillRef>
+          <a:effectRef idx="0">
+            <a:schemeClr val="accent1"/>
+          </a:effectRef>
+          <a:fontRef idx="minor">
+            <a:schemeClr val="lt1"/>
+          </a:fontRef>
+        </p:style>
+        <p:txBody>
+          <a:bodyPr rtlCol="0" anchor="ctr"/>
+          <a:lstStyle/>
+          <a:p>
+            <a:pPr algn="ctr"/>
+            <a:r>
+              <a:rPr lang="ja-JP" altLang="en-US" sz="4000" b="1">
+                <a:solidFill>
+                  <a:srgbClr val="FF0000"/>
+                </a:solidFill>
+              </a:rPr>
+              <a:t>赤</a:t>
+            </a:r>
+            <a:endParaRPr kumimoji="1" lang="ja-JP" altLang="en-US" sz="4000" b="1">
+              <a:solidFill>
+                <a:srgbClr val="FF0000"/>
+              </a:solidFill>
+            </a:endParaRPr>
+          </a:p>
+        </p:txBody>
+      </p:sp>
+      <p:sp>
+        <p:nvSpPr>
+          <p:cNvPr id="10" name="テキスト ボックス 9">
+            <a:extLst>
+              <a:ext uri="{FF2B5EF4-FFF2-40B4-BE49-F238E27FC236}">
+                <a16:creationId xmlns:a16="http://schemas.microsoft.com/office/drawing/2014/main" id="{F4AEB0A1-5D88-70BD-A5ED-8482858B81AE}"/>
               </a:ext>
             </a:extLst>
           </p:cNvPr>
@@ -4591,8 +4254,8 @@
         </p:nvSpPr>
         <p:spPr>
           <a:xfrm>
-            <a:off x="914400" y="2062480"/>
-            <a:ext cx="1433406" cy="369332"/>
+            <a:off x="656967" y="4859959"/>
+            <a:ext cx="5439033" cy="1200329"/>
           </a:xfrm>
           <a:prstGeom prst="rect">
             <a:avLst/>
@@ -4600,31 +4263,67 @@
           <a:noFill/>
         </p:spPr>
         <p:txBody>
+          <a:bodyPr wrap="square" rtlCol="0">
+            <a:spAutoFit/>
+          </a:bodyPr>
+          <a:lstStyle/>
+          <a:p>
+            <a:r>
+              <a:rPr kumimoji="1" lang="ja-JP" altLang="en-US" sz="3600"/>
+              <a:t>一般的なプログラミング</a:t>
+            </a:r>
+            <a:endParaRPr kumimoji="1" lang="en-US" altLang="ja-JP" sz="3600" dirty="0"/>
+          </a:p>
+          <a:p>
+            <a:pPr algn="ctr"/>
+            <a:r>
+              <a:rPr lang="ja-JP" altLang="en-US" sz="3600"/>
+              <a:t>の内容</a:t>
+            </a:r>
+            <a:endParaRPr kumimoji="1" lang="ja-JP" altLang="en-US" sz="3600"/>
+          </a:p>
+        </p:txBody>
+      </p:sp>
+      <p:sp>
+        <p:nvSpPr>
+          <p:cNvPr id="11" name="テキスト ボックス 10">
+            <a:extLst>
+              <a:ext uri="{FF2B5EF4-FFF2-40B4-BE49-F238E27FC236}">
+                <a16:creationId xmlns:a16="http://schemas.microsoft.com/office/drawing/2014/main" id="{A0256301-7406-CA2C-583D-DA14640AB099}"/>
+              </a:ext>
+            </a:extLst>
+          </p:cNvPr>
+          <p:cNvSpPr txBox="1"/>
+          <p:nvPr/>
+        </p:nvSpPr>
+        <p:spPr>
+          <a:xfrm>
+            <a:off x="6794157" y="4813792"/>
+            <a:ext cx="3877985" cy="646331"/>
+          </a:xfrm>
+          <a:prstGeom prst="rect">
+            <a:avLst/>
+          </a:prstGeom>
+          <a:noFill/>
+        </p:spPr>
+        <p:txBody>
           <a:bodyPr wrap="none" rtlCol="0">
             <a:spAutoFit/>
           </a:bodyPr>
           <a:lstStyle/>
           <a:p>
             <a:r>
-              <a:rPr kumimoji="1" lang="en-US" altLang="ja-JP"/>
-              <a:t>C++</a:t>
-            </a:r>
-            <a:r>
-              <a:rPr kumimoji="1" lang="ja-JP" altLang="en-US"/>
-              <a:t>の場合</a:t>
-            </a:r>
-            <a:r>
-              <a:rPr kumimoji="1" lang="en-US" altLang="ja-JP"/>
-              <a:t> </a:t>
-            </a:r>
-            <a:endParaRPr kumimoji="1" lang="ja-JP" altLang="en-US"/>
+              <a:rPr lang="ja-JP" altLang="en-US" sz="3600"/>
+              <a:t>競プロ特化の内容</a:t>
+            </a:r>
+            <a:endParaRPr kumimoji="1" lang="ja-JP" altLang="en-US" sz="3600"/>
           </a:p>
         </p:txBody>
       </p:sp>
     </p:spTree>
     <p:extLst>
       <p:ext uri="{BB962C8B-B14F-4D97-AF65-F5344CB8AC3E}">
-        <p14:creationId xmlns:p14="http://schemas.microsoft.com/office/powerpoint/2010/main" val="2332965081"/>
+        <p14:creationId xmlns:p14="http://schemas.microsoft.com/office/powerpoint/2010/main" val="3782743833"/>
       </p:ext>
     </p:extLst>
   </p:cSld>
@@ -4634,7 +4333,7 @@
 </p:sld>
 </file>
 
-<file path=ppt/slides/slide6.xml><?xml version="1.0" encoding="utf-8"?>
+<file path=ppt/slides/slide3.xml><?xml version="1.0" encoding="utf-8"?>
 <p:sld xmlns:a="http://schemas.openxmlformats.org/drawingml/2006/main" xmlns:r="http://schemas.openxmlformats.org/officeDocument/2006/relationships" xmlns:p="http://schemas.openxmlformats.org/presentationml/2006/main">
   <p:cSld>
     <p:spTree>
@@ -4698,6 +4397,18 @@
           <a:bodyPr rtlCol="0" anchor="ctr"/>
           <a:lstStyle/>
           <a:p>
+            <a:r>
+              <a:rPr lang="en-US" altLang="ja-JP" sz="4000" b="1" dirty="0" err="1"/>
+              <a:t>PracticeA</a:t>
+            </a:r>
+            <a:r>
+              <a:rPr lang="en-US" altLang="ja-JP" sz="4000" b="1" dirty="0"/>
+              <a:t> – Welcome to </a:t>
+            </a:r>
+            <a:r>
+              <a:rPr lang="en-US" altLang="ja-JP" sz="4000" b="1" dirty="0" err="1"/>
+              <a:t>AtCoder</a:t>
+            </a:r>
             <a:endParaRPr kumimoji="1" lang="ja-JP" altLang="en-US" sz="4000" b="1"/>
           </a:p>
         </p:txBody>
@@ -4747,7 +4458,3445 @@
           <a:lstStyle/>
           <a:p>
             <a:pPr algn="ctr"/>
+            <a:r>
+              <a:rPr lang="en-US" altLang="ja-JP" sz="3200" b="1" dirty="0"/>
+              <a:t>1</a:t>
+            </a:r>
             <a:endParaRPr kumimoji="1" lang="ja-JP" altLang="en-US" sz="3200" b="1"/>
+          </a:p>
+        </p:txBody>
+      </p:sp>
+      <p:sp>
+        <p:nvSpPr>
+          <p:cNvPr id="3" name="テキスト ボックス 2">
+            <a:extLst>
+              <a:ext uri="{FF2B5EF4-FFF2-40B4-BE49-F238E27FC236}">
+                <a16:creationId xmlns:a16="http://schemas.microsoft.com/office/drawing/2014/main" id="{65DCAC70-DBFD-617E-DB5F-5DD5BC92B39A}"/>
+              </a:ext>
+            </a:extLst>
+          </p:cNvPr>
+          <p:cNvSpPr txBox="1"/>
+          <p:nvPr/>
+        </p:nvSpPr>
+        <p:spPr>
+          <a:xfrm flipH="1">
+            <a:off x="698157" y="1787131"/>
+            <a:ext cx="6973489" cy="584775"/>
+          </a:xfrm>
+          <a:prstGeom prst="rect">
+            <a:avLst/>
+          </a:prstGeom>
+          <a:noFill/>
+        </p:spPr>
+        <p:txBody>
+          <a:bodyPr wrap="square" rtlCol="0">
+            <a:spAutoFit/>
+          </a:bodyPr>
+          <a:lstStyle/>
+          <a:p>
+            <a:r>
+              <a:rPr kumimoji="1" lang="ja-JP" altLang="en-US" sz="3200"/>
+              <a:t>この問題のポイント</a:t>
+            </a:r>
+          </a:p>
+        </p:txBody>
+      </p:sp>
+      <p:sp>
+        <p:nvSpPr>
+          <p:cNvPr id="6" name="テキスト ボックス 5">
+            <a:extLst>
+              <a:ext uri="{FF2B5EF4-FFF2-40B4-BE49-F238E27FC236}">
+                <a16:creationId xmlns:a16="http://schemas.microsoft.com/office/drawing/2014/main" id="{4DAE5CBE-6B47-30D8-35D0-75ACA3327D73}"/>
+              </a:ext>
+            </a:extLst>
+          </p:cNvPr>
+          <p:cNvSpPr txBox="1"/>
+          <p:nvPr/>
+        </p:nvSpPr>
+        <p:spPr>
+          <a:xfrm>
+            <a:off x="965200" y="2761161"/>
+            <a:ext cx="7888698" cy="584775"/>
+          </a:xfrm>
+          <a:prstGeom prst="rect">
+            <a:avLst/>
+          </a:prstGeom>
+          <a:noFill/>
+        </p:spPr>
+        <p:txBody>
+          <a:bodyPr wrap="none" rtlCol="0">
+            <a:spAutoFit/>
+          </a:bodyPr>
+          <a:lstStyle/>
+          <a:p>
+            <a:r>
+              <a:rPr kumimoji="1" lang="ja-JP" altLang="en-US" sz="3200">
+                <a:solidFill>
+                  <a:srgbClr val="F8582E"/>
+                </a:solidFill>
+              </a:rPr>
+              <a:t>・入出力ができるようになる</a:t>
+            </a:r>
+            <a:r>
+              <a:rPr lang="en-US" altLang="ja-JP" sz="3200"/>
+              <a:t>(</a:t>
+            </a:r>
+            <a:r>
+              <a:rPr lang="ja-JP" altLang="en-US" sz="3200"/>
+              <a:t>標準入出力</a:t>
+            </a:r>
+            <a:r>
+              <a:rPr lang="en-US" altLang="ja-JP" sz="3200"/>
+              <a:t>)</a:t>
+            </a:r>
+            <a:endParaRPr kumimoji="1" lang="ja-JP" altLang="en-US" sz="3200">
+              <a:solidFill>
+                <a:srgbClr val="F8582E"/>
+              </a:solidFill>
+            </a:endParaRPr>
+          </a:p>
+        </p:txBody>
+      </p:sp>
+    </p:spTree>
+    <p:extLst>
+      <p:ext uri="{BB962C8B-B14F-4D97-AF65-F5344CB8AC3E}">
+        <p14:creationId xmlns:p14="http://schemas.microsoft.com/office/powerpoint/2010/main" val="2846300250"/>
+      </p:ext>
+    </p:extLst>
+  </p:cSld>
+  <p:clrMapOvr>
+    <a:masterClrMapping/>
+  </p:clrMapOvr>
+</p:sld>
+</file>
+
+<file path=ppt/slides/slide4.xml><?xml version="1.0" encoding="utf-8"?>
+<p:sld xmlns:a="http://schemas.openxmlformats.org/drawingml/2006/main" xmlns:r="http://schemas.openxmlformats.org/officeDocument/2006/relationships" xmlns:p="http://schemas.openxmlformats.org/presentationml/2006/main">
+  <p:cSld>
+    <p:spTree>
+      <p:nvGrpSpPr>
+        <p:cNvPr id="1" name=""/>
+        <p:cNvGrpSpPr/>
+        <p:nvPr/>
+      </p:nvGrpSpPr>
+      <p:grpSpPr>
+        <a:xfrm>
+          <a:off x="0" y="0"/>
+          <a:ext cx="0" cy="0"/>
+          <a:chOff x="0" y="0"/>
+          <a:chExt cx="0" cy="0"/>
+        </a:xfrm>
+      </p:grpSpPr>
+      <p:sp>
+        <p:nvSpPr>
+          <p:cNvPr id="4" name="正方形/長方形 3">
+            <a:extLst>
+              <a:ext uri="{FF2B5EF4-FFF2-40B4-BE49-F238E27FC236}">
+                <a16:creationId xmlns:a16="http://schemas.microsoft.com/office/drawing/2014/main" id="{9DF20083-156A-16DA-0EEB-CA65C4F4EBBD}"/>
+              </a:ext>
+            </a:extLst>
+          </p:cNvPr>
+          <p:cNvSpPr/>
+          <p:nvPr/>
+        </p:nvSpPr>
+        <p:spPr>
+          <a:xfrm>
+            <a:off x="1396314" y="0"/>
+            <a:ext cx="10795686" cy="1397876"/>
+          </a:xfrm>
+          <a:prstGeom prst="rect">
+            <a:avLst/>
+          </a:prstGeom>
+          <a:solidFill>
+            <a:schemeClr val="accent5"/>
+          </a:solidFill>
+          <a:ln>
+            <a:noFill/>
+          </a:ln>
+        </p:spPr>
+        <p:style>
+          <a:lnRef idx="2">
+            <a:schemeClr val="accent1">
+              <a:shade val="15000"/>
+            </a:schemeClr>
+          </a:lnRef>
+          <a:fillRef idx="1">
+            <a:schemeClr val="accent1"/>
+          </a:fillRef>
+          <a:effectRef idx="0">
+            <a:schemeClr val="accent1"/>
+          </a:effectRef>
+          <a:fontRef idx="minor">
+            <a:schemeClr val="lt1"/>
+          </a:fontRef>
+        </p:style>
+        <p:txBody>
+          <a:bodyPr rtlCol="0" anchor="ctr"/>
+          <a:lstStyle/>
+          <a:p>
+            <a:r>
+              <a:rPr kumimoji="1" lang="ja-JP" altLang="en-US" sz="4000" b="1">
+                <a:solidFill>
+                  <a:srgbClr val="F8582E"/>
+                </a:solidFill>
+              </a:rPr>
+              <a:t>入出力</a:t>
+            </a:r>
+            <a:r>
+              <a:rPr lang="ja-JP" altLang="en-US" sz="4000" b="1">
+                <a:solidFill>
+                  <a:srgbClr val="F8582E"/>
+                </a:solidFill>
+              </a:rPr>
+              <a:t>ができるようになる</a:t>
+            </a:r>
+            <a:r>
+              <a:rPr lang="en-US" altLang="ja-JP" sz="4000" b="1">
+                <a:solidFill>
+                  <a:srgbClr val="F8582E"/>
+                </a:solidFill>
+              </a:rPr>
+              <a:t>(C++)</a:t>
+            </a:r>
+            <a:endParaRPr kumimoji="1" lang="ja-JP" altLang="en-US" sz="4000" b="1">
+              <a:solidFill>
+                <a:srgbClr val="F8582E"/>
+              </a:solidFill>
+            </a:endParaRPr>
+          </a:p>
+        </p:txBody>
+      </p:sp>
+      <p:sp>
+        <p:nvSpPr>
+          <p:cNvPr id="5" name="正方形/長方形 4">
+            <a:extLst>
+              <a:ext uri="{FF2B5EF4-FFF2-40B4-BE49-F238E27FC236}">
+                <a16:creationId xmlns:a16="http://schemas.microsoft.com/office/drawing/2014/main" id="{BD9D5376-097D-869C-B9C1-C3A110CFEA92}"/>
+              </a:ext>
+            </a:extLst>
+          </p:cNvPr>
+          <p:cNvSpPr/>
+          <p:nvPr/>
+        </p:nvSpPr>
+        <p:spPr>
+          <a:xfrm>
+            <a:off x="0" y="0"/>
+            <a:ext cx="1396314" cy="1397876"/>
+          </a:xfrm>
+          <a:prstGeom prst="rect">
+            <a:avLst/>
+          </a:prstGeom>
+          <a:ln>
+            <a:noFill/>
+          </a:ln>
+        </p:spPr>
+        <p:style>
+          <a:lnRef idx="2">
+            <a:schemeClr val="accent1">
+              <a:shade val="15000"/>
+            </a:schemeClr>
+          </a:lnRef>
+          <a:fillRef idx="1">
+            <a:schemeClr val="accent1"/>
+          </a:fillRef>
+          <a:effectRef idx="0">
+            <a:schemeClr val="accent1"/>
+          </a:effectRef>
+          <a:fontRef idx="minor">
+            <a:schemeClr val="lt1"/>
+          </a:fontRef>
+        </p:style>
+        <p:txBody>
+          <a:bodyPr rtlCol="0" anchor="ctr"/>
+          <a:lstStyle/>
+          <a:p>
+            <a:pPr algn="ctr"/>
+            <a:r>
+              <a:rPr lang="en-US" altLang="ja-JP" sz="3200" b="1" dirty="0"/>
+              <a:t>1.1</a:t>
+            </a:r>
+            <a:endParaRPr kumimoji="1" lang="ja-JP" altLang="en-US" sz="3200" b="1"/>
+          </a:p>
+        </p:txBody>
+      </p:sp>
+      <p:sp>
+        <p:nvSpPr>
+          <p:cNvPr id="9" name="テキスト ボックス 8">
+            <a:extLst>
+              <a:ext uri="{FF2B5EF4-FFF2-40B4-BE49-F238E27FC236}">
+                <a16:creationId xmlns:a16="http://schemas.microsoft.com/office/drawing/2014/main" id="{5924708B-BE8B-5ED0-F37F-3A19E1DEEBB0}"/>
+              </a:ext>
+            </a:extLst>
+          </p:cNvPr>
+          <p:cNvSpPr txBox="1"/>
+          <p:nvPr/>
+        </p:nvSpPr>
+        <p:spPr>
+          <a:xfrm>
+            <a:off x="80890" y="4196080"/>
+            <a:ext cx="6411349" cy="2585323"/>
+          </a:xfrm>
+          <a:prstGeom prst="rect">
+            <a:avLst/>
+          </a:prstGeom>
+          <a:solidFill>
+            <a:schemeClr val="tx1"/>
+          </a:solidFill>
+        </p:spPr>
+        <p:txBody>
+          <a:bodyPr wrap="square" rtlCol="0">
+            <a:spAutoFit/>
+          </a:bodyPr>
+          <a:lstStyle/>
+          <a:p>
+            <a:r>
+              <a:rPr kumimoji="1" lang="en-US" altLang="ja-JP" sz="1800" kern="1200">
+                <a:solidFill>
+                  <a:srgbClr val="C586C0"/>
+                </a:solidFill>
+                <a:effectLst/>
+                <a:latin typeface="Menlo" panose="020B0609030804020204" pitchFamily="49" charset="0"/>
+                <a:ea typeface="Yu Gothic" panose="020B0400000000000000" pitchFamily="34" charset="-128"/>
+                <a:cs typeface="+mn-cs"/>
+              </a:rPr>
+              <a:t>#include</a:t>
+            </a:r>
+            <a:r>
+              <a:rPr kumimoji="1" lang="en-US" altLang="ja-JP" sz="1800" kern="1200">
+                <a:solidFill>
+                  <a:srgbClr val="569CD6"/>
+                </a:solidFill>
+                <a:effectLst/>
+                <a:latin typeface="Menlo" panose="020B0609030804020204" pitchFamily="49" charset="0"/>
+                <a:ea typeface="Yu Gothic" panose="020B0400000000000000" pitchFamily="34" charset="-128"/>
+                <a:cs typeface="+mn-cs"/>
+              </a:rPr>
+              <a:t> </a:t>
+            </a:r>
+            <a:r>
+              <a:rPr kumimoji="1" lang="en-US" altLang="ja-JP" sz="1800" kern="1200">
+                <a:solidFill>
+                  <a:srgbClr val="CE9178"/>
+                </a:solidFill>
+                <a:effectLst/>
+                <a:latin typeface="Menlo" panose="020B0609030804020204" pitchFamily="49" charset="0"/>
+                <a:ea typeface="Yu Gothic" panose="020B0400000000000000" pitchFamily="34" charset="-128"/>
+                <a:cs typeface="+mn-cs"/>
+              </a:rPr>
+              <a:t>&lt;iostream&gt;</a:t>
+            </a:r>
+            <a:endParaRPr lang="ja-JP" altLang="ja-JP" sz="1800">
+              <a:effectLst/>
+              <a:latin typeface="ＭＳ Ｐゴシック" panose="020B0600070205080204" pitchFamily="34" charset="-128"/>
+              <a:ea typeface="ＭＳ Ｐゴシック" panose="020B0600070205080204" pitchFamily="34" charset="-128"/>
+              <a:cs typeface="ＭＳ Ｐゴシック" panose="020B0600070205080204" pitchFamily="34" charset="-128"/>
+            </a:endParaRPr>
+          </a:p>
+          <a:p>
+            <a:r>
+              <a:rPr kumimoji="1" lang="en-US" altLang="ja-JP" sz="1800" kern="1200">
+                <a:solidFill>
+                  <a:srgbClr val="C586C0"/>
+                </a:solidFill>
+                <a:effectLst/>
+                <a:latin typeface="Menlo" panose="020B0609030804020204" pitchFamily="49" charset="0"/>
+                <a:ea typeface="Yu Gothic" panose="020B0400000000000000" pitchFamily="34" charset="-128"/>
+                <a:cs typeface="+mn-cs"/>
+              </a:rPr>
+              <a:t>using</a:t>
+            </a:r>
+            <a:r>
+              <a:rPr kumimoji="1" lang="en-US" altLang="ja-JP" sz="1800" kern="1200">
+                <a:solidFill>
+                  <a:srgbClr val="CCCCCC"/>
+                </a:solidFill>
+                <a:effectLst/>
+                <a:latin typeface="Menlo" panose="020B0609030804020204" pitchFamily="49" charset="0"/>
+                <a:ea typeface="Yu Gothic" panose="020B0400000000000000" pitchFamily="34" charset="-128"/>
+                <a:cs typeface="+mn-cs"/>
+              </a:rPr>
+              <a:t> </a:t>
+            </a:r>
+            <a:r>
+              <a:rPr kumimoji="1" lang="en-US" altLang="ja-JP" sz="1800" kern="1200">
+                <a:solidFill>
+                  <a:srgbClr val="569CD6"/>
+                </a:solidFill>
+                <a:effectLst/>
+                <a:latin typeface="Menlo" panose="020B0609030804020204" pitchFamily="49" charset="0"/>
+                <a:ea typeface="Yu Gothic" panose="020B0400000000000000" pitchFamily="34" charset="-128"/>
+                <a:cs typeface="+mn-cs"/>
+              </a:rPr>
+              <a:t>namespace</a:t>
+            </a:r>
+            <a:r>
+              <a:rPr kumimoji="1" lang="en-US" altLang="ja-JP" sz="1800" kern="1200">
+                <a:solidFill>
+                  <a:srgbClr val="CCCCCC"/>
+                </a:solidFill>
+                <a:effectLst/>
+                <a:latin typeface="Menlo" panose="020B0609030804020204" pitchFamily="49" charset="0"/>
+                <a:ea typeface="Yu Gothic" panose="020B0400000000000000" pitchFamily="34" charset="-128"/>
+                <a:cs typeface="+mn-cs"/>
+              </a:rPr>
+              <a:t> </a:t>
+            </a:r>
+            <a:r>
+              <a:rPr kumimoji="1" lang="en-US" altLang="ja-JP" sz="1800" kern="1200">
+                <a:solidFill>
+                  <a:srgbClr val="4EC9B0"/>
+                </a:solidFill>
+                <a:effectLst/>
+                <a:latin typeface="Menlo" panose="020B0609030804020204" pitchFamily="49" charset="0"/>
+                <a:ea typeface="Yu Gothic" panose="020B0400000000000000" pitchFamily="34" charset="-128"/>
+                <a:cs typeface="+mn-cs"/>
+              </a:rPr>
+              <a:t>std</a:t>
+            </a:r>
+            <a:r>
+              <a:rPr kumimoji="1" lang="en-US" altLang="ja-JP" sz="1800" kern="1200">
+                <a:solidFill>
+                  <a:srgbClr val="CCCCCC"/>
+                </a:solidFill>
+                <a:effectLst/>
+                <a:latin typeface="Menlo" panose="020B0609030804020204" pitchFamily="49" charset="0"/>
+                <a:ea typeface="Yu Gothic" panose="020B0400000000000000" pitchFamily="34" charset="-128"/>
+                <a:cs typeface="+mn-cs"/>
+              </a:rPr>
+              <a:t>;</a:t>
+            </a:r>
+            <a:endParaRPr lang="ja-JP" altLang="ja-JP" sz="1800">
+              <a:effectLst/>
+              <a:latin typeface="ＭＳ Ｐゴシック" panose="020B0600070205080204" pitchFamily="34" charset="-128"/>
+              <a:ea typeface="ＭＳ Ｐゴシック" panose="020B0600070205080204" pitchFamily="34" charset="-128"/>
+              <a:cs typeface="ＭＳ Ｐゴシック" panose="020B0600070205080204" pitchFamily="34" charset="-128"/>
+            </a:endParaRPr>
+          </a:p>
+          <a:p>
+            <a:r>
+              <a:rPr kumimoji="1" lang="en-US" altLang="ja-JP" sz="1800" kern="1200">
+                <a:solidFill>
+                  <a:srgbClr val="569CD6"/>
+                </a:solidFill>
+                <a:effectLst/>
+                <a:latin typeface="Menlo" panose="020B0609030804020204" pitchFamily="49" charset="0"/>
+                <a:ea typeface="Yu Gothic" panose="020B0400000000000000" pitchFamily="34" charset="-128"/>
+                <a:cs typeface="+mn-cs"/>
+              </a:rPr>
+              <a:t>int</a:t>
+            </a:r>
+            <a:r>
+              <a:rPr kumimoji="1" lang="en-US" altLang="ja-JP" sz="1800" kern="1200">
+                <a:solidFill>
+                  <a:srgbClr val="CCCCCC"/>
+                </a:solidFill>
+                <a:effectLst/>
+                <a:latin typeface="Menlo" panose="020B0609030804020204" pitchFamily="49" charset="0"/>
+                <a:ea typeface="Yu Gothic" panose="020B0400000000000000" pitchFamily="34" charset="-128"/>
+                <a:cs typeface="+mn-cs"/>
+              </a:rPr>
+              <a:t> </a:t>
+            </a:r>
+            <a:r>
+              <a:rPr kumimoji="1" lang="en-US" altLang="ja-JP" sz="1800" kern="1200">
+                <a:solidFill>
+                  <a:srgbClr val="DCDCAA"/>
+                </a:solidFill>
+                <a:effectLst/>
+                <a:latin typeface="Menlo" panose="020B0609030804020204" pitchFamily="49" charset="0"/>
+                <a:ea typeface="Yu Gothic" panose="020B0400000000000000" pitchFamily="34" charset="-128"/>
+                <a:cs typeface="+mn-cs"/>
+              </a:rPr>
+              <a:t>main</a:t>
+            </a:r>
+            <a:r>
+              <a:rPr kumimoji="1" lang="en-US" altLang="ja-JP" sz="1800" kern="1200">
+                <a:solidFill>
+                  <a:srgbClr val="CCCCCC"/>
+                </a:solidFill>
+                <a:effectLst/>
+                <a:latin typeface="Menlo" panose="020B0609030804020204" pitchFamily="49" charset="0"/>
+                <a:ea typeface="Yu Gothic" panose="020B0400000000000000" pitchFamily="34" charset="-128"/>
+                <a:cs typeface="+mn-cs"/>
+              </a:rPr>
+              <a:t>(){</a:t>
+            </a:r>
+            <a:endParaRPr lang="ja-JP" altLang="ja-JP" sz="1800">
+              <a:effectLst/>
+              <a:latin typeface="ＭＳ Ｐゴシック" panose="020B0600070205080204" pitchFamily="34" charset="-128"/>
+              <a:ea typeface="ＭＳ Ｐゴシック" panose="020B0600070205080204" pitchFamily="34" charset="-128"/>
+              <a:cs typeface="ＭＳ Ｐゴシック" panose="020B0600070205080204" pitchFamily="34" charset="-128"/>
+            </a:endParaRPr>
+          </a:p>
+          <a:p>
+            <a:pPr indent="228600"/>
+            <a:r>
+              <a:rPr kumimoji="1" lang="en-US" altLang="ja-JP" sz="1800" kern="1200">
+                <a:solidFill>
+                  <a:srgbClr val="569CD6"/>
+                </a:solidFill>
+                <a:effectLst/>
+                <a:latin typeface="Menlo" panose="020B0609030804020204" pitchFamily="49" charset="0"/>
+                <a:ea typeface="Yu Gothic" panose="020B0400000000000000" pitchFamily="34" charset="-128"/>
+                <a:cs typeface="+mn-cs"/>
+              </a:rPr>
+              <a:t>int</a:t>
+            </a:r>
+            <a:r>
+              <a:rPr kumimoji="1" lang="en-US" altLang="ja-JP" sz="1800" kern="1200">
+                <a:solidFill>
+                  <a:srgbClr val="CCCCCC"/>
+                </a:solidFill>
+                <a:effectLst/>
+                <a:latin typeface="Menlo" panose="020B0609030804020204" pitchFamily="49" charset="0"/>
+                <a:ea typeface="Yu Gothic" panose="020B0400000000000000" pitchFamily="34" charset="-128"/>
+                <a:cs typeface="+mn-cs"/>
+              </a:rPr>
+              <a:t> </a:t>
+            </a:r>
+            <a:r>
+              <a:rPr kumimoji="1" lang="en-US" altLang="ja-JP" sz="1800" kern="1200">
+                <a:solidFill>
+                  <a:srgbClr val="9CDCFE"/>
+                </a:solidFill>
+                <a:effectLst/>
+                <a:latin typeface="Menlo" panose="020B0609030804020204" pitchFamily="49" charset="0"/>
+                <a:ea typeface="Yu Gothic" panose="020B0400000000000000" pitchFamily="34" charset="-128"/>
+                <a:cs typeface="+mn-cs"/>
+              </a:rPr>
+              <a:t>a</a:t>
+            </a:r>
+            <a:r>
+              <a:rPr kumimoji="1" lang="en-US" altLang="ja-JP" sz="1800" kern="1200">
+                <a:solidFill>
+                  <a:srgbClr val="CCCCCC"/>
+                </a:solidFill>
+                <a:effectLst/>
+                <a:latin typeface="Menlo" panose="020B0609030804020204" pitchFamily="49" charset="0"/>
+                <a:ea typeface="Yu Gothic" panose="020B0400000000000000" pitchFamily="34" charset="-128"/>
+                <a:cs typeface="+mn-cs"/>
+              </a:rPr>
+              <a:t>,</a:t>
+            </a:r>
+            <a:r>
+              <a:rPr kumimoji="1" lang="en-US" altLang="ja-JP" sz="1800" kern="1200">
+                <a:solidFill>
+                  <a:srgbClr val="9CDCFE"/>
+                </a:solidFill>
+                <a:effectLst/>
+                <a:latin typeface="Menlo" panose="020B0609030804020204" pitchFamily="49" charset="0"/>
+                <a:ea typeface="Yu Gothic" panose="020B0400000000000000" pitchFamily="34" charset="-128"/>
+                <a:cs typeface="+mn-cs"/>
+              </a:rPr>
+              <a:t>b</a:t>
+            </a:r>
+            <a:r>
+              <a:rPr kumimoji="1" lang="en-US" altLang="ja-JP" sz="1800" kern="1200">
+                <a:solidFill>
+                  <a:srgbClr val="CCCCCC"/>
+                </a:solidFill>
+                <a:effectLst/>
+                <a:latin typeface="Menlo" panose="020B0609030804020204" pitchFamily="49" charset="0"/>
+                <a:ea typeface="Yu Gothic" panose="020B0400000000000000" pitchFamily="34" charset="-128"/>
+                <a:cs typeface="+mn-cs"/>
+              </a:rPr>
+              <a:t>,</a:t>
+            </a:r>
+            <a:r>
+              <a:rPr kumimoji="1" lang="en-US" altLang="ja-JP" sz="1800" kern="1200">
+                <a:solidFill>
+                  <a:srgbClr val="9CDCFE"/>
+                </a:solidFill>
+                <a:effectLst/>
+                <a:latin typeface="Menlo" panose="020B0609030804020204" pitchFamily="49" charset="0"/>
+                <a:ea typeface="Yu Gothic" panose="020B0400000000000000" pitchFamily="34" charset="-128"/>
+                <a:cs typeface="+mn-cs"/>
+              </a:rPr>
+              <a:t>c</a:t>
+            </a:r>
+            <a:r>
+              <a:rPr kumimoji="1" lang="en-US" altLang="ja-JP" sz="1800" kern="1200">
+                <a:solidFill>
+                  <a:srgbClr val="CCCCCC"/>
+                </a:solidFill>
+                <a:effectLst/>
+                <a:latin typeface="Menlo" panose="020B0609030804020204" pitchFamily="49" charset="0"/>
+                <a:ea typeface="Yu Gothic" panose="020B0400000000000000" pitchFamily="34" charset="-128"/>
+                <a:cs typeface="+mn-cs"/>
+              </a:rPr>
+              <a:t>;</a:t>
+            </a:r>
+            <a:endParaRPr lang="ja-JP" altLang="ja-JP" sz="1800">
+              <a:effectLst/>
+              <a:latin typeface="ＭＳ Ｐゴシック" panose="020B0600070205080204" pitchFamily="34" charset="-128"/>
+              <a:ea typeface="ＭＳ Ｐゴシック" panose="020B0600070205080204" pitchFamily="34" charset="-128"/>
+              <a:cs typeface="ＭＳ Ｐゴシック" panose="020B0600070205080204" pitchFamily="34" charset="-128"/>
+            </a:endParaRPr>
+          </a:p>
+          <a:p>
+            <a:pPr indent="228600"/>
+            <a:r>
+              <a:rPr kumimoji="1" lang="en-US" altLang="ja-JP" sz="1800" kern="1200">
+                <a:solidFill>
+                  <a:srgbClr val="9CDCFE"/>
+                </a:solidFill>
+                <a:effectLst/>
+                <a:latin typeface="Menlo" panose="020B0609030804020204" pitchFamily="49" charset="0"/>
+                <a:ea typeface="Yu Gothic" panose="020B0400000000000000" pitchFamily="34" charset="-128"/>
+                <a:cs typeface="+mn-cs"/>
+              </a:rPr>
+              <a:t>cin</a:t>
+            </a:r>
+            <a:r>
+              <a:rPr kumimoji="1" lang="en-US" altLang="ja-JP" sz="1800" kern="1200">
+                <a:solidFill>
+                  <a:srgbClr val="CCCCCC"/>
+                </a:solidFill>
+                <a:effectLst/>
+                <a:latin typeface="Menlo" panose="020B0609030804020204" pitchFamily="49" charset="0"/>
+                <a:ea typeface="Yu Gothic" panose="020B0400000000000000" pitchFamily="34" charset="-128"/>
+                <a:cs typeface="+mn-cs"/>
+              </a:rPr>
+              <a:t> </a:t>
+            </a:r>
+            <a:r>
+              <a:rPr kumimoji="1" lang="en-US" altLang="ja-JP" sz="1800" kern="1200">
+                <a:solidFill>
+                  <a:srgbClr val="DCDCAA"/>
+                </a:solidFill>
+                <a:effectLst/>
+                <a:latin typeface="Menlo" panose="020B0609030804020204" pitchFamily="49" charset="0"/>
+                <a:ea typeface="Yu Gothic" panose="020B0400000000000000" pitchFamily="34" charset="-128"/>
+                <a:cs typeface="+mn-cs"/>
+              </a:rPr>
+              <a:t>&gt;&gt;</a:t>
+            </a:r>
+            <a:r>
+              <a:rPr kumimoji="1" lang="en-US" altLang="ja-JP" sz="1800" kern="1200">
+                <a:solidFill>
+                  <a:srgbClr val="CCCCCC"/>
+                </a:solidFill>
+                <a:effectLst/>
+                <a:latin typeface="Menlo" panose="020B0609030804020204" pitchFamily="49" charset="0"/>
+                <a:ea typeface="Yu Gothic" panose="020B0400000000000000" pitchFamily="34" charset="-128"/>
+                <a:cs typeface="+mn-cs"/>
+              </a:rPr>
+              <a:t> </a:t>
+            </a:r>
+            <a:r>
+              <a:rPr kumimoji="1" lang="en-US" altLang="ja-JP" sz="1800" kern="1200">
+                <a:solidFill>
+                  <a:srgbClr val="9CDCFE"/>
+                </a:solidFill>
+                <a:effectLst/>
+                <a:latin typeface="Menlo" panose="020B0609030804020204" pitchFamily="49" charset="0"/>
+                <a:ea typeface="Yu Gothic" panose="020B0400000000000000" pitchFamily="34" charset="-128"/>
+                <a:cs typeface="+mn-cs"/>
+              </a:rPr>
+              <a:t>a</a:t>
+            </a:r>
+            <a:r>
+              <a:rPr kumimoji="1" lang="en-US" altLang="ja-JP" sz="1800" kern="1200">
+                <a:solidFill>
+                  <a:srgbClr val="CCCCCC"/>
+                </a:solidFill>
+                <a:effectLst/>
+                <a:latin typeface="Menlo" panose="020B0609030804020204" pitchFamily="49" charset="0"/>
+                <a:ea typeface="Yu Gothic" panose="020B0400000000000000" pitchFamily="34" charset="-128"/>
+                <a:cs typeface="+mn-cs"/>
+              </a:rPr>
+              <a:t> </a:t>
+            </a:r>
+            <a:r>
+              <a:rPr kumimoji="1" lang="en-US" altLang="ja-JP" sz="1800" kern="1200">
+                <a:solidFill>
+                  <a:srgbClr val="DCDCAA"/>
+                </a:solidFill>
+                <a:effectLst/>
+                <a:latin typeface="Menlo" panose="020B0609030804020204" pitchFamily="49" charset="0"/>
+                <a:ea typeface="Yu Gothic" panose="020B0400000000000000" pitchFamily="34" charset="-128"/>
+                <a:cs typeface="+mn-cs"/>
+              </a:rPr>
+              <a:t>&gt;&gt;</a:t>
+            </a:r>
+            <a:r>
+              <a:rPr kumimoji="1" lang="en-US" altLang="ja-JP" sz="1800" kern="1200">
+                <a:solidFill>
+                  <a:srgbClr val="CCCCCC"/>
+                </a:solidFill>
+                <a:effectLst/>
+                <a:latin typeface="Menlo" panose="020B0609030804020204" pitchFamily="49" charset="0"/>
+                <a:ea typeface="Yu Gothic" panose="020B0400000000000000" pitchFamily="34" charset="-128"/>
+                <a:cs typeface="+mn-cs"/>
+              </a:rPr>
+              <a:t> </a:t>
+            </a:r>
+            <a:r>
+              <a:rPr kumimoji="1" lang="en-US" altLang="ja-JP" sz="1800" kern="1200">
+                <a:solidFill>
+                  <a:srgbClr val="9CDCFE"/>
+                </a:solidFill>
+                <a:effectLst/>
+                <a:latin typeface="Menlo" panose="020B0609030804020204" pitchFamily="49" charset="0"/>
+                <a:ea typeface="Yu Gothic" panose="020B0400000000000000" pitchFamily="34" charset="-128"/>
+                <a:cs typeface="+mn-cs"/>
+              </a:rPr>
+              <a:t>b</a:t>
+            </a:r>
+            <a:r>
+              <a:rPr kumimoji="1" lang="en-US" altLang="ja-JP" sz="1800" kern="1200">
+                <a:solidFill>
+                  <a:srgbClr val="CCCCCC"/>
+                </a:solidFill>
+                <a:effectLst/>
+                <a:latin typeface="Menlo" panose="020B0609030804020204" pitchFamily="49" charset="0"/>
+                <a:ea typeface="Yu Gothic" panose="020B0400000000000000" pitchFamily="34" charset="-128"/>
+                <a:cs typeface="+mn-cs"/>
+              </a:rPr>
+              <a:t> </a:t>
+            </a:r>
+            <a:r>
+              <a:rPr kumimoji="1" lang="en-US" altLang="ja-JP" sz="1800" kern="1200">
+                <a:solidFill>
+                  <a:srgbClr val="DCDCAA"/>
+                </a:solidFill>
+                <a:effectLst/>
+                <a:latin typeface="Menlo" panose="020B0609030804020204" pitchFamily="49" charset="0"/>
+                <a:ea typeface="Yu Gothic" panose="020B0400000000000000" pitchFamily="34" charset="-128"/>
+                <a:cs typeface="+mn-cs"/>
+              </a:rPr>
+              <a:t>&gt;&gt;</a:t>
+            </a:r>
+            <a:r>
+              <a:rPr kumimoji="1" lang="en-US" altLang="ja-JP" sz="1800" kern="1200">
+                <a:solidFill>
+                  <a:srgbClr val="CCCCCC"/>
+                </a:solidFill>
+                <a:effectLst/>
+                <a:latin typeface="Menlo" panose="020B0609030804020204" pitchFamily="49" charset="0"/>
+                <a:ea typeface="Yu Gothic" panose="020B0400000000000000" pitchFamily="34" charset="-128"/>
+                <a:cs typeface="+mn-cs"/>
+              </a:rPr>
+              <a:t> </a:t>
+            </a:r>
+            <a:r>
+              <a:rPr kumimoji="1" lang="en-US" altLang="ja-JP" sz="1800" kern="1200">
+                <a:solidFill>
+                  <a:srgbClr val="9CDCFE"/>
+                </a:solidFill>
+                <a:effectLst/>
+                <a:latin typeface="Menlo" panose="020B0609030804020204" pitchFamily="49" charset="0"/>
+                <a:ea typeface="Yu Gothic" panose="020B0400000000000000" pitchFamily="34" charset="-128"/>
+                <a:cs typeface="+mn-cs"/>
+              </a:rPr>
+              <a:t>c</a:t>
+            </a:r>
+            <a:r>
+              <a:rPr kumimoji="1" lang="en-US" altLang="ja-JP" sz="1800" kern="1200">
+                <a:solidFill>
+                  <a:srgbClr val="CCCCCC"/>
+                </a:solidFill>
+                <a:effectLst/>
+                <a:latin typeface="Menlo" panose="020B0609030804020204" pitchFamily="49" charset="0"/>
+                <a:ea typeface="Yu Gothic" panose="020B0400000000000000" pitchFamily="34" charset="-128"/>
+                <a:cs typeface="+mn-cs"/>
+              </a:rPr>
+              <a:t>;</a:t>
+            </a:r>
+            <a:endParaRPr lang="ja-JP" altLang="ja-JP" sz="1800">
+              <a:effectLst/>
+              <a:latin typeface="ＭＳ Ｐゴシック" panose="020B0600070205080204" pitchFamily="34" charset="-128"/>
+              <a:ea typeface="ＭＳ Ｐゴシック" panose="020B0600070205080204" pitchFamily="34" charset="-128"/>
+              <a:cs typeface="ＭＳ Ｐゴシック" panose="020B0600070205080204" pitchFamily="34" charset="-128"/>
+            </a:endParaRPr>
+          </a:p>
+          <a:p>
+            <a:pPr indent="228600"/>
+            <a:r>
+              <a:rPr kumimoji="1" lang="en-US" altLang="ja-JP" sz="1800" kern="1200">
+                <a:solidFill>
+                  <a:srgbClr val="4EC9B0"/>
+                </a:solidFill>
+                <a:effectLst/>
+                <a:latin typeface="Menlo" panose="020B0609030804020204" pitchFamily="49" charset="0"/>
+                <a:ea typeface="Yu Gothic" panose="020B0400000000000000" pitchFamily="34" charset="-128"/>
+                <a:cs typeface="+mn-cs"/>
+              </a:rPr>
+              <a:t>string</a:t>
+            </a:r>
+            <a:r>
+              <a:rPr kumimoji="1" lang="en-US" altLang="ja-JP" sz="1800" kern="1200">
+                <a:solidFill>
+                  <a:srgbClr val="CCCCCC"/>
+                </a:solidFill>
+                <a:effectLst/>
+                <a:latin typeface="Menlo" panose="020B0609030804020204" pitchFamily="49" charset="0"/>
+                <a:ea typeface="Yu Gothic" panose="020B0400000000000000" pitchFamily="34" charset="-128"/>
+                <a:cs typeface="+mn-cs"/>
+              </a:rPr>
+              <a:t> </a:t>
+            </a:r>
+            <a:r>
+              <a:rPr kumimoji="1" lang="en-US" altLang="ja-JP" sz="1800" kern="1200">
+                <a:solidFill>
+                  <a:srgbClr val="9CDCFE"/>
+                </a:solidFill>
+                <a:effectLst/>
+                <a:latin typeface="Menlo" panose="020B0609030804020204" pitchFamily="49" charset="0"/>
+                <a:ea typeface="Yu Gothic" panose="020B0400000000000000" pitchFamily="34" charset="-128"/>
+                <a:cs typeface="+mn-cs"/>
+              </a:rPr>
+              <a:t>s</a:t>
+            </a:r>
+            <a:r>
+              <a:rPr kumimoji="1" lang="en-US" altLang="ja-JP" sz="1800" kern="1200">
+                <a:solidFill>
+                  <a:srgbClr val="CCCCCC"/>
+                </a:solidFill>
+                <a:effectLst/>
+                <a:latin typeface="Menlo" panose="020B0609030804020204" pitchFamily="49" charset="0"/>
+                <a:ea typeface="Yu Gothic" panose="020B0400000000000000" pitchFamily="34" charset="-128"/>
+                <a:cs typeface="+mn-cs"/>
+              </a:rPr>
+              <a:t>;</a:t>
+            </a:r>
+            <a:endParaRPr lang="ja-JP" altLang="ja-JP" sz="1800">
+              <a:effectLst/>
+              <a:latin typeface="ＭＳ Ｐゴシック" panose="020B0600070205080204" pitchFamily="34" charset="-128"/>
+              <a:ea typeface="ＭＳ Ｐゴシック" panose="020B0600070205080204" pitchFamily="34" charset="-128"/>
+              <a:cs typeface="ＭＳ Ｐゴシック" panose="020B0600070205080204" pitchFamily="34" charset="-128"/>
+            </a:endParaRPr>
+          </a:p>
+          <a:p>
+            <a:pPr indent="228600"/>
+            <a:r>
+              <a:rPr kumimoji="1" lang="en-US" altLang="ja-JP" sz="1800" kern="1200">
+                <a:solidFill>
+                  <a:srgbClr val="9CDCFE"/>
+                </a:solidFill>
+                <a:effectLst/>
+                <a:latin typeface="Menlo" panose="020B0609030804020204" pitchFamily="49" charset="0"/>
+                <a:ea typeface="Yu Gothic" panose="020B0400000000000000" pitchFamily="34" charset="-128"/>
+                <a:cs typeface="+mn-cs"/>
+              </a:rPr>
+              <a:t>cin</a:t>
+            </a:r>
+            <a:r>
+              <a:rPr kumimoji="1" lang="en-US" altLang="ja-JP" sz="1800" kern="1200">
+                <a:solidFill>
+                  <a:srgbClr val="CCCCCC"/>
+                </a:solidFill>
+                <a:effectLst/>
+                <a:latin typeface="Menlo" panose="020B0609030804020204" pitchFamily="49" charset="0"/>
+                <a:ea typeface="Yu Gothic" panose="020B0400000000000000" pitchFamily="34" charset="-128"/>
+                <a:cs typeface="+mn-cs"/>
+              </a:rPr>
+              <a:t> </a:t>
+            </a:r>
+            <a:r>
+              <a:rPr kumimoji="1" lang="en-US" altLang="ja-JP" sz="1800" kern="1200">
+                <a:solidFill>
+                  <a:srgbClr val="DCDCAA"/>
+                </a:solidFill>
+                <a:effectLst/>
+                <a:latin typeface="Menlo" panose="020B0609030804020204" pitchFamily="49" charset="0"/>
+                <a:ea typeface="Yu Gothic" panose="020B0400000000000000" pitchFamily="34" charset="-128"/>
+                <a:cs typeface="+mn-cs"/>
+              </a:rPr>
+              <a:t>&gt;&gt;</a:t>
+            </a:r>
+            <a:r>
+              <a:rPr kumimoji="1" lang="en-US" altLang="ja-JP" sz="1800" kern="1200">
+                <a:solidFill>
+                  <a:srgbClr val="CCCCCC"/>
+                </a:solidFill>
+                <a:effectLst/>
+                <a:latin typeface="Menlo" panose="020B0609030804020204" pitchFamily="49" charset="0"/>
+                <a:ea typeface="Yu Gothic" panose="020B0400000000000000" pitchFamily="34" charset="-128"/>
+                <a:cs typeface="+mn-cs"/>
+              </a:rPr>
+              <a:t> </a:t>
+            </a:r>
+            <a:r>
+              <a:rPr kumimoji="1" lang="en-US" altLang="ja-JP" sz="1800" kern="1200">
+                <a:solidFill>
+                  <a:srgbClr val="9CDCFE"/>
+                </a:solidFill>
+                <a:effectLst/>
+                <a:latin typeface="Menlo" panose="020B0609030804020204" pitchFamily="49" charset="0"/>
+                <a:ea typeface="Yu Gothic" panose="020B0400000000000000" pitchFamily="34" charset="-128"/>
+                <a:cs typeface="+mn-cs"/>
+              </a:rPr>
+              <a:t>s</a:t>
+            </a:r>
+            <a:r>
+              <a:rPr kumimoji="1" lang="en-US" altLang="ja-JP" sz="1800" kern="1200">
+                <a:solidFill>
+                  <a:srgbClr val="CCCCCC"/>
+                </a:solidFill>
+                <a:effectLst/>
+                <a:latin typeface="Menlo" panose="020B0609030804020204" pitchFamily="49" charset="0"/>
+                <a:ea typeface="Yu Gothic" panose="020B0400000000000000" pitchFamily="34" charset="-128"/>
+                <a:cs typeface="+mn-cs"/>
+              </a:rPr>
+              <a:t>;</a:t>
+            </a:r>
+            <a:endParaRPr lang="ja-JP" altLang="ja-JP" sz="1800">
+              <a:effectLst/>
+              <a:latin typeface="ＭＳ Ｐゴシック" panose="020B0600070205080204" pitchFamily="34" charset="-128"/>
+              <a:ea typeface="ＭＳ Ｐゴシック" panose="020B0600070205080204" pitchFamily="34" charset="-128"/>
+              <a:cs typeface="ＭＳ Ｐゴシック" panose="020B0600070205080204" pitchFamily="34" charset="-128"/>
+            </a:endParaRPr>
+          </a:p>
+          <a:p>
+            <a:pPr indent="228600"/>
+            <a:r>
+              <a:rPr kumimoji="1" lang="en-US" altLang="ja-JP" sz="1800" kern="1200">
+                <a:solidFill>
+                  <a:srgbClr val="9CDCFE"/>
+                </a:solidFill>
+                <a:effectLst/>
+                <a:latin typeface="Menlo" panose="020B0609030804020204" pitchFamily="49" charset="0"/>
+                <a:ea typeface="Yu Gothic" panose="020B0400000000000000" pitchFamily="34" charset="-128"/>
+                <a:cs typeface="+mn-cs"/>
+              </a:rPr>
+              <a:t>cout</a:t>
+            </a:r>
+            <a:r>
+              <a:rPr kumimoji="1" lang="en-US" altLang="ja-JP" sz="1800" kern="1200">
+                <a:solidFill>
+                  <a:srgbClr val="CCCCCC"/>
+                </a:solidFill>
+                <a:effectLst/>
+                <a:latin typeface="Menlo" panose="020B0609030804020204" pitchFamily="49" charset="0"/>
+                <a:ea typeface="Yu Gothic" panose="020B0400000000000000" pitchFamily="34" charset="-128"/>
+                <a:cs typeface="+mn-cs"/>
+              </a:rPr>
+              <a:t> </a:t>
+            </a:r>
+            <a:r>
+              <a:rPr kumimoji="1" lang="en-US" altLang="ja-JP" sz="1800" kern="1200">
+                <a:solidFill>
+                  <a:srgbClr val="DCDCAA"/>
+                </a:solidFill>
+                <a:effectLst/>
+                <a:latin typeface="Menlo" panose="020B0609030804020204" pitchFamily="49" charset="0"/>
+                <a:ea typeface="Yu Gothic" panose="020B0400000000000000" pitchFamily="34" charset="-128"/>
+                <a:cs typeface="+mn-cs"/>
+              </a:rPr>
+              <a:t>&lt;&lt;</a:t>
+            </a:r>
+            <a:r>
+              <a:rPr kumimoji="1" lang="en-US" altLang="ja-JP" sz="1800" kern="1200">
+                <a:solidFill>
+                  <a:srgbClr val="CCCCCC"/>
+                </a:solidFill>
+                <a:effectLst/>
+                <a:latin typeface="Menlo" panose="020B0609030804020204" pitchFamily="49" charset="0"/>
+                <a:ea typeface="Yu Gothic" panose="020B0400000000000000" pitchFamily="34" charset="-128"/>
+                <a:cs typeface="+mn-cs"/>
+              </a:rPr>
+              <a:t> </a:t>
+            </a:r>
+            <a:r>
+              <a:rPr kumimoji="1" lang="en-US" altLang="ja-JP" sz="1800" kern="1200">
+                <a:solidFill>
+                  <a:srgbClr val="9CDCFE"/>
+                </a:solidFill>
+                <a:effectLst/>
+                <a:latin typeface="Menlo" panose="020B0609030804020204" pitchFamily="49" charset="0"/>
+                <a:ea typeface="Yu Gothic" panose="020B0400000000000000" pitchFamily="34" charset="-128"/>
+                <a:cs typeface="+mn-cs"/>
+              </a:rPr>
+              <a:t>a</a:t>
+            </a:r>
+            <a:r>
+              <a:rPr kumimoji="1" lang="en-US" altLang="ja-JP" sz="1800" kern="1200">
+                <a:solidFill>
+                  <a:srgbClr val="CCCCCC"/>
+                </a:solidFill>
+                <a:effectLst/>
+                <a:latin typeface="Menlo" panose="020B0609030804020204" pitchFamily="49" charset="0"/>
+                <a:ea typeface="Yu Gothic" panose="020B0400000000000000" pitchFamily="34" charset="-128"/>
+                <a:cs typeface="+mn-cs"/>
+              </a:rPr>
+              <a:t> </a:t>
+            </a:r>
+            <a:r>
+              <a:rPr kumimoji="1" lang="en-US" altLang="ja-JP" sz="1800" kern="1200">
+                <a:solidFill>
+                  <a:srgbClr val="D4D4D4"/>
+                </a:solidFill>
+                <a:effectLst/>
+                <a:latin typeface="Menlo" panose="020B0609030804020204" pitchFamily="49" charset="0"/>
+                <a:ea typeface="Yu Gothic" panose="020B0400000000000000" pitchFamily="34" charset="-128"/>
+                <a:cs typeface="+mn-cs"/>
+              </a:rPr>
+              <a:t>+</a:t>
+            </a:r>
+            <a:r>
+              <a:rPr kumimoji="1" lang="en-US" altLang="ja-JP" sz="1800" kern="1200">
+                <a:solidFill>
+                  <a:srgbClr val="CCCCCC"/>
+                </a:solidFill>
+                <a:effectLst/>
+                <a:latin typeface="Menlo" panose="020B0609030804020204" pitchFamily="49" charset="0"/>
+                <a:ea typeface="Yu Gothic" panose="020B0400000000000000" pitchFamily="34" charset="-128"/>
+                <a:cs typeface="+mn-cs"/>
+              </a:rPr>
+              <a:t> </a:t>
+            </a:r>
+            <a:r>
+              <a:rPr kumimoji="1" lang="en-US" altLang="ja-JP" sz="1800" kern="1200">
+                <a:solidFill>
+                  <a:srgbClr val="9CDCFE"/>
+                </a:solidFill>
+                <a:effectLst/>
+                <a:latin typeface="Menlo" panose="020B0609030804020204" pitchFamily="49" charset="0"/>
+                <a:ea typeface="Yu Gothic" panose="020B0400000000000000" pitchFamily="34" charset="-128"/>
+                <a:cs typeface="+mn-cs"/>
+              </a:rPr>
+              <a:t>b</a:t>
+            </a:r>
+            <a:r>
+              <a:rPr kumimoji="1" lang="en-US" altLang="ja-JP" sz="1800" kern="1200">
+                <a:solidFill>
+                  <a:srgbClr val="CCCCCC"/>
+                </a:solidFill>
+                <a:effectLst/>
+                <a:latin typeface="Menlo" panose="020B0609030804020204" pitchFamily="49" charset="0"/>
+                <a:ea typeface="Yu Gothic" panose="020B0400000000000000" pitchFamily="34" charset="-128"/>
+                <a:cs typeface="+mn-cs"/>
+              </a:rPr>
+              <a:t> </a:t>
+            </a:r>
+            <a:r>
+              <a:rPr kumimoji="1" lang="en-US" altLang="ja-JP" sz="1800" kern="1200">
+                <a:solidFill>
+                  <a:srgbClr val="D4D4D4"/>
+                </a:solidFill>
+                <a:effectLst/>
+                <a:latin typeface="Menlo" panose="020B0609030804020204" pitchFamily="49" charset="0"/>
+                <a:ea typeface="Yu Gothic" panose="020B0400000000000000" pitchFamily="34" charset="-128"/>
+                <a:cs typeface="+mn-cs"/>
+              </a:rPr>
+              <a:t>+</a:t>
+            </a:r>
+            <a:r>
+              <a:rPr kumimoji="1" lang="en-US" altLang="ja-JP" sz="1800" kern="1200">
+                <a:solidFill>
+                  <a:srgbClr val="CCCCCC"/>
+                </a:solidFill>
+                <a:effectLst/>
+                <a:latin typeface="Menlo" panose="020B0609030804020204" pitchFamily="49" charset="0"/>
+                <a:ea typeface="Yu Gothic" panose="020B0400000000000000" pitchFamily="34" charset="-128"/>
+                <a:cs typeface="+mn-cs"/>
+              </a:rPr>
+              <a:t> </a:t>
+            </a:r>
+            <a:r>
+              <a:rPr kumimoji="1" lang="en-US" altLang="ja-JP" sz="1800" kern="1200">
+                <a:solidFill>
+                  <a:srgbClr val="9CDCFE"/>
+                </a:solidFill>
+                <a:effectLst/>
+                <a:latin typeface="Menlo" panose="020B0609030804020204" pitchFamily="49" charset="0"/>
+                <a:ea typeface="Yu Gothic" panose="020B0400000000000000" pitchFamily="34" charset="-128"/>
+                <a:cs typeface="+mn-cs"/>
+              </a:rPr>
+              <a:t>c</a:t>
+            </a:r>
+            <a:r>
+              <a:rPr kumimoji="1" lang="en-US" altLang="ja-JP" sz="1800" kern="1200">
+                <a:solidFill>
+                  <a:srgbClr val="CCCCCC"/>
+                </a:solidFill>
+                <a:effectLst/>
+                <a:latin typeface="Menlo" panose="020B0609030804020204" pitchFamily="49" charset="0"/>
+                <a:ea typeface="Yu Gothic" panose="020B0400000000000000" pitchFamily="34" charset="-128"/>
+                <a:cs typeface="+mn-cs"/>
+              </a:rPr>
+              <a:t> </a:t>
+            </a:r>
+            <a:r>
+              <a:rPr kumimoji="1" lang="en-US" altLang="ja-JP" sz="1800" kern="1200">
+                <a:solidFill>
+                  <a:srgbClr val="DCDCAA"/>
+                </a:solidFill>
+                <a:effectLst/>
+                <a:latin typeface="Menlo" panose="020B0609030804020204" pitchFamily="49" charset="0"/>
+                <a:ea typeface="Yu Gothic" panose="020B0400000000000000" pitchFamily="34" charset="-128"/>
+                <a:cs typeface="+mn-cs"/>
+              </a:rPr>
+              <a:t>&lt;&lt;</a:t>
+            </a:r>
+            <a:r>
+              <a:rPr kumimoji="1" lang="en-US" altLang="ja-JP" sz="1800" kern="1200">
+                <a:solidFill>
+                  <a:srgbClr val="CCCCCC"/>
+                </a:solidFill>
+                <a:effectLst/>
+                <a:latin typeface="Menlo" panose="020B0609030804020204" pitchFamily="49" charset="0"/>
+                <a:ea typeface="Yu Gothic" panose="020B0400000000000000" pitchFamily="34" charset="-128"/>
+                <a:cs typeface="+mn-cs"/>
+              </a:rPr>
+              <a:t> </a:t>
+            </a:r>
+            <a:r>
+              <a:rPr kumimoji="1" lang="en-US" altLang="ja-JP" sz="1800" kern="1200">
+                <a:solidFill>
+                  <a:srgbClr val="CE9178"/>
+                </a:solidFill>
+                <a:effectLst/>
+                <a:latin typeface="Menlo" panose="020B0609030804020204" pitchFamily="49" charset="0"/>
+                <a:ea typeface="Yu Gothic" panose="020B0400000000000000" pitchFamily="34" charset="-128"/>
+                <a:cs typeface="+mn-cs"/>
+              </a:rPr>
+              <a:t>" "</a:t>
+            </a:r>
+            <a:r>
+              <a:rPr kumimoji="1" lang="en-US" altLang="ja-JP" sz="1800" kern="1200">
+                <a:solidFill>
+                  <a:srgbClr val="CCCCCC"/>
+                </a:solidFill>
+                <a:effectLst/>
+                <a:latin typeface="Menlo" panose="020B0609030804020204" pitchFamily="49" charset="0"/>
+                <a:ea typeface="Yu Gothic" panose="020B0400000000000000" pitchFamily="34" charset="-128"/>
+                <a:cs typeface="+mn-cs"/>
+              </a:rPr>
+              <a:t> </a:t>
+            </a:r>
+            <a:r>
+              <a:rPr kumimoji="1" lang="en-US" altLang="ja-JP" sz="1800" kern="1200">
+                <a:solidFill>
+                  <a:srgbClr val="DCDCAA"/>
+                </a:solidFill>
+                <a:effectLst/>
+                <a:latin typeface="Menlo" panose="020B0609030804020204" pitchFamily="49" charset="0"/>
+                <a:ea typeface="Yu Gothic" panose="020B0400000000000000" pitchFamily="34" charset="-128"/>
+                <a:cs typeface="+mn-cs"/>
+              </a:rPr>
+              <a:t>&lt;&lt;</a:t>
+            </a:r>
+            <a:r>
+              <a:rPr kumimoji="1" lang="en-US" altLang="ja-JP" sz="1800" kern="1200">
+                <a:solidFill>
+                  <a:srgbClr val="CCCCCC"/>
+                </a:solidFill>
+                <a:effectLst/>
+                <a:latin typeface="Menlo" panose="020B0609030804020204" pitchFamily="49" charset="0"/>
+                <a:ea typeface="Yu Gothic" panose="020B0400000000000000" pitchFamily="34" charset="-128"/>
+                <a:cs typeface="+mn-cs"/>
+              </a:rPr>
+              <a:t> </a:t>
+            </a:r>
+            <a:r>
+              <a:rPr kumimoji="1" lang="en-US" altLang="ja-JP" sz="1800" kern="1200">
+                <a:solidFill>
+                  <a:srgbClr val="9CDCFE"/>
+                </a:solidFill>
+                <a:effectLst/>
+                <a:latin typeface="Menlo" panose="020B0609030804020204" pitchFamily="49" charset="0"/>
+                <a:ea typeface="Yu Gothic" panose="020B0400000000000000" pitchFamily="34" charset="-128"/>
+                <a:cs typeface="+mn-cs"/>
+              </a:rPr>
+              <a:t>s</a:t>
+            </a:r>
+            <a:r>
+              <a:rPr kumimoji="1" lang="en-US" altLang="ja-JP" sz="1800" kern="1200">
+                <a:solidFill>
+                  <a:srgbClr val="CCCCCC"/>
+                </a:solidFill>
+                <a:effectLst/>
+                <a:latin typeface="Menlo" panose="020B0609030804020204" pitchFamily="49" charset="0"/>
+                <a:ea typeface="Yu Gothic" panose="020B0400000000000000" pitchFamily="34" charset="-128"/>
+                <a:cs typeface="+mn-cs"/>
+              </a:rPr>
+              <a:t> </a:t>
+            </a:r>
+            <a:r>
+              <a:rPr kumimoji="1" lang="en-US" altLang="ja-JP" sz="1800" kern="1200">
+                <a:solidFill>
+                  <a:srgbClr val="DCDCAA"/>
+                </a:solidFill>
+                <a:effectLst/>
+                <a:latin typeface="Menlo" panose="020B0609030804020204" pitchFamily="49" charset="0"/>
+                <a:ea typeface="Yu Gothic" panose="020B0400000000000000" pitchFamily="34" charset="-128"/>
+                <a:cs typeface="+mn-cs"/>
+              </a:rPr>
+              <a:t>&lt;&lt;</a:t>
+            </a:r>
+            <a:r>
+              <a:rPr kumimoji="1" lang="en-US" altLang="ja-JP" sz="1800" kern="1200">
+                <a:solidFill>
+                  <a:srgbClr val="CCCCCC"/>
+                </a:solidFill>
+                <a:effectLst/>
+                <a:latin typeface="Menlo" panose="020B0609030804020204" pitchFamily="49" charset="0"/>
+                <a:ea typeface="Yu Gothic" panose="020B0400000000000000" pitchFamily="34" charset="-128"/>
+                <a:cs typeface="+mn-cs"/>
+              </a:rPr>
+              <a:t> </a:t>
+            </a:r>
+            <a:r>
+              <a:rPr kumimoji="1" lang="en-US" altLang="ja-JP" sz="1800" kern="1200">
+                <a:solidFill>
+                  <a:srgbClr val="DCDCAA"/>
+                </a:solidFill>
+                <a:effectLst/>
+                <a:latin typeface="Menlo" panose="020B0609030804020204" pitchFamily="49" charset="0"/>
+                <a:ea typeface="Yu Gothic" panose="020B0400000000000000" pitchFamily="34" charset="-128"/>
+                <a:cs typeface="+mn-cs"/>
+              </a:rPr>
+              <a:t>endl</a:t>
+            </a:r>
+            <a:r>
+              <a:rPr kumimoji="1" lang="en-US" altLang="ja-JP" sz="1800" kern="1200">
+                <a:solidFill>
+                  <a:srgbClr val="CCCCCC"/>
+                </a:solidFill>
+                <a:effectLst/>
+                <a:latin typeface="Menlo" panose="020B0609030804020204" pitchFamily="49" charset="0"/>
+                <a:ea typeface="Yu Gothic" panose="020B0400000000000000" pitchFamily="34" charset="-128"/>
+                <a:cs typeface="+mn-cs"/>
+              </a:rPr>
+              <a:t>;</a:t>
+            </a:r>
+            <a:endParaRPr lang="ja-JP" altLang="ja-JP" sz="1800">
+              <a:effectLst/>
+              <a:latin typeface="ＭＳ Ｐゴシック" panose="020B0600070205080204" pitchFamily="34" charset="-128"/>
+              <a:ea typeface="ＭＳ Ｐゴシック" panose="020B0600070205080204" pitchFamily="34" charset="-128"/>
+              <a:cs typeface="ＭＳ Ｐゴシック" panose="020B0600070205080204" pitchFamily="34" charset="-128"/>
+            </a:endParaRPr>
+          </a:p>
+          <a:p>
+            <a:r>
+              <a:rPr kumimoji="1" lang="en-US" altLang="ja-JP" sz="1800" kern="1200">
+                <a:solidFill>
+                  <a:srgbClr val="CCCCCC"/>
+                </a:solidFill>
+                <a:effectLst/>
+                <a:latin typeface="Menlo" panose="020B0609030804020204" pitchFamily="49" charset="0"/>
+                <a:ea typeface="Yu Gothic" panose="020B0400000000000000" pitchFamily="34" charset="-128"/>
+                <a:cs typeface="+mn-cs"/>
+              </a:rPr>
+              <a:t>}</a:t>
+            </a:r>
+            <a:endParaRPr lang="ja-JP" altLang="ja-JP" sz="1800">
+              <a:effectLst/>
+              <a:latin typeface="ＭＳ Ｐゴシック" panose="020B0600070205080204" pitchFamily="34" charset="-128"/>
+              <a:ea typeface="ＭＳ Ｐゴシック" panose="020B0600070205080204" pitchFamily="34" charset="-128"/>
+              <a:cs typeface="ＭＳ Ｐゴシック" panose="020B0600070205080204" pitchFamily="34" charset="-128"/>
+            </a:endParaRPr>
+          </a:p>
+        </p:txBody>
+      </p:sp>
+      <p:sp>
+        <p:nvSpPr>
+          <p:cNvPr id="10" name="テキスト ボックス 9">
+            <a:extLst>
+              <a:ext uri="{FF2B5EF4-FFF2-40B4-BE49-F238E27FC236}">
+                <a16:creationId xmlns:a16="http://schemas.microsoft.com/office/drawing/2014/main" id="{B1ACE628-2FDE-7045-C763-71D465DB4A5C}"/>
+              </a:ext>
+            </a:extLst>
+          </p:cNvPr>
+          <p:cNvSpPr txBox="1"/>
+          <p:nvPr/>
+        </p:nvSpPr>
+        <p:spPr>
+          <a:xfrm>
+            <a:off x="538480" y="2273758"/>
+            <a:ext cx="8060220" cy="523220"/>
+          </a:xfrm>
+          <a:prstGeom prst="rect">
+            <a:avLst/>
+          </a:prstGeom>
+          <a:noFill/>
+        </p:spPr>
+        <p:txBody>
+          <a:bodyPr wrap="none" rtlCol="0">
+            <a:spAutoFit/>
+          </a:bodyPr>
+          <a:lstStyle/>
+          <a:p>
+            <a:r>
+              <a:rPr kumimoji="1" lang="ja-JP" altLang="en-US" sz="2800"/>
+              <a:t>入力</a:t>
+            </a:r>
+            <a:r>
+              <a:rPr kumimoji="1" lang="en-US" altLang="ja-JP" sz="2800"/>
+              <a:t>: </a:t>
+            </a:r>
+            <a:r>
+              <a:rPr kumimoji="1" lang="ja-JP" altLang="en-US" sz="2800"/>
+              <a:t>変数を定義して入力の数だけ</a:t>
+            </a:r>
+            <a:r>
+              <a:rPr kumimoji="1" lang="en-US" altLang="ja-JP" sz="2800"/>
+              <a:t>cin</a:t>
+            </a:r>
+            <a:r>
+              <a:rPr kumimoji="1" lang="ja-JP" altLang="en-US" sz="2800"/>
+              <a:t>で受け取る</a:t>
+            </a:r>
+            <a:endParaRPr kumimoji="1" lang="en-US" altLang="ja-JP" sz="2800"/>
+          </a:p>
+        </p:txBody>
+      </p:sp>
+      <p:sp>
+        <p:nvSpPr>
+          <p:cNvPr id="11" name="テキスト ボックス 10">
+            <a:extLst>
+              <a:ext uri="{FF2B5EF4-FFF2-40B4-BE49-F238E27FC236}">
+                <a16:creationId xmlns:a16="http://schemas.microsoft.com/office/drawing/2014/main" id="{CDE85EA5-8517-4448-320A-B9FC1CCFA420}"/>
+              </a:ext>
+            </a:extLst>
+          </p:cNvPr>
+          <p:cNvSpPr txBox="1"/>
+          <p:nvPr/>
+        </p:nvSpPr>
+        <p:spPr>
+          <a:xfrm>
+            <a:off x="538480" y="3167390"/>
+            <a:ext cx="6857968" cy="523220"/>
+          </a:xfrm>
+          <a:prstGeom prst="rect">
+            <a:avLst/>
+          </a:prstGeom>
+          <a:noFill/>
+        </p:spPr>
+        <p:txBody>
+          <a:bodyPr wrap="none" rtlCol="0">
+            <a:spAutoFit/>
+          </a:bodyPr>
+          <a:lstStyle/>
+          <a:p>
+            <a:r>
+              <a:rPr kumimoji="1" lang="ja-JP" altLang="en-US" sz="2800"/>
+              <a:t>出力</a:t>
+            </a:r>
+            <a:r>
+              <a:rPr kumimoji="1" lang="en-US" altLang="ja-JP" sz="2800"/>
+              <a:t>:cout </a:t>
+            </a:r>
+            <a:r>
+              <a:rPr lang="ja-JP" altLang="en-US" sz="2800"/>
+              <a:t>、空白区切りは空白を出力する</a:t>
+            </a:r>
+            <a:endParaRPr kumimoji="1" lang="ja-JP" altLang="en-US" sz="2800"/>
+          </a:p>
+        </p:txBody>
+      </p:sp>
+      <p:sp>
+        <p:nvSpPr>
+          <p:cNvPr id="12" name="テキスト ボックス 11">
+            <a:extLst>
+              <a:ext uri="{FF2B5EF4-FFF2-40B4-BE49-F238E27FC236}">
+                <a16:creationId xmlns:a16="http://schemas.microsoft.com/office/drawing/2014/main" id="{3D177112-AC47-C842-5DBB-943B42F26E48}"/>
+              </a:ext>
+            </a:extLst>
+          </p:cNvPr>
+          <p:cNvSpPr txBox="1"/>
+          <p:nvPr/>
+        </p:nvSpPr>
+        <p:spPr>
+          <a:xfrm>
+            <a:off x="2409401" y="3876356"/>
+            <a:ext cx="877163" cy="369332"/>
+          </a:xfrm>
+          <a:prstGeom prst="rect">
+            <a:avLst/>
+          </a:prstGeom>
+          <a:noFill/>
+        </p:spPr>
+        <p:txBody>
+          <a:bodyPr wrap="none" rtlCol="0">
+            <a:spAutoFit/>
+          </a:bodyPr>
+          <a:lstStyle/>
+          <a:p>
+            <a:r>
+              <a:rPr kumimoji="1" lang="ja-JP" altLang="en-US"/>
+              <a:t>解答例</a:t>
+            </a:r>
+          </a:p>
+        </p:txBody>
+      </p:sp>
+    </p:spTree>
+    <p:extLst>
+      <p:ext uri="{BB962C8B-B14F-4D97-AF65-F5344CB8AC3E}">
+        <p14:creationId xmlns:p14="http://schemas.microsoft.com/office/powerpoint/2010/main" val="2332965081"/>
+      </p:ext>
+    </p:extLst>
+  </p:cSld>
+  <p:clrMapOvr>
+    <a:masterClrMapping/>
+  </p:clrMapOvr>
+</p:sld>
+</file>
+
+<file path=ppt/slides/slide5.xml><?xml version="1.0" encoding="utf-8"?>
+<p:sld xmlns:a="http://schemas.openxmlformats.org/drawingml/2006/main" xmlns:r="http://schemas.openxmlformats.org/officeDocument/2006/relationships" xmlns:p="http://schemas.openxmlformats.org/presentationml/2006/main">
+  <p:cSld>
+    <p:spTree>
+      <p:nvGrpSpPr>
+        <p:cNvPr id="1" name=""/>
+        <p:cNvGrpSpPr/>
+        <p:nvPr/>
+      </p:nvGrpSpPr>
+      <p:grpSpPr>
+        <a:xfrm>
+          <a:off x="0" y="0"/>
+          <a:ext cx="0" cy="0"/>
+          <a:chOff x="0" y="0"/>
+          <a:chExt cx="0" cy="0"/>
+        </a:xfrm>
+      </p:grpSpPr>
+      <p:sp>
+        <p:nvSpPr>
+          <p:cNvPr id="4" name="正方形/長方形 3">
+            <a:extLst>
+              <a:ext uri="{FF2B5EF4-FFF2-40B4-BE49-F238E27FC236}">
+                <a16:creationId xmlns:a16="http://schemas.microsoft.com/office/drawing/2014/main" id="{9DF20083-156A-16DA-0EEB-CA65C4F4EBBD}"/>
+              </a:ext>
+            </a:extLst>
+          </p:cNvPr>
+          <p:cNvSpPr/>
+          <p:nvPr/>
+        </p:nvSpPr>
+        <p:spPr>
+          <a:xfrm>
+            <a:off x="1396314" y="0"/>
+            <a:ext cx="10795686" cy="1397876"/>
+          </a:xfrm>
+          <a:prstGeom prst="rect">
+            <a:avLst/>
+          </a:prstGeom>
+          <a:solidFill>
+            <a:schemeClr val="accent5"/>
+          </a:solidFill>
+          <a:ln>
+            <a:noFill/>
+          </a:ln>
+        </p:spPr>
+        <p:style>
+          <a:lnRef idx="2">
+            <a:schemeClr val="accent1">
+              <a:shade val="15000"/>
+            </a:schemeClr>
+          </a:lnRef>
+          <a:fillRef idx="1">
+            <a:schemeClr val="accent1"/>
+          </a:fillRef>
+          <a:effectRef idx="0">
+            <a:schemeClr val="accent1"/>
+          </a:effectRef>
+          <a:fontRef idx="minor">
+            <a:schemeClr val="lt1"/>
+          </a:fontRef>
+        </p:style>
+        <p:txBody>
+          <a:bodyPr rtlCol="0" anchor="ctr"/>
+          <a:lstStyle/>
+          <a:p>
+            <a:r>
+              <a:rPr kumimoji="1" lang="ja-JP" altLang="en-US" sz="4000" b="1">
+                <a:solidFill>
+                  <a:srgbClr val="F8582E"/>
+                </a:solidFill>
+              </a:rPr>
+              <a:t>入出力</a:t>
+            </a:r>
+            <a:r>
+              <a:rPr lang="ja-JP" altLang="en-US" sz="4000" b="1">
+                <a:solidFill>
+                  <a:srgbClr val="F8582E"/>
+                </a:solidFill>
+              </a:rPr>
+              <a:t>ができるようになる</a:t>
+            </a:r>
+            <a:r>
+              <a:rPr lang="en-US" altLang="ja-JP" sz="4000" b="1">
+                <a:solidFill>
+                  <a:srgbClr val="F8582E"/>
+                </a:solidFill>
+              </a:rPr>
+              <a:t>(Python)</a:t>
+            </a:r>
+            <a:endParaRPr kumimoji="1" lang="ja-JP" altLang="en-US" sz="4000" b="1">
+              <a:solidFill>
+                <a:srgbClr val="F8582E"/>
+              </a:solidFill>
+            </a:endParaRPr>
+          </a:p>
+        </p:txBody>
+      </p:sp>
+      <p:sp>
+        <p:nvSpPr>
+          <p:cNvPr id="5" name="正方形/長方形 4">
+            <a:extLst>
+              <a:ext uri="{FF2B5EF4-FFF2-40B4-BE49-F238E27FC236}">
+                <a16:creationId xmlns:a16="http://schemas.microsoft.com/office/drawing/2014/main" id="{BD9D5376-097D-869C-B9C1-C3A110CFEA92}"/>
+              </a:ext>
+            </a:extLst>
+          </p:cNvPr>
+          <p:cNvSpPr/>
+          <p:nvPr/>
+        </p:nvSpPr>
+        <p:spPr>
+          <a:xfrm>
+            <a:off x="0" y="0"/>
+            <a:ext cx="1396314" cy="1397876"/>
+          </a:xfrm>
+          <a:prstGeom prst="rect">
+            <a:avLst/>
+          </a:prstGeom>
+          <a:ln>
+            <a:noFill/>
+          </a:ln>
+        </p:spPr>
+        <p:style>
+          <a:lnRef idx="2">
+            <a:schemeClr val="accent1">
+              <a:shade val="15000"/>
+            </a:schemeClr>
+          </a:lnRef>
+          <a:fillRef idx="1">
+            <a:schemeClr val="accent1"/>
+          </a:fillRef>
+          <a:effectRef idx="0">
+            <a:schemeClr val="accent1"/>
+          </a:effectRef>
+          <a:fontRef idx="minor">
+            <a:schemeClr val="lt1"/>
+          </a:fontRef>
+        </p:style>
+        <p:txBody>
+          <a:bodyPr rtlCol="0" anchor="ctr"/>
+          <a:lstStyle/>
+          <a:p>
+            <a:pPr algn="ctr"/>
+            <a:r>
+              <a:rPr lang="en-US" altLang="ja-JP" sz="3200" b="1" dirty="0"/>
+              <a:t>1.2</a:t>
+            </a:r>
+            <a:endParaRPr kumimoji="1" lang="ja-JP" altLang="en-US" sz="3200" b="1"/>
+          </a:p>
+        </p:txBody>
+      </p:sp>
+      <p:sp>
+        <p:nvSpPr>
+          <p:cNvPr id="9" name="テキスト ボックス 8">
+            <a:extLst>
+              <a:ext uri="{FF2B5EF4-FFF2-40B4-BE49-F238E27FC236}">
+                <a16:creationId xmlns:a16="http://schemas.microsoft.com/office/drawing/2014/main" id="{5924708B-BE8B-5ED0-F37F-3A19E1DEEBB0}"/>
+              </a:ext>
+            </a:extLst>
+          </p:cNvPr>
+          <p:cNvSpPr txBox="1"/>
+          <p:nvPr/>
+        </p:nvSpPr>
+        <p:spPr>
+          <a:xfrm>
+            <a:off x="0" y="5482432"/>
+            <a:ext cx="4978401" cy="1374735"/>
+          </a:xfrm>
+          <a:prstGeom prst="rect">
+            <a:avLst/>
+          </a:prstGeom>
+          <a:solidFill>
+            <a:schemeClr val="tx1"/>
+          </a:solidFill>
+        </p:spPr>
+        <p:txBody>
+          <a:bodyPr wrap="square" rtlCol="0">
+            <a:spAutoFit/>
+          </a:bodyPr>
+          <a:lstStyle/>
+          <a:p>
+            <a:pPr algn="l">
+              <a:lnSpc>
+                <a:spcPts val="1950"/>
+              </a:lnSpc>
+            </a:pPr>
+            <a:r>
+              <a:rPr lang="en-US" altLang="ja-JP" sz="1800" kern="0">
+                <a:solidFill>
+                  <a:srgbClr val="9CDCFE"/>
+                </a:solidFill>
+                <a:effectLst/>
+                <a:latin typeface="Menlo" panose="020B0609030804020204" pitchFamily="49" charset="0"/>
+                <a:ea typeface="ＭＳ Ｐゴシック" panose="020B0600070205080204" pitchFamily="34" charset="-128"/>
+                <a:cs typeface="Times New Roman" panose="02020603050405020304" pitchFamily="18" charset="0"/>
+              </a:rPr>
+              <a:t>a</a:t>
+            </a:r>
+            <a:r>
+              <a:rPr lang="en-US" altLang="ja-JP" sz="1800" kern="0">
+                <a:solidFill>
+                  <a:srgbClr val="CCCCCC"/>
+                </a:solidFill>
+                <a:effectLst/>
+                <a:latin typeface="Menlo" panose="020B0609030804020204" pitchFamily="49" charset="0"/>
+                <a:ea typeface="ＭＳ Ｐゴシック" panose="020B0600070205080204" pitchFamily="34" charset="-128"/>
+                <a:cs typeface="Times New Roman" panose="02020603050405020304" pitchFamily="18" charset="0"/>
+              </a:rPr>
+              <a:t> </a:t>
+            </a:r>
+            <a:r>
+              <a:rPr lang="en-US" altLang="ja-JP" sz="1800" kern="0">
+                <a:solidFill>
+                  <a:srgbClr val="D4D4D4"/>
+                </a:solidFill>
+                <a:effectLst/>
+                <a:latin typeface="Menlo" panose="020B0609030804020204" pitchFamily="49" charset="0"/>
+                <a:ea typeface="ＭＳ Ｐゴシック" panose="020B0600070205080204" pitchFamily="34" charset="-128"/>
+                <a:cs typeface="Times New Roman" panose="02020603050405020304" pitchFamily="18" charset="0"/>
+              </a:rPr>
+              <a:t>=</a:t>
+            </a:r>
+            <a:r>
+              <a:rPr lang="en-US" altLang="ja-JP" sz="1800" kern="0">
+                <a:solidFill>
+                  <a:srgbClr val="CCCCCC"/>
+                </a:solidFill>
+                <a:effectLst/>
+                <a:latin typeface="Menlo" panose="020B0609030804020204" pitchFamily="49" charset="0"/>
+                <a:ea typeface="ＭＳ Ｐゴシック" panose="020B0600070205080204" pitchFamily="34" charset="-128"/>
+                <a:cs typeface="Times New Roman" panose="02020603050405020304" pitchFamily="18" charset="0"/>
+              </a:rPr>
+              <a:t> </a:t>
+            </a:r>
+            <a:r>
+              <a:rPr lang="en-US" altLang="ja-JP" sz="1800" kern="0">
+                <a:solidFill>
+                  <a:srgbClr val="4EC9B0"/>
+                </a:solidFill>
+                <a:effectLst/>
+                <a:latin typeface="Menlo" panose="020B0609030804020204" pitchFamily="49" charset="0"/>
+                <a:ea typeface="ＭＳ Ｐゴシック" panose="020B0600070205080204" pitchFamily="34" charset="-128"/>
+                <a:cs typeface="Times New Roman" panose="02020603050405020304" pitchFamily="18" charset="0"/>
+              </a:rPr>
+              <a:t>int</a:t>
+            </a:r>
+            <a:r>
+              <a:rPr lang="en-US" altLang="ja-JP" sz="1800" kern="0">
+                <a:solidFill>
+                  <a:srgbClr val="CCCCCC"/>
+                </a:solidFill>
+                <a:effectLst/>
+                <a:latin typeface="Menlo" panose="020B0609030804020204" pitchFamily="49" charset="0"/>
+                <a:ea typeface="ＭＳ Ｐゴシック" panose="020B0600070205080204" pitchFamily="34" charset="-128"/>
+                <a:cs typeface="Times New Roman" panose="02020603050405020304" pitchFamily="18" charset="0"/>
+              </a:rPr>
+              <a:t>(</a:t>
+            </a:r>
+            <a:r>
+              <a:rPr lang="en-US" altLang="ja-JP" sz="1800" kern="0">
+                <a:solidFill>
+                  <a:srgbClr val="DCDCAA"/>
+                </a:solidFill>
+                <a:effectLst/>
+                <a:latin typeface="Menlo" panose="020B0609030804020204" pitchFamily="49" charset="0"/>
+                <a:ea typeface="ＭＳ Ｐゴシック" panose="020B0600070205080204" pitchFamily="34" charset="-128"/>
+                <a:cs typeface="Times New Roman" panose="02020603050405020304" pitchFamily="18" charset="0"/>
+              </a:rPr>
+              <a:t>input</a:t>
+            </a:r>
+            <a:r>
+              <a:rPr lang="en-US" altLang="ja-JP" sz="1800" kern="0">
+                <a:solidFill>
+                  <a:srgbClr val="CCCCCC"/>
+                </a:solidFill>
+                <a:effectLst/>
+                <a:latin typeface="Menlo" panose="020B0609030804020204" pitchFamily="49" charset="0"/>
+                <a:ea typeface="ＭＳ Ｐゴシック" panose="020B0600070205080204" pitchFamily="34" charset="-128"/>
+                <a:cs typeface="Times New Roman" panose="02020603050405020304" pitchFamily="18" charset="0"/>
+              </a:rPr>
+              <a:t>())</a:t>
+            </a:r>
+            <a:endParaRPr lang="ja-JP" altLang="ja-JP" sz="1800" kern="100">
+              <a:effectLst/>
+              <a:latin typeface="游明朝" panose="02020400000000000000" pitchFamily="18" charset="-128"/>
+              <a:ea typeface="游明朝" panose="02020400000000000000" pitchFamily="18" charset="-128"/>
+              <a:cs typeface="Times New Roman" panose="02020603050405020304" pitchFamily="18" charset="0"/>
+            </a:endParaRPr>
+          </a:p>
+          <a:p>
+            <a:pPr algn="l">
+              <a:lnSpc>
+                <a:spcPts val="1950"/>
+              </a:lnSpc>
+            </a:pPr>
+            <a:r>
+              <a:rPr lang="en-US" altLang="ja-JP" sz="1800" kern="0">
+                <a:solidFill>
+                  <a:srgbClr val="9CDCFE"/>
+                </a:solidFill>
+                <a:effectLst/>
+                <a:latin typeface="Menlo" panose="020B0609030804020204" pitchFamily="49" charset="0"/>
+                <a:ea typeface="ＭＳ Ｐゴシック" panose="020B0600070205080204" pitchFamily="34" charset="-128"/>
+                <a:cs typeface="Times New Roman" panose="02020603050405020304" pitchFamily="18" charset="0"/>
+              </a:rPr>
+              <a:t>b</a:t>
+            </a:r>
+            <a:r>
+              <a:rPr lang="en-US" altLang="ja-JP" sz="1800" kern="0">
+                <a:solidFill>
+                  <a:srgbClr val="CCCCCC"/>
+                </a:solidFill>
+                <a:effectLst/>
+                <a:latin typeface="Menlo" panose="020B0609030804020204" pitchFamily="49" charset="0"/>
+                <a:ea typeface="ＭＳ Ｐゴシック" panose="020B0600070205080204" pitchFamily="34" charset="-128"/>
+                <a:cs typeface="Times New Roman" panose="02020603050405020304" pitchFamily="18" charset="0"/>
+              </a:rPr>
+              <a:t>,</a:t>
+            </a:r>
+            <a:r>
+              <a:rPr lang="en-US" altLang="ja-JP" sz="1800" kern="0">
+                <a:solidFill>
+                  <a:srgbClr val="9CDCFE"/>
+                </a:solidFill>
+                <a:effectLst/>
+                <a:latin typeface="Menlo" panose="020B0609030804020204" pitchFamily="49" charset="0"/>
+                <a:ea typeface="ＭＳ Ｐゴシック" panose="020B0600070205080204" pitchFamily="34" charset="-128"/>
+                <a:cs typeface="Times New Roman" panose="02020603050405020304" pitchFamily="18" charset="0"/>
+              </a:rPr>
+              <a:t>c</a:t>
+            </a:r>
+            <a:r>
+              <a:rPr lang="en-US" altLang="ja-JP" sz="1800" kern="0">
+                <a:solidFill>
+                  <a:srgbClr val="CCCCCC"/>
+                </a:solidFill>
+                <a:effectLst/>
+                <a:latin typeface="Menlo" panose="020B0609030804020204" pitchFamily="49" charset="0"/>
+                <a:ea typeface="ＭＳ Ｐゴシック" panose="020B0600070205080204" pitchFamily="34" charset="-128"/>
+                <a:cs typeface="Times New Roman" panose="02020603050405020304" pitchFamily="18" charset="0"/>
+              </a:rPr>
+              <a:t> </a:t>
+            </a:r>
+            <a:r>
+              <a:rPr lang="en-US" altLang="ja-JP" sz="1800" kern="0">
+                <a:solidFill>
+                  <a:srgbClr val="D4D4D4"/>
+                </a:solidFill>
+                <a:effectLst/>
+                <a:latin typeface="Menlo" panose="020B0609030804020204" pitchFamily="49" charset="0"/>
+                <a:ea typeface="ＭＳ Ｐゴシック" panose="020B0600070205080204" pitchFamily="34" charset="-128"/>
+                <a:cs typeface="Times New Roman" panose="02020603050405020304" pitchFamily="18" charset="0"/>
+              </a:rPr>
+              <a:t>=</a:t>
+            </a:r>
+            <a:r>
+              <a:rPr lang="en-US" altLang="ja-JP" sz="1800" kern="0">
+                <a:solidFill>
+                  <a:srgbClr val="CCCCCC"/>
+                </a:solidFill>
+                <a:effectLst/>
+                <a:latin typeface="Menlo" panose="020B0609030804020204" pitchFamily="49" charset="0"/>
+                <a:ea typeface="ＭＳ Ｐゴシック" panose="020B0600070205080204" pitchFamily="34" charset="-128"/>
+                <a:cs typeface="Times New Roman" panose="02020603050405020304" pitchFamily="18" charset="0"/>
+              </a:rPr>
+              <a:t> </a:t>
+            </a:r>
+            <a:r>
+              <a:rPr lang="en-US" altLang="ja-JP" sz="1800" kern="0">
+                <a:solidFill>
+                  <a:srgbClr val="4EC9B0"/>
+                </a:solidFill>
+                <a:effectLst/>
+                <a:latin typeface="Menlo" panose="020B0609030804020204" pitchFamily="49" charset="0"/>
+                <a:ea typeface="ＭＳ Ｐゴシック" panose="020B0600070205080204" pitchFamily="34" charset="-128"/>
+                <a:cs typeface="Times New Roman" panose="02020603050405020304" pitchFamily="18" charset="0"/>
+              </a:rPr>
+              <a:t>map</a:t>
+            </a:r>
+            <a:r>
+              <a:rPr lang="en-US" altLang="ja-JP" sz="1800" kern="0">
+                <a:solidFill>
+                  <a:srgbClr val="CCCCCC"/>
+                </a:solidFill>
+                <a:effectLst/>
+                <a:latin typeface="Menlo" panose="020B0609030804020204" pitchFamily="49" charset="0"/>
+                <a:ea typeface="ＭＳ Ｐゴシック" panose="020B0600070205080204" pitchFamily="34" charset="-128"/>
+                <a:cs typeface="Times New Roman" panose="02020603050405020304" pitchFamily="18" charset="0"/>
+              </a:rPr>
+              <a:t>(</a:t>
+            </a:r>
+            <a:r>
+              <a:rPr lang="en-US" altLang="ja-JP" sz="1800" kern="0">
+                <a:solidFill>
+                  <a:srgbClr val="4EC9B0"/>
+                </a:solidFill>
+                <a:effectLst/>
+                <a:latin typeface="Menlo" panose="020B0609030804020204" pitchFamily="49" charset="0"/>
+                <a:ea typeface="ＭＳ Ｐゴシック" panose="020B0600070205080204" pitchFamily="34" charset="-128"/>
+                <a:cs typeface="Times New Roman" panose="02020603050405020304" pitchFamily="18" charset="0"/>
+              </a:rPr>
+              <a:t>int</a:t>
+            </a:r>
+            <a:r>
+              <a:rPr lang="en-US" altLang="ja-JP" sz="1800" kern="0">
+                <a:solidFill>
+                  <a:srgbClr val="CCCCCC"/>
+                </a:solidFill>
+                <a:effectLst/>
+                <a:latin typeface="Menlo" panose="020B0609030804020204" pitchFamily="49" charset="0"/>
+                <a:ea typeface="ＭＳ Ｐゴシック" panose="020B0600070205080204" pitchFamily="34" charset="-128"/>
+                <a:cs typeface="Times New Roman" panose="02020603050405020304" pitchFamily="18" charset="0"/>
+              </a:rPr>
+              <a:t>,</a:t>
+            </a:r>
+            <a:r>
+              <a:rPr lang="en-US" altLang="ja-JP" sz="1800" kern="0">
+                <a:solidFill>
+                  <a:srgbClr val="DCDCAA"/>
+                </a:solidFill>
+                <a:effectLst/>
+                <a:latin typeface="Menlo" panose="020B0609030804020204" pitchFamily="49" charset="0"/>
+                <a:ea typeface="ＭＳ Ｐゴシック" panose="020B0600070205080204" pitchFamily="34" charset="-128"/>
+                <a:cs typeface="Times New Roman" panose="02020603050405020304" pitchFamily="18" charset="0"/>
+              </a:rPr>
+              <a:t>input</a:t>
+            </a:r>
+            <a:r>
+              <a:rPr lang="en-US" altLang="ja-JP" sz="1800" kern="0">
+                <a:solidFill>
+                  <a:srgbClr val="CCCCCC"/>
+                </a:solidFill>
+                <a:effectLst/>
+                <a:latin typeface="Menlo" panose="020B0609030804020204" pitchFamily="49" charset="0"/>
+                <a:ea typeface="ＭＳ Ｐゴシック" panose="020B0600070205080204" pitchFamily="34" charset="-128"/>
+                <a:cs typeface="Times New Roman" panose="02020603050405020304" pitchFamily="18" charset="0"/>
+              </a:rPr>
+              <a:t>().</a:t>
+            </a:r>
+            <a:r>
+              <a:rPr lang="en-US" altLang="ja-JP" sz="1800" kern="0">
+                <a:solidFill>
+                  <a:srgbClr val="DCDCAA"/>
+                </a:solidFill>
+                <a:effectLst/>
+                <a:latin typeface="Menlo" panose="020B0609030804020204" pitchFamily="49" charset="0"/>
+                <a:ea typeface="ＭＳ Ｐゴシック" panose="020B0600070205080204" pitchFamily="34" charset="-128"/>
+                <a:cs typeface="Times New Roman" panose="02020603050405020304" pitchFamily="18" charset="0"/>
+              </a:rPr>
+              <a:t>split</a:t>
+            </a:r>
+            <a:r>
+              <a:rPr lang="en-US" altLang="ja-JP" sz="1800" kern="0">
+                <a:solidFill>
+                  <a:srgbClr val="CCCCCC"/>
+                </a:solidFill>
+                <a:effectLst/>
+                <a:latin typeface="Menlo" panose="020B0609030804020204" pitchFamily="49" charset="0"/>
+                <a:ea typeface="ＭＳ Ｐゴシック" panose="020B0600070205080204" pitchFamily="34" charset="-128"/>
+                <a:cs typeface="Times New Roman" panose="02020603050405020304" pitchFamily="18" charset="0"/>
+              </a:rPr>
+              <a:t>())</a:t>
+            </a:r>
+            <a:endParaRPr lang="ja-JP" altLang="ja-JP" sz="1800" kern="100">
+              <a:effectLst/>
+              <a:latin typeface="游明朝" panose="02020400000000000000" pitchFamily="18" charset="-128"/>
+              <a:ea typeface="游明朝" panose="02020400000000000000" pitchFamily="18" charset="-128"/>
+              <a:cs typeface="Times New Roman" panose="02020603050405020304" pitchFamily="18" charset="0"/>
+            </a:endParaRPr>
+          </a:p>
+          <a:p>
+            <a:pPr algn="l">
+              <a:lnSpc>
+                <a:spcPts val="1950"/>
+              </a:lnSpc>
+            </a:pPr>
+            <a:r>
+              <a:rPr lang="en-US" altLang="ja-JP" sz="1800" kern="0">
+                <a:solidFill>
+                  <a:srgbClr val="9CDCFE"/>
+                </a:solidFill>
+                <a:effectLst/>
+                <a:latin typeface="Menlo" panose="020B0609030804020204" pitchFamily="49" charset="0"/>
+                <a:ea typeface="ＭＳ Ｐゴシック" panose="020B0600070205080204" pitchFamily="34" charset="-128"/>
+                <a:cs typeface="Times New Roman" panose="02020603050405020304" pitchFamily="18" charset="0"/>
+              </a:rPr>
+              <a:t>s</a:t>
+            </a:r>
+            <a:r>
+              <a:rPr lang="en-US" altLang="ja-JP" sz="1800" kern="0">
+                <a:solidFill>
+                  <a:srgbClr val="CCCCCC"/>
+                </a:solidFill>
+                <a:effectLst/>
+                <a:latin typeface="Menlo" panose="020B0609030804020204" pitchFamily="49" charset="0"/>
+                <a:ea typeface="ＭＳ Ｐゴシック" panose="020B0600070205080204" pitchFamily="34" charset="-128"/>
+                <a:cs typeface="Times New Roman" panose="02020603050405020304" pitchFamily="18" charset="0"/>
+              </a:rPr>
+              <a:t> </a:t>
+            </a:r>
+            <a:r>
+              <a:rPr lang="en-US" altLang="ja-JP" sz="1800" kern="0">
+                <a:solidFill>
+                  <a:srgbClr val="D4D4D4"/>
+                </a:solidFill>
+                <a:effectLst/>
+                <a:latin typeface="Menlo" panose="020B0609030804020204" pitchFamily="49" charset="0"/>
+                <a:ea typeface="ＭＳ Ｐゴシック" panose="020B0600070205080204" pitchFamily="34" charset="-128"/>
+                <a:cs typeface="Times New Roman" panose="02020603050405020304" pitchFamily="18" charset="0"/>
+              </a:rPr>
+              <a:t>=</a:t>
+            </a:r>
+            <a:r>
+              <a:rPr lang="en-US" altLang="ja-JP" sz="1800" kern="0">
+                <a:solidFill>
+                  <a:srgbClr val="CCCCCC"/>
+                </a:solidFill>
+                <a:effectLst/>
+                <a:latin typeface="Menlo" panose="020B0609030804020204" pitchFamily="49" charset="0"/>
+                <a:ea typeface="ＭＳ Ｐゴシック" panose="020B0600070205080204" pitchFamily="34" charset="-128"/>
+                <a:cs typeface="Times New Roman" panose="02020603050405020304" pitchFamily="18" charset="0"/>
+              </a:rPr>
+              <a:t> </a:t>
+            </a:r>
+            <a:r>
+              <a:rPr lang="en-US" altLang="ja-JP" sz="1800" kern="0">
+                <a:solidFill>
+                  <a:srgbClr val="DCDCAA"/>
+                </a:solidFill>
+                <a:effectLst/>
+                <a:latin typeface="Menlo" panose="020B0609030804020204" pitchFamily="49" charset="0"/>
+                <a:ea typeface="ＭＳ Ｐゴシック" panose="020B0600070205080204" pitchFamily="34" charset="-128"/>
+                <a:cs typeface="Times New Roman" panose="02020603050405020304" pitchFamily="18" charset="0"/>
+              </a:rPr>
+              <a:t>input</a:t>
+            </a:r>
+            <a:r>
+              <a:rPr lang="en-US" altLang="ja-JP" sz="1800" kern="0">
+                <a:solidFill>
+                  <a:srgbClr val="CCCCCC"/>
+                </a:solidFill>
+                <a:effectLst/>
+                <a:latin typeface="Menlo" panose="020B0609030804020204" pitchFamily="49" charset="0"/>
+                <a:ea typeface="ＭＳ Ｐゴシック" panose="020B0600070205080204" pitchFamily="34" charset="-128"/>
+                <a:cs typeface="Times New Roman" panose="02020603050405020304" pitchFamily="18" charset="0"/>
+              </a:rPr>
+              <a:t>()</a:t>
+            </a:r>
+            <a:endParaRPr lang="ja-JP" altLang="ja-JP" sz="1800" kern="100">
+              <a:effectLst/>
+              <a:latin typeface="游明朝" panose="02020400000000000000" pitchFamily="18" charset="-128"/>
+              <a:ea typeface="游明朝" panose="02020400000000000000" pitchFamily="18" charset="-128"/>
+              <a:cs typeface="Times New Roman" panose="02020603050405020304" pitchFamily="18" charset="0"/>
+            </a:endParaRPr>
+          </a:p>
+          <a:p>
+            <a:pPr algn="l">
+              <a:lnSpc>
+                <a:spcPts val="1950"/>
+              </a:lnSpc>
+            </a:pPr>
+            <a:r>
+              <a:rPr lang="en-US" altLang="ja-JP" sz="1800" kern="0">
+                <a:solidFill>
+                  <a:srgbClr val="9CDCFE"/>
+                </a:solidFill>
+                <a:effectLst/>
+                <a:latin typeface="Menlo" panose="020B0609030804020204" pitchFamily="49" charset="0"/>
+                <a:ea typeface="ＭＳ Ｐゴシック" panose="020B0600070205080204" pitchFamily="34" charset="-128"/>
+                <a:cs typeface="Times New Roman" panose="02020603050405020304" pitchFamily="18" charset="0"/>
+              </a:rPr>
+              <a:t>ans</a:t>
+            </a:r>
+            <a:r>
+              <a:rPr lang="en-US" altLang="ja-JP" sz="1800" kern="0">
+                <a:solidFill>
+                  <a:srgbClr val="CCCCCC"/>
+                </a:solidFill>
+                <a:effectLst/>
+                <a:latin typeface="Menlo" panose="020B0609030804020204" pitchFamily="49" charset="0"/>
+                <a:ea typeface="ＭＳ Ｐゴシック" panose="020B0600070205080204" pitchFamily="34" charset="-128"/>
+                <a:cs typeface="Times New Roman" panose="02020603050405020304" pitchFamily="18" charset="0"/>
+              </a:rPr>
+              <a:t> </a:t>
+            </a:r>
+            <a:r>
+              <a:rPr lang="en-US" altLang="ja-JP" sz="1800" kern="0">
+                <a:solidFill>
+                  <a:srgbClr val="D4D4D4"/>
+                </a:solidFill>
+                <a:effectLst/>
+                <a:latin typeface="Menlo" panose="020B0609030804020204" pitchFamily="49" charset="0"/>
+                <a:ea typeface="ＭＳ Ｐゴシック" panose="020B0600070205080204" pitchFamily="34" charset="-128"/>
+                <a:cs typeface="Times New Roman" panose="02020603050405020304" pitchFamily="18" charset="0"/>
+              </a:rPr>
+              <a:t>=</a:t>
+            </a:r>
+            <a:r>
+              <a:rPr lang="en-US" altLang="ja-JP" sz="1800" kern="0">
+                <a:solidFill>
+                  <a:srgbClr val="CCCCCC"/>
+                </a:solidFill>
+                <a:effectLst/>
+                <a:latin typeface="Menlo" panose="020B0609030804020204" pitchFamily="49" charset="0"/>
+                <a:ea typeface="ＭＳ Ｐゴシック" panose="020B0600070205080204" pitchFamily="34" charset="-128"/>
+                <a:cs typeface="Times New Roman" panose="02020603050405020304" pitchFamily="18" charset="0"/>
+              </a:rPr>
+              <a:t> </a:t>
+            </a:r>
+            <a:r>
+              <a:rPr lang="en-US" altLang="ja-JP" sz="1800" kern="0">
+                <a:solidFill>
+                  <a:srgbClr val="4EC9B0"/>
+                </a:solidFill>
+                <a:effectLst/>
+                <a:latin typeface="Menlo" panose="020B0609030804020204" pitchFamily="49" charset="0"/>
+                <a:ea typeface="ＭＳ Ｐゴシック" panose="020B0600070205080204" pitchFamily="34" charset="-128"/>
+                <a:cs typeface="Times New Roman" panose="02020603050405020304" pitchFamily="18" charset="0"/>
+              </a:rPr>
+              <a:t>str</a:t>
+            </a:r>
+            <a:r>
+              <a:rPr lang="en-US" altLang="ja-JP" sz="1800" kern="0">
+                <a:solidFill>
+                  <a:srgbClr val="CCCCCC"/>
+                </a:solidFill>
+                <a:effectLst/>
+                <a:latin typeface="Menlo" panose="020B0609030804020204" pitchFamily="49" charset="0"/>
+                <a:ea typeface="ＭＳ Ｐゴシック" panose="020B0600070205080204" pitchFamily="34" charset="-128"/>
+                <a:cs typeface="Times New Roman" panose="02020603050405020304" pitchFamily="18" charset="0"/>
+              </a:rPr>
+              <a:t>(</a:t>
+            </a:r>
+            <a:r>
+              <a:rPr lang="en-US" altLang="ja-JP" sz="1800" kern="0">
+                <a:solidFill>
+                  <a:srgbClr val="9CDCFE"/>
+                </a:solidFill>
+                <a:effectLst/>
+                <a:latin typeface="Menlo" panose="020B0609030804020204" pitchFamily="49" charset="0"/>
+                <a:ea typeface="ＭＳ Ｐゴシック" panose="020B0600070205080204" pitchFamily="34" charset="-128"/>
+                <a:cs typeface="Times New Roman" panose="02020603050405020304" pitchFamily="18" charset="0"/>
+              </a:rPr>
+              <a:t>a</a:t>
+            </a:r>
+            <a:r>
+              <a:rPr lang="en-US" altLang="ja-JP" sz="1800" kern="0">
+                <a:solidFill>
+                  <a:srgbClr val="CCCCCC"/>
+                </a:solidFill>
+                <a:effectLst/>
+                <a:latin typeface="Menlo" panose="020B0609030804020204" pitchFamily="49" charset="0"/>
+                <a:ea typeface="ＭＳ Ｐゴシック" panose="020B0600070205080204" pitchFamily="34" charset="-128"/>
+                <a:cs typeface="Times New Roman" panose="02020603050405020304" pitchFamily="18" charset="0"/>
+              </a:rPr>
+              <a:t> </a:t>
+            </a:r>
+            <a:r>
+              <a:rPr lang="en-US" altLang="ja-JP" sz="1800" kern="0">
+                <a:solidFill>
+                  <a:srgbClr val="D4D4D4"/>
+                </a:solidFill>
+                <a:effectLst/>
+                <a:latin typeface="Menlo" panose="020B0609030804020204" pitchFamily="49" charset="0"/>
+                <a:ea typeface="ＭＳ Ｐゴシック" panose="020B0600070205080204" pitchFamily="34" charset="-128"/>
+                <a:cs typeface="Times New Roman" panose="02020603050405020304" pitchFamily="18" charset="0"/>
+              </a:rPr>
+              <a:t>+</a:t>
+            </a:r>
+            <a:r>
+              <a:rPr lang="en-US" altLang="ja-JP" sz="1800" kern="0">
+                <a:solidFill>
+                  <a:srgbClr val="CCCCCC"/>
+                </a:solidFill>
+                <a:effectLst/>
+                <a:latin typeface="Menlo" panose="020B0609030804020204" pitchFamily="49" charset="0"/>
+                <a:ea typeface="ＭＳ Ｐゴシック" panose="020B0600070205080204" pitchFamily="34" charset="-128"/>
+                <a:cs typeface="Times New Roman" panose="02020603050405020304" pitchFamily="18" charset="0"/>
+              </a:rPr>
+              <a:t> </a:t>
+            </a:r>
+            <a:r>
+              <a:rPr lang="en-US" altLang="ja-JP" sz="1800" kern="0">
+                <a:solidFill>
+                  <a:srgbClr val="9CDCFE"/>
+                </a:solidFill>
+                <a:effectLst/>
+                <a:latin typeface="Menlo" panose="020B0609030804020204" pitchFamily="49" charset="0"/>
+                <a:ea typeface="ＭＳ Ｐゴシック" panose="020B0600070205080204" pitchFamily="34" charset="-128"/>
+                <a:cs typeface="Times New Roman" panose="02020603050405020304" pitchFamily="18" charset="0"/>
+              </a:rPr>
+              <a:t>b</a:t>
+            </a:r>
+            <a:r>
+              <a:rPr lang="en-US" altLang="ja-JP" sz="1800" kern="0">
+                <a:solidFill>
+                  <a:srgbClr val="CCCCCC"/>
+                </a:solidFill>
+                <a:effectLst/>
+                <a:latin typeface="Menlo" panose="020B0609030804020204" pitchFamily="49" charset="0"/>
+                <a:ea typeface="ＭＳ Ｐゴシック" panose="020B0600070205080204" pitchFamily="34" charset="-128"/>
+                <a:cs typeface="Times New Roman" panose="02020603050405020304" pitchFamily="18" charset="0"/>
+              </a:rPr>
+              <a:t> </a:t>
+            </a:r>
+            <a:r>
+              <a:rPr lang="en-US" altLang="ja-JP" sz="1800" kern="0">
+                <a:solidFill>
+                  <a:srgbClr val="D4D4D4"/>
+                </a:solidFill>
+                <a:effectLst/>
+                <a:latin typeface="Menlo" panose="020B0609030804020204" pitchFamily="49" charset="0"/>
+                <a:ea typeface="ＭＳ Ｐゴシック" panose="020B0600070205080204" pitchFamily="34" charset="-128"/>
+                <a:cs typeface="Times New Roman" panose="02020603050405020304" pitchFamily="18" charset="0"/>
+              </a:rPr>
+              <a:t>+</a:t>
+            </a:r>
+            <a:r>
+              <a:rPr lang="en-US" altLang="ja-JP" sz="1800" kern="0">
+                <a:solidFill>
+                  <a:srgbClr val="CCCCCC"/>
+                </a:solidFill>
+                <a:effectLst/>
+                <a:latin typeface="Menlo" panose="020B0609030804020204" pitchFamily="49" charset="0"/>
+                <a:ea typeface="ＭＳ Ｐゴシック" panose="020B0600070205080204" pitchFamily="34" charset="-128"/>
+                <a:cs typeface="Times New Roman" panose="02020603050405020304" pitchFamily="18" charset="0"/>
+              </a:rPr>
+              <a:t> </a:t>
+            </a:r>
+            <a:r>
+              <a:rPr lang="en-US" altLang="ja-JP" sz="1800" kern="0">
+                <a:solidFill>
+                  <a:srgbClr val="9CDCFE"/>
+                </a:solidFill>
+                <a:effectLst/>
+                <a:latin typeface="Menlo" panose="020B0609030804020204" pitchFamily="49" charset="0"/>
+                <a:ea typeface="ＭＳ Ｐゴシック" panose="020B0600070205080204" pitchFamily="34" charset="-128"/>
+                <a:cs typeface="Times New Roman" panose="02020603050405020304" pitchFamily="18" charset="0"/>
+              </a:rPr>
+              <a:t>c</a:t>
+            </a:r>
+            <a:r>
+              <a:rPr lang="en-US" altLang="ja-JP" sz="1800" kern="0">
+                <a:solidFill>
+                  <a:srgbClr val="CCCCCC"/>
+                </a:solidFill>
+                <a:effectLst/>
+                <a:latin typeface="Menlo" panose="020B0609030804020204" pitchFamily="49" charset="0"/>
+                <a:ea typeface="ＭＳ Ｐゴシック" panose="020B0600070205080204" pitchFamily="34" charset="-128"/>
+                <a:cs typeface="Times New Roman" panose="02020603050405020304" pitchFamily="18" charset="0"/>
+              </a:rPr>
+              <a:t>)  </a:t>
+            </a:r>
+            <a:r>
+              <a:rPr lang="en-US" altLang="ja-JP" sz="1800" kern="0">
+                <a:solidFill>
+                  <a:srgbClr val="D4D4D4"/>
+                </a:solidFill>
+                <a:effectLst/>
+                <a:latin typeface="Menlo" panose="020B0609030804020204" pitchFamily="49" charset="0"/>
+                <a:ea typeface="ＭＳ Ｐゴシック" panose="020B0600070205080204" pitchFamily="34" charset="-128"/>
+                <a:cs typeface="Times New Roman" panose="02020603050405020304" pitchFamily="18" charset="0"/>
+              </a:rPr>
+              <a:t>+</a:t>
+            </a:r>
+            <a:r>
+              <a:rPr lang="en-US" altLang="ja-JP" sz="1800" kern="0">
+                <a:solidFill>
+                  <a:srgbClr val="CCCCCC"/>
+                </a:solidFill>
+                <a:effectLst/>
+                <a:latin typeface="Menlo" panose="020B0609030804020204" pitchFamily="49" charset="0"/>
+                <a:ea typeface="ＭＳ Ｐゴシック" panose="020B0600070205080204" pitchFamily="34" charset="-128"/>
+                <a:cs typeface="Times New Roman" panose="02020603050405020304" pitchFamily="18" charset="0"/>
+              </a:rPr>
+              <a:t> </a:t>
+            </a:r>
+            <a:r>
+              <a:rPr lang="en-US" altLang="ja-JP" sz="1800" kern="0">
+                <a:solidFill>
+                  <a:srgbClr val="CE9178"/>
+                </a:solidFill>
+                <a:effectLst/>
+                <a:latin typeface="Menlo" panose="020B0609030804020204" pitchFamily="49" charset="0"/>
+                <a:ea typeface="ＭＳ Ｐゴシック" panose="020B0600070205080204" pitchFamily="34" charset="-128"/>
+                <a:cs typeface="Times New Roman" panose="02020603050405020304" pitchFamily="18" charset="0"/>
+              </a:rPr>
+              <a:t>' '</a:t>
+            </a:r>
+            <a:r>
+              <a:rPr lang="en-US" altLang="ja-JP" sz="1800" kern="0">
+                <a:solidFill>
+                  <a:srgbClr val="CCCCCC"/>
+                </a:solidFill>
+                <a:effectLst/>
+                <a:latin typeface="Menlo" panose="020B0609030804020204" pitchFamily="49" charset="0"/>
+                <a:ea typeface="ＭＳ Ｐゴシック" panose="020B0600070205080204" pitchFamily="34" charset="-128"/>
+                <a:cs typeface="Times New Roman" panose="02020603050405020304" pitchFamily="18" charset="0"/>
+              </a:rPr>
+              <a:t> </a:t>
+            </a:r>
+            <a:r>
+              <a:rPr lang="en-US" altLang="ja-JP" sz="1800" kern="0">
+                <a:solidFill>
+                  <a:srgbClr val="D4D4D4"/>
+                </a:solidFill>
+                <a:effectLst/>
+                <a:latin typeface="Menlo" panose="020B0609030804020204" pitchFamily="49" charset="0"/>
+                <a:ea typeface="ＭＳ Ｐゴシック" panose="020B0600070205080204" pitchFamily="34" charset="-128"/>
+                <a:cs typeface="Times New Roman" panose="02020603050405020304" pitchFamily="18" charset="0"/>
+              </a:rPr>
+              <a:t>+</a:t>
+            </a:r>
+            <a:r>
+              <a:rPr lang="en-US" altLang="ja-JP" sz="1800" kern="0">
+                <a:solidFill>
+                  <a:srgbClr val="CCCCCC"/>
+                </a:solidFill>
+                <a:effectLst/>
+                <a:latin typeface="Menlo" panose="020B0609030804020204" pitchFamily="49" charset="0"/>
+                <a:ea typeface="ＭＳ Ｐゴシック" panose="020B0600070205080204" pitchFamily="34" charset="-128"/>
+                <a:cs typeface="Times New Roman" panose="02020603050405020304" pitchFamily="18" charset="0"/>
+              </a:rPr>
+              <a:t> </a:t>
+            </a:r>
+            <a:r>
+              <a:rPr lang="en-US" altLang="ja-JP" sz="1800" kern="0">
+                <a:solidFill>
+                  <a:srgbClr val="9CDCFE"/>
+                </a:solidFill>
+                <a:effectLst/>
+                <a:latin typeface="Menlo" panose="020B0609030804020204" pitchFamily="49" charset="0"/>
+                <a:ea typeface="ＭＳ Ｐゴシック" panose="020B0600070205080204" pitchFamily="34" charset="-128"/>
+                <a:cs typeface="Times New Roman" panose="02020603050405020304" pitchFamily="18" charset="0"/>
+              </a:rPr>
+              <a:t>s</a:t>
+            </a:r>
+            <a:endParaRPr lang="ja-JP" altLang="ja-JP" sz="1800" kern="100">
+              <a:effectLst/>
+              <a:latin typeface="游明朝" panose="02020400000000000000" pitchFamily="18" charset="-128"/>
+              <a:ea typeface="游明朝" panose="02020400000000000000" pitchFamily="18" charset="-128"/>
+              <a:cs typeface="Times New Roman" panose="02020603050405020304" pitchFamily="18" charset="0"/>
+            </a:endParaRPr>
+          </a:p>
+          <a:p>
+            <a:pPr algn="l">
+              <a:lnSpc>
+                <a:spcPts val="1950"/>
+              </a:lnSpc>
+            </a:pPr>
+            <a:r>
+              <a:rPr lang="en-US" altLang="ja-JP" sz="1800" kern="0">
+                <a:solidFill>
+                  <a:srgbClr val="DCDCAA"/>
+                </a:solidFill>
+                <a:effectLst/>
+                <a:latin typeface="Menlo" panose="020B0609030804020204" pitchFamily="49" charset="0"/>
+                <a:ea typeface="ＭＳ Ｐゴシック" panose="020B0600070205080204" pitchFamily="34" charset="-128"/>
+                <a:cs typeface="Times New Roman" panose="02020603050405020304" pitchFamily="18" charset="0"/>
+              </a:rPr>
+              <a:t>print</a:t>
+            </a:r>
+            <a:r>
+              <a:rPr lang="en-US" altLang="ja-JP" sz="1800" kern="0">
+                <a:solidFill>
+                  <a:srgbClr val="CCCCCC"/>
+                </a:solidFill>
+                <a:effectLst/>
+                <a:latin typeface="Menlo" panose="020B0609030804020204" pitchFamily="49" charset="0"/>
+                <a:ea typeface="ＭＳ Ｐゴシック" panose="020B0600070205080204" pitchFamily="34" charset="-128"/>
+                <a:cs typeface="Times New Roman" panose="02020603050405020304" pitchFamily="18" charset="0"/>
+              </a:rPr>
+              <a:t>(</a:t>
+            </a:r>
+            <a:r>
+              <a:rPr lang="en-US" altLang="ja-JP" sz="1800" kern="0">
+                <a:solidFill>
+                  <a:srgbClr val="9CDCFE"/>
+                </a:solidFill>
+                <a:effectLst/>
+                <a:latin typeface="Menlo" panose="020B0609030804020204" pitchFamily="49" charset="0"/>
+                <a:ea typeface="ＭＳ Ｐゴシック" panose="020B0600070205080204" pitchFamily="34" charset="-128"/>
+                <a:cs typeface="Times New Roman" panose="02020603050405020304" pitchFamily="18" charset="0"/>
+              </a:rPr>
+              <a:t>ans</a:t>
+            </a:r>
+            <a:r>
+              <a:rPr lang="en-US" altLang="ja-JP" sz="1800" kern="0">
+                <a:solidFill>
+                  <a:srgbClr val="CCCCCC"/>
+                </a:solidFill>
+                <a:effectLst/>
+                <a:latin typeface="Menlo" panose="020B0609030804020204" pitchFamily="49" charset="0"/>
+                <a:ea typeface="ＭＳ Ｐゴシック" panose="020B0600070205080204" pitchFamily="34" charset="-128"/>
+                <a:cs typeface="Times New Roman" panose="02020603050405020304" pitchFamily="18" charset="0"/>
+              </a:rPr>
+              <a:t>)</a:t>
+            </a:r>
+            <a:endParaRPr lang="ja-JP" altLang="ja-JP" sz="1800" kern="100">
+              <a:effectLst/>
+              <a:latin typeface="游明朝" panose="02020400000000000000" pitchFamily="18" charset="-128"/>
+              <a:ea typeface="游明朝" panose="02020400000000000000" pitchFamily="18" charset="-128"/>
+              <a:cs typeface="Times New Roman" panose="02020603050405020304" pitchFamily="18" charset="0"/>
+            </a:endParaRPr>
+          </a:p>
+        </p:txBody>
+      </p:sp>
+      <p:sp>
+        <p:nvSpPr>
+          <p:cNvPr id="6" name="テキスト ボックス 5">
+            <a:extLst>
+              <a:ext uri="{FF2B5EF4-FFF2-40B4-BE49-F238E27FC236}">
+                <a16:creationId xmlns:a16="http://schemas.microsoft.com/office/drawing/2014/main" id="{AF9ED196-D68C-510E-76BD-38531AD45125}"/>
+              </a:ext>
+            </a:extLst>
+          </p:cNvPr>
+          <p:cNvSpPr txBox="1"/>
+          <p:nvPr/>
+        </p:nvSpPr>
+        <p:spPr>
+          <a:xfrm>
+            <a:off x="352268" y="3882095"/>
+            <a:ext cx="5093061" cy="307777"/>
+          </a:xfrm>
+          <a:prstGeom prst="rect">
+            <a:avLst/>
+          </a:prstGeom>
+          <a:noFill/>
+        </p:spPr>
+        <p:txBody>
+          <a:bodyPr wrap="none" rtlCol="0">
+            <a:spAutoFit/>
+          </a:bodyPr>
+          <a:lstStyle/>
+          <a:p>
+            <a:r>
+              <a:rPr kumimoji="1" lang="en" altLang="ja-JP" sz="1400"/>
+              <a:t>https://qiita.com/scythercas/items/5e08dfffb49468dd1176</a:t>
+            </a:r>
+            <a:endParaRPr kumimoji="1" lang="ja-JP" altLang="en-US" sz="1400"/>
+          </a:p>
+        </p:txBody>
+      </p:sp>
+      <p:sp>
+        <p:nvSpPr>
+          <p:cNvPr id="12" name="テキスト ボックス 11">
+            <a:extLst>
+              <a:ext uri="{FF2B5EF4-FFF2-40B4-BE49-F238E27FC236}">
+                <a16:creationId xmlns:a16="http://schemas.microsoft.com/office/drawing/2014/main" id="{BC649045-E90D-2D77-4C55-D599B83D70A2}"/>
+              </a:ext>
+            </a:extLst>
+          </p:cNvPr>
+          <p:cNvSpPr txBox="1"/>
+          <p:nvPr/>
+        </p:nvSpPr>
+        <p:spPr>
+          <a:xfrm>
+            <a:off x="499794" y="3447403"/>
+            <a:ext cx="646331" cy="369332"/>
+          </a:xfrm>
+          <a:prstGeom prst="rect">
+            <a:avLst/>
+          </a:prstGeom>
+          <a:noFill/>
+        </p:spPr>
+        <p:txBody>
+          <a:bodyPr wrap="none" rtlCol="0">
+            <a:spAutoFit/>
+          </a:bodyPr>
+          <a:lstStyle/>
+          <a:p>
+            <a:r>
+              <a:rPr kumimoji="1" lang="ja-JP" altLang="en-US"/>
+              <a:t>参考</a:t>
+            </a:r>
+          </a:p>
+        </p:txBody>
+      </p:sp>
+      <p:sp>
+        <p:nvSpPr>
+          <p:cNvPr id="13" name="テキスト ボックス 12">
+            <a:extLst>
+              <a:ext uri="{FF2B5EF4-FFF2-40B4-BE49-F238E27FC236}">
+                <a16:creationId xmlns:a16="http://schemas.microsoft.com/office/drawing/2014/main" id="{97B0310A-2BA9-024E-FD08-839FC1B9D963}"/>
+              </a:ext>
+            </a:extLst>
+          </p:cNvPr>
+          <p:cNvSpPr txBox="1"/>
+          <p:nvPr/>
+        </p:nvSpPr>
+        <p:spPr>
+          <a:xfrm>
+            <a:off x="499794" y="1807295"/>
+            <a:ext cx="10491975" cy="523220"/>
+          </a:xfrm>
+          <a:prstGeom prst="rect">
+            <a:avLst/>
+          </a:prstGeom>
+          <a:noFill/>
+        </p:spPr>
+        <p:txBody>
+          <a:bodyPr wrap="none" rtlCol="0">
+            <a:spAutoFit/>
+          </a:bodyPr>
+          <a:lstStyle/>
+          <a:p>
+            <a:r>
+              <a:rPr kumimoji="1" lang="ja-JP" altLang="en-US" sz="2800"/>
+              <a:t>入力</a:t>
+            </a:r>
+            <a:r>
+              <a:rPr kumimoji="1" lang="en-US" altLang="ja-JP" sz="2800"/>
+              <a:t>: input()</a:t>
+            </a:r>
+            <a:r>
+              <a:rPr kumimoji="1" lang="ja-JP" altLang="en-US" sz="2800"/>
+              <a:t>で一行ずつ受け取る</a:t>
+            </a:r>
+            <a:r>
+              <a:rPr lang="ja-JP" altLang="en-US" sz="2800"/>
+              <a:t>、入力は文字列で受け取られる</a:t>
+            </a:r>
+            <a:endParaRPr kumimoji="1" lang="ja-JP" altLang="en-US" sz="2800"/>
+          </a:p>
+        </p:txBody>
+      </p:sp>
+      <p:sp>
+        <p:nvSpPr>
+          <p:cNvPr id="14" name="テキスト ボックス 13">
+            <a:extLst>
+              <a:ext uri="{FF2B5EF4-FFF2-40B4-BE49-F238E27FC236}">
+                <a16:creationId xmlns:a16="http://schemas.microsoft.com/office/drawing/2014/main" id="{8E73FDA2-B327-DDFB-8CB6-D7238DD0A0D0}"/>
+              </a:ext>
+            </a:extLst>
+          </p:cNvPr>
+          <p:cNvSpPr txBox="1"/>
+          <p:nvPr/>
+        </p:nvSpPr>
+        <p:spPr>
+          <a:xfrm>
+            <a:off x="499794" y="2690436"/>
+            <a:ext cx="10870283" cy="523220"/>
+          </a:xfrm>
+          <a:prstGeom prst="rect">
+            <a:avLst/>
+          </a:prstGeom>
+          <a:noFill/>
+        </p:spPr>
+        <p:txBody>
+          <a:bodyPr wrap="none" rtlCol="0">
+            <a:spAutoFit/>
+          </a:bodyPr>
+          <a:lstStyle/>
+          <a:p>
+            <a:r>
+              <a:rPr kumimoji="1" lang="ja-JP" altLang="en-US" sz="2800"/>
+              <a:t>出力</a:t>
+            </a:r>
+            <a:r>
+              <a:rPr kumimoji="1" lang="en-US" altLang="ja-JP" sz="2800"/>
+              <a:t>:</a:t>
+            </a:r>
+            <a:r>
+              <a:rPr kumimoji="1" lang="ja-JP" altLang="en-US" sz="2800"/>
+              <a:t>基本は</a:t>
+            </a:r>
+            <a:r>
+              <a:rPr kumimoji="1" lang="en-US" altLang="ja-JP" sz="2800"/>
+              <a:t>print(a)</a:t>
+            </a:r>
+            <a:r>
+              <a:rPr kumimoji="1" lang="ja-JP" altLang="en-US" sz="2800"/>
+              <a:t>とかでいい。複数を出力する際は文字列にする</a:t>
+            </a:r>
+          </a:p>
+        </p:txBody>
+      </p:sp>
+      <p:sp>
+        <p:nvSpPr>
+          <p:cNvPr id="15" name="テキスト ボックス 14">
+            <a:extLst>
+              <a:ext uri="{FF2B5EF4-FFF2-40B4-BE49-F238E27FC236}">
+                <a16:creationId xmlns:a16="http://schemas.microsoft.com/office/drawing/2014/main" id="{6FA3A20F-22A8-A2F7-9A62-9D2C4F334623}"/>
+              </a:ext>
+            </a:extLst>
+          </p:cNvPr>
+          <p:cNvSpPr txBox="1"/>
+          <p:nvPr/>
+        </p:nvSpPr>
+        <p:spPr>
+          <a:xfrm>
+            <a:off x="352268" y="4234329"/>
+            <a:ext cx="11622092" cy="307777"/>
+          </a:xfrm>
+          <a:prstGeom prst="rect">
+            <a:avLst/>
+          </a:prstGeom>
+          <a:noFill/>
+        </p:spPr>
+        <p:txBody>
+          <a:bodyPr wrap="none" rtlCol="0">
+            <a:spAutoFit/>
+          </a:bodyPr>
+          <a:lstStyle/>
+          <a:p>
+            <a:r>
+              <a:rPr kumimoji="1" lang="en" altLang="ja-JP" sz="1400"/>
+              <a:t>https://qiita.com/Koichiro-Kanaya/items/4f46fe2c98a415681210#Python%E3%81%A7%E3%81%AE%E5%85%A5%E5%87%BA%E5%8A%9B</a:t>
+            </a:r>
+            <a:endParaRPr kumimoji="1" lang="ja-JP" altLang="en-US" sz="1400"/>
+          </a:p>
+        </p:txBody>
+      </p:sp>
+      <p:sp>
+        <p:nvSpPr>
+          <p:cNvPr id="16" name="テキスト ボックス 15">
+            <a:extLst>
+              <a:ext uri="{FF2B5EF4-FFF2-40B4-BE49-F238E27FC236}">
+                <a16:creationId xmlns:a16="http://schemas.microsoft.com/office/drawing/2014/main" id="{C88BD5A7-D4CC-D7FC-2843-AB170CC102D2}"/>
+              </a:ext>
+            </a:extLst>
+          </p:cNvPr>
+          <p:cNvSpPr txBox="1"/>
+          <p:nvPr/>
+        </p:nvSpPr>
+        <p:spPr>
+          <a:xfrm>
+            <a:off x="1960880" y="5113100"/>
+            <a:ext cx="1005403" cy="369332"/>
+          </a:xfrm>
+          <a:prstGeom prst="rect">
+            <a:avLst/>
+          </a:prstGeom>
+          <a:noFill/>
+        </p:spPr>
+        <p:txBody>
+          <a:bodyPr wrap="none" rtlCol="0">
+            <a:spAutoFit/>
+          </a:bodyPr>
+          <a:lstStyle/>
+          <a:p>
+            <a:r>
+              <a:rPr kumimoji="1" lang="ja-JP" altLang="en-US"/>
+              <a:t>解答例</a:t>
+            </a:r>
+            <a:r>
+              <a:rPr kumimoji="1" lang="en-US" altLang="ja-JP"/>
+              <a:t>1</a:t>
+            </a:r>
+            <a:endParaRPr kumimoji="1" lang="ja-JP" altLang="en-US"/>
+          </a:p>
+        </p:txBody>
+      </p:sp>
+      <p:sp>
+        <p:nvSpPr>
+          <p:cNvPr id="19" name="テキスト ボックス 18">
+            <a:extLst>
+              <a:ext uri="{FF2B5EF4-FFF2-40B4-BE49-F238E27FC236}">
+                <a16:creationId xmlns:a16="http://schemas.microsoft.com/office/drawing/2014/main" id="{926A264C-C44D-2A63-7835-AB221325BCA0}"/>
+              </a:ext>
+            </a:extLst>
+          </p:cNvPr>
+          <p:cNvSpPr txBox="1"/>
+          <p:nvPr/>
+        </p:nvSpPr>
+        <p:spPr>
+          <a:xfrm>
+            <a:off x="6614160" y="5483265"/>
+            <a:ext cx="4978400" cy="1374735"/>
+          </a:xfrm>
+          <a:prstGeom prst="rect">
+            <a:avLst/>
+          </a:prstGeom>
+          <a:solidFill>
+            <a:schemeClr val="tx1"/>
+          </a:solidFill>
+        </p:spPr>
+        <p:txBody>
+          <a:bodyPr wrap="square" rtlCol="0">
+            <a:spAutoFit/>
+          </a:bodyPr>
+          <a:lstStyle/>
+          <a:p>
+            <a:pPr algn="l">
+              <a:lnSpc>
+                <a:spcPts val="1950"/>
+              </a:lnSpc>
+            </a:pPr>
+            <a:r>
+              <a:rPr lang="en-US" altLang="ja-JP" sz="1800" kern="0">
+                <a:solidFill>
+                  <a:srgbClr val="9CDCFE"/>
+                </a:solidFill>
+                <a:effectLst/>
+                <a:latin typeface="Menlo" panose="020B0609030804020204" pitchFamily="49" charset="0"/>
+                <a:ea typeface="ＭＳ Ｐゴシック" panose="020B0600070205080204" pitchFamily="34" charset="-128"/>
+                <a:cs typeface="Times New Roman" panose="02020603050405020304" pitchFamily="18" charset="0"/>
+              </a:rPr>
+              <a:t>a</a:t>
+            </a:r>
+            <a:r>
+              <a:rPr lang="en-US" altLang="ja-JP" sz="1800" kern="0">
+                <a:solidFill>
+                  <a:srgbClr val="CCCCCC"/>
+                </a:solidFill>
+                <a:effectLst/>
+                <a:latin typeface="Menlo" panose="020B0609030804020204" pitchFamily="49" charset="0"/>
+                <a:ea typeface="ＭＳ Ｐゴシック" panose="020B0600070205080204" pitchFamily="34" charset="-128"/>
+                <a:cs typeface="Times New Roman" panose="02020603050405020304" pitchFamily="18" charset="0"/>
+              </a:rPr>
+              <a:t> </a:t>
+            </a:r>
+            <a:r>
+              <a:rPr lang="en-US" altLang="ja-JP" sz="1800" kern="0">
+                <a:solidFill>
+                  <a:srgbClr val="D4D4D4"/>
+                </a:solidFill>
+                <a:effectLst/>
+                <a:latin typeface="Menlo" panose="020B0609030804020204" pitchFamily="49" charset="0"/>
+                <a:ea typeface="ＭＳ Ｐゴシック" panose="020B0600070205080204" pitchFamily="34" charset="-128"/>
+                <a:cs typeface="Times New Roman" panose="02020603050405020304" pitchFamily="18" charset="0"/>
+              </a:rPr>
+              <a:t>=</a:t>
+            </a:r>
+            <a:r>
+              <a:rPr lang="en-US" altLang="ja-JP" sz="1800" kern="0">
+                <a:solidFill>
+                  <a:srgbClr val="CCCCCC"/>
+                </a:solidFill>
+                <a:effectLst/>
+                <a:latin typeface="Menlo" panose="020B0609030804020204" pitchFamily="49" charset="0"/>
+                <a:ea typeface="ＭＳ Ｐゴシック" panose="020B0600070205080204" pitchFamily="34" charset="-128"/>
+                <a:cs typeface="Times New Roman" panose="02020603050405020304" pitchFamily="18" charset="0"/>
+              </a:rPr>
+              <a:t> </a:t>
+            </a:r>
+            <a:r>
+              <a:rPr lang="en-US" altLang="ja-JP" sz="1800" kern="0">
+                <a:solidFill>
+                  <a:srgbClr val="4EC9B0"/>
+                </a:solidFill>
+                <a:effectLst/>
+                <a:latin typeface="Menlo" panose="020B0609030804020204" pitchFamily="49" charset="0"/>
+                <a:ea typeface="ＭＳ Ｐゴシック" panose="020B0600070205080204" pitchFamily="34" charset="-128"/>
+                <a:cs typeface="Times New Roman" panose="02020603050405020304" pitchFamily="18" charset="0"/>
+              </a:rPr>
+              <a:t>int</a:t>
+            </a:r>
+            <a:r>
+              <a:rPr lang="en-US" altLang="ja-JP" sz="1800" kern="0">
+                <a:solidFill>
+                  <a:srgbClr val="CCCCCC"/>
+                </a:solidFill>
+                <a:effectLst/>
+                <a:latin typeface="Menlo" panose="020B0609030804020204" pitchFamily="49" charset="0"/>
+                <a:ea typeface="ＭＳ Ｐゴシック" panose="020B0600070205080204" pitchFamily="34" charset="-128"/>
+                <a:cs typeface="Times New Roman" panose="02020603050405020304" pitchFamily="18" charset="0"/>
+              </a:rPr>
+              <a:t>(</a:t>
+            </a:r>
+            <a:r>
+              <a:rPr lang="en-US" altLang="ja-JP" sz="1800" kern="0">
+                <a:solidFill>
+                  <a:srgbClr val="DCDCAA"/>
+                </a:solidFill>
+                <a:effectLst/>
+                <a:latin typeface="Menlo" panose="020B0609030804020204" pitchFamily="49" charset="0"/>
+                <a:ea typeface="ＭＳ Ｐゴシック" panose="020B0600070205080204" pitchFamily="34" charset="-128"/>
+                <a:cs typeface="Times New Roman" panose="02020603050405020304" pitchFamily="18" charset="0"/>
+              </a:rPr>
+              <a:t>input</a:t>
+            </a:r>
+            <a:r>
+              <a:rPr lang="en-US" altLang="ja-JP" sz="1800" kern="0">
+                <a:solidFill>
+                  <a:srgbClr val="CCCCCC"/>
+                </a:solidFill>
+                <a:effectLst/>
+                <a:latin typeface="Menlo" panose="020B0609030804020204" pitchFamily="49" charset="0"/>
+                <a:ea typeface="ＭＳ Ｐゴシック" panose="020B0600070205080204" pitchFamily="34" charset="-128"/>
+                <a:cs typeface="Times New Roman" panose="02020603050405020304" pitchFamily="18" charset="0"/>
+              </a:rPr>
+              <a:t>())</a:t>
+            </a:r>
+            <a:endParaRPr lang="ja-JP" altLang="ja-JP" sz="1800" kern="100">
+              <a:effectLst/>
+              <a:latin typeface="游明朝" panose="02020400000000000000" pitchFamily="18" charset="-128"/>
+              <a:ea typeface="游明朝" panose="02020400000000000000" pitchFamily="18" charset="-128"/>
+              <a:cs typeface="Times New Roman" panose="02020603050405020304" pitchFamily="18" charset="0"/>
+            </a:endParaRPr>
+          </a:p>
+          <a:p>
+            <a:pPr algn="l">
+              <a:lnSpc>
+                <a:spcPts val="1950"/>
+              </a:lnSpc>
+            </a:pPr>
+            <a:r>
+              <a:rPr lang="en-US" altLang="ja-JP" sz="1800" kern="0">
+                <a:solidFill>
+                  <a:srgbClr val="9CDCFE"/>
+                </a:solidFill>
+                <a:effectLst/>
+                <a:latin typeface="Menlo" panose="020B0609030804020204" pitchFamily="49" charset="0"/>
+                <a:ea typeface="ＭＳ Ｐゴシック" panose="020B0600070205080204" pitchFamily="34" charset="-128"/>
+                <a:cs typeface="Times New Roman" panose="02020603050405020304" pitchFamily="18" charset="0"/>
+              </a:rPr>
+              <a:t>b</a:t>
+            </a:r>
+            <a:r>
+              <a:rPr lang="en-US" altLang="ja-JP" sz="1800" kern="0">
+                <a:solidFill>
+                  <a:srgbClr val="CCCCCC"/>
+                </a:solidFill>
+                <a:effectLst/>
+                <a:latin typeface="Menlo" panose="020B0609030804020204" pitchFamily="49" charset="0"/>
+                <a:ea typeface="ＭＳ Ｐゴシック" panose="020B0600070205080204" pitchFamily="34" charset="-128"/>
+                <a:cs typeface="Times New Roman" panose="02020603050405020304" pitchFamily="18" charset="0"/>
+              </a:rPr>
+              <a:t>, </a:t>
+            </a:r>
+            <a:r>
+              <a:rPr lang="en-US" altLang="ja-JP" sz="1800" kern="0">
+                <a:solidFill>
+                  <a:srgbClr val="9CDCFE"/>
+                </a:solidFill>
+                <a:effectLst/>
+                <a:latin typeface="Menlo" panose="020B0609030804020204" pitchFamily="49" charset="0"/>
+                <a:ea typeface="ＭＳ Ｐゴシック" panose="020B0600070205080204" pitchFamily="34" charset="-128"/>
+                <a:cs typeface="Times New Roman" panose="02020603050405020304" pitchFamily="18" charset="0"/>
+              </a:rPr>
+              <a:t>c</a:t>
+            </a:r>
+            <a:r>
+              <a:rPr lang="en-US" altLang="ja-JP" sz="1800" kern="0">
+                <a:solidFill>
+                  <a:srgbClr val="CCCCCC"/>
+                </a:solidFill>
+                <a:effectLst/>
+                <a:latin typeface="Menlo" panose="020B0609030804020204" pitchFamily="49" charset="0"/>
+                <a:ea typeface="ＭＳ Ｐゴシック" panose="020B0600070205080204" pitchFamily="34" charset="-128"/>
+                <a:cs typeface="Times New Roman" panose="02020603050405020304" pitchFamily="18" charset="0"/>
+              </a:rPr>
+              <a:t> </a:t>
+            </a:r>
+            <a:r>
+              <a:rPr lang="en-US" altLang="ja-JP" sz="1800" kern="0">
+                <a:solidFill>
+                  <a:srgbClr val="D4D4D4"/>
+                </a:solidFill>
+                <a:effectLst/>
+                <a:latin typeface="Menlo" panose="020B0609030804020204" pitchFamily="49" charset="0"/>
+                <a:ea typeface="ＭＳ Ｐゴシック" panose="020B0600070205080204" pitchFamily="34" charset="-128"/>
+                <a:cs typeface="Times New Roman" panose="02020603050405020304" pitchFamily="18" charset="0"/>
+              </a:rPr>
+              <a:t>=</a:t>
+            </a:r>
+            <a:r>
+              <a:rPr lang="en-US" altLang="ja-JP" sz="1800" kern="0">
+                <a:solidFill>
+                  <a:srgbClr val="CCCCCC"/>
+                </a:solidFill>
+                <a:effectLst/>
+                <a:latin typeface="Menlo" panose="020B0609030804020204" pitchFamily="49" charset="0"/>
+                <a:ea typeface="ＭＳ Ｐゴシック" panose="020B0600070205080204" pitchFamily="34" charset="-128"/>
+                <a:cs typeface="Times New Roman" panose="02020603050405020304" pitchFamily="18" charset="0"/>
+              </a:rPr>
+              <a:t> </a:t>
+            </a:r>
+            <a:r>
+              <a:rPr lang="en-US" altLang="ja-JP" sz="1800" kern="0">
+                <a:solidFill>
+                  <a:srgbClr val="4EC9B0"/>
+                </a:solidFill>
+                <a:effectLst/>
+                <a:latin typeface="Menlo" panose="020B0609030804020204" pitchFamily="49" charset="0"/>
+                <a:ea typeface="ＭＳ Ｐゴシック" panose="020B0600070205080204" pitchFamily="34" charset="-128"/>
+                <a:cs typeface="Times New Roman" panose="02020603050405020304" pitchFamily="18" charset="0"/>
+              </a:rPr>
+              <a:t>map</a:t>
+            </a:r>
+            <a:r>
+              <a:rPr lang="en-US" altLang="ja-JP" sz="1800" kern="0">
+                <a:solidFill>
+                  <a:srgbClr val="CCCCCC"/>
+                </a:solidFill>
+                <a:effectLst/>
+                <a:latin typeface="Menlo" panose="020B0609030804020204" pitchFamily="49" charset="0"/>
+                <a:ea typeface="ＭＳ Ｐゴシック" panose="020B0600070205080204" pitchFamily="34" charset="-128"/>
+                <a:cs typeface="Times New Roman" panose="02020603050405020304" pitchFamily="18" charset="0"/>
+              </a:rPr>
+              <a:t>(</a:t>
+            </a:r>
+            <a:r>
+              <a:rPr lang="en-US" altLang="ja-JP" sz="1800" kern="0">
+                <a:solidFill>
+                  <a:srgbClr val="4EC9B0"/>
+                </a:solidFill>
+                <a:effectLst/>
+                <a:latin typeface="Menlo" panose="020B0609030804020204" pitchFamily="49" charset="0"/>
+                <a:ea typeface="ＭＳ Ｐゴシック" panose="020B0600070205080204" pitchFamily="34" charset="-128"/>
+                <a:cs typeface="Times New Roman" panose="02020603050405020304" pitchFamily="18" charset="0"/>
+              </a:rPr>
+              <a:t>int</a:t>
+            </a:r>
+            <a:r>
+              <a:rPr lang="en-US" altLang="ja-JP" sz="1800" kern="0">
+                <a:solidFill>
+                  <a:srgbClr val="CCCCCC"/>
+                </a:solidFill>
+                <a:effectLst/>
+                <a:latin typeface="Menlo" panose="020B0609030804020204" pitchFamily="49" charset="0"/>
+                <a:ea typeface="ＭＳ Ｐゴシック" panose="020B0600070205080204" pitchFamily="34" charset="-128"/>
+                <a:cs typeface="Times New Roman" panose="02020603050405020304" pitchFamily="18" charset="0"/>
+              </a:rPr>
+              <a:t>, </a:t>
+            </a:r>
+            <a:r>
+              <a:rPr lang="en-US" altLang="ja-JP" sz="1800" kern="0">
+                <a:solidFill>
+                  <a:srgbClr val="DCDCAA"/>
+                </a:solidFill>
+                <a:effectLst/>
+                <a:latin typeface="Menlo" panose="020B0609030804020204" pitchFamily="49" charset="0"/>
+                <a:ea typeface="ＭＳ Ｐゴシック" panose="020B0600070205080204" pitchFamily="34" charset="-128"/>
+                <a:cs typeface="Times New Roman" panose="02020603050405020304" pitchFamily="18" charset="0"/>
+              </a:rPr>
+              <a:t>input</a:t>
+            </a:r>
+            <a:r>
+              <a:rPr lang="en-US" altLang="ja-JP" sz="1800" kern="0">
+                <a:solidFill>
+                  <a:srgbClr val="CCCCCC"/>
+                </a:solidFill>
+                <a:effectLst/>
+                <a:latin typeface="Menlo" panose="020B0609030804020204" pitchFamily="49" charset="0"/>
+                <a:ea typeface="ＭＳ Ｐゴシック" panose="020B0600070205080204" pitchFamily="34" charset="-128"/>
+                <a:cs typeface="Times New Roman" panose="02020603050405020304" pitchFamily="18" charset="0"/>
+              </a:rPr>
+              <a:t>().</a:t>
+            </a:r>
+            <a:r>
+              <a:rPr lang="en-US" altLang="ja-JP" sz="1800" kern="0">
+                <a:solidFill>
+                  <a:srgbClr val="DCDCAA"/>
+                </a:solidFill>
+                <a:effectLst/>
+                <a:latin typeface="Menlo" panose="020B0609030804020204" pitchFamily="49" charset="0"/>
+                <a:ea typeface="ＭＳ Ｐゴシック" panose="020B0600070205080204" pitchFamily="34" charset="-128"/>
+                <a:cs typeface="Times New Roman" panose="02020603050405020304" pitchFamily="18" charset="0"/>
+              </a:rPr>
+              <a:t>split</a:t>
+            </a:r>
+            <a:r>
+              <a:rPr lang="en-US" altLang="ja-JP" sz="1800" kern="0">
+                <a:solidFill>
+                  <a:srgbClr val="CCCCCC"/>
+                </a:solidFill>
+                <a:effectLst/>
+                <a:latin typeface="Menlo" panose="020B0609030804020204" pitchFamily="49" charset="0"/>
+                <a:ea typeface="ＭＳ Ｐゴシック" panose="020B0600070205080204" pitchFamily="34" charset="-128"/>
+                <a:cs typeface="Times New Roman" panose="02020603050405020304" pitchFamily="18" charset="0"/>
+              </a:rPr>
+              <a:t>())</a:t>
+            </a:r>
+            <a:endParaRPr lang="ja-JP" altLang="ja-JP" sz="1800" kern="100">
+              <a:effectLst/>
+              <a:latin typeface="游明朝" panose="02020400000000000000" pitchFamily="18" charset="-128"/>
+              <a:ea typeface="游明朝" panose="02020400000000000000" pitchFamily="18" charset="-128"/>
+              <a:cs typeface="Times New Roman" panose="02020603050405020304" pitchFamily="18" charset="0"/>
+            </a:endParaRPr>
+          </a:p>
+          <a:p>
+            <a:pPr algn="l">
+              <a:lnSpc>
+                <a:spcPts val="1950"/>
+              </a:lnSpc>
+            </a:pPr>
+            <a:r>
+              <a:rPr lang="en-US" altLang="ja-JP" sz="1800" kern="0">
+                <a:solidFill>
+                  <a:srgbClr val="9CDCFE"/>
+                </a:solidFill>
+                <a:effectLst/>
+                <a:latin typeface="Menlo" panose="020B0609030804020204" pitchFamily="49" charset="0"/>
+                <a:ea typeface="ＭＳ Ｐゴシック" panose="020B0600070205080204" pitchFamily="34" charset="-128"/>
+                <a:cs typeface="Times New Roman" panose="02020603050405020304" pitchFamily="18" charset="0"/>
+              </a:rPr>
+              <a:t>s</a:t>
+            </a:r>
+            <a:r>
+              <a:rPr lang="en-US" altLang="ja-JP" sz="1800" kern="0">
+                <a:solidFill>
+                  <a:srgbClr val="CCCCCC"/>
+                </a:solidFill>
+                <a:effectLst/>
+                <a:latin typeface="Menlo" panose="020B0609030804020204" pitchFamily="49" charset="0"/>
+                <a:ea typeface="ＭＳ Ｐゴシック" panose="020B0600070205080204" pitchFamily="34" charset="-128"/>
+                <a:cs typeface="Times New Roman" panose="02020603050405020304" pitchFamily="18" charset="0"/>
+              </a:rPr>
+              <a:t> </a:t>
+            </a:r>
+            <a:r>
+              <a:rPr lang="en-US" altLang="ja-JP" sz="1800" kern="0">
+                <a:solidFill>
+                  <a:srgbClr val="D4D4D4"/>
+                </a:solidFill>
+                <a:effectLst/>
+                <a:latin typeface="Menlo" panose="020B0609030804020204" pitchFamily="49" charset="0"/>
+                <a:ea typeface="ＭＳ Ｐゴシック" panose="020B0600070205080204" pitchFamily="34" charset="-128"/>
+                <a:cs typeface="Times New Roman" panose="02020603050405020304" pitchFamily="18" charset="0"/>
+              </a:rPr>
+              <a:t>=</a:t>
+            </a:r>
+            <a:r>
+              <a:rPr lang="en-US" altLang="ja-JP" sz="1800" kern="0">
+                <a:solidFill>
+                  <a:srgbClr val="CCCCCC"/>
+                </a:solidFill>
+                <a:effectLst/>
+                <a:latin typeface="Menlo" panose="020B0609030804020204" pitchFamily="49" charset="0"/>
+                <a:ea typeface="ＭＳ Ｐゴシック" panose="020B0600070205080204" pitchFamily="34" charset="-128"/>
+                <a:cs typeface="Times New Roman" panose="02020603050405020304" pitchFamily="18" charset="0"/>
+              </a:rPr>
+              <a:t> </a:t>
+            </a:r>
+            <a:r>
+              <a:rPr lang="en-US" altLang="ja-JP" sz="1800" kern="0">
+                <a:solidFill>
+                  <a:srgbClr val="DCDCAA"/>
+                </a:solidFill>
+                <a:effectLst/>
+                <a:latin typeface="Menlo" panose="020B0609030804020204" pitchFamily="49" charset="0"/>
+                <a:ea typeface="ＭＳ Ｐゴシック" panose="020B0600070205080204" pitchFamily="34" charset="-128"/>
+                <a:cs typeface="Times New Roman" panose="02020603050405020304" pitchFamily="18" charset="0"/>
+              </a:rPr>
+              <a:t>input</a:t>
+            </a:r>
+            <a:r>
+              <a:rPr lang="en-US" altLang="ja-JP" sz="1800" kern="0">
+                <a:solidFill>
+                  <a:srgbClr val="CCCCCC"/>
+                </a:solidFill>
+                <a:effectLst/>
+                <a:latin typeface="Menlo" panose="020B0609030804020204" pitchFamily="49" charset="0"/>
+                <a:ea typeface="ＭＳ Ｐゴシック" panose="020B0600070205080204" pitchFamily="34" charset="-128"/>
+                <a:cs typeface="Times New Roman" panose="02020603050405020304" pitchFamily="18" charset="0"/>
+              </a:rPr>
+              <a:t>()</a:t>
+            </a:r>
+            <a:endParaRPr lang="ja-JP" altLang="ja-JP" sz="1800" kern="100">
+              <a:effectLst/>
+              <a:latin typeface="游明朝" panose="02020400000000000000" pitchFamily="18" charset="-128"/>
+              <a:ea typeface="游明朝" panose="02020400000000000000" pitchFamily="18" charset="-128"/>
+              <a:cs typeface="Times New Roman" panose="02020603050405020304" pitchFamily="18" charset="0"/>
+            </a:endParaRPr>
+          </a:p>
+          <a:p>
+            <a:pPr algn="l">
+              <a:lnSpc>
+                <a:spcPts val="1950"/>
+              </a:lnSpc>
+            </a:pPr>
+            <a:r>
+              <a:rPr lang="en-US" altLang="ja-JP" sz="1800" kern="0">
+                <a:solidFill>
+                  <a:srgbClr val="DCDCAA"/>
+                </a:solidFill>
+                <a:effectLst/>
+                <a:latin typeface="Menlo" panose="020B0609030804020204" pitchFamily="49" charset="0"/>
+                <a:ea typeface="ＭＳ Ｐゴシック" panose="020B0600070205080204" pitchFamily="34" charset="-128"/>
+                <a:cs typeface="Times New Roman" panose="02020603050405020304" pitchFamily="18" charset="0"/>
+              </a:rPr>
+              <a:t>print</a:t>
+            </a:r>
+            <a:r>
+              <a:rPr lang="en-US" altLang="ja-JP" sz="1800" kern="0">
+                <a:solidFill>
+                  <a:srgbClr val="CCCCCC"/>
+                </a:solidFill>
+                <a:effectLst/>
+                <a:latin typeface="Menlo" panose="020B0609030804020204" pitchFamily="49" charset="0"/>
+                <a:ea typeface="ＭＳ Ｐゴシック" panose="020B0600070205080204" pitchFamily="34" charset="-128"/>
+                <a:cs typeface="Times New Roman" panose="02020603050405020304" pitchFamily="18" charset="0"/>
+              </a:rPr>
+              <a:t>(</a:t>
+            </a:r>
+            <a:r>
+              <a:rPr lang="en-US" altLang="ja-JP" sz="1800" kern="0">
+                <a:solidFill>
+                  <a:srgbClr val="CE9178"/>
+                </a:solidFill>
+                <a:effectLst/>
+                <a:latin typeface="Menlo" panose="020B0609030804020204" pitchFamily="49" charset="0"/>
+                <a:ea typeface="ＭＳ Ｐゴシック" panose="020B0600070205080204" pitchFamily="34" charset="-128"/>
+                <a:cs typeface="Times New Roman" panose="02020603050405020304" pitchFamily="18" charset="0"/>
+              </a:rPr>
+              <a:t>"</a:t>
+            </a:r>
+            <a:r>
+              <a:rPr lang="en-US" altLang="ja-JP" sz="1800" kern="0">
+                <a:solidFill>
+                  <a:srgbClr val="569CD6"/>
+                </a:solidFill>
+                <a:effectLst/>
+                <a:latin typeface="Menlo" panose="020B0609030804020204" pitchFamily="49" charset="0"/>
+                <a:ea typeface="ＭＳ Ｐゴシック" panose="020B0600070205080204" pitchFamily="34" charset="-128"/>
+                <a:cs typeface="Times New Roman" panose="02020603050405020304" pitchFamily="18" charset="0"/>
+              </a:rPr>
+              <a:t>{}</a:t>
+            </a:r>
+            <a:r>
+              <a:rPr lang="en-US" altLang="ja-JP" sz="1800" kern="0">
+                <a:solidFill>
+                  <a:srgbClr val="CE9178"/>
+                </a:solidFill>
+                <a:effectLst/>
+                <a:latin typeface="Menlo" panose="020B0609030804020204" pitchFamily="49" charset="0"/>
+                <a:ea typeface="ＭＳ Ｐゴシック" panose="020B0600070205080204" pitchFamily="34" charset="-128"/>
+                <a:cs typeface="Times New Roman" panose="02020603050405020304" pitchFamily="18" charset="0"/>
+              </a:rPr>
+              <a:t> </a:t>
+            </a:r>
+            <a:r>
+              <a:rPr lang="en-US" altLang="ja-JP" sz="1800" kern="0">
+                <a:solidFill>
+                  <a:srgbClr val="569CD6"/>
+                </a:solidFill>
+                <a:effectLst/>
+                <a:latin typeface="Menlo" panose="020B0609030804020204" pitchFamily="49" charset="0"/>
+                <a:ea typeface="ＭＳ Ｐゴシック" panose="020B0600070205080204" pitchFamily="34" charset="-128"/>
+                <a:cs typeface="Times New Roman" panose="02020603050405020304" pitchFamily="18" charset="0"/>
+              </a:rPr>
+              <a:t>{}</a:t>
+            </a:r>
+            <a:r>
+              <a:rPr lang="en-US" altLang="ja-JP" sz="1800" kern="0">
+                <a:solidFill>
+                  <a:srgbClr val="CE9178"/>
+                </a:solidFill>
+                <a:effectLst/>
+                <a:latin typeface="Menlo" panose="020B0609030804020204" pitchFamily="49" charset="0"/>
+                <a:ea typeface="ＭＳ Ｐゴシック" panose="020B0600070205080204" pitchFamily="34" charset="-128"/>
+                <a:cs typeface="Times New Roman" panose="02020603050405020304" pitchFamily="18" charset="0"/>
+              </a:rPr>
+              <a:t>"</a:t>
+            </a:r>
+            <a:r>
+              <a:rPr lang="en-US" altLang="ja-JP" sz="1800" kern="0">
+                <a:solidFill>
+                  <a:srgbClr val="CCCCCC"/>
+                </a:solidFill>
+                <a:effectLst/>
+                <a:latin typeface="Menlo" panose="020B0609030804020204" pitchFamily="49" charset="0"/>
+                <a:ea typeface="ＭＳ Ｐゴシック" panose="020B0600070205080204" pitchFamily="34" charset="-128"/>
+                <a:cs typeface="Times New Roman" panose="02020603050405020304" pitchFamily="18" charset="0"/>
+              </a:rPr>
+              <a:t>.</a:t>
+            </a:r>
+            <a:r>
+              <a:rPr lang="en-US" altLang="ja-JP" sz="1800" kern="0">
+                <a:solidFill>
+                  <a:srgbClr val="DCDCAA"/>
+                </a:solidFill>
+                <a:effectLst/>
+                <a:latin typeface="Menlo" panose="020B0609030804020204" pitchFamily="49" charset="0"/>
+                <a:ea typeface="ＭＳ Ｐゴシック" panose="020B0600070205080204" pitchFamily="34" charset="-128"/>
+                <a:cs typeface="Times New Roman" panose="02020603050405020304" pitchFamily="18" charset="0"/>
+              </a:rPr>
+              <a:t>format</a:t>
+            </a:r>
+            <a:r>
+              <a:rPr lang="en-US" altLang="ja-JP" sz="1800" kern="0">
+                <a:solidFill>
+                  <a:srgbClr val="CCCCCC"/>
+                </a:solidFill>
+                <a:effectLst/>
+                <a:latin typeface="Menlo" panose="020B0609030804020204" pitchFamily="49" charset="0"/>
+                <a:ea typeface="ＭＳ Ｐゴシック" panose="020B0600070205080204" pitchFamily="34" charset="-128"/>
+                <a:cs typeface="Times New Roman" panose="02020603050405020304" pitchFamily="18" charset="0"/>
+              </a:rPr>
+              <a:t>(</a:t>
+            </a:r>
+            <a:r>
+              <a:rPr lang="en-US" altLang="ja-JP" sz="1800" kern="0">
+                <a:solidFill>
+                  <a:srgbClr val="9CDCFE"/>
+                </a:solidFill>
+                <a:effectLst/>
+                <a:latin typeface="Menlo" panose="020B0609030804020204" pitchFamily="49" charset="0"/>
+                <a:ea typeface="ＭＳ Ｐゴシック" panose="020B0600070205080204" pitchFamily="34" charset="-128"/>
+                <a:cs typeface="Times New Roman" panose="02020603050405020304" pitchFamily="18" charset="0"/>
+              </a:rPr>
+              <a:t>a</a:t>
+            </a:r>
+            <a:r>
+              <a:rPr lang="en-US" altLang="ja-JP" sz="1800" kern="0">
+                <a:solidFill>
+                  <a:srgbClr val="D4D4D4"/>
+                </a:solidFill>
+                <a:effectLst/>
+                <a:latin typeface="Menlo" panose="020B0609030804020204" pitchFamily="49" charset="0"/>
+                <a:ea typeface="ＭＳ Ｐゴシック" panose="020B0600070205080204" pitchFamily="34" charset="-128"/>
+                <a:cs typeface="Times New Roman" panose="02020603050405020304" pitchFamily="18" charset="0"/>
+              </a:rPr>
+              <a:t>+</a:t>
+            </a:r>
+            <a:r>
+              <a:rPr lang="en-US" altLang="ja-JP" sz="1800" kern="0">
+                <a:solidFill>
+                  <a:srgbClr val="9CDCFE"/>
+                </a:solidFill>
+                <a:effectLst/>
+                <a:latin typeface="Menlo" panose="020B0609030804020204" pitchFamily="49" charset="0"/>
+                <a:ea typeface="ＭＳ Ｐゴシック" panose="020B0600070205080204" pitchFamily="34" charset="-128"/>
+                <a:cs typeface="Times New Roman" panose="02020603050405020304" pitchFamily="18" charset="0"/>
+              </a:rPr>
+              <a:t>b</a:t>
+            </a:r>
+            <a:r>
+              <a:rPr lang="en-US" altLang="ja-JP" sz="1800" kern="0">
+                <a:solidFill>
+                  <a:srgbClr val="D4D4D4"/>
+                </a:solidFill>
+                <a:effectLst/>
+                <a:latin typeface="Menlo" panose="020B0609030804020204" pitchFamily="49" charset="0"/>
+                <a:ea typeface="ＭＳ Ｐゴシック" panose="020B0600070205080204" pitchFamily="34" charset="-128"/>
+                <a:cs typeface="Times New Roman" panose="02020603050405020304" pitchFamily="18" charset="0"/>
+              </a:rPr>
+              <a:t>+</a:t>
+            </a:r>
+            <a:r>
+              <a:rPr lang="en-US" altLang="ja-JP" sz="1800" kern="0">
+                <a:solidFill>
+                  <a:srgbClr val="9CDCFE"/>
+                </a:solidFill>
+                <a:effectLst/>
+                <a:latin typeface="Menlo" panose="020B0609030804020204" pitchFamily="49" charset="0"/>
+                <a:ea typeface="ＭＳ Ｐゴシック" panose="020B0600070205080204" pitchFamily="34" charset="-128"/>
+                <a:cs typeface="Times New Roman" panose="02020603050405020304" pitchFamily="18" charset="0"/>
+              </a:rPr>
+              <a:t>c</a:t>
+            </a:r>
+            <a:r>
+              <a:rPr lang="en-US" altLang="ja-JP" sz="1800" kern="0">
+                <a:solidFill>
+                  <a:srgbClr val="CCCCCC"/>
+                </a:solidFill>
+                <a:effectLst/>
+                <a:latin typeface="Menlo" panose="020B0609030804020204" pitchFamily="49" charset="0"/>
+                <a:ea typeface="ＭＳ Ｐゴシック" panose="020B0600070205080204" pitchFamily="34" charset="-128"/>
+                <a:cs typeface="Times New Roman" panose="02020603050405020304" pitchFamily="18" charset="0"/>
+              </a:rPr>
+              <a:t>, </a:t>
+            </a:r>
+            <a:r>
+              <a:rPr lang="en-US" altLang="ja-JP" sz="1800" kern="0">
+                <a:solidFill>
+                  <a:srgbClr val="9CDCFE"/>
+                </a:solidFill>
+                <a:effectLst/>
+                <a:latin typeface="Menlo" panose="020B0609030804020204" pitchFamily="49" charset="0"/>
+                <a:ea typeface="ＭＳ Ｐゴシック" panose="020B0600070205080204" pitchFamily="34" charset="-128"/>
+                <a:cs typeface="Times New Roman" panose="02020603050405020304" pitchFamily="18" charset="0"/>
+              </a:rPr>
+              <a:t>s</a:t>
+            </a:r>
+            <a:r>
+              <a:rPr lang="en-US" altLang="ja-JP" sz="1800" kern="0">
+                <a:solidFill>
+                  <a:srgbClr val="CCCCCC"/>
+                </a:solidFill>
+                <a:effectLst/>
+                <a:latin typeface="Menlo" panose="020B0609030804020204" pitchFamily="49" charset="0"/>
+                <a:ea typeface="ＭＳ Ｐゴシック" panose="020B0600070205080204" pitchFamily="34" charset="-128"/>
+                <a:cs typeface="Times New Roman" panose="02020603050405020304" pitchFamily="18" charset="0"/>
+              </a:rPr>
+              <a:t>))</a:t>
+            </a:r>
+          </a:p>
+          <a:p>
+            <a:pPr algn="l">
+              <a:lnSpc>
+                <a:spcPts val="1950"/>
+              </a:lnSpc>
+            </a:pPr>
+            <a:endParaRPr lang="ja-JP" altLang="ja-JP" sz="1800" kern="100">
+              <a:effectLst/>
+              <a:latin typeface="游明朝" panose="02020400000000000000" pitchFamily="18" charset="-128"/>
+              <a:ea typeface="游明朝" panose="02020400000000000000" pitchFamily="18" charset="-128"/>
+              <a:cs typeface="Times New Roman" panose="02020603050405020304" pitchFamily="18" charset="0"/>
+            </a:endParaRPr>
+          </a:p>
+        </p:txBody>
+      </p:sp>
+      <p:sp>
+        <p:nvSpPr>
+          <p:cNvPr id="21" name="テキスト ボックス 20">
+            <a:extLst>
+              <a:ext uri="{FF2B5EF4-FFF2-40B4-BE49-F238E27FC236}">
+                <a16:creationId xmlns:a16="http://schemas.microsoft.com/office/drawing/2014/main" id="{DF2426D1-079D-2DF8-7D1E-E88AE4802744}"/>
+              </a:ext>
+            </a:extLst>
+          </p:cNvPr>
+          <p:cNvSpPr txBox="1"/>
+          <p:nvPr/>
+        </p:nvSpPr>
+        <p:spPr>
+          <a:xfrm>
+            <a:off x="8493760" y="5113100"/>
+            <a:ext cx="1005403" cy="369332"/>
+          </a:xfrm>
+          <a:prstGeom prst="rect">
+            <a:avLst/>
+          </a:prstGeom>
+          <a:noFill/>
+        </p:spPr>
+        <p:txBody>
+          <a:bodyPr wrap="none" rtlCol="0">
+            <a:spAutoFit/>
+          </a:bodyPr>
+          <a:lstStyle/>
+          <a:p>
+            <a:r>
+              <a:rPr kumimoji="1" lang="ja-JP" altLang="en-US"/>
+              <a:t>解答例</a:t>
+            </a:r>
+            <a:r>
+              <a:rPr kumimoji="1" lang="en-US" altLang="ja-JP"/>
+              <a:t>2</a:t>
+            </a:r>
+            <a:endParaRPr kumimoji="1" lang="ja-JP" altLang="en-US"/>
+          </a:p>
+        </p:txBody>
+      </p:sp>
+    </p:spTree>
+    <p:extLst>
+      <p:ext uri="{BB962C8B-B14F-4D97-AF65-F5344CB8AC3E}">
+        <p14:creationId xmlns:p14="http://schemas.microsoft.com/office/powerpoint/2010/main" val="4083603155"/>
+      </p:ext>
+    </p:extLst>
+  </p:cSld>
+  <p:clrMapOvr>
+    <a:masterClrMapping/>
+  </p:clrMapOvr>
+</p:sld>
+</file>
+
+<file path=ppt/slides/slide6.xml><?xml version="1.0" encoding="utf-8"?>
+<p:sld xmlns:a="http://schemas.openxmlformats.org/drawingml/2006/main" xmlns:r="http://schemas.openxmlformats.org/officeDocument/2006/relationships" xmlns:p="http://schemas.openxmlformats.org/presentationml/2006/main">
+  <p:cSld>
+    <p:spTree>
+      <p:nvGrpSpPr>
+        <p:cNvPr id="1" name=""/>
+        <p:cNvGrpSpPr/>
+        <p:nvPr/>
+      </p:nvGrpSpPr>
+      <p:grpSpPr>
+        <a:xfrm>
+          <a:off x="0" y="0"/>
+          <a:ext cx="0" cy="0"/>
+          <a:chOff x="0" y="0"/>
+          <a:chExt cx="0" cy="0"/>
+        </a:xfrm>
+      </p:grpSpPr>
+      <p:sp>
+        <p:nvSpPr>
+          <p:cNvPr id="4" name="正方形/長方形 3">
+            <a:extLst>
+              <a:ext uri="{FF2B5EF4-FFF2-40B4-BE49-F238E27FC236}">
+                <a16:creationId xmlns:a16="http://schemas.microsoft.com/office/drawing/2014/main" id="{9DF20083-156A-16DA-0EEB-CA65C4F4EBBD}"/>
+              </a:ext>
+            </a:extLst>
+          </p:cNvPr>
+          <p:cNvSpPr/>
+          <p:nvPr/>
+        </p:nvSpPr>
+        <p:spPr>
+          <a:xfrm>
+            <a:off x="1396314" y="0"/>
+            <a:ext cx="10795686" cy="1397876"/>
+          </a:xfrm>
+          <a:prstGeom prst="rect">
+            <a:avLst/>
+          </a:prstGeom>
+          <a:solidFill>
+            <a:schemeClr val="accent5"/>
+          </a:solidFill>
+          <a:ln>
+            <a:noFill/>
+          </a:ln>
+        </p:spPr>
+        <p:style>
+          <a:lnRef idx="2">
+            <a:schemeClr val="accent1">
+              <a:shade val="15000"/>
+            </a:schemeClr>
+          </a:lnRef>
+          <a:fillRef idx="1">
+            <a:schemeClr val="accent1"/>
+          </a:fillRef>
+          <a:effectRef idx="0">
+            <a:schemeClr val="accent1"/>
+          </a:effectRef>
+          <a:fontRef idx="minor">
+            <a:schemeClr val="lt1"/>
+          </a:fontRef>
+        </p:style>
+        <p:txBody>
+          <a:bodyPr rtlCol="0" anchor="ctr"/>
+          <a:lstStyle/>
+          <a:p>
+            <a:r>
+              <a:rPr kumimoji="1" lang="ja-JP" altLang="en-US" sz="4000" b="1">
+                <a:solidFill>
+                  <a:schemeClr val="tx1"/>
+                </a:solidFill>
+              </a:rPr>
+              <a:t>標準出力を使う</a:t>
+            </a:r>
+          </a:p>
+        </p:txBody>
+      </p:sp>
+      <p:sp>
+        <p:nvSpPr>
+          <p:cNvPr id="5" name="正方形/長方形 4">
+            <a:extLst>
+              <a:ext uri="{FF2B5EF4-FFF2-40B4-BE49-F238E27FC236}">
+                <a16:creationId xmlns:a16="http://schemas.microsoft.com/office/drawing/2014/main" id="{BD9D5376-097D-869C-B9C1-C3A110CFEA92}"/>
+              </a:ext>
+            </a:extLst>
+          </p:cNvPr>
+          <p:cNvSpPr/>
+          <p:nvPr/>
+        </p:nvSpPr>
+        <p:spPr>
+          <a:xfrm>
+            <a:off x="0" y="0"/>
+            <a:ext cx="1396314" cy="1397876"/>
+          </a:xfrm>
+          <a:prstGeom prst="rect">
+            <a:avLst/>
+          </a:prstGeom>
+          <a:ln>
+            <a:noFill/>
+          </a:ln>
+        </p:spPr>
+        <p:style>
+          <a:lnRef idx="2">
+            <a:schemeClr val="accent1">
+              <a:shade val="15000"/>
+            </a:schemeClr>
+          </a:lnRef>
+          <a:fillRef idx="1">
+            <a:schemeClr val="accent1"/>
+          </a:fillRef>
+          <a:effectRef idx="0">
+            <a:schemeClr val="accent1"/>
+          </a:effectRef>
+          <a:fontRef idx="minor">
+            <a:schemeClr val="lt1"/>
+          </a:fontRef>
+        </p:style>
+        <p:txBody>
+          <a:bodyPr rtlCol="0" anchor="ctr"/>
+          <a:lstStyle/>
+          <a:p>
+            <a:pPr algn="ctr"/>
+            <a:r>
+              <a:rPr kumimoji="1" lang="en-US" altLang="ja-JP" sz="3200" b="1"/>
+              <a:t>1.3</a:t>
+            </a:r>
+            <a:endParaRPr kumimoji="1" lang="ja-JP" altLang="en-US" sz="3200" b="1"/>
+          </a:p>
+        </p:txBody>
+      </p:sp>
+      <p:sp>
+        <p:nvSpPr>
+          <p:cNvPr id="2" name="テキスト ボックス 1">
+            <a:extLst>
+              <a:ext uri="{FF2B5EF4-FFF2-40B4-BE49-F238E27FC236}">
+                <a16:creationId xmlns:a16="http://schemas.microsoft.com/office/drawing/2014/main" id="{953B2A19-254F-AA7E-225F-5F8A8FE117A1}"/>
+              </a:ext>
+            </a:extLst>
+          </p:cNvPr>
+          <p:cNvSpPr txBox="1"/>
+          <p:nvPr/>
+        </p:nvSpPr>
+        <p:spPr>
+          <a:xfrm>
+            <a:off x="698157" y="2052320"/>
+            <a:ext cx="11288668" cy="584775"/>
+          </a:xfrm>
+          <a:prstGeom prst="rect">
+            <a:avLst/>
+          </a:prstGeom>
+          <a:noFill/>
+        </p:spPr>
+        <p:txBody>
+          <a:bodyPr wrap="none" rtlCol="0">
+            <a:spAutoFit/>
+          </a:bodyPr>
+          <a:lstStyle/>
+          <a:p>
+            <a:r>
+              <a:rPr kumimoji="1" lang="ja-JP" altLang="en-US" sz="3200"/>
+              <a:t>標準出力とは</a:t>
+            </a:r>
+            <a:r>
+              <a:rPr kumimoji="1" lang="en-US" altLang="ja-JP" sz="3200"/>
+              <a:t>…</a:t>
+            </a:r>
+            <a:r>
+              <a:rPr kumimoji="1" lang="ja-JP" altLang="en-US" sz="3200"/>
+              <a:t>画面に出力すること</a:t>
+            </a:r>
+            <a:r>
+              <a:rPr kumimoji="1" lang="en-US" altLang="ja-JP" sz="3200"/>
+              <a:t>(</a:t>
+            </a:r>
+            <a:r>
+              <a:rPr kumimoji="1" lang="ja-JP" altLang="en-US" sz="3200"/>
+              <a:t>シェルに出力すること</a:t>
+            </a:r>
+            <a:r>
+              <a:rPr kumimoji="1" lang="en-US" altLang="ja-JP" sz="3200"/>
+              <a:t>) </a:t>
+            </a:r>
+            <a:endParaRPr kumimoji="1" lang="ja-JP" altLang="en-US" sz="3200"/>
+          </a:p>
+        </p:txBody>
+      </p:sp>
+      <p:sp>
+        <p:nvSpPr>
+          <p:cNvPr id="7" name="テキスト ボックス 6">
+            <a:extLst>
+              <a:ext uri="{FF2B5EF4-FFF2-40B4-BE49-F238E27FC236}">
+                <a16:creationId xmlns:a16="http://schemas.microsoft.com/office/drawing/2014/main" id="{4B805852-CE01-E870-386A-0B64A8380C04}"/>
+              </a:ext>
+            </a:extLst>
+          </p:cNvPr>
+          <p:cNvSpPr txBox="1"/>
+          <p:nvPr/>
+        </p:nvSpPr>
+        <p:spPr>
+          <a:xfrm>
+            <a:off x="698157" y="3136612"/>
+            <a:ext cx="3877985" cy="584775"/>
+          </a:xfrm>
+          <a:prstGeom prst="rect">
+            <a:avLst/>
+          </a:prstGeom>
+          <a:noFill/>
+        </p:spPr>
+        <p:txBody>
+          <a:bodyPr wrap="none" rtlCol="0">
+            <a:spAutoFit/>
+          </a:bodyPr>
+          <a:lstStyle/>
+          <a:p>
+            <a:r>
+              <a:rPr kumimoji="1" lang="ja-JP" altLang="en-US" sz="3200"/>
+              <a:t>デバッグの際に便利</a:t>
+            </a:r>
           </a:p>
         </p:txBody>
       </p:sp>
@@ -4755,6 +7904,399 @@
     <p:extLst>
       <p:ext uri="{BB962C8B-B14F-4D97-AF65-F5344CB8AC3E}">
         <p14:creationId xmlns:p14="http://schemas.microsoft.com/office/powerpoint/2010/main" val="3267283195"/>
+      </p:ext>
+    </p:extLst>
+  </p:cSld>
+  <p:clrMapOvr>
+    <a:masterClrMapping/>
+  </p:clrMapOvr>
+</p:sld>
+</file>
+
+<file path=ppt/slides/slide7.xml><?xml version="1.0" encoding="utf-8"?>
+<p:sld xmlns:a="http://schemas.openxmlformats.org/drawingml/2006/main" xmlns:r="http://schemas.openxmlformats.org/officeDocument/2006/relationships" xmlns:p="http://schemas.openxmlformats.org/presentationml/2006/main">
+  <p:cSld>
+    <p:spTree>
+      <p:nvGrpSpPr>
+        <p:cNvPr id="1" name=""/>
+        <p:cNvGrpSpPr/>
+        <p:nvPr/>
+      </p:nvGrpSpPr>
+      <p:grpSpPr>
+        <a:xfrm>
+          <a:off x="0" y="0"/>
+          <a:ext cx="0" cy="0"/>
+          <a:chOff x="0" y="0"/>
+          <a:chExt cx="0" cy="0"/>
+        </a:xfrm>
+      </p:grpSpPr>
+      <p:sp>
+        <p:nvSpPr>
+          <p:cNvPr id="4" name="正方形/長方形 3">
+            <a:extLst>
+              <a:ext uri="{FF2B5EF4-FFF2-40B4-BE49-F238E27FC236}">
+                <a16:creationId xmlns:a16="http://schemas.microsoft.com/office/drawing/2014/main" id="{9DF20083-156A-16DA-0EEB-CA65C4F4EBBD}"/>
+              </a:ext>
+            </a:extLst>
+          </p:cNvPr>
+          <p:cNvSpPr/>
+          <p:nvPr/>
+        </p:nvSpPr>
+        <p:spPr>
+          <a:xfrm>
+            <a:off x="1396314" y="0"/>
+            <a:ext cx="10795686" cy="1397876"/>
+          </a:xfrm>
+          <a:prstGeom prst="rect">
+            <a:avLst/>
+          </a:prstGeom>
+          <a:solidFill>
+            <a:schemeClr val="accent5"/>
+          </a:solidFill>
+          <a:ln>
+            <a:noFill/>
+          </a:ln>
+        </p:spPr>
+        <p:style>
+          <a:lnRef idx="2">
+            <a:schemeClr val="accent1">
+              <a:shade val="15000"/>
+            </a:schemeClr>
+          </a:lnRef>
+          <a:fillRef idx="1">
+            <a:schemeClr val="accent1"/>
+          </a:fillRef>
+          <a:effectRef idx="0">
+            <a:schemeClr val="accent1"/>
+          </a:effectRef>
+          <a:fontRef idx="minor">
+            <a:schemeClr val="lt1"/>
+          </a:fontRef>
+        </p:style>
+        <p:txBody>
+          <a:bodyPr rtlCol="0" anchor="ctr"/>
+          <a:lstStyle/>
+          <a:p>
+            <a:endParaRPr kumimoji="1" lang="ja-JP" altLang="en-US" sz="4000" b="1"/>
+          </a:p>
+        </p:txBody>
+      </p:sp>
+      <p:sp>
+        <p:nvSpPr>
+          <p:cNvPr id="5" name="正方形/長方形 4">
+            <a:extLst>
+              <a:ext uri="{FF2B5EF4-FFF2-40B4-BE49-F238E27FC236}">
+                <a16:creationId xmlns:a16="http://schemas.microsoft.com/office/drawing/2014/main" id="{BD9D5376-097D-869C-B9C1-C3A110CFEA92}"/>
+              </a:ext>
+            </a:extLst>
+          </p:cNvPr>
+          <p:cNvSpPr/>
+          <p:nvPr/>
+        </p:nvSpPr>
+        <p:spPr>
+          <a:xfrm>
+            <a:off x="0" y="0"/>
+            <a:ext cx="1396314" cy="1397876"/>
+          </a:xfrm>
+          <a:prstGeom prst="rect">
+            <a:avLst/>
+          </a:prstGeom>
+          <a:ln>
+            <a:noFill/>
+          </a:ln>
+        </p:spPr>
+        <p:style>
+          <a:lnRef idx="2">
+            <a:schemeClr val="accent1">
+              <a:shade val="15000"/>
+            </a:schemeClr>
+          </a:lnRef>
+          <a:fillRef idx="1">
+            <a:schemeClr val="accent1"/>
+          </a:fillRef>
+          <a:effectRef idx="0">
+            <a:schemeClr val="accent1"/>
+          </a:effectRef>
+          <a:fontRef idx="minor">
+            <a:schemeClr val="lt1"/>
+          </a:fontRef>
+        </p:style>
+        <p:txBody>
+          <a:bodyPr rtlCol="0" anchor="ctr"/>
+          <a:lstStyle/>
+          <a:p>
+            <a:pPr algn="ctr"/>
+            <a:r>
+              <a:rPr kumimoji="1" lang="ja-JP" altLang="en-US" sz="3200" b="1"/>
+              <a:t>２</a:t>
+            </a:r>
+          </a:p>
+        </p:txBody>
+      </p:sp>
+    </p:spTree>
+    <p:extLst>
+      <p:ext uri="{BB962C8B-B14F-4D97-AF65-F5344CB8AC3E}">
+        <p14:creationId xmlns:p14="http://schemas.microsoft.com/office/powerpoint/2010/main" val="3211151452"/>
+      </p:ext>
+    </p:extLst>
+  </p:cSld>
+  <p:clrMapOvr>
+    <a:masterClrMapping/>
+  </p:clrMapOvr>
+</p:sld>
+</file>
+
+<file path=ppt/slides/slide8.xml><?xml version="1.0" encoding="utf-8"?>
+<p:sld xmlns:a="http://schemas.openxmlformats.org/drawingml/2006/main" xmlns:r="http://schemas.openxmlformats.org/officeDocument/2006/relationships" xmlns:p="http://schemas.openxmlformats.org/presentationml/2006/main">
+  <p:cSld>
+    <p:spTree>
+      <p:nvGrpSpPr>
+        <p:cNvPr id="1" name=""/>
+        <p:cNvGrpSpPr/>
+        <p:nvPr/>
+      </p:nvGrpSpPr>
+      <p:grpSpPr>
+        <a:xfrm>
+          <a:off x="0" y="0"/>
+          <a:ext cx="0" cy="0"/>
+          <a:chOff x="0" y="0"/>
+          <a:chExt cx="0" cy="0"/>
+        </a:xfrm>
+      </p:grpSpPr>
+      <p:sp>
+        <p:nvSpPr>
+          <p:cNvPr id="4" name="正方形/長方形 3">
+            <a:extLst>
+              <a:ext uri="{FF2B5EF4-FFF2-40B4-BE49-F238E27FC236}">
+                <a16:creationId xmlns:a16="http://schemas.microsoft.com/office/drawing/2014/main" id="{9DF20083-156A-16DA-0EEB-CA65C4F4EBBD}"/>
+              </a:ext>
+            </a:extLst>
+          </p:cNvPr>
+          <p:cNvSpPr/>
+          <p:nvPr/>
+        </p:nvSpPr>
+        <p:spPr>
+          <a:xfrm>
+            <a:off x="1396314" y="0"/>
+            <a:ext cx="10795686" cy="1397876"/>
+          </a:xfrm>
+          <a:prstGeom prst="rect">
+            <a:avLst/>
+          </a:prstGeom>
+          <a:solidFill>
+            <a:schemeClr val="accent5"/>
+          </a:solidFill>
+          <a:ln>
+            <a:noFill/>
+          </a:ln>
+        </p:spPr>
+        <p:style>
+          <a:lnRef idx="2">
+            <a:schemeClr val="accent1">
+              <a:shade val="15000"/>
+            </a:schemeClr>
+          </a:lnRef>
+          <a:fillRef idx="1">
+            <a:schemeClr val="accent1"/>
+          </a:fillRef>
+          <a:effectRef idx="0">
+            <a:schemeClr val="accent1"/>
+          </a:effectRef>
+          <a:fontRef idx="minor">
+            <a:schemeClr val="lt1"/>
+          </a:fontRef>
+        </p:style>
+        <p:txBody>
+          <a:bodyPr rtlCol="0" anchor="ctr"/>
+          <a:lstStyle/>
+          <a:p>
+            <a:endParaRPr kumimoji="1" lang="ja-JP" altLang="en-US" sz="4000" b="1"/>
+          </a:p>
+        </p:txBody>
+      </p:sp>
+      <p:sp>
+        <p:nvSpPr>
+          <p:cNvPr id="5" name="正方形/長方形 4">
+            <a:extLst>
+              <a:ext uri="{FF2B5EF4-FFF2-40B4-BE49-F238E27FC236}">
+                <a16:creationId xmlns:a16="http://schemas.microsoft.com/office/drawing/2014/main" id="{BD9D5376-097D-869C-B9C1-C3A110CFEA92}"/>
+              </a:ext>
+            </a:extLst>
+          </p:cNvPr>
+          <p:cNvSpPr/>
+          <p:nvPr/>
+        </p:nvSpPr>
+        <p:spPr>
+          <a:xfrm>
+            <a:off x="0" y="0"/>
+            <a:ext cx="1396314" cy="1397876"/>
+          </a:xfrm>
+          <a:prstGeom prst="rect">
+            <a:avLst/>
+          </a:prstGeom>
+          <a:ln>
+            <a:noFill/>
+          </a:ln>
+        </p:spPr>
+        <p:style>
+          <a:lnRef idx="2">
+            <a:schemeClr val="accent1">
+              <a:shade val="15000"/>
+            </a:schemeClr>
+          </a:lnRef>
+          <a:fillRef idx="1">
+            <a:schemeClr val="accent1"/>
+          </a:fillRef>
+          <a:effectRef idx="0">
+            <a:schemeClr val="accent1"/>
+          </a:effectRef>
+          <a:fontRef idx="minor">
+            <a:schemeClr val="lt1"/>
+          </a:fontRef>
+        </p:style>
+        <p:txBody>
+          <a:bodyPr rtlCol="0" anchor="ctr"/>
+          <a:lstStyle/>
+          <a:p>
+            <a:pPr algn="ctr"/>
+            <a:endParaRPr kumimoji="1" lang="ja-JP" altLang="en-US" sz="3200" b="1"/>
+          </a:p>
+        </p:txBody>
+      </p:sp>
+    </p:spTree>
+    <p:extLst>
+      <p:ext uri="{BB962C8B-B14F-4D97-AF65-F5344CB8AC3E}">
+        <p14:creationId xmlns:p14="http://schemas.microsoft.com/office/powerpoint/2010/main" val="4084623441"/>
+      </p:ext>
+    </p:extLst>
+  </p:cSld>
+  <p:clrMapOvr>
+    <a:masterClrMapping/>
+  </p:clrMapOvr>
+</p:sld>
+</file>
+
+<file path=ppt/slides/slide9.xml><?xml version="1.0" encoding="utf-8"?>
+<p:sld xmlns:a="http://schemas.openxmlformats.org/drawingml/2006/main" xmlns:r="http://schemas.openxmlformats.org/officeDocument/2006/relationships" xmlns:p="http://schemas.openxmlformats.org/presentationml/2006/main">
+  <p:cSld>
+    <p:spTree>
+      <p:nvGrpSpPr>
+        <p:cNvPr id="1" name=""/>
+        <p:cNvGrpSpPr/>
+        <p:nvPr/>
+      </p:nvGrpSpPr>
+      <p:grpSpPr>
+        <a:xfrm>
+          <a:off x="0" y="0"/>
+          <a:ext cx="0" cy="0"/>
+          <a:chOff x="0" y="0"/>
+          <a:chExt cx="0" cy="0"/>
+        </a:xfrm>
+      </p:grpSpPr>
+      <p:sp>
+        <p:nvSpPr>
+          <p:cNvPr id="4" name="正方形/長方形 3">
+            <a:extLst>
+              <a:ext uri="{FF2B5EF4-FFF2-40B4-BE49-F238E27FC236}">
+                <a16:creationId xmlns:a16="http://schemas.microsoft.com/office/drawing/2014/main" id="{9DF20083-156A-16DA-0EEB-CA65C4F4EBBD}"/>
+              </a:ext>
+            </a:extLst>
+          </p:cNvPr>
+          <p:cNvSpPr/>
+          <p:nvPr/>
+        </p:nvSpPr>
+        <p:spPr>
+          <a:xfrm>
+            <a:off x="1396314" y="0"/>
+            <a:ext cx="10795686" cy="1397876"/>
+          </a:xfrm>
+          <a:prstGeom prst="rect">
+            <a:avLst/>
+          </a:prstGeom>
+          <a:solidFill>
+            <a:schemeClr val="accent5"/>
+          </a:solidFill>
+          <a:ln>
+            <a:noFill/>
+          </a:ln>
+        </p:spPr>
+        <p:style>
+          <a:lnRef idx="2">
+            <a:schemeClr val="accent1">
+              <a:shade val="15000"/>
+            </a:schemeClr>
+          </a:lnRef>
+          <a:fillRef idx="1">
+            <a:schemeClr val="accent1"/>
+          </a:fillRef>
+          <a:effectRef idx="0">
+            <a:schemeClr val="accent1"/>
+          </a:effectRef>
+          <a:fontRef idx="minor">
+            <a:schemeClr val="lt1"/>
+          </a:fontRef>
+        </p:style>
+        <p:txBody>
+          <a:bodyPr rtlCol="0" anchor="ctr"/>
+          <a:lstStyle/>
+          <a:p>
+            <a:endParaRPr kumimoji="1" lang="ja-JP" altLang="en-US" sz="4000" b="1"/>
+          </a:p>
+        </p:txBody>
+      </p:sp>
+      <p:sp>
+        <p:nvSpPr>
+          <p:cNvPr id="5" name="正方形/長方形 4">
+            <a:extLst>
+              <a:ext uri="{FF2B5EF4-FFF2-40B4-BE49-F238E27FC236}">
+                <a16:creationId xmlns:a16="http://schemas.microsoft.com/office/drawing/2014/main" id="{BD9D5376-097D-869C-B9C1-C3A110CFEA92}"/>
+              </a:ext>
+            </a:extLst>
+          </p:cNvPr>
+          <p:cNvSpPr/>
+          <p:nvPr/>
+        </p:nvSpPr>
+        <p:spPr>
+          <a:xfrm>
+            <a:off x="0" y="0"/>
+            <a:ext cx="1396314" cy="1397876"/>
+          </a:xfrm>
+          <a:prstGeom prst="rect">
+            <a:avLst/>
+          </a:prstGeom>
+          <a:ln>
+            <a:noFill/>
+          </a:ln>
+        </p:spPr>
+        <p:style>
+          <a:lnRef idx="2">
+            <a:schemeClr val="accent1">
+              <a:shade val="15000"/>
+            </a:schemeClr>
+          </a:lnRef>
+          <a:fillRef idx="1">
+            <a:schemeClr val="accent1"/>
+          </a:fillRef>
+          <a:effectRef idx="0">
+            <a:schemeClr val="accent1"/>
+          </a:effectRef>
+          <a:fontRef idx="minor">
+            <a:schemeClr val="lt1"/>
+          </a:fontRef>
+        </p:style>
+        <p:txBody>
+          <a:bodyPr rtlCol="0" anchor="ctr"/>
+          <a:lstStyle/>
+          <a:p>
+            <a:pPr algn="ctr"/>
+            <a:endParaRPr kumimoji="1" lang="ja-JP" altLang="en-US" sz="3200" b="1"/>
+          </a:p>
+        </p:txBody>
+      </p:sp>
+    </p:spTree>
+    <p:extLst>
+      <p:ext uri="{BB962C8B-B14F-4D97-AF65-F5344CB8AC3E}">
+        <p14:creationId xmlns:p14="http://schemas.microsoft.com/office/powerpoint/2010/main" val="3907061771"/>
       </p:ext>
     </p:extLst>
   </p:cSld>

--- a/ABS_勉強会.pptx
+++ b/ABS_勉強会.pptx
@@ -7977,6 +7977,10 @@
           <a:bodyPr rtlCol="0" anchor="ctr"/>
           <a:lstStyle/>
           <a:p>
+            <a:r>
+              <a:rPr kumimoji="1" lang="en-US" altLang="ja-JP" sz="4000" b="1"/>
+              <a:t>ABC086A-Product</a:t>
+            </a:r>
             <a:endParaRPr kumimoji="1" lang="ja-JP" altLang="en-US" sz="4000" b="1"/>
           </a:p>
         </p:txBody>
@@ -8029,6 +8033,1598 @@
             <a:r>
               <a:rPr kumimoji="1" lang="ja-JP" altLang="en-US" sz="3200" b="1"/>
               <a:t>２</a:t>
+            </a:r>
+          </a:p>
+        </p:txBody>
+      </p:sp>
+      <p:sp>
+        <p:nvSpPr>
+          <p:cNvPr id="8" name="テキスト ボックス 7">
+            <a:extLst>
+              <a:ext uri="{FF2B5EF4-FFF2-40B4-BE49-F238E27FC236}">
+                <a16:creationId xmlns:a16="http://schemas.microsoft.com/office/drawing/2014/main" id="{2B42B197-558D-6D36-11E0-B0BA72AC98FA}"/>
+              </a:ext>
+            </a:extLst>
+          </p:cNvPr>
+          <p:cNvSpPr txBox="1"/>
+          <p:nvPr/>
+        </p:nvSpPr>
+        <p:spPr>
+          <a:xfrm>
+            <a:off x="611484" y="1696720"/>
+            <a:ext cx="1569660" cy="646331"/>
+          </a:xfrm>
+          <a:prstGeom prst="rect">
+            <a:avLst/>
+          </a:prstGeom>
+          <a:noFill/>
+        </p:spPr>
+        <p:txBody>
+          <a:bodyPr wrap="none" rtlCol="0">
+            <a:spAutoFit/>
+          </a:bodyPr>
+          <a:lstStyle/>
+          <a:p>
+            <a:r>
+              <a:rPr kumimoji="1" lang="ja-JP" altLang="en-US" sz="3600"/>
+              <a:t>解き方</a:t>
+            </a:r>
+          </a:p>
+        </p:txBody>
+      </p:sp>
+      <p:sp>
+        <p:nvSpPr>
+          <p:cNvPr id="9" name="テキスト ボックス 8">
+            <a:extLst>
+              <a:ext uri="{FF2B5EF4-FFF2-40B4-BE49-F238E27FC236}">
+                <a16:creationId xmlns:a16="http://schemas.microsoft.com/office/drawing/2014/main" id="{EB5EC51D-CB96-82DF-9001-926781ADBB85}"/>
+              </a:ext>
+            </a:extLst>
+          </p:cNvPr>
+          <p:cNvSpPr txBox="1"/>
+          <p:nvPr/>
+        </p:nvSpPr>
+        <p:spPr>
+          <a:xfrm>
+            <a:off x="611484" y="2349507"/>
+            <a:ext cx="8836657" cy="584775"/>
+          </a:xfrm>
+          <a:prstGeom prst="rect">
+            <a:avLst/>
+          </a:prstGeom>
+          <a:noFill/>
+        </p:spPr>
+        <p:txBody>
+          <a:bodyPr wrap="square" rtlCol="0">
+            <a:spAutoFit/>
+          </a:bodyPr>
+          <a:lstStyle/>
+          <a:p>
+            <a:r>
+              <a:rPr kumimoji="1" lang="ja-JP" altLang="en-US" sz="3200"/>
+              <a:t>・偶数か奇数か２で割った余りで判定する</a:t>
+            </a:r>
+          </a:p>
+        </p:txBody>
+      </p:sp>
+      <p:sp>
+        <p:nvSpPr>
+          <p:cNvPr id="10" name="テキスト ボックス 9">
+            <a:extLst>
+              <a:ext uri="{FF2B5EF4-FFF2-40B4-BE49-F238E27FC236}">
+                <a16:creationId xmlns:a16="http://schemas.microsoft.com/office/drawing/2014/main" id="{2E4E035C-3573-5C73-0B03-D4F8C6A08920}"/>
+              </a:ext>
+            </a:extLst>
+          </p:cNvPr>
+          <p:cNvSpPr txBox="1"/>
+          <p:nvPr/>
+        </p:nvSpPr>
+        <p:spPr>
+          <a:xfrm>
+            <a:off x="611484" y="4180344"/>
+            <a:ext cx="3950120" cy="2677656"/>
+          </a:xfrm>
+          <a:prstGeom prst="rect">
+            <a:avLst/>
+          </a:prstGeom>
+          <a:solidFill>
+            <a:schemeClr val="tx1"/>
+          </a:solidFill>
+        </p:spPr>
+        <p:txBody>
+          <a:bodyPr wrap="none" rtlCol="0">
+            <a:spAutoFit/>
+          </a:bodyPr>
+          <a:lstStyle/>
+          <a:p>
+            <a:pPr algn="l">
+              <a:lnSpc>
+                <a:spcPts val="1950"/>
+              </a:lnSpc>
+            </a:pPr>
+            <a:r>
+              <a:rPr lang="en-US" altLang="ja-JP" sz="1800" kern="0">
+                <a:solidFill>
+                  <a:srgbClr val="C586C0"/>
+                </a:solidFill>
+                <a:effectLst/>
+                <a:latin typeface="Menlo" panose="020B0609030804020204" pitchFamily="49" charset="0"/>
+                <a:ea typeface="ＭＳ Ｐゴシック" panose="020B0600070205080204" pitchFamily="34" charset="-128"/>
+                <a:cs typeface="Times New Roman" panose="02020603050405020304" pitchFamily="18" charset="0"/>
+              </a:rPr>
+              <a:t>using</a:t>
+            </a:r>
+            <a:r>
+              <a:rPr lang="en-US" altLang="ja-JP" sz="1800" kern="0">
+                <a:solidFill>
+                  <a:srgbClr val="CCCCCC"/>
+                </a:solidFill>
+                <a:effectLst/>
+                <a:latin typeface="Menlo" panose="020B0609030804020204" pitchFamily="49" charset="0"/>
+                <a:ea typeface="ＭＳ Ｐゴシック" panose="020B0600070205080204" pitchFamily="34" charset="-128"/>
+                <a:cs typeface="Times New Roman" panose="02020603050405020304" pitchFamily="18" charset="0"/>
+              </a:rPr>
+              <a:t> </a:t>
+            </a:r>
+            <a:r>
+              <a:rPr lang="en-US" altLang="ja-JP" sz="1800" kern="0">
+                <a:solidFill>
+                  <a:srgbClr val="569CD6"/>
+                </a:solidFill>
+                <a:effectLst/>
+                <a:latin typeface="Menlo" panose="020B0609030804020204" pitchFamily="49" charset="0"/>
+                <a:ea typeface="ＭＳ Ｐゴシック" panose="020B0600070205080204" pitchFamily="34" charset="-128"/>
+                <a:cs typeface="Times New Roman" panose="02020603050405020304" pitchFamily="18" charset="0"/>
+              </a:rPr>
+              <a:t>namespace</a:t>
+            </a:r>
+            <a:r>
+              <a:rPr lang="en-US" altLang="ja-JP" sz="1800" kern="0">
+                <a:solidFill>
+                  <a:srgbClr val="CCCCCC"/>
+                </a:solidFill>
+                <a:effectLst/>
+                <a:latin typeface="Menlo" panose="020B0609030804020204" pitchFamily="49" charset="0"/>
+                <a:ea typeface="ＭＳ Ｐゴシック" panose="020B0600070205080204" pitchFamily="34" charset="-128"/>
+                <a:cs typeface="Times New Roman" panose="02020603050405020304" pitchFamily="18" charset="0"/>
+              </a:rPr>
+              <a:t> </a:t>
+            </a:r>
+            <a:r>
+              <a:rPr lang="en-US" altLang="ja-JP" sz="1800" kern="0">
+                <a:solidFill>
+                  <a:srgbClr val="4EC9B0"/>
+                </a:solidFill>
+                <a:effectLst/>
+                <a:latin typeface="Menlo" panose="020B0609030804020204" pitchFamily="49" charset="0"/>
+                <a:ea typeface="ＭＳ Ｐゴシック" panose="020B0600070205080204" pitchFamily="34" charset="-128"/>
+                <a:cs typeface="Times New Roman" panose="02020603050405020304" pitchFamily="18" charset="0"/>
+              </a:rPr>
+              <a:t>std</a:t>
+            </a:r>
+            <a:r>
+              <a:rPr lang="en-US" altLang="ja-JP" sz="1800" kern="0">
+                <a:solidFill>
+                  <a:srgbClr val="CCCCCC"/>
+                </a:solidFill>
+                <a:effectLst/>
+                <a:latin typeface="Menlo" panose="020B0609030804020204" pitchFamily="49" charset="0"/>
+                <a:ea typeface="ＭＳ Ｐゴシック" panose="020B0600070205080204" pitchFamily="34" charset="-128"/>
+                <a:cs typeface="Times New Roman" panose="02020603050405020304" pitchFamily="18" charset="0"/>
+              </a:rPr>
+              <a:t>;</a:t>
+            </a:r>
+            <a:endParaRPr lang="ja-JP" altLang="ja-JP" sz="1800" kern="100">
+              <a:effectLst/>
+              <a:latin typeface="游明朝" panose="02020400000000000000" pitchFamily="18" charset="-128"/>
+              <a:ea typeface="游明朝" panose="02020400000000000000" pitchFamily="18" charset="-128"/>
+              <a:cs typeface="Times New Roman" panose="02020603050405020304" pitchFamily="18" charset="0"/>
+            </a:endParaRPr>
+          </a:p>
+          <a:p>
+            <a:pPr algn="l">
+              <a:lnSpc>
+                <a:spcPts val="1950"/>
+              </a:lnSpc>
+            </a:pPr>
+            <a:r>
+              <a:rPr lang="en-US" altLang="ja-JP" sz="1800" kern="0">
+                <a:solidFill>
+                  <a:srgbClr val="569CD6"/>
+                </a:solidFill>
+                <a:effectLst/>
+                <a:latin typeface="Menlo" panose="020B0609030804020204" pitchFamily="49" charset="0"/>
+                <a:ea typeface="ＭＳ Ｐゴシック" panose="020B0600070205080204" pitchFamily="34" charset="-128"/>
+                <a:cs typeface="Times New Roman" panose="02020603050405020304" pitchFamily="18" charset="0"/>
+              </a:rPr>
+              <a:t>int</a:t>
+            </a:r>
+            <a:r>
+              <a:rPr lang="en-US" altLang="ja-JP" sz="1800" kern="0">
+                <a:solidFill>
+                  <a:srgbClr val="CCCCCC"/>
+                </a:solidFill>
+                <a:effectLst/>
+                <a:latin typeface="Menlo" panose="020B0609030804020204" pitchFamily="49" charset="0"/>
+                <a:ea typeface="ＭＳ Ｐゴシック" panose="020B0600070205080204" pitchFamily="34" charset="-128"/>
+                <a:cs typeface="Times New Roman" panose="02020603050405020304" pitchFamily="18" charset="0"/>
+              </a:rPr>
+              <a:t> </a:t>
+            </a:r>
+            <a:r>
+              <a:rPr lang="en-US" altLang="ja-JP" sz="1800" kern="0">
+                <a:solidFill>
+                  <a:srgbClr val="DCDCAA"/>
+                </a:solidFill>
+                <a:effectLst/>
+                <a:latin typeface="Menlo" panose="020B0609030804020204" pitchFamily="49" charset="0"/>
+                <a:ea typeface="ＭＳ Ｐゴシック" panose="020B0600070205080204" pitchFamily="34" charset="-128"/>
+                <a:cs typeface="Times New Roman" panose="02020603050405020304" pitchFamily="18" charset="0"/>
+              </a:rPr>
+              <a:t>main</a:t>
+            </a:r>
+            <a:r>
+              <a:rPr lang="en-US" altLang="ja-JP" sz="1800" kern="0">
+                <a:solidFill>
+                  <a:srgbClr val="CCCCCC"/>
+                </a:solidFill>
+                <a:effectLst/>
+                <a:latin typeface="Menlo" panose="020B0609030804020204" pitchFamily="49" charset="0"/>
+                <a:ea typeface="ＭＳ Ｐゴシック" panose="020B0600070205080204" pitchFamily="34" charset="-128"/>
+                <a:cs typeface="Times New Roman" panose="02020603050405020304" pitchFamily="18" charset="0"/>
+              </a:rPr>
+              <a:t>(){</a:t>
+            </a:r>
+            <a:endParaRPr lang="ja-JP" altLang="ja-JP" sz="1800" kern="100">
+              <a:effectLst/>
+              <a:latin typeface="游明朝" panose="02020400000000000000" pitchFamily="18" charset="-128"/>
+              <a:ea typeface="游明朝" panose="02020400000000000000" pitchFamily="18" charset="-128"/>
+              <a:cs typeface="Times New Roman" panose="02020603050405020304" pitchFamily="18" charset="0"/>
+            </a:endParaRPr>
+          </a:p>
+          <a:p>
+            <a:pPr algn="l">
+              <a:lnSpc>
+                <a:spcPts val="1950"/>
+              </a:lnSpc>
+            </a:pPr>
+            <a:r>
+              <a:rPr lang="en-US" altLang="ja-JP" sz="1800" kern="0">
+                <a:solidFill>
+                  <a:srgbClr val="CCCCCC"/>
+                </a:solidFill>
+                <a:effectLst/>
+                <a:latin typeface="Menlo" panose="020B0609030804020204" pitchFamily="49" charset="0"/>
+                <a:ea typeface="ＭＳ Ｐゴシック" panose="020B0600070205080204" pitchFamily="34" charset="-128"/>
+                <a:cs typeface="Times New Roman" panose="02020603050405020304" pitchFamily="18" charset="0"/>
+              </a:rPr>
+              <a:t>  </a:t>
+            </a:r>
+            <a:r>
+              <a:rPr lang="en-US" altLang="ja-JP" sz="1800" kern="0">
+                <a:solidFill>
+                  <a:srgbClr val="569CD6"/>
+                </a:solidFill>
+                <a:effectLst/>
+                <a:latin typeface="Menlo" panose="020B0609030804020204" pitchFamily="49" charset="0"/>
+                <a:ea typeface="ＭＳ Ｐゴシック" panose="020B0600070205080204" pitchFamily="34" charset="-128"/>
+                <a:cs typeface="Times New Roman" panose="02020603050405020304" pitchFamily="18" charset="0"/>
+              </a:rPr>
+              <a:t>int</a:t>
+            </a:r>
+            <a:r>
+              <a:rPr lang="en-US" altLang="ja-JP" sz="1800" kern="0">
+                <a:solidFill>
+                  <a:srgbClr val="CCCCCC"/>
+                </a:solidFill>
+                <a:effectLst/>
+                <a:latin typeface="Menlo" panose="020B0609030804020204" pitchFamily="49" charset="0"/>
+                <a:ea typeface="ＭＳ Ｐゴシック" panose="020B0600070205080204" pitchFamily="34" charset="-128"/>
+                <a:cs typeface="Times New Roman" panose="02020603050405020304" pitchFamily="18" charset="0"/>
+              </a:rPr>
+              <a:t> </a:t>
+            </a:r>
+            <a:r>
+              <a:rPr lang="en-US" altLang="ja-JP" sz="1800" kern="0">
+                <a:solidFill>
+                  <a:srgbClr val="9CDCFE"/>
+                </a:solidFill>
+                <a:effectLst/>
+                <a:latin typeface="Menlo" panose="020B0609030804020204" pitchFamily="49" charset="0"/>
+                <a:ea typeface="ＭＳ Ｐゴシック" panose="020B0600070205080204" pitchFamily="34" charset="-128"/>
+                <a:cs typeface="Times New Roman" panose="02020603050405020304" pitchFamily="18" charset="0"/>
+              </a:rPr>
+              <a:t>a</a:t>
+            </a:r>
+            <a:r>
+              <a:rPr lang="en-US" altLang="ja-JP" sz="1800" kern="0">
+                <a:solidFill>
+                  <a:srgbClr val="CCCCCC"/>
+                </a:solidFill>
+                <a:effectLst/>
+                <a:latin typeface="Menlo" panose="020B0609030804020204" pitchFamily="49" charset="0"/>
+                <a:ea typeface="ＭＳ Ｐゴシック" panose="020B0600070205080204" pitchFamily="34" charset="-128"/>
+                <a:cs typeface="Times New Roman" panose="02020603050405020304" pitchFamily="18" charset="0"/>
+              </a:rPr>
+              <a:t>,</a:t>
+            </a:r>
+            <a:r>
+              <a:rPr lang="en-US" altLang="ja-JP" sz="1800" kern="0">
+                <a:solidFill>
+                  <a:srgbClr val="9CDCFE"/>
+                </a:solidFill>
+                <a:effectLst/>
+                <a:latin typeface="Menlo" panose="020B0609030804020204" pitchFamily="49" charset="0"/>
+                <a:ea typeface="ＭＳ Ｐゴシック" panose="020B0600070205080204" pitchFamily="34" charset="-128"/>
+                <a:cs typeface="Times New Roman" panose="02020603050405020304" pitchFamily="18" charset="0"/>
+              </a:rPr>
+              <a:t>b</a:t>
+            </a:r>
+            <a:r>
+              <a:rPr lang="en-US" altLang="ja-JP" sz="1800" kern="0">
+                <a:solidFill>
+                  <a:srgbClr val="CCCCCC"/>
+                </a:solidFill>
+                <a:effectLst/>
+                <a:latin typeface="Menlo" panose="020B0609030804020204" pitchFamily="49" charset="0"/>
+                <a:ea typeface="ＭＳ Ｐゴシック" panose="020B0600070205080204" pitchFamily="34" charset="-128"/>
+                <a:cs typeface="Times New Roman" panose="02020603050405020304" pitchFamily="18" charset="0"/>
+              </a:rPr>
+              <a:t>;</a:t>
+            </a:r>
+            <a:r>
+              <a:rPr lang="en-US" altLang="ja-JP" sz="1800" kern="0">
+                <a:solidFill>
+                  <a:srgbClr val="9CDCFE"/>
+                </a:solidFill>
+                <a:effectLst/>
+                <a:latin typeface="Menlo" panose="020B0609030804020204" pitchFamily="49" charset="0"/>
+                <a:ea typeface="ＭＳ Ｐゴシック" panose="020B0600070205080204" pitchFamily="34" charset="-128"/>
+                <a:cs typeface="Times New Roman" panose="02020603050405020304" pitchFamily="18" charset="0"/>
+              </a:rPr>
+              <a:t>cin</a:t>
+            </a:r>
+            <a:r>
+              <a:rPr lang="en-US" altLang="ja-JP" sz="1800" kern="0">
+                <a:solidFill>
+                  <a:srgbClr val="CCCCCC"/>
+                </a:solidFill>
+                <a:effectLst/>
+                <a:latin typeface="Menlo" panose="020B0609030804020204" pitchFamily="49" charset="0"/>
+                <a:ea typeface="ＭＳ Ｐゴシック" panose="020B0600070205080204" pitchFamily="34" charset="-128"/>
+                <a:cs typeface="Times New Roman" panose="02020603050405020304" pitchFamily="18" charset="0"/>
+              </a:rPr>
+              <a:t> </a:t>
+            </a:r>
+            <a:r>
+              <a:rPr lang="en-US" altLang="ja-JP" sz="1800" kern="0">
+                <a:solidFill>
+                  <a:srgbClr val="DCDCAA"/>
+                </a:solidFill>
+                <a:effectLst/>
+                <a:latin typeface="Menlo" panose="020B0609030804020204" pitchFamily="49" charset="0"/>
+                <a:ea typeface="ＭＳ Ｐゴシック" panose="020B0600070205080204" pitchFamily="34" charset="-128"/>
+                <a:cs typeface="Times New Roman" panose="02020603050405020304" pitchFamily="18" charset="0"/>
+              </a:rPr>
+              <a:t>&gt;&gt;</a:t>
+            </a:r>
+            <a:r>
+              <a:rPr lang="en-US" altLang="ja-JP" sz="1800" kern="0">
+                <a:solidFill>
+                  <a:srgbClr val="CCCCCC"/>
+                </a:solidFill>
+                <a:effectLst/>
+                <a:latin typeface="Menlo" panose="020B0609030804020204" pitchFamily="49" charset="0"/>
+                <a:ea typeface="ＭＳ Ｐゴシック" panose="020B0600070205080204" pitchFamily="34" charset="-128"/>
+                <a:cs typeface="Times New Roman" panose="02020603050405020304" pitchFamily="18" charset="0"/>
+              </a:rPr>
+              <a:t> </a:t>
+            </a:r>
+            <a:r>
+              <a:rPr lang="en-US" altLang="ja-JP" sz="1800" kern="0">
+                <a:solidFill>
+                  <a:srgbClr val="9CDCFE"/>
+                </a:solidFill>
+                <a:effectLst/>
+                <a:latin typeface="Menlo" panose="020B0609030804020204" pitchFamily="49" charset="0"/>
+                <a:ea typeface="ＭＳ Ｐゴシック" panose="020B0600070205080204" pitchFamily="34" charset="-128"/>
+                <a:cs typeface="Times New Roman" panose="02020603050405020304" pitchFamily="18" charset="0"/>
+              </a:rPr>
+              <a:t>a</a:t>
+            </a:r>
+            <a:r>
+              <a:rPr lang="en-US" altLang="ja-JP" sz="1800" kern="0">
+                <a:solidFill>
+                  <a:srgbClr val="CCCCCC"/>
+                </a:solidFill>
+                <a:effectLst/>
+                <a:latin typeface="Menlo" panose="020B0609030804020204" pitchFamily="49" charset="0"/>
+                <a:ea typeface="ＭＳ Ｐゴシック" panose="020B0600070205080204" pitchFamily="34" charset="-128"/>
+                <a:cs typeface="Times New Roman" panose="02020603050405020304" pitchFamily="18" charset="0"/>
+              </a:rPr>
+              <a:t> </a:t>
+            </a:r>
+            <a:r>
+              <a:rPr lang="en-US" altLang="ja-JP" sz="1800" kern="0">
+                <a:solidFill>
+                  <a:srgbClr val="DCDCAA"/>
+                </a:solidFill>
+                <a:effectLst/>
+                <a:latin typeface="Menlo" panose="020B0609030804020204" pitchFamily="49" charset="0"/>
+                <a:ea typeface="ＭＳ Ｐゴシック" panose="020B0600070205080204" pitchFamily="34" charset="-128"/>
+                <a:cs typeface="Times New Roman" panose="02020603050405020304" pitchFamily="18" charset="0"/>
+              </a:rPr>
+              <a:t>&gt;&gt;</a:t>
+            </a:r>
+            <a:r>
+              <a:rPr lang="en-US" altLang="ja-JP" sz="1800" kern="0">
+                <a:solidFill>
+                  <a:srgbClr val="CCCCCC"/>
+                </a:solidFill>
+                <a:effectLst/>
+                <a:latin typeface="Menlo" panose="020B0609030804020204" pitchFamily="49" charset="0"/>
+                <a:ea typeface="ＭＳ Ｐゴシック" panose="020B0600070205080204" pitchFamily="34" charset="-128"/>
+                <a:cs typeface="Times New Roman" panose="02020603050405020304" pitchFamily="18" charset="0"/>
+              </a:rPr>
+              <a:t> </a:t>
+            </a:r>
+            <a:r>
+              <a:rPr lang="en-US" altLang="ja-JP" sz="1800" kern="0">
+                <a:solidFill>
+                  <a:srgbClr val="9CDCFE"/>
+                </a:solidFill>
+                <a:effectLst/>
+                <a:latin typeface="Menlo" panose="020B0609030804020204" pitchFamily="49" charset="0"/>
+                <a:ea typeface="ＭＳ Ｐゴシック" panose="020B0600070205080204" pitchFamily="34" charset="-128"/>
+                <a:cs typeface="Times New Roman" panose="02020603050405020304" pitchFamily="18" charset="0"/>
+              </a:rPr>
+              <a:t>b</a:t>
+            </a:r>
+            <a:r>
+              <a:rPr lang="en-US" altLang="ja-JP" sz="1800" kern="0">
+                <a:solidFill>
+                  <a:srgbClr val="CCCCCC"/>
+                </a:solidFill>
+                <a:effectLst/>
+                <a:latin typeface="Menlo" panose="020B0609030804020204" pitchFamily="49" charset="0"/>
+                <a:ea typeface="ＭＳ Ｐゴシック" panose="020B0600070205080204" pitchFamily="34" charset="-128"/>
+                <a:cs typeface="Times New Roman" panose="02020603050405020304" pitchFamily="18" charset="0"/>
+              </a:rPr>
+              <a:t>;</a:t>
+            </a:r>
+            <a:endParaRPr lang="ja-JP" altLang="ja-JP" sz="1800" kern="100">
+              <a:effectLst/>
+              <a:latin typeface="游明朝" panose="02020400000000000000" pitchFamily="18" charset="-128"/>
+              <a:ea typeface="游明朝" panose="02020400000000000000" pitchFamily="18" charset="-128"/>
+              <a:cs typeface="Times New Roman" panose="02020603050405020304" pitchFamily="18" charset="0"/>
+            </a:endParaRPr>
+          </a:p>
+          <a:p>
+            <a:pPr algn="l">
+              <a:lnSpc>
+                <a:spcPts val="1950"/>
+              </a:lnSpc>
+            </a:pPr>
+            <a:r>
+              <a:rPr lang="en-US" altLang="ja-JP" sz="1800" kern="0">
+                <a:solidFill>
+                  <a:srgbClr val="CCCCCC"/>
+                </a:solidFill>
+                <a:effectLst/>
+                <a:latin typeface="Menlo" panose="020B0609030804020204" pitchFamily="49" charset="0"/>
+                <a:ea typeface="ＭＳ Ｐゴシック" panose="020B0600070205080204" pitchFamily="34" charset="-128"/>
+                <a:cs typeface="Times New Roman" panose="02020603050405020304" pitchFamily="18" charset="0"/>
+              </a:rPr>
+              <a:t>  </a:t>
+            </a:r>
+            <a:r>
+              <a:rPr lang="en-US" altLang="ja-JP" sz="1800" kern="0">
+                <a:solidFill>
+                  <a:srgbClr val="C586C0"/>
+                </a:solidFill>
+                <a:effectLst/>
+                <a:latin typeface="Menlo" panose="020B0609030804020204" pitchFamily="49" charset="0"/>
+                <a:ea typeface="ＭＳ Ｐゴシック" panose="020B0600070205080204" pitchFamily="34" charset="-128"/>
+                <a:cs typeface="Times New Roman" panose="02020603050405020304" pitchFamily="18" charset="0"/>
+              </a:rPr>
+              <a:t>if</a:t>
+            </a:r>
+            <a:r>
+              <a:rPr lang="en-US" altLang="ja-JP" sz="1800" kern="0">
+                <a:solidFill>
+                  <a:srgbClr val="CCCCCC"/>
+                </a:solidFill>
+                <a:effectLst/>
+                <a:latin typeface="Menlo" panose="020B0609030804020204" pitchFamily="49" charset="0"/>
+                <a:ea typeface="ＭＳ Ｐゴシック" panose="020B0600070205080204" pitchFamily="34" charset="-128"/>
+                <a:cs typeface="Times New Roman" panose="02020603050405020304" pitchFamily="18" charset="0"/>
+              </a:rPr>
+              <a:t>((</a:t>
+            </a:r>
+            <a:r>
+              <a:rPr lang="en-US" altLang="ja-JP" sz="1800" kern="0">
+                <a:solidFill>
+                  <a:srgbClr val="9CDCFE"/>
+                </a:solidFill>
+                <a:effectLst/>
+                <a:latin typeface="Menlo" panose="020B0609030804020204" pitchFamily="49" charset="0"/>
+                <a:ea typeface="ＭＳ Ｐゴシック" panose="020B0600070205080204" pitchFamily="34" charset="-128"/>
+                <a:cs typeface="Times New Roman" panose="02020603050405020304" pitchFamily="18" charset="0"/>
+              </a:rPr>
+              <a:t>a</a:t>
+            </a:r>
+            <a:r>
+              <a:rPr lang="en-US" altLang="ja-JP" sz="1800" kern="0">
+                <a:solidFill>
+                  <a:srgbClr val="CCCCCC"/>
+                </a:solidFill>
+                <a:effectLst/>
+                <a:latin typeface="Menlo" panose="020B0609030804020204" pitchFamily="49" charset="0"/>
+                <a:ea typeface="ＭＳ Ｐゴシック" panose="020B0600070205080204" pitchFamily="34" charset="-128"/>
+                <a:cs typeface="Times New Roman" panose="02020603050405020304" pitchFamily="18" charset="0"/>
+              </a:rPr>
+              <a:t> </a:t>
+            </a:r>
+            <a:r>
+              <a:rPr lang="en-US" altLang="ja-JP" sz="1800" kern="0">
+                <a:solidFill>
+                  <a:srgbClr val="D4D4D4"/>
+                </a:solidFill>
+                <a:effectLst/>
+                <a:latin typeface="Menlo" panose="020B0609030804020204" pitchFamily="49" charset="0"/>
+                <a:ea typeface="ＭＳ Ｐゴシック" panose="020B0600070205080204" pitchFamily="34" charset="-128"/>
+                <a:cs typeface="Times New Roman" panose="02020603050405020304" pitchFamily="18" charset="0"/>
+              </a:rPr>
+              <a:t>*</a:t>
+            </a:r>
+            <a:r>
+              <a:rPr lang="en-US" altLang="ja-JP" sz="1800" kern="0">
+                <a:solidFill>
+                  <a:srgbClr val="CCCCCC"/>
+                </a:solidFill>
+                <a:effectLst/>
+                <a:latin typeface="Menlo" panose="020B0609030804020204" pitchFamily="49" charset="0"/>
+                <a:ea typeface="ＭＳ Ｐゴシック" panose="020B0600070205080204" pitchFamily="34" charset="-128"/>
+                <a:cs typeface="Times New Roman" panose="02020603050405020304" pitchFamily="18" charset="0"/>
+              </a:rPr>
+              <a:t> </a:t>
+            </a:r>
+            <a:r>
+              <a:rPr lang="en-US" altLang="ja-JP" sz="1800" kern="0">
+                <a:solidFill>
+                  <a:srgbClr val="9CDCFE"/>
+                </a:solidFill>
+                <a:effectLst/>
+                <a:latin typeface="Menlo" panose="020B0609030804020204" pitchFamily="49" charset="0"/>
+                <a:ea typeface="ＭＳ Ｐゴシック" panose="020B0600070205080204" pitchFamily="34" charset="-128"/>
+                <a:cs typeface="Times New Roman" panose="02020603050405020304" pitchFamily="18" charset="0"/>
+              </a:rPr>
+              <a:t>b</a:t>
+            </a:r>
+            <a:r>
+              <a:rPr lang="en-US" altLang="ja-JP" sz="1800" kern="0">
+                <a:solidFill>
+                  <a:srgbClr val="CCCCCC"/>
+                </a:solidFill>
+                <a:effectLst/>
+                <a:latin typeface="Menlo" panose="020B0609030804020204" pitchFamily="49" charset="0"/>
+                <a:ea typeface="ＭＳ Ｐゴシック" panose="020B0600070205080204" pitchFamily="34" charset="-128"/>
+                <a:cs typeface="Times New Roman" panose="02020603050405020304" pitchFamily="18" charset="0"/>
+              </a:rPr>
+              <a:t>) </a:t>
+            </a:r>
+            <a:r>
+              <a:rPr lang="en-US" altLang="ja-JP" sz="1800" kern="0">
+                <a:solidFill>
+                  <a:srgbClr val="D4D4D4"/>
+                </a:solidFill>
+                <a:effectLst/>
+                <a:latin typeface="Menlo" panose="020B0609030804020204" pitchFamily="49" charset="0"/>
+                <a:ea typeface="ＭＳ Ｐゴシック" panose="020B0600070205080204" pitchFamily="34" charset="-128"/>
+                <a:cs typeface="Times New Roman" panose="02020603050405020304" pitchFamily="18" charset="0"/>
+              </a:rPr>
+              <a:t>%</a:t>
+            </a:r>
+            <a:r>
+              <a:rPr lang="en-US" altLang="ja-JP" sz="1800" kern="0">
+                <a:solidFill>
+                  <a:srgbClr val="CCCCCC"/>
+                </a:solidFill>
+                <a:effectLst/>
+                <a:latin typeface="Menlo" panose="020B0609030804020204" pitchFamily="49" charset="0"/>
+                <a:ea typeface="ＭＳ Ｐゴシック" panose="020B0600070205080204" pitchFamily="34" charset="-128"/>
+                <a:cs typeface="Times New Roman" panose="02020603050405020304" pitchFamily="18" charset="0"/>
+              </a:rPr>
+              <a:t> </a:t>
+            </a:r>
+            <a:r>
+              <a:rPr lang="en-US" altLang="ja-JP" sz="1800" kern="0">
+                <a:solidFill>
+                  <a:srgbClr val="B5CEA8"/>
+                </a:solidFill>
+                <a:effectLst/>
+                <a:latin typeface="Menlo" panose="020B0609030804020204" pitchFamily="49" charset="0"/>
+                <a:ea typeface="ＭＳ Ｐゴシック" panose="020B0600070205080204" pitchFamily="34" charset="-128"/>
+                <a:cs typeface="Times New Roman" panose="02020603050405020304" pitchFamily="18" charset="0"/>
+              </a:rPr>
+              <a:t>2</a:t>
+            </a:r>
+            <a:r>
+              <a:rPr lang="en-US" altLang="ja-JP" sz="1800" kern="0">
+                <a:solidFill>
+                  <a:srgbClr val="CCCCCC"/>
+                </a:solidFill>
+                <a:effectLst/>
+                <a:latin typeface="Menlo" panose="020B0609030804020204" pitchFamily="49" charset="0"/>
+                <a:ea typeface="ＭＳ Ｐゴシック" panose="020B0600070205080204" pitchFamily="34" charset="-128"/>
+                <a:cs typeface="Times New Roman" panose="02020603050405020304" pitchFamily="18" charset="0"/>
+              </a:rPr>
+              <a:t> </a:t>
+            </a:r>
+            <a:r>
+              <a:rPr lang="en-US" altLang="ja-JP" sz="1800" kern="0">
+                <a:solidFill>
+                  <a:srgbClr val="D4D4D4"/>
+                </a:solidFill>
+                <a:effectLst/>
+                <a:latin typeface="Menlo" panose="020B0609030804020204" pitchFamily="49" charset="0"/>
+                <a:ea typeface="ＭＳ Ｐゴシック" panose="020B0600070205080204" pitchFamily="34" charset="-128"/>
+                <a:cs typeface="Times New Roman" panose="02020603050405020304" pitchFamily="18" charset="0"/>
+              </a:rPr>
+              <a:t>==</a:t>
+            </a:r>
+            <a:r>
+              <a:rPr lang="en-US" altLang="ja-JP" sz="1800" kern="0">
+                <a:solidFill>
+                  <a:srgbClr val="CCCCCC"/>
+                </a:solidFill>
+                <a:effectLst/>
+                <a:latin typeface="Menlo" panose="020B0609030804020204" pitchFamily="49" charset="0"/>
+                <a:ea typeface="ＭＳ Ｐゴシック" panose="020B0600070205080204" pitchFamily="34" charset="-128"/>
+                <a:cs typeface="Times New Roman" panose="02020603050405020304" pitchFamily="18" charset="0"/>
+              </a:rPr>
+              <a:t> </a:t>
+            </a:r>
+            <a:r>
+              <a:rPr lang="en-US" altLang="ja-JP" sz="1800" kern="0">
+                <a:solidFill>
+                  <a:srgbClr val="B5CEA8"/>
+                </a:solidFill>
+                <a:effectLst/>
+                <a:latin typeface="Menlo" panose="020B0609030804020204" pitchFamily="49" charset="0"/>
+                <a:ea typeface="ＭＳ Ｐゴシック" panose="020B0600070205080204" pitchFamily="34" charset="-128"/>
+                <a:cs typeface="Times New Roman" panose="02020603050405020304" pitchFamily="18" charset="0"/>
+              </a:rPr>
+              <a:t>1</a:t>
+            </a:r>
+            <a:r>
+              <a:rPr lang="en-US" altLang="ja-JP" sz="1800" kern="0">
+                <a:solidFill>
+                  <a:srgbClr val="CCCCCC"/>
+                </a:solidFill>
+                <a:effectLst/>
+                <a:latin typeface="Menlo" panose="020B0609030804020204" pitchFamily="49" charset="0"/>
+                <a:ea typeface="ＭＳ Ｐゴシック" panose="020B0600070205080204" pitchFamily="34" charset="-128"/>
+                <a:cs typeface="Times New Roman" panose="02020603050405020304" pitchFamily="18" charset="0"/>
+              </a:rPr>
+              <a:t>){</a:t>
+            </a:r>
+            <a:endParaRPr lang="ja-JP" altLang="ja-JP" sz="1800" kern="100">
+              <a:effectLst/>
+              <a:latin typeface="游明朝" panose="02020400000000000000" pitchFamily="18" charset="-128"/>
+              <a:ea typeface="游明朝" panose="02020400000000000000" pitchFamily="18" charset="-128"/>
+              <a:cs typeface="Times New Roman" panose="02020603050405020304" pitchFamily="18" charset="0"/>
+            </a:endParaRPr>
+          </a:p>
+          <a:p>
+            <a:pPr algn="l">
+              <a:lnSpc>
+                <a:spcPts val="1950"/>
+              </a:lnSpc>
+            </a:pPr>
+            <a:r>
+              <a:rPr lang="en-US" altLang="ja-JP" sz="1800" kern="0">
+                <a:solidFill>
+                  <a:srgbClr val="CCCCCC"/>
+                </a:solidFill>
+                <a:effectLst/>
+                <a:latin typeface="Menlo" panose="020B0609030804020204" pitchFamily="49" charset="0"/>
+                <a:ea typeface="ＭＳ Ｐゴシック" panose="020B0600070205080204" pitchFamily="34" charset="-128"/>
+                <a:cs typeface="Times New Roman" panose="02020603050405020304" pitchFamily="18" charset="0"/>
+              </a:rPr>
+              <a:t>    </a:t>
+            </a:r>
+            <a:r>
+              <a:rPr lang="en-US" altLang="ja-JP" sz="1800" kern="0">
+                <a:solidFill>
+                  <a:srgbClr val="9CDCFE"/>
+                </a:solidFill>
+                <a:effectLst/>
+                <a:latin typeface="Menlo" panose="020B0609030804020204" pitchFamily="49" charset="0"/>
+                <a:ea typeface="ＭＳ Ｐゴシック" panose="020B0600070205080204" pitchFamily="34" charset="-128"/>
+                <a:cs typeface="Times New Roman" panose="02020603050405020304" pitchFamily="18" charset="0"/>
+              </a:rPr>
+              <a:t>cout</a:t>
+            </a:r>
+            <a:r>
+              <a:rPr lang="en-US" altLang="ja-JP" sz="1800" kern="0">
+                <a:solidFill>
+                  <a:srgbClr val="CCCCCC"/>
+                </a:solidFill>
+                <a:effectLst/>
+                <a:latin typeface="Menlo" panose="020B0609030804020204" pitchFamily="49" charset="0"/>
+                <a:ea typeface="ＭＳ Ｐゴシック" panose="020B0600070205080204" pitchFamily="34" charset="-128"/>
+                <a:cs typeface="Times New Roman" panose="02020603050405020304" pitchFamily="18" charset="0"/>
+              </a:rPr>
+              <a:t> </a:t>
+            </a:r>
+            <a:r>
+              <a:rPr lang="en-US" altLang="ja-JP" sz="1800" kern="0">
+                <a:solidFill>
+                  <a:srgbClr val="DCDCAA"/>
+                </a:solidFill>
+                <a:effectLst/>
+                <a:latin typeface="Menlo" panose="020B0609030804020204" pitchFamily="49" charset="0"/>
+                <a:ea typeface="ＭＳ Ｐゴシック" panose="020B0600070205080204" pitchFamily="34" charset="-128"/>
+                <a:cs typeface="Times New Roman" panose="02020603050405020304" pitchFamily="18" charset="0"/>
+              </a:rPr>
+              <a:t>&lt;&lt;</a:t>
+            </a:r>
+            <a:r>
+              <a:rPr lang="en-US" altLang="ja-JP" sz="1800" kern="0">
+                <a:solidFill>
+                  <a:srgbClr val="CCCCCC"/>
+                </a:solidFill>
+                <a:effectLst/>
+                <a:latin typeface="Menlo" panose="020B0609030804020204" pitchFamily="49" charset="0"/>
+                <a:ea typeface="ＭＳ Ｐゴシック" panose="020B0600070205080204" pitchFamily="34" charset="-128"/>
+                <a:cs typeface="Times New Roman" panose="02020603050405020304" pitchFamily="18" charset="0"/>
+              </a:rPr>
+              <a:t> </a:t>
+            </a:r>
+            <a:r>
+              <a:rPr lang="en-US" altLang="ja-JP" sz="1800" kern="0">
+                <a:solidFill>
+                  <a:srgbClr val="CE9178"/>
+                </a:solidFill>
+                <a:effectLst/>
+                <a:latin typeface="Menlo" panose="020B0609030804020204" pitchFamily="49" charset="0"/>
+                <a:ea typeface="ＭＳ Ｐゴシック" panose="020B0600070205080204" pitchFamily="34" charset="-128"/>
+                <a:cs typeface="Times New Roman" panose="02020603050405020304" pitchFamily="18" charset="0"/>
+              </a:rPr>
+              <a:t>"Odd"</a:t>
+            </a:r>
+            <a:r>
+              <a:rPr lang="en-US" altLang="ja-JP" sz="1800" kern="0">
+                <a:solidFill>
+                  <a:srgbClr val="CCCCCC"/>
+                </a:solidFill>
+                <a:effectLst/>
+                <a:latin typeface="Menlo" panose="020B0609030804020204" pitchFamily="49" charset="0"/>
+                <a:ea typeface="ＭＳ Ｐゴシック" panose="020B0600070205080204" pitchFamily="34" charset="-128"/>
+                <a:cs typeface="Times New Roman" panose="02020603050405020304" pitchFamily="18" charset="0"/>
+              </a:rPr>
+              <a:t> </a:t>
+            </a:r>
+            <a:r>
+              <a:rPr lang="en-US" altLang="ja-JP" sz="1800" kern="0">
+                <a:solidFill>
+                  <a:srgbClr val="DCDCAA"/>
+                </a:solidFill>
+                <a:effectLst/>
+                <a:latin typeface="Menlo" panose="020B0609030804020204" pitchFamily="49" charset="0"/>
+                <a:ea typeface="ＭＳ Ｐゴシック" panose="020B0600070205080204" pitchFamily="34" charset="-128"/>
+                <a:cs typeface="Times New Roman" panose="02020603050405020304" pitchFamily="18" charset="0"/>
+              </a:rPr>
+              <a:t>&lt;&lt;</a:t>
+            </a:r>
+            <a:r>
+              <a:rPr lang="en-US" altLang="ja-JP" sz="1800" kern="0">
+                <a:solidFill>
+                  <a:srgbClr val="CCCCCC"/>
+                </a:solidFill>
+                <a:effectLst/>
+                <a:latin typeface="Menlo" panose="020B0609030804020204" pitchFamily="49" charset="0"/>
+                <a:ea typeface="ＭＳ Ｐゴシック" panose="020B0600070205080204" pitchFamily="34" charset="-128"/>
+                <a:cs typeface="Times New Roman" panose="02020603050405020304" pitchFamily="18" charset="0"/>
+              </a:rPr>
+              <a:t> </a:t>
+            </a:r>
+            <a:r>
+              <a:rPr lang="en-US" altLang="ja-JP" sz="1800" kern="0">
+                <a:solidFill>
+                  <a:srgbClr val="DCDCAA"/>
+                </a:solidFill>
+                <a:effectLst/>
+                <a:latin typeface="Menlo" panose="020B0609030804020204" pitchFamily="49" charset="0"/>
+                <a:ea typeface="ＭＳ Ｐゴシック" panose="020B0600070205080204" pitchFamily="34" charset="-128"/>
+                <a:cs typeface="Times New Roman" panose="02020603050405020304" pitchFamily="18" charset="0"/>
+              </a:rPr>
+              <a:t>endl</a:t>
+            </a:r>
+            <a:r>
+              <a:rPr lang="en-US" altLang="ja-JP" sz="1800" kern="0">
+                <a:solidFill>
+                  <a:srgbClr val="CCCCCC"/>
+                </a:solidFill>
+                <a:effectLst/>
+                <a:latin typeface="Menlo" panose="020B0609030804020204" pitchFamily="49" charset="0"/>
+                <a:ea typeface="ＭＳ Ｐゴシック" panose="020B0600070205080204" pitchFamily="34" charset="-128"/>
+                <a:cs typeface="Times New Roman" panose="02020603050405020304" pitchFamily="18" charset="0"/>
+              </a:rPr>
+              <a:t>;</a:t>
+            </a:r>
+            <a:endParaRPr lang="ja-JP" altLang="ja-JP" sz="1800" kern="100">
+              <a:effectLst/>
+              <a:latin typeface="游明朝" panose="02020400000000000000" pitchFamily="18" charset="-128"/>
+              <a:ea typeface="游明朝" panose="02020400000000000000" pitchFamily="18" charset="-128"/>
+              <a:cs typeface="Times New Roman" panose="02020603050405020304" pitchFamily="18" charset="0"/>
+            </a:endParaRPr>
+          </a:p>
+          <a:p>
+            <a:pPr algn="l">
+              <a:lnSpc>
+                <a:spcPts val="1950"/>
+              </a:lnSpc>
+            </a:pPr>
+            <a:r>
+              <a:rPr lang="en-US" altLang="ja-JP" sz="1800" kern="0">
+                <a:solidFill>
+                  <a:srgbClr val="CCCCCC"/>
+                </a:solidFill>
+                <a:effectLst/>
+                <a:latin typeface="Menlo" panose="020B0609030804020204" pitchFamily="49" charset="0"/>
+                <a:ea typeface="ＭＳ Ｐゴシック" panose="020B0600070205080204" pitchFamily="34" charset="-128"/>
+                <a:cs typeface="Times New Roman" panose="02020603050405020304" pitchFamily="18" charset="0"/>
+              </a:rPr>
+              <a:t>  }</a:t>
+            </a:r>
+            <a:r>
+              <a:rPr lang="en-US" altLang="ja-JP" sz="1800" kern="0">
+                <a:solidFill>
+                  <a:srgbClr val="C586C0"/>
+                </a:solidFill>
+                <a:effectLst/>
+                <a:latin typeface="Menlo" panose="020B0609030804020204" pitchFamily="49" charset="0"/>
+                <a:ea typeface="ＭＳ Ｐゴシック" panose="020B0600070205080204" pitchFamily="34" charset="-128"/>
+                <a:cs typeface="Times New Roman" panose="02020603050405020304" pitchFamily="18" charset="0"/>
+              </a:rPr>
+              <a:t>else</a:t>
+            </a:r>
+            <a:r>
+              <a:rPr lang="en-US" altLang="ja-JP" sz="1800" kern="0">
+                <a:solidFill>
+                  <a:srgbClr val="CCCCCC"/>
+                </a:solidFill>
+                <a:effectLst/>
+                <a:latin typeface="Menlo" panose="020B0609030804020204" pitchFamily="49" charset="0"/>
+                <a:ea typeface="ＭＳ Ｐゴシック" panose="020B0600070205080204" pitchFamily="34" charset="-128"/>
+                <a:cs typeface="Times New Roman" panose="02020603050405020304" pitchFamily="18" charset="0"/>
+              </a:rPr>
+              <a:t>{</a:t>
+            </a:r>
+            <a:endParaRPr lang="ja-JP" altLang="ja-JP" sz="1800" kern="100">
+              <a:effectLst/>
+              <a:latin typeface="游明朝" panose="02020400000000000000" pitchFamily="18" charset="-128"/>
+              <a:ea typeface="游明朝" panose="02020400000000000000" pitchFamily="18" charset="-128"/>
+              <a:cs typeface="Times New Roman" panose="02020603050405020304" pitchFamily="18" charset="0"/>
+            </a:endParaRPr>
+          </a:p>
+          <a:p>
+            <a:pPr algn="l">
+              <a:lnSpc>
+                <a:spcPts val="1950"/>
+              </a:lnSpc>
+            </a:pPr>
+            <a:r>
+              <a:rPr lang="en-US" altLang="ja-JP" sz="1800" kern="0">
+                <a:solidFill>
+                  <a:srgbClr val="CCCCCC"/>
+                </a:solidFill>
+                <a:effectLst/>
+                <a:latin typeface="Menlo" panose="020B0609030804020204" pitchFamily="49" charset="0"/>
+                <a:ea typeface="ＭＳ Ｐゴシック" panose="020B0600070205080204" pitchFamily="34" charset="-128"/>
+                <a:cs typeface="Times New Roman" panose="02020603050405020304" pitchFamily="18" charset="0"/>
+              </a:rPr>
+              <a:t>    </a:t>
+            </a:r>
+            <a:r>
+              <a:rPr lang="en-US" altLang="ja-JP" sz="1800" kern="0">
+                <a:solidFill>
+                  <a:srgbClr val="9CDCFE"/>
+                </a:solidFill>
+                <a:effectLst/>
+                <a:latin typeface="Menlo" panose="020B0609030804020204" pitchFamily="49" charset="0"/>
+                <a:ea typeface="ＭＳ Ｐゴシック" panose="020B0600070205080204" pitchFamily="34" charset="-128"/>
+                <a:cs typeface="Times New Roman" panose="02020603050405020304" pitchFamily="18" charset="0"/>
+              </a:rPr>
+              <a:t>cout</a:t>
+            </a:r>
+            <a:r>
+              <a:rPr lang="en-US" altLang="ja-JP" sz="1800" kern="0">
+                <a:solidFill>
+                  <a:srgbClr val="CCCCCC"/>
+                </a:solidFill>
+                <a:effectLst/>
+                <a:latin typeface="Menlo" panose="020B0609030804020204" pitchFamily="49" charset="0"/>
+                <a:ea typeface="ＭＳ Ｐゴシック" panose="020B0600070205080204" pitchFamily="34" charset="-128"/>
+                <a:cs typeface="Times New Roman" panose="02020603050405020304" pitchFamily="18" charset="0"/>
+              </a:rPr>
+              <a:t> </a:t>
+            </a:r>
+            <a:r>
+              <a:rPr lang="en-US" altLang="ja-JP" sz="1800" kern="0">
+                <a:solidFill>
+                  <a:srgbClr val="DCDCAA"/>
+                </a:solidFill>
+                <a:effectLst/>
+                <a:latin typeface="Menlo" panose="020B0609030804020204" pitchFamily="49" charset="0"/>
+                <a:ea typeface="ＭＳ Ｐゴシック" panose="020B0600070205080204" pitchFamily="34" charset="-128"/>
+                <a:cs typeface="Times New Roman" panose="02020603050405020304" pitchFamily="18" charset="0"/>
+              </a:rPr>
+              <a:t>&lt;&lt;</a:t>
+            </a:r>
+            <a:r>
+              <a:rPr lang="en-US" altLang="ja-JP" sz="1800" kern="0">
+                <a:solidFill>
+                  <a:srgbClr val="CCCCCC"/>
+                </a:solidFill>
+                <a:effectLst/>
+                <a:latin typeface="Menlo" panose="020B0609030804020204" pitchFamily="49" charset="0"/>
+                <a:ea typeface="ＭＳ Ｐゴシック" panose="020B0600070205080204" pitchFamily="34" charset="-128"/>
+                <a:cs typeface="Times New Roman" panose="02020603050405020304" pitchFamily="18" charset="0"/>
+              </a:rPr>
+              <a:t> </a:t>
+            </a:r>
+            <a:r>
+              <a:rPr lang="en-US" altLang="ja-JP" sz="1800" kern="0">
+                <a:solidFill>
+                  <a:srgbClr val="CE9178"/>
+                </a:solidFill>
+                <a:effectLst/>
+                <a:latin typeface="Menlo" panose="020B0609030804020204" pitchFamily="49" charset="0"/>
+                <a:ea typeface="ＭＳ Ｐゴシック" panose="020B0600070205080204" pitchFamily="34" charset="-128"/>
+                <a:cs typeface="Times New Roman" panose="02020603050405020304" pitchFamily="18" charset="0"/>
+              </a:rPr>
+              <a:t>"Even"</a:t>
+            </a:r>
+            <a:r>
+              <a:rPr lang="en-US" altLang="ja-JP" sz="1800" kern="0">
+                <a:solidFill>
+                  <a:srgbClr val="CCCCCC"/>
+                </a:solidFill>
+                <a:effectLst/>
+                <a:latin typeface="Menlo" panose="020B0609030804020204" pitchFamily="49" charset="0"/>
+                <a:ea typeface="ＭＳ Ｐゴシック" panose="020B0600070205080204" pitchFamily="34" charset="-128"/>
+                <a:cs typeface="Times New Roman" panose="02020603050405020304" pitchFamily="18" charset="0"/>
+              </a:rPr>
+              <a:t> </a:t>
+            </a:r>
+            <a:r>
+              <a:rPr lang="en-US" altLang="ja-JP" sz="1800" kern="0">
+                <a:solidFill>
+                  <a:srgbClr val="DCDCAA"/>
+                </a:solidFill>
+                <a:effectLst/>
+                <a:latin typeface="Menlo" panose="020B0609030804020204" pitchFamily="49" charset="0"/>
+                <a:ea typeface="ＭＳ Ｐゴシック" panose="020B0600070205080204" pitchFamily="34" charset="-128"/>
+                <a:cs typeface="Times New Roman" panose="02020603050405020304" pitchFamily="18" charset="0"/>
+              </a:rPr>
+              <a:t>&lt;&lt;</a:t>
+            </a:r>
+            <a:r>
+              <a:rPr lang="en-US" altLang="ja-JP" sz="1800" kern="0">
+                <a:solidFill>
+                  <a:srgbClr val="CCCCCC"/>
+                </a:solidFill>
+                <a:effectLst/>
+                <a:latin typeface="Menlo" panose="020B0609030804020204" pitchFamily="49" charset="0"/>
+                <a:ea typeface="ＭＳ Ｐゴシック" panose="020B0600070205080204" pitchFamily="34" charset="-128"/>
+                <a:cs typeface="Times New Roman" panose="02020603050405020304" pitchFamily="18" charset="0"/>
+              </a:rPr>
+              <a:t> </a:t>
+            </a:r>
+            <a:r>
+              <a:rPr lang="en-US" altLang="ja-JP" sz="1800" kern="0">
+                <a:solidFill>
+                  <a:srgbClr val="DCDCAA"/>
+                </a:solidFill>
+                <a:effectLst/>
+                <a:latin typeface="Menlo" panose="020B0609030804020204" pitchFamily="49" charset="0"/>
+                <a:ea typeface="ＭＳ Ｐゴシック" panose="020B0600070205080204" pitchFamily="34" charset="-128"/>
+                <a:cs typeface="Times New Roman" panose="02020603050405020304" pitchFamily="18" charset="0"/>
+              </a:rPr>
+              <a:t>endl</a:t>
+            </a:r>
+            <a:r>
+              <a:rPr lang="en-US" altLang="ja-JP" sz="1800" kern="0">
+                <a:solidFill>
+                  <a:srgbClr val="CCCCCC"/>
+                </a:solidFill>
+                <a:effectLst/>
+                <a:latin typeface="Menlo" panose="020B0609030804020204" pitchFamily="49" charset="0"/>
+                <a:ea typeface="ＭＳ Ｐゴシック" panose="020B0600070205080204" pitchFamily="34" charset="-128"/>
+                <a:cs typeface="Times New Roman" panose="02020603050405020304" pitchFamily="18" charset="0"/>
+              </a:rPr>
+              <a:t>;</a:t>
+            </a:r>
+            <a:endParaRPr lang="ja-JP" altLang="ja-JP" sz="1800" kern="100">
+              <a:effectLst/>
+              <a:latin typeface="游明朝" panose="02020400000000000000" pitchFamily="18" charset="-128"/>
+              <a:ea typeface="游明朝" panose="02020400000000000000" pitchFamily="18" charset="-128"/>
+              <a:cs typeface="Times New Roman" panose="02020603050405020304" pitchFamily="18" charset="0"/>
+            </a:endParaRPr>
+          </a:p>
+          <a:p>
+            <a:pPr algn="l">
+              <a:lnSpc>
+                <a:spcPts val="1950"/>
+              </a:lnSpc>
+            </a:pPr>
+            <a:r>
+              <a:rPr lang="en-US" altLang="ja-JP" sz="1800" kern="0">
+                <a:solidFill>
+                  <a:srgbClr val="CCCCCC"/>
+                </a:solidFill>
+                <a:effectLst/>
+                <a:latin typeface="Menlo" panose="020B0609030804020204" pitchFamily="49" charset="0"/>
+                <a:ea typeface="ＭＳ Ｐゴシック" panose="020B0600070205080204" pitchFamily="34" charset="-128"/>
+                <a:cs typeface="Times New Roman" panose="02020603050405020304" pitchFamily="18" charset="0"/>
+              </a:rPr>
+              <a:t>  }</a:t>
+            </a:r>
+            <a:endParaRPr lang="ja-JP" altLang="ja-JP" sz="1800" kern="100">
+              <a:effectLst/>
+              <a:latin typeface="游明朝" panose="02020400000000000000" pitchFamily="18" charset="-128"/>
+              <a:ea typeface="游明朝" panose="02020400000000000000" pitchFamily="18" charset="-128"/>
+              <a:cs typeface="Times New Roman" panose="02020603050405020304" pitchFamily="18" charset="0"/>
+            </a:endParaRPr>
+          </a:p>
+          <a:p>
+            <a:pPr algn="l">
+              <a:lnSpc>
+                <a:spcPts val="1950"/>
+              </a:lnSpc>
+            </a:pPr>
+            <a:r>
+              <a:rPr lang="en-US" altLang="ja-JP" sz="1800" kern="0">
+                <a:solidFill>
+                  <a:srgbClr val="CCCCCC"/>
+                </a:solidFill>
+                <a:effectLst/>
+                <a:latin typeface="Menlo" panose="020B0609030804020204" pitchFamily="49" charset="0"/>
+                <a:ea typeface="ＭＳ Ｐゴシック" panose="020B0600070205080204" pitchFamily="34" charset="-128"/>
+                <a:cs typeface="Times New Roman" panose="02020603050405020304" pitchFamily="18" charset="0"/>
+              </a:rPr>
+              <a:t>}</a:t>
+            </a:r>
+            <a:endParaRPr lang="ja-JP" altLang="ja-JP" sz="1800" kern="100">
+              <a:effectLst/>
+              <a:latin typeface="游明朝" panose="02020400000000000000" pitchFamily="18" charset="-128"/>
+              <a:ea typeface="游明朝" panose="02020400000000000000" pitchFamily="18" charset="-128"/>
+              <a:cs typeface="Times New Roman" panose="02020603050405020304" pitchFamily="18" charset="0"/>
+            </a:endParaRPr>
+          </a:p>
+          <a:p>
+            <a:endParaRPr kumimoji="1" lang="ja-JP" altLang="en-US"/>
+          </a:p>
+        </p:txBody>
+      </p:sp>
+      <p:sp>
+        <p:nvSpPr>
+          <p:cNvPr id="12" name="テキスト ボックス 11">
+            <a:extLst>
+              <a:ext uri="{FF2B5EF4-FFF2-40B4-BE49-F238E27FC236}">
+                <a16:creationId xmlns:a16="http://schemas.microsoft.com/office/drawing/2014/main" id="{DE1CD09F-DA7C-8110-3C4F-74C87A44FC3F}"/>
+              </a:ext>
+            </a:extLst>
+          </p:cNvPr>
+          <p:cNvSpPr txBox="1"/>
+          <p:nvPr/>
+        </p:nvSpPr>
+        <p:spPr>
+          <a:xfrm>
+            <a:off x="2021840" y="3810000"/>
+            <a:ext cx="675185" cy="369332"/>
+          </a:xfrm>
+          <a:prstGeom prst="rect">
+            <a:avLst/>
+          </a:prstGeom>
+          <a:noFill/>
+        </p:spPr>
+        <p:txBody>
+          <a:bodyPr wrap="none" rtlCol="0">
+            <a:spAutoFit/>
+          </a:bodyPr>
+          <a:lstStyle/>
+          <a:p>
+            <a:r>
+              <a:rPr lang="en-US" altLang="ja-JP"/>
+              <a:t>C</a:t>
+            </a:r>
+            <a:r>
+              <a:rPr kumimoji="1" lang="en-US" altLang="ja-JP"/>
+              <a:t>++</a:t>
+            </a:r>
+            <a:endParaRPr kumimoji="1" lang="ja-JP" altLang="en-US"/>
+          </a:p>
+        </p:txBody>
+      </p:sp>
+      <p:sp>
+        <p:nvSpPr>
+          <p:cNvPr id="13" name="テキスト ボックス 12">
+            <a:extLst>
+              <a:ext uri="{FF2B5EF4-FFF2-40B4-BE49-F238E27FC236}">
+                <a16:creationId xmlns:a16="http://schemas.microsoft.com/office/drawing/2014/main" id="{4070855C-9BE0-D13A-29AA-F0D79C5650C0}"/>
+              </a:ext>
+            </a:extLst>
+          </p:cNvPr>
+          <p:cNvSpPr txBox="1"/>
+          <p:nvPr/>
+        </p:nvSpPr>
+        <p:spPr>
+          <a:xfrm>
+            <a:off x="6187440" y="5103674"/>
+            <a:ext cx="4368504" cy="1754326"/>
+          </a:xfrm>
+          <a:prstGeom prst="rect">
+            <a:avLst/>
+          </a:prstGeom>
+          <a:solidFill>
+            <a:schemeClr val="tx1"/>
+          </a:solidFill>
+        </p:spPr>
+        <p:txBody>
+          <a:bodyPr wrap="none" rtlCol="0">
+            <a:spAutoFit/>
+          </a:bodyPr>
+          <a:lstStyle/>
+          <a:p>
+            <a:r>
+              <a:rPr lang="en" altLang="ja-JP" b="0">
+                <a:solidFill>
+                  <a:srgbClr val="9CDCFE"/>
+                </a:solidFill>
+                <a:effectLst/>
+                <a:latin typeface="Menlo" panose="020B0609030804020204" pitchFamily="49" charset="0"/>
+              </a:rPr>
+              <a:t>a</a:t>
+            </a:r>
+            <a:r>
+              <a:rPr lang="en" altLang="ja-JP" b="0">
+                <a:solidFill>
+                  <a:srgbClr val="CCCCCC"/>
+                </a:solidFill>
+                <a:effectLst/>
+                <a:latin typeface="Menlo" panose="020B0609030804020204" pitchFamily="49" charset="0"/>
+              </a:rPr>
+              <a:t>,</a:t>
+            </a:r>
+            <a:r>
+              <a:rPr lang="en" altLang="ja-JP" b="0">
+                <a:solidFill>
+                  <a:srgbClr val="9CDCFE"/>
+                </a:solidFill>
+                <a:effectLst/>
+                <a:latin typeface="Menlo" panose="020B0609030804020204" pitchFamily="49" charset="0"/>
+              </a:rPr>
+              <a:t>b</a:t>
+            </a:r>
+            <a:r>
+              <a:rPr lang="en" altLang="ja-JP" b="0">
+                <a:solidFill>
+                  <a:srgbClr val="CCCCCC"/>
+                </a:solidFill>
+                <a:effectLst/>
+                <a:latin typeface="Menlo" panose="020B0609030804020204" pitchFamily="49" charset="0"/>
+              </a:rPr>
+              <a:t> </a:t>
+            </a:r>
+            <a:r>
+              <a:rPr lang="en" altLang="ja-JP" b="0">
+                <a:solidFill>
+                  <a:srgbClr val="D4D4D4"/>
+                </a:solidFill>
+                <a:effectLst/>
+                <a:latin typeface="Menlo" panose="020B0609030804020204" pitchFamily="49" charset="0"/>
+              </a:rPr>
+              <a:t>=</a:t>
+            </a:r>
+            <a:r>
+              <a:rPr lang="en" altLang="ja-JP" b="0">
+                <a:solidFill>
+                  <a:srgbClr val="CCCCCC"/>
+                </a:solidFill>
+                <a:effectLst/>
+                <a:latin typeface="Menlo" panose="020B0609030804020204" pitchFamily="49" charset="0"/>
+              </a:rPr>
+              <a:t> </a:t>
+            </a:r>
+            <a:r>
+              <a:rPr lang="en" altLang="ja-JP" b="0">
+                <a:solidFill>
+                  <a:srgbClr val="4EC9B0"/>
+                </a:solidFill>
+                <a:effectLst/>
+                <a:latin typeface="Menlo" panose="020B0609030804020204" pitchFamily="49" charset="0"/>
+              </a:rPr>
+              <a:t>map</a:t>
+            </a:r>
+            <a:r>
+              <a:rPr lang="en" altLang="ja-JP" b="0">
+                <a:solidFill>
+                  <a:srgbClr val="CCCCCC"/>
+                </a:solidFill>
+                <a:effectLst/>
+                <a:latin typeface="Menlo" panose="020B0609030804020204" pitchFamily="49" charset="0"/>
+              </a:rPr>
+              <a:t>(</a:t>
+            </a:r>
+            <a:r>
+              <a:rPr lang="en" altLang="ja-JP" b="0">
+                <a:solidFill>
+                  <a:srgbClr val="4EC9B0"/>
+                </a:solidFill>
+                <a:effectLst/>
+                <a:latin typeface="Menlo" panose="020B0609030804020204" pitchFamily="49" charset="0"/>
+              </a:rPr>
+              <a:t>int</a:t>
+            </a:r>
+            <a:r>
+              <a:rPr lang="en" altLang="ja-JP" b="0">
+                <a:solidFill>
+                  <a:srgbClr val="CCCCCC"/>
+                </a:solidFill>
+                <a:effectLst/>
+                <a:latin typeface="Menlo" panose="020B0609030804020204" pitchFamily="49" charset="0"/>
+              </a:rPr>
+              <a:t>,</a:t>
+            </a:r>
+            <a:r>
+              <a:rPr lang="en" altLang="ja-JP" b="0">
+                <a:solidFill>
+                  <a:srgbClr val="DCDCAA"/>
+                </a:solidFill>
+                <a:effectLst/>
+                <a:latin typeface="Menlo" panose="020B0609030804020204" pitchFamily="49" charset="0"/>
+              </a:rPr>
+              <a:t>input</a:t>
+            </a:r>
+            <a:r>
+              <a:rPr lang="en" altLang="ja-JP" b="0">
+                <a:solidFill>
+                  <a:srgbClr val="CCCCCC"/>
+                </a:solidFill>
+                <a:effectLst/>
+                <a:latin typeface="Menlo" panose="020B0609030804020204" pitchFamily="49" charset="0"/>
+              </a:rPr>
+              <a:t>().</a:t>
+            </a:r>
+            <a:r>
+              <a:rPr lang="en" altLang="ja-JP" b="0">
+                <a:solidFill>
+                  <a:srgbClr val="DCDCAA"/>
+                </a:solidFill>
+                <a:effectLst/>
+                <a:latin typeface="Menlo" panose="020B0609030804020204" pitchFamily="49" charset="0"/>
+              </a:rPr>
+              <a:t>split</a:t>
+            </a:r>
+            <a:r>
+              <a:rPr lang="en" altLang="ja-JP" b="0">
+                <a:solidFill>
+                  <a:srgbClr val="CCCCCC"/>
+                </a:solidFill>
+                <a:effectLst/>
+                <a:latin typeface="Menlo" panose="020B0609030804020204" pitchFamily="49" charset="0"/>
+              </a:rPr>
+              <a:t>())</a:t>
+            </a:r>
+          </a:p>
+          <a:p>
+            <a:r>
+              <a:rPr lang="en" altLang="ja-JP" b="0">
+                <a:solidFill>
+                  <a:srgbClr val="C586C0"/>
+                </a:solidFill>
+                <a:effectLst/>
+                <a:latin typeface="Menlo" panose="020B0609030804020204" pitchFamily="49" charset="0"/>
+              </a:rPr>
+              <a:t>if</a:t>
+            </a:r>
+            <a:r>
+              <a:rPr lang="en" altLang="ja-JP" b="0">
+                <a:solidFill>
+                  <a:srgbClr val="CCCCCC"/>
+                </a:solidFill>
+                <a:effectLst/>
+                <a:latin typeface="Menlo" panose="020B0609030804020204" pitchFamily="49" charset="0"/>
+              </a:rPr>
+              <a:t> (</a:t>
+            </a:r>
+            <a:r>
+              <a:rPr lang="en" altLang="ja-JP" b="0">
+                <a:solidFill>
+                  <a:srgbClr val="9CDCFE"/>
+                </a:solidFill>
+                <a:effectLst/>
+                <a:latin typeface="Menlo" panose="020B0609030804020204" pitchFamily="49" charset="0"/>
+              </a:rPr>
+              <a:t>a</a:t>
+            </a:r>
+            <a:r>
+              <a:rPr lang="en" altLang="ja-JP" b="0">
+                <a:solidFill>
+                  <a:srgbClr val="CCCCCC"/>
+                </a:solidFill>
+                <a:effectLst/>
+                <a:latin typeface="Menlo" panose="020B0609030804020204" pitchFamily="49" charset="0"/>
+              </a:rPr>
+              <a:t> </a:t>
+            </a:r>
+            <a:r>
+              <a:rPr lang="en" altLang="ja-JP" b="0">
+                <a:solidFill>
+                  <a:srgbClr val="D4D4D4"/>
+                </a:solidFill>
+                <a:effectLst/>
+                <a:latin typeface="Menlo" panose="020B0609030804020204" pitchFamily="49" charset="0"/>
+              </a:rPr>
+              <a:t>*</a:t>
+            </a:r>
+            <a:r>
+              <a:rPr lang="en" altLang="ja-JP" b="0">
+                <a:solidFill>
+                  <a:srgbClr val="CCCCCC"/>
+                </a:solidFill>
+                <a:effectLst/>
+                <a:latin typeface="Menlo" panose="020B0609030804020204" pitchFamily="49" charset="0"/>
+              </a:rPr>
+              <a:t> </a:t>
+            </a:r>
+            <a:r>
+              <a:rPr lang="en" altLang="ja-JP" b="0">
+                <a:solidFill>
+                  <a:srgbClr val="9CDCFE"/>
+                </a:solidFill>
+                <a:effectLst/>
+                <a:latin typeface="Menlo" panose="020B0609030804020204" pitchFamily="49" charset="0"/>
+              </a:rPr>
+              <a:t>b</a:t>
+            </a:r>
+            <a:r>
+              <a:rPr lang="en" altLang="ja-JP" b="0">
+                <a:solidFill>
+                  <a:srgbClr val="CCCCCC"/>
+                </a:solidFill>
+                <a:effectLst/>
+                <a:latin typeface="Menlo" panose="020B0609030804020204" pitchFamily="49" charset="0"/>
+              </a:rPr>
+              <a:t>) </a:t>
+            </a:r>
+            <a:r>
+              <a:rPr lang="en" altLang="ja-JP" b="0">
+                <a:solidFill>
+                  <a:srgbClr val="D4D4D4"/>
+                </a:solidFill>
+                <a:effectLst/>
+                <a:latin typeface="Menlo" panose="020B0609030804020204" pitchFamily="49" charset="0"/>
+              </a:rPr>
+              <a:t>%</a:t>
+            </a:r>
+            <a:r>
+              <a:rPr lang="en" altLang="ja-JP" b="0">
+                <a:solidFill>
+                  <a:srgbClr val="CCCCCC"/>
+                </a:solidFill>
+                <a:effectLst/>
+                <a:latin typeface="Menlo" panose="020B0609030804020204" pitchFamily="49" charset="0"/>
+              </a:rPr>
+              <a:t> </a:t>
+            </a:r>
+            <a:r>
+              <a:rPr lang="en" altLang="ja-JP" b="0">
+                <a:solidFill>
+                  <a:srgbClr val="B5CEA8"/>
+                </a:solidFill>
+                <a:effectLst/>
+                <a:latin typeface="Menlo" panose="020B0609030804020204" pitchFamily="49" charset="0"/>
+              </a:rPr>
+              <a:t>2</a:t>
+            </a:r>
+            <a:r>
+              <a:rPr lang="en" altLang="ja-JP" b="0">
+                <a:solidFill>
+                  <a:srgbClr val="CCCCCC"/>
+                </a:solidFill>
+                <a:effectLst/>
+                <a:latin typeface="Menlo" panose="020B0609030804020204" pitchFamily="49" charset="0"/>
+              </a:rPr>
+              <a:t> </a:t>
+            </a:r>
+            <a:r>
+              <a:rPr lang="en" altLang="ja-JP" b="0">
+                <a:solidFill>
+                  <a:srgbClr val="D4D4D4"/>
+                </a:solidFill>
+                <a:effectLst/>
+                <a:latin typeface="Menlo" panose="020B0609030804020204" pitchFamily="49" charset="0"/>
+              </a:rPr>
+              <a:t>==</a:t>
+            </a:r>
+            <a:r>
+              <a:rPr lang="en" altLang="ja-JP" b="0">
+                <a:solidFill>
+                  <a:srgbClr val="CCCCCC"/>
+                </a:solidFill>
+                <a:effectLst/>
+                <a:latin typeface="Menlo" panose="020B0609030804020204" pitchFamily="49" charset="0"/>
+              </a:rPr>
+              <a:t> </a:t>
+            </a:r>
+            <a:r>
+              <a:rPr lang="en" altLang="ja-JP" b="0">
+                <a:solidFill>
+                  <a:srgbClr val="B5CEA8"/>
+                </a:solidFill>
+                <a:effectLst/>
+                <a:latin typeface="Menlo" panose="020B0609030804020204" pitchFamily="49" charset="0"/>
+              </a:rPr>
+              <a:t>1</a:t>
+            </a:r>
+            <a:r>
+              <a:rPr lang="en" altLang="ja-JP" b="0">
+                <a:solidFill>
+                  <a:srgbClr val="CCCCCC"/>
+                </a:solidFill>
+                <a:effectLst/>
+                <a:latin typeface="Menlo" panose="020B0609030804020204" pitchFamily="49" charset="0"/>
+              </a:rPr>
+              <a:t>:</a:t>
+            </a:r>
+          </a:p>
+          <a:p>
+            <a:r>
+              <a:rPr lang="en" altLang="ja-JP" b="0">
+                <a:solidFill>
+                  <a:srgbClr val="DCDCAA"/>
+                </a:solidFill>
+                <a:effectLst/>
+                <a:latin typeface="Menlo" panose="020B0609030804020204" pitchFamily="49" charset="0"/>
+              </a:rPr>
+              <a:t>print</a:t>
+            </a:r>
+            <a:r>
+              <a:rPr lang="en" altLang="ja-JP" b="0">
+                <a:solidFill>
+                  <a:srgbClr val="CCCCCC"/>
+                </a:solidFill>
+                <a:effectLst/>
+                <a:latin typeface="Menlo" panose="020B0609030804020204" pitchFamily="49" charset="0"/>
+              </a:rPr>
+              <a:t>(</a:t>
+            </a:r>
+            <a:r>
+              <a:rPr lang="en" altLang="ja-JP" b="0">
+                <a:solidFill>
+                  <a:srgbClr val="CE9178"/>
+                </a:solidFill>
+                <a:effectLst/>
+                <a:latin typeface="Menlo" panose="020B0609030804020204" pitchFamily="49" charset="0"/>
+              </a:rPr>
+              <a:t>'Odd'</a:t>
+            </a:r>
+            <a:r>
+              <a:rPr lang="en" altLang="ja-JP" b="0">
+                <a:solidFill>
+                  <a:srgbClr val="CCCCCC"/>
+                </a:solidFill>
+                <a:effectLst/>
+                <a:latin typeface="Menlo" panose="020B0609030804020204" pitchFamily="49" charset="0"/>
+              </a:rPr>
+              <a:t>)</a:t>
+            </a:r>
+          </a:p>
+          <a:p>
+            <a:r>
+              <a:rPr lang="en" altLang="ja-JP" b="0">
+                <a:solidFill>
+                  <a:srgbClr val="C586C0"/>
+                </a:solidFill>
+                <a:effectLst/>
+                <a:latin typeface="Menlo" panose="020B0609030804020204" pitchFamily="49" charset="0"/>
+              </a:rPr>
+              <a:t>else</a:t>
+            </a:r>
+            <a:r>
+              <a:rPr lang="en" altLang="ja-JP" b="0">
+                <a:solidFill>
+                  <a:srgbClr val="CCCCCC"/>
+                </a:solidFill>
+                <a:effectLst/>
+                <a:latin typeface="Menlo" panose="020B0609030804020204" pitchFamily="49" charset="0"/>
+              </a:rPr>
+              <a:t>:</a:t>
+            </a:r>
+          </a:p>
+          <a:p>
+            <a:r>
+              <a:rPr lang="en" altLang="ja-JP" b="0">
+                <a:solidFill>
+                  <a:srgbClr val="DCDCAA"/>
+                </a:solidFill>
+                <a:effectLst/>
+                <a:latin typeface="Menlo" panose="020B0609030804020204" pitchFamily="49" charset="0"/>
+              </a:rPr>
+              <a:t>print</a:t>
+            </a:r>
+            <a:r>
+              <a:rPr lang="en" altLang="ja-JP" b="0">
+                <a:solidFill>
+                  <a:srgbClr val="CCCCCC"/>
+                </a:solidFill>
+                <a:effectLst/>
+                <a:latin typeface="Menlo" panose="020B0609030804020204" pitchFamily="49" charset="0"/>
+              </a:rPr>
+              <a:t>(</a:t>
+            </a:r>
+            <a:r>
+              <a:rPr lang="en" altLang="ja-JP" b="0">
+                <a:solidFill>
+                  <a:srgbClr val="CE9178"/>
+                </a:solidFill>
+                <a:effectLst/>
+                <a:latin typeface="Menlo" panose="020B0609030804020204" pitchFamily="49" charset="0"/>
+              </a:rPr>
+              <a:t>'Even'</a:t>
+            </a:r>
+            <a:r>
+              <a:rPr lang="en" altLang="ja-JP" b="0">
+                <a:solidFill>
+                  <a:srgbClr val="CCCCCC"/>
+                </a:solidFill>
+                <a:effectLst/>
+                <a:latin typeface="Menlo" panose="020B0609030804020204" pitchFamily="49" charset="0"/>
+              </a:rPr>
+              <a:t>)</a:t>
+            </a:r>
+          </a:p>
+          <a:p>
+            <a:endParaRPr kumimoji="1" lang="ja-JP" altLang="en-US"/>
+          </a:p>
+        </p:txBody>
+      </p:sp>
+      <p:sp>
+        <p:nvSpPr>
+          <p:cNvPr id="14" name="テキスト ボックス 13">
+            <a:extLst>
+              <a:ext uri="{FF2B5EF4-FFF2-40B4-BE49-F238E27FC236}">
+                <a16:creationId xmlns:a16="http://schemas.microsoft.com/office/drawing/2014/main" id="{6EC03FAE-FA4B-638E-03D2-F1A5F6CB43A8}"/>
+              </a:ext>
+            </a:extLst>
+          </p:cNvPr>
+          <p:cNvSpPr txBox="1"/>
+          <p:nvPr/>
+        </p:nvSpPr>
+        <p:spPr>
+          <a:xfrm>
+            <a:off x="7934960" y="4765040"/>
+            <a:ext cx="931665" cy="369332"/>
+          </a:xfrm>
+          <a:prstGeom prst="rect">
+            <a:avLst/>
+          </a:prstGeom>
+          <a:noFill/>
+        </p:spPr>
+        <p:txBody>
+          <a:bodyPr wrap="none" rtlCol="0">
+            <a:spAutoFit/>
+          </a:bodyPr>
+          <a:lstStyle/>
+          <a:p>
+            <a:r>
+              <a:rPr kumimoji="1" lang="en-US" altLang="ja-JP"/>
+              <a:t>Python</a:t>
             </a:r>
           </a:p>
         </p:txBody>
@@ -8110,6 +9706,10 @@
           <a:bodyPr rtlCol="0" anchor="ctr"/>
           <a:lstStyle/>
           <a:p>
+            <a:r>
+              <a:rPr kumimoji="1" lang="en-US" altLang="ja-JP" sz="4000" b="1"/>
+              <a:t>ABC086A-Product</a:t>
+            </a:r>
             <a:endParaRPr kumimoji="1" lang="ja-JP" altLang="en-US" sz="4000" b="1"/>
           </a:p>
         </p:txBody>
@@ -8159,7 +9759,46 @@
           <a:lstStyle/>
           <a:p>
             <a:pPr algn="ctr"/>
+            <a:r>
+              <a:rPr kumimoji="1" lang="en-US" altLang="ja-JP" sz="3200" b="1"/>
+              <a:t>2.1</a:t>
+            </a:r>
             <a:endParaRPr kumimoji="1" lang="ja-JP" altLang="en-US" sz="3200" b="1"/>
+          </a:p>
+        </p:txBody>
+      </p:sp>
+      <p:sp>
+        <p:nvSpPr>
+          <p:cNvPr id="2" name="テキスト ボックス 1">
+            <a:extLst>
+              <a:ext uri="{FF2B5EF4-FFF2-40B4-BE49-F238E27FC236}">
+                <a16:creationId xmlns:a16="http://schemas.microsoft.com/office/drawing/2014/main" id="{C2C4EA9F-620C-9C2C-9DCE-B30E6C1C6CED}"/>
+              </a:ext>
+            </a:extLst>
+          </p:cNvPr>
+          <p:cNvSpPr txBox="1"/>
+          <p:nvPr/>
+        </p:nvSpPr>
+        <p:spPr>
+          <a:xfrm>
+            <a:off x="548640" y="1727200"/>
+            <a:ext cx="4358640" cy="584775"/>
+          </a:xfrm>
+          <a:prstGeom prst="rect">
+            <a:avLst/>
+          </a:prstGeom>
+          <a:noFill/>
+        </p:spPr>
+        <p:txBody>
+          <a:bodyPr wrap="square" rtlCol="0">
+            <a:spAutoFit/>
+          </a:bodyPr>
+          <a:lstStyle/>
+          <a:p>
+            <a:r>
+              <a:rPr kumimoji="1" lang="ja-JP" altLang="en-US" sz="3200"/>
+              <a:t>この問題のポイント</a:t>
+            </a:r>
           </a:p>
         </p:txBody>
       </p:sp>

--- a/ABS_勉強会.pptx
+++ b/ABS_勉強会.pptx
@@ -20,7 +20,11 @@
     <p:sldId id="269" r:id="rId14"/>
     <p:sldId id="270" r:id="rId15"/>
     <p:sldId id="271" r:id="rId16"/>
-    <p:sldId id="272" r:id="rId17"/>
+    <p:sldId id="273" r:id="rId17"/>
+    <p:sldId id="274" r:id="rId18"/>
+    <p:sldId id="275" r:id="rId19"/>
+    <p:sldId id="276" r:id="rId20"/>
+    <p:sldId id="272" r:id="rId21"/>
   </p:sldIdLst>
   <p:sldSz cx="12192000" cy="6858000"/>
   <p:notesSz cx="6858000" cy="9144000"/>
@@ -5131,6 +5135,418 @@
           </a:p>
         </p:txBody>
       </p:sp>
+      <p:sp>
+        <p:nvSpPr>
+          <p:cNvPr id="2" name="テキスト ボックス 1">
+            <a:extLst>
+              <a:ext uri="{FF2B5EF4-FFF2-40B4-BE49-F238E27FC236}">
+                <a16:creationId xmlns:a16="http://schemas.microsoft.com/office/drawing/2014/main" id="{E46EEAB2-6E1B-7835-F8AD-BA79215C26C3}"/>
+              </a:ext>
+            </a:extLst>
+          </p:cNvPr>
+          <p:cNvSpPr txBox="1"/>
+          <p:nvPr/>
+        </p:nvSpPr>
+        <p:spPr>
+          <a:xfrm>
+            <a:off x="599440" y="1625600"/>
+            <a:ext cx="1261884" cy="523220"/>
+          </a:xfrm>
+          <a:prstGeom prst="rect">
+            <a:avLst/>
+          </a:prstGeom>
+          <a:noFill/>
+        </p:spPr>
+        <p:txBody>
+          <a:bodyPr wrap="none" rtlCol="0">
+            <a:spAutoFit/>
+          </a:bodyPr>
+          <a:lstStyle/>
+          <a:p>
+            <a:r>
+              <a:rPr kumimoji="1" lang="ja-JP" altLang="en-US" sz="2800"/>
+              <a:t>解き方</a:t>
+            </a:r>
+          </a:p>
+        </p:txBody>
+      </p:sp>
+      <p:sp>
+        <p:nvSpPr>
+          <p:cNvPr id="6" name="テキスト ボックス 5">
+            <a:extLst>
+              <a:ext uri="{FF2B5EF4-FFF2-40B4-BE49-F238E27FC236}">
+                <a16:creationId xmlns:a16="http://schemas.microsoft.com/office/drawing/2014/main" id="{6545255E-AAA2-D738-5D16-FA5AC68E73EB}"/>
+              </a:ext>
+            </a:extLst>
+          </p:cNvPr>
+          <p:cNvSpPr txBox="1"/>
+          <p:nvPr/>
+        </p:nvSpPr>
+        <p:spPr>
+          <a:xfrm>
+            <a:off x="599440" y="2447664"/>
+            <a:ext cx="5416868" cy="992579"/>
+          </a:xfrm>
+          <a:prstGeom prst="rect">
+            <a:avLst/>
+          </a:prstGeom>
+          <a:noFill/>
+        </p:spPr>
+        <p:txBody>
+          <a:bodyPr wrap="none" rtlCol="0">
+            <a:spAutoFit/>
+          </a:bodyPr>
+          <a:lstStyle/>
+          <a:p>
+            <a:r>
+              <a:rPr kumimoji="1" lang="ja-JP" altLang="en-US" sz="2400"/>
+              <a:t>・操作を行えなくなるまで実際に行う</a:t>
+            </a:r>
+            <a:endParaRPr kumimoji="1" lang="en-US" altLang="ja-JP" sz="2400"/>
+          </a:p>
+          <a:p>
+            <a:endParaRPr kumimoji="1" lang="en-US" altLang="ja-JP" sz="1050"/>
+          </a:p>
+          <a:p>
+            <a:r>
+              <a:rPr lang="ja-JP" altLang="en-US" sz="2400"/>
+              <a:t>　↳</a:t>
+            </a:r>
+            <a:r>
+              <a:rPr lang="en-US" altLang="ja-JP" sz="2400"/>
+              <a:t>while</a:t>
+            </a:r>
+            <a:r>
+              <a:rPr lang="ja-JP" altLang="en-US" sz="2400"/>
+              <a:t>文をうまく使う</a:t>
+            </a:r>
+            <a:endParaRPr lang="en-US" altLang="ja-JP" sz="2400"/>
+          </a:p>
+        </p:txBody>
+      </p:sp>
+      <p:sp>
+        <p:nvSpPr>
+          <p:cNvPr id="7" name="テキスト ボックス 6">
+            <a:extLst>
+              <a:ext uri="{FF2B5EF4-FFF2-40B4-BE49-F238E27FC236}">
+                <a16:creationId xmlns:a16="http://schemas.microsoft.com/office/drawing/2014/main" id="{1B6F47CE-D427-3B87-0255-897DE5ED1D33}"/>
+              </a:ext>
+            </a:extLst>
+          </p:cNvPr>
+          <p:cNvSpPr txBox="1"/>
+          <p:nvPr/>
+        </p:nvSpPr>
+        <p:spPr>
+          <a:xfrm>
+            <a:off x="7376161" y="2381298"/>
+            <a:ext cx="2377440" cy="461665"/>
+          </a:xfrm>
+          <a:prstGeom prst="rect">
+            <a:avLst/>
+          </a:prstGeom>
+        </p:spPr>
+        <p:style>
+          <a:lnRef idx="2">
+            <a:schemeClr val="accent2"/>
+          </a:lnRef>
+          <a:fillRef idx="1">
+            <a:schemeClr val="lt1"/>
+          </a:fillRef>
+          <a:effectRef idx="0">
+            <a:schemeClr val="accent2"/>
+          </a:effectRef>
+          <a:fontRef idx="minor">
+            <a:schemeClr val="dk1"/>
+          </a:fontRef>
+        </p:style>
+        <p:txBody>
+          <a:bodyPr wrap="square" rtlCol="0">
+            <a:spAutoFit/>
+          </a:bodyPr>
+          <a:lstStyle/>
+          <a:p>
+            <a:r>
+              <a:rPr kumimoji="1" lang="en-US" altLang="ja-JP" sz="2400"/>
+              <a:t>16       12     24</a:t>
+            </a:r>
+            <a:endParaRPr kumimoji="1" lang="ja-JP" altLang="en-US" sz="2400"/>
+          </a:p>
+        </p:txBody>
+      </p:sp>
+      <p:sp>
+        <p:nvSpPr>
+          <p:cNvPr id="8" name="テキスト ボックス 7">
+            <a:extLst>
+              <a:ext uri="{FF2B5EF4-FFF2-40B4-BE49-F238E27FC236}">
+                <a16:creationId xmlns:a16="http://schemas.microsoft.com/office/drawing/2014/main" id="{E7B8286B-8B3F-1208-DA5C-29BD47779AF1}"/>
+              </a:ext>
+            </a:extLst>
+          </p:cNvPr>
+          <p:cNvSpPr txBox="1"/>
+          <p:nvPr/>
+        </p:nvSpPr>
+        <p:spPr>
+          <a:xfrm>
+            <a:off x="7376160" y="3901440"/>
+            <a:ext cx="2455640" cy="461665"/>
+          </a:xfrm>
+          <a:prstGeom prst="rect">
+            <a:avLst/>
+          </a:prstGeom>
+        </p:spPr>
+        <p:style>
+          <a:lnRef idx="2">
+            <a:schemeClr val="accent2"/>
+          </a:lnRef>
+          <a:fillRef idx="1">
+            <a:schemeClr val="lt1"/>
+          </a:fillRef>
+          <a:effectRef idx="0">
+            <a:schemeClr val="accent2"/>
+          </a:effectRef>
+          <a:fontRef idx="minor">
+            <a:schemeClr val="dk1"/>
+          </a:fontRef>
+        </p:style>
+        <p:txBody>
+          <a:bodyPr wrap="square" rtlCol="0">
+            <a:spAutoFit/>
+          </a:bodyPr>
+          <a:lstStyle/>
+          <a:p>
+            <a:r>
+              <a:rPr kumimoji="1" lang="en-US" altLang="ja-JP" sz="2400"/>
+              <a:t> 8         6       12</a:t>
+            </a:r>
+            <a:endParaRPr kumimoji="1" lang="ja-JP" altLang="en-US" sz="2400"/>
+          </a:p>
+        </p:txBody>
+      </p:sp>
+      <p:sp>
+        <p:nvSpPr>
+          <p:cNvPr id="9" name="テキスト ボックス 8">
+            <a:extLst>
+              <a:ext uri="{FF2B5EF4-FFF2-40B4-BE49-F238E27FC236}">
+                <a16:creationId xmlns:a16="http://schemas.microsoft.com/office/drawing/2014/main" id="{8C1185C3-84F1-4514-5B45-29D4EB7E28DD}"/>
+              </a:ext>
+            </a:extLst>
+          </p:cNvPr>
+          <p:cNvSpPr txBox="1"/>
+          <p:nvPr/>
+        </p:nvSpPr>
+        <p:spPr>
+          <a:xfrm>
+            <a:off x="7416795" y="5438044"/>
+            <a:ext cx="2415001" cy="461665"/>
+          </a:xfrm>
+          <a:prstGeom prst="rect">
+            <a:avLst/>
+          </a:prstGeom>
+        </p:spPr>
+        <p:style>
+          <a:lnRef idx="2">
+            <a:schemeClr val="accent2"/>
+          </a:lnRef>
+          <a:fillRef idx="1">
+            <a:schemeClr val="lt1"/>
+          </a:fillRef>
+          <a:effectRef idx="0">
+            <a:schemeClr val="accent2"/>
+          </a:effectRef>
+          <a:fontRef idx="minor">
+            <a:schemeClr val="dk1"/>
+          </a:fontRef>
+        </p:style>
+        <p:txBody>
+          <a:bodyPr wrap="square" rtlCol="0">
+            <a:spAutoFit/>
+          </a:bodyPr>
+          <a:lstStyle/>
+          <a:p>
+            <a:r>
+              <a:rPr kumimoji="1" lang="en-US" altLang="ja-JP" sz="2400"/>
+              <a:t>4         3         6</a:t>
+            </a:r>
+            <a:endParaRPr kumimoji="1" lang="ja-JP" altLang="en-US" sz="2400"/>
+          </a:p>
+        </p:txBody>
+      </p:sp>
+      <p:cxnSp>
+        <p:nvCxnSpPr>
+          <p:cNvPr id="12" name="直線矢印コネクタ 11">
+            <a:extLst>
+              <a:ext uri="{FF2B5EF4-FFF2-40B4-BE49-F238E27FC236}">
+                <a16:creationId xmlns:a16="http://schemas.microsoft.com/office/drawing/2014/main" id="{1F3D58CC-C1C6-C544-7AEF-1CD06B7DB610}"/>
+              </a:ext>
+            </a:extLst>
+          </p:cNvPr>
+          <p:cNvCxnSpPr/>
+          <p:nvPr/>
+        </p:nvCxnSpPr>
+        <p:spPr>
+          <a:xfrm>
+            <a:off x="8554720" y="2943953"/>
+            <a:ext cx="0" cy="848276"/>
+          </a:xfrm>
+          <a:prstGeom prst="straightConnector1">
+            <a:avLst/>
+          </a:prstGeom>
+          <a:ln>
+            <a:tailEnd type="triangle"/>
+          </a:ln>
+        </p:spPr>
+        <p:style>
+          <a:lnRef idx="1">
+            <a:schemeClr val="accent1"/>
+          </a:lnRef>
+          <a:fillRef idx="0">
+            <a:schemeClr val="accent1"/>
+          </a:fillRef>
+          <a:effectRef idx="0">
+            <a:schemeClr val="accent1"/>
+          </a:effectRef>
+          <a:fontRef idx="minor">
+            <a:schemeClr val="tx1"/>
+          </a:fontRef>
+        </p:style>
+      </p:cxnSp>
+      <p:cxnSp>
+        <p:nvCxnSpPr>
+          <p:cNvPr id="13" name="直線矢印コネクタ 12">
+            <a:extLst>
+              <a:ext uri="{FF2B5EF4-FFF2-40B4-BE49-F238E27FC236}">
+                <a16:creationId xmlns:a16="http://schemas.microsoft.com/office/drawing/2014/main" id="{94D2B578-8D6A-D336-29FB-29B335F628C8}"/>
+              </a:ext>
+            </a:extLst>
+          </p:cNvPr>
+          <p:cNvCxnSpPr/>
+          <p:nvPr/>
+        </p:nvCxnSpPr>
+        <p:spPr>
+          <a:xfrm>
+            <a:off x="8564880" y="4457793"/>
+            <a:ext cx="0" cy="848276"/>
+          </a:xfrm>
+          <a:prstGeom prst="straightConnector1">
+            <a:avLst/>
+          </a:prstGeom>
+          <a:ln>
+            <a:tailEnd type="triangle"/>
+          </a:ln>
+        </p:spPr>
+        <p:style>
+          <a:lnRef idx="1">
+            <a:schemeClr val="accent1"/>
+          </a:lnRef>
+          <a:fillRef idx="0">
+            <a:schemeClr val="accent1"/>
+          </a:fillRef>
+          <a:effectRef idx="0">
+            <a:schemeClr val="accent1"/>
+          </a:effectRef>
+          <a:fontRef idx="minor">
+            <a:schemeClr val="tx1"/>
+          </a:fontRef>
+        </p:style>
+      </p:cxnSp>
+      <p:cxnSp>
+        <p:nvCxnSpPr>
+          <p:cNvPr id="15" name="直線矢印コネクタ 14">
+            <a:extLst>
+              <a:ext uri="{FF2B5EF4-FFF2-40B4-BE49-F238E27FC236}">
+                <a16:creationId xmlns:a16="http://schemas.microsoft.com/office/drawing/2014/main" id="{ED77C3B9-6897-F5BE-B9CC-BADF23460220}"/>
+              </a:ext>
+            </a:extLst>
+          </p:cNvPr>
+          <p:cNvCxnSpPr/>
+          <p:nvPr/>
+        </p:nvCxnSpPr>
+        <p:spPr>
+          <a:xfrm>
+            <a:off x="8554720" y="6009724"/>
+            <a:ext cx="0" cy="848276"/>
+          </a:xfrm>
+          <a:prstGeom prst="straightConnector1">
+            <a:avLst/>
+          </a:prstGeom>
+          <a:ln>
+            <a:tailEnd type="triangle"/>
+          </a:ln>
+        </p:spPr>
+        <p:style>
+          <a:lnRef idx="1">
+            <a:schemeClr val="accent1"/>
+          </a:lnRef>
+          <a:fillRef idx="0">
+            <a:schemeClr val="accent1"/>
+          </a:fillRef>
+          <a:effectRef idx="0">
+            <a:schemeClr val="accent1"/>
+          </a:effectRef>
+          <a:fontRef idx="minor">
+            <a:schemeClr val="tx1"/>
+          </a:fontRef>
+        </p:style>
+      </p:cxnSp>
+      <p:sp>
+        <p:nvSpPr>
+          <p:cNvPr id="16" name="乗算記号 15">
+            <a:extLst>
+              <a:ext uri="{FF2B5EF4-FFF2-40B4-BE49-F238E27FC236}">
+                <a16:creationId xmlns:a16="http://schemas.microsoft.com/office/drawing/2014/main" id="{64148ED6-B32B-F5A3-9844-FDEE68128804}"/>
+              </a:ext>
+            </a:extLst>
+          </p:cNvPr>
+          <p:cNvSpPr/>
+          <p:nvPr/>
+        </p:nvSpPr>
+        <p:spPr>
+          <a:xfrm>
+            <a:off x="8229600" y="6256062"/>
+            <a:ext cx="650240" cy="355600"/>
+          </a:xfrm>
+          <a:prstGeom prst="mathMultiply">
+            <a:avLst/>
+          </a:prstGeom>
+        </p:spPr>
+        <p:style>
+          <a:lnRef idx="2">
+            <a:schemeClr val="accent2">
+              <a:shade val="15000"/>
+            </a:schemeClr>
+          </a:lnRef>
+          <a:fillRef idx="1">
+            <a:schemeClr val="accent2"/>
+          </a:fillRef>
+          <a:effectRef idx="0">
+            <a:schemeClr val="accent2"/>
+          </a:effectRef>
+          <a:fontRef idx="minor">
+            <a:schemeClr val="lt1"/>
+          </a:fontRef>
+        </p:style>
+        <p:txBody>
+          <a:bodyPr rtlCol="0" anchor="ctr"/>
+          <a:lstStyle/>
+          <a:p>
+            <a:pPr algn="ctr"/>
+            <a:endParaRPr kumimoji="1" lang="ja-JP" altLang="en-US" b="1">
+              <a:ln w="22225">
+                <a:solidFill>
+                  <a:schemeClr val="accent2"/>
+                </a:solidFill>
+                <a:prstDash val="solid"/>
+              </a:ln>
+              <a:solidFill>
+                <a:schemeClr val="accent2">
+                  <a:lumMod val="40000"/>
+                  <a:lumOff val="60000"/>
+                </a:schemeClr>
+              </a:solidFill>
+            </a:endParaRPr>
+          </a:p>
+        </p:txBody>
+      </p:sp>
     </p:spTree>
     <p:extLst>
       <p:ext uri="{BB962C8B-B14F-4D97-AF65-F5344CB8AC3E}">
@@ -5208,6 +5624,10 @@
           <a:bodyPr rtlCol="0" anchor="ctr"/>
           <a:lstStyle/>
           <a:p>
+            <a:r>
+              <a:rPr kumimoji="1" lang="en" altLang="ja-JP" sz="4000" b="1"/>
+              <a:t>ABC081B - Shift only</a:t>
+            </a:r>
             <a:endParaRPr kumimoji="1" lang="ja-JP" altLang="en-US" sz="4000" b="1"/>
           </a:p>
         </p:txBody>
@@ -5257,7 +5677,2437 @@
           <a:lstStyle/>
           <a:p>
             <a:pPr algn="ctr"/>
+            <a:r>
+              <a:rPr kumimoji="1" lang="en-US" altLang="ja-JP" sz="3200" b="1"/>
+              <a:t>4.1</a:t>
+            </a:r>
             <a:endParaRPr kumimoji="1" lang="ja-JP" altLang="en-US" sz="3200" b="1"/>
+          </a:p>
+        </p:txBody>
+      </p:sp>
+      <p:sp>
+        <p:nvSpPr>
+          <p:cNvPr id="3" name="テキスト ボックス 2">
+            <a:extLst>
+              <a:ext uri="{FF2B5EF4-FFF2-40B4-BE49-F238E27FC236}">
+                <a16:creationId xmlns:a16="http://schemas.microsoft.com/office/drawing/2014/main" id="{986A304C-85D0-CAA4-4E20-5466A413405B}"/>
+              </a:ext>
+            </a:extLst>
+          </p:cNvPr>
+          <p:cNvSpPr txBox="1"/>
+          <p:nvPr/>
+        </p:nvSpPr>
+        <p:spPr>
+          <a:xfrm>
+            <a:off x="7376161" y="2381298"/>
+            <a:ext cx="2377440" cy="461665"/>
+          </a:xfrm>
+          <a:prstGeom prst="rect">
+            <a:avLst/>
+          </a:prstGeom>
+        </p:spPr>
+        <p:style>
+          <a:lnRef idx="2">
+            <a:schemeClr val="accent2"/>
+          </a:lnRef>
+          <a:fillRef idx="1">
+            <a:schemeClr val="lt1"/>
+          </a:fillRef>
+          <a:effectRef idx="0">
+            <a:schemeClr val="accent2"/>
+          </a:effectRef>
+          <a:fontRef idx="minor">
+            <a:schemeClr val="dk1"/>
+          </a:fontRef>
+        </p:style>
+        <p:txBody>
+          <a:bodyPr wrap="square" rtlCol="0">
+            <a:spAutoFit/>
+          </a:bodyPr>
+          <a:lstStyle/>
+          <a:p>
+            <a:r>
+              <a:rPr kumimoji="1" lang="en-US" altLang="ja-JP" sz="2400"/>
+              <a:t>16       12     24</a:t>
+            </a:r>
+            <a:endParaRPr kumimoji="1" lang="ja-JP" altLang="en-US" sz="2400"/>
+          </a:p>
+        </p:txBody>
+      </p:sp>
+      <p:sp>
+        <p:nvSpPr>
+          <p:cNvPr id="6" name="テキスト ボックス 5">
+            <a:extLst>
+              <a:ext uri="{FF2B5EF4-FFF2-40B4-BE49-F238E27FC236}">
+                <a16:creationId xmlns:a16="http://schemas.microsoft.com/office/drawing/2014/main" id="{C5252B4E-8416-5059-ABFF-08F9E765C9DC}"/>
+              </a:ext>
+            </a:extLst>
+          </p:cNvPr>
+          <p:cNvSpPr txBox="1"/>
+          <p:nvPr/>
+        </p:nvSpPr>
+        <p:spPr>
+          <a:xfrm>
+            <a:off x="7376160" y="3901440"/>
+            <a:ext cx="2455640" cy="461665"/>
+          </a:xfrm>
+          <a:prstGeom prst="rect">
+            <a:avLst/>
+          </a:prstGeom>
+        </p:spPr>
+        <p:style>
+          <a:lnRef idx="2">
+            <a:schemeClr val="accent2"/>
+          </a:lnRef>
+          <a:fillRef idx="1">
+            <a:schemeClr val="lt1"/>
+          </a:fillRef>
+          <a:effectRef idx="0">
+            <a:schemeClr val="accent2"/>
+          </a:effectRef>
+          <a:fontRef idx="minor">
+            <a:schemeClr val="dk1"/>
+          </a:fontRef>
+        </p:style>
+        <p:txBody>
+          <a:bodyPr wrap="square" rtlCol="0">
+            <a:spAutoFit/>
+          </a:bodyPr>
+          <a:lstStyle/>
+          <a:p>
+            <a:r>
+              <a:rPr kumimoji="1" lang="en-US" altLang="ja-JP" sz="2400"/>
+              <a:t> 8         6       12</a:t>
+            </a:r>
+            <a:endParaRPr kumimoji="1" lang="ja-JP" altLang="en-US" sz="2400"/>
+          </a:p>
+        </p:txBody>
+      </p:sp>
+      <p:sp>
+        <p:nvSpPr>
+          <p:cNvPr id="7" name="テキスト ボックス 6">
+            <a:extLst>
+              <a:ext uri="{FF2B5EF4-FFF2-40B4-BE49-F238E27FC236}">
+                <a16:creationId xmlns:a16="http://schemas.microsoft.com/office/drawing/2014/main" id="{EF95A735-45B8-7979-82F9-AF760BA4F0C3}"/>
+              </a:ext>
+            </a:extLst>
+          </p:cNvPr>
+          <p:cNvSpPr txBox="1"/>
+          <p:nvPr/>
+        </p:nvSpPr>
+        <p:spPr>
+          <a:xfrm>
+            <a:off x="7416795" y="5438044"/>
+            <a:ext cx="2415001" cy="461665"/>
+          </a:xfrm>
+          <a:prstGeom prst="rect">
+            <a:avLst/>
+          </a:prstGeom>
+        </p:spPr>
+        <p:style>
+          <a:lnRef idx="2">
+            <a:schemeClr val="accent2"/>
+          </a:lnRef>
+          <a:fillRef idx="1">
+            <a:schemeClr val="lt1"/>
+          </a:fillRef>
+          <a:effectRef idx="0">
+            <a:schemeClr val="accent2"/>
+          </a:effectRef>
+          <a:fontRef idx="minor">
+            <a:schemeClr val="dk1"/>
+          </a:fontRef>
+        </p:style>
+        <p:txBody>
+          <a:bodyPr wrap="square" rtlCol="0">
+            <a:spAutoFit/>
+          </a:bodyPr>
+          <a:lstStyle/>
+          <a:p>
+            <a:r>
+              <a:rPr kumimoji="1" lang="en-US" altLang="ja-JP" sz="2400"/>
+              <a:t>4         3         6</a:t>
+            </a:r>
+            <a:endParaRPr kumimoji="1" lang="ja-JP" altLang="en-US" sz="2400"/>
+          </a:p>
+        </p:txBody>
+      </p:sp>
+      <p:cxnSp>
+        <p:nvCxnSpPr>
+          <p:cNvPr id="8" name="直線矢印コネクタ 7">
+            <a:extLst>
+              <a:ext uri="{FF2B5EF4-FFF2-40B4-BE49-F238E27FC236}">
+                <a16:creationId xmlns:a16="http://schemas.microsoft.com/office/drawing/2014/main" id="{421DBE41-D5E3-66FE-84D1-432B20CFA88C}"/>
+              </a:ext>
+            </a:extLst>
+          </p:cNvPr>
+          <p:cNvCxnSpPr/>
+          <p:nvPr/>
+        </p:nvCxnSpPr>
+        <p:spPr>
+          <a:xfrm>
+            <a:off x="8554720" y="2943953"/>
+            <a:ext cx="0" cy="848276"/>
+          </a:xfrm>
+          <a:prstGeom prst="straightConnector1">
+            <a:avLst/>
+          </a:prstGeom>
+          <a:ln>
+            <a:tailEnd type="triangle"/>
+          </a:ln>
+        </p:spPr>
+        <p:style>
+          <a:lnRef idx="1">
+            <a:schemeClr val="accent1"/>
+          </a:lnRef>
+          <a:fillRef idx="0">
+            <a:schemeClr val="accent1"/>
+          </a:fillRef>
+          <a:effectRef idx="0">
+            <a:schemeClr val="accent1"/>
+          </a:effectRef>
+          <a:fontRef idx="minor">
+            <a:schemeClr val="tx1"/>
+          </a:fontRef>
+        </p:style>
+      </p:cxnSp>
+      <p:cxnSp>
+        <p:nvCxnSpPr>
+          <p:cNvPr id="9" name="直線矢印コネクタ 8">
+            <a:extLst>
+              <a:ext uri="{FF2B5EF4-FFF2-40B4-BE49-F238E27FC236}">
+                <a16:creationId xmlns:a16="http://schemas.microsoft.com/office/drawing/2014/main" id="{F5A457DE-FB4B-63F0-0E96-EFE275BAC25E}"/>
+              </a:ext>
+            </a:extLst>
+          </p:cNvPr>
+          <p:cNvCxnSpPr/>
+          <p:nvPr/>
+        </p:nvCxnSpPr>
+        <p:spPr>
+          <a:xfrm>
+            <a:off x="8564880" y="4457793"/>
+            <a:ext cx="0" cy="848276"/>
+          </a:xfrm>
+          <a:prstGeom prst="straightConnector1">
+            <a:avLst/>
+          </a:prstGeom>
+          <a:ln>
+            <a:tailEnd type="triangle"/>
+          </a:ln>
+        </p:spPr>
+        <p:style>
+          <a:lnRef idx="1">
+            <a:schemeClr val="accent1"/>
+          </a:lnRef>
+          <a:fillRef idx="0">
+            <a:schemeClr val="accent1"/>
+          </a:fillRef>
+          <a:effectRef idx="0">
+            <a:schemeClr val="accent1"/>
+          </a:effectRef>
+          <a:fontRef idx="minor">
+            <a:schemeClr val="tx1"/>
+          </a:fontRef>
+        </p:style>
+      </p:cxnSp>
+      <p:sp>
+        <p:nvSpPr>
+          <p:cNvPr id="10" name="乗算記号 9">
+            <a:extLst>
+              <a:ext uri="{FF2B5EF4-FFF2-40B4-BE49-F238E27FC236}">
+                <a16:creationId xmlns:a16="http://schemas.microsoft.com/office/drawing/2014/main" id="{F60B17E7-47B3-5F3B-AD9B-ACDA94B1B3C2}"/>
+              </a:ext>
+            </a:extLst>
+          </p:cNvPr>
+          <p:cNvSpPr/>
+          <p:nvPr/>
+        </p:nvSpPr>
+        <p:spPr>
+          <a:xfrm>
+            <a:off x="8229600" y="6256062"/>
+            <a:ext cx="650240" cy="355600"/>
+          </a:xfrm>
+          <a:prstGeom prst="mathMultiply">
+            <a:avLst/>
+          </a:prstGeom>
+        </p:spPr>
+        <p:style>
+          <a:lnRef idx="2">
+            <a:schemeClr val="accent2">
+              <a:shade val="15000"/>
+            </a:schemeClr>
+          </a:lnRef>
+          <a:fillRef idx="1">
+            <a:schemeClr val="accent2"/>
+          </a:fillRef>
+          <a:effectRef idx="0">
+            <a:schemeClr val="accent2"/>
+          </a:effectRef>
+          <a:fontRef idx="minor">
+            <a:schemeClr val="lt1"/>
+          </a:fontRef>
+        </p:style>
+        <p:txBody>
+          <a:bodyPr rtlCol="0" anchor="ctr"/>
+          <a:lstStyle/>
+          <a:p>
+            <a:pPr algn="ctr"/>
+            <a:endParaRPr kumimoji="1" lang="ja-JP" altLang="en-US" b="1">
+              <a:ln w="22225">
+                <a:solidFill>
+                  <a:schemeClr val="accent2"/>
+                </a:solidFill>
+                <a:prstDash val="solid"/>
+              </a:ln>
+              <a:solidFill>
+                <a:schemeClr val="accent2">
+                  <a:lumMod val="40000"/>
+                  <a:lumOff val="60000"/>
+                </a:schemeClr>
+              </a:solidFill>
+            </a:endParaRPr>
+          </a:p>
+        </p:txBody>
+      </p:sp>
+      <p:cxnSp>
+        <p:nvCxnSpPr>
+          <p:cNvPr id="11" name="直線矢印コネクタ 10">
+            <a:extLst>
+              <a:ext uri="{FF2B5EF4-FFF2-40B4-BE49-F238E27FC236}">
+                <a16:creationId xmlns:a16="http://schemas.microsoft.com/office/drawing/2014/main" id="{0903C262-CB58-748E-DF96-064446F3BDED}"/>
+              </a:ext>
+            </a:extLst>
+          </p:cNvPr>
+          <p:cNvCxnSpPr/>
+          <p:nvPr/>
+        </p:nvCxnSpPr>
+        <p:spPr>
+          <a:xfrm>
+            <a:off x="8554720" y="5938655"/>
+            <a:ext cx="0" cy="848276"/>
+          </a:xfrm>
+          <a:prstGeom prst="straightConnector1">
+            <a:avLst/>
+          </a:prstGeom>
+          <a:ln>
+            <a:tailEnd type="triangle"/>
+          </a:ln>
+        </p:spPr>
+        <p:style>
+          <a:lnRef idx="1">
+            <a:schemeClr val="accent1"/>
+          </a:lnRef>
+          <a:fillRef idx="0">
+            <a:schemeClr val="accent1"/>
+          </a:fillRef>
+          <a:effectRef idx="0">
+            <a:schemeClr val="accent1"/>
+          </a:effectRef>
+          <a:fontRef idx="minor">
+            <a:schemeClr val="tx1"/>
+          </a:fontRef>
+        </p:style>
+      </p:cxnSp>
+      <p:sp>
+        <p:nvSpPr>
+          <p:cNvPr id="12" name="テキスト ボックス 11">
+            <a:extLst>
+              <a:ext uri="{FF2B5EF4-FFF2-40B4-BE49-F238E27FC236}">
+                <a16:creationId xmlns:a16="http://schemas.microsoft.com/office/drawing/2014/main" id="{E40C3541-5BB9-F9B1-8E73-8A6F297370AC}"/>
+              </a:ext>
+            </a:extLst>
+          </p:cNvPr>
+          <p:cNvSpPr txBox="1"/>
+          <p:nvPr/>
+        </p:nvSpPr>
+        <p:spPr>
+          <a:xfrm>
+            <a:off x="397560" y="1645676"/>
+            <a:ext cx="4718061" cy="5212324"/>
+          </a:xfrm>
+          <a:prstGeom prst="rect">
+            <a:avLst/>
+          </a:prstGeom>
+          <a:solidFill>
+            <a:schemeClr val="tx1"/>
+          </a:solidFill>
+        </p:spPr>
+        <p:txBody>
+          <a:bodyPr wrap="square" rtlCol="0">
+            <a:spAutoFit/>
+          </a:bodyPr>
+          <a:lstStyle/>
+          <a:p>
+            <a:pPr algn="l">
+              <a:lnSpc>
+                <a:spcPts val="1950"/>
+              </a:lnSpc>
+            </a:pPr>
+            <a:r>
+              <a:rPr lang="en-US" altLang="ja-JP" sz="1600" kern="0">
+                <a:solidFill>
+                  <a:srgbClr val="9CDCFE"/>
+                </a:solidFill>
+                <a:effectLst/>
+                <a:latin typeface="Menlo" panose="020B0609030804020204" pitchFamily="49" charset="0"/>
+                <a:ea typeface="ＭＳ Ｐゴシック" panose="020B0600070205080204" pitchFamily="34" charset="-128"/>
+                <a:cs typeface="Times New Roman" panose="02020603050405020304" pitchFamily="18" charset="0"/>
+              </a:rPr>
+              <a:t>n</a:t>
+            </a:r>
+            <a:r>
+              <a:rPr lang="en-US" altLang="ja-JP" sz="1600" kern="0">
+                <a:solidFill>
+                  <a:srgbClr val="CCCCCC"/>
+                </a:solidFill>
+                <a:effectLst/>
+                <a:latin typeface="Menlo" panose="020B0609030804020204" pitchFamily="49" charset="0"/>
+                <a:ea typeface="ＭＳ Ｐゴシック" panose="020B0600070205080204" pitchFamily="34" charset="-128"/>
+                <a:cs typeface="Times New Roman" panose="02020603050405020304" pitchFamily="18" charset="0"/>
+              </a:rPr>
+              <a:t> </a:t>
+            </a:r>
+            <a:r>
+              <a:rPr lang="en-US" altLang="ja-JP" sz="1600" kern="0">
+                <a:solidFill>
+                  <a:srgbClr val="D4D4D4"/>
+                </a:solidFill>
+                <a:effectLst/>
+                <a:latin typeface="Menlo" panose="020B0609030804020204" pitchFamily="49" charset="0"/>
+                <a:ea typeface="ＭＳ Ｐゴシック" panose="020B0600070205080204" pitchFamily="34" charset="-128"/>
+                <a:cs typeface="Times New Roman" panose="02020603050405020304" pitchFamily="18" charset="0"/>
+              </a:rPr>
+              <a:t>=</a:t>
+            </a:r>
+            <a:r>
+              <a:rPr lang="en-US" altLang="ja-JP" sz="1600" kern="0">
+                <a:solidFill>
+                  <a:srgbClr val="CCCCCC"/>
+                </a:solidFill>
+                <a:effectLst/>
+                <a:latin typeface="Menlo" panose="020B0609030804020204" pitchFamily="49" charset="0"/>
+                <a:ea typeface="ＭＳ Ｐゴシック" panose="020B0600070205080204" pitchFamily="34" charset="-128"/>
+                <a:cs typeface="Times New Roman" panose="02020603050405020304" pitchFamily="18" charset="0"/>
+              </a:rPr>
+              <a:t> </a:t>
+            </a:r>
+            <a:r>
+              <a:rPr lang="en-US" altLang="ja-JP" sz="1600" kern="0">
+                <a:solidFill>
+                  <a:srgbClr val="4EC9B0"/>
+                </a:solidFill>
+                <a:effectLst/>
+                <a:latin typeface="Menlo" panose="020B0609030804020204" pitchFamily="49" charset="0"/>
+                <a:ea typeface="ＭＳ Ｐゴシック" panose="020B0600070205080204" pitchFamily="34" charset="-128"/>
+                <a:cs typeface="Times New Roman" panose="02020603050405020304" pitchFamily="18" charset="0"/>
+              </a:rPr>
+              <a:t>int</a:t>
+            </a:r>
+            <a:r>
+              <a:rPr lang="en-US" altLang="ja-JP" sz="1600" kern="0">
+                <a:solidFill>
+                  <a:srgbClr val="CCCCCC"/>
+                </a:solidFill>
+                <a:effectLst/>
+                <a:latin typeface="Menlo" panose="020B0609030804020204" pitchFamily="49" charset="0"/>
+                <a:ea typeface="ＭＳ Ｐゴシック" panose="020B0600070205080204" pitchFamily="34" charset="-128"/>
+                <a:cs typeface="Times New Roman" panose="02020603050405020304" pitchFamily="18" charset="0"/>
+              </a:rPr>
+              <a:t>(</a:t>
+            </a:r>
+            <a:r>
+              <a:rPr lang="en-US" altLang="ja-JP" sz="1600" kern="0">
+                <a:solidFill>
+                  <a:srgbClr val="DCDCAA"/>
+                </a:solidFill>
+                <a:effectLst/>
+                <a:latin typeface="Menlo" panose="020B0609030804020204" pitchFamily="49" charset="0"/>
+                <a:ea typeface="ＭＳ Ｐゴシック" panose="020B0600070205080204" pitchFamily="34" charset="-128"/>
+                <a:cs typeface="Times New Roman" panose="02020603050405020304" pitchFamily="18" charset="0"/>
+              </a:rPr>
+              <a:t>input</a:t>
+            </a:r>
+            <a:r>
+              <a:rPr lang="en-US" altLang="ja-JP" sz="1600" kern="0">
+                <a:solidFill>
+                  <a:srgbClr val="CCCCCC"/>
+                </a:solidFill>
+                <a:effectLst/>
+                <a:latin typeface="Menlo" panose="020B0609030804020204" pitchFamily="49" charset="0"/>
+                <a:ea typeface="ＭＳ Ｐゴシック" panose="020B0600070205080204" pitchFamily="34" charset="-128"/>
+                <a:cs typeface="Times New Roman" panose="02020603050405020304" pitchFamily="18" charset="0"/>
+              </a:rPr>
+              <a:t>())</a:t>
+            </a:r>
+            <a:endParaRPr lang="ja-JP" altLang="ja-JP" sz="1600" kern="100">
+              <a:effectLst/>
+              <a:latin typeface="游明朝" panose="02020400000000000000" pitchFamily="18" charset="-128"/>
+              <a:ea typeface="游明朝" panose="02020400000000000000" pitchFamily="18" charset="-128"/>
+              <a:cs typeface="Times New Roman" panose="02020603050405020304" pitchFamily="18" charset="0"/>
+            </a:endParaRPr>
+          </a:p>
+          <a:p>
+            <a:pPr algn="l">
+              <a:lnSpc>
+                <a:spcPts val="1950"/>
+              </a:lnSpc>
+            </a:pPr>
+            <a:r>
+              <a:rPr lang="en-US" altLang="ja-JP" sz="1600" kern="0">
+                <a:solidFill>
+                  <a:srgbClr val="9CDCFE"/>
+                </a:solidFill>
+                <a:effectLst/>
+                <a:latin typeface="Menlo" panose="020B0609030804020204" pitchFamily="49" charset="0"/>
+                <a:ea typeface="ＭＳ Ｐゴシック" panose="020B0600070205080204" pitchFamily="34" charset="-128"/>
+                <a:cs typeface="Times New Roman" panose="02020603050405020304" pitchFamily="18" charset="0"/>
+              </a:rPr>
+              <a:t>a</a:t>
+            </a:r>
+            <a:r>
+              <a:rPr lang="en-US" altLang="ja-JP" sz="1600" kern="0">
+                <a:solidFill>
+                  <a:srgbClr val="CCCCCC"/>
+                </a:solidFill>
+                <a:effectLst/>
+                <a:latin typeface="Menlo" panose="020B0609030804020204" pitchFamily="49" charset="0"/>
+                <a:ea typeface="ＭＳ Ｐゴシック" panose="020B0600070205080204" pitchFamily="34" charset="-128"/>
+                <a:cs typeface="Times New Roman" panose="02020603050405020304" pitchFamily="18" charset="0"/>
+              </a:rPr>
+              <a:t> </a:t>
+            </a:r>
+            <a:r>
+              <a:rPr lang="en-US" altLang="ja-JP" sz="1600" kern="0">
+                <a:solidFill>
+                  <a:srgbClr val="D4D4D4"/>
+                </a:solidFill>
+                <a:effectLst/>
+                <a:latin typeface="Menlo" panose="020B0609030804020204" pitchFamily="49" charset="0"/>
+                <a:ea typeface="ＭＳ Ｐゴシック" panose="020B0600070205080204" pitchFamily="34" charset="-128"/>
+                <a:cs typeface="Times New Roman" panose="02020603050405020304" pitchFamily="18" charset="0"/>
+              </a:rPr>
+              <a:t>=</a:t>
+            </a:r>
+            <a:r>
+              <a:rPr lang="en-US" altLang="ja-JP" sz="1600" kern="0">
+                <a:solidFill>
+                  <a:srgbClr val="CCCCCC"/>
+                </a:solidFill>
+                <a:effectLst/>
+                <a:latin typeface="Menlo" panose="020B0609030804020204" pitchFamily="49" charset="0"/>
+                <a:ea typeface="ＭＳ Ｐゴシック" panose="020B0600070205080204" pitchFamily="34" charset="-128"/>
+                <a:cs typeface="Times New Roman" panose="02020603050405020304" pitchFamily="18" charset="0"/>
+              </a:rPr>
+              <a:t> </a:t>
+            </a:r>
+            <a:r>
+              <a:rPr lang="en-US" altLang="ja-JP" sz="1600" kern="0">
+                <a:solidFill>
+                  <a:srgbClr val="4EC9B0"/>
+                </a:solidFill>
+                <a:effectLst/>
+                <a:latin typeface="Menlo" panose="020B0609030804020204" pitchFamily="49" charset="0"/>
+                <a:ea typeface="ＭＳ Ｐゴシック" panose="020B0600070205080204" pitchFamily="34" charset="-128"/>
+                <a:cs typeface="Times New Roman" panose="02020603050405020304" pitchFamily="18" charset="0"/>
+              </a:rPr>
+              <a:t>list</a:t>
+            </a:r>
+            <a:r>
+              <a:rPr lang="en-US" altLang="ja-JP" sz="1600" kern="0">
+                <a:solidFill>
+                  <a:srgbClr val="CCCCCC"/>
+                </a:solidFill>
+                <a:effectLst/>
+                <a:latin typeface="Menlo" panose="020B0609030804020204" pitchFamily="49" charset="0"/>
+                <a:ea typeface="ＭＳ Ｐゴシック" panose="020B0600070205080204" pitchFamily="34" charset="-128"/>
+                <a:cs typeface="Times New Roman" panose="02020603050405020304" pitchFamily="18" charset="0"/>
+              </a:rPr>
+              <a:t>(</a:t>
+            </a:r>
+            <a:r>
+              <a:rPr lang="en-US" altLang="ja-JP" sz="1600" kern="0">
+                <a:solidFill>
+                  <a:srgbClr val="4EC9B0"/>
+                </a:solidFill>
+                <a:effectLst/>
+                <a:latin typeface="Menlo" panose="020B0609030804020204" pitchFamily="49" charset="0"/>
+                <a:ea typeface="ＭＳ Ｐゴシック" panose="020B0600070205080204" pitchFamily="34" charset="-128"/>
+                <a:cs typeface="Times New Roman" panose="02020603050405020304" pitchFamily="18" charset="0"/>
+              </a:rPr>
+              <a:t>map</a:t>
+            </a:r>
+            <a:r>
+              <a:rPr lang="en-US" altLang="ja-JP" sz="1600" kern="0">
+                <a:solidFill>
+                  <a:srgbClr val="CCCCCC"/>
+                </a:solidFill>
+                <a:effectLst/>
+                <a:latin typeface="Menlo" panose="020B0609030804020204" pitchFamily="49" charset="0"/>
+                <a:ea typeface="ＭＳ Ｐゴシック" panose="020B0600070205080204" pitchFamily="34" charset="-128"/>
+                <a:cs typeface="Times New Roman" panose="02020603050405020304" pitchFamily="18" charset="0"/>
+              </a:rPr>
+              <a:t>(</a:t>
+            </a:r>
+            <a:r>
+              <a:rPr lang="en-US" altLang="ja-JP" sz="1600" kern="0">
+                <a:solidFill>
+                  <a:srgbClr val="4EC9B0"/>
+                </a:solidFill>
+                <a:effectLst/>
+                <a:latin typeface="Menlo" panose="020B0609030804020204" pitchFamily="49" charset="0"/>
+                <a:ea typeface="ＭＳ Ｐゴシック" panose="020B0600070205080204" pitchFamily="34" charset="-128"/>
+                <a:cs typeface="Times New Roman" panose="02020603050405020304" pitchFamily="18" charset="0"/>
+              </a:rPr>
+              <a:t>int</a:t>
+            </a:r>
+            <a:r>
+              <a:rPr lang="en-US" altLang="ja-JP" sz="1600" kern="0">
+                <a:solidFill>
+                  <a:srgbClr val="CCCCCC"/>
+                </a:solidFill>
+                <a:effectLst/>
+                <a:latin typeface="Menlo" panose="020B0609030804020204" pitchFamily="49" charset="0"/>
+                <a:ea typeface="ＭＳ Ｐゴシック" panose="020B0600070205080204" pitchFamily="34" charset="-128"/>
+                <a:cs typeface="Times New Roman" panose="02020603050405020304" pitchFamily="18" charset="0"/>
+              </a:rPr>
+              <a:t>, </a:t>
+            </a:r>
+            <a:r>
+              <a:rPr lang="en-US" altLang="ja-JP" sz="1600" kern="0">
+                <a:solidFill>
+                  <a:srgbClr val="DCDCAA"/>
+                </a:solidFill>
+                <a:effectLst/>
+                <a:latin typeface="Menlo" panose="020B0609030804020204" pitchFamily="49" charset="0"/>
+                <a:ea typeface="ＭＳ Ｐゴシック" panose="020B0600070205080204" pitchFamily="34" charset="-128"/>
+                <a:cs typeface="Times New Roman" panose="02020603050405020304" pitchFamily="18" charset="0"/>
+              </a:rPr>
+              <a:t>input</a:t>
+            </a:r>
+            <a:r>
+              <a:rPr lang="en-US" altLang="ja-JP" sz="1600" kern="0">
+                <a:solidFill>
+                  <a:srgbClr val="CCCCCC"/>
+                </a:solidFill>
+                <a:effectLst/>
+                <a:latin typeface="Menlo" panose="020B0609030804020204" pitchFamily="49" charset="0"/>
+                <a:ea typeface="ＭＳ Ｐゴシック" panose="020B0600070205080204" pitchFamily="34" charset="-128"/>
+                <a:cs typeface="Times New Roman" panose="02020603050405020304" pitchFamily="18" charset="0"/>
+              </a:rPr>
+              <a:t>().</a:t>
+            </a:r>
+            <a:r>
+              <a:rPr lang="en-US" altLang="ja-JP" sz="1600" kern="0">
+                <a:solidFill>
+                  <a:srgbClr val="DCDCAA"/>
+                </a:solidFill>
+                <a:effectLst/>
+                <a:latin typeface="Menlo" panose="020B0609030804020204" pitchFamily="49" charset="0"/>
+                <a:ea typeface="ＭＳ Ｐゴシック" panose="020B0600070205080204" pitchFamily="34" charset="-128"/>
+                <a:cs typeface="Times New Roman" panose="02020603050405020304" pitchFamily="18" charset="0"/>
+              </a:rPr>
+              <a:t>split</a:t>
+            </a:r>
+            <a:r>
+              <a:rPr lang="en-US" altLang="ja-JP" sz="1600" kern="0">
+                <a:solidFill>
+                  <a:srgbClr val="CCCCCC"/>
+                </a:solidFill>
+                <a:effectLst/>
+                <a:latin typeface="Menlo" panose="020B0609030804020204" pitchFamily="49" charset="0"/>
+                <a:ea typeface="ＭＳ Ｐゴシック" panose="020B0600070205080204" pitchFamily="34" charset="-128"/>
+                <a:cs typeface="Times New Roman" panose="02020603050405020304" pitchFamily="18" charset="0"/>
+              </a:rPr>
+              <a:t>()))</a:t>
+            </a:r>
+            <a:endParaRPr lang="ja-JP" altLang="ja-JP" sz="1600" kern="100">
+              <a:effectLst/>
+              <a:latin typeface="游明朝" panose="02020400000000000000" pitchFamily="18" charset="-128"/>
+              <a:ea typeface="游明朝" panose="02020400000000000000" pitchFamily="18" charset="-128"/>
+              <a:cs typeface="Times New Roman" panose="02020603050405020304" pitchFamily="18" charset="0"/>
+            </a:endParaRPr>
+          </a:p>
+          <a:p>
+            <a:pPr algn="l">
+              <a:lnSpc>
+                <a:spcPts val="1950"/>
+              </a:lnSpc>
+            </a:pPr>
+            <a:r>
+              <a:rPr lang="en-US" altLang="ja-JP" sz="1600" kern="0">
+                <a:solidFill>
+                  <a:srgbClr val="CCCCCC"/>
+                </a:solidFill>
+                <a:effectLst/>
+                <a:latin typeface="Menlo" panose="020B0609030804020204" pitchFamily="49" charset="0"/>
+                <a:ea typeface="ＭＳ Ｐゴシック" panose="020B0600070205080204" pitchFamily="34" charset="-128"/>
+                <a:cs typeface="Times New Roman" panose="02020603050405020304" pitchFamily="18" charset="0"/>
+              </a:rPr>
+              <a:t> </a:t>
+            </a:r>
+            <a:endParaRPr lang="ja-JP" altLang="ja-JP" sz="1600" kern="100">
+              <a:effectLst/>
+              <a:latin typeface="游明朝" panose="02020400000000000000" pitchFamily="18" charset="-128"/>
+              <a:ea typeface="游明朝" panose="02020400000000000000" pitchFamily="18" charset="-128"/>
+              <a:cs typeface="Times New Roman" panose="02020603050405020304" pitchFamily="18" charset="0"/>
+            </a:endParaRPr>
+          </a:p>
+          <a:p>
+            <a:pPr algn="l">
+              <a:lnSpc>
+                <a:spcPts val="1950"/>
+              </a:lnSpc>
+            </a:pPr>
+            <a:r>
+              <a:rPr lang="en-US" altLang="ja-JP" sz="1600" kern="0">
+                <a:solidFill>
+                  <a:srgbClr val="9CDCFE"/>
+                </a:solidFill>
+                <a:effectLst/>
+                <a:latin typeface="Menlo" panose="020B0609030804020204" pitchFamily="49" charset="0"/>
+                <a:ea typeface="ＭＳ Ｐゴシック" panose="020B0600070205080204" pitchFamily="34" charset="-128"/>
+                <a:cs typeface="Times New Roman" panose="02020603050405020304" pitchFamily="18" charset="0"/>
+              </a:rPr>
+              <a:t>cnt</a:t>
+            </a:r>
+            <a:r>
+              <a:rPr lang="en-US" altLang="ja-JP" sz="1600" kern="0">
+                <a:solidFill>
+                  <a:srgbClr val="CCCCCC"/>
+                </a:solidFill>
+                <a:effectLst/>
+                <a:latin typeface="Menlo" panose="020B0609030804020204" pitchFamily="49" charset="0"/>
+                <a:ea typeface="ＭＳ Ｐゴシック" panose="020B0600070205080204" pitchFamily="34" charset="-128"/>
+                <a:cs typeface="Times New Roman" panose="02020603050405020304" pitchFamily="18" charset="0"/>
+              </a:rPr>
+              <a:t> </a:t>
+            </a:r>
+            <a:r>
+              <a:rPr lang="en-US" altLang="ja-JP" sz="1600" kern="0">
+                <a:solidFill>
+                  <a:srgbClr val="D4D4D4"/>
+                </a:solidFill>
+                <a:effectLst/>
+                <a:latin typeface="Menlo" panose="020B0609030804020204" pitchFamily="49" charset="0"/>
+                <a:ea typeface="ＭＳ Ｐゴシック" panose="020B0600070205080204" pitchFamily="34" charset="-128"/>
+                <a:cs typeface="Times New Roman" panose="02020603050405020304" pitchFamily="18" charset="0"/>
+              </a:rPr>
+              <a:t>=</a:t>
+            </a:r>
+            <a:r>
+              <a:rPr lang="en-US" altLang="ja-JP" sz="1600" kern="0">
+                <a:solidFill>
+                  <a:srgbClr val="CCCCCC"/>
+                </a:solidFill>
+                <a:effectLst/>
+                <a:latin typeface="Menlo" panose="020B0609030804020204" pitchFamily="49" charset="0"/>
+                <a:ea typeface="ＭＳ Ｐゴシック" panose="020B0600070205080204" pitchFamily="34" charset="-128"/>
+                <a:cs typeface="Times New Roman" panose="02020603050405020304" pitchFamily="18" charset="0"/>
+              </a:rPr>
+              <a:t> </a:t>
+            </a:r>
+            <a:r>
+              <a:rPr lang="en-US" altLang="ja-JP" sz="1600" kern="0">
+                <a:solidFill>
+                  <a:srgbClr val="B5CEA8"/>
+                </a:solidFill>
+                <a:effectLst/>
+                <a:latin typeface="Menlo" panose="020B0609030804020204" pitchFamily="49" charset="0"/>
+                <a:ea typeface="ＭＳ Ｐゴシック" panose="020B0600070205080204" pitchFamily="34" charset="-128"/>
+                <a:cs typeface="Times New Roman" panose="02020603050405020304" pitchFamily="18" charset="0"/>
+              </a:rPr>
+              <a:t>0</a:t>
+            </a:r>
+            <a:r>
+              <a:rPr lang="en-US" altLang="ja-JP" sz="1600" kern="0">
+                <a:solidFill>
+                  <a:srgbClr val="CCCCCC"/>
+                </a:solidFill>
+                <a:effectLst/>
+                <a:latin typeface="Menlo" panose="020B0609030804020204" pitchFamily="49" charset="0"/>
+                <a:ea typeface="ＭＳ Ｐゴシック" panose="020B0600070205080204" pitchFamily="34" charset="-128"/>
+                <a:cs typeface="Times New Roman" panose="02020603050405020304" pitchFamily="18" charset="0"/>
+              </a:rPr>
+              <a:t> </a:t>
+            </a:r>
+            <a:endParaRPr lang="ja-JP" altLang="ja-JP" sz="1600" kern="100">
+              <a:effectLst/>
+              <a:latin typeface="游明朝" panose="02020400000000000000" pitchFamily="18" charset="-128"/>
+              <a:ea typeface="游明朝" panose="02020400000000000000" pitchFamily="18" charset="-128"/>
+              <a:cs typeface="Times New Roman" panose="02020603050405020304" pitchFamily="18" charset="0"/>
+            </a:endParaRPr>
+          </a:p>
+          <a:p>
+            <a:pPr algn="l">
+              <a:lnSpc>
+                <a:spcPts val="1950"/>
+              </a:lnSpc>
+            </a:pPr>
+            <a:r>
+              <a:rPr lang="en-US" altLang="ja-JP" sz="1600" kern="0">
+                <a:solidFill>
+                  <a:srgbClr val="CCCCCC"/>
+                </a:solidFill>
+                <a:effectLst/>
+                <a:latin typeface="Menlo" panose="020B0609030804020204" pitchFamily="49" charset="0"/>
+                <a:ea typeface="ＭＳ Ｐゴシック" panose="020B0600070205080204" pitchFamily="34" charset="-128"/>
+                <a:cs typeface="Times New Roman" panose="02020603050405020304" pitchFamily="18" charset="0"/>
+              </a:rPr>
+              <a:t> </a:t>
+            </a:r>
+            <a:endParaRPr lang="ja-JP" altLang="ja-JP" sz="1600" kern="100">
+              <a:effectLst/>
+              <a:latin typeface="游明朝" panose="02020400000000000000" pitchFamily="18" charset="-128"/>
+              <a:ea typeface="游明朝" panose="02020400000000000000" pitchFamily="18" charset="-128"/>
+              <a:cs typeface="Times New Roman" panose="02020603050405020304" pitchFamily="18" charset="0"/>
+            </a:endParaRPr>
+          </a:p>
+          <a:p>
+            <a:pPr algn="l">
+              <a:lnSpc>
+                <a:spcPts val="1950"/>
+              </a:lnSpc>
+            </a:pPr>
+            <a:r>
+              <a:rPr lang="en-US" altLang="ja-JP" sz="1600" kern="0">
+                <a:solidFill>
+                  <a:srgbClr val="C586C0"/>
+                </a:solidFill>
+                <a:effectLst/>
+                <a:latin typeface="Menlo" panose="020B0609030804020204" pitchFamily="49" charset="0"/>
+                <a:ea typeface="ＭＳ Ｐゴシック" panose="020B0600070205080204" pitchFamily="34" charset="-128"/>
+                <a:cs typeface="Times New Roman" panose="02020603050405020304" pitchFamily="18" charset="0"/>
+              </a:rPr>
+              <a:t>while</a:t>
+            </a:r>
+            <a:r>
+              <a:rPr lang="en-US" altLang="ja-JP" sz="1600" kern="0">
+                <a:solidFill>
+                  <a:srgbClr val="CCCCCC"/>
+                </a:solidFill>
+                <a:effectLst/>
+                <a:latin typeface="Menlo" panose="020B0609030804020204" pitchFamily="49" charset="0"/>
+                <a:ea typeface="ＭＳ Ｐゴシック" panose="020B0600070205080204" pitchFamily="34" charset="-128"/>
+                <a:cs typeface="Times New Roman" panose="02020603050405020304" pitchFamily="18" charset="0"/>
+              </a:rPr>
+              <a:t> </a:t>
+            </a:r>
+            <a:r>
+              <a:rPr lang="en-US" altLang="ja-JP" sz="1600" kern="0">
+                <a:solidFill>
+                  <a:srgbClr val="569CD6"/>
+                </a:solidFill>
+                <a:effectLst/>
+                <a:latin typeface="Menlo" panose="020B0609030804020204" pitchFamily="49" charset="0"/>
+                <a:ea typeface="ＭＳ Ｐゴシック" panose="020B0600070205080204" pitchFamily="34" charset="-128"/>
+                <a:cs typeface="Times New Roman" panose="02020603050405020304" pitchFamily="18" charset="0"/>
+              </a:rPr>
+              <a:t>True</a:t>
+            </a:r>
+            <a:r>
+              <a:rPr lang="en-US" altLang="ja-JP" sz="1600" kern="0">
+                <a:solidFill>
+                  <a:srgbClr val="CCCCCC"/>
+                </a:solidFill>
+                <a:effectLst/>
+                <a:latin typeface="Menlo" panose="020B0609030804020204" pitchFamily="49" charset="0"/>
+                <a:ea typeface="ＭＳ Ｐゴシック" panose="020B0600070205080204" pitchFamily="34" charset="-128"/>
+                <a:cs typeface="Times New Roman" panose="02020603050405020304" pitchFamily="18" charset="0"/>
+              </a:rPr>
+              <a:t>:</a:t>
+            </a:r>
+            <a:endParaRPr lang="ja-JP" altLang="ja-JP" sz="1600" kern="100">
+              <a:effectLst/>
+              <a:latin typeface="游明朝" panose="02020400000000000000" pitchFamily="18" charset="-128"/>
+              <a:ea typeface="游明朝" panose="02020400000000000000" pitchFamily="18" charset="-128"/>
+              <a:cs typeface="Times New Roman" panose="02020603050405020304" pitchFamily="18" charset="0"/>
+            </a:endParaRPr>
+          </a:p>
+          <a:p>
+            <a:pPr algn="l">
+              <a:lnSpc>
+                <a:spcPts val="1950"/>
+              </a:lnSpc>
+            </a:pPr>
+            <a:r>
+              <a:rPr lang="en-US" altLang="ja-JP" sz="1600" kern="0">
+                <a:solidFill>
+                  <a:srgbClr val="CCCCCC"/>
+                </a:solidFill>
+                <a:effectLst/>
+                <a:latin typeface="Menlo" panose="020B0609030804020204" pitchFamily="49" charset="0"/>
+                <a:ea typeface="ＭＳ Ｐゴシック" panose="020B0600070205080204" pitchFamily="34" charset="-128"/>
+                <a:cs typeface="Times New Roman" panose="02020603050405020304" pitchFamily="18" charset="0"/>
+              </a:rPr>
+              <a:t>    </a:t>
+            </a:r>
+            <a:r>
+              <a:rPr lang="en-US" altLang="ja-JP" sz="1600" kern="0">
+                <a:solidFill>
+                  <a:srgbClr val="9CDCFE"/>
+                </a:solidFill>
+                <a:effectLst/>
+                <a:latin typeface="Menlo" panose="020B0609030804020204" pitchFamily="49" charset="0"/>
+                <a:ea typeface="ＭＳ Ｐゴシック" panose="020B0600070205080204" pitchFamily="34" charset="-128"/>
+                <a:cs typeface="Times New Roman" panose="02020603050405020304" pitchFamily="18" charset="0"/>
+              </a:rPr>
+              <a:t>all_even</a:t>
+            </a:r>
+            <a:r>
+              <a:rPr lang="en-US" altLang="ja-JP" sz="1600" kern="0">
+                <a:solidFill>
+                  <a:srgbClr val="CCCCCC"/>
+                </a:solidFill>
+                <a:effectLst/>
+                <a:latin typeface="Menlo" panose="020B0609030804020204" pitchFamily="49" charset="0"/>
+                <a:ea typeface="ＭＳ Ｐゴシック" panose="020B0600070205080204" pitchFamily="34" charset="-128"/>
+                <a:cs typeface="Times New Roman" panose="02020603050405020304" pitchFamily="18" charset="0"/>
+              </a:rPr>
+              <a:t> </a:t>
+            </a:r>
+            <a:r>
+              <a:rPr lang="en-US" altLang="ja-JP" sz="1600" kern="0">
+                <a:solidFill>
+                  <a:srgbClr val="D4D4D4"/>
+                </a:solidFill>
+                <a:effectLst/>
+                <a:latin typeface="Menlo" panose="020B0609030804020204" pitchFamily="49" charset="0"/>
+                <a:ea typeface="ＭＳ Ｐゴシック" panose="020B0600070205080204" pitchFamily="34" charset="-128"/>
+                <a:cs typeface="Times New Roman" panose="02020603050405020304" pitchFamily="18" charset="0"/>
+              </a:rPr>
+              <a:t>=</a:t>
+            </a:r>
+            <a:r>
+              <a:rPr lang="en-US" altLang="ja-JP" sz="1600" kern="0">
+                <a:solidFill>
+                  <a:srgbClr val="CCCCCC"/>
+                </a:solidFill>
+                <a:effectLst/>
+                <a:latin typeface="Menlo" panose="020B0609030804020204" pitchFamily="49" charset="0"/>
+                <a:ea typeface="ＭＳ Ｐゴシック" panose="020B0600070205080204" pitchFamily="34" charset="-128"/>
+                <a:cs typeface="Times New Roman" panose="02020603050405020304" pitchFamily="18" charset="0"/>
+              </a:rPr>
+              <a:t> </a:t>
+            </a:r>
+            <a:r>
+              <a:rPr lang="en-US" altLang="ja-JP" sz="1600" kern="0">
+                <a:solidFill>
+                  <a:srgbClr val="569CD6"/>
+                </a:solidFill>
+                <a:effectLst/>
+                <a:latin typeface="Menlo" panose="020B0609030804020204" pitchFamily="49" charset="0"/>
+                <a:ea typeface="ＭＳ Ｐゴシック" panose="020B0600070205080204" pitchFamily="34" charset="-128"/>
+                <a:cs typeface="Times New Roman" panose="02020603050405020304" pitchFamily="18" charset="0"/>
+              </a:rPr>
+              <a:t>True</a:t>
+            </a:r>
+            <a:r>
+              <a:rPr lang="en-US" altLang="ja-JP" sz="1600" kern="0">
+                <a:solidFill>
+                  <a:srgbClr val="CCCCCC"/>
+                </a:solidFill>
+                <a:effectLst/>
+                <a:latin typeface="Menlo" panose="020B0609030804020204" pitchFamily="49" charset="0"/>
+                <a:ea typeface="ＭＳ Ｐゴシック" panose="020B0600070205080204" pitchFamily="34" charset="-128"/>
+                <a:cs typeface="Times New Roman" panose="02020603050405020304" pitchFamily="18" charset="0"/>
+              </a:rPr>
+              <a:t> </a:t>
+            </a:r>
+            <a:endParaRPr lang="ja-JP" altLang="ja-JP" sz="1600" kern="100">
+              <a:effectLst/>
+              <a:latin typeface="游明朝" panose="02020400000000000000" pitchFamily="18" charset="-128"/>
+              <a:ea typeface="游明朝" panose="02020400000000000000" pitchFamily="18" charset="-128"/>
+              <a:cs typeface="Times New Roman" panose="02020603050405020304" pitchFamily="18" charset="0"/>
+            </a:endParaRPr>
+          </a:p>
+          <a:p>
+            <a:pPr algn="l">
+              <a:lnSpc>
+                <a:spcPts val="1950"/>
+              </a:lnSpc>
+            </a:pPr>
+            <a:r>
+              <a:rPr lang="en-US" altLang="ja-JP" sz="1600" kern="0">
+                <a:solidFill>
+                  <a:srgbClr val="CCCCCC"/>
+                </a:solidFill>
+                <a:effectLst/>
+                <a:latin typeface="Menlo" panose="020B0609030804020204" pitchFamily="49" charset="0"/>
+                <a:ea typeface="ＭＳ Ｐゴシック" panose="020B0600070205080204" pitchFamily="34" charset="-128"/>
+                <a:cs typeface="Times New Roman" panose="02020603050405020304" pitchFamily="18" charset="0"/>
+              </a:rPr>
+              <a:t>    </a:t>
+            </a:r>
+            <a:r>
+              <a:rPr lang="en-US" altLang="ja-JP" sz="1600" kern="0">
+                <a:solidFill>
+                  <a:srgbClr val="C586C0"/>
+                </a:solidFill>
+                <a:effectLst/>
+                <a:latin typeface="Menlo" panose="020B0609030804020204" pitchFamily="49" charset="0"/>
+                <a:ea typeface="ＭＳ Ｐゴシック" panose="020B0600070205080204" pitchFamily="34" charset="-128"/>
+                <a:cs typeface="Times New Roman" panose="02020603050405020304" pitchFamily="18" charset="0"/>
+              </a:rPr>
+              <a:t>for</a:t>
+            </a:r>
+            <a:r>
+              <a:rPr lang="en-US" altLang="ja-JP" sz="1600" kern="0">
+                <a:solidFill>
+                  <a:srgbClr val="CCCCCC"/>
+                </a:solidFill>
+                <a:effectLst/>
+                <a:latin typeface="Menlo" panose="020B0609030804020204" pitchFamily="49" charset="0"/>
+                <a:ea typeface="ＭＳ Ｐゴシック" panose="020B0600070205080204" pitchFamily="34" charset="-128"/>
+                <a:cs typeface="Times New Roman" panose="02020603050405020304" pitchFamily="18" charset="0"/>
+              </a:rPr>
+              <a:t> </a:t>
+            </a:r>
+            <a:r>
+              <a:rPr lang="en-US" altLang="ja-JP" sz="1600" kern="0">
+                <a:solidFill>
+                  <a:srgbClr val="9CDCFE"/>
+                </a:solidFill>
+                <a:effectLst/>
+                <a:latin typeface="Menlo" panose="020B0609030804020204" pitchFamily="49" charset="0"/>
+                <a:ea typeface="ＭＳ Ｐゴシック" panose="020B0600070205080204" pitchFamily="34" charset="-128"/>
+                <a:cs typeface="Times New Roman" panose="02020603050405020304" pitchFamily="18" charset="0"/>
+              </a:rPr>
+              <a:t>i</a:t>
+            </a:r>
+            <a:r>
+              <a:rPr lang="en-US" altLang="ja-JP" sz="1600" kern="0">
+                <a:solidFill>
+                  <a:srgbClr val="CCCCCC"/>
+                </a:solidFill>
+                <a:effectLst/>
+                <a:latin typeface="Menlo" panose="020B0609030804020204" pitchFamily="49" charset="0"/>
+                <a:ea typeface="ＭＳ Ｐゴシック" panose="020B0600070205080204" pitchFamily="34" charset="-128"/>
+                <a:cs typeface="Times New Roman" panose="02020603050405020304" pitchFamily="18" charset="0"/>
+              </a:rPr>
+              <a:t> </a:t>
+            </a:r>
+            <a:r>
+              <a:rPr lang="en-US" altLang="ja-JP" sz="1600" kern="0">
+                <a:solidFill>
+                  <a:srgbClr val="C586C0"/>
+                </a:solidFill>
+                <a:effectLst/>
+                <a:latin typeface="Menlo" panose="020B0609030804020204" pitchFamily="49" charset="0"/>
+                <a:ea typeface="ＭＳ Ｐゴシック" panose="020B0600070205080204" pitchFamily="34" charset="-128"/>
+                <a:cs typeface="Times New Roman" panose="02020603050405020304" pitchFamily="18" charset="0"/>
+              </a:rPr>
+              <a:t>in</a:t>
+            </a:r>
+            <a:r>
+              <a:rPr lang="en-US" altLang="ja-JP" sz="1600" kern="0">
+                <a:solidFill>
+                  <a:srgbClr val="CCCCCC"/>
+                </a:solidFill>
+                <a:effectLst/>
+                <a:latin typeface="Menlo" panose="020B0609030804020204" pitchFamily="49" charset="0"/>
+                <a:ea typeface="ＭＳ Ｐゴシック" panose="020B0600070205080204" pitchFamily="34" charset="-128"/>
+                <a:cs typeface="Times New Roman" panose="02020603050405020304" pitchFamily="18" charset="0"/>
+              </a:rPr>
+              <a:t> </a:t>
+            </a:r>
+            <a:r>
+              <a:rPr lang="en-US" altLang="ja-JP" sz="1600" kern="0">
+                <a:solidFill>
+                  <a:srgbClr val="4EC9B0"/>
+                </a:solidFill>
+                <a:effectLst/>
+                <a:latin typeface="Menlo" panose="020B0609030804020204" pitchFamily="49" charset="0"/>
+                <a:ea typeface="ＭＳ Ｐゴシック" panose="020B0600070205080204" pitchFamily="34" charset="-128"/>
+                <a:cs typeface="Times New Roman" panose="02020603050405020304" pitchFamily="18" charset="0"/>
+              </a:rPr>
+              <a:t>range</a:t>
+            </a:r>
+            <a:r>
+              <a:rPr lang="en-US" altLang="ja-JP" sz="1600" kern="0">
+                <a:solidFill>
+                  <a:srgbClr val="CCCCCC"/>
+                </a:solidFill>
+                <a:effectLst/>
+                <a:latin typeface="Menlo" panose="020B0609030804020204" pitchFamily="49" charset="0"/>
+                <a:ea typeface="ＭＳ Ｐゴシック" panose="020B0600070205080204" pitchFamily="34" charset="-128"/>
+                <a:cs typeface="Times New Roman" panose="02020603050405020304" pitchFamily="18" charset="0"/>
+              </a:rPr>
+              <a:t>(</a:t>
+            </a:r>
+            <a:r>
+              <a:rPr lang="en-US" altLang="ja-JP" sz="1600" kern="0">
+                <a:solidFill>
+                  <a:srgbClr val="DCDCAA"/>
+                </a:solidFill>
+                <a:effectLst/>
+                <a:latin typeface="Menlo" panose="020B0609030804020204" pitchFamily="49" charset="0"/>
+                <a:ea typeface="ＭＳ Ｐゴシック" panose="020B0600070205080204" pitchFamily="34" charset="-128"/>
+                <a:cs typeface="Times New Roman" panose="02020603050405020304" pitchFamily="18" charset="0"/>
+              </a:rPr>
+              <a:t>len</a:t>
+            </a:r>
+            <a:r>
+              <a:rPr lang="en-US" altLang="ja-JP" sz="1600" kern="0">
+                <a:solidFill>
+                  <a:srgbClr val="CCCCCC"/>
+                </a:solidFill>
+                <a:effectLst/>
+                <a:latin typeface="Menlo" panose="020B0609030804020204" pitchFamily="49" charset="0"/>
+                <a:ea typeface="ＭＳ Ｐゴシック" panose="020B0600070205080204" pitchFamily="34" charset="-128"/>
+                <a:cs typeface="Times New Roman" panose="02020603050405020304" pitchFamily="18" charset="0"/>
+              </a:rPr>
+              <a:t>(</a:t>
+            </a:r>
+            <a:r>
+              <a:rPr lang="en-US" altLang="ja-JP" sz="1600" kern="0">
+                <a:solidFill>
+                  <a:srgbClr val="9CDCFE"/>
+                </a:solidFill>
+                <a:effectLst/>
+                <a:latin typeface="Menlo" panose="020B0609030804020204" pitchFamily="49" charset="0"/>
+                <a:ea typeface="ＭＳ Ｐゴシック" panose="020B0600070205080204" pitchFamily="34" charset="-128"/>
+                <a:cs typeface="Times New Roman" panose="02020603050405020304" pitchFamily="18" charset="0"/>
+              </a:rPr>
+              <a:t>a</a:t>
+            </a:r>
+            <a:r>
+              <a:rPr lang="en-US" altLang="ja-JP" sz="1600" kern="0">
+                <a:solidFill>
+                  <a:srgbClr val="CCCCCC"/>
+                </a:solidFill>
+                <a:effectLst/>
+                <a:latin typeface="Menlo" panose="020B0609030804020204" pitchFamily="49" charset="0"/>
+                <a:ea typeface="ＭＳ Ｐゴシック" panose="020B0600070205080204" pitchFamily="34" charset="-128"/>
+                <a:cs typeface="Times New Roman" panose="02020603050405020304" pitchFamily="18" charset="0"/>
+              </a:rPr>
+              <a:t>)):</a:t>
+            </a:r>
+            <a:endParaRPr lang="ja-JP" altLang="ja-JP" sz="1600" kern="100">
+              <a:effectLst/>
+              <a:latin typeface="游明朝" panose="02020400000000000000" pitchFamily="18" charset="-128"/>
+              <a:ea typeface="游明朝" panose="02020400000000000000" pitchFamily="18" charset="-128"/>
+              <a:cs typeface="Times New Roman" panose="02020603050405020304" pitchFamily="18" charset="0"/>
+            </a:endParaRPr>
+          </a:p>
+          <a:p>
+            <a:pPr algn="l">
+              <a:lnSpc>
+                <a:spcPts val="1950"/>
+              </a:lnSpc>
+            </a:pPr>
+            <a:r>
+              <a:rPr lang="en-US" altLang="ja-JP" sz="1600" kern="0">
+                <a:solidFill>
+                  <a:srgbClr val="CCCCCC"/>
+                </a:solidFill>
+                <a:effectLst/>
+                <a:latin typeface="Menlo" panose="020B0609030804020204" pitchFamily="49" charset="0"/>
+                <a:ea typeface="ＭＳ Ｐゴシック" panose="020B0600070205080204" pitchFamily="34" charset="-128"/>
+                <a:cs typeface="Times New Roman" panose="02020603050405020304" pitchFamily="18" charset="0"/>
+              </a:rPr>
+              <a:t>        </a:t>
+            </a:r>
+            <a:r>
+              <a:rPr lang="en-US" altLang="ja-JP" sz="1600" kern="0">
+                <a:solidFill>
+                  <a:srgbClr val="C586C0"/>
+                </a:solidFill>
+                <a:effectLst/>
+                <a:latin typeface="Menlo" panose="020B0609030804020204" pitchFamily="49" charset="0"/>
+                <a:ea typeface="ＭＳ Ｐゴシック" panose="020B0600070205080204" pitchFamily="34" charset="-128"/>
+                <a:cs typeface="Times New Roman" panose="02020603050405020304" pitchFamily="18" charset="0"/>
+              </a:rPr>
+              <a:t>if</a:t>
+            </a:r>
+            <a:r>
+              <a:rPr lang="en-US" altLang="ja-JP" sz="1600" kern="0">
+                <a:solidFill>
+                  <a:srgbClr val="CCCCCC"/>
+                </a:solidFill>
+                <a:effectLst/>
+                <a:latin typeface="Menlo" panose="020B0609030804020204" pitchFamily="49" charset="0"/>
+                <a:ea typeface="ＭＳ Ｐゴシック" panose="020B0600070205080204" pitchFamily="34" charset="-128"/>
+                <a:cs typeface="Times New Roman" panose="02020603050405020304" pitchFamily="18" charset="0"/>
+              </a:rPr>
+              <a:t> </a:t>
+            </a:r>
+            <a:r>
+              <a:rPr lang="en-US" altLang="ja-JP" sz="1600" kern="0">
+                <a:solidFill>
+                  <a:srgbClr val="9CDCFE"/>
+                </a:solidFill>
+                <a:effectLst/>
+                <a:latin typeface="Menlo" panose="020B0609030804020204" pitchFamily="49" charset="0"/>
+                <a:ea typeface="ＭＳ Ｐゴシック" panose="020B0600070205080204" pitchFamily="34" charset="-128"/>
+                <a:cs typeface="Times New Roman" panose="02020603050405020304" pitchFamily="18" charset="0"/>
+              </a:rPr>
+              <a:t>a</a:t>
+            </a:r>
+            <a:r>
+              <a:rPr lang="en-US" altLang="ja-JP" sz="1600" kern="0">
+                <a:solidFill>
+                  <a:srgbClr val="CCCCCC"/>
+                </a:solidFill>
+                <a:effectLst/>
+                <a:latin typeface="Menlo" panose="020B0609030804020204" pitchFamily="49" charset="0"/>
+                <a:ea typeface="ＭＳ Ｐゴシック" panose="020B0600070205080204" pitchFamily="34" charset="-128"/>
+                <a:cs typeface="Times New Roman" panose="02020603050405020304" pitchFamily="18" charset="0"/>
+              </a:rPr>
+              <a:t>[</a:t>
+            </a:r>
+            <a:r>
+              <a:rPr lang="en-US" altLang="ja-JP" sz="1600" kern="0">
+                <a:solidFill>
+                  <a:srgbClr val="9CDCFE"/>
+                </a:solidFill>
+                <a:effectLst/>
+                <a:latin typeface="Menlo" panose="020B0609030804020204" pitchFamily="49" charset="0"/>
+                <a:ea typeface="ＭＳ Ｐゴシック" panose="020B0600070205080204" pitchFamily="34" charset="-128"/>
+                <a:cs typeface="Times New Roman" panose="02020603050405020304" pitchFamily="18" charset="0"/>
+              </a:rPr>
+              <a:t>i</a:t>
+            </a:r>
+            <a:r>
+              <a:rPr lang="en-US" altLang="ja-JP" sz="1600" kern="0">
+                <a:solidFill>
+                  <a:srgbClr val="CCCCCC"/>
+                </a:solidFill>
+                <a:effectLst/>
+                <a:latin typeface="Menlo" panose="020B0609030804020204" pitchFamily="49" charset="0"/>
+                <a:ea typeface="ＭＳ Ｐゴシック" panose="020B0600070205080204" pitchFamily="34" charset="-128"/>
+                <a:cs typeface="Times New Roman" panose="02020603050405020304" pitchFamily="18" charset="0"/>
+              </a:rPr>
+              <a:t>] </a:t>
+            </a:r>
+            <a:r>
+              <a:rPr lang="en-US" altLang="ja-JP" sz="1600" kern="0">
+                <a:solidFill>
+                  <a:srgbClr val="D4D4D4"/>
+                </a:solidFill>
+                <a:effectLst/>
+                <a:latin typeface="Menlo" panose="020B0609030804020204" pitchFamily="49" charset="0"/>
+                <a:ea typeface="ＭＳ Ｐゴシック" panose="020B0600070205080204" pitchFamily="34" charset="-128"/>
+                <a:cs typeface="Times New Roman" panose="02020603050405020304" pitchFamily="18" charset="0"/>
+              </a:rPr>
+              <a:t>%</a:t>
+            </a:r>
+            <a:r>
+              <a:rPr lang="en-US" altLang="ja-JP" sz="1600" kern="0">
+                <a:solidFill>
+                  <a:srgbClr val="CCCCCC"/>
+                </a:solidFill>
+                <a:effectLst/>
+                <a:latin typeface="Menlo" panose="020B0609030804020204" pitchFamily="49" charset="0"/>
+                <a:ea typeface="ＭＳ Ｐゴシック" panose="020B0600070205080204" pitchFamily="34" charset="-128"/>
+                <a:cs typeface="Times New Roman" panose="02020603050405020304" pitchFamily="18" charset="0"/>
+              </a:rPr>
+              <a:t> </a:t>
+            </a:r>
+            <a:r>
+              <a:rPr lang="en-US" altLang="ja-JP" sz="1600" kern="0">
+                <a:solidFill>
+                  <a:srgbClr val="B5CEA8"/>
+                </a:solidFill>
+                <a:effectLst/>
+                <a:latin typeface="Menlo" panose="020B0609030804020204" pitchFamily="49" charset="0"/>
+                <a:ea typeface="ＭＳ Ｐゴシック" panose="020B0600070205080204" pitchFamily="34" charset="-128"/>
+                <a:cs typeface="Times New Roman" panose="02020603050405020304" pitchFamily="18" charset="0"/>
+              </a:rPr>
+              <a:t>2</a:t>
+            </a:r>
+            <a:r>
+              <a:rPr lang="en-US" altLang="ja-JP" sz="1600" kern="0">
+                <a:solidFill>
+                  <a:srgbClr val="CCCCCC"/>
+                </a:solidFill>
+                <a:effectLst/>
+                <a:latin typeface="Menlo" panose="020B0609030804020204" pitchFamily="49" charset="0"/>
+                <a:ea typeface="ＭＳ Ｐゴシック" panose="020B0600070205080204" pitchFamily="34" charset="-128"/>
+                <a:cs typeface="Times New Roman" panose="02020603050405020304" pitchFamily="18" charset="0"/>
+              </a:rPr>
+              <a:t>  </a:t>
+            </a:r>
+            <a:r>
+              <a:rPr lang="en-US" altLang="ja-JP" sz="1600" kern="0">
+                <a:solidFill>
+                  <a:srgbClr val="D4D4D4"/>
+                </a:solidFill>
+                <a:effectLst/>
+                <a:latin typeface="Menlo" panose="020B0609030804020204" pitchFamily="49" charset="0"/>
+                <a:ea typeface="ＭＳ Ｐゴシック" panose="020B0600070205080204" pitchFamily="34" charset="-128"/>
+                <a:cs typeface="Times New Roman" panose="02020603050405020304" pitchFamily="18" charset="0"/>
+              </a:rPr>
+              <a:t>!=</a:t>
+            </a:r>
+            <a:r>
+              <a:rPr lang="en-US" altLang="ja-JP" sz="1600" kern="0">
+                <a:solidFill>
+                  <a:srgbClr val="CCCCCC"/>
+                </a:solidFill>
+                <a:effectLst/>
+                <a:latin typeface="Menlo" panose="020B0609030804020204" pitchFamily="49" charset="0"/>
+                <a:ea typeface="ＭＳ Ｐゴシック" panose="020B0600070205080204" pitchFamily="34" charset="-128"/>
+                <a:cs typeface="Times New Roman" panose="02020603050405020304" pitchFamily="18" charset="0"/>
+              </a:rPr>
+              <a:t> </a:t>
+            </a:r>
+            <a:r>
+              <a:rPr lang="en-US" altLang="ja-JP" sz="1600" kern="0">
+                <a:solidFill>
+                  <a:srgbClr val="B5CEA8"/>
+                </a:solidFill>
+                <a:effectLst/>
+                <a:latin typeface="Menlo" panose="020B0609030804020204" pitchFamily="49" charset="0"/>
+                <a:ea typeface="ＭＳ Ｐゴシック" panose="020B0600070205080204" pitchFamily="34" charset="-128"/>
+                <a:cs typeface="Times New Roman" panose="02020603050405020304" pitchFamily="18" charset="0"/>
+              </a:rPr>
+              <a:t>0</a:t>
+            </a:r>
+            <a:r>
+              <a:rPr lang="en-US" altLang="ja-JP" sz="1600" kern="0">
+                <a:solidFill>
+                  <a:srgbClr val="CCCCCC"/>
+                </a:solidFill>
+                <a:effectLst/>
+                <a:latin typeface="Menlo" panose="020B0609030804020204" pitchFamily="49" charset="0"/>
+                <a:ea typeface="ＭＳ Ｐゴシック" panose="020B0600070205080204" pitchFamily="34" charset="-128"/>
+                <a:cs typeface="Times New Roman" panose="02020603050405020304" pitchFamily="18" charset="0"/>
+              </a:rPr>
+              <a:t>:</a:t>
+            </a:r>
+            <a:endParaRPr lang="ja-JP" altLang="ja-JP" sz="1600" kern="100">
+              <a:effectLst/>
+              <a:latin typeface="游明朝" panose="02020400000000000000" pitchFamily="18" charset="-128"/>
+              <a:ea typeface="游明朝" panose="02020400000000000000" pitchFamily="18" charset="-128"/>
+              <a:cs typeface="Times New Roman" panose="02020603050405020304" pitchFamily="18" charset="0"/>
+            </a:endParaRPr>
+          </a:p>
+          <a:p>
+            <a:pPr algn="l">
+              <a:lnSpc>
+                <a:spcPts val="1950"/>
+              </a:lnSpc>
+            </a:pPr>
+            <a:r>
+              <a:rPr lang="en-US" altLang="ja-JP" sz="1600" kern="0">
+                <a:solidFill>
+                  <a:srgbClr val="CCCCCC"/>
+                </a:solidFill>
+                <a:effectLst/>
+                <a:latin typeface="Menlo" panose="020B0609030804020204" pitchFamily="49" charset="0"/>
+                <a:ea typeface="ＭＳ Ｐゴシック" panose="020B0600070205080204" pitchFamily="34" charset="-128"/>
+                <a:cs typeface="Times New Roman" panose="02020603050405020304" pitchFamily="18" charset="0"/>
+              </a:rPr>
+              <a:t>            </a:t>
+            </a:r>
+            <a:r>
+              <a:rPr lang="en-US" altLang="ja-JP" sz="1600" kern="0">
+                <a:solidFill>
+                  <a:srgbClr val="9CDCFE"/>
+                </a:solidFill>
+                <a:effectLst/>
+                <a:latin typeface="Menlo" panose="020B0609030804020204" pitchFamily="49" charset="0"/>
+                <a:ea typeface="ＭＳ Ｐゴシック" panose="020B0600070205080204" pitchFamily="34" charset="-128"/>
+                <a:cs typeface="Times New Roman" panose="02020603050405020304" pitchFamily="18" charset="0"/>
+              </a:rPr>
+              <a:t>all_even</a:t>
+            </a:r>
+            <a:r>
+              <a:rPr lang="en-US" altLang="ja-JP" sz="1600" kern="0">
+                <a:solidFill>
+                  <a:srgbClr val="CCCCCC"/>
+                </a:solidFill>
+                <a:effectLst/>
+                <a:latin typeface="Menlo" panose="020B0609030804020204" pitchFamily="49" charset="0"/>
+                <a:ea typeface="ＭＳ Ｐゴシック" panose="020B0600070205080204" pitchFamily="34" charset="-128"/>
+                <a:cs typeface="Times New Roman" panose="02020603050405020304" pitchFamily="18" charset="0"/>
+              </a:rPr>
+              <a:t> </a:t>
+            </a:r>
+            <a:r>
+              <a:rPr lang="en-US" altLang="ja-JP" sz="1600" kern="0">
+                <a:solidFill>
+                  <a:srgbClr val="D4D4D4"/>
+                </a:solidFill>
+                <a:effectLst/>
+                <a:latin typeface="Menlo" panose="020B0609030804020204" pitchFamily="49" charset="0"/>
+                <a:ea typeface="ＭＳ Ｐゴシック" panose="020B0600070205080204" pitchFamily="34" charset="-128"/>
+                <a:cs typeface="Times New Roman" panose="02020603050405020304" pitchFamily="18" charset="0"/>
+              </a:rPr>
+              <a:t>=</a:t>
+            </a:r>
+            <a:r>
+              <a:rPr lang="en-US" altLang="ja-JP" sz="1600" kern="0">
+                <a:solidFill>
+                  <a:srgbClr val="CCCCCC"/>
+                </a:solidFill>
+                <a:effectLst/>
+                <a:latin typeface="Menlo" panose="020B0609030804020204" pitchFamily="49" charset="0"/>
+                <a:ea typeface="ＭＳ Ｐゴシック" panose="020B0600070205080204" pitchFamily="34" charset="-128"/>
+                <a:cs typeface="Times New Roman" panose="02020603050405020304" pitchFamily="18" charset="0"/>
+              </a:rPr>
+              <a:t> </a:t>
+            </a:r>
+            <a:r>
+              <a:rPr lang="en-US" altLang="ja-JP" sz="1600" kern="0">
+                <a:solidFill>
+                  <a:srgbClr val="569CD6"/>
+                </a:solidFill>
+                <a:effectLst/>
+                <a:latin typeface="Menlo" panose="020B0609030804020204" pitchFamily="49" charset="0"/>
+                <a:ea typeface="ＭＳ Ｐゴシック" panose="020B0600070205080204" pitchFamily="34" charset="-128"/>
+                <a:cs typeface="Times New Roman" panose="02020603050405020304" pitchFamily="18" charset="0"/>
+              </a:rPr>
+              <a:t>False</a:t>
+            </a:r>
+            <a:r>
+              <a:rPr lang="en-US" altLang="ja-JP" sz="1600" kern="0">
+                <a:solidFill>
+                  <a:srgbClr val="CCCCCC"/>
+                </a:solidFill>
+                <a:effectLst/>
+                <a:latin typeface="Menlo" panose="020B0609030804020204" pitchFamily="49" charset="0"/>
+                <a:ea typeface="ＭＳ Ｐゴシック" panose="020B0600070205080204" pitchFamily="34" charset="-128"/>
+                <a:cs typeface="Times New Roman" panose="02020603050405020304" pitchFamily="18" charset="0"/>
+              </a:rPr>
+              <a:t> </a:t>
+            </a:r>
+            <a:endParaRPr lang="ja-JP" altLang="ja-JP" sz="1600" kern="100">
+              <a:effectLst/>
+              <a:latin typeface="游明朝" panose="02020400000000000000" pitchFamily="18" charset="-128"/>
+              <a:ea typeface="游明朝" panose="02020400000000000000" pitchFamily="18" charset="-128"/>
+              <a:cs typeface="Times New Roman" panose="02020603050405020304" pitchFamily="18" charset="0"/>
+            </a:endParaRPr>
+          </a:p>
+          <a:p>
+            <a:pPr algn="l">
+              <a:lnSpc>
+                <a:spcPts val="1950"/>
+              </a:lnSpc>
+            </a:pPr>
+            <a:r>
+              <a:rPr lang="en-US" altLang="ja-JP" sz="1600" kern="0">
+                <a:solidFill>
+                  <a:srgbClr val="CCCCCC"/>
+                </a:solidFill>
+                <a:effectLst/>
+                <a:latin typeface="Menlo" panose="020B0609030804020204" pitchFamily="49" charset="0"/>
+                <a:ea typeface="ＭＳ Ｐゴシック" panose="020B0600070205080204" pitchFamily="34" charset="-128"/>
+                <a:cs typeface="Times New Roman" panose="02020603050405020304" pitchFamily="18" charset="0"/>
+              </a:rPr>
+              <a:t> </a:t>
+            </a:r>
+            <a:endParaRPr lang="ja-JP" altLang="ja-JP" sz="1600" kern="100">
+              <a:effectLst/>
+              <a:latin typeface="游明朝" panose="02020400000000000000" pitchFamily="18" charset="-128"/>
+              <a:ea typeface="游明朝" panose="02020400000000000000" pitchFamily="18" charset="-128"/>
+              <a:cs typeface="Times New Roman" panose="02020603050405020304" pitchFamily="18" charset="0"/>
+            </a:endParaRPr>
+          </a:p>
+          <a:p>
+            <a:pPr algn="l">
+              <a:lnSpc>
+                <a:spcPts val="1950"/>
+              </a:lnSpc>
+            </a:pPr>
+            <a:r>
+              <a:rPr lang="en-US" altLang="ja-JP" sz="1600" kern="0">
+                <a:solidFill>
+                  <a:srgbClr val="CCCCCC"/>
+                </a:solidFill>
+                <a:effectLst/>
+                <a:latin typeface="Menlo" panose="020B0609030804020204" pitchFamily="49" charset="0"/>
+                <a:ea typeface="ＭＳ Ｐゴシック" panose="020B0600070205080204" pitchFamily="34" charset="-128"/>
+                <a:cs typeface="Times New Roman" panose="02020603050405020304" pitchFamily="18" charset="0"/>
+              </a:rPr>
+              <a:t>    </a:t>
+            </a:r>
+            <a:r>
+              <a:rPr lang="en-US" altLang="ja-JP" sz="1600" kern="0">
+                <a:solidFill>
+                  <a:srgbClr val="C586C0"/>
+                </a:solidFill>
+                <a:effectLst/>
+                <a:latin typeface="Menlo" panose="020B0609030804020204" pitchFamily="49" charset="0"/>
+                <a:ea typeface="ＭＳ Ｐゴシック" panose="020B0600070205080204" pitchFamily="34" charset="-128"/>
+                <a:cs typeface="Times New Roman" panose="02020603050405020304" pitchFamily="18" charset="0"/>
+              </a:rPr>
+              <a:t>if</a:t>
+            </a:r>
+            <a:r>
+              <a:rPr lang="en-US" altLang="ja-JP" sz="1600" kern="0">
+                <a:solidFill>
+                  <a:srgbClr val="CCCCCC"/>
+                </a:solidFill>
+                <a:effectLst/>
+                <a:latin typeface="Menlo" panose="020B0609030804020204" pitchFamily="49" charset="0"/>
+                <a:ea typeface="ＭＳ Ｐゴシック" panose="020B0600070205080204" pitchFamily="34" charset="-128"/>
+                <a:cs typeface="Times New Roman" panose="02020603050405020304" pitchFamily="18" charset="0"/>
+              </a:rPr>
+              <a:t> </a:t>
+            </a:r>
+            <a:r>
+              <a:rPr lang="en-US" altLang="ja-JP" sz="1600" kern="0">
+                <a:solidFill>
+                  <a:srgbClr val="9CDCFE"/>
+                </a:solidFill>
+                <a:effectLst/>
+                <a:latin typeface="Menlo" panose="020B0609030804020204" pitchFamily="49" charset="0"/>
+                <a:ea typeface="ＭＳ Ｐゴシック" panose="020B0600070205080204" pitchFamily="34" charset="-128"/>
+                <a:cs typeface="Times New Roman" panose="02020603050405020304" pitchFamily="18" charset="0"/>
+              </a:rPr>
+              <a:t>all_even</a:t>
+            </a:r>
+            <a:r>
+              <a:rPr lang="en-US" altLang="ja-JP" sz="1600" kern="0">
+                <a:solidFill>
+                  <a:srgbClr val="CCCCCC"/>
+                </a:solidFill>
+                <a:effectLst/>
+                <a:latin typeface="Menlo" panose="020B0609030804020204" pitchFamily="49" charset="0"/>
+                <a:ea typeface="ＭＳ Ｐゴシック" panose="020B0600070205080204" pitchFamily="34" charset="-128"/>
+                <a:cs typeface="Times New Roman" panose="02020603050405020304" pitchFamily="18" charset="0"/>
+              </a:rPr>
+              <a:t> </a:t>
+            </a:r>
+            <a:r>
+              <a:rPr lang="en-US" altLang="ja-JP" sz="1600" kern="0">
+                <a:solidFill>
+                  <a:srgbClr val="D4D4D4"/>
+                </a:solidFill>
+                <a:effectLst/>
+                <a:latin typeface="Menlo" panose="020B0609030804020204" pitchFamily="49" charset="0"/>
+                <a:ea typeface="ＭＳ Ｐゴシック" panose="020B0600070205080204" pitchFamily="34" charset="-128"/>
+                <a:cs typeface="Times New Roman" panose="02020603050405020304" pitchFamily="18" charset="0"/>
+              </a:rPr>
+              <a:t>==</a:t>
+            </a:r>
+            <a:r>
+              <a:rPr lang="en-US" altLang="ja-JP" sz="1600" kern="0">
+                <a:solidFill>
+                  <a:srgbClr val="CCCCCC"/>
+                </a:solidFill>
+                <a:effectLst/>
+                <a:latin typeface="Menlo" panose="020B0609030804020204" pitchFamily="49" charset="0"/>
+                <a:ea typeface="ＭＳ Ｐゴシック" panose="020B0600070205080204" pitchFamily="34" charset="-128"/>
+                <a:cs typeface="Times New Roman" panose="02020603050405020304" pitchFamily="18" charset="0"/>
+              </a:rPr>
+              <a:t> </a:t>
+            </a:r>
+            <a:r>
+              <a:rPr lang="en-US" altLang="ja-JP" sz="1600" kern="0">
+                <a:solidFill>
+                  <a:srgbClr val="569CD6"/>
+                </a:solidFill>
+                <a:effectLst/>
+                <a:latin typeface="Menlo" panose="020B0609030804020204" pitchFamily="49" charset="0"/>
+                <a:ea typeface="ＭＳ Ｐゴシック" panose="020B0600070205080204" pitchFamily="34" charset="-128"/>
+                <a:cs typeface="Times New Roman" panose="02020603050405020304" pitchFamily="18" charset="0"/>
+              </a:rPr>
+              <a:t>False</a:t>
+            </a:r>
+            <a:r>
+              <a:rPr lang="en-US" altLang="ja-JP" sz="1600" kern="0">
+                <a:solidFill>
+                  <a:srgbClr val="CCCCCC"/>
+                </a:solidFill>
+                <a:effectLst/>
+                <a:latin typeface="Menlo" panose="020B0609030804020204" pitchFamily="49" charset="0"/>
+                <a:ea typeface="ＭＳ Ｐゴシック" panose="020B0600070205080204" pitchFamily="34" charset="-128"/>
+                <a:cs typeface="Times New Roman" panose="02020603050405020304" pitchFamily="18" charset="0"/>
+              </a:rPr>
+              <a:t>:</a:t>
+            </a:r>
+            <a:endParaRPr lang="ja-JP" altLang="ja-JP" sz="1600" kern="100">
+              <a:effectLst/>
+              <a:latin typeface="游明朝" panose="02020400000000000000" pitchFamily="18" charset="-128"/>
+              <a:ea typeface="游明朝" panose="02020400000000000000" pitchFamily="18" charset="-128"/>
+              <a:cs typeface="Times New Roman" panose="02020603050405020304" pitchFamily="18" charset="0"/>
+            </a:endParaRPr>
+          </a:p>
+          <a:p>
+            <a:pPr algn="l">
+              <a:lnSpc>
+                <a:spcPts val="1950"/>
+              </a:lnSpc>
+            </a:pPr>
+            <a:r>
+              <a:rPr lang="en-US" altLang="ja-JP" sz="1600" kern="0">
+                <a:solidFill>
+                  <a:srgbClr val="CCCCCC"/>
+                </a:solidFill>
+                <a:effectLst/>
+                <a:latin typeface="Menlo" panose="020B0609030804020204" pitchFamily="49" charset="0"/>
+                <a:ea typeface="ＭＳ Ｐゴシック" panose="020B0600070205080204" pitchFamily="34" charset="-128"/>
+                <a:cs typeface="Times New Roman" panose="02020603050405020304" pitchFamily="18" charset="0"/>
+              </a:rPr>
+              <a:t>        </a:t>
+            </a:r>
+            <a:r>
+              <a:rPr lang="en-US" altLang="ja-JP" sz="1600" kern="0">
+                <a:solidFill>
+                  <a:srgbClr val="C586C0"/>
+                </a:solidFill>
+                <a:effectLst/>
+                <a:latin typeface="Menlo" panose="020B0609030804020204" pitchFamily="49" charset="0"/>
+                <a:ea typeface="ＭＳ Ｐゴシック" panose="020B0600070205080204" pitchFamily="34" charset="-128"/>
+                <a:cs typeface="Times New Roman" panose="02020603050405020304" pitchFamily="18" charset="0"/>
+              </a:rPr>
+              <a:t>break</a:t>
+            </a:r>
+            <a:endParaRPr lang="ja-JP" altLang="ja-JP" sz="1600" kern="100">
+              <a:effectLst/>
+              <a:latin typeface="游明朝" panose="02020400000000000000" pitchFamily="18" charset="-128"/>
+              <a:ea typeface="游明朝" panose="02020400000000000000" pitchFamily="18" charset="-128"/>
+              <a:cs typeface="Times New Roman" panose="02020603050405020304" pitchFamily="18" charset="0"/>
+            </a:endParaRPr>
+          </a:p>
+          <a:p>
+            <a:pPr algn="l">
+              <a:lnSpc>
+                <a:spcPts val="1950"/>
+              </a:lnSpc>
+            </a:pPr>
+            <a:r>
+              <a:rPr lang="en-US" altLang="ja-JP" sz="1600" kern="0">
+                <a:solidFill>
+                  <a:srgbClr val="CCCCCC"/>
+                </a:solidFill>
+                <a:effectLst/>
+                <a:latin typeface="Menlo" panose="020B0609030804020204" pitchFamily="49" charset="0"/>
+                <a:ea typeface="ＭＳ Ｐゴシック" panose="020B0600070205080204" pitchFamily="34" charset="-128"/>
+                <a:cs typeface="Times New Roman" panose="02020603050405020304" pitchFamily="18" charset="0"/>
+              </a:rPr>
+              <a:t>    </a:t>
+            </a:r>
+            <a:endParaRPr lang="ja-JP" altLang="ja-JP" sz="1600" kern="100">
+              <a:effectLst/>
+              <a:latin typeface="游明朝" panose="02020400000000000000" pitchFamily="18" charset="-128"/>
+              <a:ea typeface="游明朝" panose="02020400000000000000" pitchFamily="18" charset="-128"/>
+              <a:cs typeface="Times New Roman" panose="02020603050405020304" pitchFamily="18" charset="0"/>
+            </a:endParaRPr>
+          </a:p>
+          <a:p>
+            <a:pPr algn="l">
+              <a:lnSpc>
+                <a:spcPts val="1950"/>
+              </a:lnSpc>
+            </a:pPr>
+            <a:r>
+              <a:rPr lang="en-US" altLang="ja-JP" sz="1600" kern="0">
+                <a:solidFill>
+                  <a:srgbClr val="CCCCCC"/>
+                </a:solidFill>
+                <a:effectLst/>
+                <a:latin typeface="Menlo" panose="020B0609030804020204" pitchFamily="49" charset="0"/>
+                <a:ea typeface="ＭＳ Ｐゴシック" panose="020B0600070205080204" pitchFamily="34" charset="-128"/>
+                <a:cs typeface="Times New Roman" panose="02020603050405020304" pitchFamily="18" charset="0"/>
+              </a:rPr>
+              <a:t>    </a:t>
+            </a:r>
+            <a:r>
+              <a:rPr lang="en-US" altLang="ja-JP" sz="1600" kern="0">
+                <a:solidFill>
+                  <a:srgbClr val="C586C0"/>
+                </a:solidFill>
+                <a:effectLst/>
+                <a:latin typeface="Menlo" panose="020B0609030804020204" pitchFamily="49" charset="0"/>
+                <a:ea typeface="ＭＳ Ｐゴシック" panose="020B0600070205080204" pitchFamily="34" charset="-128"/>
+                <a:cs typeface="Times New Roman" panose="02020603050405020304" pitchFamily="18" charset="0"/>
+              </a:rPr>
+              <a:t>for</a:t>
+            </a:r>
+            <a:r>
+              <a:rPr lang="en-US" altLang="ja-JP" sz="1600" kern="0">
+                <a:solidFill>
+                  <a:srgbClr val="CCCCCC"/>
+                </a:solidFill>
+                <a:effectLst/>
+                <a:latin typeface="Menlo" panose="020B0609030804020204" pitchFamily="49" charset="0"/>
+                <a:ea typeface="ＭＳ Ｐゴシック" panose="020B0600070205080204" pitchFamily="34" charset="-128"/>
+                <a:cs typeface="Times New Roman" panose="02020603050405020304" pitchFamily="18" charset="0"/>
+              </a:rPr>
+              <a:t> </a:t>
+            </a:r>
+            <a:r>
+              <a:rPr lang="en-US" altLang="ja-JP" sz="1600" kern="0">
+                <a:solidFill>
+                  <a:srgbClr val="9CDCFE"/>
+                </a:solidFill>
+                <a:effectLst/>
+                <a:latin typeface="Menlo" panose="020B0609030804020204" pitchFamily="49" charset="0"/>
+                <a:ea typeface="ＭＳ Ｐゴシック" panose="020B0600070205080204" pitchFamily="34" charset="-128"/>
+                <a:cs typeface="Times New Roman" panose="02020603050405020304" pitchFamily="18" charset="0"/>
+              </a:rPr>
+              <a:t>i</a:t>
+            </a:r>
+            <a:r>
+              <a:rPr lang="en-US" altLang="ja-JP" sz="1600" kern="0">
+                <a:solidFill>
+                  <a:srgbClr val="CCCCCC"/>
+                </a:solidFill>
+                <a:effectLst/>
+                <a:latin typeface="Menlo" panose="020B0609030804020204" pitchFamily="49" charset="0"/>
+                <a:ea typeface="ＭＳ Ｐゴシック" panose="020B0600070205080204" pitchFamily="34" charset="-128"/>
+                <a:cs typeface="Times New Roman" panose="02020603050405020304" pitchFamily="18" charset="0"/>
+              </a:rPr>
+              <a:t> </a:t>
+            </a:r>
+            <a:r>
+              <a:rPr lang="en-US" altLang="ja-JP" sz="1600" kern="0">
+                <a:solidFill>
+                  <a:srgbClr val="C586C0"/>
+                </a:solidFill>
+                <a:effectLst/>
+                <a:latin typeface="Menlo" panose="020B0609030804020204" pitchFamily="49" charset="0"/>
+                <a:ea typeface="ＭＳ Ｐゴシック" panose="020B0600070205080204" pitchFamily="34" charset="-128"/>
+                <a:cs typeface="Times New Roman" panose="02020603050405020304" pitchFamily="18" charset="0"/>
+              </a:rPr>
+              <a:t>in</a:t>
+            </a:r>
+            <a:r>
+              <a:rPr lang="en-US" altLang="ja-JP" sz="1600" kern="0">
+                <a:solidFill>
+                  <a:srgbClr val="CCCCCC"/>
+                </a:solidFill>
+                <a:effectLst/>
+                <a:latin typeface="Menlo" panose="020B0609030804020204" pitchFamily="49" charset="0"/>
+                <a:ea typeface="ＭＳ Ｐゴシック" panose="020B0600070205080204" pitchFamily="34" charset="-128"/>
+                <a:cs typeface="Times New Roman" panose="02020603050405020304" pitchFamily="18" charset="0"/>
+              </a:rPr>
+              <a:t> </a:t>
+            </a:r>
+            <a:r>
+              <a:rPr lang="en-US" altLang="ja-JP" sz="1600" kern="0">
+                <a:solidFill>
+                  <a:srgbClr val="4EC9B0"/>
+                </a:solidFill>
+                <a:effectLst/>
+                <a:latin typeface="Menlo" panose="020B0609030804020204" pitchFamily="49" charset="0"/>
+                <a:ea typeface="ＭＳ Ｐゴシック" panose="020B0600070205080204" pitchFamily="34" charset="-128"/>
+                <a:cs typeface="Times New Roman" panose="02020603050405020304" pitchFamily="18" charset="0"/>
+              </a:rPr>
+              <a:t>range</a:t>
+            </a:r>
+            <a:r>
+              <a:rPr lang="en-US" altLang="ja-JP" sz="1600" kern="0">
+                <a:solidFill>
+                  <a:srgbClr val="CCCCCC"/>
+                </a:solidFill>
+                <a:effectLst/>
+                <a:latin typeface="Menlo" panose="020B0609030804020204" pitchFamily="49" charset="0"/>
+                <a:ea typeface="ＭＳ Ｐゴシック" panose="020B0600070205080204" pitchFamily="34" charset="-128"/>
+                <a:cs typeface="Times New Roman" panose="02020603050405020304" pitchFamily="18" charset="0"/>
+              </a:rPr>
+              <a:t>(</a:t>
+            </a:r>
+            <a:r>
+              <a:rPr lang="en-US" altLang="ja-JP" sz="1600" kern="0">
+                <a:solidFill>
+                  <a:srgbClr val="DCDCAA"/>
+                </a:solidFill>
+                <a:effectLst/>
+                <a:latin typeface="Menlo" panose="020B0609030804020204" pitchFamily="49" charset="0"/>
+                <a:ea typeface="ＭＳ Ｐゴシック" panose="020B0600070205080204" pitchFamily="34" charset="-128"/>
+                <a:cs typeface="Times New Roman" panose="02020603050405020304" pitchFamily="18" charset="0"/>
+              </a:rPr>
+              <a:t>len</a:t>
+            </a:r>
+            <a:r>
+              <a:rPr lang="en-US" altLang="ja-JP" sz="1600" kern="0">
+                <a:solidFill>
+                  <a:srgbClr val="CCCCCC"/>
+                </a:solidFill>
+                <a:effectLst/>
+                <a:latin typeface="Menlo" panose="020B0609030804020204" pitchFamily="49" charset="0"/>
+                <a:ea typeface="ＭＳ Ｐゴシック" panose="020B0600070205080204" pitchFamily="34" charset="-128"/>
+                <a:cs typeface="Times New Roman" panose="02020603050405020304" pitchFamily="18" charset="0"/>
+              </a:rPr>
+              <a:t>(</a:t>
+            </a:r>
+            <a:r>
+              <a:rPr lang="en-US" altLang="ja-JP" sz="1600" kern="0">
+                <a:solidFill>
+                  <a:srgbClr val="9CDCFE"/>
+                </a:solidFill>
+                <a:effectLst/>
+                <a:latin typeface="Menlo" panose="020B0609030804020204" pitchFamily="49" charset="0"/>
+                <a:ea typeface="ＭＳ Ｐゴシック" panose="020B0600070205080204" pitchFamily="34" charset="-128"/>
+                <a:cs typeface="Times New Roman" panose="02020603050405020304" pitchFamily="18" charset="0"/>
+              </a:rPr>
+              <a:t>a</a:t>
+            </a:r>
+            <a:r>
+              <a:rPr lang="en-US" altLang="ja-JP" sz="1600" kern="0">
+                <a:solidFill>
+                  <a:srgbClr val="CCCCCC"/>
+                </a:solidFill>
+                <a:effectLst/>
+                <a:latin typeface="Menlo" panose="020B0609030804020204" pitchFamily="49" charset="0"/>
+                <a:ea typeface="ＭＳ Ｐゴシック" panose="020B0600070205080204" pitchFamily="34" charset="-128"/>
+                <a:cs typeface="Times New Roman" panose="02020603050405020304" pitchFamily="18" charset="0"/>
+              </a:rPr>
+              <a:t>)):</a:t>
+            </a:r>
+            <a:endParaRPr lang="ja-JP" altLang="ja-JP" sz="1600" kern="100">
+              <a:effectLst/>
+              <a:latin typeface="游明朝" panose="02020400000000000000" pitchFamily="18" charset="-128"/>
+              <a:ea typeface="游明朝" panose="02020400000000000000" pitchFamily="18" charset="-128"/>
+              <a:cs typeface="Times New Roman" panose="02020603050405020304" pitchFamily="18" charset="0"/>
+            </a:endParaRPr>
+          </a:p>
+          <a:p>
+            <a:pPr algn="l">
+              <a:lnSpc>
+                <a:spcPts val="1950"/>
+              </a:lnSpc>
+            </a:pPr>
+            <a:r>
+              <a:rPr lang="en-US" altLang="ja-JP" sz="1600" kern="0">
+                <a:solidFill>
+                  <a:srgbClr val="CCCCCC"/>
+                </a:solidFill>
+                <a:effectLst/>
+                <a:latin typeface="Menlo" panose="020B0609030804020204" pitchFamily="49" charset="0"/>
+                <a:ea typeface="ＭＳ Ｐゴシック" panose="020B0600070205080204" pitchFamily="34" charset="-128"/>
+                <a:cs typeface="Times New Roman" panose="02020603050405020304" pitchFamily="18" charset="0"/>
+              </a:rPr>
+              <a:t>        </a:t>
+            </a:r>
+            <a:r>
+              <a:rPr lang="en-US" altLang="ja-JP" sz="1600" kern="0">
+                <a:solidFill>
+                  <a:srgbClr val="9CDCFE"/>
+                </a:solidFill>
+                <a:effectLst/>
+                <a:latin typeface="Menlo" panose="020B0609030804020204" pitchFamily="49" charset="0"/>
+                <a:ea typeface="ＭＳ Ｐゴシック" panose="020B0600070205080204" pitchFamily="34" charset="-128"/>
+                <a:cs typeface="Times New Roman" panose="02020603050405020304" pitchFamily="18" charset="0"/>
+              </a:rPr>
+              <a:t>a</a:t>
+            </a:r>
+            <a:r>
+              <a:rPr lang="en-US" altLang="ja-JP" sz="1600" kern="0">
+                <a:solidFill>
+                  <a:srgbClr val="CCCCCC"/>
+                </a:solidFill>
+                <a:effectLst/>
+                <a:latin typeface="Menlo" panose="020B0609030804020204" pitchFamily="49" charset="0"/>
+                <a:ea typeface="ＭＳ Ｐゴシック" panose="020B0600070205080204" pitchFamily="34" charset="-128"/>
+                <a:cs typeface="Times New Roman" panose="02020603050405020304" pitchFamily="18" charset="0"/>
+              </a:rPr>
+              <a:t>[</a:t>
+            </a:r>
+            <a:r>
+              <a:rPr lang="en-US" altLang="ja-JP" sz="1600" kern="0">
+                <a:solidFill>
+                  <a:srgbClr val="9CDCFE"/>
+                </a:solidFill>
+                <a:effectLst/>
+                <a:latin typeface="Menlo" panose="020B0609030804020204" pitchFamily="49" charset="0"/>
+                <a:ea typeface="ＭＳ Ｐゴシック" panose="020B0600070205080204" pitchFamily="34" charset="-128"/>
+                <a:cs typeface="Times New Roman" panose="02020603050405020304" pitchFamily="18" charset="0"/>
+              </a:rPr>
+              <a:t>i</a:t>
+            </a:r>
+            <a:r>
+              <a:rPr lang="en-US" altLang="ja-JP" sz="1600" kern="0">
+                <a:solidFill>
+                  <a:srgbClr val="CCCCCC"/>
+                </a:solidFill>
+                <a:effectLst/>
+                <a:latin typeface="Menlo" panose="020B0609030804020204" pitchFamily="49" charset="0"/>
+                <a:ea typeface="ＭＳ Ｐゴシック" panose="020B0600070205080204" pitchFamily="34" charset="-128"/>
+                <a:cs typeface="Times New Roman" panose="02020603050405020304" pitchFamily="18" charset="0"/>
+              </a:rPr>
+              <a:t>]</a:t>
+            </a:r>
+            <a:r>
+              <a:rPr lang="en-US" altLang="ja-JP" sz="1600" kern="0">
+                <a:solidFill>
+                  <a:srgbClr val="D4D4D4"/>
+                </a:solidFill>
+                <a:effectLst/>
+                <a:latin typeface="Menlo" panose="020B0609030804020204" pitchFamily="49" charset="0"/>
+                <a:ea typeface="ＭＳ Ｐゴシック" panose="020B0600070205080204" pitchFamily="34" charset="-128"/>
+                <a:cs typeface="Times New Roman" panose="02020603050405020304" pitchFamily="18" charset="0"/>
+              </a:rPr>
+              <a:t>/=</a:t>
+            </a:r>
+            <a:r>
+              <a:rPr lang="en-US" altLang="ja-JP" sz="1600" kern="0">
+                <a:solidFill>
+                  <a:srgbClr val="CCCCCC"/>
+                </a:solidFill>
+                <a:effectLst/>
+                <a:latin typeface="Menlo" panose="020B0609030804020204" pitchFamily="49" charset="0"/>
+                <a:ea typeface="ＭＳ Ｐゴシック" panose="020B0600070205080204" pitchFamily="34" charset="-128"/>
+                <a:cs typeface="Times New Roman" panose="02020603050405020304" pitchFamily="18" charset="0"/>
+              </a:rPr>
+              <a:t> </a:t>
+            </a:r>
+            <a:r>
+              <a:rPr lang="en-US" altLang="ja-JP" sz="1600" kern="0">
+                <a:solidFill>
+                  <a:srgbClr val="B5CEA8"/>
+                </a:solidFill>
+                <a:effectLst/>
+                <a:latin typeface="Menlo" panose="020B0609030804020204" pitchFamily="49" charset="0"/>
+                <a:ea typeface="ＭＳ Ｐゴシック" panose="020B0600070205080204" pitchFamily="34" charset="-128"/>
+                <a:cs typeface="Times New Roman" panose="02020603050405020304" pitchFamily="18" charset="0"/>
+              </a:rPr>
+              <a:t>2</a:t>
+            </a:r>
+            <a:endParaRPr lang="ja-JP" altLang="ja-JP" sz="1600" kern="100">
+              <a:effectLst/>
+              <a:latin typeface="游明朝" panose="02020400000000000000" pitchFamily="18" charset="-128"/>
+              <a:ea typeface="游明朝" panose="02020400000000000000" pitchFamily="18" charset="-128"/>
+              <a:cs typeface="Times New Roman" panose="02020603050405020304" pitchFamily="18" charset="0"/>
+            </a:endParaRPr>
+          </a:p>
+          <a:p>
+            <a:pPr algn="l">
+              <a:lnSpc>
+                <a:spcPts val="1950"/>
+              </a:lnSpc>
+            </a:pPr>
+            <a:r>
+              <a:rPr lang="en-US" altLang="ja-JP" sz="1600" kern="0">
+                <a:solidFill>
+                  <a:srgbClr val="CCCCCC"/>
+                </a:solidFill>
+                <a:effectLst/>
+                <a:latin typeface="Menlo" panose="020B0609030804020204" pitchFamily="49" charset="0"/>
+                <a:ea typeface="ＭＳ Ｐゴシック" panose="020B0600070205080204" pitchFamily="34" charset="-128"/>
+                <a:cs typeface="Times New Roman" panose="02020603050405020304" pitchFamily="18" charset="0"/>
+              </a:rPr>
+              <a:t> </a:t>
+            </a:r>
+            <a:endParaRPr lang="ja-JP" altLang="ja-JP" sz="1600" kern="100">
+              <a:effectLst/>
+              <a:latin typeface="游明朝" panose="02020400000000000000" pitchFamily="18" charset="-128"/>
+              <a:ea typeface="游明朝" panose="02020400000000000000" pitchFamily="18" charset="-128"/>
+              <a:cs typeface="Times New Roman" panose="02020603050405020304" pitchFamily="18" charset="0"/>
+            </a:endParaRPr>
+          </a:p>
+          <a:p>
+            <a:pPr algn="l">
+              <a:lnSpc>
+                <a:spcPts val="1950"/>
+              </a:lnSpc>
+            </a:pPr>
+            <a:r>
+              <a:rPr lang="en-US" altLang="ja-JP" sz="1600" kern="0">
+                <a:solidFill>
+                  <a:srgbClr val="CCCCCC"/>
+                </a:solidFill>
+                <a:effectLst/>
+                <a:latin typeface="Menlo" panose="020B0609030804020204" pitchFamily="49" charset="0"/>
+                <a:ea typeface="ＭＳ Ｐゴシック" panose="020B0600070205080204" pitchFamily="34" charset="-128"/>
+                <a:cs typeface="Times New Roman" panose="02020603050405020304" pitchFamily="18" charset="0"/>
+              </a:rPr>
+              <a:t>    </a:t>
+            </a:r>
+            <a:r>
+              <a:rPr lang="en-US" altLang="ja-JP" sz="1600" kern="0">
+                <a:solidFill>
+                  <a:srgbClr val="9CDCFE"/>
+                </a:solidFill>
+                <a:effectLst/>
+                <a:latin typeface="Menlo" panose="020B0609030804020204" pitchFamily="49" charset="0"/>
+                <a:ea typeface="ＭＳ Ｐゴシック" panose="020B0600070205080204" pitchFamily="34" charset="-128"/>
+                <a:cs typeface="Times New Roman" panose="02020603050405020304" pitchFamily="18" charset="0"/>
+              </a:rPr>
+              <a:t>cnt</a:t>
+            </a:r>
+            <a:r>
+              <a:rPr lang="en-US" altLang="ja-JP" sz="1600" kern="0">
+                <a:solidFill>
+                  <a:srgbClr val="D4D4D4"/>
+                </a:solidFill>
+                <a:effectLst/>
+                <a:latin typeface="Menlo" panose="020B0609030804020204" pitchFamily="49" charset="0"/>
+                <a:ea typeface="ＭＳ Ｐゴシック" panose="020B0600070205080204" pitchFamily="34" charset="-128"/>
+                <a:cs typeface="Times New Roman" panose="02020603050405020304" pitchFamily="18" charset="0"/>
+              </a:rPr>
+              <a:t>+=</a:t>
+            </a:r>
+            <a:r>
+              <a:rPr lang="en-US" altLang="ja-JP" sz="1600" kern="0">
+                <a:solidFill>
+                  <a:srgbClr val="CCCCCC"/>
+                </a:solidFill>
+                <a:effectLst/>
+                <a:latin typeface="Menlo" panose="020B0609030804020204" pitchFamily="49" charset="0"/>
+                <a:ea typeface="ＭＳ Ｐゴシック" panose="020B0600070205080204" pitchFamily="34" charset="-128"/>
+                <a:cs typeface="Times New Roman" panose="02020603050405020304" pitchFamily="18" charset="0"/>
+              </a:rPr>
+              <a:t> </a:t>
+            </a:r>
+            <a:r>
+              <a:rPr lang="en-US" altLang="ja-JP" sz="1600" kern="0">
+                <a:solidFill>
+                  <a:srgbClr val="B5CEA8"/>
+                </a:solidFill>
+                <a:effectLst/>
+                <a:latin typeface="Menlo" panose="020B0609030804020204" pitchFamily="49" charset="0"/>
+                <a:ea typeface="ＭＳ Ｐゴシック" panose="020B0600070205080204" pitchFamily="34" charset="-128"/>
+                <a:cs typeface="Times New Roman" panose="02020603050405020304" pitchFamily="18" charset="0"/>
+              </a:rPr>
+              <a:t>1</a:t>
+            </a:r>
+            <a:endParaRPr lang="ja-JP" altLang="ja-JP" sz="1600" kern="100">
+              <a:effectLst/>
+              <a:latin typeface="游明朝" panose="02020400000000000000" pitchFamily="18" charset="-128"/>
+              <a:ea typeface="游明朝" panose="02020400000000000000" pitchFamily="18" charset="-128"/>
+              <a:cs typeface="Times New Roman" panose="02020603050405020304" pitchFamily="18" charset="0"/>
+            </a:endParaRPr>
+          </a:p>
+          <a:p>
+            <a:pPr algn="l">
+              <a:lnSpc>
+                <a:spcPts val="1950"/>
+              </a:lnSpc>
+            </a:pPr>
+            <a:r>
+              <a:rPr lang="en-US" altLang="ja-JP" sz="1600" kern="0">
+                <a:solidFill>
+                  <a:srgbClr val="CCCCCC"/>
+                </a:solidFill>
+                <a:effectLst/>
+                <a:latin typeface="Menlo" panose="020B0609030804020204" pitchFamily="49" charset="0"/>
+                <a:ea typeface="ＭＳ Ｐゴシック" panose="020B0600070205080204" pitchFamily="34" charset="-128"/>
+                <a:cs typeface="Times New Roman" panose="02020603050405020304" pitchFamily="18" charset="0"/>
+              </a:rPr>
+              <a:t> </a:t>
+            </a:r>
+            <a:endParaRPr lang="ja-JP" altLang="ja-JP" sz="1600" kern="100">
+              <a:effectLst/>
+              <a:latin typeface="游明朝" panose="02020400000000000000" pitchFamily="18" charset="-128"/>
+              <a:ea typeface="游明朝" panose="02020400000000000000" pitchFamily="18" charset="-128"/>
+              <a:cs typeface="Times New Roman" panose="02020603050405020304" pitchFamily="18" charset="0"/>
+            </a:endParaRPr>
+          </a:p>
+          <a:p>
+            <a:pPr algn="l">
+              <a:lnSpc>
+                <a:spcPts val="1950"/>
+              </a:lnSpc>
+            </a:pPr>
+            <a:r>
+              <a:rPr lang="en-US" altLang="ja-JP" sz="1600" kern="0">
+                <a:solidFill>
+                  <a:srgbClr val="DCDCAA"/>
+                </a:solidFill>
+                <a:effectLst/>
+                <a:latin typeface="Menlo" panose="020B0609030804020204" pitchFamily="49" charset="0"/>
+                <a:ea typeface="ＭＳ Ｐゴシック" panose="020B0600070205080204" pitchFamily="34" charset="-128"/>
+                <a:cs typeface="Times New Roman" panose="02020603050405020304" pitchFamily="18" charset="0"/>
+              </a:rPr>
+              <a:t>print</a:t>
+            </a:r>
+            <a:r>
+              <a:rPr lang="en-US" altLang="ja-JP" sz="1600" kern="0">
+                <a:solidFill>
+                  <a:srgbClr val="CCCCCC"/>
+                </a:solidFill>
+                <a:effectLst/>
+                <a:latin typeface="Menlo" panose="020B0609030804020204" pitchFamily="49" charset="0"/>
+                <a:ea typeface="ＭＳ Ｐゴシック" panose="020B0600070205080204" pitchFamily="34" charset="-128"/>
+                <a:cs typeface="Times New Roman" panose="02020603050405020304" pitchFamily="18" charset="0"/>
+              </a:rPr>
+              <a:t>(</a:t>
+            </a:r>
+            <a:r>
+              <a:rPr lang="en-US" altLang="ja-JP" sz="1600" kern="0">
+                <a:solidFill>
+                  <a:srgbClr val="9CDCFE"/>
+                </a:solidFill>
+                <a:effectLst/>
+                <a:latin typeface="Menlo" panose="020B0609030804020204" pitchFamily="49" charset="0"/>
+                <a:ea typeface="ＭＳ Ｐゴシック" panose="020B0600070205080204" pitchFamily="34" charset="-128"/>
+                <a:cs typeface="Times New Roman" panose="02020603050405020304" pitchFamily="18" charset="0"/>
+              </a:rPr>
+              <a:t>cnt</a:t>
+            </a:r>
+            <a:r>
+              <a:rPr lang="en-US" altLang="ja-JP" sz="1600" kern="0">
+                <a:solidFill>
+                  <a:srgbClr val="CCCCCC"/>
+                </a:solidFill>
+                <a:effectLst/>
+                <a:latin typeface="Menlo" panose="020B0609030804020204" pitchFamily="49" charset="0"/>
+                <a:ea typeface="ＭＳ Ｐゴシック" panose="020B0600070205080204" pitchFamily="34" charset="-128"/>
+                <a:cs typeface="Times New Roman" panose="02020603050405020304" pitchFamily="18" charset="0"/>
+              </a:rPr>
+              <a:t>)</a:t>
+            </a:r>
+            <a:endParaRPr lang="ja-JP" altLang="ja-JP" sz="1600" kern="100">
+              <a:effectLst/>
+              <a:latin typeface="游明朝" panose="02020400000000000000" pitchFamily="18" charset="-128"/>
+              <a:ea typeface="游明朝" panose="02020400000000000000" pitchFamily="18" charset="-128"/>
+              <a:cs typeface="Times New Roman" panose="02020603050405020304" pitchFamily="18" charset="0"/>
+            </a:endParaRPr>
+          </a:p>
+        </p:txBody>
+      </p:sp>
+      <p:sp>
+        <p:nvSpPr>
+          <p:cNvPr id="13" name="テキスト ボックス 12">
+            <a:extLst>
+              <a:ext uri="{FF2B5EF4-FFF2-40B4-BE49-F238E27FC236}">
+                <a16:creationId xmlns:a16="http://schemas.microsoft.com/office/drawing/2014/main" id="{C0463C9B-4403-6308-0EF2-29C59C866602}"/>
+              </a:ext>
+            </a:extLst>
+          </p:cNvPr>
+          <p:cNvSpPr txBox="1"/>
+          <p:nvPr/>
+        </p:nvSpPr>
+        <p:spPr>
+          <a:xfrm>
+            <a:off x="2201830" y="1342872"/>
+            <a:ext cx="914033" cy="369332"/>
+          </a:xfrm>
+          <a:prstGeom prst="rect">
+            <a:avLst/>
+          </a:prstGeom>
+          <a:noFill/>
+        </p:spPr>
+        <p:txBody>
+          <a:bodyPr wrap="none" rtlCol="0">
+            <a:spAutoFit/>
+          </a:bodyPr>
+          <a:lstStyle/>
+          <a:p>
+            <a:r>
+              <a:rPr kumimoji="1" lang="en-US" altLang="ja-JP"/>
+              <a:t>python</a:t>
+            </a:r>
+            <a:endParaRPr kumimoji="1" lang="ja-JP" altLang="en-US"/>
+          </a:p>
+        </p:txBody>
+      </p:sp>
+      <p:sp>
+        <p:nvSpPr>
+          <p:cNvPr id="14" name="テキスト ボックス 13">
+            <a:extLst>
+              <a:ext uri="{FF2B5EF4-FFF2-40B4-BE49-F238E27FC236}">
+                <a16:creationId xmlns:a16="http://schemas.microsoft.com/office/drawing/2014/main" id="{2CC91E9C-936D-9443-A977-8E1BD3808A32}"/>
+              </a:ext>
+            </a:extLst>
+          </p:cNvPr>
+          <p:cNvSpPr txBox="1"/>
+          <p:nvPr/>
+        </p:nvSpPr>
+        <p:spPr>
+          <a:xfrm>
+            <a:off x="9940288" y="2519650"/>
+            <a:ext cx="946093" cy="369332"/>
+          </a:xfrm>
+          <a:prstGeom prst="rect">
+            <a:avLst/>
+          </a:prstGeom>
+          <a:noFill/>
+        </p:spPr>
+        <p:txBody>
+          <a:bodyPr wrap="none" rtlCol="0">
+            <a:spAutoFit/>
+          </a:bodyPr>
+          <a:lstStyle/>
+          <a:p>
+            <a:r>
+              <a:rPr kumimoji="1" lang="en-US" altLang="ja-JP"/>
+              <a:t>cnt = 0</a:t>
+            </a:r>
+            <a:endParaRPr kumimoji="1" lang="ja-JP" altLang="en-US"/>
+          </a:p>
+        </p:txBody>
+      </p:sp>
+      <p:sp>
+        <p:nvSpPr>
+          <p:cNvPr id="15" name="テキスト ボックス 14">
+            <a:extLst>
+              <a:ext uri="{FF2B5EF4-FFF2-40B4-BE49-F238E27FC236}">
+                <a16:creationId xmlns:a16="http://schemas.microsoft.com/office/drawing/2014/main" id="{9FA844C4-A316-654A-3F06-4B0F78B1A890}"/>
+              </a:ext>
+            </a:extLst>
+          </p:cNvPr>
+          <p:cNvSpPr txBox="1"/>
+          <p:nvPr/>
+        </p:nvSpPr>
+        <p:spPr>
+          <a:xfrm>
+            <a:off x="6710946" y="3158563"/>
+            <a:ext cx="1843774" cy="369332"/>
+          </a:xfrm>
+          <a:prstGeom prst="rect">
+            <a:avLst/>
+          </a:prstGeom>
+          <a:noFill/>
+        </p:spPr>
+        <p:txBody>
+          <a:bodyPr wrap="none" rtlCol="0">
+            <a:spAutoFit/>
+          </a:bodyPr>
+          <a:lstStyle/>
+          <a:p>
+            <a:r>
+              <a:rPr kumimoji="1" lang="en-US" altLang="ja-JP"/>
+              <a:t>all_even = True</a:t>
+            </a:r>
+            <a:endParaRPr kumimoji="1" lang="ja-JP" altLang="en-US"/>
+          </a:p>
+        </p:txBody>
+      </p:sp>
+      <p:sp>
+        <p:nvSpPr>
+          <p:cNvPr id="16" name="テキスト ボックス 15">
+            <a:extLst>
+              <a:ext uri="{FF2B5EF4-FFF2-40B4-BE49-F238E27FC236}">
+                <a16:creationId xmlns:a16="http://schemas.microsoft.com/office/drawing/2014/main" id="{BC58F111-130A-533A-A5C2-75D950D9484A}"/>
+              </a:ext>
+            </a:extLst>
+          </p:cNvPr>
+          <p:cNvSpPr txBox="1"/>
+          <p:nvPr/>
+        </p:nvSpPr>
+        <p:spPr>
+          <a:xfrm>
+            <a:off x="9940288" y="3969019"/>
+            <a:ext cx="946093" cy="369332"/>
+          </a:xfrm>
+          <a:prstGeom prst="rect">
+            <a:avLst/>
+          </a:prstGeom>
+          <a:noFill/>
+        </p:spPr>
+        <p:txBody>
+          <a:bodyPr wrap="none" rtlCol="0">
+            <a:spAutoFit/>
+          </a:bodyPr>
+          <a:lstStyle/>
+          <a:p>
+            <a:r>
+              <a:rPr kumimoji="1" lang="en-US" altLang="ja-JP"/>
+              <a:t>cnt = 1</a:t>
+            </a:r>
+            <a:endParaRPr kumimoji="1" lang="ja-JP" altLang="en-US"/>
+          </a:p>
+        </p:txBody>
+      </p:sp>
+      <p:sp>
+        <p:nvSpPr>
+          <p:cNvPr id="18" name="テキスト ボックス 17">
+            <a:extLst>
+              <a:ext uri="{FF2B5EF4-FFF2-40B4-BE49-F238E27FC236}">
+                <a16:creationId xmlns:a16="http://schemas.microsoft.com/office/drawing/2014/main" id="{12DF809D-B443-F0EA-1971-833B93C4E01C}"/>
+              </a:ext>
+            </a:extLst>
+          </p:cNvPr>
+          <p:cNvSpPr txBox="1"/>
+          <p:nvPr/>
+        </p:nvSpPr>
+        <p:spPr>
+          <a:xfrm>
+            <a:off x="6710946" y="4697265"/>
+            <a:ext cx="1843774" cy="369332"/>
+          </a:xfrm>
+          <a:prstGeom prst="rect">
+            <a:avLst/>
+          </a:prstGeom>
+          <a:noFill/>
+        </p:spPr>
+        <p:txBody>
+          <a:bodyPr wrap="none" rtlCol="0">
+            <a:spAutoFit/>
+          </a:bodyPr>
+          <a:lstStyle/>
+          <a:p>
+            <a:r>
+              <a:rPr kumimoji="1" lang="en-US" altLang="ja-JP"/>
+              <a:t>all_even = True</a:t>
+            </a:r>
+            <a:endParaRPr kumimoji="1" lang="ja-JP" altLang="en-US"/>
+          </a:p>
+        </p:txBody>
+      </p:sp>
+      <p:sp>
+        <p:nvSpPr>
+          <p:cNvPr id="19" name="テキスト ボックス 18">
+            <a:extLst>
+              <a:ext uri="{FF2B5EF4-FFF2-40B4-BE49-F238E27FC236}">
+                <a16:creationId xmlns:a16="http://schemas.microsoft.com/office/drawing/2014/main" id="{24C03B12-2DB2-A09E-72CA-A2E8DA939736}"/>
+              </a:ext>
+            </a:extLst>
+          </p:cNvPr>
+          <p:cNvSpPr txBox="1"/>
+          <p:nvPr/>
+        </p:nvSpPr>
+        <p:spPr>
+          <a:xfrm>
+            <a:off x="6548386" y="6231430"/>
+            <a:ext cx="1927131" cy="369332"/>
+          </a:xfrm>
+          <a:prstGeom prst="rect">
+            <a:avLst/>
+          </a:prstGeom>
+          <a:noFill/>
+        </p:spPr>
+        <p:txBody>
+          <a:bodyPr wrap="none" rtlCol="0">
+            <a:spAutoFit/>
+          </a:bodyPr>
+          <a:lstStyle/>
+          <a:p>
+            <a:r>
+              <a:rPr kumimoji="1" lang="en-US" altLang="ja-JP"/>
+              <a:t>all_even = False</a:t>
+            </a:r>
+            <a:endParaRPr kumimoji="1" lang="ja-JP" altLang="en-US"/>
+          </a:p>
+        </p:txBody>
+      </p:sp>
+      <p:sp>
+        <p:nvSpPr>
+          <p:cNvPr id="20" name="テキスト ボックス 19">
+            <a:extLst>
+              <a:ext uri="{FF2B5EF4-FFF2-40B4-BE49-F238E27FC236}">
+                <a16:creationId xmlns:a16="http://schemas.microsoft.com/office/drawing/2014/main" id="{74E12112-A538-EED9-2257-0D9B06896F3A}"/>
+              </a:ext>
+            </a:extLst>
+          </p:cNvPr>
+          <p:cNvSpPr txBox="1"/>
+          <p:nvPr/>
+        </p:nvSpPr>
+        <p:spPr>
+          <a:xfrm>
+            <a:off x="9940288" y="5484210"/>
+            <a:ext cx="946093" cy="369332"/>
+          </a:xfrm>
+          <a:prstGeom prst="rect">
+            <a:avLst/>
+          </a:prstGeom>
+          <a:noFill/>
+        </p:spPr>
+        <p:txBody>
+          <a:bodyPr wrap="none" rtlCol="0">
+            <a:spAutoFit/>
+          </a:bodyPr>
+          <a:lstStyle/>
+          <a:p>
+            <a:r>
+              <a:rPr kumimoji="1" lang="en-US" altLang="ja-JP"/>
+              <a:t>cnt = 2</a:t>
+            </a:r>
+            <a:endParaRPr kumimoji="1" lang="ja-JP" altLang="en-US"/>
+          </a:p>
+        </p:txBody>
+      </p:sp>
+      <p:sp>
+        <p:nvSpPr>
+          <p:cNvPr id="21" name="テキスト ボックス 20">
+            <a:extLst>
+              <a:ext uri="{FF2B5EF4-FFF2-40B4-BE49-F238E27FC236}">
+                <a16:creationId xmlns:a16="http://schemas.microsoft.com/office/drawing/2014/main" id="{3E448D12-01EF-B47E-BC0B-0AFFFCCFBC11}"/>
+              </a:ext>
+            </a:extLst>
+          </p:cNvPr>
+          <p:cNvSpPr txBox="1"/>
+          <p:nvPr/>
+        </p:nvSpPr>
+        <p:spPr>
+          <a:xfrm>
+            <a:off x="8706519" y="3188739"/>
+            <a:ext cx="1047082" cy="369332"/>
+          </a:xfrm>
+          <a:prstGeom prst="rect">
+            <a:avLst/>
+          </a:prstGeom>
+          <a:noFill/>
+        </p:spPr>
+        <p:txBody>
+          <a:bodyPr wrap="none" rtlCol="0">
+            <a:spAutoFit/>
+          </a:bodyPr>
+          <a:lstStyle/>
+          <a:p>
+            <a:r>
+              <a:rPr kumimoji="1" lang="en-US" altLang="ja-JP"/>
+              <a:t>cnt +=1</a:t>
+            </a:r>
+            <a:endParaRPr kumimoji="1" lang="ja-JP" altLang="en-US"/>
+          </a:p>
+        </p:txBody>
+      </p:sp>
+      <p:sp>
+        <p:nvSpPr>
+          <p:cNvPr id="22" name="テキスト ボックス 21">
+            <a:extLst>
+              <a:ext uri="{FF2B5EF4-FFF2-40B4-BE49-F238E27FC236}">
+                <a16:creationId xmlns:a16="http://schemas.microsoft.com/office/drawing/2014/main" id="{9E46462D-F531-969D-50D1-B61DEC906DDC}"/>
+              </a:ext>
+            </a:extLst>
+          </p:cNvPr>
+          <p:cNvSpPr txBox="1"/>
+          <p:nvPr/>
+        </p:nvSpPr>
+        <p:spPr>
+          <a:xfrm>
+            <a:off x="8706519" y="4712359"/>
+            <a:ext cx="1047082" cy="369332"/>
+          </a:xfrm>
+          <a:prstGeom prst="rect">
+            <a:avLst/>
+          </a:prstGeom>
+          <a:noFill/>
+        </p:spPr>
+        <p:txBody>
+          <a:bodyPr wrap="none" rtlCol="0">
+            <a:spAutoFit/>
+          </a:bodyPr>
+          <a:lstStyle/>
+          <a:p>
+            <a:r>
+              <a:rPr kumimoji="1" lang="en-US" altLang="ja-JP"/>
+              <a:t>cnt +=1</a:t>
+            </a:r>
+            <a:endParaRPr kumimoji="1" lang="ja-JP" altLang="en-US"/>
+          </a:p>
+        </p:txBody>
+      </p:sp>
+      <p:sp>
+        <p:nvSpPr>
+          <p:cNvPr id="23" name="テキスト ボックス 22">
+            <a:extLst>
+              <a:ext uri="{FF2B5EF4-FFF2-40B4-BE49-F238E27FC236}">
+                <a16:creationId xmlns:a16="http://schemas.microsoft.com/office/drawing/2014/main" id="{DBD5CCC4-B48F-4D15-365B-D4C34E7D8CCF}"/>
+              </a:ext>
+            </a:extLst>
+          </p:cNvPr>
+          <p:cNvSpPr txBox="1"/>
+          <p:nvPr/>
+        </p:nvSpPr>
+        <p:spPr>
+          <a:xfrm>
+            <a:off x="8839568" y="6249196"/>
+            <a:ext cx="780983" cy="369332"/>
+          </a:xfrm>
+          <a:prstGeom prst="rect">
+            <a:avLst/>
+          </a:prstGeom>
+          <a:noFill/>
+        </p:spPr>
+        <p:txBody>
+          <a:bodyPr wrap="none" rtlCol="0">
+            <a:spAutoFit/>
+          </a:bodyPr>
+          <a:lstStyle/>
+          <a:p>
+            <a:r>
+              <a:rPr kumimoji="1" lang="en-US" altLang="ja-JP"/>
+              <a:t>break</a:t>
+            </a:r>
+            <a:endParaRPr kumimoji="1" lang="ja-JP" altLang="en-US"/>
           </a:p>
         </p:txBody>
       </p:sp>
@@ -5338,6 +8188,10 @@
           <a:bodyPr rtlCol="0" anchor="ctr"/>
           <a:lstStyle/>
           <a:p>
+            <a:r>
+              <a:rPr kumimoji="1" lang="en" altLang="ja-JP" sz="4000" b="1"/>
+              <a:t>ABC081B - Shift only</a:t>
+            </a:r>
             <a:endParaRPr kumimoji="1" lang="ja-JP" altLang="en-US" sz="4000" b="1"/>
           </a:p>
         </p:txBody>
@@ -5387,7 +8241,2808 @@
           <a:lstStyle/>
           <a:p>
             <a:pPr algn="ctr"/>
+            <a:r>
+              <a:rPr kumimoji="1" lang="en-US" altLang="ja-JP" sz="3200" b="1"/>
+              <a:t>4.2</a:t>
+            </a:r>
             <a:endParaRPr kumimoji="1" lang="ja-JP" altLang="en-US" sz="3200" b="1"/>
+          </a:p>
+        </p:txBody>
+      </p:sp>
+      <p:sp>
+        <p:nvSpPr>
+          <p:cNvPr id="6" name="テキスト ボックス 5">
+            <a:extLst>
+              <a:ext uri="{FF2B5EF4-FFF2-40B4-BE49-F238E27FC236}">
+                <a16:creationId xmlns:a16="http://schemas.microsoft.com/office/drawing/2014/main" id="{3DDE03A7-76F3-AFA3-20FD-938672A68A24}"/>
+              </a:ext>
+            </a:extLst>
+          </p:cNvPr>
+          <p:cNvSpPr txBox="1"/>
+          <p:nvPr/>
+        </p:nvSpPr>
+        <p:spPr>
+          <a:xfrm>
+            <a:off x="365760" y="1544320"/>
+            <a:ext cx="3950120" cy="2934137"/>
+          </a:xfrm>
+          <a:prstGeom prst="rect">
+            <a:avLst/>
+          </a:prstGeom>
+          <a:solidFill>
+            <a:schemeClr val="tx1"/>
+          </a:solidFill>
+        </p:spPr>
+        <p:txBody>
+          <a:bodyPr wrap="none" rtlCol="0">
+            <a:spAutoFit/>
+          </a:bodyPr>
+          <a:lstStyle/>
+          <a:p>
+            <a:pPr algn="l">
+              <a:lnSpc>
+                <a:spcPts val="1950"/>
+              </a:lnSpc>
+            </a:pPr>
+            <a:r>
+              <a:rPr lang="en-US" altLang="ja-JP" sz="1800" kern="0">
+                <a:solidFill>
+                  <a:srgbClr val="C586C0"/>
+                </a:solidFill>
+                <a:effectLst/>
+                <a:latin typeface="Menlo" panose="020B0609030804020204" pitchFamily="49" charset="0"/>
+                <a:ea typeface="ＭＳ Ｐゴシック" panose="020B0600070205080204" pitchFamily="34" charset="-128"/>
+                <a:cs typeface="Times New Roman" panose="02020603050405020304" pitchFamily="18" charset="0"/>
+              </a:rPr>
+              <a:t>#include</a:t>
+            </a:r>
+            <a:r>
+              <a:rPr lang="en-US" altLang="ja-JP" sz="1800" kern="0">
+                <a:solidFill>
+                  <a:srgbClr val="569CD6"/>
+                </a:solidFill>
+                <a:effectLst/>
+                <a:latin typeface="Menlo" panose="020B0609030804020204" pitchFamily="49" charset="0"/>
+                <a:ea typeface="ＭＳ Ｐゴシック" panose="020B0600070205080204" pitchFamily="34" charset="-128"/>
+                <a:cs typeface="Times New Roman" panose="02020603050405020304" pitchFamily="18" charset="0"/>
+              </a:rPr>
+              <a:t> </a:t>
+            </a:r>
+            <a:r>
+              <a:rPr lang="en-US" altLang="ja-JP" sz="1800" kern="0">
+                <a:solidFill>
+                  <a:srgbClr val="CE9178"/>
+                </a:solidFill>
+                <a:effectLst/>
+                <a:latin typeface="Menlo" panose="020B0609030804020204" pitchFamily="49" charset="0"/>
+                <a:ea typeface="ＭＳ Ｐゴシック" panose="020B0600070205080204" pitchFamily="34" charset="-128"/>
+                <a:cs typeface="Times New Roman" panose="02020603050405020304" pitchFamily="18" charset="0"/>
+              </a:rPr>
+              <a:t>&lt;iostream&gt;</a:t>
+            </a:r>
+            <a:endParaRPr lang="ja-JP" altLang="ja-JP" sz="1800" kern="100">
+              <a:effectLst/>
+              <a:latin typeface="游明朝" panose="02020400000000000000" pitchFamily="18" charset="-128"/>
+              <a:ea typeface="游明朝" panose="02020400000000000000" pitchFamily="18" charset="-128"/>
+              <a:cs typeface="Times New Roman" panose="02020603050405020304" pitchFamily="18" charset="0"/>
+            </a:endParaRPr>
+          </a:p>
+          <a:p>
+            <a:pPr algn="l">
+              <a:lnSpc>
+                <a:spcPts val="1950"/>
+              </a:lnSpc>
+            </a:pPr>
+            <a:r>
+              <a:rPr lang="en-US" altLang="ja-JP" sz="1800" kern="0">
+                <a:solidFill>
+                  <a:srgbClr val="C586C0"/>
+                </a:solidFill>
+                <a:effectLst/>
+                <a:latin typeface="Menlo" panose="020B0609030804020204" pitchFamily="49" charset="0"/>
+                <a:ea typeface="ＭＳ Ｐゴシック" panose="020B0600070205080204" pitchFamily="34" charset="-128"/>
+                <a:cs typeface="Times New Roman" panose="02020603050405020304" pitchFamily="18" charset="0"/>
+              </a:rPr>
+              <a:t>#include</a:t>
+            </a:r>
+            <a:r>
+              <a:rPr lang="en-US" altLang="ja-JP" sz="1800" kern="0">
+                <a:solidFill>
+                  <a:srgbClr val="569CD6"/>
+                </a:solidFill>
+                <a:effectLst/>
+                <a:latin typeface="Menlo" panose="020B0609030804020204" pitchFamily="49" charset="0"/>
+                <a:ea typeface="ＭＳ Ｐゴシック" panose="020B0600070205080204" pitchFamily="34" charset="-128"/>
+                <a:cs typeface="Times New Roman" panose="02020603050405020304" pitchFamily="18" charset="0"/>
+              </a:rPr>
+              <a:t> </a:t>
+            </a:r>
+            <a:r>
+              <a:rPr lang="en-US" altLang="ja-JP" sz="1800" kern="0">
+                <a:solidFill>
+                  <a:srgbClr val="CE9178"/>
+                </a:solidFill>
+                <a:effectLst/>
+                <a:latin typeface="Menlo" panose="020B0609030804020204" pitchFamily="49" charset="0"/>
+                <a:ea typeface="ＭＳ Ｐゴシック" panose="020B0600070205080204" pitchFamily="34" charset="-128"/>
+                <a:cs typeface="Times New Roman" panose="02020603050405020304" pitchFamily="18" charset="0"/>
+              </a:rPr>
+              <a:t>&lt;vector&gt;</a:t>
+            </a:r>
+            <a:endParaRPr lang="ja-JP" altLang="ja-JP" sz="1800" kern="100">
+              <a:effectLst/>
+              <a:latin typeface="游明朝" panose="02020400000000000000" pitchFamily="18" charset="-128"/>
+              <a:ea typeface="游明朝" panose="02020400000000000000" pitchFamily="18" charset="-128"/>
+              <a:cs typeface="Times New Roman" panose="02020603050405020304" pitchFamily="18" charset="0"/>
+            </a:endParaRPr>
+          </a:p>
+          <a:p>
+            <a:pPr algn="l">
+              <a:lnSpc>
+                <a:spcPts val="1950"/>
+              </a:lnSpc>
+            </a:pPr>
+            <a:r>
+              <a:rPr lang="en-US" altLang="ja-JP" sz="1800" kern="0">
+                <a:solidFill>
+                  <a:srgbClr val="C586C0"/>
+                </a:solidFill>
+                <a:effectLst/>
+                <a:latin typeface="Menlo" panose="020B0609030804020204" pitchFamily="49" charset="0"/>
+                <a:ea typeface="ＭＳ Ｐゴシック" panose="020B0600070205080204" pitchFamily="34" charset="-128"/>
+                <a:cs typeface="Times New Roman" panose="02020603050405020304" pitchFamily="18" charset="0"/>
+              </a:rPr>
+              <a:t>using</a:t>
+            </a:r>
+            <a:r>
+              <a:rPr lang="en-US" altLang="ja-JP" sz="1800" kern="0">
+                <a:solidFill>
+                  <a:srgbClr val="CCCCCC"/>
+                </a:solidFill>
+                <a:effectLst/>
+                <a:latin typeface="Menlo" panose="020B0609030804020204" pitchFamily="49" charset="0"/>
+                <a:ea typeface="ＭＳ Ｐゴシック" panose="020B0600070205080204" pitchFamily="34" charset="-128"/>
+                <a:cs typeface="Times New Roman" panose="02020603050405020304" pitchFamily="18" charset="0"/>
+              </a:rPr>
+              <a:t> </a:t>
+            </a:r>
+            <a:r>
+              <a:rPr lang="en-US" altLang="ja-JP" sz="1800" kern="0">
+                <a:solidFill>
+                  <a:srgbClr val="569CD6"/>
+                </a:solidFill>
+                <a:effectLst/>
+                <a:latin typeface="Menlo" panose="020B0609030804020204" pitchFamily="49" charset="0"/>
+                <a:ea typeface="ＭＳ Ｐゴシック" panose="020B0600070205080204" pitchFamily="34" charset="-128"/>
+                <a:cs typeface="Times New Roman" panose="02020603050405020304" pitchFamily="18" charset="0"/>
+              </a:rPr>
+              <a:t>namespace</a:t>
+            </a:r>
+            <a:r>
+              <a:rPr lang="en-US" altLang="ja-JP" sz="1800" kern="0">
+                <a:solidFill>
+                  <a:srgbClr val="CCCCCC"/>
+                </a:solidFill>
+                <a:effectLst/>
+                <a:latin typeface="Menlo" panose="020B0609030804020204" pitchFamily="49" charset="0"/>
+                <a:ea typeface="ＭＳ Ｐゴシック" panose="020B0600070205080204" pitchFamily="34" charset="-128"/>
+                <a:cs typeface="Times New Roman" panose="02020603050405020304" pitchFamily="18" charset="0"/>
+              </a:rPr>
+              <a:t> </a:t>
+            </a:r>
+            <a:r>
+              <a:rPr lang="en-US" altLang="ja-JP" sz="1800" kern="0">
+                <a:solidFill>
+                  <a:srgbClr val="4EC9B0"/>
+                </a:solidFill>
+                <a:effectLst/>
+                <a:latin typeface="Menlo" panose="020B0609030804020204" pitchFamily="49" charset="0"/>
+                <a:ea typeface="ＭＳ Ｐゴシック" panose="020B0600070205080204" pitchFamily="34" charset="-128"/>
+                <a:cs typeface="Times New Roman" panose="02020603050405020304" pitchFamily="18" charset="0"/>
+              </a:rPr>
+              <a:t>std</a:t>
+            </a:r>
+            <a:r>
+              <a:rPr lang="en-US" altLang="ja-JP" sz="1800" kern="0">
+                <a:solidFill>
+                  <a:srgbClr val="CCCCCC"/>
+                </a:solidFill>
+                <a:effectLst/>
+                <a:latin typeface="Menlo" panose="020B0609030804020204" pitchFamily="49" charset="0"/>
+                <a:ea typeface="ＭＳ Ｐゴシック" panose="020B0600070205080204" pitchFamily="34" charset="-128"/>
+                <a:cs typeface="Times New Roman" panose="02020603050405020304" pitchFamily="18" charset="0"/>
+              </a:rPr>
+              <a:t>;</a:t>
+            </a:r>
+            <a:endParaRPr lang="ja-JP" altLang="ja-JP" sz="1800" kern="100">
+              <a:effectLst/>
+              <a:latin typeface="游明朝" panose="02020400000000000000" pitchFamily="18" charset="-128"/>
+              <a:ea typeface="游明朝" panose="02020400000000000000" pitchFamily="18" charset="-128"/>
+              <a:cs typeface="Times New Roman" panose="02020603050405020304" pitchFamily="18" charset="0"/>
+            </a:endParaRPr>
+          </a:p>
+          <a:p>
+            <a:pPr algn="l">
+              <a:lnSpc>
+                <a:spcPts val="1950"/>
+              </a:lnSpc>
+            </a:pPr>
+            <a:r>
+              <a:rPr lang="en-US" altLang="ja-JP" sz="1800" kern="0">
+                <a:solidFill>
+                  <a:srgbClr val="569CD6"/>
+                </a:solidFill>
+                <a:effectLst/>
+                <a:latin typeface="Menlo" panose="020B0609030804020204" pitchFamily="49" charset="0"/>
+                <a:ea typeface="ＭＳ Ｐゴシック" panose="020B0600070205080204" pitchFamily="34" charset="-128"/>
+                <a:cs typeface="Times New Roman" panose="02020603050405020304" pitchFamily="18" charset="0"/>
+              </a:rPr>
+              <a:t>int</a:t>
+            </a:r>
+            <a:r>
+              <a:rPr lang="en-US" altLang="ja-JP" sz="1800" kern="0">
+                <a:solidFill>
+                  <a:srgbClr val="CCCCCC"/>
+                </a:solidFill>
+                <a:effectLst/>
+                <a:latin typeface="Menlo" panose="020B0609030804020204" pitchFamily="49" charset="0"/>
+                <a:ea typeface="ＭＳ Ｐゴシック" panose="020B0600070205080204" pitchFamily="34" charset="-128"/>
+                <a:cs typeface="Times New Roman" panose="02020603050405020304" pitchFamily="18" charset="0"/>
+              </a:rPr>
+              <a:t> </a:t>
+            </a:r>
+            <a:r>
+              <a:rPr lang="en-US" altLang="ja-JP" sz="1800" kern="0">
+                <a:solidFill>
+                  <a:srgbClr val="DCDCAA"/>
+                </a:solidFill>
+                <a:effectLst/>
+                <a:latin typeface="Menlo" panose="020B0609030804020204" pitchFamily="49" charset="0"/>
+                <a:ea typeface="ＭＳ Ｐゴシック" panose="020B0600070205080204" pitchFamily="34" charset="-128"/>
+                <a:cs typeface="Times New Roman" panose="02020603050405020304" pitchFamily="18" charset="0"/>
+              </a:rPr>
+              <a:t>main</a:t>
+            </a:r>
+            <a:r>
+              <a:rPr lang="en-US" altLang="ja-JP" sz="1800" kern="0">
+                <a:solidFill>
+                  <a:srgbClr val="CCCCCC"/>
+                </a:solidFill>
+                <a:effectLst/>
+                <a:latin typeface="Menlo" panose="020B0609030804020204" pitchFamily="49" charset="0"/>
+                <a:ea typeface="ＭＳ Ｐゴシック" panose="020B0600070205080204" pitchFamily="34" charset="-128"/>
+                <a:cs typeface="Times New Roman" panose="02020603050405020304" pitchFamily="18" charset="0"/>
+              </a:rPr>
+              <a:t>(){</a:t>
+            </a:r>
+            <a:endParaRPr lang="ja-JP" altLang="ja-JP" sz="1800" kern="100">
+              <a:effectLst/>
+              <a:latin typeface="游明朝" panose="02020400000000000000" pitchFamily="18" charset="-128"/>
+              <a:ea typeface="游明朝" panose="02020400000000000000" pitchFamily="18" charset="-128"/>
+              <a:cs typeface="Times New Roman" panose="02020603050405020304" pitchFamily="18" charset="0"/>
+            </a:endParaRPr>
+          </a:p>
+          <a:p>
+            <a:pPr algn="l">
+              <a:lnSpc>
+                <a:spcPts val="1950"/>
+              </a:lnSpc>
+            </a:pPr>
+            <a:r>
+              <a:rPr lang="en-US" altLang="ja-JP" sz="1800" kern="0">
+                <a:solidFill>
+                  <a:srgbClr val="CCCCCC"/>
+                </a:solidFill>
+                <a:effectLst/>
+                <a:latin typeface="Menlo" panose="020B0609030804020204" pitchFamily="49" charset="0"/>
+                <a:ea typeface="ＭＳ Ｐゴシック" panose="020B0600070205080204" pitchFamily="34" charset="-128"/>
+                <a:cs typeface="Times New Roman" panose="02020603050405020304" pitchFamily="18" charset="0"/>
+              </a:rPr>
+              <a:t>  </a:t>
+            </a:r>
+            <a:r>
+              <a:rPr lang="en-US" altLang="ja-JP" sz="1800" kern="0">
+                <a:solidFill>
+                  <a:srgbClr val="569CD6"/>
+                </a:solidFill>
+                <a:effectLst/>
+                <a:latin typeface="Menlo" panose="020B0609030804020204" pitchFamily="49" charset="0"/>
+                <a:ea typeface="ＭＳ Ｐゴシック" panose="020B0600070205080204" pitchFamily="34" charset="-128"/>
+                <a:cs typeface="Times New Roman" panose="02020603050405020304" pitchFamily="18" charset="0"/>
+              </a:rPr>
+              <a:t>int</a:t>
+            </a:r>
+            <a:r>
+              <a:rPr lang="en-US" altLang="ja-JP" sz="1800" kern="0">
+                <a:solidFill>
+                  <a:srgbClr val="CCCCCC"/>
+                </a:solidFill>
+                <a:effectLst/>
+                <a:latin typeface="Menlo" panose="020B0609030804020204" pitchFamily="49" charset="0"/>
+                <a:ea typeface="ＭＳ Ｐゴシック" panose="020B0600070205080204" pitchFamily="34" charset="-128"/>
+                <a:cs typeface="Times New Roman" panose="02020603050405020304" pitchFamily="18" charset="0"/>
+              </a:rPr>
+              <a:t> </a:t>
+            </a:r>
+            <a:r>
+              <a:rPr lang="en-US" altLang="ja-JP" sz="1800" kern="0">
+                <a:solidFill>
+                  <a:srgbClr val="9CDCFE"/>
+                </a:solidFill>
+                <a:effectLst/>
+                <a:latin typeface="Menlo" panose="020B0609030804020204" pitchFamily="49" charset="0"/>
+                <a:ea typeface="ＭＳ Ｐゴシック" panose="020B0600070205080204" pitchFamily="34" charset="-128"/>
+                <a:cs typeface="Times New Roman" panose="02020603050405020304" pitchFamily="18" charset="0"/>
+              </a:rPr>
+              <a:t>n</a:t>
+            </a:r>
+            <a:r>
+              <a:rPr lang="en-US" altLang="ja-JP" sz="1800" kern="0">
+                <a:solidFill>
+                  <a:srgbClr val="CCCCCC"/>
+                </a:solidFill>
+                <a:effectLst/>
+                <a:latin typeface="Menlo" panose="020B0609030804020204" pitchFamily="49" charset="0"/>
+                <a:ea typeface="ＭＳ Ｐゴシック" panose="020B0600070205080204" pitchFamily="34" charset="-128"/>
+                <a:cs typeface="Times New Roman" panose="02020603050405020304" pitchFamily="18" charset="0"/>
+              </a:rPr>
+              <a:t>;</a:t>
+            </a:r>
+            <a:r>
+              <a:rPr lang="en-US" altLang="ja-JP" sz="1800" kern="0">
+                <a:solidFill>
+                  <a:srgbClr val="9CDCFE"/>
+                </a:solidFill>
+                <a:effectLst/>
+                <a:latin typeface="Menlo" panose="020B0609030804020204" pitchFamily="49" charset="0"/>
+                <a:ea typeface="ＭＳ Ｐゴシック" panose="020B0600070205080204" pitchFamily="34" charset="-128"/>
+                <a:cs typeface="Times New Roman" panose="02020603050405020304" pitchFamily="18" charset="0"/>
+              </a:rPr>
+              <a:t>cin</a:t>
+            </a:r>
+            <a:r>
+              <a:rPr lang="en-US" altLang="ja-JP" sz="1800" kern="0">
+                <a:solidFill>
+                  <a:srgbClr val="CCCCCC"/>
+                </a:solidFill>
+                <a:effectLst/>
+                <a:latin typeface="Menlo" panose="020B0609030804020204" pitchFamily="49" charset="0"/>
+                <a:ea typeface="ＭＳ Ｐゴシック" panose="020B0600070205080204" pitchFamily="34" charset="-128"/>
+                <a:cs typeface="Times New Roman" panose="02020603050405020304" pitchFamily="18" charset="0"/>
+              </a:rPr>
+              <a:t> </a:t>
+            </a:r>
+            <a:r>
+              <a:rPr lang="en-US" altLang="ja-JP" sz="1800" kern="0">
+                <a:solidFill>
+                  <a:srgbClr val="DCDCAA"/>
+                </a:solidFill>
+                <a:effectLst/>
+                <a:latin typeface="Menlo" panose="020B0609030804020204" pitchFamily="49" charset="0"/>
+                <a:ea typeface="ＭＳ Ｐゴシック" panose="020B0600070205080204" pitchFamily="34" charset="-128"/>
+                <a:cs typeface="Times New Roman" panose="02020603050405020304" pitchFamily="18" charset="0"/>
+              </a:rPr>
+              <a:t>&gt;&gt;</a:t>
+            </a:r>
+            <a:r>
+              <a:rPr lang="en-US" altLang="ja-JP" sz="1800" kern="0">
+                <a:solidFill>
+                  <a:srgbClr val="CCCCCC"/>
+                </a:solidFill>
+                <a:effectLst/>
+                <a:latin typeface="Menlo" panose="020B0609030804020204" pitchFamily="49" charset="0"/>
+                <a:ea typeface="ＭＳ Ｐゴシック" panose="020B0600070205080204" pitchFamily="34" charset="-128"/>
+                <a:cs typeface="Times New Roman" panose="02020603050405020304" pitchFamily="18" charset="0"/>
+              </a:rPr>
+              <a:t> </a:t>
+            </a:r>
+            <a:r>
+              <a:rPr lang="en-US" altLang="ja-JP" sz="1800" kern="0">
+                <a:solidFill>
+                  <a:srgbClr val="9CDCFE"/>
+                </a:solidFill>
+                <a:effectLst/>
+                <a:latin typeface="Menlo" panose="020B0609030804020204" pitchFamily="49" charset="0"/>
+                <a:ea typeface="ＭＳ Ｐゴシック" panose="020B0600070205080204" pitchFamily="34" charset="-128"/>
+                <a:cs typeface="Times New Roman" panose="02020603050405020304" pitchFamily="18" charset="0"/>
+              </a:rPr>
+              <a:t>n</a:t>
+            </a:r>
+            <a:r>
+              <a:rPr lang="en-US" altLang="ja-JP" sz="1800" kern="0">
+                <a:solidFill>
+                  <a:srgbClr val="CCCCCC"/>
+                </a:solidFill>
+                <a:effectLst/>
+                <a:latin typeface="Menlo" panose="020B0609030804020204" pitchFamily="49" charset="0"/>
+                <a:ea typeface="ＭＳ Ｐゴシック" panose="020B0600070205080204" pitchFamily="34" charset="-128"/>
+                <a:cs typeface="Times New Roman" panose="02020603050405020304" pitchFamily="18" charset="0"/>
+              </a:rPr>
+              <a:t>;</a:t>
+            </a:r>
+            <a:endParaRPr lang="ja-JP" altLang="ja-JP" sz="1800" kern="100">
+              <a:effectLst/>
+              <a:latin typeface="游明朝" panose="02020400000000000000" pitchFamily="18" charset="-128"/>
+              <a:ea typeface="游明朝" panose="02020400000000000000" pitchFamily="18" charset="-128"/>
+              <a:cs typeface="Times New Roman" panose="02020603050405020304" pitchFamily="18" charset="0"/>
+            </a:endParaRPr>
+          </a:p>
+          <a:p>
+            <a:pPr algn="l">
+              <a:lnSpc>
+                <a:spcPts val="1950"/>
+              </a:lnSpc>
+            </a:pPr>
+            <a:r>
+              <a:rPr lang="en-US" altLang="ja-JP" sz="1800" kern="0">
+                <a:solidFill>
+                  <a:srgbClr val="CCCCCC"/>
+                </a:solidFill>
+                <a:effectLst/>
+                <a:latin typeface="Menlo" panose="020B0609030804020204" pitchFamily="49" charset="0"/>
+                <a:ea typeface="ＭＳ Ｐゴシック" panose="020B0600070205080204" pitchFamily="34" charset="-128"/>
+                <a:cs typeface="Times New Roman" panose="02020603050405020304" pitchFamily="18" charset="0"/>
+              </a:rPr>
+              <a:t>  </a:t>
+            </a:r>
+            <a:r>
+              <a:rPr lang="en-US" altLang="ja-JP" sz="1800" kern="0">
+                <a:solidFill>
+                  <a:srgbClr val="4EC9B0"/>
+                </a:solidFill>
+                <a:effectLst/>
+                <a:latin typeface="Menlo" panose="020B0609030804020204" pitchFamily="49" charset="0"/>
+                <a:ea typeface="ＭＳ Ｐゴシック" panose="020B0600070205080204" pitchFamily="34" charset="-128"/>
+                <a:cs typeface="Times New Roman" panose="02020603050405020304" pitchFamily="18" charset="0"/>
+              </a:rPr>
+              <a:t>vector</a:t>
+            </a:r>
+            <a:r>
+              <a:rPr lang="en-US" altLang="ja-JP" sz="1800" kern="0">
+                <a:solidFill>
+                  <a:srgbClr val="D4D4D4"/>
+                </a:solidFill>
+                <a:effectLst/>
+                <a:latin typeface="Menlo" panose="020B0609030804020204" pitchFamily="49" charset="0"/>
+                <a:ea typeface="ＭＳ Ｐゴシック" panose="020B0600070205080204" pitchFamily="34" charset="-128"/>
+                <a:cs typeface="Times New Roman" panose="02020603050405020304" pitchFamily="18" charset="0"/>
+              </a:rPr>
+              <a:t>&lt;</a:t>
+            </a:r>
+            <a:r>
+              <a:rPr lang="en-US" altLang="ja-JP" sz="1800" kern="0">
+                <a:solidFill>
+                  <a:srgbClr val="569CD6"/>
+                </a:solidFill>
+                <a:effectLst/>
+                <a:latin typeface="Menlo" panose="020B0609030804020204" pitchFamily="49" charset="0"/>
+                <a:ea typeface="ＭＳ Ｐゴシック" panose="020B0600070205080204" pitchFamily="34" charset="-128"/>
+                <a:cs typeface="Times New Roman" panose="02020603050405020304" pitchFamily="18" charset="0"/>
+              </a:rPr>
+              <a:t>int</a:t>
+            </a:r>
+            <a:r>
+              <a:rPr lang="en-US" altLang="ja-JP" sz="1800" kern="0">
+                <a:solidFill>
+                  <a:srgbClr val="D4D4D4"/>
+                </a:solidFill>
+                <a:effectLst/>
+                <a:latin typeface="Menlo" panose="020B0609030804020204" pitchFamily="49" charset="0"/>
+                <a:ea typeface="ＭＳ Ｐゴシック" panose="020B0600070205080204" pitchFamily="34" charset="-128"/>
+                <a:cs typeface="Times New Roman" panose="02020603050405020304" pitchFamily="18" charset="0"/>
+              </a:rPr>
+              <a:t>&gt;</a:t>
+            </a:r>
+            <a:r>
+              <a:rPr lang="en-US" altLang="ja-JP" sz="1800" kern="0">
+                <a:solidFill>
+                  <a:srgbClr val="CCCCCC"/>
+                </a:solidFill>
+                <a:effectLst/>
+                <a:latin typeface="Menlo" panose="020B0609030804020204" pitchFamily="49" charset="0"/>
+                <a:ea typeface="ＭＳ Ｐゴシック" panose="020B0600070205080204" pitchFamily="34" charset="-128"/>
+                <a:cs typeface="Times New Roman" panose="02020603050405020304" pitchFamily="18" charset="0"/>
+              </a:rPr>
+              <a:t> </a:t>
+            </a:r>
+            <a:r>
+              <a:rPr lang="en-US" altLang="ja-JP" sz="1800" kern="0">
+                <a:solidFill>
+                  <a:srgbClr val="9CDCFE"/>
+                </a:solidFill>
+                <a:effectLst/>
+                <a:latin typeface="Menlo" panose="020B0609030804020204" pitchFamily="49" charset="0"/>
+                <a:ea typeface="ＭＳ Ｐゴシック" panose="020B0600070205080204" pitchFamily="34" charset="-128"/>
+                <a:cs typeface="Times New Roman" panose="02020603050405020304" pitchFamily="18" charset="0"/>
+              </a:rPr>
+              <a:t>a</a:t>
+            </a:r>
+            <a:r>
+              <a:rPr lang="en-US" altLang="ja-JP" sz="1800" kern="0">
+                <a:solidFill>
+                  <a:srgbClr val="CCCCCC"/>
+                </a:solidFill>
+                <a:effectLst/>
+                <a:latin typeface="Menlo" panose="020B0609030804020204" pitchFamily="49" charset="0"/>
+                <a:ea typeface="ＭＳ Ｐゴシック" panose="020B0600070205080204" pitchFamily="34" charset="-128"/>
+                <a:cs typeface="Times New Roman" panose="02020603050405020304" pitchFamily="18" charset="0"/>
+              </a:rPr>
+              <a:t>(</a:t>
+            </a:r>
+            <a:r>
+              <a:rPr lang="en-US" altLang="ja-JP" sz="1800" kern="0">
+                <a:solidFill>
+                  <a:srgbClr val="9CDCFE"/>
+                </a:solidFill>
+                <a:effectLst/>
+                <a:latin typeface="Menlo" panose="020B0609030804020204" pitchFamily="49" charset="0"/>
+                <a:ea typeface="ＭＳ Ｐゴシック" panose="020B0600070205080204" pitchFamily="34" charset="-128"/>
+                <a:cs typeface="Times New Roman" panose="02020603050405020304" pitchFamily="18" charset="0"/>
+              </a:rPr>
+              <a:t>n</a:t>
+            </a:r>
+            <a:r>
+              <a:rPr lang="en-US" altLang="ja-JP" sz="1800" kern="0">
+                <a:solidFill>
+                  <a:srgbClr val="CCCCCC"/>
+                </a:solidFill>
+                <a:effectLst/>
+                <a:latin typeface="Menlo" panose="020B0609030804020204" pitchFamily="49" charset="0"/>
+                <a:ea typeface="ＭＳ Ｐゴシック" panose="020B0600070205080204" pitchFamily="34" charset="-128"/>
+                <a:cs typeface="Times New Roman" panose="02020603050405020304" pitchFamily="18" charset="0"/>
+              </a:rPr>
+              <a:t>);</a:t>
+            </a:r>
+            <a:endParaRPr lang="ja-JP" altLang="ja-JP" sz="1800" kern="100">
+              <a:effectLst/>
+              <a:latin typeface="游明朝" panose="02020400000000000000" pitchFamily="18" charset="-128"/>
+              <a:ea typeface="游明朝" panose="02020400000000000000" pitchFamily="18" charset="-128"/>
+              <a:cs typeface="Times New Roman" panose="02020603050405020304" pitchFamily="18" charset="0"/>
+            </a:endParaRPr>
+          </a:p>
+          <a:p>
+            <a:pPr algn="l">
+              <a:lnSpc>
+                <a:spcPts val="1950"/>
+              </a:lnSpc>
+            </a:pPr>
+            <a:r>
+              <a:rPr lang="en-US" altLang="ja-JP" sz="1800" kern="0">
+                <a:solidFill>
+                  <a:srgbClr val="CCCCCC"/>
+                </a:solidFill>
+                <a:effectLst/>
+                <a:latin typeface="Menlo" panose="020B0609030804020204" pitchFamily="49" charset="0"/>
+                <a:ea typeface="ＭＳ Ｐゴシック" panose="020B0600070205080204" pitchFamily="34" charset="-128"/>
+                <a:cs typeface="Times New Roman" panose="02020603050405020304" pitchFamily="18" charset="0"/>
+              </a:rPr>
+              <a:t>  </a:t>
+            </a:r>
+            <a:r>
+              <a:rPr lang="en-US" altLang="ja-JP" sz="1800" kern="0">
+                <a:solidFill>
+                  <a:srgbClr val="C586C0"/>
+                </a:solidFill>
+                <a:effectLst/>
+                <a:latin typeface="Menlo" panose="020B0609030804020204" pitchFamily="49" charset="0"/>
+                <a:ea typeface="ＭＳ Ｐゴシック" panose="020B0600070205080204" pitchFamily="34" charset="-128"/>
+                <a:cs typeface="Times New Roman" panose="02020603050405020304" pitchFamily="18" charset="0"/>
+              </a:rPr>
+              <a:t>for</a:t>
+            </a:r>
+            <a:r>
+              <a:rPr lang="en-US" altLang="ja-JP" sz="1800" kern="0">
+                <a:solidFill>
+                  <a:srgbClr val="CCCCCC"/>
+                </a:solidFill>
+                <a:effectLst/>
+                <a:latin typeface="Menlo" panose="020B0609030804020204" pitchFamily="49" charset="0"/>
+                <a:ea typeface="ＭＳ Ｐゴシック" panose="020B0600070205080204" pitchFamily="34" charset="-128"/>
+                <a:cs typeface="Times New Roman" panose="02020603050405020304" pitchFamily="18" charset="0"/>
+              </a:rPr>
+              <a:t>(</a:t>
+            </a:r>
+            <a:r>
+              <a:rPr lang="en-US" altLang="ja-JP" sz="1800" kern="0">
+                <a:solidFill>
+                  <a:srgbClr val="569CD6"/>
+                </a:solidFill>
+                <a:effectLst/>
+                <a:latin typeface="Menlo" panose="020B0609030804020204" pitchFamily="49" charset="0"/>
+                <a:ea typeface="ＭＳ Ｐゴシック" panose="020B0600070205080204" pitchFamily="34" charset="-128"/>
+                <a:cs typeface="Times New Roman" panose="02020603050405020304" pitchFamily="18" charset="0"/>
+              </a:rPr>
+              <a:t>int</a:t>
+            </a:r>
+            <a:r>
+              <a:rPr lang="en-US" altLang="ja-JP" sz="1800" kern="0">
+                <a:solidFill>
+                  <a:srgbClr val="CCCCCC"/>
+                </a:solidFill>
+                <a:effectLst/>
+                <a:latin typeface="Menlo" panose="020B0609030804020204" pitchFamily="49" charset="0"/>
+                <a:ea typeface="ＭＳ Ｐゴシック" panose="020B0600070205080204" pitchFamily="34" charset="-128"/>
+                <a:cs typeface="Times New Roman" panose="02020603050405020304" pitchFamily="18" charset="0"/>
+              </a:rPr>
+              <a:t> </a:t>
+            </a:r>
+            <a:r>
+              <a:rPr lang="en-US" altLang="ja-JP" sz="1800" kern="0">
+                <a:solidFill>
+                  <a:srgbClr val="9CDCFE"/>
+                </a:solidFill>
+                <a:effectLst/>
+                <a:latin typeface="Menlo" panose="020B0609030804020204" pitchFamily="49" charset="0"/>
+                <a:ea typeface="ＭＳ Ｐゴシック" panose="020B0600070205080204" pitchFamily="34" charset="-128"/>
+                <a:cs typeface="Times New Roman" panose="02020603050405020304" pitchFamily="18" charset="0"/>
+              </a:rPr>
+              <a:t>i</a:t>
+            </a:r>
+            <a:r>
+              <a:rPr lang="en-US" altLang="ja-JP" sz="1800" kern="0">
+                <a:solidFill>
+                  <a:srgbClr val="CCCCCC"/>
+                </a:solidFill>
+                <a:effectLst/>
+                <a:latin typeface="Menlo" panose="020B0609030804020204" pitchFamily="49" charset="0"/>
+                <a:ea typeface="ＭＳ Ｐゴシック" panose="020B0600070205080204" pitchFamily="34" charset="-128"/>
+                <a:cs typeface="Times New Roman" panose="02020603050405020304" pitchFamily="18" charset="0"/>
+              </a:rPr>
+              <a:t> </a:t>
+            </a:r>
+            <a:r>
+              <a:rPr lang="en-US" altLang="ja-JP" sz="1800" kern="0">
+                <a:solidFill>
+                  <a:srgbClr val="D4D4D4"/>
+                </a:solidFill>
+                <a:effectLst/>
+                <a:latin typeface="Menlo" panose="020B0609030804020204" pitchFamily="49" charset="0"/>
+                <a:ea typeface="ＭＳ Ｐゴシック" panose="020B0600070205080204" pitchFamily="34" charset="-128"/>
+                <a:cs typeface="Times New Roman" panose="02020603050405020304" pitchFamily="18" charset="0"/>
+              </a:rPr>
+              <a:t>=</a:t>
+            </a:r>
+            <a:r>
+              <a:rPr lang="en-US" altLang="ja-JP" sz="1800" kern="0">
+                <a:solidFill>
+                  <a:srgbClr val="CCCCCC"/>
+                </a:solidFill>
+                <a:effectLst/>
+                <a:latin typeface="Menlo" panose="020B0609030804020204" pitchFamily="49" charset="0"/>
+                <a:ea typeface="ＭＳ Ｐゴシック" panose="020B0600070205080204" pitchFamily="34" charset="-128"/>
+                <a:cs typeface="Times New Roman" panose="02020603050405020304" pitchFamily="18" charset="0"/>
+              </a:rPr>
+              <a:t> </a:t>
+            </a:r>
+            <a:r>
+              <a:rPr lang="en-US" altLang="ja-JP" sz="1800" kern="0">
+                <a:solidFill>
+                  <a:srgbClr val="B5CEA8"/>
+                </a:solidFill>
+                <a:effectLst/>
+                <a:latin typeface="Menlo" panose="020B0609030804020204" pitchFamily="49" charset="0"/>
+                <a:ea typeface="ＭＳ Ｐゴシック" panose="020B0600070205080204" pitchFamily="34" charset="-128"/>
+                <a:cs typeface="Times New Roman" panose="02020603050405020304" pitchFamily="18" charset="0"/>
+              </a:rPr>
+              <a:t>0</a:t>
+            </a:r>
+            <a:r>
+              <a:rPr lang="en-US" altLang="ja-JP" sz="1800" kern="0">
+                <a:solidFill>
+                  <a:srgbClr val="CCCCCC"/>
+                </a:solidFill>
+                <a:effectLst/>
+                <a:latin typeface="Menlo" panose="020B0609030804020204" pitchFamily="49" charset="0"/>
+                <a:ea typeface="ＭＳ Ｐゴシック" panose="020B0600070205080204" pitchFamily="34" charset="-128"/>
+                <a:cs typeface="Times New Roman" panose="02020603050405020304" pitchFamily="18" charset="0"/>
+              </a:rPr>
+              <a:t>;</a:t>
+            </a:r>
+            <a:r>
+              <a:rPr lang="en-US" altLang="ja-JP" sz="1800" kern="0">
+                <a:solidFill>
+                  <a:srgbClr val="9CDCFE"/>
+                </a:solidFill>
+                <a:effectLst/>
+                <a:latin typeface="Menlo" panose="020B0609030804020204" pitchFamily="49" charset="0"/>
+                <a:ea typeface="ＭＳ Ｐゴシック" panose="020B0600070205080204" pitchFamily="34" charset="-128"/>
+                <a:cs typeface="Times New Roman" panose="02020603050405020304" pitchFamily="18" charset="0"/>
+              </a:rPr>
+              <a:t>i</a:t>
+            </a:r>
+            <a:r>
+              <a:rPr lang="en-US" altLang="ja-JP" sz="1800" kern="0">
+                <a:solidFill>
+                  <a:srgbClr val="CCCCCC"/>
+                </a:solidFill>
+                <a:effectLst/>
+                <a:latin typeface="Menlo" panose="020B0609030804020204" pitchFamily="49" charset="0"/>
+                <a:ea typeface="ＭＳ Ｐゴシック" panose="020B0600070205080204" pitchFamily="34" charset="-128"/>
+                <a:cs typeface="Times New Roman" panose="02020603050405020304" pitchFamily="18" charset="0"/>
+              </a:rPr>
+              <a:t> </a:t>
+            </a:r>
+            <a:r>
+              <a:rPr lang="en-US" altLang="ja-JP" sz="1800" kern="0">
+                <a:solidFill>
+                  <a:srgbClr val="D4D4D4"/>
+                </a:solidFill>
+                <a:effectLst/>
+                <a:latin typeface="Menlo" panose="020B0609030804020204" pitchFamily="49" charset="0"/>
+                <a:ea typeface="ＭＳ Ｐゴシック" panose="020B0600070205080204" pitchFamily="34" charset="-128"/>
+                <a:cs typeface="Times New Roman" panose="02020603050405020304" pitchFamily="18" charset="0"/>
+              </a:rPr>
+              <a:t>&lt;</a:t>
+            </a:r>
+            <a:r>
+              <a:rPr lang="en-US" altLang="ja-JP" sz="1800" kern="0">
+                <a:solidFill>
+                  <a:srgbClr val="CCCCCC"/>
+                </a:solidFill>
+                <a:effectLst/>
+                <a:latin typeface="Menlo" panose="020B0609030804020204" pitchFamily="49" charset="0"/>
+                <a:ea typeface="ＭＳ Ｐゴシック" panose="020B0600070205080204" pitchFamily="34" charset="-128"/>
+                <a:cs typeface="Times New Roman" panose="02020603050405020304" pitchFamily="18" charset="0"/>
+              </a:rPr>
+              <a:t> </a:t>
+            </a:r>
+            <a:r>
+              <a:rPr lang="en-US" altLang="ja-JP" sz="1800" kern="0">
+                <a:solidFill>
+                  <a:srgbClr val="9CDCFE"/>
+                </a:solidFill>
+                <a:effectLst/>
+                <a:latin typeface="Menlo" panose="020B0609030804020204" pitchFamily="49" charset="0"/>
+                <a:ea typeface="ＭＳ Ｐゴシック" panose="020B0600070205080204" pitchFamily="34" charset="-128"/>
+                <a:cs typeface="Times New Roman" panose="02020603050405020304" pitchFamily="18" charset="0"/>
+              </a:rPr>
+              <a:t>n</a:t>
+            </a:r>
+            <a:r>
+              <a:rPr lang="en-US" altLang="ja-JP" sz="1800" kern="0">
+                <a:solidFill>
+                  <a:srgbClr val="CCCCCC"/>
+                </a:solidFill>
+                <a:effectLst/>
+                <a:latin typeface="Menlo" panose="020B0609030804020204" pitchFamily="49" charset="0"/>
+                <a:ea typeface="ＭＳ Ｐゴシック" panose="020B0600070205080204" pitchFamily="34" charset="-128"/>
+                <a:cs typeface="Times New Roman" panose="02020603050405020304" pitchFamily="18" charset="0"/>
+              </a:rPr>
+              <a:t>;</a:t>
+            </a:r>
+            <a:r>
+              <a:rPr lang="en-US" altLang="ja-JP" sz="1800" kern="0">
+                <a:solidFill>
+                  <a:srgbClr val="9CDCFE"/>
+                </a:solidFill>
+                <a:effectLst/>
+                <a:latin typeface="Menlo" panose="020B0609030804020204" pitchFamily="49" charset="0"/>
+                <a:ea typeface="ＭＳ Ｐゴシック" panose="020B0600070205080204" pitchFamily="34" charset="-128"/>
+                <a:cs typeface="Times New Roman" panose="02020603050405020304" pitchFamily="18" charset="0"/>
+              </a:rPr>
+              <a:t>i</a:t>
+            </a:r>
+            <a:r>
+              <a:rPr lang="en-US" altLang="ja-JP" sz="1800" kern="0">
+                <a:solidFill>
+                  <a:srgbClr val="D4D4D4"/>
+                </a:solidFill>
+                <a:effectLst/>
+                <a:latin typeface="Menlo" panose="020B0609030804020204" pitchFamily="49" charset="0"/>
+                <a:ea typeface="ＭＳ Ｐゴシック" panose="020B0600070205080204" pitchFamily="34" charset="-128"/>
+                <a:cs typeface="Times New Roman" panose="02020603050405020304" pitchFamily="18" charset="0"/>
+              </a:rPr>
+              <a:t>++</a:t>
+            </a:r>
+            <a:r>
+              <a:rPr lang="en-US" altLang="ja-JP" sz="1800" kern="0">
+                <a:solidFill>
+                  <a:srgbClr val="CCCCCC"/>
+                </a:solidFill>
+                <a:effectLst/>
+                <a:latin typeface="Menlo" panose="020B0609030804020204" pitchFamily="49" charset="0"/>
+                <a:ea typeface="ＭＳ Ｐゴシック" panose="020B0600070205080204" pitchFamily="34" charset="-128"/>
+                <a:cs typeface="Times New Roman" panose="02020603050405020304" pitchFamily="18" charset="0"/>
+              </a:rPr>
+              <a:t>){</a:t>
+            </a:r>
+            <a:endParaRPr lang="ja-JP" altLang="ja-JP" sz="1800" kern="100">
+              <a:effectLst/>
+              <a:latin typeface="游明朝" panose="02020400000000000000" pitchFamily="18" charset="-128"/>
+              <a:ea typeface="游明朝" panose="02020400000000000000" pitchFamily="18" charset="-128"/>
+              <a:cs typeface="Times New Roman" panose="02020603050405020304" pitchFamily="18" charset="0"/>
+            </a:endParaRPr>
+          </a:p>
+          <a:p>
+            <a:pPr algn="l">
+              <a:lnSpc>
+                <a:spcPts val="1950"/>
+              </a:lnSpc>
+            </a:pPr>
+            <a:r>
+              <a:rPr lang="en-US" altLang="ja-JP" sz="1800" kern="0">
+                <a:solidFill>
+                  <a:srgbClr val="CCCCCC"/>
+                </a:solidFill>
+                <a:effectLst/>
+                <a:latin typeface="Menlo" panose="020B0609030804020204" pitchFamily="49" charset="0"/>
+                <a:ea typeface="ＭＳ Ｐゴシック" panose="020B0600070205080204" pitchFamily="34" charset="-128"/>
+                <a:cs typeface="Times New Roman" panose="02020603050405020304" pitchFamily="18" charset="0"/>
+              </a:rPr>
+              <a:t>    </a:t>
+            </a:r>
+            <a:r>
+              <a:rPr lang="en-US" altLang="ja-JP" sz="1800" kern="0">
+                <a:solidFill>
+                  <a:srgbClr val="9CDCFE"/>
+                </a:solidFill>
+                <a:effectLst/>
+                <a:latin typeface="Menlo" panose="020B0609030804020204" pitchFamily="49" charset="0"/>
+                <a:ea typeface="ＭＳ Ｐゴシック" panose="020B0600070205080204" pitchFamily="34" charset="-128"/>
+                <a:cs typeface="Times New Roman" panose="02020603050405020304" pitchFamily="18" charset="0"/>
+              </a:rPr>
+              <a:t>cin</a:t>
+            </a:r>
+            <a:r>
+              <a:rPr lang="en-US" altLang="ja-JP" sz="1800" kern="0">
+                <a:solidFill>
+                  <a:srgbClr val="CCCCCC"/>
+                </a:solidFill>
+                <a:effectLst/>
+                <a:latin typeface="Menlo" panose="020B0609030804020204" pitchFamily="49" charset="0"/>
+                <a:ea typeface="ＭＳ Ｐゴシック" panose="020B0600070205080204" pitchFamily="34" charset="-128"/>
+                <a:cs typeface="Times New Roman" panose="02020603050405020304" pitchFamily="18" charset="0"/>
+              </a:rPr>
+              <a:t> </a:t>
+            </a:r>
+            <a:r>
+              <a:rPr lang="en-US" altLang="ja-JP" sz="1800" kern="0">
+                <a:solidFill>
+                  <a:srgbClr val="DCDCAA"/>
+                </a:solidFill>
+                <a:effectLst/>
+                <a:latin typeface="Menlo" panose="020B0609030804020204" pitchFamily="49" charset="0"/>
+                <a:ea typeface="ＭＳ Ｐゴシック" panose="020B0600070205080204" pitchFamily="34" charset="-128"/>
+                <a:cs typeface="Times New Roman" panose="02020603050405020304" pitchFamily="18" charset="0"/>
+              </a:rPr>
+              <a:t>&gt;&gt;</a:t>
+            </a:r>
+            <a:r>
+              <a:rPr lang="en-US" altLang="ja-JP" sz="1800" kern="0">
+                <a:solidFill>
+                  <a:srgbClr val="CCCCCC"/>
+                </a:solidFill>
+                <a:effectLst/>
+                <a:latin typeface="Menlo" panose="020B0609030804020204" pitchFamily="49" charset="0"/>
+                <a:ea typeface="ＭＳ Ｐゴシック" panose="020B0600070205080204" pitchFamily="34" charset="-128"/>
+                <a:cs typeface="Times New Roman" panose="02020603050405020304" pitchFamily="18" charset="0"/>
+              </a:rPr>
+              <a:t> </a:t>
+            </a:r>
+            <a:r>
+              <a:rPr lang="en-US" altLang="ja-JP" sz="1800" kern="0">
+                <a:solidFill>
+                  <a:srgbClr val="9CDCFE"/>
+                </a:solidFill>
+                <a:effectLst/>
+                <a:latin typeface="Menlo" panose="020B0609030804020204" pitchFamily="49" charset="0"/>
+                <a:ea typeface="ＭＳ Ｐゴシック" panose="020B0600070205080204" pitchFamily="34" charset="-128"/>
+                <a:cs typeface="Times New Roman" panose="02020603050405020304" pitchFamily="18" charset="0"/>
+              </a:rPr>
+              <a:t>a</a:t>
+            </a:r>
+            <a:r>
+              <a:rPr lang="en-US" altLang="ja-JP" sz="1800" kern="0">
+                <a:solidFill>
+                  <a:srgbClr val="DCDCAA"/>
+                </a:solidFill>
+                <a:effectLst/>
+                <a:latin typeface="Menlo" panose="020B0609030804020204" pitchFamily="49" charset="0"/>
+                <a:ea typeface="ＭＳ Ｐゴシック" panose="020B0600070205080204" pitchFamily="34" charset="-128"/>
+                <a:cs typeface="Times New Roman" panose="02020603050405020304" pitchFamily="18" charset="0"/>
+              </a:rPr>
+              <a:t>[</a:t>
+            </a:r>
+            <a:r>
+              <a:rPr lang="en-US" altLang="ja-JP" sz="1800" kern="0">
+                <a:solidFill>
+                  <a:srgbClr val="9CDCFE"/>
+                </a:solidFill>
+                <a:effectLst/>
+                <a:latin typeface="Menlo" panose="020B0609030804020204" pitchFamily="49" charset="0"/>
+                <a:ea typeface="ＭＳ Ｐゴシック" panose="020B0600070205080204" pitchFamily="34" charset="-128"/>
+                <a:cs typeface="Times New Roman" panose="02020603050405020304" pitchFamily="18" charset="0"/>
+              </a:rPr>
+              <a:t>i</a:t>
+            </a:r>
+            <a:r>
+              <a:rPr lang="en-US" altLang="ja-JP" sz="1800" kern="0">
+                <a:solidFill>
+                  <a:srgbClr val="DCDCAA"/>
+                </a:solidFill>
+                <a:effectLst/>
+                <a:latin typeface="Menlo" panose="020B0609030804020204" pitchFamily="49" charset="0"/>
+                <a:ea typeface="ＭＳ Ｐゴシック" panose="020B0600070205080204" pitchFamily="34" charset="-128"/>
+                <a:cs typeface="Times New Roman" panose="02020603050405020304" pitchFamily="18" charset="0"/>
+              </a:rPr>
+              <a:t>]</a:t>
+            </a:r>
+            <a:r>
+              <a:rPr lang="en-US" altLang="ja-JP" sz="1800" kern="0">
+                <a:solidFill>
+                  <a:srgbClr val="CCCCCC"/>
+                </a:solidFill>
+                <a:effectLst/>
+                <a:latin typeface="Menlo" panose="020B0609030804020204" pitchFamily="49" charset="0"/>
+                <a:ea typeface="ＭＳ Ｐゴシック" panose="020B0600070205080204" pitchFamily="34" charset="-128"/>
+                <a:cs typeface="Times New Roman" panose="02020603050405020304" pitchFamily="18" charset="0"/>
+              </a:rPr>
+              <a:t>;</a:t>
+            </a:r>
+            <a:endParaRPr lang="ja-JP" altLang="ja-JP" sz="1800" kern="100">
+              <a:effectLst/>
+              <a:latin typeface="游明朝" panose="02020400000000000000" pitchFamily="18" charset="-128"/>
+              <a:ea typeface="游明朝" panose="02020400000000000000" pitchFamily="18" charset="-128"/>
+              <a:cs typeface="Times New Roman" panose="02020603050405020304" pitchFamily="18" charset="0"/>
+            </a:endParaRPr>
+          </a:p>
+          <a:p>
+            <a:pPr algn="l">
+              <a:lnSpc>
+                <a:spcPts val="1950"/>
+              </a:lnSpc>
+            </a:pPr>
+            <a:r>
+              <a:rPr lang="en-US" altLang="ja-JP" sz="1800" kern="0">
+                <a:solidFill>
+                  <a:srgbClr val="CCCCCC"/>
+                </a:solidFill>
+                <a:effectLst/>
+                <a:latin typeface="Menlo" panose="020B0609030804020204" pitchFamily="49" charset="0"/>
+                <a:ea typeface="ＭＳ Ｐゴシック" panose="020B0600070205080204" pitchFamily="34" charset="-128"/>
+                <a:cs typeface="Times New Roman" panose="02020603050405020304" pitchFamily="18" charset="0"/>
+              </a:rPr>
+              <a:t>  }</a:t>
+            </a:r>
+            <a:endParaRPr lang="ja-JP" altLang="ja-JP" sz="1800" kern="100">
+              <a:effectLst/>
+              <a:latin typeface="游明朝" panose="02020400000000000000" pitchFamily="18" charset="-128"/>
+              <a:ea typeface="游明朝" panose="02020400000000000000" pitchFamily="18" charset="-128"/>
+              <a:cs typeface="Times New Roman" panose="02020603050405020304" pitchFamily="18" charset="0"/>
+            </a:endParaRPr>
+          </a:p>
+          <a:p>
+            <a:pPr algn="l">
+              <a:lnSpc>
+                <a:spcPts val="1950"/>
+              </a:lnSpc>
+            </a:pPr>
+            <a:r>
+              <a:rPr lang="en-US" altLang="ja-JP" sz="1800" kern="0">
+                <a:solidFill>
+                  <a:srgbClr val="CCCCCC"/>
+                </a:solidFill>
+                <a:effectLst/>
+                <a:latin typeface="Menlo" panose="020B0609030804020204" pitchFamily="49" charset="0"/>
+                <a:ea typeface="ＭＳ Ｐゴシック" panose="020B0600070205080204" pitchFamily="34" charset="-128"/>
+                <a:cs typeface="Times New Roman" panose="02020603050405020304" pitchFamily="18" charset="0"/>
+              </a:rPr>
+              <a:t>  </a:t>
+            </a:r>
+            <a:r>
+              <a:rPr lang="en-US" altLang="ja-JP" sz="1800" kern="0">
+                <a:solidFill>
+                  <a:srgbClr val="569CD6"/>
+                </a:solidFill>
+                <a:effectLst/>
+                <a:latin typeface="Menlo" panose="020B0609030804020204" pitchFamily="49" charset="0"/>
+                <a:ea typeface="ＭＳ Ｐゴシック" panose="020B0600070205080204" pitchFamily="34" charset="-128"/>
+                <a:cs typeface="Times New Roman" panose="02020603050405020304" pitchFamily="18" charset="0"/>
+              </a:rPr>
+              <a:t>int</a:t>
+            </a:r>
+            <a:r>
+              <a:rPr lang="en-US" altLang="ja-JP" sz="1800" kern="0">
+                <a:solidFill>
+                  <a:srgbClr val="CCCCCC"/>
+                </a:solidFill>
+                <a:effectLst/>
+                <a:latin typeface="Menlo" panose="020B0609030804020204" pitchFamily="49" charset="0"/>
+                <a:ea typeface="ＭＳ Ｐゴシック" panose="020B0600070205080204" pitchFamily="34" charset="-128"/>
+                <a:cs typeface="Times New Roman" panose="02020603050405020304" pitchFamily="18" charset="0"/>
+              </a:rPr>
+              <a:t> </a:t>
+            </a:r>
+            <a:r>
+              <a:rPr lang="en-US" altLang="ja-JP" sz="1800" kern="0">
+                <a:solidFill>
+                  <a:srgbClr val="9CDCFE"/>
+                </a:solidFill>
+                <a:effectLst/>
+                <a:latin typeface="Menlo" panose="020B0609030804020204" pitchFamily="49" charset="0"/>
+                <a:ea typeface="ＭＳ Ｐゴシック" panose="020B0600070205080204" pitchFamily="34" charset="-128"/>
+                <a:cs typeface="Times New Roman" panose="02020603050405020304" pitchFamily="18" charset="0"/>
+              </a:rPr>
+              <a:t>cnt</a:t>
+            </a:r>
+            <a:r>
+              <a:rPr lang="en-US" altLang="ja-JP" sz="1800" kern="0">
+                <a:solidFill>
+                  <a:srgbClr val="CCCCCC"/>
+                </a:solidFill>
+                <a:effectLst/>
+                <a:latin typeface="Menlo" panose="020B0609030804020204" pitchFamily="49" charset="0"/>
+                <a:ea typeface="ＭＳ Ｐゴシック" panose="020B0600070205080204" pitchFamily="34" charset="-128"/>
+                <a:cs typeface="Times New Roman" panose="02020603050405020304" pitchFamily="18" charset="0"/>
+              </a:rPr>
+              <a:t> </a:t>
+            </a:r>
+            <a:r>
+              <a:rPr lang="en-US" altLang="ja-JP" sz="1800" kern="0">
+                <a:solidFill>
+                  <a:srgbClr val="D4D4D4"/>
+                </a:solidFill>
+                <a:effectLst/>
+                <a:latin typeface="Menlo" panose="020B0609030804020204" pitchFamily="49" charset="0"/>
+                <a:ea typeface="ＭＳ Ｐゴシック" panose="020B0600070205080204" pitchFamily="34" charset="-128"/>
+                <a:cs typeface="Times New Roman" panose="02020603050405020304" pitchFamily="18" charset="0"/>
+              </a:rPr>
+              <a:t>=</a:t>
+            </a:r>
+            <a:r>
+              <a:rPr lang="en-US" altLang="ja-JP" sz="1800" kern="0">
+                <a:solidFill>
+                  <a:srgbClr val="CCCCCC"/>
+                </a:solidFill>
+                <a:effectLst/>
+                <a:latin typeface="Menlo" panose="020B0609030804020204" pitchFamily="49" charset="0"/>
+                <a:ea typeface="ＭＳ Ｐゴシック" panose="020B0600070205080204" pitchFamily="34" charset="-128"/>
+                <a:cs typeface="Times New Roman" panose="02020603050405020304" pitchFamily="18" charset="0"/>
+              </a:rPr>
+              <a:t> </a:t>
+            </a:r>
+            <a:r>
+              <a:rPr lang="en-US" altLang="ja-JP" sz="1800" kern="0">
+                <a:solidFill>
+                  <a:srgbClr val="B5CEA8"/>
+                </a:solidFill>
+                <a:effectLst/>
+                <a:latin typeface="Menlo" panose="020B0609030804020204" pitchFamily="49" charset="0"/>
+                <a:ea typeface="ＭＳ Ｐゴシック" panose="020B0600070205080204" pitchFamily="34" charset="-128"/>
+                <a:cs typeface="Times New Roman" panose="02020603050405020304" pitchFamily="18" charset="0"/>
+              </a:rPr>
+              <a:t>0</a:t>
+            </a:r>
+            <a:r>
+              <a:rPr lang="en-US" altLang="ja-JP" sz="1800" kern="0">
+                <a:solidFill>
+                  <a:srgbClr val="CCCCCC"/>
+                </a:solidFill>
+                <a:effectLst/>
+                <a:latin typeface="Menlo" panose="020B0609030804020204" pitchFamily="49" charset="0"/>
+                <a:ea typeface="ＭＳ Ｐゴシック" panose="020B0600070205080204" pitchFamily="34" charset="-128"/>
+                <a:cs typeface="Times New Roman" panose="02020603050405020304" pitchFamily="18" charset="0"/>
+              </a:rPr>
+              <a:t>;</a:t>
+            </a:r>
+            <a:endParaRPr lang="ja-JP" altLang="ja-JP" sz="1800" kern="100">
+              <a:effectLst/>
+              <a:latin typeface="游明朝" panose="02020400000000000000" pitchFamily="18" charset="-128"/>
+              <a:ea typeface="游明朝" panose="02020400000000000000" pitchFamily="18" charset="-128"/>
+              <a:cs typeface="Times New Roman" panose="02020603050405020304" pitchFamily="18" charset="0"/>
+            </a:endParaRPr>
+          </a:p>
+          <a:p>
+            <a:endParaRPr kumimoji="1" lang="ja-JP" altLang="en-US"/>
+          </a:p>
+        </p:txBody>
+      </p:sp>
+      <p:sp>
+        <p:nvSpPr>
+          <p:cNvPr id="8" name="テキスト ボックス 7">
+            <a:extLst>
+              <a:ext uri="{FF2B5EF4-FFF2-40B4-BE49-F238E27FC236}">
+                <a16:creationId xmlns:a16="http://schemas.microsoft.com/office/drawing/2014/main" id="{E16DE5A8-D208-44D3-71DB-4DBB6EBED893}"/>
+              </a:ext>
+            </a:extLst>
+          </p:cNvPr>
+          <p:cNvSpPr txBox="1"/>
+          <p:nvPr/>
+        </p:nvSpPr>
+        <p:spPr>
+          <a:xfrm>
+            <a:off x="4468280" y="1544320"/>
+            <a:ext cx="4229043" cy="4708981"/>
+          </a:xfrm>
+          <a:prstGeom prst="rect">
+            <a:avLst/>
+          </a:prstGeom>
+          <a:solidFill>
+            <a:schemeClr val="tx1"/>
+          </a:solidFill>
+        </p:spPr>
+        <p:txBody>
+          <a:bodyPr wrap="none" rtlCol="0">
+            <a:spAutoFit/>
+          </a:bodyPr>
+          <a:lstStyle/>
+          <a:p>
+            <a:pPr algn="l">
+              <a:lnSpc>
+                <a:spcPts val="1950"/>
+              </a:lnSpc>
+            </a:pPr>
+            <a:r>
+              <a:rPr lang="en-US" altLang="ja-JP" sz="1800" kern="0">
+                <a:solidFill>
+                  <a:srgbClr val="C586C0"/>
+                </a:solidFill>
+                <a:effectLst/>
+                <a:latin typeface="Menlo" panose="020B0609030804020204" pitchFamily="49" charset="0"/>
+                <a:ea typeface="ＭＳ Ｐゴシック" panose="020B0600070205080204" pitchFamily="34" charset="-128"/>
+                <a:cs typeface="Times New Roman" panose="02020603050405020304" pitchFamily="18" charset="0"/>
+              </a:rPr>
+              <a:t>while</a:t>
+            </a:r>
+            <a:r>
+              <a:rPr lang="en-US" altLang="ja-JP" sz="1800" kern="0">
+                <a:solidFill>
+                  <a:srgbClr val="CCCCCC"/>
+                </a:solidFill>
+                <a:effectLst/>
+                <a:latin typeface="Menlo" panose="020B0609030804020204" pitchFamily="49" charset="0"/>
+                <a:ea typeface="ＭＳ Ｐゴシック" panose="020B0600070205080204" pitchFamily="34" charset="-128"/>
+                <a:cs typeface="Times New Roman" panose="02020603050405020304" pitchFamily="18" charset="0"/>
+              </a:rPr>
+              <a:t>(</a:t>
+            </a:r>
+            <a:r>
+              <a:rPr lang="en-US" altLang="ja-JP" sz="1800" kern="0">
+                <a:solidFill>
+                  <a:srgbClr val="569CD6"/>
+                </a:solidFill>
+                <a:effectLst/>
+                <a:latin typeface="Menlo" panose="020B0609030804020204" pitchFamily="49" charset="0"/>
+                <a:ea typeface="ＭＳ Ｐゴシック" panose="020B0600070205080204" pitchFamily="34" charset="-128"/>
+                <a:cs typeface="Times New Roman" panose="02020603050405020304" pitchFamily="18" charset="0"/>
+              </a:rPr>
+              <a:t>true</a:t>
+            </a:r>
+            <a:r>
+              <a:rPr lang="en-US" altLang="ja-JP" sz="1800" kern="0">
+                <a:solidFill>
+                  <a:srgbClr val="CCCCCC"/>
+                </a:solidFill>
+                <a:effectLst/>
+                <a:latin typeface="Menlo" panose="020B0609030804020204" pitchFamily="49" charset="0"/>
+                <a:ea typeface="ＭＳ Ｐゴシック" panose="020B0600070205080204" pitchFamily="34" charset="-128"/>
+                <a:cs typeface="Times New Roman" panose="02020603050405020304" pitchFamily="18" charset="0"/>
+              </a:rPr>
+              <a:t>){</a:t>
+            </a:r>
+            <a:endParaRPr lang="ja-JP" altLang="ja-JP" sz="1800" kern="100">
+              <a:effectLst/>
+              <a:latin typeface="游明朝" panose="02020400000000000000" pitchFamily="18" charset="-128"/>
+              <a:ea typeface="游明朝" panose="02020400000000000000" pitchFamily="18" charset="-128"/>
+              <a:cs typeface="Times New Roman" panose="02020603050405020304" pitchFamily="18" charset="0"/>
+            </a:endParaRPr>
+          </a:p>
+          <a:p>
+            <a:pPr algn="l">
+              <a:lnSpc>
+                <a:spcPts val="1950"/>
+              </a:lnSpc>
+            </a:pPr>
+            <a:r>
+              <a:rPr lang="en-US" altLang="ja-JP" sz="1800" kern="0">
+                <a:solidFill>
+                  <a:srgbClr val="CCCCCC"/>
+                </a:solidFill>
+                <a:effectLst/>
+                <a:latin typeface="Menlo" panose="020B0609030804020204" pitchFamily="49" charset="0"/>
+                <a:ea typeface="ＭＳ Ｐゴシック" panose="020B0600070205080204" pitchFamily="34" charset="-128"/>
+                <a:cs typeface="Times New Roman" panose="02020603050405020304" pitchFamily="18" charset="0"/>
+              </a:rPr>
+              <a:t>    </a:t>
+            </a:r>
+            <a:r>
+              <a:rPr lang="en-US" altLang="ja-JP" sz="1800" kern="0">
+                <a:solidFill>
+                  <a:srgbClr val="569CD6"/>
+                </a:solidFill>
+                <a:effectLst/>
+                <a:latin typeface="Menlo" panose="020B0609030804020204" pitchFamily="49" charset="0"/>
+                <a:ea typeface="ＭＳ Ｐゴシック" panose="020B0600070205080204" pitchFamily="34" charset="-128"/>
+                <a:cs typeface="Times New Roman" panose="02020603050405020304" pitchFamily="18" charset="0"/>
+              </a:rPr>
+              <a:t>bool</a:t>
+            </a:r>
+            <a:r>
+              <a:rPr lang="en-US" altLang="ja-JP" sz="1800" kern="0">
+                <a:solidFill>
+                  <a:srgbClr val="CCCCCC"/>
+                </a:solidFill>
+                <a:effectLst/>
+                <a:latin typeface="Menlo" panose="020B0609030804020204" pitchFamily="49" charset="0"/>
+                <a:ea typeface="ＭＳ Ｐゴシック" panose="020B0600070205080204" pitchFamily="34" charset="-128"/>
+                <a:cs typeface="Times New Roman" panose="02020603050405020304" pitchFamily="18" charset="0"/>
+              </a:rPr>
+              <a:t> </a:t>
+            </a:r>
+            <a:r>
+              <a:rPr lang="en-US" altLang="ja-JP" sz="1800" kern="0">
+                <a:solidFill>
+                  <a:srgbClr val="9CDCFE"/>
+                </a:solidFill>
+                <a:effectLst/>
+                <a:latin typeface="Menlo" panose="020B0609030804020204" pitchFamily="49" charset="0"/>
+                <a:ea typeface="ＭＳ Ｐゴシック" panose="020B0600070205080204" pitchFamily="34" charset="-128"/>
+                <a:cs typeface="Times New Roman" panose="02020603050405020304" pitchFamily="18" charset="0"/>
+              </a:rPr>
+              <a:t>all_even</a:t>
+            </a:r>
+            <a:r>
+              <a:rPr lang="en-US" altLang="ja-JP" sz="1800" kern="0">
+                <a:solidFill>
+                  <a:srgbClr val="CCCCCC"/>
+                </a:solidFill>
+                <a:effectLst/>
+                <a:latin typeface="Menlo" panose="020B0609030804020204" pitchFamily="49" charset="0"/>
+                <a:ea typeface="ＭＳ Ｐゴシック" panose="020B0600070205080204" pitchFamily="34" charset="-128"/>
+                <a:cs typeface="Times New Roman" panose="02020603050405020304" pitchFamily="18" charset="0"/>
+              </a:rPr>
+              <a:t> </a:t>
+            </a:r>
+            <a:r>
+              <a:rPr lang="en-US" altLang="ja-JP" sz="1800" kern="0">
+                <a:solidFill>
+                  <a:srgbClr val="D4D4D4"/>
+                </a:solidFill>
+                <a:effectLst/>
+                <a:latin typeface="Menlo" panose="020B0609030804020204" pitchFamily="49" charset="0"/>
+                <a:ea typeface="ＭＳ Ｐゴシック" panose="020B0600070205080204" pitchFamily="34" charset="-128"/>
+                <a:cs typeface="Times New Roman" panose="02020603050405020304" pitchFamily="18" charset="0"/>
+              </a:rPr>
+              <a:t>=</a:t>
+            </a:r>
+            <a:r>
+              <a:rPr lang="en-US" altLang="ja-JP" sz="1800" kern="0">
+                <a:solidFill>
+                  <a:srgbClr val="CCCCCC"/>
+                </a:solidFill>
+                <a:effectLst/>
+                <a:latin typeface="Menlo" panose="020B0609030804020204" pitchFamily="49" charset="0"/>
+                <a:ea typeface="ＭＳ Ｐゴシック" panose="020B0600070205080204" pitchFamily="34" charset="-128"/>
+                <a:cs typeface="Times New Roman" panose="02020603050405020304" pitchFamily="18" charset="0"/>
+              </a:rPr>
+              <a:t> </a:t>
+            </a:r>
+            <a:r>
+              <a:rPr lang="en-US" altLang="ja-JP" sz="1800" kern="0">
+                <a:solidFill>
+                  <a:srgbClr val="569CD6"/>
+                </a:solidFill>
+                <a:effectLst/>
+                <a:latin typeface="Menlo" panose="020B0609030804020204" pitchFamily="49" charset="0"/>
+                <a:ea typeface="ＭＳ Ｐゴシック" panose="020B0600070205080204" pitchFamily="34" charset="-128"/>
+                <a:cs typeface="Times New Roman" panose="02020603050405020304" pitchFamily="18" charset="0"/>
+              </a:rPr>
+              <a:t>true</a:t>
+            </a:r>
+            <a:r>
+              <a:rPr lang="en-US" altLang="ja-JP" sz="1800" kern="0">
+                <a:solidFill>
+                  <a:srgbClr val="CCCCCC"/>
+                </a:solidFill>
+                <a:effectLst/>
+                <a:latin typeface="Menlo" panose="020B0609030804020204" pitchFamily="49" charset="0"/>
+                <a:ea typeface="ＭＳ Ｐゴシック" panose="020B0600070205080204" pitchFamily="34" charset="-128"/>
+                <a:cs typeface="Times New Roman" panose="02020603050405020304" pitchFamily="18" charset="0"/>
+              </a:rPr>
+              <a:t>;</a:t>
+            </a:r>
+            <a:endParaRPr lang="ja-JP" altLang="ja-JP" sz="1800" kern="100">
+              <a:effectLst/>
+              <a:latin typeface="游明朝" panose="02020400000000000000" pitchFamily="18" charset="-128"/>
+              <a:ea typeface="游明朝" panose="02020400000000000000" pitchFamily="18" charset="-128"/>
+              <a:cs typeface="Times New Roman" panose="02020603050405020304" pitchFamily="18" charset="0"/>
+            </a:endParaRPr>
+          </a:p>
+          <a:p>
+            <a:pPr algn="l">
+              <a:lnSpc>
+                <a:spcPts val="1950"/>
+              </a:lnSpc>
+            </a:pPr>
+            <a:r>
+              <a:rPr lang="en-US" altLang="ja-JP" sz="1800" kern="0">
+                <a:solidFill>
+                  <a:srgbClr val="CCCCCC"/>
+                </a:solidFill>
+                <a:effectLst/>
+                <a:latin typeface="Menlo" panose="020B0609030804020204" pitchFamily="49" charset="0"/>
+                <a:ea typeface="ＭＳ Ｐゴシック" panose="020B0600070205080204" pitchFamily="34" charset="-128"/>
+                <a:cs typeface="Times New Roman" panose="02020603050405020304" pitchFamily="18" charset="0"/>
+              </a:rPr>
+              <a:t>    </a:t>
+            </a:r>
+            <a:r>
+              <a:rPr lang="en-US" altLang="ja-JP" sz="1800" kern="0">
+                <a:solidFill>
+                  <a:srgbClr val="C586C0"/>
+                </a:solidFill>
+                <a:effectLst/>
+                <a:latin typeface="Menlo" panose="020B0609030804020204" pitchFamily="49" charset="0"/>
+                <a:ea typeface="ＭＳ Ｐゴシック" panose="020B0600070205080204" pitchFamily="34" charset="-128"/>
+                <a:cs typeface="Times New Roman" panose="02020603050405020304" pitchFamily="18" charset="0"/>
+              </a:rPr>
+              <a:t>for</a:t>
+            </a:r>
+            <a:r>
+              <a:rPr lang="en-US" altLang="ja-JP" sz="1800" kern="0">
+                <a:solidFill>
+                  <a:srgbClr val="CCCCCC"/>
+                </a:solidFill>
+                <a:effectLst/>
+                <a:latin typeface="Menlo" panose="020B0609030804020204" pitchFamily="49" charset="0"/>
+                <a:ea typeface="ＭＳ Ｐゴシック" panose="020B0600070205080204" pitchFamily="34" charset="-128"/>
+                <a:cs typeface="Times New Roman" panose="02020603050405020304" pitchFamily="18" charset="0"/>
+              </a:rPr>
+              <a:t>(</a:t>
+            </a:r>
+            <a:r>
+              <a:rPr lang="en-US" altLang="ja-JP" sz="1800" kern="0">
+                <a:solidFill>
+                  <a:srgbClr val="569CD6"/>
+                </a:solidFill>
+                <a:effectLst/>
+                <a:latin typeface="Menlo" panose="020B0609030804020204" pitchFamily="49" charset="0"/>
+                <a:ea typeface="ＭＳ Ｐゴシック" panose="020B0600070205080204" pitchFamily="34" charset="-128"/>
+                <a:cs typeface="Times New Roman" panose="02020603050405020304" pitchFamily="18" charset="0"/>
+              </a:rPr>
+              <a:t>int</a:t>
+            </a:r>
+            <a:r>
+              <a:rPr lang="en-US" altLang="ja-JP" sz="1800" kern="0">
+                <a:solidFill>
+                  <a:srgbClr val="CCCCCC"/>
+                </a:solidFill>
+                <a:effectLst/>
+                <a:latin typeface="Menlo" panose="020B0609030804020204" pitchFamily="49" charset="0"/>
+                <a:ea typeface="ＭＳ Ｐゴシック" panose="020B0600070205080204" pitchFamily="34" charset="-128"/>
+                <a:cs typeface="Times New Roman" panose="02020603050405020304" pitchFamily="18" charset="0"/>
+              </a:rPr>
+              <a:t> </a:t>
+            </a:r>
+            <a:r>
+              <a:rPr lang="en-US" altLang="ja-JP" sz="1800" kern="0">
+                <a:solidFill>
+                  <a:srgbClr val="9CDCFE"/>
+                </a:solidFill>
+                <a:effectLst/>
+                <a:latin typeface="Menlo" panose="020B0609030804020204" pitchFamily="49" charset="0"/>
+                <a:ea typeface="ＭＳ Ｐゴシック" panose="020B0600070205080204" pitchFamily="34" charset="-128"/>
+                <a:cs typeface="Times New Roman" panose="02020603050405020304" pitchFamily="18" charset="0"/>
+              </a:rPr>
+              <a:t>i</a:t>
+            </a:r>
+            <a:r>
+              <a:rPr lang="en-US" altLang="ja-JP" sz="1800" kern="0">
+                <a:solidFill>
+                  <a:srgbClr val="CCCCCC"/>
+                </a:solidFill>
+                <a:effectLst/>
+                <a:latin typeface="Menlo" panose="020B0609030804020204" pitchFamily="49" charset="0"/>
+                <a:ea typeface="ＭＳ Ｐゴシック" panose="020B0600070205080204" pitchFamily="34" charset="-128"/>
+                <a:cs typeface="Times New Roman" panose="02020603050405020304" pitchFamily="18" charset="0"/>
+              </a:rPr>
+              <a:t> </a:t>
+            </a:r>
+            <a:r>
+              <a:rPr lang="en-US" altLang="ja-JP" sz="1800" kern="0">
+                <a:solidFill>
+                  <a:srgbClr val="D4D4D4"/>
+                </a:solidFill>
+                <a:effectLst/>
+                <a:latin typeface="Menlo" panose="020B0609030804020204" pitchFamily="49" charset="0"/>
+                <a:ea typeface="ＭＳ Ｐゴシック" panose="020B0600070205080204" pitchFamily="34" charset="-128"/>
+                <a:cs typeface="Times New Roman" panose="02020603050405020304" pitchFamily="18" charset="0"/>
+              </a:rPr>
+              <a:t>=</a:t>
+            </a:r>
+            <a:r>
+              <a:rPr lang="en-US" altLang="ja-JP" sz="1800" kern="0">
+                <a:solidFill>
+                  <a:srgbClr val="CCCCCC"/>
+                </a:solidFill>
+                <a:effectLst/>
+                <a:latin typeface="Menlo" panose="020B0609030804020204" pitchFamily="49" charset="0"/>
+                <a:ea typeface="ＭＳ Ｐゴシック" panose="020B0600070205080204" pitchFamily="34" charset="-128"/>
+                <a:cs typeface="Times New Roman" panose="02020603050405020304" pitchFamily="18" charset="0"/>
+              </a:rPr>
+              <a:t> </a:t>
+            </a:r>
+            <a:r>
+              <a:rPr lang="en-US" altLang="ja-JP" sz="1800" kern="0">
+                <a:solidFill>
+                  <a:srgbClr val="B5CEA8"/>
+                </a:solidFill>
+                <a:effectLst/>
+                <a:latin typeface="Menlo" panose="020B0609030804020204" pitchFamily="49" charset="0"/>
+                <a:ea typeface="ＭＳ Ｐゴシック" panose="020B0600070205080204" pitchFamily="34" charset="-128"/>
+                <a:cs typeface="Times New Roman" panose="02020603050405020304" pitchFamily="18" charset="0"/>
+              </a:rPr>
+              <a:t>0</a:t>
+            </a:r>
+            <a:r>
+              <a:rPr lang="en-US" altLang="ja-JP" sz="1800" kern="0">
+                <a:solidFill>
+                  <a:srgbClr val="CCCCCC"/>
+                </a:solidFill>
+                <a:effectLst/>
+                <a:latin typeface="Menlo" panose="020B0609030804020204" pitchFamily="49" charset="0"/>
+                <a:ea typeface="ＭＳ Ｐゴシック" panose="020B0600070205080204" pitchFamily="34" charset="-128"/>
+                <a:cs typeface="Times New Roman" panose="02020603050405020304" pitchFamily="18" charset="0"/>
+              </a:rPr>
+              <a:t>;</a:t>
+            </a:r>
+            <a:r>
+              <a:rPr lang="en-US" altLang="ja-JP" sz="1800" kern="0">
+                <a:solidFill>
+                  <a:srgbClr val="9CDCFE"/>
+                </a:solidFill>
+                <a:effectLst/>
+                <a:latin typeface="Menlo" panose="020B0609030804020204" pitchFamily="49" charset="0"/>
+                <a:ea typeface="ＭＳ Ｐゴシック" panose="020B0600070205080204" pitchFamily="34" charset="-128"/>
+                <a:cs typeface="Times New Roman" panose="02020603050405020304" pitchFamily="18" charset="0"/>
+              </a:rPr>
+              <a:t>i</a:t>
+            </a:r>
+            <a:r>
+              <a:rPr lang="en-US" altLang="ja-JP" sz="1800" kern="0">
+                <a:solidFill>
+                  <a:srgbClr val="CCCCCC"/>
+                </a:solidFill>
+                <a:effectLst/>
+                <a:latin typeface="Menlo" panose="020B0609030804020204" pitchFamily="49" charset="0"/>
+                <a:ea typeface="ＭＳ Ｐゴシック" panose="020B0600070205080204" pitchFamily="34" charset="-128"/>
+                <a:cs typeface="Times New Roman" panose="02020603050405020304" pitchFamily="18" charset="0"/>
+              </a:rPr>
+              <a:t> </a:t>
+            </a:r>
+            <a:r>
+              <a:rPr lang="en-US" altLang="ja-JP" sz="1800" kern="0">
+                <a:solidFill>
+                  <a:srgbClr val="D4D4D4"/>
+                </a:solidFill>
+                <a:effectLst/>
+                <a:latin typeface="Menlo" panose="020B0609030804020204" pitchFamily="49" charset="0"/>
+                <a:ea typeface="ＭＳ Ｐゴシック" panose="020B0600070205080204" pitchFamily="34" charset="-128"/>
+                <a:cs typeface="Times New Roman" panose="02020603050405020304" pitchFamily="18" charset="0"/>
+              </a:rPr>
+              <a:t>&lt;</a:t>
+            </a:r>
+            <a:r>
+              <a:rPr lang="en-US" altLang="ja-JP" sz="1800" kern="0">
+                <a:solidFill>
+                  <a:srgbClr val="CCCCCC"/>
+                </a:solidFill>
+                <a:effectLst/>
+                <a:latin typeface="Menlo" panose="020B0609030804020204" pitchFamily="49" charset="0"/>
+                <a:ea typeface="ＭＳ Ｐゴシック" panose="020B0600070205080204" pitchFamily="34" charset="-128"/>
+                <a:cs typeface="Times New Roman" panose="02020603050405020304" pitchFamily="18" charset="0"/>
+              </a:rPr>
+              <a:t> </a:t>
+            </a:r>
+            <a:r>
+              <a:rPr lang="en-US" altLang="ja-JP" sz="1800" kern="0">
+                <a:solidFill>
+                  <a:srgbClr val="9CDCFE"/>
+                </a:solidFill>
+                <a:effectLst/>
+                <a:latin typeface="Menlo" panose="020B0609030804020204" pitchFamily="49" charset="0"/>
+                <a:ea typeface="ＭＳ Ｐゴシック" panose="020B0600070205080204" pitchFamily="34" charset="-128"/>
+                <a:cs typeface="Times New Roman" panose="02020603050405020304" pitchFamily="18" charset="0"/>
+              </a:rPr>
+              <a:t>n</a:t>
+            </a:r>
+            <a:r>
+              <a:rPr lang="en-US" altLang="ja-JP" sz="1800" kern="0">
+                <a:solidFill>
+                  <a:srgbClr val="CCCCCC"/>
+                </a:solidFill>
+                <a:effectLst/>
+                <a:latin typeface="Menlo" panose="020B0609030804020204" pitchFamily="49" charset="0"/>
+                <a:ea typeface="ＭＳ Ｐゴシック" panose="020B0600070205080204" pitchFamily="34" charset="-128"/>
+                <a:cs typeface="Times New Roman" panose="02020603050405020304" pitchFamily="18" charset="0"/>
+              </a:rPr>
+              <a:t>;</a:t>
+            </a:r>
+            <a:r>
+              <a:rPr lang="en-US" altLang="ja-JP" sz="1800" kern="0">
+                <a:solidFill>
+                  <a:srgbClr val="9CDCFE"/>
+                </a:solidFill>
+                <a:effectLst/>
+                <a:latin typeface="Menlo" panose="020B0609030804020204" pitchFamily="49" charset="0"/>
+                <a:ea typeface="ＭＳ Ｐゴシック" panose="020B0600070205080204" pitchFamily="34" charset="-128"/>
+                <a:cs typeface="Times New Roman" panose="02020603050405020304" pitchFamily="18" charset="0"/>
+              </a:rPr>
+              <a:t>i</a:t>
+            </a:r>
+            <a:r>
+              <a:rPr lang="en-US" altLang="ja-JP" sz="1800" kern="0">
+                <a:solidFill>
+                  <a:srgbClr val="D4D4D4"/>
+                </a:solidFill>
+                <a:effectLst/>
+                <a:latin typeface="Menlo" panose="020B0609030804020204" pitchFamily="49" charset="0"/>
+                <a:ea typeface="ＭＳ Ｐゴシック" panose="020B0600070205080204" pitchFamily="34" charset="-128"/>
+                <a:cs typeface="Times New Roman" panose="02020603050405020304" pitchFamily="18" charset="0"/>
+              </a:rPr>
+              <a:t>++</a:t>
+            </a:r>
+            <a:r>
+              <a:rPr lang="en-US" altLang="ja-JP" sz="1800" kern="0">
+                <a:solidFill>
+                  <a:srgbClr val="CCCCCC"/>
+                </a:solidFill>
+                <a:effectLst/>
+                <a:latin typeface="Menlo" panose="020B0609030804020204" pitchFamily="49" charset="0"/>
+                <a:ea typeface="ＭＳ Ｐゴシック" panose="020B0600070205080204" pitchFamily="34" charset="-128"/>
+                <a:cs typeface="Times New Roman" panose="02020603050405020304" pitchFamily="18" charset="0"/>
+              </a:rPr>
+              <a:t>){</a:t>
+            </a:r>
+            <a:endParaRPr lang="ja-JP" altLang="ja-JP" sz="1800" kern="100">
+              <a:effectLst/>
+              <a:latin typeface="游明朝" panose="02020400000000000000" pitchFamily="18" charset="-128"/>
+              <a:ea typeface="游明朝" panose="02020400000000000000" pitchFamily="18" charset="-128"/>
+              <a:cs typeface="Times New Roman" panose="02020603050405020304" pitchFamily="18" charset="0"/>
+            </a:endParaRPr>
+          </a:p>
+          <a:p>
+            <a:pPr algn="l">
+              <a:lnSpc>
+                <a:spcPts val="1950"/>
+              </a:lnSpc>
+            </a:pPr>
+            <a:r>
+              <a:rPr lang="en-US" altLang="ja-JP" sz="1800" kern="0">
+                <a:solidFill>
+                  <a:srgbClr val="CCCCCC"/>
+                </a:solidFill>
+                <a:effectLst/>
+                <a:latin typeface="Menlo" panose="020B0609030804020204" pitchFamily="49" charset="0"/>
+                <a:ea typeface="ＭＳ Ｐゴシック" panose="020B0600070205080204" pitchFamily="34" charset="-128"/>
+                <a:cs typeface="Times New Roman" panose="02020603050405020304" pitchFamily="18" charset="0"/>
+              </a:rPr>
+              <a:t>      </a:t>
+            </a:r>
+            <a:r>
+              <a:rPr lang="en-US" altLang="ja-JP" sz="1800" kern="0">
+                <a:solidFill>
+                  <a:srgbClr val="C586C0"/>
+                </a:solidFill>
+                <a:effectLst/>
+                <a:latin typeface="Menlo" panose="020B0609030804020204" pitchFamily="49" charset="0"/>
+                <a:ea typeface="ＭＳ Ｐゴシック" panose="020B0600070205080204" pitchFamily="34" charset="-128"/>
+                <a:cs typeface="Times New Roman" panose="02020603050405020304" pitchFamily="18" charset="0"/>
+              </a:rPr>
+              <a:t>if</a:t>
+            </a:r>
+            <a:r>
+              <a:rPr lang="en-US" altLang="ja-JP" sz="1800" kern="0">
+                <a:solidFill>
+                  <a:srgbClr val="CCCCCC"/>
+                </a:solidFill>
+                <a:effectLst/>
+                <a:latin typeface="Menlo" panose="020B0609030804020204" pitchFamily="49" charset="0"/>
+                <a:ea typeface="ＭＳ Ｐゴシック" panose="020B0600070205080204" pitchFamily="34" charset="-128"/>
+                <a:cs typeface="Times New Roman" panose="02020603050405020304" pitchFamily="18" charset="0"/>
+              </a:rPr>
+              <a:t>(</a:t>
+            </a:r>
+            <a:r>
+              <a:rPr lang="en-US" altLang="ja-JP" sz="1800" kern="0">
+                <a:solidFill>
+                  <a:srgbClr val="9CDCFE"/>
+                </a:solidFill>
+                <a:effectLst/>
+                <a:latin typeface="Menlo" panose="020B0609030804020204" pitchFamily="49" charset="0"/>
+                <a:ea typeface="ＭＳ Ｐゴシック" panose="020B0600070205080204" pitchFamily="34" charset="-128"/>
+                <a:cs typeface="Times New Roman" panose="02020603050405020304" pitchFamily="18" charset="0"/>
+              </a:rPr>
+              <a:t>a</a:t>
+            </a:r>
+            <a:r>
+              <a:rPr lang="en-US" altLang="ja-JP" sz="1800" kern="0">
+                <a:solidFill>
+                  <a:srgbClr val="DCDCAA"/>
+                </a:solidFill>
+                <a:effectLst/>
+                <a:latin typeface="Menlo" panose="020B0609030804020204" pitchFamily="49" charset="0"/>
+                <a:ea typeface="ＭＳ Ｐゴシック" panose="020B0600070205080204" pitchFamily="34" charset="-128"/>
+                <a:cs typeface="Times New Roman" panose="02020603050405020304" pitchFamily="18" charset="0"/>
+              </a:rPr>
+              <a:t>[</a:t>
+            </a:r>
+            <a:r>
+              <a:rPr lang="en-US" altLang="ja-JP" sz="1800" kern="0">
+                <a:solidFill>
+                  <a:srgbClr val="9CDCFE"/>
+                </a:solidFill>
+                <a:effectLst/>
+                <a:latin typeface="Menlo" panose="020B0609030804020204" pitchFamily="49" charset="0"/>
+                <a:ea typeface="ＭＳ Ｐゴシック" panose="020B0600070205080204" pitchFamily="34" charset="-128"/>
+                <a:cs typeface="Times New Roman" panose="02020603050405020304" pitchFamily="18" charset="0"/>
+              </a:rPr>
+              <a:t>i</a:t>
+            </a:r>
+            <a:r>
+              <a:rPr lang="en-US" altLang="ja-JP" sz="1800" kern="0">
+                <a:solidFill>
+                  <a:srgbClr val="DCDCAA"/>
+                </a:solidFill>
+                <a:effectLst/>
+                <a:latin typeface="Menlo" panose="020B0609030804020204" pitchFamily="49" charset="0"/>
+                <a:ea typeface="ＭＳ Ｐゴシック" panose="020B0600070205080204" pitchFamily="34" charset="-128"/>
+                <a:cs typeface="Times New Roman" panose="02020603050405020304" pitchFamily="18" charset="0"/>
+              </a:rPr>
+              <a:t>]</a:t>
+            </a:r>
+            <a:r>
+              <a:rPr lang="en-US" altLang="ja-JP" sz="1800" kern="0">
+                <a:solidFill>
+                  <a:srgbClr val="CCCCCC"/>
+                </a:solidFill>
+                <a:effectLst/>
+                <a:latin typeface="Menlo" panose="020B0609030804020204" pitchFamily="49" charset="0"/>
+                <a:ea typeface="ＭＳ Ｐゴシック" panose="020B0600070205080204" pitchFamily="34" charset="-128"/>
+                <a:cs typeface="Times New Roman" panose="02020603050405020304" pitchFamily="18" charset="0"/>
+              </a:rPr>
+              <a:t> </a:t>
+            </a:r>
+            <a:r>
+              <a:rPr lang="en-US" altLang="ja-JP" sz="1800" kern="0">
+                <a:solidFill>
+                  <a:srgbClr val="D4D4D4"/>
+                </a:solidFill>
+                <a:effectLst/>
+                <a:latin typeface="Menlo" panose="020B0609030804020204" pitchFamily="49" charset="0"/>
+                <a:ea typeface="ＭＳ Ｐゴシック" panose="020B0600070205080204" pitchFamily="34" charset="-128"/>
+                <a:cs typeface="Times New Roman" panose="02020603050405020304" pitchFamily="18" charset="0"/>
+              </a:rPr>
+              <a:t>%</a:t>
+            </a:r>
+            <a:r>
+              <a:rPr lang="en-US" altLang="ja-JP" sz="1800" kern="0">
+                <a:solidFill>
+                  <a:srgbClr val="CCCCCC"/>
+                </a:solidFill>
+                <a:effectLst/>
+                <a:latin typeface="Menlo" panose="020B0609030804020204" pitchFamily="49" charset="0"/>
+                <a:ea typeface="ＭＳ Ｐゴシック" panose="020B0600070205080204" pitchFamily="34" charset="-128"/>
+                <a:cs typeface="Times New Roman" panose="02020603050405020304" pitchFamily="18" charset="0"/>
+              </a:rPr>
+              <a:t> </a:t>
+            </a:r>
+            <a:r>
+              <a:rPr lang="en-US" altLang="ja-JP" sz="1800" kern="0">
+                <a:solidFill>
+                  <a:srgbClr val="B5CEA8"/>
+                </a:solidFill>
+                <a:effectLst/>
+                <a:latin typeface="Menlo" panose="020B0609030804020204" pitchFamily="49" charset="0"/>
+                <a:ea typeface="ＭＳ Ｐゴシック" panose="020B0600070205080204" pitchFamily="34" charset="-128"/>
+                <a:cs typeface="Times New Roman" panose="02020603050405020304" pitchFamily="18" charset="0"/>
+              </a:rPr>
+              <a:t>2</a:t>
+            </a:r>
+            <a:r>
+              <a:rPr lang="en-US" altLang="ja-JP" sz="1800" kern="0">
+                <a:solidFill>
+                  <a:srgbClr val="CCCCCC"/>
+                </a:solidFill>
+                <a:effectLst/>
+                <a:latin typeface="Menlo" panose="020B0609030804020204" pitchFamily="49" charset="0"/>
+                <a:ea typeface="ＭＳ Ｐゴシック" panose="020B0600070205080204" pitchFamily="34" charset="-128"/>
+                <a:cs typeface="Times New Roman" panose="02020603050405020304" pitchFamily="18" charset="0"/>
+              </a:rPr>
+              <a:t> </a:t>
+            </a:r>
+            <a:r>
+              <a:rPr lang="en-US" altLang="ja-JP" sz="1800" kern="0">
+                <a:solidFill>
+                  <a:srgbClr val="D4D4D4"/>
+                </a:solidFill>
+                <a:effectLst/>
+                <a:latin typeface="Menlo" panose="020B0609030804020204" pitchFamily="49" charset="0"/>
+                <a:ea typeface="ＭＳ Ｐゴシック" panose="020B0600070205080204" pitchFamily="34" charset="-128"/>
+                <a:cs typeface="Times New Roman" panose="02020603050405020304" pitchFamily="18" charset="0"/>
+              </a:rPr>
+              <a:t>!=</a:t>
+            </a:r>
+            <a:r>
+              <a:rPr lang="en-US" altLang="ja-JP" sz="1800" kern="0">
+                <a:solidFill>
+                  <a:srgbClr val="CCCCCC"/>
+                </a:solidFill>
+                <a:effectLst/>
+                <a:latin typeface="Menlo" panose="020B0609030804020204" pitchFamily="49" charset="0"/>
+                <a:ea typeface="ＭＳ Ｐゴシック" panose="020B0600070205080204" pitchFamily="34" charset="-128"/>
+                <a:cs typeface="Times New Roman" panose="02020603050405020304" pitchFamily="18" charset="0"/>
+              </a:rPr>
+              <a:t> </a:t>
+            </a:r>
+            <a:r>
+              <a:rPr lang="en-US" altLang="ja-JP" sz="1800" kern="0">
+                <a:solidFill>
+                  <a:srgbClr val="B5CEA8"/>
+                </a:solidFill>
+                <a:effectLst/>
+                <a:latin typeface="Menlo" panose="020B0609030804020204" pitchFamily="49" charset="0"/>
+                <a:ea typeface="ＭＳ Ｐゴシック" panose="020B0600070205080204" pitchFamily="34" charset="-128"/>
+                <a:cs typeface="Times New Roman" panose="02020603050405020304" pitchFamily="18" charset="0"/>
+              </a:rPr>
+              <a:t>0</a:t>
+            </a:r>
+            <a:r>
+              <a:rPr lang="en-US" altLang="ja-JP" sz="1800" kern="0">
+                <a:solidFill>
+                  <a:srgbClr val="CCCCCC"/>
+                </a:solidFill>
+                <a:effectLst/>
+                <a:latin typeface="Menlo" panose="020B0609030804020204" pitchFamily="49" charset="0"/>
+                <a:ea typeface="ＭＳ Ｐゴシック" panose="020B0600070205080204" pitchFamily="34" charset="-128"/>
+                <a:cs typeface="Times New Roman" panose="02020603050405020304" pitchFamily="18" charset="0"/>
+              </a:rPr>
+              <a:t>){</a:t>
+            </a:r>
+            <a:endParaRPr lang="ja-JP" altLang="ja-JP" sz="1800" kern="100">
+              <a:effectLst/>
+              <a:latin typeface="游明朝" panose="02020400000000000000" pitchFamily="18" charset="-128"/>
+              <a:ea typeface="游明朝" panose="02020400000000000000" pitchFamily="18" charset="-128"/>
+              <a:cs typeface="Times New Roman" panose="02020603050405020304" pitchFamily="18" charset="0"/>
+            </a:endParaRPr>
+          </a:p>
+          <a:p>
+            <a:pPr algn="l">
+              <a:lnSpc>
+                <a:spcPts val="1950"/>
+              </a:lnSpc>
+            </a:pPr>
+            <a:r>
+              <a:rPr lang="en-US" altLang="ja-JP" sz="1800" kern="0">
+                <a:solidFill>
+                  <a:srgbClr val="CCCCCC"/>
+                </a:solidFill>
+                <a:effectLst/>
+                <a:latin typeface="Menlo" panose="020B0609030804020204" pitchFamily="49" charset="0"/>
+                <a:ea typeface="ＭＳ Ｐゴシック" panose="020B0600070205080204" pitchFamily="34" charset="-128"/>
+                <a:cs typeface="Times New Roman" panose="02020603050405020304" pitchFamily="18" charset="0"/>
+              </a:rPr>
+              <a:t>        </a:t>
+            </a:r>
+            <a:r>
+              <a:rPr lang="en-US" altLang="ja-JP" sz="1800" kern="0">
+                <a:solidFill>
+                  <a:srgbClr val="9CDCFE"/>
+                </a:solidFill>
+                <a:effectLst/>
+                <a:latin typeface="Menlo" panose="020B0609030804020204" pitchFamily="49" charset="0"/>
+                <a:ea typeface="ＭＳ Ｐゴシック" panose="020B0600070205080204" pitchFamily="34" charset="-128"/>
+                <a:cs typeface="Times New Roman" panose="02020603050405020304" pitchFamily="18" charset="0"/>
+              </a:rPr>
+              <a:t>all_even</a:t>
+            </a:r>
+            <a:r>
+              <a:rPr lang="en-US" altLang="ja-JP" sz="1800" kern="0">
+                <a:solidFill>
+                  <a:srgbClr val="CCCCCC"/>
+                </a:solidFill>
+                <a:effectLst/>
+                <a:latin typeface="Menlo" panose="020B0609030804020204" pitchFamily="49" charset="0"/>
+                <a:ea typeface="ＭＳ Ｐゴシック" panose="020B0600070205080204" pitchFamily="34" charset="-128"/>
+                <a:cs typeface="Times New Roman" panose="02020603050405020304" pitchFamily="18" charset="0"/>
+              </a:rPr>
+              <a:t> </a:t>
+            </a:r>
+            <a:r>
+              <a:rPr lang="en-US" altLang="ja-JP" sz="1800" kern="0">
+                <a:solidFill>
+                  <a:srgbClr val="D4D4D4"/>
+                </a:solidFill>
+                <a:effectLst/>
+                <a:latin typeface="Menlo" panose="020B0609030804020204" pitchFamily="49" charset="0"/>
+                <a:ea typeface="ＭＳ Ｐゴシック" panose="020B0600070205080204" pitchFamily="34" charset="-128"/>
+                <a:cs typeface="Times New Roman" panose="02020603050405020304" pitchFamily="18" charset="0"/>
+              </a:rPr>
+              <a:t>=</a:t>
+            </a:r>
+            <a:r>
+              <a:rPr lang="en-US" altLang="ja-JP" sz="1800" kern="0">
+                <a:solidFill>
+                  <a:srgbClr val="CCCCCC"/>
+                </a:solidFill>
+                <a:effectLst/>
+                <a:latin typeface="Menlo" panose="020B0609030804020204" pitchFamily="49" charset="0"/>
+                <a:ea typeface="ＭＳ Ｐゴシック" panose="020B0600070205080204" pitchFamily="34" charset="-128"/>
+                <a:cs typeface="Times New Roman" panose="02020603050405020304" pitchFamily="18" charset="0"/>
+              </a:rPr>
+              <a:t> </a:t>
+            </a:r>
+            <a:r>
+              <a:rPr lang="en-US" altLang="ja-JP" sz="1800" kern="0">
+                <a:solidFill>
+                  <a:srgbClr val="569CD6"/>
+                </a:solidFill>
+                <a:effectLst/>
+                <a:latin typeface="Menlo" panose="020B0609030804020204" pitchFamily="49" charset="0"/>
+                <a:ea typeface="ＭＳ Ｐゴシック" panose="020B0600070205080204" pitchFamily="34" charset="-128"/>
+                <a:cs typeface="Times New Roman" panose="02020603050405020304" pitchFamily="18" charset="0"/>
+              </a:rPr>
+              <a:t>false</a:t>
+            </a:r>
+            <a:r>
+              <a:rPr lang="en-US" altLang="ja-JP" sz="1800" kern="0">
+                <a:solidFill>
+                  <a:srgbClr val="CCCCCC"/>
+                </a:solidFill>
+                <a:effectLst/>
+                <a:latin typeface="Menlo" panose="020B0609030804020204" pitchFamily="49" charset="0"/>
+                <a:ea typeface="ＭＳ Ｐゴシック" panose="020B0600070205080204" pitchFamily="34" charset="-128"/>
+                <a:cs typeface="Times New Roman" panose="02020603050405020304" pitchFamily="18" charset="0"/>
+              </a:rPr>
+              <a:t>;</a:t>
+            </a:r>
+            <a:endParaRPr lang="ja-JP" altLang="ja-JP" sz="1800" kern="100">
+              <a:effectLst/>
+              <a:latin typeface="游明朝" panose="02020400000000000000" pitchFamily="18" charset="-128"/>
+              <a:ea typeface="游明朝" panose="02020400000000000000" pitchFamily="18" charset="-128"/>
+              <a:cs typeface="Times New Roman" panose="02020603050405020304" pitchFamily="18" charset="0"/>
+            </a:endParaRPr>
+          </a:p>
+          <a:p>
+            <a:pPr algn="l">
+              <a:lnSpc>
+                <a:spcPts val="1950"/>
+              </a:lnSpc>
+            </a:pPr>
+            <a:r>
+              <a:rPr lang="en-US" altLang="ja-JP" sz="1800" kern="0">
+                <a:solidFill>
+                  <a:srgbClr val="CCCCCC"/>
+                </a:solidFill>
+                <a:effectLst/>
+                <a:latin typeface="Menlo" panose="020B0609030804020204" pitchFamily="49" charset="0"/>
+                <a:ea typeface="ＭＳ Ｐゴシック" panose="020B0600070205080204" pitchFamily="34" charset="-128"/>
+                <a:cs typeface="Times New Roman" panose="02020603050405020304" pitchFamily="18" charset="0"/>
+              </a:rPr>
+              <a:t>      }</a:t>
+            </a:r>
+            <a:endParaRPr lang="ja-JP" altLang="ja-JP" sz="1800" kern="100">
+              <a:effectLst/>
+              <a:latin typeface="游明朝" panose="02020400000000000000" pitchFamily="18" charset="-128"/>
+              <a:ea typeface="游明朝" panose="02020400000000000000" pitchFamily="18" charset="-128"/>
+              <a:cs typeface="Times New Roman" panose="02020603050405020304" pitchFamily="18" charset="0"/>
+            </a:endParaRPr>
+          </a:p>
+          <a:p>
+            <a:pPr algn="l">
+              <a:lnSpc>
+                <a:spcPts val="1950"/>
+              </a:lnSpc>
+            </a:pPr>
+            <a:r>
+              <a:rPr lang="en-US" altLang="ja-JP" sz="1800" kern="0">
+                <a:solidFill>
+                  <a:srgbClr val="CCCCCC"/>
+                </a:solidFill>
+                <a:effectLst/>
+                <a:latin typeface="Menlo" panose="020B0609030804020204" pitchFamily="49" charset="0"/>
+                <a:ea typeface="ＭＳ Ｐゴシック" panose="020B0600070205080204" pitchFamily="34" charset="-128"/>
+                <a:cs typeface="Times New Roman" panose="02020603050405020304" pitchFamily="18" charset="0"/>
+              </a:rPr>
+              <a:t>    }</a:t>
+            </a:r>
+            <a:endParaRPr lang="ja-JP" altLang="ja-JP" sz="1800" kern="100">
+              <a:effectLst/>
+              <a:latin typeface="游明朝" panose="02020400000000000000" pitchFamily="18" charset="-128"/>
+              <a:ea typeface="游明朝" panose="02020400000000000000" pitchFamily="18" charset="-128"/>
+              <a:cs typeface="Times New Roman" panose="02020603050405020304" pitchFamily="18" charset="0"/>
+            </a:endParaRPr>
+          </a:p>
+          <a:p>
+            <a:pPr algn="l">
+              <a:lnSpc>
+                <a:spcPts val="1950"/>
+              </a:lnSpc>
+            </a:pPr>
+            <a:r>
+              <a:rPr lang="en-US" altLang="ja-JP" sz="1800" kern="0">
+                <a:solidFill>
+                  <a:srgbClr val="CCCCCC"/>
+                </a:solidFill>
+                <a:effectLst/>
+                <a:latin typeface="Menlo" panose="020B0609030804020204" pitchFamily="49" charset="0"/>
+                <a:ea typeface="ＭＳ Ｐゴシック" panose="020B0600070205080204" pitchFamily="34" charset="-128"/>
+                <a:cs typeface="Times New Roman" panose="02020603050405020304" pitchFamily="18" charset="0"/>
+              </a:rPr>
+              <a:t>    </a:t>
+            </a:r>
+            <a:r>
+              <a:rPr lang="en-US" altLang="ja-JP" sz="1800" kern="0">
+                <a:solidFill>
+                  <a:srgbClr val="C586C0"/>
+                </a:solidFill>
+                <a:effectLst/>
+                <a:latin typeface="Menlo" panose="020B0609030804020204" pitchFamily="49" charset="0"/>
+                <a:ea typeface="ＭＳ Ｐゴシック" panose="020B0600070205080204" pitchFamily="34" charset="-128"/>
+                <a:cs typeface="Times New Roman" panose="02020603050405020304" pitchFamily="18" charset="0"/>
+              </a:rPr>
+              <a:t>if</a:t>
+            </a:r>
+            <a:r>
+              <a:rPr lang="en-US" altLang="ja-JP" sz="1800" kern="0">
+                <a:solidFill>
+                  <a:srgbClr val="CCCCCC"/>
+                </a:solidFill>
+                <a:effectLst/>
+                <a:latin typeface="Menlo" panose="020B0609030804020204" pitchFamily="49" charset="0"/>
+                <a:ea typeface="ＭＳ Ｐゴシック" panose="020B0600070205080204" pitchFamily="34" charset="-128"/>
+                <a:cs typeface="Times New Roman" panose="02020603050405020304" pitchFamily="18" charset="0"/>
+              </a:rPr>
+              <a:t>(</a:t>
+            </a:r>
+            <a:r>
+              <a:rPr lang="en-US" altLang="ja-JP" sz="1800" kern="0">
+                <a:solidFill>
+                  <a:srgbClr val="9CDCFE"/>
+                </a:solidFill>
+                <a:effectLst/>
+                <a:latin typeface="Menlo" panose="020B0609030804020204" pitchFamily="49" charset="0"/>
+                <a:ea typeface="ＭＳ Ｐゴシック" panose="020B0600070205080204" pitchFamily="34" charset="-128"/>
+                <a:cs typeface="Times New Roman" panose="02020603050405020304" pitchFamily="18" charset="0"/>
+              </a:rPr>
+              <a:t>all_even</a:t>
+            </a:r>
+            <a:r>
+              <a:rPr lang="en-US" altLang="ja-JP" sz="1800" kern="0">
+                <a:solidFill>
+                  <a:srgbClr val="CCCCCC"/>
+                </a:solidFill>
+                <a:effectLst/>
+                <a:latin typeface="Menlo" panose="020B0609030804020204" pitchFamily="49" charset="0"/>
+                <a:ea typeface="ＭＳ Ｐゴシック" panose="020B0600070205080204" pitchFamily="34" charset="-128"/>
+                <a:cs typeface="Times New Roman" panose="02020603050405020304" pitchFamily="18" charset="0"/>
+              </a:rPr>
+              <a:t> </a:t>
+            </a:r>
+            <a:r>
+              <a:rPr lang="en-US" altLang="ja-JP" sz="1800" kern="0">
+                <a:solidFill>
+                  <a:srgbClr val="D4D4D4"/>
+                </a:solidFill>
+                <a:effectLst/>
+                <a:latin typeface="Menlo" panose="020B0609030804020204" pitchFamily="49" charset="0"/>
+                <a:ea typeface="ＭＳ Ｐゴシック" panose="020B0600070205080204" pitchFamily="34" charset="-128"/>
+                <a:cs typeface="Times New Roman" panose="02020603050405020304" pitchFamily="18" charset="0"/>
+              </a:rPr>
+              <a:t>==</a:t>
+            </a:r>
+            <a:r>
+              <a:rPr lang="en-US" altLang="ja-JP" sz="1800" kern="0">
+                <a:solidFill>
+                  <a:srgbClr val="CCCCCC"/>
+                </a:solidFill>
+                <a:effectLst/>
+                <a:latin typeface="Menlo" panose="020B0609030804020204" pitchFamily="49" charset="0"/>
+                <a:ea typeface="ＭＳ Ｐゴシック" panose="020B0600070205080204" pitchFamily="34" charset="-128"/>
+                <a:cs typeface="Times New Roman" panose="02020603050405020304" pitchFamily="18" charset="0"/>
+              </a:rPr>
+              <a:t> </a:t>
+            </a:r>
+            <a:r>
+              <a:rPr lang="en-US" altLang="ja-JP" sz="1800" kern="0">
+                <a:solidFill>
+                  <a:srgbClr val="569CD6"/>
+                </a:solidFill>
+                <a:effectLst/>
+                <a:latin typeface="Menlo" panose="020B0609030804020204" pitchFamily="49" charset="0"/>
+                <a:ea typeface="ＭＳ Ｐゴシック" panose="020B0600070205080204" pitchFamily="34" charset="-128"/>
+                <a:cs typeface="Times New Roman" panose="02020603050405020304" pitchFamily="18" charset="0"/>
+              </a:rPr>
+              <a:t>false</a:t>
+            </a:r>
+            <a:r>
+              <a:rPr lang="en-US" altLang="ja-JP" sz="1800" kern="0">
+                <a:solidFill>
+                  <a:srgbClr val="CCCCCC"/>
+                </a:solidFill>
+                <a:effectLst/>
+                <a:latin typeface="Menlo" panose="020B0609030804020204" pitchFamily="49" charset="0"/>
+                <a:ea typeface="ＭＳ Ｐゴシック" panose="020B0600070205080204" pitchFamily="34" charset="-128"/>
+                <a:cs typeface="Times New Roman" panose="02020603050405020304" pitchFamily="18" charset="0"/>
+              </a:rPr>
+              <a:t>){</a:t>
+            </a:r>
+            <a:endParaRPr lang="ja-JP" altLang="ja-JP" sz="1800" kern="100">
+              <a:effectLst/>
+              <a:latin typeface="游明朝" panose="02020400000000000000" pitchFamily="18" charset="-128"/>
+              <a:ea typeface="游明朝" panose="02020400000000000000" pitchFamily="18" charset="-128"/>
+              <a:cs typeface="Times New Roman" panose="02020603050405020304" pitchFamily="18" charset="0"/>
+            </a:endParaRPr>
+          </a:p>
+          <a:p>
+            <a:pPr algn="l">
+              <a:lnSpc>
+                <a:spcPts val="1950"/>
+              </a:lnSpc>
+            </a:pPr>
+            <a:r>
+              <a:rPr lang="en-US" altLang="ja-JP" sz="1800" kern="0">
+                <a:solidFill>
+                  <a:srgbClr val="CCCCCC"/>
+                </a:solidFill>
+                <a:effectLst/>
+                <a:latin typeface="Menlo" panose="020B0609030804020204" pitchFamily="49" charset="0"/>
+                <a:ea typeface="ＭＳ Ｐゴシック" panose="020B0600070205080204" pitchFamily="34" charset="-128"/>
+                <a:cs typeface="Times New Roman" panose="02020603050405020304" pitchFamily="18" charset="0"/>
+              </a:rPr>
+              <a:t>      </a:t>
+            </a:r>
+            <a:r>
+              <a:rPr lang="en-US" altLang="ja-JP" sz="1800" kern="0">
+                <a:solidFill>
+                  <a:srgbClr val="C586C0"/>
+                </a:solidFill>
+                <a:effectLst/>
+                <a:latin typeface="Menlo" panose="020B0609030804020204" pitchFamily="49" charset="0"/>
+                <a:ea typeface="ＭＳ Ｐゴシック" panose="020B0600070205080204" pitchFamily="34" charset="-128"/>
+                <a:cs typeface="Times New Roman" panose="02020603050405020304" pitchFamily="18" charset="0"/>
+              </a:rPr>
+              <a:t>break</a:t>
+            </a:r>
+            <a:r>
+              <a:rPr lang="en-US" altLang="ja-JP" sz="1800" kern="0">
+                <a:solidFill>
+                  <a:srgbClr val="CCCCCC"/>
+                </a:solidFill>
+                <a:effectLst/>
+                <a:latin typeface="Menlo" panose="020B0609030804020204" pitchFamily="49" charset="0"/>
+                <a:ea typeface="ＭＳ Ｐゴシック" panose="020B0600070205080204" pitchFamily="34" charset="-128"/>
+                <a:cs typeface="Times New Roman" panose="02020603050405020304" pitchFamily="18" charset="0"/>
+              </a:rPr>
+              <a:t>;</a:t>
+            </a:r>
+            <a:endParaRPr lang="ja-JP" altLang="ja-JP" sz="1800" kern="100">
+              <a:effectLst/>
+              <a:latin typeface="游明朝" panose="02020400000000000000" pitchFamily="18" charset="-128"/>
+              <a:ea typeface="游明朝" panose="02020400000000000000" pitchFamily="18" charset="-128"/>
+              <a:cs typeface="Times New Roman" panose="02020603050405020304" pitchFamily="18" charset="0"/>
+            </a:endParaRPr>
+          </a:p>
+          <a:p>
+            <a:pPr algn="l">
+              <a:lnSpc>
+                <a:spcPts val="1950"/>
+              </a:lnSpc>
+            </a:pPr>
+            <a:r>
+              <a:rPr lang="en-US" altLang="ja-JP" sz="1800" kern="0">
+                <a:solidFill>
+                  <a:srgbClr val="CCCCCC"/>
+                </a:solidFill>
+                <a:effectLst/>
+                <a:latin typeface="Menlo" panose="020B0609030804020204" pitchFamily="49" charset="0"/>
+                <a:ea typeface="ＭＳ Ｐゴシック" panose="020B0600070205080204" pitchFamily="34" charset="-128"/>
+                <a:cs typeface="Times New Roman" panose="02020603050405020304" pitchFamily="18" charset="0"/>
+              </a:rPr>
+              <a:t>    }</a:t>
+            </a:r>
+            <a:endParaRPr lang="ja-JP" altLang="ja-JP" sz="1800" kern="100">
+              <a:effectLst/>
+              <a:latin typeface="游明朝" panose="02020400000000000000" pitchFamily="18" charset="-128"/>
+              <a:ea typeface="游明朝" panose="02020400000000000000" pitchFamily="18" charset="-128"/>
+              <a:cs typeface="Times New Roman" panose="02020603050405020304" pitchFamily="18" charset="0"/>
+            </a:endParaRPr>
+          </a:p>
+          <a:p>
+            <a:pPr algn="l">
+              <a:lnSpc>
+                <a:spcPts val="1950"/>
+              </a:lnSpc>
+            </a:pPr>
+            <a:r>
+              <a:rPr lang="en-US" altLang="ja-JP" sz="1800" kern="0">
+                <a:solidFill>
+                  <a:srgbClr val="CCCCCC"/>
+                </a:solidFill>
+                <a:effectLst/>
+                <a:latin typeface="Menlo" panose="020B0609030804020204" pitchFamily="49" charset="0"/>
+                <a:ea typeface="ＭＳ Ｐゴシック" panose="020B0600070205080204" pitchFamily="34" charset="-128"/>
+                <a:cs typeface="Times New Roman" panose="02020603050405020304" pitchFamily="18" charset="0"/>
+              </a:rPr>
+              <a:t>    </a:t>
+            </a:r>
+            <a:r>
+              <a:rPr lang="en-US" altLang="ja-JP" sz="1800" kern="0">
+                <a:solidFill>
+                  <a:srgbClr val="C586C0"/>
+                </a:solidFill>
+                <a:effectLst/>
+                <a:latin typeface="Menlo" panose="020B0609030804020204" pitchFamily="49" charset="0"/>
+                <a:ea typeface="ＭＳ Ｐゴシック" panose="020B0600070205080204" pitchFamily="34" charset="-128"/>
+                <a:cs typeface="Times New Roman" panose="02020603050405020304" pitchFamily="18" charset="0"/>
+              </a:rPr>
+              <a:t>for</a:t>
+            </a:r>
+            <a:r>
+              <a:rPr lang="en-US" altLang="ja-JP" sz="1800" kern="0">
+                <a:solidFill>
+                  <a:srgbClr val="CCCCCC"/>
+                </a:solidFill>
+                <a:effectLst/>
+                <a:latin typeface="Menlo" panose="020B0609030804020204" pitchFamily="49" charset="0"/>
+                <a:ea typeface="ＭＳ Ｐゴシック" panose="020B0600070205080204" pitchFamily="34" charset="-128"/>
+                <a:cs typeface="Times New Roman" panose="02020603050405020304" pitchFamily="18" charset="0"/>
+              </a:rPr>
+              <a:t>(</a:t>
+            </a:r>
+            <a:r>
+              <a:rPr lang="en-US" altLang="ja-JP" sz="1800" kern="0">
+                <a:solidFill>
+                  <a:srgbClr val="569CD6"/>
+                </a:solidFill>
+                <a:effectLst/>
+                <a:latin typeface="Menlo" panose="020B0609030804020204" pitchFamily="49" charset="0"/>
+                <a:ea typeface="ＭＳ Ｐゴシック" panose="020B0600070205080204" pitchFamily="34" charset="-128"/>
+                <a:cs typeface="Times New Roman" panose="02020603050405020304" pitchFamily="18" charset="0"/>
+              </a:rPr>
+              <a:t>int</a:t>
+            </a:r>
+            <a:r>
+              <a:rPr lang="en-US" altLang="ja-JP" sz="1800" kern="0">
+                <a:solidFill>
+                  <a:srgbClr val="CCCCCC"/>
+                </a:solidFill>
+                <a:effectLst/>
+                <a:latin typeface="Menlo" panose="020B0609030804020204" pitchFamily="49" charset="0"/>
+                <a:ea typeface="ＭＳ Ｐゴシック" panose="020B0600070205080204" pitchFamily="34" charset="-128"/>
+                <a:cs typeface="Times New Roman" panose="02020603050405020304" pitchFamily="18" charset="0"/>
+              </a:rPr>
+              <a:t> </a:t>
+            </a:r>
+            <a:r>
+              <a:rPr lang="en-US" altLang="ja-JP" sz="1800" kern="0">
+                <a:solidFill>
+                  <a:srgbClr val="9CDCFE"/>
+                </a:solidFill>
+                <a:effectLst/>
+                <a:latin typeface="Menlo" panose="020B0609030804020204" pitchFamily="49" charset="0"/>
+                <a:ea typeface="ＭＳ Ｐゴシック" panose="020B0600070205080204" pitchFamily="34" charset="-128"/>
+                <a:cs typeface="Times New Roman" panose="02020603050405020304" pitchFamily="18" charset="0"/>
+              </a:rPr>
+              <a:t>i</a:t>
+            </a:r>
+            <a:r>
+              <a:rPr lang="en-US" altLang="ja-JP" sz="1800" kern="0">
+                <a:solidFill>
+                  <a:srgbClr val="CCCCCC"/>
+                </a:solidFill>
+                <a:effectLst/>
+                <a:latin typeface="Menlo" panose="020B0609030804020204" pitchFamily="49" charset="0"/>
+                <a:ea typeface="ＭＳ Ｐゴシック" panose="020B0600070205080204" pitchFamily="34" charset="-128"/>
+                <a:cs typeface="Times New Roman" panose="02020603050405020304" pitchFamily="18" charset="0"/>
+              </a:rPr>
+              <a:t> </a:t>
+            </a:r>
+            <a:r>
+              <a:rPr lang="en-US" altLang="ja-JP" sz="1800" kern="0">
+                <a:solidFill>
+                  <a:srgbClr val="D4D4D4"/>
+                </a:solidFill>
+                <a:effectLst/>
+                <a:latin typeface="Menlo" panose="020B0609030804020204" pitchFamily="49" charset="0"/>
+                <a:ea typeface="ＭＳ Ｐゴシック" panose="020B0600070205080204" pitchFamily="34" charset="-128"/>
+                <a:cs typeface="Times New Roman" panose="02020603050405020304" pitchFamily="18" charset="0"/>
+              </a:rPr>
+              <a:t>=</a:t>
+            </a:r>
+            <a:r>
+              <a:rPr lang="en-US" altLang="ja-JP" sz="1800" kern="0">
+                <a:solidFill>
+                  <a:srgbClr val="CCCCCC"/>
+                </a:solidFill>
+                <a:effectLst/>
+                <a:latin typeface="Menlo" panose="020B0609030804020204" pitchFamily="49" charset="0"/>
+                <a:ea typeface="ＭＳ Ｐゴシック" panose="020B0600070205080204" pitchFamily="34" charset="-128"/>
+                <a:cs typeface="Times New Roman" panose="02020603050405020304" pitchFamily="18" charset="0"/>
+              </a:rPr>
+              <a:t> </a:t>
+            </a:r>
+            <a:r>
+              <a:rPr lang="en-US" altLang="ja-JP" sz="1800" kern="0">
+                <a:solidFill>
+                  <a:srgbClr val="B5CEA8"/>
+                </a:solidFill>
+                <a:effectLst/>
+                <a:latin typeface="Menlo" panose="020B0609030804020204" pitchFamily="49" charset="0"/>
+                <a:ea typeface="ＭＳ Ｐゴシック" panose="020B0600070205080204" pitchFamily="34" charset="-128"/>
+                <a:cs typeface="Times New Roman" panose="02020603050405020304" pitchFamily="18" charset="0"/>
+              </a:rPr>
+              <a:t>0</a:t>
+            </a:r>
+            <a:r>
+              <a:rPr lang="en-US" altLang="ja-JP" sz="1800" kern="0">
+                <a:solidFill>
+                  <a:srgbClr val="CCCCCC"/>
+                </a:solidFill>
+                <a:effectLst/>
+                <a:latin typeface="Menlo" panose="020B0609030804020204" pitchFamily="49" charset="0"/>
+                <a:ea typeface="ＭＳ Ｐゴシック" panose="020B0600070205080204" pitchFamily="34" charset="-128"/>
+                <a:cs typeface="Times New Roman" panose="02020603050405020304" pitchFamily="18" charset="0"/>
+              </a:rPr>
+              <a:t>;</a:t>
+            </a:r>
+            <a:r>
+              <a:rPr lang="en-US" altLang="ja-JP" sz="1800" kern="0">
+                <a:solidFill>
+                  <a:srgbClr val="9CDCFE"/>
+                </a:solidFill>
+                <a:effectLst/>
+                <a:latin typeface="Menlo" panose="020B0609030804020204" pitchFamily="49" charset="0"/>
+                <a:ea typeface="ＭＳ Ｐゴシック" panose="020B0600070205080204" pitchFamily="34" charset="-128"/>
+                <a:cs typeface="Times New Roman" panose="02020603050405020304" pitchFamily="18" charset="0"/>
+              </a:rPr>
+              <a:t>i</a:t>
+            </a:r>
+            <a:r>
+              <a:rPr lang="en-US" altLang="ja-JP" sz="1800" kern="0">
+                <a:solidFill>
+                  <a:srgbClr val="CCCCCC"/>
+                </a:solidFill>
+                <a:effectLst/>
+                <a:latin typeface="Menlo" panose="020B0609030804020204" pitchFamily="49" charset="0"/>
+                <a:ea typeface="ＭＳ Ｐゴシック" panose="020B0600070205080204" pitchFamily="34" charset="-128"/>
+                <a:cs typeface="Times New Roman" panose="02020603050405020304" pitchFamily="18" charset="0"/>
+              </a:rPr>
+              <a:t> </a:t>
+            </a:r>
+            <a:r>
+              <a:rPr lang="en-US" altLang="ja-JP" sz="1800" kern="0">
+                <a:solidFill>
+                  <a:srgbClr val="D4D4D4"/>
+                </a:solidFill>
+                <a:effectLst/>
+                <a:latin typeface="Menlo" panose="020B0609030804020204" pitchFamily="49" charset="0"/>
+                <a:ea typeface="ＭＳ Ｐゴシック" panose="020B0600070205080204" pitchFamily="34" charset="-128"/>
+                <a:cs typeface="Times New Roman" panose="02020603050405020304" pitchFamily="18" charset="0"/>
+              </a:rPr>
+              <a:t>&lt;</a:t>
+            </a:r>
+            <a:r>
+              <a:rPr lang="en-US" altLang="ja-JP" sz="1800" kern="0">
+                <a:solidFill>
+                  <a:srgbClr val="CCCCCC"/>
+                </a:solidFill>
+                <a:effectLst/>
+                <a:latin typeface="Menlo" panose="020B0609030804020204" pitchFamily="49" charset="0"/>
+                <a:ea typeface="ＭＳ Ｐゴシック" panose="020B0600070205080204" pitchFamily="34" charset="-128"/>
+                <a:cs typeface="Times New Roman" panose="02020603050405020304" pitchFamily="18" charset="0"/>
+              </a:rPr>
+              <a:t> </a:t>
+            </a:r>
+            <a:r>
+              <a:rPr lang="en-US" altLang="ja-JP" sz="1800" kern="0">
+                <a:solidFill>
+                  <a:srgbClr val="9CDCFE"/>
+                </a:solidFill>
+                <a:effectLst/>
+                <a:latin typeface="Menlo" panose="020B0609030804020204" pitchFamily="49" charset="0"/>
+                <a:ea typeface="ＭＳ Ｐゴシック" panose="020B0600070205080204" pitchFamily="34" charset="-128"/>
+                <a:cs typeface="Times New Roman" panose="02020603050405020304" pitchFamily="18" charset="0"/>
+              </a:rPr>
+              <a:t>n</a:t>
+            </a:r>
+            <a:r>
+              <a:rPr lang="en-US" altLang="ja-JP" sz="1800" kern="0">
+                <a:solidFill>
+                  <a:srgbClr val="CCCCCC"/>
+                </a:solidFill>
+                <a:effectLst/>
+                <a:latin typeface="Menlo" panose="020B0609030804020204" pitchFamily="49" charset="0"/>
+                <a:ea typeface="ＭＳ Ｐゴシック" panose="020B0600070205080204" pitchFamily="34" charset="-128"/>
+                <a:cs typeface="Times New Roman" panose="02020603050405020304" pitchFamily="18" charset="0"/>
+              </a:rPr>
+              <a:t>;</a:t>
+            </a:r>
+            <a:r>
+              <a:rPr lang="en-US" altLang="ja-JP" sz="1800" kern="0">
+                <a:solidFill>
+                  <a:srgbClr val="9CDCFE"/>
+                </a:solidFill>
+                <a:effectLst/>
+                <a:latin typeface="Menlo" panose="020B0609030804020204" pitchFamily="49" charset="0"/>
+                <a:ea typeface="ＭＳ Ｐゴシック" panose="020B0600070205080204" pitchFamily="34" charset="-128"/>
+                <a:cs typeface="Times New Roman" panose="02020603050405020304" pitchFamily="18" charset="0"/>
+              </a:rPr>
+              <a:t>i</a:t>
+            </a:r>
+            <a:r>
+              <a:rPr lang="en-US" altLang="ja-JP" sz="1800" kern="0">
+                <a:solidFill>
+                  <a:srgbClr val="D4D4D4"/>
+                </a:solidFill>
+                <a:effectLst/>
+                <a:latin typeface="Menlo" panose="020B0609030804020204" pitchFamily="49" charset="0"/>
+                <a:ea typeface="ＭＳ Ｐゴシック" panose="020B0600070205080204" pitchFamily="34" charset="-128"/>
+                <a:cs typeface="Times New Roman" panose="02020603050405020304" pitchFamily="18" charset="0"/>
+              </a:rPr>
+              <a:t>++</a:t>
+            </a:r>
+            <a:r>
+              <a:rPr lang="en-US" altLang="ja-JP" sz="1800" kern="0">
+                <a:solidFill>
+                  <a:srgbClr val="CCCCCC"/>
+                </a:solidFill>
+                <a:effectLst/>
+                <a:latin typeface="Menlo" panose="020B0609030804020204" pitchFamily="49" charset="0"/>
+                <a:ea typeface="ＭＳ Ｐゴシック" panose="020B0600070205080204" pitchFamily="34" charset="-128"/>
+                <a:cs typeface="Times New Roman" panose="02020603050405020304" pitchFamily="18" charset="0"/>
+              </a:rPr>
+              <a:t>){</a:t>
+            </a:r>
+            <a:endParaRPr lang="ja-JP" altLang="ja-JP" sz="1800" kern="100">
+              <a:effectLst/>
+              <a:latin typeface="游明朝" panose="02020400000000000000" pitchFamily="18" charset="-128"/>
+              <a:ea typeface="游明朝" panose="02020400000000000000" pitchFamily="18" charset="-128"/>
+              <a:cs typeface="Times New Roman" panose="02020603050405020304" pitchFamily="18" charset="0"/>
+            </a:endParaRPr>
+          </a:p>
+          <a:p>
+            <a:pPr algn="l">
+              <a:lnSpc>
+                <a:spcPts val="1950"/>
+              </a:lnSpc>
+            </a:pPr>
+            <a:r>
+              <a:rPr lang="en-US" altLang="ja-JP" sz="1800" kern="0">
+                <a:solidFill>
+                  <a:srgbClr val="CCCCCC"/>
+                </a:solidFill>
+                <a:effectLst/>
+                <a:latin typeface="Menlo" panose="020B0609030804020204" pitchFamily="49" charset="0"/>
+                <a:ea typeface="ＭＳ Ｐゴシック" panose="020B0600070205080204" pitchFamily="34" charset="-128"/>
+                <a:cs typeface="Times New Roman" panose="02020603050405020304" pitchFamily="18" charset="0"/>
+              </a:rPr>
+              <a:t>      </a:t>
+            </a:r>
+            <a:r>
+              <a:rPr lang="en-US" altLang="ja-JP" sz="1800" kern="0">
+                <a:solidFill>
+                  <a:srgbClr val="9CDCFE"/>
+                </a:solidFill>
+                <a:effectLst/>
+                <a:latin typeface="Menlo" panose="020B0609030804020204" pitchFamily="49" charset="0"/>
+                <a:ea typeface="ＭＳ Ｐゴシック" panose="020B0600070205080204" pitchFamily="34" charset="-128"/>
+                <a:cs typeface="Times New Roman" panose="02020603050405020304" pitchFamily="18" charset="0"/>
+              </a:rPr>
+              <a:t>a</a:t>
+            </a:r>
+            <a:r>
+              <a:rPr lang="en-US" altLang="ja-JP" sz="1800" kern="0">
+                <a:solidFill>
+                  <a:srgbClr val="DCDCAA"/>
+                </a:solidFill>
+                <a:effectLst/>
+                <a:latin typeface="Menlo" panose="020B0609030804020204" pitchFamily="49" charset="0"/>
+                <a:ea typeface="ＭＳ Ｐゴシック" panose="020B0600070205080204" pitchFamily="34" charset="-128"/>
+                <a:cs typeface="Times New Roman" panose="02020603050405020304" pitchFamily="18" charset="0"/>
+              </a:rPr>
+              <a:t>[</a:t>
+            </a:r>
+            <a:r>
+              <a:rPr lang="en-US" altLang="ja-JP" sz="1800" kern="0">
+                <a:solidFill>
+                  <a:srgbClr val="9CDCFE"/>
+                </a:solidFill>
+                <a:effectLst/>
+                <a:latin typeface="Menlo" panose="020B0609030804020204" pitchFamily="49" charset="0"/>
+                <a:ea typeface="ＭＳ Ｐゴシック" panose="020B0600070205080204" pitchFamily="34" charset="-128"/>
+                <a:cs typeface="Times New Roman" panose="02020603050405020304" pitchFamily="18" charset="0"/>
+              </a:rPr>
+              <a:t>i</a:t>
+            </a:r>
+            <a:r>
+              <a:rPr lang="en-US" altLang="ja-JP" sz="1800" kern="0">
+                <a:solidFill>
+                  <a:srgbClr val="DCDCAA"/>
+                </a:solidFill>
+                <a:effectLst/>
+                <a:latin typeface="Menlo" panose="020B0609030804020204" pitchFamily="49" charset="0"/>
+                <a:ea typeface="ＭＳ Ｐゴシック" panose="020B0600070205080204" pitchFamily="34" charset="-128"/>
+                <a:cs typeface="Times New Roman" panose="02020603050405020304" pitchFamily="18" charset="0"/>
+              </a:rPr>
+              <a:t>]</a:t>
+            </a:r>
+            <a:r>
+              <a:rPr lang="en-US" altLang="ja-JP" sz="1800" kern="0">
+                <a:solidFill>
+                  <a:srgbClr val="D4D4D4"/>
+                </a:solidFill>
+                <a:effectLst/>
+                <a:latin typeface="Menlo" panose="020B0609030804020204" pitchFamily="49" charset="0"/>
+                <a:ea typeface="ＭＳ Ｐゴシック" panose="020B0600070205080204" pitchFamily="34" charset="-128"/>
+                <a:cs typeface="Times New Roman" panose="02020603050405020304" pitchFamily="18" charset="0"/>
+              </a:rPr>
+              <a:t>/=</a:t>
+            </a:r>
+            <a:r>
+              <a:rPr lang="en-US" altLang="ja-JP" sz="1800" kern="0">
+                <a:solidFill>
+                  <a:srgbClr val="CCCCCC"/>
+                </a:solidFill>
+                <a:effectLst/>
+                <a:latin typeface="Menlo" panose="020B0609030804020204" pitchFamily="49" charset="0"/>
+                <a:ea typeface="ＭＳ Ｐゴシック" panose="020B0600070205080204" pitchFamily="34" charset="-128"/>
+                <a:cs typeface="Times New Roman" panose="02020603050405020304" pitchFamily="18" charset="0"/>
+              </a:rPr>
+              <a:t> </a:t>
+            </a:r>
+            <a:r>
+              <a:rPr lang="en-US" altLang="ja-JP" sz="1800" kern="0">
+                <a:solidFill>
+                  <a:srgbClr val="B5CEA8"/>
+                </a:solidFill>
+                <a:effectLst/>
+                <a:latin typeface="Menlo" panose="020B0609030804020204" pitchFamily="49" charset="0"/>
+                <a:ea typeface="ＭＳ Ｐゴシック" panose="020B0600070205080204" pitchFamily="34" charset="-128"/>
+                <a:cs typeface="Times New Roman" panose="02020603050405020304" pitchFamily="18" charset="0"/>
+              </a:rPr>
+              <a:t>2</a:t>
+            </a:r>
+            <a:r>
+              <a:rPr lang="en-US" altLang="ja-JP" sz="1800" kern="0">
+                <a:solidFill>
+                  <a:srgbClr val="CCCCCC"/>
+                </a:solidFill>
+                <a:effectLst/>
+                <a:latin typeface="Menlo" panose="020B0609030804020204" pitchFamily="49" charset="0"/>
+                <a:ea typeface="ＭＳ Ｐゴシック" panose="020B0600070205080204" pitchFamily="34" charset="-128"/>
+                <a:cs typeface="Times New Roman" panose="02020603050405020304" pitchFamily="18" charset="0"/>
+              </a:rPr>
+              <a:t>;</a:t>
+            </a:r>
+            <a:endParaRPr lang="ja-JP" altLang="ja-JP" sz="1800" kern="100">
+              <a:effectLst/>
+              <a:latin typeface="游明朝" panose="02020400000000000000" pitchFamily="18" charset="-128"/>
+              <a:ea typeface="游明朝" panose="02020400000000000000" pitchFamily="18" charset="-128"/>
+              <a:cs typeface="Times New Roman" panose="02020603050405020304" pitchFamily="18" charset="0"/>
+            </a:endParaRPr>
+          </a:p>
+          <a:p>
+            <a:pPr algn="l">
+              <a:lnSpc>
+                <a:spcPts val="1950"/>
+              </a:lnSpc>
+            </a:pPr>
+            <a:r>
+              <a:rPr lang="en-US" altLang="ja-JP" sz="1800" kern="0">
+                <a:solidFill>
+                  <a:srgbClr val="CCCCCC"/>
+                </a:solidFill>
+                <a:effectLst/>
+                <a:latin typeface="Menlo" panose="020B0609030804020204" pitchFamily="49" charset="0"/>
+                <a:ea typeface="ＭＳ Ｐゴシック" panose="020B0600070205080204" pitchFamily="34" charset="-128"/>
+                <a:cs typeface="Times New Roman" panose="02020603050405020304" pitchFamily="18" charset="0"/>
+              </a:rPr>
+              <a:t>    }</a:t>
+            </a:r>
+            <a:endParaRPr lang="ja-JP" altLang="ja-JP" sz="1800" kern="100">
+              <a:effectLst/>
+              <a:latin typeface="游明朝" panose="02020400000000000000" pitchFamily="18" charset="-128"/>
+              <a:ea typeface="游明朝" panose="02020400000000000000" pitchFamily="18" charset="-128"/>
+              <a:cs typeface="Times New Roman" panose="02020603050405020304" pitchFamily="18" charset="0"/>
+            </a:endParaRPr>
+          </a:p>
+          <a:p>
+            <a:pPr algn="l">
+              <a:lnSpc>
+                <a:spcPts val="1950"/>
+              </a:lnSpc>
+            </a:pPr>
+            <a:r>
+              <a:rPr lang="en-US" altLang="ja-JP" sz="1800" kern="0">
+                <a:solidFill>
+                  <a:srgbClr val="CCCCCC"/>
+                </a:solidFill>
+                <a:effectLst/>
+                <a:latin typeface="Menlo" panose="020B0609030804020204" pitchFamily="49" charset="0"/>
+                <a:ea typeface="ＭＳ Ｐゴシック" panose="020B0600070205080204" pitchFamily="34" charset="-128"/>
+                <a:cs typeface="Times New Roman" panose="02020603050405020304" pitchFamily="18" charset="0"/>
+              </a:rPr>
+              <a:t>    </a:t>
+            </a:r>
+            <a:r>
+              <a:rPr lang="en-US" altLang="ja-JP" sz="1800" kern="0">
+                <a:solidFill>
+                  <a:srgbClr val="9CDCFE"/>
+                </a:solidFill>
+                <a:effectLst/>
+                <a:latin typeface="Menlo" panose="020B0609030804020204" pitchFamily="49" charset="0"/>
+                <a:ea typeface="ＭＳ Ｐゴシック" panose="020B0600070205080204" pitchFamily="34" charset="-128"/>
+                <a:cs typeface="Times New Roman" panose="02020603050405020304" pitchFamily="18" charset="0"/>
+              </a:rPr>
+              <a:t>cnt</a:t>
+            </a:r>
+            <a:r>
+              <a:rPr lang="en-US" altLang="ja-JP" sz="1800" kern="0">
+                <a:solidFill>
+                  <a:srgbClr val="D4D4D4"/>
+                </a:solidFill>
+                <a:effectLst/>
+                <a:latin typeface="Menlo" panose="020B0609030804020204" pitchFamily="49" charset="0"/>
+                <a:ea typeface="ＭＳ Ｐゴシック" panose="020B0600070205080204" pitchFamily="34" charset="-128"/>
+                <a:cs typeface="Times New Roman" panose="02020603050405020304" pitchFamily="18" charset="0"/>
+              </a:rPr>
+              <a:t>++</a:t>
+            </a:r>
+            <a:r>
+              <a:rPr lang="en-US" altLang="ja-JP" sz="1800" kern="0">
+                <a:solidFill>
+                  <a:srgbClr val="CCCCCC"/>
+                </a:solidFill>
+                <a:effectLst/>
+                <a:latin typeface="Menlo" panose="020B0609030804020204" pitchFamily="49" charset="0"/>
+                <a:ea typeface="ＭＳ Ｐゴシック" panose="020B0600070205080204" pitchFamily="34" charset="-128"/>
+                <a:cs typeface="Times New Roman" panose="02020603050405020304" pitchFamily="18" charset="0"/>
+              </a:rPr>
+              <a:t>;</a:t>
+            </a:r>
+            <a:endParaRPr lang="ja-JP" altLang="ja-JP" sz="1800" kern="100">
+              <a:effectLst/>
+              <a:latin typeface="游明朝" panose="02020400000000000000" pitchFamily="18" charset="-128"/>
+              <a:ea typeface="游明朝" panose="02020400000000000000" pitchFamily="18" charset="-128"/>
+              <a:cs typeface="Times New Roman" panose="02020603050405020304" pitchFamily="18" charset="0"/>
+            </a:endParaRPr>
+          </a:p>
+          <a:p>
+            <a:pPr algn="l">
+              <a:lnSpc>
+                <a:spcPts val="1950"/>
+              </a:lnSpc>
+            </a:pPr>
+            <a:r>
+              <a:rPr lang="en-US" altLang="ja-JP" sz="1800" kern="0">
+                <a:solidFill>
+                  <a:srgbClr val="CCCCCC"/>
+                </a:solidFill>
+                <a:effectLst/>
+                <a:latin typeface="Menlo" panose="020B0609030804020204" pitchFamily="49" charset="0"/>
+                <a:ea typeface="ＭＳ Ｐゴシック" panose="020B0600070205080204" pitchFamily="34" charset="-128"/>
+                <a:cs typeface="Times New Roman" panose="02020603050405020304" pitchFamily="18" charset="0"/>
+              </a:rPr>
+              <a:t>  }</a:t>
+            </a:r>
+            <a:endParaRPr lang="ja-JP" altLang="ja-JP" sz="1800" kern="100">
+              <a:effectLst/>
+              <a:latin typeface="游明朝" panose="02020400000000000000" pitchFamily="18" charset="-128"/>
+              <a:ea typeface="游明朝" panose="02020400000000000000" pitchFamily="18" charset="-128"/>
+              <a:cs typeface="Times New Roman" panose="02020603050405020304" pitchFamily="18" charset="0"/>
+            </a:endParaRPr>
+          </a:p>
+          <a:p>
+            <a:pPr algn="l">
+              <a:lnSpc>
+                <a:spcPts val="1950"/>
+              </a:lnSpc>
+            </a:pPr>
+            <a:r>
+              <a:rPr lang="en-US" altLang="ja-JP" sz="1800" kern="0">
+                <a:solidFill>
+                  <a:srgbClr val="CCCCCC"/>
+                </a:solidFill>
+                <a:effectLst/>
+                <a:latin typeface="Menlo" panose="020B0609030804020204" pitchFamily="49" charset="0"/>
+                <a:ea typeface="ＭＳ Ｐゴシック" panose="020B0600070205080204" pitchFamily="34" charset="-128"/>
+                <a:cs typeface="Times New Roman" panose="02020603050405020304" pitchFamily="18" charset="0"/>
+              </a:rPr>
+              <a:t>  </a:t>
+            </a:r>
+            <a:r>
+              <a:rPr lang="en-US" altLang="ja-JP" sz="1800" kern="0">
+                <a:solidFill>
+                  <a:srgbClr val="9CDCFE"/>
+                </a:solidFill>
+                <a:effectLst/>
+                <a:latin typeface="Menlo" panose="020B0609030804020204" pitchFamily="49" charset="0"/>
+                <a:ea typeface="ＭＳ Ｐゴシック" panose="020B0600070205080204" pitchFamily="34" charset="-128"/>
+                <a:cs typeface="Times New Roman" panose="02020603050405020304" pitchFamily="18" charset="0"/>
+              </a:rPr>
+              <a:t>cout</a:t>
+            </a:r>
+            <a:r>
+              <a:rPr lang="en-US" altLang="ja-JP" sz="1800" kern="0">
+                <a:solidFill>
+                  <a:srgbClr val="CCCCCC"/>
+                </a:solidFill>
+                <a:effectLst/>
+                <a:latin typeface="Menlo" panose="020B0609030804020204" pitchFamily="49" charset="0"/>
+                <a:ea typeface="ＭＳ Ｐゴシック" panose="020B0600070205080204" pitchFamily="34" charset="-128"/>
+                <a:cs typeface="Times New Roman" panose="02020603050405020304" pitchFamily="18" charset="0"/>
+              </a:rPr>
+              <a:t> </a:t>
+            </a:r>
+            <a:r>
+              <a:rPr lang="en-US" altLang="ja-JP" sz="1800" kern="0">
+                <a:solidFill>
+                  <a:srgbClr val="DCDCAA"/>
+                </a:solidFill>
+                <a:effectLst/>
+                <a:latin typeface="Menlo" panose="020B0609030804020204" pitchFamily="49" charset="0"/>
+                <a:ea typeface="ＭＳ Ｐゴシック" panose="020B0600070205080204" pitchFamily="34" charset="-128"/>
+                <a:cs typeface="Times New Roman" panose="02020603050405020304" pitchFamily="18" charset="0"/>
+              </a:rPr>
+              <a:t>&lt;&lt;</a:t>
+            </a:r>
+            <a:r>
+              <a:rPr lang="en-US" altLang="ja-JP" sz="1800" kern="0">
+                <a:solidFill>
+                  <a:srgbClr val="9CDCFE"/>
+                </a:solidFill>
+                <a:effectLst/>
+                <a:latin typeface="Menlo" panose="020B0609030804020204" pitchFamily="49" charset="0"/>
+                <a:ea typeface="ＭＳ Ｐゴシック" panose="020B0600070205080204" pitchFamily="34" charset="-128"/>
+                <a:cs typeface="Times New Roman" panose="02020603050405020304" pitchFamily="18" charset="0"/>
+              </a:rPr>
+              <a:t>cnt</a:t>
+            </a:r>
+            <a:r>
+              <a:rPr lang="en-US" altLang="ja-JP" sz="1800" kern="0">
+                <a:solidFill>
+                  <a:srgbClr val="CCCCCC"/>
+                </a:solidFill>
+                <a:effectLst/>
+                <a:latin typeface="Menlo" panose="020B0609030804020204" pitchFamily="49" charset="0"/>
+                <a:ea typeface="ＭＳ Ｐゴシック" panose="020B0600070205080204" pitchFamily="34" charset="-128"/>
+                <a:cs typeface="Times New Roman" panose="02020603050405020304" pitchFamily="18" charset="0"/>
+              </a:rPr>
+              <a:t> </a:t>
+            </a:r>
+            <a:r>
+              <a:rPr lang="en-US" altLang="ja-JP" sz="1800" kern="0">
+                <a:solidFill>
+                  <a:srgbClr val="DCDCAA"/>
+                </a:solidFill>
+                <a:effectLst/>
+                <a:latin typeface="Menlo" panose="020B0609030804020204" pitchFamily="49" charset="0"/>
+                <a:ea typeface="ＭＳ Ｐゴシック" panose="020B0600070205080204" pitchFamily="34" charset="-128"/>
+                <a:cs typeface="Times New Roman" panose="02020603050405020304" pitchFamily="18" charset="0"/>
+              </a:rPr>
+              <a:t>&lt;&lt;</a:t>
+            </a:r>
+            <a:r>
+              <a:rPr lang="en-US" altLang="ja-JP" sz="1800" kern="0">
+                <a:solidFill>
+                  <a:srgbClr val="CCCCCC"/>
+                </a:solidFill>
+                <a:effectLst/>
+                <a:latin typeface="Menlo" panose="020B0609030804020204" pitchFamily="49" charset="0"/>
+                <a:ea typeface="ＭＳ Ｐゴシック" panose="020B0600070205080204" pitchFamily="34" charset="-128"/>
+                <a:cs typeface="Times New Roman" panose="02020603050405020304" pitchFamily="18" charset="0"/>
+              </a:rPr>
+              <a:t> </a:t>
+            </a:r>
+            <a:r>
+              <a:rPr lang="en-US" altLang="ja-JP" sz="1800" kern="0">
+                <a:solidFill>
+                  <a:srgbClr val="DCDCAA"/>
+                </a:solidFill>
+                <a:effectLst/>
+                <a:latin typeface="Menlo" panose="020B0609030804020204" pitchFamily="49" charset="0"/>
+                <a:ea typeface="ＭＳ Ｐゴシック" panose="020B0600070205080204" pitchFamily="34" charset="-128"/>
+                <a:cs typeface="Times New Roman" panose="02020603050405020304" pitchFamily="18" charset="0"/>
+              </a:rPr>
+              <a:t>endl</a:t>
+            </a:r>
+            <a:r>
+              <a:rPr lang="en-US" altLang="ja-JP" sz="1800" kern="0">
+                <a:solidFill>
+                  <a:srgbClr val="CCCCCC"/>
+                </a:solidFill>
+                <a:effectLst/>
+                <a:latin typeface="Menlo" panose="020B0609030804020204" pitchFamily="49" charset="0"/>
+                <a:ea typeface="ＭＳ Ｐゴシック" panose="020B0600070205080204" pitchFamily="34" charset="-128"/>
+                <a:cs typeface="Times New Roman" panose="02020603050405020304" pitchFamily="18" charset="0"/>
+              </a:rPr>
+              <a:t>;</a:t>
+            </a:r>
+            <a:endParaRPr lang="ja-JP" altLang="ja-JP" sz="1800" kern="100">
+              <a:effectLst/>
+              <a:latin typeface="游明朝" panose="02020400000000000000" pitchFamily="18" charset="-128"/>
+              <a:ea typeface="游明朝" panose="02020400000000000000" pitchFamily="18" charset="-128"/>
+              <a:cs typeface="Times New Roman" panose="02020603050405020304" pitchFamily="18" charset="0"/>
+            </a:endParaRPr>
+          </a:p>
+          <a:p>
+            <a:pPr algn="l">
+              <a:lnSpc>
+                <a:spcPts val="1950"/>
+              </a:lnSpc>
+            </a:pPr>
+            <a:r>
+              <a:rPr lang="en-US" altLang="ja-JP" sz="1800" kern="0">
+                <a:solidFill>
+                  <a:srgbClr val="CCCCCC"/>
+                </a:solidFill>
+                <a:effectLst/>
+                <a:latin typeface="Menlo" panose="020B0609030804020204" pitchFamily="49" charset="0"/>
+                <a:ea typeface="ＭＳ Ｐゴシック" panose="020B0600070205080204" pitchFamily="34" charset="-128"/>
+                <a:cs typeface="Times New Roman" panose="02020603050405020304" pitchFamily="18" charset="0"/>
+              </a:rPr>
+              <a:t>}</a:t>
+            </a:r>
+            <a:endParaRPr lang="ja-JP" altLang="ja-JP" sz="1800" kern="100">
+              <a:effectLst/>
+              <a:latin typeface="游明朝" panose="02020400000000000000" pitchFamily="18" charset="-128"/>
+              <a:ea typeface="游明朝" panose="02020400000000000000" pitchFamily="18" charset="-128"/>
+              <a:cs typeface="Times New Roman" panose="02020603050405020304" pitchFamily="18" charset="0"/>
+            </a:endParaRPr>
+          </a:p>
+          <a:p>
+            <a:pPr algn="l">
+              <a:lnSpc>
+                <a:spcPts val="1950"/>
+              </a:lnSpc>
+            </a:pPr>
+            <a:endParaRPr lang="ja-JP" altLang="ja-JP" sz="1800" kern="100">
+              <a:effectLst/>
+              <a:latin typeface="游明朝" panose="02020400000000000000" pitchFamily="18" charset="-128"/>
+              <a:ea typeface="游明朝" panose="02020400000000000000" pitchFamily="18" charset="-128"/>
+              <a:cs typeface="Times New Roman" panose="02020603050405020304" pitchFamily="18" charset="0"/>
+            </a:endParaRPr>
+          </a:p>
+        </p:txBody>
+      </p:sp>
+      <p:sp>
+        <p:nvSpPr>
+          <p:cNvPr id="9" name="テキスト ボックス 8">
+            <a:extLst>
+              <a:ext uri="{FF2B5EF4-FFF2-40B4-BE49-F238E27FC236}">
+                <a16:creationId xmlns:a16="http://schemas.microsoft.com/office/drawing/2014/main" id="{FB0C3359-9C6D-81A6-371F-5137BC28ACBD}"/>
+              </a:ext>
+            </a:extLst>
+          </p:cNvPr>
+          <p:cNvSpPr txBox="1"/>
+          <p:nvPr/>
+        </p:nvSpPr>
+        <p:spPr>
+          <a:xfrm>
+            <a:off x="2003227" y="4624901"/>
+            <a:ext cx="675185" cy="369332"/>
+          </a:xfrm>
+          <a:prstGeom prst="rect">
+            <a:avLst/>
+          </a:prstGeom>
+          <a:noFill/>
+        </p:spPr>
+        <p:txBody>
+          <a:bodyPr wrap="none" rtlCol="0">
+            <a:spAutoFit/>
+          </a:bodyPr>
+          <a:lstStyle/>
+          <a:p>
+            <a:r>
+              <a:rPr lang="en-US" altLang="ja-JP"/>
+              <a:t>C</a:t>
+            </a:r>
+            <a:r>
+              <a:rPr kumimoji="1" lang="en-US" altLang="ja-JP"/>
+              <a:t>++</a:t>
+            </a:r>
+            <a:endParaRPr kumimoji="1" lang="ja-JP" altLang="en-US"/>
           </a:p>
         </p:txBody>
       </p:sp>
@@ -5468,6 +11123,10 @@
           <a:bodyPr rtlCol="0" anchor="ctr"/>
           <a:lstStyle/>
           <a:p>
+            <a:r>
+              <a:rPr kumimoji="1" lang="en" altLang="ja-JP" sz="4000" b="1"/>
+              <a:t>ABC081B - Shift only</a:t>
+            </a:r>
             <a:endParaRPr kumimoji="1" lang="ja-JP" altLang="en-US" sz="4000" b="1"/>
           </a:p>
         </p:txBody>
@@ -5517,14 +11176,1050 @@
           <a:lstStyle/>
           <a:p>
             <a:pPr algn="ctr"/>
+            <a:r>
+              <a:rPr kumimoji="1" lang="en-US" altLang="ja-JP" sz="3200" b="1"/>
+              <a:t>4.3</a:t>
+            </a:r>
             <a:endParaRPr kumimoji="1" lang="ja-JP" altLang="en-US" sz="3200" b="1"/>
+          </a:p>
+        </p:txBody>
+      </p:sp>
+      <p:sp>
+        <p:nvSpPr>
+          <p:cNvPr id="2" name="テキスト ボックス 1">
+            <a:extLst>
+              <a:ext uri="{FF2B5EF4-FFF2-40B4-BE49-F238E27FC236}">
+                <a16:creationId xmlns:a16="http://schemas.microsoft.com/office/drawing/2014/main" id="{AB25F848-3C30-2A8F-F8EC-18CE576D2629}"/>
+              </a:ext>
+            </a:extLst>
+          </p:cNvPr>
+          <p:cNvSpPr txBox="1"/>
+          <p:nvPr/>
+        </p:nvSpPr>
+        <p:spPr>
+          <a:xfrm>
+            <a:off x="518160" y="1656080"/>
+            <a:ext cx="3877985" cy="584775"/>
+          </a:xfrm>
+          <a:prstGeom prst="rect">
+            <a:avLst/>
+          </a:prstGeom>
+          <a:noFill/>
+        </p:spPr>
+        <p:txBody>
+          <a:bodyPr wrap="none" rtlCol="0">
+            <a:spAutoFit/>
+          </a:bodyPr>
+          <a:lstStyle/>
+          <a:p>
+            <a:r>
+              <a:rPr kumimoji="1" lang="ja-JP" altLang="en-US" sz="3200"/>
+              <a:t>この問題のポイント</a:t>
+            </a:r>
+          </a:p>
+        </p:txBody>
+      </p:sp>
+      <p:sp>
+        <p:nvSpPr>
+          <p:cNvPr id="3" name="テキスト ボックス 2">
+            <a:extLst>
+              <a:ext uri="{FF2B5EF4-FFF2-40B4-BE49-F238E27FC236}">
+                <a16:creationId xmlns:a16="http://schemas.microsoft.com/office/drawing/2014/main" id="{42E1A4A9-D096-214C-B518-A93405A7A203}"/>
+              </a:ext>
+            </a:extLst>
+          </p:cNvPr>
+          <p:cNvSpPr txBox="1"/>
+          <p:nvPr/>
+        </p:nvSpPr>
+        <p:spPr>
+          <a:xfrm>
+            <a:off x="698157" y="2659092"/>
+            <a:ext cx="5400837" cy="584775"/>
+          </a:xfrm>
+          <a:prstGeom prst="rect">
+            <a:avLst/>
+          </a:prstGeom>
+          <a:noFill/>
+        </p:spPr>
+        <p:txBody>
+          <a:bodyPr wrap="none" rtlCol="0">
+            <a:spAutoFit/>
+          </a:bodyPr>
+          <a:lstStyle/>
+          <a:p>
+            <a:r>
+              <a:rPr lang="ja-JP" altLang="en-US" sz="3200"/>
+              <a:t>・</a:t>
+            </a:r>
+            <a:r>
+              <a:rPr lang="en-US" altLang="ja-JP" sz="3200"/>
+              <a:t>while</a:t>
+            </a:r>
+            <a:r>
+              <a:rPr lang="ja-JP" altLang="en-US" sz="3200"/>
+              <a:t>文と</a:t>
+            </a:r>
+            <a:r>
+              <a:rPr lang="en-US" altLang="ja-JP" sz="3200"/>
+              <a:t>for</a:t>
+            </a:r>
+            <a:r>
+              <a:rPr lang="ja-JP" altLang="en-US" sz="3200"/>
+              <a:t>文の使い分け</a:t>
+            </a:r>
+            <a:endParaRPr kumimoji="1" lang="ja-JP" altLang="en-US" sz="3200"/>
+          </a:p>
+        </p:txBody>
+      </p:sp>
+      <p:sp>
+        <p:nvSpPr>
+          <p:cNvPr id="6" name="テキスト ボックス 5">
+            <a:extLst>
+              <a:ext uri="{FF2B5EF4-FFF2-40B4-BE49-F238E27FC236}">
+                <a16:creationId xmlns:a16="http://schemas.microsoft.com/office/drawing/2014/main" id="{0A8E85AB-741B-595D-CA2C-B30D5719DB22}"/>
+              </a:ext>
+            </a:extLst>
+          </p:cNvPr>
+          <p:cNvSpPr txBox="1"/>
+          <p:nvPr/>
+        </p:nvSpPr>
+        <p:spPr>
+          <a:xfrm>
+            <a:off x="698157" y="3906520"/>
+            <a:ext cx="2951449" cy="584775"/>
+          </a:xfrm>
+          <a:prstGeom prst="rect">
+            <a:avLst/>
+          </a:prstGeom>
+          <a:noFill/>
+        </p:spPr>
+        <p:txBody>
+          <a:bodyPr wrap="none" rtlCol="0">
+            <a:spAutoFit/>
+          </a:bodyPr>
+          <a:lstStyle/>
+          <a:p>
+            <a:r>
+              <a:rPr kumimoji="1" lang="ja-JP" altLang="en-US" sz="3200">
+                <a:solidFill>
+                  <a:srgbClr val="FF0000"/>
+                </a:solidFill>
+              </a:rPr>
+              <a:t>・</a:t>
+            </a:r>
+            <a:r>
+              <a:rPr lang="en-US" altLang="ja-JP" sz="3200">
+                <a:solidFill>
+                  <a:srgbClr val="FF0000"/>
+                </a:solidFill>
+              </a:rPr>
+              <a:t>vector</a:t>
+            </a:r>
+            <a:r>
+              <a:rPr kumimoji="1" lang="en-US" altLang="ja-JP" sz="3200">
+                <a:solidFill>
+                  <a:srgbClr val="FF0000"/>
+                </a:solidFill>
+              </a:rPr>
+              <a:t>(C++)</a:t>
+            </a:r>
+            <a:endParaRPr kumimoji="1" lang="ja-JP" altLang="en-US" sz="3200">
+              <a:solidFill>
+                <a:srgbClr val="FF0000"/>
+              </a:solidFill>
+            </a:endParaRPr>
           </a:p>
         </p:txBody>
       </p:sp>
     </p:spTree>
     <p:extLst>
       <p:ext uri="{BB962C8B-B14F-4D97-AF65-F5344CB8AC3E}">
-        <p14:creationId xmlns:p14="http://schemas.microsoft.com/office/powerpoint/2010/main" val="2518228326"/>
+        <p14:creationId xmlns:p14="http://schemas.microsoft.com/office/powerpoint/2010/main" val="3525899183"/>
+      </p:ext>
+    </p:extLst>
+  </p:cSld>
+  <p:clrMapOvr>
+    <a:masterClrMapping/>
+  </p:clrMapOvr>
+</p:sld>
+</file>
+
+<file path=ppt/slides/slide17.xml><?xml version="1.0" encoding="utf-8"?>
+<p:sld xmlns:a="http://schemas.openxmlformats.org/drawingml/2006/main" xmlns:r="http://schemas.openxmlformats.org/officeDocument/2006/relationships" xmlns:p="http://schemas.openxmlformats.org/presentationml/2006/main">
+  <p:cSld>
+    <p:spTree>
+      <p:nvGrpSpPr>
+        <p:cNvPr id="1" name=""/>
+        <p:cNvGrpSpPr/>
+        <p:nvPr/>
+      </p:nvGrpSpPr>
+      <p:grpSpPr>
+        <a:xfrm>
+          <a:off x="0" y="0"/>
+          <a:ext cx="0" cy="0"/>
+          <a:chOff x="0" y="0"/>
+          <a:chExt cx="0" cy="0"/>
+        </a:xfrm>
+      </p:grpSpPr>
+      <p:sp>
+        <p:nvSpPr>
+          <p:cNvPr id="4" name="正方形/長方形 3">
+            <a:extLst>
+              <a:ext uri="{FF2B5EF4-FFF2-40B4-BE49-F238E27FC236}">
+                <a16:creationId xmlns:a16="http://schemas.microsoft.com/office/drawing/2014/main" id="{9DF20083-156A-16DA-0EEB-CA65C4F4EBBD}"/>
+              </a:ext>
+            </a:extLst>
+          </p:cNvPr>
+          <p:cNvSpPr/>
+          <p:nvPr/>
+        </p:nvSpPr>
+        <p:spPr>
+          <a:xfrm>
+            <a:off x="1396314" y="0"/>
+            <a:ext cx="10795686" cy="1397876"/>
+          </a:xfrm>
+          <a:prstGeom prst="rect">
+            <a:avLst/>
+          </a:prstGeom>
+          <a:solidFill>
+            <a:schemeClr val="accent5"/>
+          </a:solidFill>
+          <a:ln>
+            <a:noFill/>
+          </a:ln>
+        </p:spPr>
+        <p:style>
+          <a:lnRef idx="2">
+            <a:schemeClr val="accent1">
+              <a:shade val="15000"/>
+            </a:schemeClr>
+          </a:lnRef>
+          <a:fillRef idx="1">
+            <a:schemeClr val="accent1"/>
+          </a:fillRef>
+          <a:effectRef idx="0">
+            <a:schemeClr val="accent1"/>
+          </a:effectRef>
+          <a:fontRef idx="minor">
+            <a:schemeClr val="lt1"/>
+          </a:fontRef>
+        </p:style>
+        <p:txBody>
+          <a:bodyPr rtlCol="0" anchor="ctr"/>
+          <a:lstStyle/>
+          <a:p>
+            <a:r>
+              <a:rPr lang="en-US" altLang="ja-JP" sz="4000" b="1">
+                <a:solidFill>
+                  <a:schemeClr val="tx1"/>
+                </a:solidFill>
+              </a:rPr>
+              <a:t>while</a:t>
+            </a:r>
+            <a:r>
+              <a:rPr lang="ja-JP" altLang="en-US" sz="4000" b="1">
+                <a:solidFill>
+                  <a:schemeClr val="tx1"/>
+                </a:solidFill>
+              </a:rPr>
+              <a:t>文と</a:t>
+            </a:r>
+            <a:r>
+              <a:rPr lang="en-US" altLang="ja-JP" sz="4000" b="1">
+                <a:solidFill>
+                  <a:schemeClr val="tx1"/>
+                </a:solidFill>
+              </a:rPr>
+              <a:t>for</a:t>
+            </a:r>
+            <a:r>
+              <a:rPr lang="ja-JP" altLang="en-US" sz="4000" b="1">
+                <a:solidFill>
+                  <a:schemeClr val="tx1"/>
+                </a:solidFill>
+              </a:rPr>
+              <a:t>文の使い分け</a:t>
+            </a:r>
+            <a:endParaRPr kumimoji="1" lang="ja-JP" altLang="en-US" sz="4000" b="1">
+              <a:solidFill>
+                <a:schemeClr val="tx1"/>
+              </a:solidFill>
+            </a:endParaRPr>
+          </a:p>
+        </p:txBody>
+      </p:sp>
+      <p:sp>
+        <p:nvSpPr>
+          <p:cNvPr id="5" name="正方形/長方形 4">
+            <a:extLst>
+              <a:ext uri="{FF2B5EF4-FFF2-40B4-BE49-F238E27FC236}">
+                <a16:creationId xmlns:a16="http://schemas.microsoft.com/office/drawing/2014/main" id="{BD9D5376-097D-869C-B9C1-C3A110CFEA92}"/>
+              </a:ext>
+            </a:extLst>
+          </p:cNvPr>
+          <p:cNvSpPr/>
+          <p:nvPr/>
+        </p:nvSpPr>
+        <p:spPr>
+          <a:xfrm>
+            <a:off x="0" y="0"/>
+            <a:ext cx="1396314" cy="1397876"/>
+          </a:xfrm>
+          <a:prstGeom prst="rect">
+            <a:avLst/>
+          </a:prstGeom>
+          <a:ln>
+            <a:noFill/>
+          </a:ln>
+        </p:spPr>
+        <p:style>
+          <a:lnRef idx="2">
+            <a:schemeClr val="accent1">
+              <a:shade val="15000"/>
+            </a:schemeClr>
+          </a:lnRef>
+          <a:fillRef idx="1">
+            <a:schemeClr val="accent1"/>
+          </a:fillRef>
+          <a:effectRef idx="0">
+            <a:schemeClr val="accent1"/>
+          </a:effectRef>
+          <a:fontRef idx="minor">
+            <a:schemeClr val="lt1"/>
+          </a:fontRef>
+        </p:style>
+        <p:txBody>
+          <a:bodyPr rtlCol="0" anchor="ctr"/>
+          <a:lstStyle/>
+          <a:p>
+            <a:pPr algn="ctr"/>
+            <a:r>
+              <a:rPr kumimoji="1" lang="en-US" altLang="ja-JP" sz="3200" b="1"/>
+              <a:t>4.4</a:t>
+            </a:r>
+            <a:endParaRPr kumimoji="1" lang="ja-JP" altLang="en-US" sz="3200" b="1"/>
+          </a:p>
+        </p:txBody>
+      </p:sp>
+      <p:sp>
+        <p:nvSpPr>
+          <p:cNvPr id="2" name="テキスト ボックス 1">
+            <a:extLst>
+              <a:ext uri="{FF2B5EF4-FFF2-40B4-BE49-F238E27FC236}">
+                <a16:creationId xmlns:a16="http://schemas.microsoft.com/office/drawing/2014/main" id="{86466B70-23E3-AABC-3175-0C0831D907C1}"/>
+              </a:ext>
+            </a:extLst>
+          </p:cNvPr>
+          <p:cNvSpPr txBox="1"/>
+          <p:nvPr/>
+        </p:nvSpPr>
+        <p:spPr>
+          <a:xfrm>
+            <a:off x="393357" y="3596640"/>
+            <a:ext cx="5519460" cy="584775"/>
+          </a:xfrm>
+          <a:prstGeom prst="rect">
+            <a:avLst/>
+          </a:prstGeom>
+          <a:noFill/>
+        </p:spPr>
+        <p:txBody>
+          <a:bodyPr wrap="none" rtlCol="0">
+            <a:spAutoFit/>
+          </a:bodyPr>
+          <a:lstStyle/>
+          <a:p>
+            <a:r>
+              <a:rPr kumimoji="1" lang="ja-JP" altLang="en-US" sz="3200"/>
+              <a:t>ループの回数が決まっている</a:t>
+            </a:r>
+          </a:p>
+        </p:txBody>
+      </p:sp>
+      <p:cxnSp>
+        <p:nvCxnSpPr>
+          <p:cNvPr id="7" name="直線矢印コネクタ 6">
+            <a:extLst>
+              <a:ext uri="{FF2B5EF4-FFF2-40B4-BE49-F238E27FC236}">
+                <a16:creationId xmlns:a16="http://schemas.microsoft.com/office/drawing/2014/main" id="{C85ECF42-DD73-57A1-CE38-CB8BC50A8259}"/>
+              </a:ext>
+            </a:extLst>
+          </p:cNvPr>
+          <p:cNvCxnSpPr>
+            <a:cxnSpLocks/>
+          </p:cNvCxnSpPr>
+          <p:nvPr/>
+        </p:nvCxnSpPr>
+        <p:spPr>
+          <a:xfrm>
+            <a:off x="5912817" y="3860333"/>
+            <a:ext cx="1806629" cy="0"/>
+          </a:xfrm>
+          <a:prstGeom prst="straightConnector1">
+            <a:avLst/>
+          </a:prstGeom>
+          <a:ln>
+            <a:tailEnd type="triangle"/>
+          </a:ln>
+        </p:spPr>
+        <p:style>
+          <a:lnRef idx="1">
+            <a:schemeClr val="accent1"/>
+          </a:lnRef>
+          <a:fillRef idx="0">
+            <a:schemeClr val="accent1"/>
+          </a:fillRef>
+          <a:effectRef idx="0">
+            <a:schemeClr val="accent1"/>
+          </a:effectRef>
+          <a:fontRef idx="minor">
+            <a:schemeClr val="tx1"/>
+          </a:fontRef>
+        </p:style>
+      </p:cxnSp>
+      <p:sp>
+        <p:nvSpPr>
+          <p:cNvPr id="9" name="テキスト ボックス 8">
+            <a:extLst>
+              <a:ext uri="{FF2B5EF4-FFF2-40B4-BE49-F238E27FC236}">
+                <a16:creationId xmlns:a16="http://schemas.microsoft.com/office/drawing/2014/main" id="{CE1FE2DD-E704-94DC-69AA-07FA3B0DA8DF}"/>
+              </a:ext>
+            </a:extLst>
+          </p:cNvPr>
+          <p:cNvSpPr txBox="1"/>
+          <p:nvPr/>
+        </p:nvSpPr>
+        <p:spPr>
+          <a:xfrm>
+            <a:off x="8249920" y="3596640"/>
+            <a:ext cx="998991" cy="523220"/>
+          </a:xfrm>
+          <a:prstGeom prst="rect">
+            <a:avLst/>
+          </a:prstGeom>
+          <a:noFill/>
+        </p:spPr>
+        <p:txBody>
+          <a:bodyPr wrap="none" rtlCol="0">
+            <a:spAutoFit/>
+          </a:bodyPr>
+          <a:lstStyle/>
+          <a:p>
+            <a:r>
+              <a:rPr kumimoji="1" lang="en-US" altLang="ja-JP" sz="2800"/>
+              <a:t>for</a:t>
+            </a:r>
+            <a:r>
+              <a:rPr kumimoji="1" lang="ja-JP" altLang="en-US" sz="2800"/>
+              <a:t>文</a:t>
+            </a:r>
+          </a:p>
+        </p:txBody>
+      </p:sp>
+      <p:cxnSp>
+        <p:nvCxnSpPr>
+          <p:cNvPr id="13" name="カギ線コネクタ 12">
+            <a:extLst>
+              <a:ext uri="{FF2B5EF4-FFF2-40B4-BE49-F238E27FC236}">
+                <a16:creationId xmlns:a16="http://schemas.microsoft.com/office/drawing/2014/main" id="{51F69E5C-591C-6179-4B37-82B25D433257}"/>
+              </a:ext>
+            </a:extLst>
+          </p:cNvPr>
+          <p:cNvCxnSpPr>
+            <a:cxnSpLocks/>
+          </p:cNvCxnSpPr>
+          <p:nvPr/>
+        </p:nvCxnSpPr>
+        <p:spPr>
+          <a:xfrm>
+            <a:off x="5922821" y="3889027"/>
+            <a:ext cx="1796625" cy="1150333"/>
+          </a:xfrm>
+          <a:prstGeom prst="bentConnector3">
+            <a:avLst>
+              <a:gd name="adj1" fmla="val 50000"/>
+            </a:avLst>
+          </a:prstGeom>
+          <a:ln>
+            <a:tailEnd type="triangle"/>
+          </a:ln>
+        </p:spPr>
+        <p:style>
+          <a:lnRef idx="1">
+            <a:schemeClr val="accent1"/>
+          </a:lnRef>
+          <a:fillRef idx="0">
+            <a:schemeClr val="accent1"/>
+          </a:fillRef>
+          <a:effectRef idx="0">
+            <a:schemeClr val="accent1"/>
+          </a:effectRef>
+          <a:fontRef idx="minor">
+            <a:schemeClr val="tx1"/>
+          </a:fontRef>
+        </p:style>
+      </p:cxnSp>
+      <p:sp>
+        <p:nvSpPr>
+          <p:cNvPr id="18" name="テキスト ボックス 17">
+            <a:extLst>
+              <a:ext uri="{FF2B5EF4-FFF2-40B4-BE49-F238E27FC236}">
+                <a16:creationId xmlns:a16="http://schemas.microsoft.com/office/drawing/2014/main" id="{7F637F6E-94DD-4CEC-3AA5-022DBC211916}"/>
+              </a:ext>
+            </a:extLst>
+          </p:cNvPr>
+          <p:cNvSpPr txBox="1"/>
+          <p:nvPr/>
+        </p:nvSpPr>
+        <p:spPr>
+          <a:xfrm>
+            <a:off x="8249920" y="4777750"/>
+            <a:ext cx="1420582" cy="523220"/>
+          </a:xfrm>
+          <a:prstGeom prst="rect">
+            <a:avLst/>
+          </a:prstGeom>
+          <a:noFill/>
+        </p:spPr>
+        <p:txBody>
+          <a:bodyPr wrap="none" rtlCol="0">
+            <a:spAutoFit/>
+          </a:bodyPr>
+          <a:lstStyle/>
+          <a:p>
+            <a:r>
+              <a:rPr kumimoji="1" lang="en-US" altLang="ja-JP" sz="2800"/>
+              <a:t>while</a:t>
+            </a:r>
+            <a:r>
+              <a:rPr kumimoji="1" lang="ja-JP" altLang="en-US" sz="2800"/>
+              <a:t>文</a:t>
+            </a:r>
+          </a:p>
+        </p:txBody>
+      </p:sp>
+      <p:sp>
+        <p:nvSpPr>
+          <p:cNvPr id="19" name="テキスト ボックス 18">
+            <a:extLst>
+              <a:ext uri="{FF2B5EF4-FFF2-40B4-BE49-F238E27FC236}">
+                <a16:creationId xmlns:a16="http://schemas.microsoft.com/office/drawing/2014/main" id="{D77A0F80-6482-FC31-FEE9-2762432026E3}"/>
+              </a:ext>
+            </a:extLst>
+          </p:cNvPr>
+          <p:cNvSpPr txBox="1"/>
+          <p:nvPr/>
+        </p:nvSpPr>
+        <p:spPr>
+          <a:xfrm>
+            <a:off x="6990080" y="3519695"/>
+            <a:ext cx="543739" cy="369332"/>
+          </a:xfrm>
+          <a:prstGeom prst="rect">
+            <a:avLst/>
+          </a:prstGeom>
+          <a:noFill/>
+        </p:spPr>
+        <p:txBody>
+          <a:bodyPr wrap="none" rtlCol="0">
+            <a:spAutoFit/>
+          </a:bodyPr>
+          <a:lstStyle/>
+          <a:p>
+            <a:r>
+              <a:rPr kumimoji="1" lang="en-US" altLang="ja-JP"/>
+              <a:t>yes</a:t>
+            </a:r>
+            <a:endParaRPr kumimoji="1" lang="ja-JP" altLang="en-US"/>
+          </a:p>
+        </p:txBody>
+      </p:sp>
+      <p:sp>
+        <p:nvSpPr>
+          <p:cNvPr id="20" name="テキスト ボックス 19">
+            <a:extLst>
+              <a:ext uri="{FF2B5EF4-FFF2-40B4-BE49-F238E27FC236}">
+                <a16:creationId xmlns:a16="http://schemas.microsoft.com/office/drawing/2014/main" id="{1D5767B7-131B-EE11-3A92-CCDABFD27019}"/>
+              </a:ext>
+            </a:extLst>
+          </p:cNvPr>
+          <p:cNvSpPr txBox="1"/>
+          <p:nvPr/>
+        </p:nvSpPr>
+        <p:spPr>
+          <a:xfrm>
+            <a:off x="7037368" y="4670028"/>
+            <a:ext cx="449162" cy="369332"/>
+          </a:xfrm>
+          <a:prstGeom prst="rect">
+            <a:avLst/>
+          </a:prstGeom>
+          <a:noFill/>
+        </p:spPr>
+        <p:txBody>
+          <a:bodyPr wrap="square" rtlCol="0">
+            <a:spAutoFit/>
+          </a:bodyPr>
+          <a:lstStyle/>
+          <a:p>
+            <a:r>
+              <a:rPr kumimoji="1" lang="en-US" altLang="ja-JP"/>
+              <a:t>no</a:t>
+            </a:r>
+            <a:endParaRPr kumimoji="1" lang="ja-JP" altLang="en-US"/>
+          </a:p>
+        </p:txBody>
+      </p:sp>
+    </p:spTree>
+    <p:extLst>
+      <p:ext uri="{BB962C8B-B14F-4D97-AF65-F5344CB8AC3E}">
+        <p14:creationId xmlns:p14="http://schemas.microsoft.com/office/powerpoint/2010/main" val="2801836689"/>
+      </p:ext>
+    </p:extLst>
+  </p:cSld>
+  <p:clrMapOvr>
+    <a:masterClrMapping/>
+  </p:clrMapOvr>
+</p:sld>
+</file>
+
+<file path=ppt/slides/slide18.xml><?xml version="1.0" encoding="utf-8"?>
+<p:sld xmlns:a="http://schemas.openxmlformats.org/drawingml/2006/main" xmlns:r="http://schemas.openxmlformats.org/officeDocument/2006/relationships" xmlns:p="http://schemas.openxmlformats.org/presentationml/2006/main">
+  <p:cSld>
+    <p:spTree>
+      <p:nvGrpSpPr>
+        <p:cNvPr id="1" name=""/>
+        <p:cNvGrpSpPr/>
+        <p:nvPr/>
+      </p:nvGrpSpPr>
+      <p:grpSpPr>
+        <a:xfrm>
+          <a:off x="0" y="0"/>
+          <a:ext cx="0" cy="0"/>
+          <a:chOff x="0" y="0"/>
+          <a:chExt cx="0" cy="0"/>
+        </a:xfrm>
+      </p:grpSpPr>
+      <p:sp>
+        <p:nvSpPr>
+          <p:cNvPr id="4" name="正方形/長方形 3">
+            <a:extLst>
+              <a:ext uri="{FF2B5EF4-FFF2-40B4-BE49-F238E27FC236}">
+                <a16:creationId xmlns:a16="http://schemas.microsoft.com/office/drawing/2014/main" id="{9DF20083-156A-16DA-0EEB-CA65C4F4EBBD}"/>
+              </a:ext>
+            </a:extLst>
+          </p:cNvPr>
+          <p:cNvSpPr/>
+          <p:nvPr/>
+        </p:nvSpPr>
+        <p:spPr>
+          <a:xfrm>
+            <a:off x="1396314" y="0"/>
+            <a:ext cx="10795686" cy="1397876"/>
+          </a:xfrm>
+          <a:prstGeom prst="rect">
+            <a:avLst/>
+          </a:prstGeom>
+          <a:solidFill>
+            <a:schemeClr val="accent5"/>
+          </a:solidFill>
+          <a:ln>
+            <a:noFill/>
+          </a:ln>
+        </p:spPr>
+        <p:style>
+          <a:lnRef idx="2">
+            <a:schemeClr val="accent1">
+              <a:shade val="15000"/>
+            </a:schemeClr>
+          </a:lnRef>
+          <a:fillRef idx="1">
+            <a:schemeClr val="accent1"/>
+          </a:fillRef>
+          <a:effectRef idx="0">
+            <a:schemeClr val="accent1"/>
+          </a:effectRef>
+          <a:fontRef idx="minor">
+            <a:schemeClr val="lt1"/>
+          </a:fontRef>
+        </p:style>
+        <p:txBody>
+          <a:bodyPr rtlCol="0" anchor="ctr"/>
+          <a:lstStyle/>
+          <a:p>
+            <a:r>
+              <a:rPr kumimoji="1" lang="en-US" altLang="ja-JP" sz="4000" b="1">
+                <a:solidFill>
+                  <a:srgbClr val="F8582E"/>
+                </a:solidFill>
+              </a:rPr>
+              <a:t>C++</a:t>
+            </a:r>
+            <a:r>
+              <a:rPr kumimoji="1" lang="ja-JP" altLang="en-US" sz="4000" b="1">
+                <a:solidFill>
+                  <a:srgbClr val="F8582E"/>
+                </a:solidFill>
+              </a:rPr>
+              <a:t>の配列は</a:t>
+            </a:r>
+            <a:r>
+              <a:rPr lang="en-US" altLang="ja-JP" sz="4000" b="1">
+                <a:solidFill>
+                  <a:srgbClr val="F8582E"/>
+                </a:solidFill>
+              </a:rPr>
+              <a:t>vector</a:t>
+            </a:r>
+            <a:r>
+              <a:rPr lang="ja-JP" altLang="en-US" sz="4000" b="1">
+                <a:solidFill>
+                  <a:srgbClr val="F8582E"/>
+                </a:solidFill>
+              </a:rPr>
+              <a:t>を使う</a:t>
+            </a:r>
+            <a:endParaRPr kumimoji="1" lang="ja-JP" altLang="en-US" sz="4000" b="1">
+              <a:solidFill>
+                <a:srgbClr val="F8582E"/>
+              </a:solidFill>
+            </a:endParaRPr>
+          </a:p>
+        </p:txBody>
+      </p:sp>
+      <p:sp>
+        <p:nvSpPr>
+          <p:cNvPr id="5" name="正方形/長方形 4">
+            <a:extLst>
+              <a:ext uri="{FF2B5EF4-FFF2-40B4-BE49-F238E27FC236}">
+                <a16:creationId xmlns:a16="http://schemas.microsoft.com/office/drawing/2014/main" id="{BD9D5376-097D-869C-B9C1-C3A110CFEA92}"/>
+              </a:ext>
+            </a:extLst>
+          </p:cNvPr>
+          <p:cNvSpPr/>
+          <p:nvPr/>
+        </p:nvSpPr>
+        <p:spPr>
+          <a:xfrm>
+            <a:off x="0" y="0"/>
+            <a:ext cx="1396314" cy="1397876"/>
+          </a:xfrm>
+          <a:prstGeom prst="rect">
+            <a:avLst/>
+          </a:prstGeom>
+          <a:ln>
+            <a:noFill/>
+          </a:ln>
+        </p:spPr>
+        <p:style>
+          <a:lnRef idx="2">
+            <a:schemeClr val="accent1">
+              <a:shade val="15000"/>
+            </a:schemeClr>
+          </a:lnRef>
+          <a:fillRef idx="1">
+            <a:schemeClr val="accent1"/>
+          </a:fillRef>
+          <a:effectRef idx="0">
+            <a:schemeClr val="accent1"/>
+          </a:effectRef>
+          <a:fontRef idx="minor">
+            <a:schemeClr val="lt1"/>
+          </a:fontRef>
+        </p:style>
+        <p:txBody>
+          <a:bodyPr rtlCol="0" anchor="ctr"/>
+          <a:lstStyle/>
+          <a:p>
+            <a:pPr algn="ctr"/>
+            <a:r>
+              <a:rPr kumimoji="1" lang="en-US" altLang="ja-JP" sz="3200" b="1"/>
+              <a:t>4.5</a:t>
+            </a:r>
+            <a:endParaRPr kumimoji="1" lang="ja-JP" altLang="en-US" sz="3200" b="1"/>
+          </a:p>
+        </p:txBody>
+      </p:sp>
+      <p:sp>
+        <p:nvSpPr>
+          <p:cNvPr id="2" name="テキスト ボックス 1">
+            <a:extLst>
+              <a:ext uri="{FF2B5EF4-FFF2-40B4-BE49-F238E27FC236}">
+                <a16:creationId xmlns:a16="http://schemas.microsoft.com/office/drawing/2014/main" id="{9A0977E2-D6D6-580D-BB8B-3B77622B7B09}"/>
+              </a:ext>
+            </a:extLst>
+          </p:cNvPr>
+          <p:cNvSpPr txBox="1"/>
+          <p:nvPr/>
+        </p:nvSpPr>
+        <p:spPr>
+          <a:xfrm>
+            <a:off x="698157" y="6488668"/>
+            <a:ext cx="6082114" cy="369332"/>
+          </a:xfrm>
+          <a:prstGeom prst="rect">
+            <a:avLst/>
+          </a:prstGeom>
+          <a:noFill/>
+        </p:spPr>
+        <p:txBody>
+          <a:bodyPr wrap="none" rtlCol="0">
+            <a:spAutoFit/>
+          </a:bodyPr>
+          <a:lstStyle/>
+          <a:p>
+            <a:r>
+              <a:rPr kumimoji="1" lang="en" altLang="ja-JP"/>
+              <a:t>https://cpprefjp.github.io/reference/vector/vector.html</a:t>
+            </a:r>
+            <a:endParaRPr kumimoji="1" lang="ja-JP" altLang="en-US"/>
+          </a:p>
+        </p:txBody>
+      </p:sp>
+      <p:sp>
+        <p:nvSpPr>
+          <p:cNvPr id="3" name="テキスト ボックス 2">
+            <a:extLst>
+              <a:ext uri="{FF2B5EF4-FFF2-40B4-BE49-F238E27FC236}">
+                <a16:creationId xmlns:a16="http://schemas.microsoft.com/office/drawing/2014/main" id="{619A18BF-3B98-A924-17F7-C17255DC8208}"/>
+              </a:ext>
+            </a:extLst>
+          </p:cNvPr>
+          <p:cNvSpPr txBox="1"/>
+          <p:nvPr/>
+        </p:nvSpPr>
+        <p:spPr>
+          <a:xfrm>
+            <a:off x="426720" y="6202958"/>
+            <a:ext cx="1569660" cy="369332"/>
+          </a:xfrm>
+          <a:prstGeom prst="rect">
+            <a:avLst/>
+          </a:prstGeom>
+          <a:noFill/>
+        </p:spPr>
+        <p:txBody>
+          <a:bodyPr wrap="none" rtlCol="0">
+            <a:spAutoFit/>
+          </a:bodyPr>
+          <a:lstStyle/>
+          <a:p>
+            <a:r>
+              <a:rPr kumimoji="1" lang="ja-JP" altLang="en-US"/>
+              <a:t>リファレンス</a:t>
+            </a:r>
+          </a:p>
+        </p:txBody>
+      </p:sp>
+      <p:sp>
+        <p:nvSpPr>
+          <p:cNvPr id="8" name="テキスト ボックス 7">
+            <a:extLst>
+              <a:ext uri="{FF2B5EF4-FFF2-40B4-BE49-F238E27FC236}">
+                <a16:creationId xmlns:a16="http://schemas.microsoft.com/office/drawing/2014/main" id="{E638A61B-3469-CC94-C440-36A37B59BAFC}"/>
+              </a:ext>
+            </a:extLst>
+          </p:cNvPr>
+          <p:cNvSpPr txBox="1"/>
+          <p:nvPr/>
+        </p:nvSpPr>
+        <p:spPr>
+          <a:xfrm>
+            <a:off x="538480" y="5354320"/>
+            <a:ext cx="2763898" cy="369332"/>
+          </a:xfrm>
+          <a:prstGeom prst="rect">
+            <a:avLst/>
+          </a:prstGeom>
+          <a:noFill/>
+        </p:spPr>
+        <p:txBody>
+          <a:bodyPr wrap="none" rtlCol="0">
+            <a:spAutoFit/>
+          </a:bodyPr>
+          <a:lstStyle/>
+          <a:p>
+            <a:r>
+              <a:rPr kumimoji="1" lang="en-US" altLang="ja-JP"/>
+              <a:t>APG4b</a:t>
+            </a:r>
+            <a:r>
+              <a:rPr kumimoji="1" lang="ja-JP" altLang="en-US"/>
+              <a:t>で勉強がおすすめ</a:t>
+            </a:r>
+          </a:p>
+        </p:txBody>
+      </p:sp>
+      <p:sp>
+        <p:nvSpPr>
+          <p:cNvPr id="9" name="テキスト ボックス 8">
+            <a:extLst>
+              <a:ext uri="{FF2B5EF4-FFF2-40B4-BE49-F238E27FC236}">
+                <a16:creationId xmlns:a16="http://schemas.microsoft.com/office/drawing/2014/main" id="{8F77DA07-81C5-F895-7F74-27E8BC9647B3}"/>
+              </a:ext>
+            </a:extLst>
+          </p:cNvPr>
+          <p:cNvSpPr txBox="1"/>
+          <p:nvPr/>
+        </p:nvSpPr>
+        <p:spPr>
+          <a:xfrm>
+            <a:off x="698157" y="5686306"/>
+            <a:ext cx="5647700" cy="369332"/>
+          </a:xfrm>
+          <a:prstGeom prst="rect">
+            <a:avLst/>
+          </a:prstGeom>
+          <a:noFill/>
+        </p:spPr>
+        <p:txBody>
+          <a:bodyPr wrap="none" rtlCol="0">
+            <a:spAutoFit/>
+          </a:bodyPr>
+          <a:lstStyle/>
+          <a:p>
+            <a:r>
+              <a:rPr kumimoji="1" lang="en" altLang="ja-JP"/>
+              <a:t>https://atcoder.jp/contests/apg4b/tasks/APG4b_n</a:t>
+            </a:r>
+            <a:endParaRPr kumimoji="1" lang="ja-JP" altLang="en-US"/>
+          </a:p>
+        </p:txBody>
+      </p:sp>
+    </p:spTree>
+    <p:extLst>
+      <p:ext uri="{BB962C8B-B14F-4D97-AF65-F5344CB8AC3E}">
+        <p14:creationId xmlns:p14="http://schemas.microsoft.com/office/powerpoint/2010/main" val="1065801170"/>
+      </p:ext>
+    </p:extLst>
+  </p:cSld>
+  <p:clrMapOvr>
+    <a:masterClrMapping/>
+  </p:clrMapOvr>
+</p:sld>
+</file>
+
+<file path=ppt/slides/slide19.xml><?xml version="1.0" encoding="utf-8"?>
+<p:sld xmlns:a="http://schemas.openxmlformats.org/drawingml/2006/main" xmlns:r="http://schemas.openxmlformats.org/officeDocument/2006/relationships" xmlns:p="http://schemas.openxmlformats.org/presentationml/2006/main">
+  <p:cSld>
+    <p:spTree>
+      <p:nvGrpSpPr>
+        <p:cNvPr id="1" name=""/>
+        <p:cNvGrpSpPr/>
+        <p:nvPr/>
+      </p:nvGrpSpPr>
+      <p:grpSpPr>
+        <a:xfrm>
+          <a:off x="0" y="0"/>
+          <a:ext cx="0" cy="0"/>
+          <a:chOff x="0" y="0"/>
+          <a:chExt cx="0" cy="0"/>
+        </a:xfrm>
+      </p:grpSpPr>
+      <p:sp>
+        <p:nvSpPr>
+          <p:cNvPr id="4" name="正方形/長方形 3">
+            <a:extLst>
+              <a:ext uri="{FF2B5EF4-FFF2-40B4-BE49-F238E27FC236}">
+                <a16:creationId xmlns:a16="http://schemas.microsoft.com/office/drawing/2014/main" id="{9DF20083-156A-16DA-0EEB-CA65C4F4EBBD}"/>
+              </a:ext>
+            </a:extLst>
+          </p:cNvPr>
+          <p:cNvSpPr/>
+          <p:nvPr/>
+        </p:nvSpPr>
+        <p:spPr>
+          <a:xfrm>
+            <a:off x="1396314" y="0"/>
+            <a:ext cx="10795686" cy="1397876"/>
+          </a:xfrm>
+          <a:prstGeom prst="rect">
+            <a:avLst/>
+          </a:prstGeom>
+          <a:solidFill>
+            <a:schemeClr val="accent5"/>
+          </a:solidFill>
+          <a:ln>
+            <a:noFill/>
+          </a:ln>
+        </p:spPr>
+        <p:style>
+          <a:lnRef idx="2">
+            <a:schemeClr val="accent1">
+              <a:shade val="15000"/>
+            </a:schemeClr>
+          </a:lnRef>
+          <a:fillRef idx="1">
+            <a:schemeClr val="accent1"/>
+          </a:fillRef>
+          <a:effectRef idx="0">
+            <a:schemeClr val="accent1"/>
+          </a:effectRef>
+          <a:fontRef idx="minor">
+            <a:schemeClr val="lt1"/>
+          </a:fontRef>
+        </p:style>
+        <p:txBody>
+          <a:bodyPr rtlCol="0" anchor="ctr"/>
+          <a:lstStyle/>
+          <a:p>
+            <a:endParaRPr kumimoji="1" lang="ja-JP" altLang="en-US" sz="4000" b="1"/>
+          </a:p>
+        </p:txBody>
+      </p:sp>
+      <p:sp>
+        <p:nvSpPr>
+          <p:cNvPr id="5" name="正方形/長方形 4">
+            <a:extLst>
+              <a:ext uri="{FF2B5EF4-FFF2-40B4-BE49-F238E27FC236}">
+                <a16:creationId xmlns:a16="http://schemas.microsoft.com/office/drawing/2014/main" id="{BD9D5376-097D-869C-B9C1-C3A110CFEA92}"/>
+              </a:ext>
+            </a:extLst>
+          </p:cNvPr>
+          <p:cNvSpPr/>
+          <p:nvPr/>
+        </p:nvSpPr>
+        <p:spPr>
+          <a:xfrm>
+            <a:off x="0" y="0"/>
+            <a:ext cx="1396314" cy="1397876"/>
+          </a:xfrm>
+          <a:prstGeom prst="rect">
+            <a:avLst/>
+          </a:prstGeom>
+          <a:ln>
+            <a:noFill/>
+          </a:ln>
+        </p:spPr>
+        <p:style>
+          <a:lnRef idx="2">
+            <a:schemeClr val="accent1">
+              <a:shade val="15000"/>
+            </a:schemeClr>
+          </a:lnRef>
+          <a:fillRef idx="1">
+            <a:schemeClr val="accent1"/>
+          </a:fillRef>
+          <a:effectRef idx="0">
+            <a:schemeClr val="accent1"/>
+          </a:effectRef>
+          <a:fontRef idx="minor">
+            <a:schemeClr val="lt1"/>
+          </a:fontRef>
+        </p:style>
+        <p:txBody>
+          <a:bodyPr rtlCol="0" anchor="ctr"/>
+          <a:lstStyle/>
+          <a:p>
+            <a:pPr algn="ctr"/>
+            <a:endParaRPr kumimoji="1" lang="ja-JP" altLang="en-US" sz="3200" b="1"/>
+          </a:p>
+        </p:txBody>
+      </p:sp>
+    </p:spTree>
+    <p:extLst>
+      <p:ext uri="{BB962C8B-B14F-4D97-AF65-F5344CB8AC3E}">
+        <p14:creationId xmlns:p14="http://schemas.microsoft.com/office/powerpoint/2010/main" val="2748462719"/>
       </p:ext>
     </p:extLst>
   </p:cSld>
@@ -5868,6 +12563,136 @@
     <p:extLst>
       <p:ext uri="{BB962C8B-B14F-4D97-AF65-F5344CB8AC3E}">
         <p14:creationId xmlns:p14="http://schemas.microsoft.com/office/powerpoint/2010/main" val="3782743833"/>
+      </p:ext>
+    </p:extLst>
+  </p:cSld>
+  <p:clrMapOvr>
+    <a:masterClrMapping/>
+  </p:clrMapOvr>
+</p:sld>
+</file>
+
+<file path=ppt/slides/slide20.xml><?xml version="1.0" encoding="utf-8"?>
+<p:sld xmlns:a="http://schemas.openxmlformats.org/drawingml/2006/main" xmlns:r="http://schemas.openxmlformats.org/officeDocument/2006/relationships" xmlns:p="http://schemas.openxmlformats.org/presentationml/2006/main">
+  <p:cSld>
+    <p:spTree>
+      <p:nvGrpSpPr>
+        <p:cNvPr id="1" name=""/>
+        <p:cNvGrpSpPr/>
+        <p:nvPr/>
+      </p:nvGrpSpPr>
+      <p:grpSpPr>
+        <a:xfrm>
+          <a:off x="0" y="0"/>
+          <a:ext cx="0" cy="0"/>
+          <a:chOff x="0" y="0"/>
+          <a:chExt cx="0" cy="0"/>
+        </a:xfrm>
+      </p:grpSpPr>
+      <p:sp>
+        <p:nvSpPr>
+          <p:cNvPr id="4" name="正方形/長方形 3">
+            <a:extLst>
+              <a:ext uri="{FF2B5EF4-FFF2-40B4-BE49-F238E27FC236}">
+                <a16:creationId xmlns:a16="http://schemas.microsoft.com/office/drawing/2014/main" id="{9DF20083-156A-16DA-0EEB-CA65C4F4EBBD}"/>
+              </a:ext>
+            </a:extLst>
+          </p:cNvPr>
+          <p:cNvSpPr/>
+          <p:nvPr/>
+        </p:nvSpPr>
+        <p:spPr>
+          <a:xfrm>
+            <a:off x="1396314" y="0"/>
+            <a:ext cx="10795686" cy="1397876"/>
+          </a:xfrm>
+          <a:prstGeom prst="rect">
+            <a:avLst/>
+          </a:prstGeom>
+          <a:solidFill>
+            <a:schemeClr val="accent5"/>
+          </a:solidFill>
+          <a:ln>
+            <a:noFill/>
+          </a:ln>
+        </p:spPr>
+        <p:style>
+          <a:lnRef idx="2">
+            <a:schemeClr val="accent1">
+              <a:shade val="15000"/>
+            </a:schemeClr>
+          </a:lnRef>
+          <a:fillRef idx="1">
+            <a:schemeClr val="accent1"/>
+          </a:fillRef>
+          <a:effectRef idx="0">
+            <a:schemeClr val="accent1"/>
+          </a:effectRef>
+          <a:fontRef idx="minor">
+            <a:schemeClr val="lt1"/>
+          </a:fontRef>
+        </p:style>
+        <p:txBody>
+          <a:bodyPr rtlCol="0" anchor="ctr"/>
+          <a:lstStyle/>
+          <a:p>
+            <a:endParaRPr kumimoji="1" lang="ja-JP" altLang="en-US" sz="4000" b="1"/>
+          </a:p>
+        </p:txBody>
+      </p:sp>
+      <p:sp>
+        <p:nvSpPr>
+          <p:cNvPr id="5" name="正方形/長方形 4">
+            <a:extLst>
+              <a:ext uri="{FF2B5EF4-FFF2-40B4-BE49-F238E27FC236}">
+                <a16:creationId xmlns:a16="http://schemas.microsoft.com/office/drawing/2014/main" id="{BD9D5376-097D-869C-B9C1-C3A110CFEA92}"/>
+              </a:ext>
+            </a:extLst>
+          </p:cNvPr>
+          <p:cNvSpPr/>
+          <p:nvPr/>
+        </p:nvSpPr>
+        <p:spPr>
+          <a:xfrm>
+            <a:off x="0" y="0"/>
+            <a:ext cx="1396314" cy="1397876"/>
+          </a:xfrm>
+          <a:prstGeom prst="rect">
+            <a:avLst/>
+          </a:prstGeom>
+          <a:ln>
+            <a:noFill/>
+          </a:ln>
+        </p:spPr>
+        <p:style>
+          <a:lnRef idx="2">
+            <a:schemeClr val="accent1">
+              <a:shade val="15000"/>
+            </a:schemeClr>
+          </a:lnRef>
+          <a:fillRef idx="1">
+            <a:schemeClr val="accent1"/>
+          </a:fillRef>
+          <a:effectRef idx="0">
+            <a:schemeClr val="accent1"/>
+          </a:effectRef>
+          <a:fontRef idx="minor">
+            <a:schemeClr val="lt1"/>
+          </a:fontRef>
+        </p:style>
+        <p:txBody>
+          <a:bodyPr rtlCol="0" anchor="ctr"/>
+          <a:lstStyle/>
+          <a:p>
+            <a:pPr algn="ctr"/>
+            <a:endParaRPr kumimoji="1" lang="ja-JP" altLang="en-US" sz="3200" b="1"/>
+          </a:p>
+        </p:txBody>
+      </p:sp>
+    </p:spTree>
+    <p:extLst>
+      <p:ext uri="{BB962C8B-B14F-4D97-AF65-F5344CB8AC3E}">
+        <p14:creationId xmlns:p14="http://schemas.microsoft.com/office/powerpoint/2010/main" val="2518228326"/>
       </p:ext>
     </p:extLst>
   </p:cSld>
@@ -10708,8 +17533,8 @@
         </p:nvSpPr>
         <p:spPr>
           <a:xfrm>
-            <a:off x="6187440" y="5103674"/>
-            <a:ext cx="4368504" cy="1754326"/>
+            <a:off x="6350000" y="5483265"/>
+            <a:ext cx="4368504" cy="1374735"/>
           </a:xfrm>
           <a:prstGeom prst="rect">
             <a:avLst/>
@@ -10724,417 +17549,573 @@
           </a:bodyPr>
           <a:lstStyle/>
           <a:p>
-            <a:r>
-              <a:rPr lang="en" altLang="ja-JP" b="0">
+            <a:pPr algn="l">
+              <a:lnSpc>
+                <a:spcPts val="1950"/>
+              </a:lnSpc>
+            </a:pPr>
+            <a:r>
+              <a:rPr lang="en-US" altLang="ja-JP" sz="1800" kern="0">
                 <a:solidFill>
                   <a:srgbClr val="9CDCFE"/>
                 </a:solidFill>
                 <a:effectLst/>
                 <a:latin typeface="Menlo" panose="020B0609030804020204" pitchFamily="49" charset="0"/>
+                <a:ea typeface="ＭＳ Ｐゴシック" panose="020B0600070205080204" pitchFamily="34" charset="-128"/>
+                <a:cs typeface="Times New Roman" panose="02020603050405020304" pitchFamily="18" charset="0"/>
               </a:rPr>
               <a:t>a</a:t>
             </a:r>
             <a:r>
-              <a:rPr lang="en" altLang="ja-JP" b="0">
-                <a:solidFill>
-                  <a:srgbClr val="CCCCCC"/>
-                </a:solidFill>
-                <a:effectLst/>
-                <a:latin typeface="Menlo" panose="020B0609030804020204" pitchFamily="49" charset="0"/>
+              <a:rPr lang="en-US" altLang="ja-JP" sz="1800" kern="0">
+                <a:solidFill>
+                  <a:srgbClr val="CCCCCC"/>
+                </a:solidFill>
+                <a:effectLst/>
+                <a:latin typeface="Menlo" panose="020B0609030804020204" pitchFamily="49" charset="0"/>
+                <a:ea typeface="ＭＳ Ｐゴシック" panose="020B0600070205080204" pitchFamily="34" charset="-128"/>
+                <a:cs typeface="Times New Roman" panose="02020603050405020304" pitchFamily="18" charset="0"/>
               </a:rPr>
               <a:t>,</a:t>
             </a:r>
             <a:r>
-              <a:rPr lang="en" altLang="ja-JP" b="0">
+              <a:rPr lang="en-US" altLang="ja-JP" sz="1800" kern="0">
                 <a:solidFill>
                   <a:srgbClr val="9CDCFE"/>
                 </a:solidFill>
                 <a:effectLst/>
                 <a:latin typeface="Menlo" panose="020B0609030804020204" pitchFamily="49" charset="0"/>
+                <a:ea typeface="ＭＳ Ｐゴシック" panose="020B0600070205080204" pitchFamily="34" charset="-128"/>
+                <a:cs typeface="Times New Roman" panose="02020603050405020304" pitchFamily="18" charset="0"/>
               </a:rPr>
               <a:t>b</a:t>
             </a:r>
             <a:r>
-              <a:rPr lang="en" altLang="ja-JP" b="0">
-                <a:solidFill>
-                  <a:srgbClr val="CCCCCC"/>
-                </a:solidFill>
-                <a:effectLst/>
-                <a:latin typeface="Menlo" panose="020B0609030804020204" pitchFamily="49" charset="0"/>
+              <a:rPr lang="en-US" altLang="ja-JP" sz="1800" kern="0">
+                <a:solidFill>
+                  <a:srgbClr val="CCCCCC"/>
+                </a:solidFill>
+                <a:effectLst/>
+                <a:latin typeface="Menlo" panose="020B0609030804020204" pitchFamily="49" charset="0"/>
+                <a:ea typeface="ＭＳ Ｐゴシック" panose="020B0600070205080204" pitchFamily="34" charset="-128"/>
+                <a:cs typeface="Times New Roman" panose="02020603050405020304" pitchFamily="18" charset="0"/>
               </a:rPr>
               <a:t> </a:t>
             </a:r>
             <a:r>
-              <a:rPr lang="en" altLang="ja-JP" b="0">
+              <a:rPr lang="en-US" altLang="ja-JP" sz="1800" kern="0">
                 <a:solidFill>
                   <a:srgbClr val="D4D4D4"/>
                 </a:solidFill>
                 <a:effectLst/>
                 <a:latin typeface="Menlo" panose="020B0609030804020204" pitchFamily="49" charset="0"/>
+                <a:ea typeface="ＭＳ Ｐゴシック" panose="020B0600070205080204" pitchFamily="34" charset="-128"/>
+                <a:cs typeface="Times New Roman" panose="02020603050405020304" pitchFamily="18" charset="0"/>
               </a:rPr>
               <a:t>=</a:t>
             </a:r>
             <a:r>
-              <a:rPr lang="en" altLang="ja-JP" b="0">
-                <a:solidFill>
-                  <a:srgbClr val="CCCCCC"/>
-                </a:solidFill>
-                <a:effectLst/>
-                <a:latin typeface="Menlo" panose="020B0609030804020204" pitchFamily="49" charset="0"/>
+              <a:rPr lang="en-US" altLang="ja-JP" sz="1800" kern="0">
+                <a:solidFill>
+                  <a:srgbClr val="CCCCCC"/>
+                </a:solidFill>
+                <a:effectLst/>
+                <a:latin typeface="Menlo" panose="020B0609030804020204" pitchFamily="49" charset="0"/>
+                <a:ea typeface="ＭＳ Ｐゴシック" panose="020B0600070205080204" pitchFamily="34" charset="-128"/>
+                <a:cs typeface="Times New Roman" panose="02020603050405020304" pitchFamily="18" charset="0"/>
               </a:rPr>
               <a:t> </a:t>
             </a:r>
             <a:r>
-              <a:rPr lang="en" altLang="ja-JP" b="0">
+              <a:rPr lang="en-US" altLang="ja-JP" sz="1800" kern="0">
                 <a:solidFill>
                   <a:srgbClr val="4EC9B0"/>
                 </a:solidFill>
                 <a:effectLst/>
                 <a:latin typeface="Menlo" panose="020B0609030804020204" pitchFamily="49" charset="0"/>
+                <a:ea typeface="ＭＳ Ｐゴシック" panose="020B0600070205080204" pitchFamily="34" charset="-128"/>
+                <a:cs typeface="Times New Roman" panose="02020603050405020304" pitchFamily="18" charset="0"/>
               </a:rPr>
               <a:t>map</a:t>
             </a:r>
             <a:r>
-              <a:rPr lang="en" altLang="ja-JP" b="0">
-                <a:solidFill>
-                  <a:srgbClr val="CCCCCC"/>
-                </a:solidFill>
-                <a:effectLst/>
-                <a:latin typeface="Menlo" panose="020B0609030804020204" pitchFamily="49" charset="0"/>
+              <a:rPr lang="en-US" altLang="ja-JP" sz="1800" kern="0">
+                <a:solidFill>
+                  <a:srgbClr val="CCCCCC"/>
+                </a:solidFill>
+                <a:effectLst/>
+                <a:latin typeface="Menlo" panose="020B0609030804020204" pitchFamily="49" charset="0"/>
+                <a:ea typeface="ＭＳ Ｐゴシック" panose="020B0600070205080204" pitchFamily="34" charset="-128"/>
+                <a:cs typeface="Times New Roman" panose="02020603050405020304" pitchFamily="18" charset="0"/>
               </a:rPr>
               <a:t>(</a:t>
             </a:r>
             <a:r>
-              <a:rPr lang="en" altLang="ja-JP" b="0">
+              <a:rPr lang="en-US" altLang="ja-JP" sz="1800" kern="0">
                 <a:solidFill>
                   <a:srgbClr val="4EC9B0"/>
                 </a:solidFill>
                 <a:effectLst/>
                 <a:latin typeface="Menlo" panose="020B0609030804020204" pitchFamily="49" charset="0"/>
+                <a:ea typeface="ＭＳ Ｐゴシック" panose="020B0600070205080204" pitchFamily="34" charset="-128"/>
+                <a:cs typeface="Times New Roman" panose="02020603050405020304" pitchFamily="18" charset="0"/>
               </a:rPr>
               <a:t>int</a:t>
             </a:r>
             <a:r>
-              <a:rPr lang="en" altLang="ja-JP" b="0">
-                <a:solidFill>
-                  <a:srgbClr val="CCCCCC"/>
-                </a:solidFill>
-                <a:effectLst/>
-                <a:latin typeface="Menlo" panose="020B0609030804020204" pitchFamily="49" charset="0"/>
+              <a:rPr lang="en-US" altLang="ja-JP" sz="1800" kern="0">
+                <a:solidFill>
+                  <a:srgbClr val="CCCCCC"/>
+                </a:solidFill>
+                <a:effectLst/>
+                <a:latin typeface="Menlo" panose="020B0609030804020204" pitchFamily="49" charset="0"/>
+                <a:ea typeface="ＭＳ Ｐゴシック" panose="020B0600070205080204" pitchFamily="34" charset="-128"/>
+                <a:cs typeface="Times New Roman" panose="02020603050405020304" pitchFamily="18" charset="0"/>
               </a:rPr>
               <a:t>,</a:t>
             </a:r>
             <a:r>
-              <a:rPr lang="en" altLang="ja-JP" b="0">
+              <a:rPr lang="en-US" altLang="ja-JP" sz="1800" kern="0">
                 <a:solidFill>
                   <a:srgbClr val="DCDCAA"/>
                 </a:solidFill>
                 <a:effectLst/>
                 <a:latin typeface="Menlo" panose="020B0609030804020204" pitchFamily="49" charset="0"/>
+                <a:ea typeface="ＭＳ Ｐゴシック" panose="020B0600070205080204" pitchFamily="34" charset="-128"/>
+                <a:cs typeface="Times New Roman" panose="02020603050405020304" pitchFamily="18" charset="0"/>
               </a:rPr>
               <a:t>input</a:t>
             </a:r>
             <a:r>
-              <a:rPr lang="en" altLang="ja-JP" b="0">
-                <a:solidFill>
-                  <a:srgbClr val="CCCCCC"/>
-                </a:solidFill>
-                <a:effectLst/>
-                <a:latin typeface="Menlo" panose="020B0609030804020204" pitchFamily="49" charset="0"/>
+              <a:rPr lang="en-US" altLang="ja-JP" sz="1800" kern="0">
+                <a:solidFill>
+                  <a:srgbClr val="CCCCCC"/>
+                </a:solidFill>
+                <a:effectLst/>
+                <a:latin typeface="Menlo" panose="020B0609030804020204" pitchFamily="49" charset="0"/>
+                <a:ea typeface="ＭＳ Ｐゴシック" panose="020B0600070205080204" pitchFamily="34" charset="-128"/>
+                <a:cs typeface="Times New Roman" panose="02020603050405020304" pitchFamily="18" charset="0"/>
               </a:rPr>
               <a:t>().</a:t>
             </a:r>
             <a:r>
-              <a:rPr lang="en" altLang="ja-JP" b="0">
+              <a:rPr lang="en-US" altLang="ja-JP" sz="1800" kern="0">
                 <a:solidFill>
                   <a:srgbClr val="DCDCAA"/>
                 </a:solidFill>
                 <a:effectLst/>
                 <a:latin typeface="Menlo" panose="020B0609030804020204" pitchFamily="49" charset="0"/>
+                <a:ea typeface="ＭＳ Ｐゴシック" panose="020B0600070205080204" pitchFamily="34" charset="-128"/>
+                <a:cs typeface="Times New Roman" panose="02020603050405020304" pitchFamily="18" charset="0"/>
               </a:rPr>
               <a:t>split</a:t>
             </a:r>
             <a:r>
-              <a:rPr lang="en" altLang="ja-JP" b="0">
-                <a:solidFill>
-                  <a:srgbClr val="CCCCCC"/>
-                </a:solidFill>
-                <a:effectLst/>
-                <a:latin typeface="Menlo" panose="020B0609030804020204" pitchFamily="49" charset="0"/>
+              <a:rPr lang="en-US" altLang="ja-JP" sz="1800" kern="0">
+                <a:solidFill>
+                  <a:srgbClr val="CCCCCC"/>
+                </a:solidFill>
+                <a:effectLst/>
+                <a:latin typeface="Menlo" panose="020B0609030804020204" pitchFamily="49" charset="0"/>
+                <a:ea typeface="ＭＳ Ｐゴシック" panose="020B0600070205080204" pitchFamily="34" charset="-128"/>
+                <a:cs typeface="Times New Roman" panose="02020603050405020304" pitchFamily="18" charset="0"/>
               </a:rPr>
               <a:t>())</a:t>
             </a:r>
-          </a:p>
-          <a:p>
-            <a:r>
-              <a:rPr lang="en" altLang="ja-JP" b="0">
+            <a:endParaRPr lang="ja-JP" altLang="ja-JP" sz="1800" kern="100">
+              <a:effectLst/>
+              <a:latin typeface="游明朝" panose="02020400000000000000" pitchFamily="18" charset="-128"/>
+              <a:ea typeface="游明朝" panose="02020400000000000000" pitchFamily="18" charset="-128"/>
+              <a:cs typeface="Times New Roman" panose="02020603050405020304" pitchFamily="18" charset="0"/>
+            </a:endParaRPr>
+          </a:p>
+          <a:p>
+            <a:pPr algn="l">
+              <a:lnSpc>
+                <a:spcPts val="1950"/>
+              </a:lnSpc>
+            </a:pPr>
+            <a:r>
+              <a:rPr lang="en-US" altLang="ja-JP" sz="1800" kern="0">
                 <a:solidFill>
                   <a:srgbClr val="C586C0"/>
                 </a:solidFill>
                 <a:effectLst/>
                 <a:latin typeface="Menlo" panose="020B0609030804020204" pitchFamily="49" charset="0"/>
+                <a:ea typeface="ＭＳ Ｐゴシック" panose="020B0600070205080204" pitchFamily="34" charset="-128"/>
+                <a:cs typeface="Times New Roman" panose="02020603050405020304" pitchFamily="18" charset="0"/>
               </a:rPr>
               <a:t>if</a:t>
             </a:r>
             <a:r>
-              <a:rPr lang="en" altLang="ja-JP" b="0">
-                <a:solidFill>
-                  <a:srgbClr val="CCCCCC"/>
-                </a:solidFill>
-                <a:effectLst/>
-                <a:latin typeface="Menlo" panose="020B0609030804020204" pitchFamily="49" charset="0"/>
+              <a:rPr lang="en-US" altLang="ja-JP" sz="1800" kern="0">
+                <a:solidFill>
+                  <a:srgbClr val="CCCCCC"/>
+                </a:solidFill>
+                <a:effectLst/>
+                <a:latin typeface="Menlo" panose="020B0609030804020204" pitchFamily="49" charset="0"/>
+                <a:ea typeface="ＭＳ Ｐゴシック" panose="020B0600070205080204" pitchFamily="34" charset="-128"/>
+                <a:cs typeface="Times New Roman" panose="02020603050405020304" pitchFamily="18" charset="0"/>
               </a:rPr>
               <a:t> (</a:t>
             </a:r>
             <a:r>
-              <a:rPr lang="en" altLang="ja-JP" b="0">
+              <a:rPr lang="en-US" altLang="ja-JP" sz="1800" kern="0">
                 <a:solidFill>
                   <a:srgbClr val="9CDCFE"/>
                 </a:solidFill>
                 <a:effectLst/>
                 <a:latin typeface="Menlo" panose="020B0609030804020204" pitchFamily="49" charset="0"/>
+                <a:ea typeface="ＭＳ Ｐゴシック" panose="020B0600070205080204" pitchFamily="34" charset="-128"/>
+                <a:cs typeface="Times New Roman" panose="02020603050405020304" pitchFamily="18" charset="0"/>
               </a:rPr>
               <a:t>a</a:t>
             </a:r>
             <a:r>
-              <a:rPr lang="en" altLang="ja-JP" b="0">
-                <a:solidFill>
-                  <a:srgbClr val="CCCCCC"/>
-                </a:solidFill>
-                <a:effectLst/>
-                <a:latin typeface="Menlo" panose="020B0609030804020204" pitchFamily="49" charset="0"/>
+              <a:rPr lang="en-US" altLang="ja-JP" sz="1800" kern="0">
+                <a:solidFill>
+                  <a:srgbClr val="CCCCCC"/>
+                </a:solidFill>
+                <a:effectLst/>
+                <a:latin typeface="Menlo" panose="020B0609030804020204" pitchFamily="49" charset="0"/>
+                <a:ea typeface="ＭＳ Ｐゴシック" panose="020B0600070205080204" pitchFamily="34" charset="-128"/>
+                <a:cs typeface="Times New Roman" panose="02020603050405020304" pitchFamily="18" charset="0"/>
               </a:rPr>
               <a:t> </a:t>
             </a:r>
             <a:r>
-              <a:rPr lang="en" altLang="ja-JP" b="0">
+              <a:rPr lang="en-US" altLang="ja-JP" sz="1800" kern="0">
                 <a:solidFill>
                   <a:srgbClr val="D4D4D4"/>
                 </a:solidFill>
                 <a:effectLst/>
                 <a:latin typeface="Menlo" panose="020B0609030804020204" pitchFamily="49" charset="0"/>
+                <a:ea typeface="ＭＳ Ｐゴシック" panose="020B0600070205080204" pitchFamily="34" charset="-128"/>
+                <a:cs typeface="Times New Roman" panose="02020603050405020304" pitchFamily="18" charset="0"/>
               </a:rPr>
               <a:t>*</a:t>
             </a:r>
             <a:r>
-              <a:rPr lang="en" altLang="ja-JP" b="0">
-                <a:solidFill>
-                  <a:srgbClr val="CCCCCC"/>
-                </a:solidFill>
-                <a:effectLst/>
-                <a:latin typeface="Menlo" panose="020B0609030804020204" pitchFamily="49" charset="0"/>
+              <a:rPr lang="en-US" altLang="ja-JP" sz="1800" kern="0">
+                <a:solidFill>
+                  <a:srgbClr val="CCCCCC"/>
+                </a:solidFill>
+                <a:effectLst/>
+                <a:latin typeface="Menlo" panose="020B0609030804020204" pitchFamily="49" charset="0"/>
+                <a:ea typeface="ＭＳ Ｐゴシック" panose="020B0600070205080204" pitchFamily="34" charset="-128"/>
+                <a:cs typeface="Times New Roman" panose="02020603050405020304" pitchFamily="18" charset="0"/>
               </a:rPr>
               <a:t> </a:t>
             </a:r>
             <a:r>
-              <a:rPr lang="en" altLang="ja-JP" b="0">
+              <a:rPr lang="en-US" altLang="ja-JP" sz="1800" kern="0">
                 <a:solidFill>
                   <a:srgbClr val="9CDCFE"/>
                 </a:solidFill>
                 <a:effectLst/>
                 <a:latin typeface="Menlo" panose="020B0609030804020204" pitchFamily="49" charset="0"/>
+                <a:ea typeface="ＭＳ Ｐゴシック" panose="020B0600070205080204" pitchFamily="34" charset="-128"/>
+                <a:cs typeface="Times New Roman" panose="02020603050405020304" pitchFamily="18" charset="0"/>
               </a:rPr>
               <a:t>b</a:t>
             </a:r>
             <a:r>
-              <a:rPr lang="en" altLang="ja-JP" b="0">
-                <a:solidFill>
-                  <a:srgbClr val="CCCCCC"/>
-                </a:solidFill>
-                <a:effectLst/>
-                <a:latin typeface="Menlo" panose="020B0609030804020204" pitchFamily="49" charset="0"/>
+              <a:rPr lang="en-US" altLang="ja-JP" sz="1800" kern="0">
+                <a:solidFill>
+                  <a:srgbClr val="CCCCCC"/>
+                </a:solidFill>
+                <a:effectLst/>
+                <a:latin typeface="Menlo" panose="020B0609030804020204" pitchFamily="49" charset="0"/>
+                <a:ea typeface="ＭＳ Ｐゴシック" panose="020B0600070205080204" pitchFamily="34" charset="-128"/>
+                <a:cs typeface="Times New Roman" panose="02020603050405020304" pitchFamily="18" charset="0"/>
               </a:rPr>
               <a:t>) </a:t>
             </a:r>
             <a:r>
-              <a:rPr lang="en" altLang="ja-JP" b="0">
+              <a:rPr lang="en-US" altLang="ja-JP" sz="1800" kern="0">
                 <a:solidFill>
                   <a:srgbClr val="D4D4D4"/>
                 </a:solidFill>
                 <a:effectLst/>
                 <a:latin typeface="Menlo" panose="020B0609030804020204" pitchFamily="49" charset="0"/>
+                <a:ea typeface="ＭＳ Ｐゴシック" panose="020B0600070205080204" pitchFamily="34" charset="-128"/>
+                <a:cs typeface="Times New Roman" panose="02020603050405020304" pitchFamily="18" charset="0"/>
               </a:rPr>
               <a:t>%</a:t>
             </a:r>
             <a:r>
-              <a:rPr lang="en" altLang="ja-JP" b="0">
-                <a:solidFill>
-                  <a:srgbClr val="CCCCCC"/>
-                </a:solidFill>
-                <a:effectLst/>
-                <a:latin typeface="Menlo" panose="020B0609030804020204" pitchFamily="49" charset="0"/>
+              <a:rPr lang="en-US" altLang="ja-JP" sz="1800" kern="0">
+                <a:solidFill>
+                  <a:srgbClr val="CCCCCC"/>
+                </a:solidFill>
+                <a:effectLst/>
+                <a:latin typeface="Menlo" panose="020B0609030804020204" pitchFamily="49" charset="0"/>
+                <a:ea typeface="ＭＳ Ｐゴシック" panose="020B0600070205080204" pitchFamily="34" charset="-128"/>
+                <a:cs typeface="Times New Roman" panose="02020603050405020304" pitchFamily="18" charset="0"/>
               </a:rPr>
               <a:t> </a:t>
             </a:r>
             <a:r>
-              <a:rPr lang="en" altLang="ja-JP" b="0">
+              <a:rPr lang="en-US" altLang="ja-JP" sz="1800" kern="0">
                 <a:solidFill>
                   <a:srgbClr val="B5CEA8"/>
                 </a:solidFill>
                 <a:effectLst/>
                 <a:latin typeface="Menlo" panose="020B0609030804020204" pitchFamily="49" charset="0"/>
+                <a:ea typeface="ＭＳ Ｐゴシック" panose="020B0600070205080204" pitchFamily="34" charset="-128"/>
+                <a:cs typeface="Times New Roman" panose="02020603050405020304" pitchFamily="18" charset="0"/>
               </a:rPr>
               <a:t>2</a:t>
             </a:r>
             <a:r>
-              <a:rPr lang="en" altLang="ja-JP" b="0">
-                <a:solidFill>
-                  <a:srgbClr val="CCCCCC"/>
-                </a:solidFill>
-                <a:effectLst/>
-                <a:latin typeface="Menlo" panose="020B0609030804020204" pitchFamily="49" charset="0"/>
+              <a:rPr lang="en-US" altLang="ja-JP" sz="1800" kern="0">
+                <a:solidFill>
+                  <a:srgbClr val="CCCCCC"/>
+                </a:solidFill>
+                <a:effectLst/>
+                <a:latin typeface="Menlo" panose="020B0609030804020204" pitchFamily="49" charset="0"/>
+                <a:ea typeface="ＭＳ Ｐゴシック" panose="020B0600070205080204" pitchFamily="34" charset="-128"/>
+                <a:cs typeface="Times New Roman" panose="02020603050405020304" pitchFamily="18" charset="0"/>
               </a:rPr>
               <a:t> </a:t>
             </a:r>
             <a:r>
-              <a:rPr lang="en" altLang="ja-JP" b="0">
+              <a:rPr lang="en-US" altLang="ja-JP" sz="1800" kern="0">
                 <a:solidFill>
                   <a:srgbClr val="D4D4D4"/>
                 </a:solidFill>
                 <a:effectLst/>
                 <a:latin typeface="Menlo" panose="020B0609030804020204" pitchFamily="49" charset="0"/>
+                <a:ea typeface="ＭＳ Ｐゴシック" panose="020B0600070205080204" pitchFamily="34" charset="-128"/>
+                <a:cs typeface="Times New Roman" panose="02020603050405020304" pitchFamily="18" charset="0"/>
               </a:rPr>
               <a:t>==</a:t>
             </a:r>
             <a:r>
-              <a:rPr lang="en" altLang="ja-JP" b="0">
-                <a:solidFill>
-                  <a:srgbClr val="CCCCCC"/>
-                </a:solidFill>
-                <a:effectLst/>
-                <a:latin typeface="Menlo" panose="020B0609030804020204" pitchFamily="49" charset="0"/>
+              <a:rPr lang="en-US" altLang="ja-JP" sz="1800" kern="0">
+                <a:solidFill>
+                  <a:srgbClr val="CCCCCC"/>
+                </a:solidFill>
+                <a:effectLst/>
+                <a:latin typeface="Menlo" panose="020B0609030804020204" pitchFamily="49" charset="0"/>
+                <a:ea typeface="ＭＳ Ｐゴシック" panose="020B0600070205080204" pitchFamily="34" charset="-128"/>
+                <a:cs typeface="Times New Roman" panose="02020603050405020304" pitchFamily="18" charset="0"/>
               </a:rPr>
               <a:t> </a:t>
             </a:r>
             <a:r>
-              <a:rPr lang="en" altLang="ja-JP" b="0">
+              <a:rPr lang="en-US" altLang="ja-JP" sz="1800" kern="0">
                 <a:solidFill>
                   <a:srgbClr val="B5CEA8"/>
                 </a:solidFill>
                 <a:effectLst/>
                 <a:latin typeface="Menlo" panose="020B0609030804020204" pitchFamily="49" charset="0"/>
+                <a:ea typeface="ＭＳ Ｐゴシック" panose="020B0600070205080204" pitchFamily="34" charset="-128"/>
+                <a:cs typeface="Times New Roman" panose="02020603050405020304" pitchFamily="18" charset="0"/>
               </a:rPr>
               <a:t>1</a:t>
             </a:r>
             <a:r>
-              <a:rPr lang="en" altLang="ja-JP" b="0">
-                <a:solidFill>
-                  <a:srgbClr val="CCCCCC"/>
-                </a:solidFill>
-                <a:effectLst/>
-                <a:latin typeface="Menlo" panose="020B0609030804020204" pitchFamily="49" charset="0"/>
+              <a:rPr lang="en-US" altLang="ja-JP" sz="1800" kern="0">
+                <a:solidFill>
+                  <a:srgbClr val="CCCCCC"/>
+                </a:solidFill>
+                <a:effectLst/>
+                <a:latin typeface="Menlo" panose="020B0609030804020204" pitchFamily="49" charset="0"/>
+                <a:ea typeface="ＭＳ Ｐゴシック" panose="020B0600070205080204" pitchFamily="34" charset="-128"/>
+                <a:cs typeface="Times New Roman" panose="02020603050405020304" pitchFamily="18" charset="0"/>
               </a:rPr>
               <a:t>:</a:t>
             </a:r>
-          </a:p>
-          <a:p>
-            <a:r>
-              <a:rPr lang="en" altLang="ja-JP" b="0">
+            <a:endParaRPr lang="ja-JP" altLang="ja-JP" sz="1800" kern="100">
+              <a:effectLst/>
+              <a:latin typeface="游明朝" panose="02020400000000000000" pitchFamily="18" charset="-128"/>
+              <a:ea typeface="游明朝" panose="02020400000000000000" pitchFamily="18" charset="-128"/>
+              <a:cs typeface="Times New Roman" panose="02020603050405020304" pitchFamily="18" charset="0"/>
+            </a:endParaRPr>
+          </a:p>
+          <a:p>
+            <a:pPr algn="l">
+              <a:lnSpc>
+                <a:spcPts val="1950"/>
+              </a:lnSpc>
+            </a:pPr>
+            <a:r>
+              <a:rPr lang="en-US" altLang="ja-JP" sz="1800" kern="0">
+                <a:solidFill>
+                  <a:srgbClr val="CCCCCC"/>
+                </a:solidFill>
+                <a:effectLst/>
+                <a:latin typeface="Menlo" panose="020B0609030804020204" pitchFamily="49" charset="0"/>
+                <a:ea typeface="ＭＳ Ｐゴシック" panose="020B0600070205080204" pitchFamily="34" charset="-128"/>
+                <a:cs typeface="Times New Roman" panose="02020603050405020304" pitchFamily="18" charset="0"/>
+              </a:rPr>
+              <a:t>  </a:t>
+            </a:r>
+            <a:r>
+              <a:rPr lang="en-US" altLang="ja-JP" sz="1800" kern="0">
                 <a:solidFill>
                   <a:srgbClr val="DCDCAA"/>
                 </a:solidFill>
                 <a:effectLst/>
                 <a:latin typeface="Menlo" panose="020B0609030804020204" pitchFamily="49" charset="0"/>
+                <a:ea typeface="ＭＳ Ｐゴシック" panose="020B0600070205080204" pitchFamily="34" charset="-128"/>
+                <a:cs typeface="Times New Roman" panose="02020603050405020304" pitchFamily="18" charset="0"/>
               </a:rPr>
               <a:t>print</a:t>
             </a:r>
             <a:r>
-              <a:rPr lang="en" altLang="ja-JP" b="0">
-                <a:solidFill>
-                  <a:srgbClr val="CCCCCC"/>
-                </a:solidFill>
-                <a:effectLst/>
-                <a:latin typeface="Menlo" panose="020B0609030804020204" pitchFamily="49" charset="0"/>
+              <a:rPr lang="en-US" altLang="ja-JP" sz="1800" kern="0">
+                <a:solidFill>
+                  <a:srgbClr val="CCCCCC"/>
+                </a:solidFill>
+                <a:effectLst/>
+                <a:latin typeface="Menlo" panose="020B0609030804020204" pitchFamily="49" charset="0"/>
+                <a:ea typeface="ＭＳ Ｐゴシック" panose="020B0600070205080204" pitchFamily="34" charset="-128"/>
+                <a:cs typeface="Times New Roman" panose="02020603050405020304" pitchFamily="18" charset="0"/>
               </a:rPr>
               <a:t>(</a:t>
             </a:r>
             <a:r>
-              <a:rPr lang="en" altLang="ja-JP" b="0">
+              <a:rPr lang="en-US" altLang="ja-JP" sz="1800" kern="0">
                 <a:solidFill>
                   <a:srgbClr val="CE9178"/>
                 </a:solidFill>
                 <a:effectLst/>
                 <a:latin typeface="Menlo" panose="020B0609030804020204" pitchFamily="49" charset="0"/>
+                <a:ea typeface="ＭＳ Ｐゴシック" panose="020B0600070205080204" pitchFamily="34" charset="-128"/>
+                <a:cs typeface="Times New Roman" panose="02020603050405020304" pitchFamily="18" charset="0"/>
               </a:rPr>
               <a:t>'Odd'</a:t>
             </a:r>
             <a:r>
-              <a:rPr lang="en" altLang="ja-JP" b="0">
-                <a:solidFill>
-                  <a:srgbClr val="CCCCCC"/>
-                </a:solidFill>
-                <a:effectLst/>
-                <a:latin typeface="Menlo" panose="020B0609030804020204" pitchFamily="49" charset="0"/>
+              <a:rPr lang="en-US" altLang="ja-JP" sz="1800" kern="0">
+                <a:solidFill>
+                  <a:srgbClr val="CCCCCC"/>
+                </a:solidFill>
+                <a:effectLst/>
+                <a:latin typeface="Menlo" panose="020B0609030804020204" pitchFamily="49" charset="0"/>
+                <a:ea typeface="ＭＳ Ｐゴシック" panose="020B0600070205080204" pitchFamily="34" charset="-128"/>
+                <a:cs typeface="Times New Roman" panose="02020603050405020304" pitchFamily="18" charset="0"/>
               </a:rPr>
               <a:t>)</a:t>
             </a:r>
-          </a:p>
-          <a:p>
-            <a:r>
-              <a:rPr lang="en" altLang="ja-JP" b="0">
+            <a:endParaRPr lang="ja-JP" altLang="ja-JP" sz="1800" kern="100">
+              <a:effectLst/>
+              <a:latin typeface="游明朝" panose="02020400000000000000" pitchFamily="18" charset="-128"/>
+              <a:ea typeface="游明朝" panose="02020400000000000000" pitchFamily="18" charset="-128"/>
+              <a:cs typeface="Times New Roman" panose="02020603050405020304" pitchFamily="18" charset="0"/>
+            </a:endParaRPr>
+          </a:p>
+          <a:p>
+            <a:pPr algn="l">
+              <a:lnSpc>
+                <a:spcPts val="1950"/>
+              </a:lnSpc>
+            </a:pPr>
+            <a:r>
+              <a:rPr lang="en-US" altLang="ja-JP" sz="1800" kern="0">
                 <a:solidFill>
                   <a:srgbClr val="C586C0"/>
                 </a:solidFill>
                 <a:effectLst/>
                 <a:latin typeface="Menlo" panose="020B0609030804020204" pitchFamily="49" charset="0"/>
+                <a:ea typeface="ＭＳ Ｐゴシック" panose="020B0600070205080204" pitchFamily="34" charset="-128"/>
+                <a:cs typeface="Times New Roman" panose="02020603050405020304" pitchFamily="18" charset="0"/>
               </a:rPr>
               <a:t>else</a:t>
             </a:r>
             <a:r>
-              <a:rPr lang="en" altLang="ja-JP" b="0">
-                <a:solidFill>
-                  <a:srgbClr val="CCCCCC"/>
-                </a:solidFill>
-                <a:effectLst/>
-                <a:latin typeface="Menlo" panose="020B0609030804020204" pitchFamily="49" charset="0"/>
+              <a:rPr lang="en-US" altLang="ja-JP" sz="1800" kern="0">
+                <a:solidFill>
+                  <a:srgbClr val="CCCCCC"/>
+                </a:solidFill>
+                <a:effectLst/>
+                <a:latin typeface="Menlo" panose="020B0609030804020204" pitchFamily="49" charset="0"/>
+                <a:ea typeface="ＭＳ Ｐゴシック" panose="020B0600070205080204" pitchFamily="34" charset="-128"/>
+                <a:cs typeface="Times New Roman" panose="02020603050405020304" pitchFamily="18" charset="0"/>
               </a:rPr>
               <a:t>:</a:t>
             </a:r>
-          </a:p>
-          <a:p>
-            <a:r>
-              <a:rPr lang="en" altLang="ja-JP" b="0">
+            <a:endParaRPr lang="ja-JP" altLang="ja-JP" sz="1800" kern="100">
+              <a:effectLst/>
+              <a:latin typeface="游明朝" panose="02020400000000000000" pitchFamily="18" charset="-128"/>
+              <a:ea typeface="游明朝" panose="02020400000000000000" pitchFamily="18" charset="-128"/>
+              <a:cs typeface="Times New Roman" panose="02020603050405020304" pitchFamily="18" charset="0"/>
+            </a:endParaRPr>
+          </a:p>
+          <a:p>
+            <a:pPr algn="l">
+              <a:lnSpc>
+                <a:spcPts val="1950"/>
+              </a:lnSpc>
+            </a:pPr>
+            <a:r>
+              <a:rPr lang="en-US" altLang="ja-JP" sz="1800" kern="0">
+                <a:solidFill>
+                  <a:srgbClr val="CCCCCC"/>
+                </a:solidFill>
+                <a:effectLst/>
+                <a:latin typeface="Menlo" panose="020B0609030804020204" pitchFamily="49" charset="0"/>
+                <a:ea typeface="ＭＳ Ｐゴシック" panose="020B0600070205080204" pitchFamily="34" charset="-128"/>
+                <a:cs typeface="Times New Roman" panose="02020603050405020304" pitchFamily="18" charset="0"/>
+              </a:rPr>
+              <a:t>  </a:t>
+            </a:r>
+            <a:r>
+              <a:rPr lang="en-US" altLang="ja-JP" sz="1800" kern="0">
                 <a:solidFill>
                   <a:srgbClr val="DCDCAA"/>
                 </a:solidFill>
                 <a:effectLst/>
                 <a:latin typeface="Menlo" panose="020B0609030804020204" pitchFamily="49" charset="0"/>
+                <a:ea typeface="ＭＳ Ｐゴシック" panose="020B0600070205080204" pitchFamily="34" charset="-128"/>
+                <a:cs typeface="Times New Roman" panose="02020603050405020304" pitchFamily="18" charset="0"/>
               </a:rPr>
               <a:t>print</a:t>
             </a:r>
             <a:r>
-              <a:rPr lang="en" altLang="ja-JP" b="0">
-                <a:solidFill>
-                  <a:srgbClr val="CCCCCC"/>
-                </a:solidFill>
-                <a:effectLst/>
-                <a:latin typeface="Menlo" panose="020B0609030804020204" pitchFamily="49" charset="0"/>
+              <a:rPr lang="en-US" altLang="ja-JP" sz="1800" kern="0">
+                <a:solidFill>
+                  <a:srgbClr val="CCCCCC"/>
+                </a:solidFill>
+                <a:effectLst/>
+                <a:latin typeface="Menlo" panose="020B0609030804020204" pitchFamily="49" charset="0"/>
+                <a:ea typeface="ＭＳ Ｐゴシック" panose="020B0600070205080204" pitchFamily="34" charset="-128"/>
+                <a:cs typeface="Times New Roman" panose="02020603050405020304" pitchFamily="18" charset="0"/>
               </a:rPr>
               <a:t>(</a:t>
             </a:r>
             <a:r>
-              <a:rPr lang="en" altLang="ja-JP" b="0">
+              <a:rPr lang="en-US" altLang="ja-JP" sz="1800" kern="0">
                 <a:solidFill>
                   <a:srgbClr val="CE9178"/>
                 </a:solidFill>
                 <a:effectLst/>
                 <a:latin typeface="Menlo" panose="020B0609030804020204" pitchFamily="49" charset="0"/>
+                <a:ea typeface="ＭＳ Ｐゴシック" panose="020B0600070205080204" pitchFamily="34" charset="-128"/>
+                <a:cs typeface="Times New Roman" panose="02020603050405020304" pitchFamily="18" charset="0"/>
               </a:rPr>
               <a:t>'Even'</a:t>
             </a:r>
             <a:r>
-              <a:rPr lang="en" altLang="ja-JP" b="0">
-                <a:solidFill>
-                  <a:srgbClr val="CCCCCC"/>
-                </a:solidFill>
-                <a:effectLst/>
-                <a:latin typeface="Menlo" panose="020B0609030804020204" pitchFamily="49" charset="0"/>
+              <a:rPr lang="en-US" altLang="ja-JP" sz="1800" kern="0">
+                <a:solidFill>
+                  <a:srgbClr val="CCCCCC"/>
+                </a:solidFill>
+                <a:effectLst/>
+                <a:latin typeface="Menlo" panose="020B0609030804020204" pitchFamily="49" charset="0"/>
+                <a:ea typeface="ＭＳ Ｐゴシック" panose="020B0600070205080204" pitchFamily="34" charset="-128"/>
+                <a:cs typeface="Times New Roman" panose="02020603050405020304" pitchFamily="18" charset="0"/>
               </a:rPr>
               <a:t>)</a:t>
             </a:r>
-          </a:p>
-          <a:p>
-            <a:endParaRPr kumimoji="1" lang="ja-JP" altLang="en-US"/>
+            <a:endParaRPr lang="ja-JP" altLang="ja-JP" sz="1800" kern="100">
+              <a:effectLst/>
+              <a:latin typeface="游明朝" panose="02020400000000000000" pitchFamily="18" charset="-128"/>
+              <a:ea typeface="游明朝" panose="02020400000000000000" pitchFamily="18" charset="-128"/>
+              <a:cs typeface="Times New Roman" panose="02020603050405020304" pitchFamily="18" charset="0"/>
+            </a:endParaRPr>
           </a:p>
         </p:txBody>
       </p:sp>
@@ -11152,7 +18133,7 @@
         </p:nvSpPr>
         <p:spPr>
           <a:xfrm>
-            <a:off x="7934960" y="4765040"/>
+            <a:off x="7934960" y="5110986"/>
             <a:ext cx="931665" cy="369332"/>
           </a:xfrm>
           <a:prstGeom prst="rect">
@@ -11343,6 +18324,42 @@
               <a:rPr kumimoji="1" lang="ja-JP" altLang="en-US" sz="3200"/>
               <a:t>この問題のポイント</a:t>
             </a:r>
+          </a:p>
+        </p:txBody>
+      </p:sp>
+      <p:sp>
+        <p:nvSpPr>
+          <p:cNvPr id="3" name="テキスト ボックス 2">
+            <a:extLst>
+              <a:ext uri="{FF2B5EF4-FFF2-40B4-BE49-F238E27FC236}">
+                <a16:creationId xmlns:a16="http://schemas.microsoft.com/office/drawing/2014/main" id="{CEC03C21-1CCE-0556-4371-BCD03A139BD0}"/>
+              </a:ext>
+            </a:extLst>
+          </p:cNvPr>
+          <p:cNvSpPr txBox="1"/>
+          <p:nvPr/>
+        </p:nvSpPr>
+        <p:spPr>
+          <a:xfrm>
+            <a:off x="3505200" y="3048000"/>
+            <a:ext cx="304892" cy="369332"/>
+          </a:xfrm>
+          <a:prstGeom prst="rect">
+            <a:avLst/>
+          </a:prstGeom>
+          <a:noFill/>
+        </p:spPr>
+        <p:txBody>
+          <a:bodyPr wrap="none" rtlCol="0">
+            <a:spAutoFit/>
+          </a:bodyPr>
+          <a:lstStyle/>
+          <a:p>
+            <a:r>
+              <a:rPr kumimoji="1" lang="en-US" altLang="ja-JP"/>
+              <a:t>?</a:t>
+            </a:r>
+            <a:endParaRPr kumimoji="1" lang="ja-JP" altLang="en-US"/>
           </a:p>
         </p:txBody>
       </p:sp>

--- a/ABS_勉強会.pptx
+++ b/ABS_勉強会.pptx
@@ -25,6 +25,10 @@
     <p:sldId id="275" r:id="rId19"/>
     <p:sldId id="276" r:id="rId20"/>
     <p:sldId id="272" r:id="rId21"/>
+    <p:sldId id="277" r:id="rId22"/>
+    <p:sldId id="278" r:id="rId23"/>
+    <p:sldId id="279" r:id="rId24"/>
+    <p:sldId id="280" r:id="rId25"/>
   </p:sldIdLst>
   <p:sldSz cx="12192000" cy="6858000"/>
   <p:notesSz cx="6858000" cy="9144000"/>
@@ -12163,6 +12167,10 @@
           <a:bodyPr rtlCol="0" anchor="ctr"/>
           <a:lstStyle/>
           <a:p>
+            <a:r>
+              <a:rPr kumimoji="1" lang="en" altLang="ja-JP" sz="4000" b="1"/>
+              <a:t>ABC087B - Coins</a:t>
+            </a:r>
             <a:endParaRPr kumimoji="1" lang="ja-JP" altLang="en-US" sz="4000" b="1"/>
           </a:p>
         </p:txBody>
@@ -12212,7 +12220,326 @@
           <a:lstStyle/>
           <a:p>
             <a:pPr algn="ctr"/>
+            <a:r>
+              <a:rPr lang="en-US" altLang="ja-JP" sz="3200" b="1"/>
+              <a:t>5</a:t>
+            </a:r>
             <a:endParaRPr kumimoji="1" lang="ja-JP" altLang="en-US" sz="3200" b="1"/>
+          </a:p>
+        </p:txBody>
+      </p:sp>
+      <p:sp>
+        <p:nvSpPr>
+          <p:cNvPr id="2" name="テキスト ボックス 1">
+            <a:extLst>
+              <a:ext uri="{FF2B5EF4-FFF2-40B4-BE49-F238E27FC236}">
+                <a16:creationId xmlns:a16="http://schemas.microsoft.com/office/drawing/2014/main" id="{10C04C82-CB75-3A80-0CFB-584B37551B76}"/>
+              </a:ext>
+            </a:extLst>
+          </p:cNvPr>
+          <p:cNvSpPr txBox="1"/>
+          <p:nvPr/>
+        </p:nvSpPr>
+        <p:spPr>
+          <a:xfrm>
+            <a:off x="558800" y="1615440"/>
+            <a:ext cx="1261884" cy="523220"/>
+          </a:xfrm>
+          <a:prstGeom prst="rect">
+            <a:avLst/>
+          </a:prstGeom>
+          <a:noFill/>
+        </p:spPr>
+        <p:txBody>
+          <a:bodyPr wrap="none" rtlCol="0">
+            <a:spAutoFit/>
+          </a:bodyPr>
+          <a:lstStyle/>
+          <a:p>
+            <a:r>
+              <a:rPr kumimoji="1" lang="ja-JP" altLang="en-US" sz="2800"/>
+              <a:t>解き方</a:t>
+            </a:r>
+            <a:endParaRPr kumimoji="1" lang="en-US" altLang="ja-JP" sz="2800"/>
+          </a:p>
+        </p:txBody>
+      </p:sp>
+      <p:sp>
+        <p:nvSpPr>
+          <p:cNvPr id="3" name="テキスト ボックス 2">
+            <a:extLst>
+              <a:ext uri="{FF2B5EF4-FFF2-40B4-BE49-F238E27FC236}">
+                <a16:creationId xmlns:a16="http://schemas.microsoft.com/office/drawing/2014/main" id="{7E2CD1DC-A273-E9FD-AEA5-B147EFFD8CDB}"/>
+              </a:ext>
+            </a:extLst>
+          </p:cNvPr>
+          <p:cNvSpPr txBox="1"/>
+          <p:nvPr/>
+        </p:nvSpPr>
+        <p:spPr>
+          <a:xfrm>
+            <a:off x="873760" y="2385664"/>
+            <a:ext cx="1620957" cy="523220"/>
+          </a:xfrm>
+          <a:prstGeom prst="rect">
+            <a:avLst/>
+          </a:prstGeom>
+          <a:noFill/>
+        </p:spPr>
+        <p:txBody>
+          <a:bodyPr wrap="none" rtlCol="0">
+            <a:spAutoFit/>
+          </a:bodyPr>
+          <a:lstStyle/>
+          <a:p>
+            <a:r>
+              <a:rPr lang="ja-JP" altLang="en-US" sz="2800"/>
+              <a:t>・</a:t>
+            </a:r>
+            <a:r>
+              <a:rPr kumimoji="1" lang="ja-JP" altLang="en-US" sz="2800"/>
+              <a:t>全探索</a:t>
+            </a:r>
+          </a:p>
+        </p:txBody>
+      </p:sp>
+      <p:sp>
+        <p:nvSpPr>
+          <p:cNvPr id="6" name="テキスト ボックス 5">
+            <a:extLst>
+              <a:ext uri="{FF2B5EF4-FFF2-40B4-BE49-F238E27FC236}">
+                <a16:creationId xmlns:a16="http://schemas.microsoft.com/office/drawing/2014/main" id="{E9BB16DA-553A-BEBC-0901-9098708636B0}"/>
+              </a:ext>
+            </a:extLst>
+          </p:cNvPr>
+          <p:cNvSpPr txBox="1"/>
+          <p:nvPr/>
+        </p:nvSpPr>
+        <p:spPr>
+          <a:xfrm>
+            <a:off x="1189742" y="3126448"/>
+            <a:ext cx="10068782" cy="2339102"/>
+          </a:xfrm>
+          <a:prstGeom prst="rect">
+            <a:avLst/>
+          </a:prstGeom>
+          <a:noFill/>
+        </p:spPr>
+        <p:txBody>
+          <a:bodyPr wrap="none" rtlCol="0">
+            <a:spAutoFit/>
+          </a:bodyPr>
+          <a:lstStyle/>
+          <a:p>
+            <a:r>
+              <a:rPr kumimoji="1" lang="en-US" altLang="ja-JP" sz="2800"/>
+              <a:t>500 </a:t>
+            </a:r>
+            <a:r>
+              <a:rPr kumimoji="1" lang="ja-JP" altLang="en-US" sz="2800"/>
+              <a:t>円玉が </a:t>
+            </a:r>
+            <a:r>
+              <a:rPr kumimoji="1" lang="en-US" altLang="ja-JP" sz="2800"/>
+              <a:t>0 </a:t>
+            </a:r>
+            <a:r>
+              <a:rPr kumimoji="1" lang="ja-JP" altLang="en-US" sz="2800"/>
+              <a:t>枚 </a:t>
+            </a:r>
+            <a:r>
+              <a:rPr kumimoji="1" lang="en-US" altLang="ja-JP" sz="2800"/>
+              <a:t>〜 </a:t>
+            </a:r>
+            <a:r>
+              <a:rPr kumimoji="1" lang="en" altLang="ja-JP" sz="2800"/>
+              <a:t>A </a:t>
+            </a:r>
+            <a:r>
+              <a:rPr kumimoji="1" lang="ja-JP" altLang="en-US" sz="2800"/>
+              <a:t>枚の場合 </a:t>
+            </a:r>
+            <a:r>
+              <a:rPr kumimoji="1" lang="en-US" altLang="ja-JP" sz="2800"/>
+              <a:t>(</a:t>
+            </a:r>
+            <a:r>
+              <a:rPr kumimoji="1" lang="en" altLang="ja-JP" sz="2800">
+                <a:highlight>
+                  <a:srgbClr val="FFFF00"/>
+                </a:highlight>
+              </a:rPr>
+              <a:t>A + 1 </a:t>
+            </a:r>
+            <a:r>
+              <a:rPr kumimoji="1" lang="ja-JP" altLang="en-US" sz="2800"/>
+              <a:t>通り</a:t>
+            </a:r>
+            <a:r>
+              <a:rPr kumimoji="1" lang="en-US" altLang="ja-JP" sz="2800"/>
+              <a:t>)</a:t>
+            </a:r>
+          </a:p>
+          <a:p>
+            <a:endParaRPr kumimoji="1" lang="en-US" altLang="ja-JP" sz="1600"/>
+          </a:p>
+          <a:p>
+            <a:r>
+              <a:rPr kumimoji="1" lang="en-US" altLang="ja-JP" sz="2800"/>
+              <a:t>100 </a:t>
+            </a:r>
+            <a:r>
+              <a:rPr kumimoji="1" lang="ja-JP" altLang="en-US" sz="2800"/>
+              <a:t>円玉が </a:t>
+            </a:r>
+            <a:r>
+              <a:rPr kumimoji="1" lang="en-US" altLang="ja-JP" sz="2800"/>
+              <a:t>0 </a:t>
+            </a:r>
+            <a:r>
+              <a:rPr kumimoji="1" lang="ja-JP" altLang="en-US" sz="2800"/>
+              <a:t>枚 </a:t>
+            </a:r>
+            <a:r>
+              <a:rPr kumimoji="1" lang="en-US" altLang="ja-JP" sz="2800"/>
+              <a:t>〜 </a:t>
+            </a:r>
+            <a:r>
+              <a:rPr kumimoji="1" lang="en" altLang="ja-JP" sz="2800"/>
+              <a:t>B </a:t>
+            </a:r>
+            <a:r>
+              <a:rPr kumimoji="1" lang="ja-JP" altLang="en-US" sz="2800"/>
+              <a:t>枚の場合 </a:t>
+            </a:r>
+            <a:r>
+              <a:rPr kumimoji="1" lang="en-US" altLang="ja-JP" sz="2800"/>
+              <a:t>(</a:t>
+            </a:r>
+            <a:r>
+              <a:rPr kumimoji="1" lang="en" altLang="ja-JP" sz="2800">
+                <a:highlight>
+                  <a:srgbClr val="FFFF00"/>
+                </a:highlight>
+              </a:rPr>
+              <a:t>B + 1 </a:t>
+            </a:r>
+            <a:r>
+              <a:rPr kumimoji="1" lang="ja-JP" altLang="en-US" sz="2800"/>
+              <a:t>通り</a:t>
+            </a:r>
+            <a:r>
+              <a:rPr kumimoji="1" lang="en-US" altLang="ja-JP" sz="2800"/>
+              <a:t>)</a:t>
+            </a:r>
+          </a:p>
+          <a:p>
+            <a:endParaRPr kumimoji="1" lang="en-US" altLang="ja-JP"/>
+          </a:p>
+          <a:p>
+            <a:r>
+              <a:rPr kumimoji="1" lang="en-US" altLang="ja-JP" sz="2800"/>
+              <a:t>50 </a:t>
+            </a:r>
+            <a:r>
+              <a:rPr kumimoji="1" lang="ja-JP" altLang="en-US" sz="2800"/>
+              <a:t>円玉</a:t>
+            </a:r>
+            <a:r>
+              <a:rPr kumimoji="1" lang="en-US" altLang="ja-JP" sz="2800"/>
+              <a:t>  </a:t>
+            </a:r>
+            <a:r>
+              <a:rPr kumimoji="1" lang="ja-JP" altLang="en-US" sz="2800"/>
+              <a:t>が </a:t>
+            </a:r>
+            <a:r>
+              <a:rPr kumimoji="1" lang="en-US" altLang="ja-JP" sz="2800"/>
+              <a:t>0 </a:t>
+            </a:r>
+            <a:r>
+              <a:rPr kumimoji="1" lang="ja-JP" altLang="en-US" sz="2800"/>
+              <a:t>枚 </a:t>
+            </a:r>
+            <a:r>
+              <a:rPr kumimoji="1" lang="en-US" altLang="ja-JP" sz="2800"/>
+              <a:t>〜 </a:t>
+            </a:r>
+            <a:r>
+              <a:rPr kumimoji="1" lang="en" altLang="ja-JP" sz="2800"/>
+              <a:t>C </a:t>
+            </a:r>
+            <a:r>
+              <a:rPr kumimoji="1" lang="ja-JP" altLang="en-US" sz="2800"/>
+              <a:t>枚の場合 </a:t>
+            </a:r>
+            <a:r>
+              <a:rPr kumimoji="1" lang="en-US" altLang="ja-JP" sz="2800"/>
+              <a:t>(</a:t>
+            </a:r>
+            <a:r>
+              <a:rPr kumimoji="1" lang="en" altLang="ja-JP" sz="2800">
+                <a:highlight>
+                  <a:srgbClr val="FFFF00"/>
+                </a:highlight>
+              </a:rPr>
+              <a:t>C + 1 </a:t>
+            </a:r>
+            <a:r>
+              <a:rPr kumimoji="1" lang="ja-JP" altLang="en-US" sz="2800"/>
+              <a:t>通り</a:t>
+            </a:r>
+            <a:r>
+              <a:rPr kumimoji="1" lang="en-US" altLang="ja-JP" sz="2800"/>
+              <a:t>) </a:t>
+            </a:r>
+            <a:r>
+              <a:rPr kumimoji="1" lang="ja-JP" altLang="en-US" sz="2800"/>
+              <a:t>をすべて調べる</a:t>
+            </a:r>
+            <a:endParaRPr kumimoji="1" lang="en-US" altLang="ja-JP" sz="2800"/>
+          </a:p>
+          <a:p>
+            <a:endParaRPr kumimoji="1" lang="ja-JP" altLang="en-US" sz="2800"/>
+          </a:p>
+        </p:txBody>
+      </p:sp>
+      <p:sp>
+        <p:nvSpPr>
+          <p:cNvPr id="7" name="テキスト ボックス 6">
+            <a:extLst>
+              <a:ext uri="{FF2B5EF4-FFF2-40B4-BE49-F238E27FC236}">
+                <a16:creationId xmlns:a16="http://schemas.microsoft.com/office/drawing/2014/main" id="{602E6CC0-42BF-AB1F-FFDE-AEBEDEFD2D37}"/>
+              </a:ext>
+            </a:extLst>
+          </p:cNvPr>
+          <p:cNvSpPr txBox="1"/>
+          <p:nvPr/>
+        </p:nvSpPr>
+        <p:spPr>
+          <a:xfrm>
+            <a:off x="6794157" y="5465550"/>
+            <a:ext cx="3082895" cy="369332"/>
+          </a:xfrm>
+          <a:prstGeom prst="rect">
+            <a:avLst/>
+          </a:prstGeom>
+          <a:noFill/>
+        </p:spPr>
+        <p:txBody>
+          <a:bodyPr wrap="none" rtlCol="0">
+            <a:spAutoFit/>
+          </a:bodyPr>
+          <a:lstStyle/>
+          <a:p>
+            <a:r>
+              <a:rPr kumimoji="1" lang="en-US" altLang="ja-JP"/>
+              <a:t>※0</a:t>
+            </a:r>
+            <a:r>
+              <a:rPr kumimoji="1" lang="ja-JP" altLang="en-US"/>
+              <a:t>枚の場合もあるので注意</a:t>
+            </a:r>
           </a:p>
         </p:txBody>
       </p:sp>
@@ -12636,6 +12963,10 @@
           <a:bodyPr rtlCol="0" anchor="ctr"/>
           <a:lstStyle/>
           <a:p>
+            <a:r>
+              <a:rPr kumimoji="1" lang="en" altLang="ja-JP" sz="4000" b="1"/>
+              <a:t>ABC087B - Coins</a:t>
+            </a:r>
             <a:endParaRPr kumimoji="1" lang="ja-JP" altLang="en-US" sz="4000" b="1"/>
           </a:p>
         </p:txBody>
@@ -12685,7 +13016,3998 @@
           <a:lstStyle/>
           <a:p>
             <a:pPr algn="ctr"/>
+            <a:r>
+              <a:rPr kumimoji="1" lang="en-US" altLang="ja-JP" sz="3200" b="1"/>
+              <a:t>5.1</a:t>
+            </a:r>
             <a:endParaRPr kumimoji="1" lang="ja-JP" altLang="en-US" sz="3200" b="1"/>
+          </a:p>
+        </p:txBody>
+      </p:sp>
+      <p:sp>
+        <p:nvSpPr>
+          <p:cNvPr id="2" name="テキスト ボックス 1">
+            <a:extLst>
+              <a:ext uri="{FF2B5EF4-FFF2-40B4-BE49-F238E27FC236}">
+                <a16:creationId xmlns:a16="http://schemas.microsoft.com/office/drawing/2014/main" id="{C1CC8CED-491E-F32C-1233-E375CE5035A6}"/>
+              </a:ext>
+            </a:extLst>
+          </p:cNvPr>
+          <p:cNvSpPr txBox="1"/>
+          <p:nvPr/>
+        </p:nvSpPr>
+        <p:spPr>
+          <a:xfrm>
+            <a:off x="332884" y="1892538"/>
+            <a:ext cx="5623655" cy="4965462"/>
+          </a:xfrm>
+          <a:prstGeom prst="rect">
+            <a:avLst/>
+          </a:prstGeom>
+          <a:solidFill>
+            <a:schemeClr val="tx1"/>
+          </a:solidFill>
+        </p:spPr>
+        <p:txBody>
+          <a:bodyPr wrap="none" rtlCol="0">
+            <a:spAutoFit/>
+          </a:bodyPr>
+          <a:lstStyle/>
+          <a:p>
+            <a:pPr algn="l">
+              <a:lnSpc>
+                <a:spcPts val="1950"/>
+              </a:lnSpc>
+            </a:pPr>
+            <a:r>
+              <a:rPr lang="en-US" altLang="ja-JP" sz="1800" kern="0">
+                <a:solidFill>
+                  <a:srgbClr val="C586C0"/>
+                </a:solidFill>
+                <a:effectLst/>
+                <a:latin typeface="Menlo" panose="020B0609030804020204" pitchFamily="49" charset="0"/>
+                <a:ea typeface="ＭＳ Ｐゴシック" panose="020B0600070205080204" pitchFamily="34" charset="-128"/>
+                <a:cs typeface="Times New Roman" panose="02020603050405020304" pitchFamily="18" charset="0"/>
+              </a:rPr>
+              <a:t>#include</a:t>
+            </a:r>
+            <a:r>
+              <a:rPr lang="en-US" altLang="ja-JP" sz="1800" kern="0">
+                <a:solidFill>
+                  <a:srgbClr val="569CD6"/>
+                </a:solidFill>
+                <a:effectLst/>
+                <a:latin typeface="Menlo" panose="020B0609030804020204" pitchFamily="49" charset="0"/>
+                <a:ea typeface="ＭＳ Ｐゴシック" panose="020B0600070205080204" pitchFamily="34" charset="-128"/>
+                <a:cs typeface="Times New Roman" panose="02020603050405020304" pitchFamily="18" charset="0"/>
+              </a:rPr>
+              <a:t> </a:t>
+            </a:r>
+            <a:r>
+              <a:rPr lang="en-US" altLang="ja-JP" sz="1800" kern="0">
+                <a:solidFill>
+                  <a:srgbClr val="CE9178"/>
+                </a:solidFill>
+                <a:effectLst/>
+                <a:latin typeface="Menlo" panose="020B0609030804020204" pitchFamily="49" charset="0"/>
+                <a:ea typeface="ＭＳ Ｐゴシック" panose="020B0600070205080204" pitchFamily="34" charset="-128"/>
+                <a:cs typeface="Times New Roman" panose="02020603050405020304" pitchFamily="18" charset="0"/>
+              </a:rPr>
+              <a:t>&lt;iostream&gt;</a:t>
+            </a:r>
+            <a:endParaRPr lang="ja-JP" altLang="ja-JP" sz="1800" kern="100">
+              <a:effectLst/>
+              <a:latin typeface="游明朝" panose="02020400000000000000" pitchFamily="18" charset="-128"/>
+              <a:ea typeface="游明朝" panose="02020400000000000000" pitchFamily="18" charset="-128"/>
+              <a:cs typeface="Times New Roman" panose="02020603050405020304" pitchFamily="18" charset="0"/>
+            </a:endParaRPr>
+          </a:p>
+          <a:p>
+            <a:pPr algn="l">
+              <a:lnSpc>
+                <a:spcPts val="1950"/>
+              </a:lnSpc>
+            </a:pPr>
+            <a:r>
+              <a:rPr lang="en-US" altLang="ja-JP" sz="1800" kern="0">
+                <a:solidFill>
+                  <a:srgbClr val="C586C0"/>
+                </a:solidFill>
+                <a:effectLst/>
+                <a:latin typeface="Menlo" panose="020B0609030804020204" pitchFamily="49" charset="0"/>
+                <a:ea typeface="ＭＳ Ｐゴシック" panose="020B0600070205080204" pitchFamily="34" charset="-128"/>
+                <a:cs typeface="Times New Roman" panose="02020603050405020304" pitchFamily="18" charset="0"/>
+              </a:rPr>
+              <a:t>#include</a:t>
+            </a:r>
+            <a:r>
+              <a:rPr lang="en-US" altLang="ja-JP" sz="1800" kern="0">
+                <a:solidFill>
+                  <a:srgbClr val="569CD6"/>
+                </a:solidFill>
+                <a:effectLst/>
+                <a:latin typeface="Menlo" panose="020B0609030804020204" pitchFamily="49" charset="0"/>
+                <a:ea typeface="ＭＳ Ｐゴシック" panose="020B0600070205080204" pitchFamily="34" charset="-128"/>
+                <a:cs typeface="Times New Roman" panose="02020603050405020304" pitchFamily="18" charset="0"/>
+              </a:rPr>
+              <a:t> </a:t>
+            </a:r>
+            <a:r>
+              <a:rPr lang="en-US" altLang="ja-JP" sz="1800" kern="0">
+                <a:solidFill>
+                  <a:srgbClr val="CE9178"/>
+                </a:solidFill>
+                <a:effectLst/>
+                <a:latin typeface="Menlo" panose="020B0609030804020204" pitchFamily="49" charset="0"/>
+                <a:ea typeface="ＭＳ Ｐゴシック" panose="020B0600070205080204" pitchFamily="34" charset="-128"/>
+                <a:cs typeface="Times New Roman" panose="02020603050405020304" pitchFamily="18" charset="0"/>
+              </a:rPr>
+              <a:t>&lt;vector&gt;</a:t>
+            </a:r>
+            <a:endParaRPr lang="ja-JP" altLang="ja-JP" sz="1800" kern="100">
+              <a:effectLst/>
+              <a:latin typeface="游明朝" panose="02020400000000000000" pitchFamily="18" charset="-128"/>
+              <a:ea typeface="游明朝" panose="02020400000000000000" pitchFamily="18" charset="-128"/>
+              <a:cs typeface="Times New Roman" panose="02020603050405020304" pitchFamily="18" charset="0"/>
+            </a:endParaRPr>
+          </a:p>
+          <a:p>
+            <a:pPr algn="l">
+              <a:lnSpc>
+                <a:spcPts val="1950"/>
+              </a:lnSpc>
+            </a:pPr>
+            <a:r>
+              <a:rPr lang="en-US" altLang="ja-JP" sz="1800" kern="0">
+                <a:solidFill>
+                  <a:srgbClr val="C586C0"/>
+                </a:solidFill>
+                <a:effectLst/>
+                <a:latin typeface="Menlo" panose="020B0609030804020204" pitchFamily="49" charset="0"/>
+                <a:ea typeface="ＭＳ Ｐゴシック" panose="020B0600070205080204" pitchFamily="34" charset="-128"/>
+                <a:cs typeface="Times New Roman" panose="02020603050405020304" pitchFamily="18" charset="0"/>
+              </a:rPr>
+              <a:t>using</a:t>
+            </a:r>
+            <a:r>
+              <a:rPr lang="en-US" altLang="ja-JP" sz="1800" kern="0">
+                <a:solidFill>
+                  <a:srgbClr val="CCCCCC"/>
+                </a:solidFill>
+                <a:effectLst/>
+                <a:latin typeface="Menlo" panose="020B0609030804020204" pitchFamily="49" charset="0"/>
+                <a:ea typeface="ＭＳ Ｐゴシック" panose="020B0600070205080204" pitchFamily="34" charset="-128"/>
+                <a:cs typeface="Times New Roman" panose="02020603050405020304" pitchFamily="18" charset="0"/>
+              </a:rPr>
+              <a:t> </a:t>
+            </a:r>
+            <a:r>
+              <a:rPr lang="en-US" altLang="ja-JP" sz="1800" kern="0">
+                <a:solidFill>
+                  <a:srgbClr val="569CD6"/>
+                </a:solidFill>
+                <a:effectLst/>
+                <a:latin typeface="Menlo" panose="020B0609030804020204" pitchFamily="49" charset="0"/>
+                <a:ea typeface="ＭＳ Ｐゴシック" panose="020B0600070205080204" pitchFamily="34" charset="-128"/>
+                <a:cs typeface="Times New Roman" panose="02020603050405020304" pitchFamily="18" charset="0"/>
+              </a:rPr>
+              <a:t>namespace</a:t>
+            </a:r>
+            <a:r>
+              <a:rPr lang="en-US" altLang="ja-JP" sz="1800" kern="0">
+                <a:solidFill>
+                  <a:srgbClr val="CCCCCC"/>
+                </a:solidFill>
+                <a:effectLst/>
+                <a:latin typeface="Menlo" panose="020B0609030804020204" pitchFamily="49" charset="0"/>
+                <a:ea typeface="ＭＳ Ｐゴシック" panose="020B0600070205080204" pitchFamily="34" charset="-128"/>
+                <a:cs typeface="Times New Roman" panose="02020603050405020304" pitchFamily="18" charset="0"/>
+              </a:rPr>
+              <a:t> </a:t>
+            </a:r>
+            <a:r>
+              <a:rPr lang="en-US" altLang="ja-JP" sz="1800" kern="0">
+                <a:solidFill>
+                  <a:srgbClr val="4EC9B0"/>
+                </a:solidFill>
+                <a:effectLst/>
+                <a:latin typeface="Menlo" panose="020B0609030804020204" pitchFamily="49" charset="0"/>
+                <a:ea typeface="ＭＳ Ｐゴシック" panose="020B0600070205080204" pitchFamily="34" charset="-128"/>
+                <a:cs typeface="Times New Roman" panose="02020603050405020304" pitchFamily="18" charset="0"/>
+              </a:rPr>
+              <a:t>std</a:t>
+            </a:r>
+            <a:r>
+              <a:rPr lang="en-US" altLang="ja-JP" sz="1800" kern="0">
+                <a:solidFill>
+                  <a:srgbClr val="CCCCCC"/>
+                </a:solidFill>
+                <a:effectLst/>
+                <a:latin typeface="Menlo" panose="020B0609030804020204" pitchFamily="49" charset="0"/>
+                <a:ea typeface="ＭＳ Ｐゴシック" panose="020B0600070205080204" pitchFamily="34" charset="-128"/>
+                <a:cs typeface="Times New Roman" panose="02020603050405020304" pitchFamily="18" charset="0"/>
+              </a:rPr>
+              <a:t>;</a:t>
+            </a:r>
+            <a:endParaRPr lang="ja-JP" altLang="ja-JP" sz="1800" kern="100">
+              <a:effectLst/>
+              <a:latin typeface="游明朝" panose="02020400000000000000" pitchFamily="18" charset="-128"/>
+              <a:ea typeface="游明朝" panose="02020400000000000000" pitchFamily="18" charset="-128"/>
+              <a:cs typeface="Times New Roman" panose="02020603050405020304" pitchFamily="18" charset="0"/>
+            </a:endParaRPr>
+          </a:p>
+          <a:p>
+            <a:pPr algn="l">
+              <a:lnSpc>
+                <a:spcPts val="1950"/>
+              </a:lnSpc>
+            </a:pPr>
+            <a:r>
+              <a:rPr lang="en-US" altLang="ja-JP" sz="1800" kern="0">
+                <a:solidFill>
+                  <a:srgbClr val="569CD6"/>
+                </a:solidFill>
+                <a:effectLst/>
+                <a:latin typeface="Menlo" panose="020B0609030804020204" pitchFamily="49" charset="0"/>
+                <a:ea typeface="ＭＳ Ｐゴシック" panose="020B0600070205080204" pitchFamily="34" charset="-128"/>
+                <a:cs typeface="Times New Roman" panose="02020603050405020304" pitchFamily="18" charset="0"/>
+              </a:rPr>
+              <a:t>int</a:t>
+            </a:r>
+            <a:r>
+              <a:rPr lang="en-US" altLang="ja-JP" sz="1800" kern="0">
+                <a:solidFill>
+                  <a:srgbClr val="CCCCCC"/>
+                </a:solidFill>
+                <a:effectLst/>
+                <a:latin typeface="Menlo" panose="020B0609030804020204" pitchFamily="49" charset="0"/>
+                <a:ea typeface="ＭＳ Ｐゴシック" panose="020B0600070205080204" pitchFamily="34" charset="-128"/>
+                <a:cs typeface="Times New Roman" panose="02020603050405020304" pitchFamily="18" charset="0"/>
+              </a:rPr>
+              <a:t> </a:t>
+            </a:r>
+            <a:r>
+              <a:rPr lang="en-US" altLang="ja-JP" sz="1800" kern="0">
+                <a:solidFill>
+                  <a:srgbClr val="DCDCAA"/>
+                </a:solidFill>
+                <a:effectLst/>
+                <a:latin typeface="Menlo" panose="020B0609030804020204" pitchFamily="49" charset="0"/>
+                <a:ea typeface="ＭＳ Ｐゴシック" panose="020B0600070205080204" pitchFamily="34" charset="-128"/>
+                <a:cs typeface="Times New Roman" panose="02020603050405020304" pitchFamily="18" charset="0"/>
+              </a:rPr>
+              <a:t>main</a:t>
+            </a:r>
+            <a:r>
+              <a:rPr lang="en-US" altLang="ja-JP" sz="1800" kern="0">
+                <a:solidFill>
+                  <a:srgbClr val="CCCCCC"/>
+                </a:solidFill>
+                <a:effectLst/>
+                <a:latin typeface="Menlo" panose="020B0609030804020204" pitchFamily="49" charset="0"/>
+                <a:ea typeface="ＭＳ Ｐゴシック" panose="020B0600070205080204" pitchFamily="34" charset="-128"/>
+                <a:cs typeface="Times New Roman" panose="02020603050405020304" pitchFamily="18" charset="0"/>
+              </a:rPr>
+              <a:t>(){</a:t>
+            </a:r>
+            <a:endParaRPr lang="ja-JP" altLang="ja-JP" sz="1800" kern="100">
+              <a:effectLst/>
+              <a:latin typeface="游明朝" panose="02020400000000000000" pitchFamily="18" charset="-128"/>
+              <a:ea typeface="游明朝" panose="02020400000000000000" pitchFamily="18" charset="-128"/>
+              <a:cs typeface="Times New Roman" panose="02020603050405020304" pitchFamily="18" charset="0"/>
+            </a:endParaRPr>
+          </a:p>
+          <a:p>
+            <a:pPr algn="l">
+              <a:lnSpc>
+                <a:spcPts val="1950"/>
+              </a:lnSpc>
+            </a:pPr>
+            <a:r>
+              <a:rPr lang="en-US" altLang="ja-JP" sz="1800" kern="0">
+                <a:solidFill>
+                  <a:srgbClr val="CCCCCC"/>
+                </a:solidFill>
+                <a:effectLst/>
+                <a:latin typeface="Menlo" panose="020B0609030804020204" pitchFamily="49" charset="0"/>
+                <a:ea typeface="ＭＳ Ｐゴシック" panose="020B0600070205080204" pitchFamily="34" charset="-128"/>
+                <a:cs typeface="Times New Roman" panose="02020603050405020304" pitchFamily="18" charset="0"/>
+              </a:rPr>
+              <a:t>  </a:t>
+            </a:r>
+            <a:r>
+              <a:rPr lang="en-US" altLang="ja-JP" sz="1800" kern="0">
+                <a:solidFill>
+                  <a:srgbClr val="569CD6"/>
+                </a:solidFill>
+                <a:effectLst/>
+                <a:latin typeface="Menlo" panose="020B0609030804020204" pitchFamily="49" charset="0"/>
+                <a:ea typeface="ＭＳ Ｐゴシック" panose="020B0600070205080204" pitchFamily="34" charset="-128"/>
+                <a:cs typeface="Times New Roman" panose="02020603050405020304" pitchFamily="18" charset="0"/>
+              </a:rPr>
+              <a:t>int</a:t>
+            </a:r>
+            <a:r>
+              <a:rPr lang="en-US" altLang="ja-JP" sz="1800" kern="0">
+                <a:solidFill>
+                  <a:srgbClr val="CCCCCC"/>
+                </a:solidFill>
+                <a:effectLst/>
+                <a:latin typeface="Menlo" panose="020B0609030804020204" pitchFamily="49" charset="0"/>
+                <a:ea typeface="ＭＳ Ｐゴシック" panose="020B0600070205080204" pitchFamily="34" charset="-128"/>
+                <a:cs typeface="Times New Roman" panose="02020603050405020304" pitchFamily="18" charset="0"/>
+              </a:rPr>
+              <a:t> </a:t>
+            </a:r>
+            <a:r>
+              <a:rPr lang="en-US" altLang="ja-JP" sz="1800" kern="0">
+                <a:solidFill>
+                  <a:srgbClr val="9CDCFE"/>
+                </a:solidFill>
+                <a:effectLst/>
+                <a:latin typeface="Menlo" panose="020B0609030804020204" pitchFamily="49" charset="0"/>
+                <a:ea typeface="ＭＳ Ｐゴシック" panose="020B0600070205080204" pitchFamily="34" charset="-128"/>
+                <a:cs typeface="Times New Roman" panose="02020603050405020304" pitchFamily="18" charset="0"/>
+              </a:rPr>
+              <a:t>A</a:t>
+            </a:r>
+            <a:r>
+              <a:rPr lang="en-US" altLang="ja-JP" sz="1800" kern="0">
+                <a:solidFill>
+                  <a:srgbClr val="CCCCCC"/>
+                </a:solidFill>
+                <a:effectLst/>
+                <a:latin typeface="Menlo" panose="020B0609030804020204" pitchFamily="49" charset="0"/>
+                <a:ea typeface="ＭＳ Ｐゴシック" panose="020B0600070205080204" pitchFamily="34" charset="-128"/>
+                <a:cs typeface="Times New Roman" panose="02020603050405020304" pitchFamily="18" charset="0"/>
+              </a:rPr>
+              <a:t>,</a:t>
+            </a:r>
+            <a:r>
+              <a:rPr lang="en-US" altLang="ja-JP" sz="1800" kern="0">
+                <a:solidFill>
+                  <a:srgbClr val="9CDCFE"/>
+                </a:solidFill>
+                <a:effectLst/>
+                <a:latin typeface="Menlo" panose="020B0609030804020204" pitchFamily="49" charset="0"/>
+                <a:ea typeface="ＭＳ Ｐゴシック" panose="020B0600070205080204" pitchFamily="34" charset="-128"/>
+                <a:cs typeface="Times New Roman" panose="02020603050405020304" pitchFamily="18" charset="0"/>
+              </a:rPr>
+              <a:t>B</a:t>
+            </a:r>
+            <a:r>
+              <a:rPr lang="en-US" altLang="ja-JP" sz="1800" kern="0">
+                <a:solidFill>
+                  <a:srgbClr val="CCCCCC"/>
+                </a:solidFill>
+                <a:effectLst/>
+                <a:latin typeface="Menlo" panose="020B0609030804020204" pitchFamily="49" charset="0"/>
+                <a:ea typeface="ＭＳ Ｐゴシック" panose="020B0600070205080204" pitchFamily="34" charset="-128"/>
+                <a:cs typeface="Times New Roman" panose="02020603050405020304" pitchFamily="18" charset="0"/>
+              </a:rPr>
+              <a:t>,</a:t>
+            </a:r>
+            <a:r>
+              <a:rPr lang="en-US" altLang="ja-JP" sz="1800" kern="0">
+                <a:solidFill>
+                  <a:srgbClr val="9CDCFE"/>
+                </a:solidFill>
+                <a:effectLst/>
+                <a:latin typeface="Menlo" panose="020B0609030804020204" pitchFamily="49" charset="0"/>
+                <a:ea typeface="ＭＳ Ｐゴシック" panose="020B0600070205080204" pitchFamily="34" charset="-128"/>
+                <a:cs typeface="Times New Roman" panose="02020603050405020304" pitchFamily="18" charset="0"/>
+              </a:rPr>
+              <a:t>C</a:t>
+            </a:r>
+            <a:r>
+              <a:rPr lang="en-US" altLang="ja-JP" sz="1800" kern="0">
+                <a:solidFill>
+                  <a:srgbClr val="CCCCCC"/>
+                </a:solidFill>
+                <a:effectLst/>
+                <a:latin typeface="Menlo" panose="020B0609030804020204" pitchFamily="49" charset="0"/>
+                <a:ea typeface="ＭＳ Ｐゴシック" panose="020B0600070205080204" pitchFamily="34" charset="-128"/>
+                <a:cs typeface="Times New Roman" panose="02020603050405020304" pitchFamily="18" charset="0"/>
+              </a:rPr>
+              <a:t>,</a:t>
+            </a:r>
+            <a:r>
+              <a:rPr lang="en-US" altLang="ja-JP" sz="1800" kern="0">
+                <a:solidFill>
+                  <a:srgbClr val="9CDCFE"/>
+                </a:solidFill>
+                <a:effectLst/>
+                <a:latin typeface="Menlo" panose="020B0609030804020204" pitchFamily="49" charset="0"/>
+                <a:ea typeface="ＭＳ Ｐゴシック" panose="020B0600070205080204" pitchFamily="34" charset="-128"/>
+                <a:cs typeface="Times New Roman" panose="02020603050405020304" pitchFamily="18" charset="0"/>
+              </a:rPr>
+              <a:t>X</a:t>
+            </a:r>
+            <a:r>
+              <a:rPr lang="en-US" altLang="ja-JP" sz="1800" kern="0">
+                <a:solidFill>
+                  <a:srgbClr val="CCCCCC"/>
+                </a:solidFill>
+                <a:effectLst/>
+                <a:latin typeface="Menlo" panose="020B0609030804020204" pitchFamily="49" charset="0"/>
+                <a:ea typeface="ＭＳ Ｐゴシック" panose="020B0600070205080204" pitchFamily="34" charset="-128"/>
+                <a:cs typeface="Times New Roman" panose="02020603050405020304" pitchFamily="18" charset="0"/>
+              </a:rPr>
+              <a:t>;</a:t>
+            </a:r>
+            <a:endParaRPr lang="ja-JP" altLang="ja-JP" sz="1800" kern="100">
+              <a:effectLst/>
+              <a:latin typeface="游明朝" panose="02020400000000000000" pitchFamily="18" charset="-128"/>
+              <a:ea typeface="游明朝" panose="02020400000000000000" pitchFamily="18" charset="-128"/>
+              <a:cs typeface="Times New Roman" panose="02020603050405020304" pitchFamily="18" charset="0"/>
+            </a:endParaRPr>
+          </a:p>
+          <a:p>
+            <a:pPr algn="l">
+              <a:lnSpc>
+                <a:spcPts val="1950"/>
+              </a:lnSpc>
+            </a:pPr>
+            <a:r>
+              <a:rPr lang="en-US" altLang="ja-JP" sz="1800" kern="0">
+                <a:solidFill>
+                  <a:srgbClr val="CCCCCC"/>
+                </a:solidFill>
+                <a:effectLst/>
+                <a:latin typeface="Menlo" panose="020B0609030804020204" pitchFamily="49" charset="0"/>
+                <a:ea typeface="ＭＳ Ｐゴシック" panose="020B0600070205080204" pitchFamily="34" charset="-128"/>
+                <a:cs typeface="Times New Roman" panose="02020603050405020304" pitchFamily="18" charset="0"/>
+              </a:rPr>
+              <a:t>  </a:t>
+            </a:r>
+            <a:r>
+              <a:rPr lang="en-US" altLang="ja-JP" sz="1800" kern="0">
+                <a:solidFill>
+                  <a:srgbClr val="9CDCFE"/>
+                </a:solidFill>
+                <a:effectLst/>
+                <a:latin typeface="Menlo" panose="020B0609030804020204" pitchFamily="49" charset="0"/>
+                <a:ea typeface="ＭＳ Ｐゴシック" panose="020B0600070205080204" pitchFamily="34" charset="-128"/>
+                <a:cs typeface="Times New Roman" panose="02020603050405020304" pitchFamily="18" charset="0"/>
+              </a:rPr>
+              <a:t>cin</a:t>
+            </a:r>
+            <a:r>
+              <a:rPr lang="en-US" altLang="ja-JP" sz="1800" kern="0">
+                <a:solidFill>
+                  <a:srgbClr val="CCCCCC"/>
+                </a:solidFill>
+                <a:effectLst/>
+                <a:latin typeface="Menlo" panose="020B0609030804020204" pitchFamily="49" charset="0"/>
+                <a:ea typeface="ＭＳ Ｐゴシック" panose="020B0600070205080204" pitchFamily="34" charset="-128"/>
+                <a:cs typeface="Times New Roman" panose="02020603050405020304" pitchFamily="18" charset="0"/>
+              </a:rPr>
+              <a:t> </a:t>
+            </a:r>
+            <a:r>
+              <a:rPr lang="en-US" altLang="ja-JP" sz="1800" kern="0">
+                <a:solidFill>
+                  <a:srgbClr val="DCDCAA"/>
+                </a:solidFill>
+                <a:effectLst/>
+                <a:latin typeface="Menlo" panose="020B0609030804020204" pitchFamily="49" charset="0"/>
+                <a:ea typeface="ＭＳ Ｐゴシック" panose="020B0600070205080204" pitchFamily="34" charset="-128"/>
+                <a:cs typeface="Times New Roman" panose="02020603050405020304" pitchFamily="18" charset="0"/>
+              </a:rPr>
+              <a:t>&gt;&gt;</a:t>
+            </a:r>
+            <a:r>
+              <a:rPr lang="en-US" altLang="ja-JP" sz="1800" kern="0">
+                <a:solidFill>
+                  <a:srgbClr val="CCCCCC"/>
+                </a:solidFill>
+                <a:effectLst/>
+                <a:latin typeface="Menlo" panose="020B0609030804020204" pitchFamily="49" charset="0"/>
+                <a:ea typeface="ＭＳ Ｐゴシック" panose="020B0600070205080204" pitchFamily="34" charset="-128"/>
+                <a:cs typeface="Times New Roman" panose="02020603050405020304" pitchFamily="18" charset="0"/>
+              </a:rPr>
+              <a:t> </a:t>
+            </a:r>
+            <a:r>
+              <a:rPr lang="en-US" altLang="ja-JP" sz="1800" kern="0">
+                <a:solidFill>
+                  <a:srgbClr val="9CDCFE"/>
+                </a:solidFill>
+                <a:effectLst/>
+                <a:latin typeface="Menlo" panose="020B0609030804020204" pitchFamily="49" charset="0"/>
+                <a:ea typeface="ＭＳ Ｐゴシック" panose="020B0600070205080204" pitchFamily="34" charset="-128"/>
+                <a:cs typeface="Times New Roman" panose="02020603050405020304" pitchFamily="18" charset="0"/>
+              </a:rPr>
+              <a:t>A</a:t>
+            </a:r>
+            <a:r>
+              <a:rPr lang="en-US" altLang="ja-JP" sz="1800" kern="0">
+                <a:solidFill>
+                  <a:srgbClr val="CCCCCC"/>
+                </a:solidFill>
+                <a:effectLst/>
+                <a:latin typeface="Menlo" panose="020B0609030804020204" pitchFamily="49" charset="0"/>
+                <a:ea typeface="ＭＳ Ｐゴシック" panose="020B0600070205080204" pitchFamily="34" charset="-128"/>
+                <a:cs typeface="Times New Roman" panose="02020603050405020304" pitchFamily="18" charset="0"/>
+              </a:rPr>
+              <a:t> </a:t>
+            </a:r>
+            <a:r>
+              <a:rPr lang="en-US" altLang="ja-JP" sz="1800" kern="0">
+                <a:solidFill>
+                  <a:srgbClr val="DCDCAA"/>
+                </a:solidFill>
+                <a:effectLst/>
+                <a:latin typeface="Menlo" panose="020B0609030804020204" pitchFamily="49" charset="0"/>
+                <a:ea typeface="ＭＳ Ｐゴシック" panose="020B0600070205080204" pitchFamily="34" charset="-128"/>
+                <a:cs typeface="Times New Roman" panose="02020603050405020304" pitchFamily="18" charset="0"/>
+              </a:rPr>
+              <a:t>&gt;&gt;</a:t>
+            </a:r>
+            <a:r>
+              <a:rPr lang="en-US" altLang="ja-JP" sz="1800" kern="0">
+                <a:solidFill>
+                  <a:srgbClr val="CCCCCC"/>
+                </a:solidFill>
+                <a:effectLst/>
+                <a:latin typeface="Menlo" panose="020B0609030804020204" pitchFamily="49" charset="0"/>
+                <a:ea typeface="ＭＳ Ｐゴシック" panose="020B0600070205080204" pitchFamily="34" charset="-128"/>
+                <a:cs typeface="Times New Roman" panose="02020603050405020304" pitchFamily="18" charset="0"/>
+              </a:rPr>
+              <a:t> </a:t>
+            </a:r>
+            <a:r>
+              <a:rPr lang="en-US" altLang="ja-JP" sz="1800" kern="0">
+                <a:solidFill>
+                  <a:srgbClr val="9CDCFE"/>
+                </a:solidFill>
+                <a:effectLst/>
+                <a:latin typeface="Menlo" panose="020B0609030804020204" pitchFamily="49" charset="0"/>
+                <a:ea typeface="ＭＳ Ｐゴシック" panose="020B0600070205080204" pitchFamily="34" charset="-128"/>
+                <a:cs typeface="Times New Roman" panose="02020603050405020304" pitchFamily="18" charset="0"/>
+              </a:rPr>
+              <a:t>B</a:t>
+            </a:r>
+            <a:r>
+              <a:rPr lang="en-US" altLang="ja-JP" sz="1800" kern="0">
+                <a:solidFill>
+                  <a:srgbClr val="CCCCCC"/>
+                </a:solidFill>
+                <a:effectLst/>
+                <a:latin typeface="Menlo" panose="020B0609030804020204" pitchFamily="49" charset="0"/>
+                <a:ea typeface="ＭＳ Ｐゴシック" panose="020B0600070205080204" pitchFamily="34" charset="-128"/>
+                <a:cs typeface="Times New Roman" panose="02020603050405020304" pitchFamily="18" charset="0"/>
+              </a:rPr>
+              <a:t> </a:t>
+            </a:r>
+            <a:r>
+              <a:rPr lang="en-US" altLang="ja-JP" sz="1800" kern="0">
+                <a:solidFill>
+                  <a:srgbClr val="DCDCAA"/>
+                </a:solidFill>
+                <a:effectLst/>
+                <a:latin typeface="Menlo" panose="020B0609030804020204" pitchFamily="49" charset="0"/>
+                <a:ea typeface="ＭＳ Ｐゴシック" panose="020B0600070205080204" pitchFamily="34" charset="-128"/>
+                <a:cs typeface="Times New Roman" panose="02020603050405020304" pitchFamily="18" charset="0"/>
+              </a:rPr>
+              <a:t>&gt;&gt;</a:t>
+            </a:r>
+            <a:r>
+              <a:rPr lang="en-US" altLang="ja-JP" sz="1800" kern="0">
+                <a:solidFill>
+                  <a:srgbClr val="CCCCCC"/>
+                </a:solidFill>
+                <a:effectLst/>
+                <a:latin typeface="Menlo" panose="020B0609030804020204" pitchFamily="49" charset="0"/>
+                <a:ea typeface="ＭＳ Ｐゴシック" panose="020B0600070205080204" pitchFamily="34" charset="-128"/>
+                <a:cs typeface="Times New Roman" panose="02020603050405020304" pitchFamily="18" charset="0"/>
+              </a:rPr>
+              <a:t> </a:t>
+            </a:r>
+            <a:r>
+              <a:rPr lang="en-US" altLang="ja-JP" sz="1800" kern="0">
+                <a:solidFill>
+                  <a:srgbClr val="9CDCFE"/>
+                </a:solidFill>
+                <a:effectLst/>
+                <a:latin typeface="Menlo" panose="020B0609030804020204" pitchFamily="49" charset="0"/>
+                <a:ea typeface="ＭＳ Ｐゴシック" panose="020B0600070205080204" pitchFamily="34" charset="-128"/>
+                <a:cs typeface="Times New Roman" panose="02020603050405020304" pitchFamily="18" charset="0"/>
+              </a:rPr>
+              <a:t>C</a:t>
+            </a:r>
+            <a:r>
+              <a:rPr lang="en-US" altLang="ja-JP" sz="1800" kern="0">
+                <a:solidFill>
+                  <a:srgbClr val="CCCCCC"/>
+                </a:solidFill>
+                <a:effectLst/>
+                <a:latin typeface="Menlo" panose="020B0609030804020204" pitchFamily="49" charset="0"/>
+                <a:ea typeface="ＭＳ Ｐゴシック" panose="020B0600070205080204" pitchFamily="34" charset="-128"/>
+                <a:cs typeface="Times New Roman" panose="02020603050405020304" pitchFamily="18" charset="0"/>
+              </a:rPr>
+              <a:t> </a:t>
+            </a:r>
+            <a:r>
+              <a:rPr lang="en-US" altLang="ja-JP" sz="1800" kern="0">
+                <a:solidFill>
+                  <a:srgbClr val="DCDCAA"/>
+                </a:solidFill>
+                <a:effectLst/>
+                <a:latin typeface="Menlo" panose="020B0609030804020204" pitchFamily="49" charset="0"/>
+                <a:ea typeface="ＭＳ Ｐゴシック" panose="020B0600070205080204" pitchFamily="34" charset="-128"/>
+                <a:cs typeface="Times New Roman" panose="02020603050405020304" pitchFamily="18" charset="0"/>
+              </a:rPr>
+              <a:t>&gt;&gt;</a:t>
+            </a:r>
+            <a:r>
+              <a:rPr lang="en-US" altLang="ja-JP" sz="1800" kern="0">
+                <a:solidFill>
+                  <a:srgbClr val="CCCCCC"/>
+                </a:solidFill>
+                <a:effectLst/>
+                <a:latin typeface="Menlo" panose="020B0609030804020204" pitchFamily="49" charset="0"/>
+                <a:ea typeface="ＭＳ Ｐゴシック" panose="020B0600070205080204" pitchFamily="34" charset="-128"/>
+                <a:cs typeface="Times New Roman" panose="02020603050405020304" pitchFamily="18" charset="0"/>
+              </a:rPr>
+              <a:t> </a:t>
+            </a:r>
+            <a:r>
+              <a:rPr lang="en-US" altLang="ja-JP" sz="1800" kern="0">
+                <a:solidFill>
+                  <a:srgbClr val="9CDCFE"/>
+                </a:solidFill>
+                <a:effectLst/>
+                <a:latin typeface="Menlo" panose="020B0609030804020204" pitchFamily="49" charset="0"/>
+                <a:ea typeface="ＭＳ Ｐゴシック" panose="020B0600070205080204" pitchFamily="34" charset="-128"/>
+                <a:cs typeface="Times New Roman" panose="02020603050405020304" pitchFamily="18" charset="0"/>
+              </a:rPr>
+              <a:t>X</a:t>
+            </a:r>
+            <a:r>
+              <a:rPr lang="en-US" altLang="ja-JP" sz="1800" kern="0">
+                <a:solidFill>
+                  <a:srgbClr val="CCCCCC"/>
+                </a:solidFill>
+                <a:effectLst/>
+                <a:latin typeface="Menlo" panose="020B0609030804020204" pitchFamily="49" charset="0"/>
+                <a:ea typeface="ＭＳ Ｐゴシック" panose="020B0600070205080204" pitchFamily="34" charset="-128"/>
+                <a:cs typeface="Times New Roman" panose="02020603050405020304" pitchFamily="18" charset="0"/>
+              </a:rPr>
+              <a:t>;</a:t>
+            </a:r>
+            <a:endParaRPr lang="ja-JP" altLang="ja-JP" sz="1800" kern="100">
+              <a:effectLst/>
+              <a:latin typeface="游明朝" panose="02020400000000000000" pitchFamily="18" charset="-128"/>
+              <a:ea typeface="游明朝" panose="02020400000000000000" pitchFamily="18" charset="-128"/>
+              <a:cs typeface="Times New Roman" panose="02020603050405020304" pitchFamily="18" charset="0"/>
+            </a:endParaRPr>
+          </a:p>
+          <a:p>
+            <a:pPr algn="l">
+              <a:lnSpc>
+                <a:spcPts val="1950"/>
+              </a:lnSpc>
+            </a:pPr>
+            <a:r>
+              <a:rPr lang="en-US" altLang="ja-JP" sz="1800" kern="0">
+                <a:solidFill>
+                  <a:srgbClr val="CCCCCC"/>
+                </a:solidFill>
+                <a:effectLst/>
+                <a:latin typeface="Menlo" panose="020B0609030804020204" pitchFamily="49" charset="0"/>
+                <a:ea typeface="ＭＳ Ｐゴシック" panose="020B0600070205080204" pitchFamily="34" charset="-128"/>
+                <a:cs typeface="Times New Roman" panose="02020603050405020304" pitchFamily="18" charset="0"/>
+              </a:rPr>
+              <a:t>  </a:t>
+            </a:r>
+            <a:r>
+              <a:rPr lang="en-US" altLang="ja-JP" sz="1800" kern="0">
+                <a:solidFill>
+                  <a:srgbClr val="569CD6"/>
+                </a:solidFill>
+                <a:effectLst/>
+                <a:latin typeface="Menlo" panose="020B0609030804020204" pitchFamily="49" charset="0"/>
+                <a:ea typeface="ＭＳ Ｐゴシック" panose="020B0600070205080204" pitchFamily="34" charset="-128"/>
+                <a:cs typeface="Times New Roman" panose="02020603050405020304" pitchFamily="18" charset="0"/>
+              </a:rPr>
+              <a:t>int</a:t>
+            </a:r>
+            <a:r>
+              <a:rPr lang="en-US" altLang="ja-JP" sz="1800" kern="0">
+                <a:solidFill>
+                  <a:srgbClr val="CCCCCC"/>
+                </a:solidFill>
+                <a:effectLst/>
+                <a:latin typeface="Menlo" panose="020B0609030804020204" pitchFamily="49" charset="0"/>
+                <a:ea typeface="ＭＳ Ｐゴシック" panose="020B0600070205080204" pitchFamily="34" charset="-128"/>
+                <a:cs typeface="Times New Roman" panose="02020603050405020304" pitchFamily="18" charset="0"/>
+              </a:rPr>
+              <a:t> </a:t>
+            </a:r>
+            <a:r>
+              <a:rPr lang="en-US" altLang="ja-JP" sz="1800" kern="0">
+                <a:solidFill>
+                  <a:srgbClr val="9CDCFE"/>
+                </a:solidFill>
+                <a:effectLst/>
+                <a:latin typeface="Menlo" panose="020B0609030804020204" pitchFamily="49" charset="0"/>
+                <a:ea typeface="ＭＳ Ｐゴシック" panose="020B0600070205080204" pitchFamily="34" charset="-128"/>
+                <a:cs typeface="Times New Roman" panose="02020603050405020304" pitchFamily="18" charset="0"/>
+              </a:rPr>
+              <a:t>ans</a:t>
+            </a:r>
+            <a:r>
+              <a:rPr lang="en-US" altLang="ja-JP" sz="1800" kern="0">
+                <a:solidFill>
+                  <a:srgbClr val="CCCCCC"/>
+                </a:solidFill>
+                <a:effectLst/>
+                <a:latin typeface="Menlo" panose="020B0609030804020204" pitchFamily="49" charset="0"/>
+                <a:ea typeface="ＭＳ Ｐゴシック" panose="020B0600070205080204" pitchFamily="34" charset="-128"/>
+                <a:cs typeface="Times New Roman" panose="02020603050405020304" pitchFamily="18" charset="0"/>
+              </a:rPr>
+              <a:t> </a:t>
+            </a:r>
+            <a:r>
+              <a:rPr lang="en-US" altLang="ja-JP" sz="1800" kern="0">
+                <a:solidFill>
+                  <a:srgbClr val="D4D4D4"/>
+                </a:solidFill>
+                <a:effectLst/>
+                <a:latin typeface="Menlo" panose="020B0609030804020204" pitchFamily="49" charset="0"/>
+                <a:ea typeface="ＭＳ Ｐゴシック" panose="020B0600070205080204" pitchFamily="34" charset="-128"/>
+                <a:cs typeface="Times New Roman" panose="02020603050405020304" pitchFamily="18" charset="0"/>
+              </a:rPr>
+              <a:t>=</a:t>
+            </a:r>
+            <a:r>
+              <a:rPr lang="en-US" altLang="ja-JP" sz="1800" kern="0">
+                <a:solidFill>
+                  <a:srgbClr val="CCCCCC"/>
+                </a:solidFill>
+                <a:effectLst/>
+                <a:latin typeface="Menlo" panose="020B0609030804020204" pitchFamily="49" charset="0"/>
+                <a:ea typeface="ＭＳ Ｐゴシック" panose="020B0600070205080204" pitchFamily="34" charset="-128"/>
+                <a:cs typeface="Times New Roman" panose="02020603050405020304" pitchFamily="18" charset="0"/>
+              </a:rPr>
+              <a:t> </a:t>
+            </a:r>
+            <a:r>
+              <a:rPr lang="en-US" altLang="ja-JP" sz="1800" kern="0">
+                <a:solidFill>
+                  <a:srgbClr val="B5CEA8"/>
+                </a:solidFill>
+                <a:effectLst/>
+                <a:latin typeface="Menlo" panose="020B0609030804020204" pitchFamily="49" charset="0"/>
+                <a:ea typeface="ＭＳ Ｐゴシック" panose="020B0600070205080204" pitchFamily="34" charset="-128"/>
+                <a:cs typeface="Times New Roman" panose="02020603050405020304" pitchFamily="18" charset="0"/>
+              </a:rPr>
+              <a:t>0</a:t>
+            </a:r>
+            <a:r>
+              <a:rPr lang="en-US" altLang="ja-JP" sz="1800" kern="0">
+                <a:solidFill>
+                  <a:srgbClr val="CCCCCC"/>
+                </a:solidFill>
+                <a:effectLst/>
+                <a:latin typeface="Menlo" panose="020B0609030804020204" pitchFamily="49" charset="0"/>
+                <a:ea typeface="ＭＳ Ｐゴシック" panose="020B0600070205080204" pitchFamily="34" charset="-128"/>
+                <a:cs typeface="Times New Roman" panose="02020603050405020304" pitchFamily="18" charset="0"/>
+              </a:rPr>
+              <a:t>;</a:t>
+            </a:r>
+            <a:endParaRPr lang="ja-JP" altLang="ja-JP" sz="1800" kern="100">
+              <a:effectLst/>
+              <a:latin typeface="游明朝" panose="02020400000000000000" pitchFamily="18" charset="-128"/>
+              <a:ea typeface="游明朝" panose="02020400000000000000" pitchFamily="18" charset="-128"/>
+              <a:cs typeface="Times New Roman" panose="02020603050405020304" pitchFamily="18" charset="0"/>
+            </a:endParaRPr>
+          </a:p>
+          <a:p>
+            <a:pPr algn="l">
+              <a:lnSpc>
+                <a:spcPts val="1950"/>
+              </a:lnSpc>
+            </a:pPr>
+            <a:r>
+              <a:rPr lang="en-US" altLang="ja-JP" sz="1800" kern="0">
+                <a:solidFill>
+                  <a:srgbClr val="CCCCCC"/>
+                </a:solidFill>
+                <a:effectLst/>
+                <a:latin typeface="Menlo" panose="020B0609030804020204" pitchFamily="49" charset="0"/>
+                <a:ea typeface="ＭＳ Ｐゴシック" panose="020B0600070205080204" pitchFamily="34" charset="-128"/>
+                <a:cs typeface="Times New Roman" panose="02020603050405020304" pitchFamily="18" charset="0"/>
+              </a:rPr>
+              <a:t>  </a:t>
+            </a:r>
+            <a:r>
+              <a:rPr lang="en-US" altLang="ja-JP" sz="1800" kern="0">
+                <a:solidFill>
+                  <a:srgbClr val="C586C0"/>
+                </a:solidFill>
+                <a:effectLst/>
+                <a:latin typeface="Menlo" panose="020B0609030804020204" pitchFamily="49" charset="0"/>
+                <a:ea typeface="ＭＳ Ｐゴシック" panose="020B0600070205080204" pitchFamily="34" charset="-128"/>
+                <a:cs typeface="Times New Roman" panose="02020603050405020304" pitchFamily="18" charset="0"/>
+              </a:rPr>
+              <a:t>for</a:t>
+            </a:r>
+            <a:r>
+              <a:rPr lang="en-US" altLang="ja-JP" sz="1800" kern="0">
+                <a:solidFill>
+                  <a:srgbClr val="CCCCCC"/>
+                </a:solidFill>
+                <a:effectLst/>
+                <a:latin typeface="Menlo" panose="020B0609030804020204" pitchFamily="49" charset="0"/>
+                <a:ea typeface="ＭＳ Ｐゴシック" panose="020B0600070205080204" pitchFamily="34" charset="-128"/>
+                <a:cs typeface="Times New Roman" panose="02020603050405020304" pitchFamily="18" charset="0"/>
+              </a:rPr>
+              <a:t> (</a:t>
+            </a:r>
+            <a:r>
+              <a:rPr lang="en-US" altLang="ja-JP" sz="1800" kern="0">
+                <a:solidFill>
+                  <a:srgbClr val="569CD6"/>
+                </a:solidFill>
+                <a:effectLst/>
+                <a:latin typeface="Menlo" panose="020B0609030804020204" pitchFamily="49" charset="0"/>
+                <a:ea typeface="ＭＳ Ｐゴシック" panose="020B0600070205080204" pitchFamily="34" charset="-128"/>
+                <a:cs typeface="Times New Roman" panose="02020603050405020304" pitchFamily="18" charset="0"/>
+              </a:rPr>
+              <a:t>int</a:t>
+            </a:r>
+            <a:r>
+              <a:rPr lang="en-US" altLang="ja-JP" sz="1800" kern="0">
+                <a:solidFill>
+                  <a:srgbClr val="CCCCCC"/>
+                </a:solidFill>
+                <a:effectLst/>
+                <a:latin typeface="Menlo" panose="020B0609030804020204" pitchFamily="49" charset="0"/>
+                <a:ea typeface="ＭＳ Ｐゴシック" panose="020B0600070205080204" pitchFamily="34" charset="-128"/>
+                <a:cs typeface="Times New Roman" panose="02020603050405020304" pitchFamily="18" charset="0"/>
+              </a:rPr>
+              <a:t> </a:t>
+            </a:r>
+            <a:r>
+              <a:rPr lang="en-US" altLang="ja-JP" sz="1800" kern="0">
+                <a:solidFill>
+                  <a:srgbClr val="9CDCFE"/>
+                </a:solidFill>
+                <a:effectLst/>
+                <a:latin typeface="Menlo" panose="020B0609030804020204" pitchFamily="49" charset="0"/>
+                <a:ea typeface="ＭＳ Ｐゴシック" panose="020B0600070205080204" pitchFamily="34" charset="-128"/>
+                <a:cs typeface="Times New Roman" panose="02020603050405020304" pitchFamily="18" charset="0"/>
+              </a:rPr>
+              <a:t>a</a:t>
+            </a:r>
+            <a:r>
+              <a:rPr lang="en-US" altLang="ja-JP" sz="1800" kern="0">
+                <a:solidFill>
+                  <a:srgbClr val="CCCCCC"/>
+                </a:solidFill>
+                <a:effectLst/>
+                <a:latin typeface="Menlo" panose="020B0609030804020204" pitchFamily="49" charset="0"/>
+                <a:ea typeface="ＭＳ Ｐゴシック" panose="020B0600070205080204" pitchFamily="34" charset="-128"/>
+                <a:cs typeface="Times New Roman" panose="02020603050405020304" pitchFamily="18" charset="0"/>
+              </a:rPr>
+              <a:t> </a:t>
+            </a:r>
+            <a:r>
+              <a:rPr lang="en-US" altLang="ja-JP" sz="1800" kern="0">
+                <a:solidFill>
+                  <a:srgbClr val="D4D4D4"/>
+                </a:solidFill>
+                <a:effectLst/>
+                <a:latin typeface="Menlo" panose="020B0609030804020204" pitchFamily="49" charset="0"/>
+                <a:ea typeface="ＭＳ Ｐゴシック" panose="020B0600070205080204" pitchFamily="34" charset="-128"/>
+                <a:cs typeface="Times New Roman" panose="02020603050405020304" pitchFamily="18" charset="0"/>
+              </a:rPr>
+              <a:t>=</a:t>
+            </a:r>
+            <a:r>
+              <a:rPr lang="en-US" altLang="ja-JP" sz="1800" kern="0">
+                <a:solidFill>
+                  <a:srgbClr val="CCCCCC"/>
+                </a:solidFill>
+                <a:effectLst/>
+                <a:latin typeface="Menlo" panose="020B0609030804020204" pitchFamily="49" charset="0"/>
+                <a:ea typeface="ＭＳ Ｐゴシック" panose="020B0600070205080204" pitchFamily="34" charset="-128"/>
+                <a:cs typeface="Times New Roman" panose="02020603050405020304" pitchFamily="18" charset="0"/>
+              </a:rPr>
+              <a:t> </a:t>
+            </a:r>
+            <a:r>
+              <a:rPr lang="en-US" altLang="ja-JP" sz="1800" kern="0">
+                <a:solidFill>
+                  <a:srgbClr val="B5CEA8"/>
+                </a:solidFill>
+                <a:effectLst/>
+                <a:latin typeface="Menlo" panose="020B0609030804020204" pitchFamily="49" charset="0"/>
+                <a:ea typeface="ＭＳ Ｐゴシック" panose="020B0600070205080204" pitchFamily="34" charset="-128"/>
+                <a:cs typeface="Times New Roman" panose="02020603050405020304" pitchFamily="18" charset="0"/>
+              </a:rPr>
+              <a:t>0</a:t>
+            </a:r>
+            <a:r>
+              <a:rPr lang="en-US" altLang="ja-JP" sz="1800" kern="0">
+                <a:solidFill>
+                  <a:srgbClr val="CCCCCC"/>
+                </a:solidFill>
+                <a:effectLst/>
+                <a:latin typeface="Menlo" panose="020B0609030804020204" pitchFamily="49" charset="0"/>
+                <a:ea typeface="ＭＳ Ｐゴシック" panose="020B0600070205080204" pitchFamily="34" charset="-128"/>
+                <a:cs typeface="Times New Roman" panose="02020603050405020304" pitchFamily="18" charset="0"/>
+              </a:rPr>
+              <a:t>; </a:t>
+            </a:r>
+            <a:r>
+              <a:rPr lang="en-US" altLang="ja-JP" sz="1800" kern="0">
+                <a:solidFill>
+                  <a:srgbClr val="9CDCFE"/>
+                </a:solidFill>
+                <a:effectLst/>
+                <a:latin typeface="Menlo" panose="020B0609030804020204" pitchFamily="49" charset="0"/>
+                <a:ea typeface="ＭＳ Ｐゴシック" panose="020B0600070205080204" pitchFamily="34" charset="-128"/>
+                <a:cs typeface="Times New Roman" panose="02020603050405020304" pitchFamily="18" charset="0"/>
+              </a:rPr>
+              <a:t>a</a:t>
+            </a:r>
+            <a:r>
+              <a:rPr lang="en-US" altLang="ja-JP" sz="1800" kern="0">
+                <a:solidFill>
+                  <a:srgbClr val="CCCCCC"/>
+                </a:solidFill>
+                <a:effectLst/>
+                <a:latin typeface="Menlo" panose="020B0609030804020204" pitchFamily="49" charset="0"/>
+                <a:ea typeface="ＭＳ Ｐゴシック" panose="020B0600070205080204" pitchFamily="34" charset="-128"/>
+                <a:cs typeface="Times New Roman" panose="02020603050405020304" pitchFamily="18" charset="0"/>
+              </a:rPr>
+              <a:t> </a:t>
+            </a:r>
+            <a:r>
+              <a:rPr lang="en-US" altLang="ja-JP" sz="1800" kern="0">
+                <a:solidFill>
+                  <a:srgbClr val="D4D4D4"/>
+                </a:solidFill>
+                <a:effectLst/>
+                <a:latin typeface="Menlo" panose="020B0609030804020204" pitchFamily="49" charset="0"/>
+                <a:ea typeface="ＭＳ Ｐゴシック" panose="020B0600070205080204" pitchFamily="34" charset="-128"/>
+                <a:cs typeface="Times New Roman" panose="02020603050405020304" pitchFamily="18" charset="0"/>
+              </a:rPr>
+              <a:t>&lt;=</a:t>
+            </a:r>
+            <a:r>
+              <a:rPr lang="en-US" altLang="ja-JP" sz="1800" kern="0">
+                <a:solidFill>
+                  <a:srgbClr val="CCCCCC"/>
+                </a:solidFill>
+                <a:effectLst/>
+                <a:latin typeface="Menlo" panose="020B0609030804020204" pitchFamily="49" charset="0"/>
+                <a:ea typeface="ＭＳ Ｐゴシック" panose="020B0600070205080204" pitchFamily="34" charset="-128"/>
+                <a:cs typeface="Times New Roman" panose="02020603050405020304" pitchFamily="18" charset="0"/>
+              </a:rPr>
+              <a:t> </a:t>
+            </a:r>
+            <a:r>
+              <a:rPr lang="en-US" altLang="ja-JP" sz="1800" kern="0">
+                <a:solidFill>
+                  <a:srgbClr val="9CDCFE"/>
+                </a:solidFill>
+                <a:effectLst/>
+                <a:latin typeface="Menlo" panose="020B0609030804020204" pitchFamily="49" charset="0"/>
+                <a:ea typeface="ＭＳ Ｐゴシック" panose="020B0600070205080204" pitchFamily="34" charset="-128"/>
+                <a:cs typeface="Times New Roman" panose="02020603050405020304" pitchFamily="18" charset="0"/>
+              </a:rPr>
+              <a:t>A</a:t>
+            </a:r>
+            <a:r>
+              <a:rPr lang="en-US" altLang="ja-JP" sz="1800" kern="0">
+                <a:solidFill>
+                  <a:srgbClr val="CCCCCC"/>
+                </a:solidFill>
+                <a:effectLst/>
+                <a:latin typeface="Menlo" panose="020B0609030804020204" pitchFamily="49" charset="0"/>
+                <a:ea typeface="ＭＳ Ｐゴシック" panose="020B0600070205080204" pitchFamily="34" charset="-128"/>
+                <a:cs typeface="Times New Roman" panose="02020603050405020304" pitchFamily="18" charset="0"/>
+              </a:rPr>
+              <a:t>; </a:t>
+            </a:r>
+            <a:r>
+              <a:rPr lang="en-US" altLang="ja-JP" sz="1800" kern="0">
+                <a:solidFill>
+                  <a:srgbClr val="9CDCFE"/>
+                </a:solidFill>
+                <a:effectLst/>
+                <a:latin typeface="Menlo" panose="020B0609030804020204" pitchFamily="49" charset="0"/>
+                <a:ea typeface="ＭＳ Ｐゴシック" panose="020B0600070205080204" pitchFamily="34" charset="-128"/>
+                <a:cs typeface="Times New Roman" panose="02020603050405020304" pitchFamily="18" charset="0"/>
+              </a:rPr>
+              <a:t>a</a:t>
+            </a:r>
+            <a:r>
+              <a:rPr lang="en-US" altLang="ja-JP" sz="1800" kern="0">
+                <a:solidFill>
+                  <a:srgbClr val="D4D4D4"/>
+                </a:solidFill>
+                <a:effectLst/>
+                <a:latin typeface="Menlo" panose="020B0609030804020204" pitchFamily="49" charset="0"/>
+                <a:ea typeface="ＭＳ Ｐゴシック" panose="020B0600070205080204" pitchFamily="34" charset="-128"/>
+                <a:cs typeface="Times New Roman" panose="02020603050405020304" pitchFamily="18" charset="0"/>
+              </a:rPr>
+              <a:t>++</a:t>
+            </a:r>
+            <a:r>
+              <a:rPr lang="en-US" altLang="ja-JP" sz="1800" kern="0">
+                <a:solidFill>
+                  <a:srgbClr val="CCCCCC"/>
+                </a:solidFill>
+                <a:effectLst/>
+                <a:latin typeface="Menlo" panose="020B0609030804020204" pitchFamily="49" charset="0"/>
+                <a:ea typeface="ＭＳ Ｐゴシック" panose="020B0600070205080204" pitchFamily="34" charset="-128"/>
+                <a:cs typeface="Times New Roman" panose="02020603050405020304" pitchFamily="18" charset="0"/>
+              </a:rPr>
+              <a:t>) {</a:t>
+            </a:r>
+            <a:endParaRPr lang="ja-JP" altLang="ja-JP" sz="1800" kern="100">
+              <a:effectLst/>
+              <a:latin typeface="游明朝" panose="02020400000000000000" pitchFamily="18" charset="-128"/>
+              <a:ea typeface="游明朝" panose="02020400000000000000" pitchFamily="18" charset="-128"/>
+              <a:cs typeface="Times New Roman" panose="02020603050405020304" pitchFamily="18" charset="0"/>
+            </a:endParaRPr>
+          </a:p>
+          <a:p>
+            <a:pPr algn="l">
+              <a:lnSpc>
+                <a:spcPts val="1950"/>
+              </a:lnSpc>
+            </a:pPr>
+            <a:r>
+              <a:rPr lang="en-US" altLang="ja-JP" sz="1800" kern="0">
+                <a:solidFill>
+                  <a:srgbClr val="CCCCCC"/>
+                </a:solidFill>
+                <a:effectLst/>
+                <a:latin typeface="Menlo" panose="020B0609030804020204" pitchFamily="49" charset="0"/>
+                <a:ea typeface="ＭＳ Ｐゴシック" panose="020B0600070205080204" pitchFamily="34" charset="-128"/>
+                <a:cs typeface="Times New Roman" panose="02020603050405020304" pitchFamily="18" charset="0"/>
+              </a:rPr>
+              <a:t>    </a:t>
+            </a:r>
+            <a:r>
+              <a:rPr lang="en-US" altLang="ja-JP" sz="1800" kern="0">
+                <a:solidFill>
+                  <a:srgbClr val="C586C0"/>
+                </a:solidFill>
+                <a:effectLst/>
+                <a:latin typeface="Menlo" panose="020B0609030804020204" pitchFamily="49" charset="0"/>
+                <a:ea typeface="ＭＳ Ｐゴシック" panose="020B0600070205080204" pitchFamily="34" charset="-128"/>
+                <a:cs typeface="Times New Roman" panose="02020603050405020304" pitchFamily="18" charset="0"/>
+              </a:rPr>
+              <a:t>for</a:t>
+            </a:r>
+            <a:r>
+              <a:rPr lang="en-US" altLang="ja-JP" sz="1800" kern="0">
+                <a:solidFill>
+                  <a:srgbClr val="CCCCCC"/>
+                </a:solidFill>
+                <a:effectLst/>
+                <a:latin typeface="Menlo" panose="020B0609030804020204" pitchFamily="49" charset="0"/>
+                <a:ea typeface="ＭＳ Ｐゴシック" panose="020B0600070205080204" pitchFamily="34" charset="-128"/>
+                <a:cs typeface="Times New Roman" panose="02020603050405020304" pitchFamily="18" charset="0"/>
+              </a:rPr>
+              <a:t> (</a:t>
+            </a:r>
+            <a:r>
+              <a:rPr lang="en-US" altLang="ja-JP" sz="1800" kern="0">
+                <a:solidFill>
+                  <a:srgbClr val="569CD6"/>
+                </a:solidFill>
+                <a:effectLst/>
+                <a:latin typeface="Menlo" panose="020B0609030804020204" pitchFamily="49" charset="0"/>
+                <a:ea typeface="ＭＳ Ｐゴシック" panose="020B0600070205080204" pitchFamily="34" charset="-128"/>
+                <a:cs typeface="Times New Roman" panose="02020603050405020304" pitchFamily="18" charset="0"/>
+              </a:rPr>
+              <a:t>int</a:t>
+            </a:r>
+            <a:r>
+              <a:rPr lang="en-US" altLang="ja-JP" sz="1800" kern="0">
+                <a:solidFill>
+                  <a:srgbClr val="CCCCCC"/>
+                </a:solidFill>
+                <a:effectLst/>
+                <a:latin typeface="Menlo" panose="020B0609030804020204" pitchFamily="49" charset="0"/>
+                <a:ea typeface="ＭＳ Ｐゴシック" panose="020B0600070205080204" pitchFamily="34" charset="-128"/>
+                <a:cs typeface="Times New Roman" panose="02020603050405020304" pitchFamily="18" charset="0"/>
+              </a:rPr>
+              <a:t> </a:t>
+            </a:r>
+            <a:r>
+              <a:rPr lang="en-US" altLang="ja-JP" sz="1800" kern="0">
+                <a:solidFill>
+                  <a:srgbClr val="9CDCFE"/>
+                </a:solidFill>
+                <a:effectLst/>
+                <a:latin typeface="Menlo" panose="020B0609030804020204" pitchFamily="49" charset="0"/>
+                <a:ea typeface="ＭＳ Ｐゴシック" panose="020B0600070205080204" pitchFamily="34" charset="-128"/>
+                <a:cs typeface="Times New Roman" panose="02020603050405020304" pitchFamily="18" charset="0"/>
+              </a:rPr>
+              <a:t>b</a:t>
+            </a:r>
+            <a:r>
+              <a:rPr lang="en-US" altLang="ja-JP" sz="1800" kern="0">
+                <a:solidFill>
+                  <a:srgbClr val="CCCCCC"/>
+                </a:solidFill>
+                <a:effectLst/>
+                <a:latin typeface="Menlo" panose="020B0609030804020204" pitchFamily="49" charset="0"/>
+                <a:ea typeface="ＭＳ Ｐゴシック" panose="020B0600070205080204" pitchFamily="34" charset="-128"/>
+                <a:cs typeface="Times New Roman" panose="02020603050405020304" pitchFamily="18" charset="0"/>
+              </a:rPr>
+              <a:t> </a:t>
+            </a:r>
+            <a:r>
+              <a:rPr lang="en-US" altLang="ja-JP" sz="1800" kern="0">
+                <a:solidFill>
+                  <a:srgbClr val="D4D4D4"/>
+                </a:solidFill>
+                <a:effectLst/>
+                <a:latin typeface="Menlo" panose="020B0609030804020204" pitchFamily="49" charset="0"/>
+                <a:ea typeface="ＭＳ Ｐゴシック" panose="020B0600070205080204" pitchFamily="34" charset="-128"/>
+                <a:cs typeface="Times New Roman" panose="02020603050405020304" pitchFamily="18" charset="0"/>
+              </a:rPr>
+              <a:t>=</a:t>
+            </a:r>
+            <a:r>
+              <a:rPr lang="en-US" altLang="ja-JP" sz="1800" kern="0">
+                <a:solidFill>
+                  <a:srgbClr val="CCCCCC"/>
+                </a:solidFill>
+                <a:effectLst/>
+                <a:latin typeface="Menlo" panose="020B0609030804020204" pitchFamily="49" charset="0"/>
+                <a:ea typeface="ＭＳ Ｐゴシック" panose="020B0600070205080204" pitchFamily="34" charset="-128"/>
+                <a:cs typeface="Times New Roman" panose="02020603050405020304" pitchFamily="18" charset="0"/>
+              </a:rPr>
+              <a:t> </a:t>
+            </a:r>
+            <a:r>
+              <a:rPr lang="en-US" altLang="ja-JP" sz="1800" kern="0">
+                <a:solidFill>
+                  <a:srgbClr val="B5CEA8"/>
+                </a:solidFill>
+                <a:effectLst/>
+                <a:latin typeface="Menlo" panose="020B0609030804020204" pitchFamily="49" charset="0"/>
+                <a:ea typeface="ＭＳ Ｐゴシック" panose="020B0600070205080204" pitchFamily="34" charset="-128"/>
+                <a:cs typeface="Times New Roman" panose="02020603050405020304" pitchFamily="18" charset="0"/>
+              </a:rPr>
+              <a:t>0</a:t>
+            </a:r>
+            <a:r>
+              <a:rPr lang="en-US" altLang="ja-JP" sz="1800" kern="0">
+                <a:solidFill>
+                  <a:srgbClr val="CCCCCC"/>
+                </a:solidFill>
+                <a:effectLst/>
+                <a:latin typeface="Menlo" panose="020B0609030804020204" pitchFamily="49" charset="0"/>
+                <a:ea typeface="ＭＳ Ｐゴシック" panose="020B0600070205080204" pitchFamily="34" charset="-128"/>
+                <a:cs typeface="Times New Roman" panose="02020603050405020304" pitchFamily="18" charset="0"/>
+              </a:rPr>
+              <a:t>; </a:t>
+            </a:r>
+            <a:r>
+              <a:rPr lang="en-US" altLang="ja-JP" sz="1800" kern="0">
+                <a:solidFill>
+                  <a:srgbClr val="9CDCFE"/>
+                </a:solidFill>
+                <a:effectLst/>
+                <a:latin typeface="Menlo" panose="020B0609030804020204" pitchFamily="49" charset="0"/>
+                <a:ea typeface="ＭＳ Ｐゴシック" panose="020B0600070205080204" pitchFamily="34" charset="-128"/>
+                <a:cs typeface="Times New Roman" panose="02020603050405020304" pitchFamily="18" charset="0"/>
+              </a:rPr>
+              <a:t>b</a:t>
+            </a:r>
+            <a:r>
+              <a:rPr lang="en-US" altLang="ja-JP" sz="1800" kern="0">
+                <a:solidFill>
+                  <a:srgbClr val="CCCCCC"/>
+                </a:solidFill>
+                <a:effectLst/>
+                <a:latin typeface="Menlo" panose="020B0609030804020204" pitchFamily="49" charset="0"/>
+                <a:ea typeface="ＭＳ Ｐゴシック" panose="020B0600070205080204" pitchFamily="34" charset="-128"/>
+                <a:cs typeface="Times New Roman" panose="02020603050405020304" pitchFamily="18" charset="0"/>
+              </a:rPr>
+              <a:t> </a:t>
+            </a:r>
+            <a:r>
+              <a:rPr lang="en-US" altLang="ja-JP" sz="1800" kern="0">
+                <a:solidFill>
+                  <a:srgbClr val="D4D4D4"/>
+                </a:solidFill>
+                <a:effectLst/>
+                <a:latin typeface="Menlo" panose="020B0609030804020204" pitchFamily="49" charset="0"/>
+                <a:ea typeface="ＭＳ Ｐゴシック" panose="020B0600070205080204" pitchFamily="34" charset="-128"/>
+                <a:cs typeface="Times New Roman" panose="02020603050405020304" pitchFamily="18" charset="0"/>
+              </a:rPr>
+              <a:t>&lt;=</a:t>
+            </a:r>
+            <a:r>
+              <a:rPr lang="en-US" altLang="ja-JP" sz="1800" kern="0">
+                <a:solidFill>
+                  <a:srgbClr val="CCCCCC"/>
+                </a:solidFill>
+                <a:effectLst/>
+                <a:latin typeface="Menlo" panose="020B0609030804020204" pitchFamily="49" charset="0"/>
+                <a:ea typeface="ＭＳ Ｐゴシック" panose="020B0600070205080204" pitchFamily="34" charset="-128"/>
+                <a:cs typeface="Times New Roman" panose="02020603050405020304" pitchFamily="18" charset="0"/>
+              </a:rPr>
+              <a:t> </a:t>
+            </a:r>
+            <a:r>
+              <a:rPr lang="en-US" altLang="ja-JP" sz="1800" kern="0">
+                <a:solidFill>
+                  <a:srgbClr val="9CDCFE"/>
+                </a:solidFill>
+                <a:effectLst/>
+                <a:latin typeface="Menlo" panose="020B0609030804020204" pitchFamily="49" charset="0"/>
+                <a:ea typeface="ＭＳ Ｐゴシック" panose="020B0600070205080204" pitchFamily="34" charset="-128"/>
+                <a:cs typeface="Times New Roman" panose="02020603050405020304" pitchFamily="18" charset="0"/>
+              </a:rPr>
+              <a:t>B</a:t>
+            </a:r>
+            <a:r>
+              <a:rPr lang="en-US" altLang="ja-JP" sz="1800" kern="0">
+                <a:solidFill>
+                  <a:srgbClr val="CCCCCC"/>
+                </a:solidFill>
+                <a:effectLst/>
+                <a:latin typeface="Menlo" panose="020B0609030804020204" pitchFamily="49" charset="0"/>
+                <a:ea typeface="ＭＳ Ｐゴシック" panose="020B0600070205080204" pitchFamily="34" charset="-128"/>
+                <a:cs typeface="Times New Roman" panose="02020603050405020304" pitchFamily="18" charset="0"/>
+              </a:rPr>
+              <a:t>; </a:t>
+            </a:r>
+            <a:r>
+              <a:rPr lang="en-US" altLang="ja-JP" sz="1800" kern="0">
+                <a:solidFill>
+                  <a:srgbClr val="9CDCFE"/>
+                </a:solidFill>
+                <a:effectLst/>
+                <a:latin typeface="Menlo" panose="020B0609030804020204" pitchFamily="49" charset="0"/>
+                <a:ea typeface="ＭＳ Ｐゴシック" panose="020B0600070205080204" pitchFamily="34" charset="-128"/>
+                <a:cs typeface="Times New Roman" panose="02020603050405020304" pitchFamily="18" charset="0"/>
+              </a:rPr>
+              <a:t>b</a:t>
+            </a:r>
+            <a:r>
+              <a:rPr lang="en-US" altLang="ja-JP" sz="1800" kern="0">
+                <a:solidFill>
+                  <a:srgbClr val="D4D4D4"/>
+                </a:solidFill>
+                <a:effectLst/>
+                <a:latin typeface="Menlo" panose="020B0609030804020204" pitchFamily="49" charset="0"/>
+                <a:ea typeface="ＭＳ Ｐゴシック" panose="020B0600070205080204" pitchFamily="34" charset="-128"/>
+                <a:cs typeface="Times New Roman" panose="02020603050405020304" pitchFamily="18" charset="0"/>
+              </a:rPr>
+              <a:t>++</a:t>
+            </a:r>
+            <a:r>
+              <a:rPr lang="en-US" altLang="ja-JP" sz="1800" kern="0">
+                <a:solidFill>
+                  <a:srgbClr val="CCCCCC"/>
+                </a:solidFill>
+                <a:effectLst/>
+                <a:latin typeface="Menlo" panose="020B0609030804020204" pitchFamily="49" charset="0"/>
+                <a:ea typeface="ＭＳ Ｐゴシック" panose="020B0600070205080204" pitchFamily="34" charset="-128"/>
+                <a:cs typeface="Times New Roman" panose="02020603050405020304" pitchFamily="18" charset="0"/>
+              </a:rPr>
+              <a:t>) {</a:t>
+            </a:r>
+            <a:endParaRPr lang="ja-JP" altLang="ja-JP" sz="1800" kern="100">
+              <a:effectLst/>
+              <a:latin typeface="游明朝" panose="02020400000000000000" pitchFamily="18" charset="-128"/>
+              <a:ea typeface="游明朝" panose="02020400000000000000" pitchFamily="18" charset="-128"/>
+              <a:cs typeface="Times New Roman" panose="02020603050405020304" pitchFamily="18" charset="0"/>
+            </a:endParaRPr>
+          </a:p>
+          <a:p>
+            <a:pPr algn="l">
+              <a:lnSpc>
+                <a:spcPts val="1950"/>
+              </a:lnSpc>
+            </a:pPr>
+            <a:r>
+              <a:rPr lang="en-US" altLang="ja-JP" sz="1800" kern="0">
+                <a:solidFill>
+                  <a:srgbClr val="CCCCCC"/>
+                </a:solidFill>
+                <a:effectLst/>
+                <a:latin typeface="Menlo" panose="020B0609030804020204" pitchFamily="49" charset="0"/>
+                <a:ea typeface="ＭＳ Ｐゴシック" panose="020B0600070205080204" pitchFamily="34" charset="-128"/>
+                <a:cs typeface="Times New Roman" panose="02020603050405020304" pitchFamily="18" charset="0"/>
+              </a:rPr>
+              <a:t>      </a:t>
+            </a:r>
+            <a:r>
+              <a:rPr lang="en-US" altLang="ja-JP" sz="1800" kern="0">
+                <a:solidFill>
+                  <a:srgbClr val="C586C0"/>
+                </a:solidFill>
+                <a:effectLst/>
+                <a:latin typeface="Menlo" panose="020B0609030804020204" pitchFamily="49" charset="0"/>
+                <a:ea typeface="ＭＳ Ｐゴシック" panose="020B0600070205080204" pitchFamily="34" charset="-128"/>
+                <a:cs typeface="Times New Roman" panose="02020603050405020304" pitchFamily="18" charset="0"/>
+              </a:rPr>
+              <a:t>for</a:t>
+            </a:r>
+            <a:r>
+              <a:rPr lang="en-US" altLang="ja-JP" sz="1800" kern="0">
+                <a:solidFill>
+                  <a:srgbClr val="CCCCCC"/>
+                </a:solidFill>
+                <a:effectLst/>
+                <a:latin typeface="Menlo" panose="020B0609030804020204" pitchFamily="49" charset="0"/>
+                <a:ea typeface="ＭＳ Ｐゴシック" panose="020B0600070205080204" pitchFamily="34" charset="-128"/>
+                <a:cs typeface="Times New Roman" panose="02020603050405020304" pitchFamily="18" charset="0"/>
+              </a:rPr>
+              <a:t> (</a:t>
+            </a:r>
+            <a:r>
+              <a:rPr lang="en-US" altLang="ja-JP" sz="1800" kern="0">
+                <a:solidFill>
+                  <a:srgbClr val="569CD6"/>
+                </a:solidFill>
+                <a:effectLst/>
+                <a:latin typeface="Menlo" panose="020B0609030804020204" pitchFamily="49" charset="0"/>
+                <a:ea typeface="ＭＳ Ｐゴシック" panose="020B0600070205080204" pitchFamily="34" charset="-128"/>
+                <a:cs typeface="Times New Roman" panose="02020603050405020304" pitchFamily="18" charset="0"/>
+              </a:rPr>
+              <a:t>int</a:t>
+            </a:r>
+            <a:r>
+              <a:rPr lang="en-US" altLang="ja-JP" sz="1800" kern="0">
+                <a:solidFill>
+                  <a:srgbClr val="CCCCCC"/>
+                </a:solidFill>
+                <a:effectLst/>
+                <a:latin typeface="Menlo" panose="020B0609030804020204" pitchFamily="49" charset="0"/>
+                <a:ea typeface="ＭＳ Ｐゴシック" panose="020B0600070205080204" pitchFamily="34" charset="-128"/>
+                <a:cs typeface="Times New Roman" panose="02020603050405020304" pitchFamily="18" charset="0"/>
+              </a:rPr>
+              <a:t> </a:t>
+            </a:r>
+            <a:r>
+              <a:rPr lang="en-US" altLang="ja-JP" sz="1800" kern="0">
+                <a:solidFill>
+                  <a:srgbClr val="9CDCFE"/>
+                </a:solidFill>
+                <a:effectLst/>
+                <a:latin typeface="Menlo" panose="020B0609030804020204" pitchFamily="49" charset="0"/>
+                <a:ea typeface="ＭＳ Ｐゴシック" panose="020B0600070205080204" pitchFamily="34" charset="-128"/>
+                <a:cs typeface="Times New Roman" panose="02020603050405020304" pitchFamily="18" charset="0"/>
+              </a:rPr>
+              <a:t>c</a:t>
+            </a:r>
+            <a:r>
+              <a:rPr lang="en-US" altLang="ja-JP" sz="1800" kern="0">
+                <a:solidFill>
+                  <a:srgbClr val="CCCCCC"/>
+                </a:solidFill>
+                <a:effectLst/>
+                <a:latin typeface="Menlo" panose="020B0609030804020204" pitchFamily="49" charset="0"/>
+                <a:ea typeface="ＭＳ Ｐゴシック" panose="020B0600070205080204" pitchFamily="34" charset="-128"/>
+                <a:cs typeface="Times New Roman" panose="02020603050405020304" pitchFamily="18" charset="0"/>
+              </a:rPr>
+              <a:t> </a:t>
+            </a:r>
+            <a:r>
+              <a:rPr lang="en-US" altLang="ja-JP" sz="1800" kern="0">
+                <a:solidFill>
+                  <a:srgbClr val="D4D4D4"/>
+                </a:solidFill>
+                <a:effectLst/>
+                <a:latin typeface="Menlo" panose="020B0609030804020204" pitchFamily="49" charset="0"/>
+                <a:ea typeface="ＭＳ Ｐゴシック" panose="020B0600070205080204" pitchFamily="34" charset="-128"/>
+                <a:cs typeface="Times New Roman" panose="02020603050405020304" pitchFamily="18" charset="0"/>
+              </a:rPr>
+              <a:t>=</a:t>
+            </a:r>
+            <a:r>
+              <a:rPr lang="en-US" altLang="ja-JP" sz="1800" kern="0">
+                <a:solidFill>
+                  <a:srgbClr val="CCCCCC"/>
+                </a:solidFill>
+                <a:effectLst/>
+                <a:latin typeface="Menlo" panose="020B0609030804020204" pitchFamily="49" charset="0"/>
+                <a:ea typeface="ＭＳ Ｐゴシック" panose="020B0600070205080204" pitchFamily="34" charset="-128"/>
+                <a:cs typeface="Times New Roman" panose="02020603050405020304" pitchFamily="18" charset="0"/>
+              </a:rPr>
+              <a:t> </a:t>
+            </a:r>
+            <a:r>
+              <a:rPr lang="en-US" altLang="ja-JP" sz="1800" kern="0">
+                <a:solidFill>
+                  <a:srgbClr val="B5CEA8"/>
+                </a:solidFill>
+                <a:effectLst/>
+                <a:latin typeface="Menlo" panose="020B0609030804020204" pitchFamily="49" charset="0"/>
+                <a:ea typeface="ＭＳ Ｐゴシック" panose="020B0600070205080204" pitchFamily="34" charset="-128"/>
+                <a:cs typeface="Times New Roman" panose="02020603050405020304" pitchFamily="18" charset="0"/>
+              </a:rPr>
+              <a:t>0</a:t>
+            </a:r>
+            <a:r>
+              <a:rPr lang="en-US" altLang="ja-JP" sz="1800" kern="0">
+                <a:solidFill>
+                  <a:srgbClr val="CCCCCC"/>
+                </a:solidFill>
+                <a:effectLst/>
+                <a:latin typeface="Menlo" panose="020B0609030804020204" pitchFamily="49" charset="0"/>
+                <a:ea typeface="ＭＳ Ｐゴシック" panose="020B0600070205080204" pitchFamily="34" charset="-128"/>
+                <a:cs typeface="Times New Roman" panose="02020603050405020304" pitchFamily="18" charset="0"/>
+              </a:rPr>
+              <a:t>; </a:t>
+            </a:r>
+            <a:r>
+              <a:rPr lang="en-US" altLang="ja-JP" sz="1800" kern="0">
+                <a:solidFill>
+                  <a:srgbClr val="9CDCFE"/>
+                </a:solidFill>
+                <a:effectLst/>
+                <a:latin typeface="Menlo" panose="020B0609030804020204" pitchFamily="49" charset="0"/>
+                <a:ea typeface="ＭＳ Ｐゴシック" panose="020B0600070205080204" pitchFamily="34" charset="-128"/>
+                <a:cs typeface="Times New Roman" panose="02020603050405020304" pitchFamily="18" charset="0"/>
+              </a:rPr>
+              <a:t>c</a:t>
+            </a:r>
+            <a:r>
+              <a:rPr lang="en-US" altLang="ja-JP" sz="1800" kern="0">
+                <a:solidFill>
+                  <a:srgbClr val="CCCCCC"/>
+                </a:solidFill>
+                <a:effectLst/>
+                <a:latin typeface="Menlo" panose="020B0609030804020204" pitchFamily="49" charset="0"/>
+                <a:ea typeface="ＭＳ Ｐゴシック" panose="020B0600070205080204" pitchFamily="34" charset="-128"/>
+                <a:cs typeface="Times New Roman" panose="02020603050405020304" pitchFamily="18" charset="0"/>
+              </a:rPr>
+              <a:t> </a:t>
+            </a:r>
+            <a:r>
+              <a:rPr lang="en-US" altLang="ja-JP" sz="1800" kern="0">
+                <a:solidFill>
+                  <a:srgbClr val="D4D4D4"/>
+                </a:solidFill>
+                <a:effectLst/>
+                <a:latin typeface="Menlo" panose="020B0609030804020204" pitchFamily="49" charset="0"/>
+                <a:ea typeface="ＭＳ Ｐゴシック" panose="020B0600070205080204" pitchFamily="34" charset="-128"/>
+                <a:cs typeface="Times New Roman" panose="02020603050405020304" pitchFamily="18" charset="0"/>
+              </a:rPr>
+              <a:t>&lt;=</a:t>
+            </a:r>
+            <a:r>
+              <a:rPr lang="en-US" altLang="ja-JP" sz="1800" kern="0">
+                <a:solidFill>
+                  <a:srgbClr val="CCCCCC"/>
+                </a:solidFill>
+                <a:effectLst/>
+                <a:latin typeface="Menlo" panose="020B0609030804020204" pitchFamily="49" charset="0"/>
+                <a:ea typeface="ＭＳ Ｐゴシック" panose="020B0600070205080204" pitchFamily="34" charset="-128"/>
+                <a:cs typeface="Times New Roman" panose="02020603050405020304" pitchFamily="18" charset="0"/>
+              </a:rPr>
+              <a:t> </a:t>
+            </a:r>
+            <a:r>
+              <a:rPr lang="en-US" altLang="ja-JP" sz="1800" kern="0">
+                <a:solidFill>
+                  <a:srgbClr val="9CDCFE"/>
+                </a:solidFill>
+                <a:effectLst/>
+                <a:latin typeface="Menlo" panose="020B0609030804020204" pitchFamily="49" charset="0"/>
+                <a:ea typeface="ＭＳ Ｐゴシック" panose="020B0600070205080204" pitchFamily="34" charset="-128"/>
+                <a:cs typeface="Times New Roman" panose="02020603050405020304" pitchFamily="18" charset="0"/>
+              </a:rPr>
+              <a:t>C</a:t>
+            </a:r>
+            <a:r>
+              <a:rPr lang="en-US" altLang="ja-JP" sz="1800" kern="0">
+                <a:solidFill>
+                  <a:srgbClr val="CCCCCC"/>
+                </a:solidFill>
+                <a:effectLst/>
+                <a:latin typeface="Menlo" panose="020B0609030804020204" pitchFamily="49" charset="0"/>
+                <a:ea typeface="ＭＳ Ｐゴシック" panose="020B0600070205080204" pitchFamily="34" charset="-128"/>
+                <a:cs typeface="Times New Roman" panose="02020603050405020304" pitchFamily="18" charset="0"/>
+              </a:rPr>
+              <a:t>; </a:t>
+            </a:r>
+            <a:r>
+              <a:rPr lang="en-US" altLang="ja-JP" sz="1800" kern="0">
+                <a:solidFill>
+                  <a:srgbClr val="9CDCFE"/>
+                </a:solidFill>
+                <a:effectLst/>
+                <a:latin typeface="Menlo" panose="020B0609030804020204" pitchFamily="49" charset="0"/>
+                <a:ea typeface="ＭＳ Ｐゴシック" panose="020B0600070205080204" pitchFamily="34" charset="-128"/>
+                <a:cs typeface="Times New Roman" panose="02020603050405020304" pitchFamily="18" charset="0"/>
+              </a:rPr>
+              <a:t>c</a:t>
+            </a:r>
+            <a:r>
+              <a:rPr lang="en-US" altLang="ja-JP" sz="1800" kern="0">
+                <a:solidFill>
+                  <a:srgbClr val="D4D4D4"/>
+                </a:solidFill>
+                <a:effectLst/>
+                <a:latin typeface="Menlo" panose="020B0609030804020204" pitchFamily="49" charset="0"/>
+                <a:ea typeface="ＭＳ Ｐゴシック" panose="020B0600070205080204" pitchFamily="34" charset="-128"/>
+                <a:cs typeface="Times New Roman" panose="02020603050405020304" pitchFamily="18" charset="0"/>
+              </a:rPr>
+              <a:t>++</a:t>
+            </a:r>
+            <a:r>
+              <a:rPr lang="en-US" altLang="ja-JP" sz="1800" kern="0">
+                <a:solidFill>
+                  <a:srgbClr val="CCCCCC"/>
+                </a:solidFill>
+                <a:effectLst/>
+                <a:latin typeface="Menlo" panose="020B0609030804020204" pitchFamily="49" charset="0"/>
+                <a:ea typeface="ＭＳ Ｐゴシック" panose="020B0600070205080204" pitchFamily="34" charset="-128"/>
+                <a:cs typeface="Times New Roman" panose="02020603050405020304" pitchFamily="18" charset="0"/>
+              </a:rPr>
+              <a:t>) {</a:t>
+            </a:r>
+            <a:endParaRPr lang="ja-JP" altLang="ja-JP" sz="1800" kern="100">
+              <a:effectLst/>
+              <a:latin typeface="游明朝" panose="02020400000000000000" pitchFamily="18" charset="-128"/>
+              <a:ea typeface="游明朝" panose="02020400000000000000" pitchFamily="18" charset="-128"/>
+              <a:cs typeface="Times New Roman" panose="02020603050405020304" pitchFamily="18" charset="0"/>
+            </a:endParaRPr>
+          </a:p>
+          <a:p>
+            <a:pPr algn="l">
+              <a:lnSpc>
+                <a:spcPts val="1950"/>
+              </a:lnSpc>
+            </a:pPr>
+            <a:r>
+              <a:rPr lang="en-US" altLang="ja-JP" sz="1800" kern="0">
+                <a:solidFill>
+                  <a:srgbClr val="CCCCCC"/>
+                </a:solidFill>
+                <a:effectLst/>
+                <a:latin typeface="Menlo" panose="020B0609030804020204" pitchFamily="49" charset="0"/>
+                <a:ea typeface="ＭＳ Ｐゴシック" panose="020B0600070205080204" pitchFamily="34" charset="-128"/>
+                <a:cs typeface="Times New Roman" panose="02020603050405020304" pitchFamily="18" charset="0"/>
+              </a:rPr>
+              <a:t>        </a:t>
+            </a:r>
+            <a:r>
+              <a:rPr lang="en-US" altLang="ja-JP" sz="1800" kern="0">
+                <a:solidFill>
+                  <a:srgbClr val="569CD6"/>
+                </a:solidFill>
+                <a:effectLst/>
+                <a:latin typeface="Menlo" panose="020B0609030804020204" pitchFamily="49" charset="0"/>
+                <a:ea typeface="ＭＳ Ｐゴシック" panose="020B0600070205080204" pitchFamily="34" charset="-128"/>
+                <a:cs typeface="Times New Roman" panose="02020603050405020304" pitchFamily="18" charset="0"/>
+              </a:rPr>
+              <a:t>int</a:t>
+            </a:r>
+            <a:r>
+              <a:rPr lang="en-US" altLang="ja-JP" sz="1800" kern="0">
+                <a:solidFill>
+                  <a:srgbClr val="CCCCCC"/>
+                </a:solidFill>
+                <a:effectLst/>
+                <a:latin typeface="Menlo" panose="020B0609030804020204" pitchFamily="49" charset="0"/>
+                <a:ea typeface="ＭＳ Ｐゴシック" panose="020B0600070205080204" pitchFamily="34" charset="-128"/>
+                <a:cs typeface="Times New Roman" panose="02020603050405020304" pitchFamily="18" charset="0"/>
+              </a:rPr>
+              <a:t> </a:t>
+            </a:r>
+            <a:r>
+              <a:rPr lang="en-US" altLang="ja-JP" sz="1800" kern="0">
+                <a:solidFill>
+                  <a:srgbClr val="9CDCFE"/>
+                </a:solidFill>
+                <a:effectLst/>
+                <a:latin typeface="Menlo" panose="020B0609030804020204" pitchFamily="49" charset="0"/>
+                <a:ea typeface="ＭＳ Ｐゴシック" panose="020B0600070205080204" pitchFamily="34" charset="-128"/>
+                <a:cs typeface="Times New Roman" panose="02020603050405020304" pitchFamily="18" charset="0"/>
+              </a:rPr>
+              <a:t>sum</a:t>
+            </a:r>
+            <a:r>
+              <a:rPr lang="en-US" altLang="ja-JP" sz="1800" kern="0">
+                <a:solidFill>
+                  <a:srgbClr val="CCCCCC"/>
+                </a:solidFill>
+                <a:effectLst/>
+                <a:latin typeface="Menlo" panose="020B0609030804020204" pitchFamily="49" charset="0"/>
+                <a:ea typeface="ＭＳ Ｐゴシック" panose="020B0600070205080204" pitchFamily="34" charset="-128"/>
+                <a:cs typeface="Times New Roman" panose="02020603050405020304" pitchFamily="18" charset="0"/>
+              </a:rPr>
+              <a:t> </a:t>
+            </a:r>
+            <a:r>
+              <a:rPr lang="en-US" altLang="ja-JP" sz="1800" kern="0">
+                <a:solidFill>
+                  <a:srgbClr val="D4D4D4"/>
+                </a:solidFill>
+                <a:effectLst/>
+                <a:latin typeface="Menlo" panose="020B0609030804020204" pitchFamily="49" charset="0"/>
+                <a:ea typeface="ＭＳ Ｐゴシック" panose="020B0600070205080204" pitchFamily="34" charset="-128"/>
+                <a:cs typeface="Times New Roman" panose="02020603050405020304" pitchFamily="18" charset="0"/>
+              </a:rPr>
+              <a:t>=</a:t>
+            </a:r>
+            <a:r>
+              <a:rPr lang="en-US" altLang="ja-JP" sz="1800" kern="0">
+                <a:solidFill>
+                  <a:srgbClr val="CCCCCC"/>
+                </a:solidFill>
+                <a:effectLst/>
+                <a:latin typeface="Menlo" panose="020B0609030804020204" pitchFamily="49" charset="0"/>
+                <a:ea typeface="ＭＳ Ｐゴシック" panose="020B0600070205080204" pitchFamily="34" charset="-128"/>
+                <a:cs typeface="Times New Roman" panose="02020603050405020304" pitchFamily="18" charset="0"/>
+              </a:rPr>
+              <a:t> </a:t>
+            </a:r>
+            <a:r>
+              <a:rPr lang="en-US" altLang="ja-JP" sz="1800" kern="0">
+                <a:solidFill>
+                  <a:srgbClr val="B5CEA8"/>
+                </a:solidFill>
+                <a:effectLst/>
+                <a:latin typeface="Menlo" panose="020B0609030804020204" pitchFamily="49" charset="0"/>
+                <a:ea typeface="ＭＳ Ｐゴシック" panose="020B0600070205080204" pitchFamily="34" charset="-128"/>
+                <a:cs typeface="Times New Roman" panose="02020603050405020304" pitchFamily="18" charset="0"/>
+              </a:rPr>
+              <a:t>500</a:t>
+            </a:r>
+            <a:r>
+              <a:rPr lang="en-US" altLang="ja-JP" sz="1800" kern="0">
+                <a:solidFill>
+                  <a:srgbClr val="D4D4D4"/>
+                </a:solidFill>
+                <a:effectLst/>
+                <a:latin typeface="Menlo" panose="020B0609030804020204" pitchFamily="49" charset="0"/>
+                <a:ea typeface="ＭＳ Ｐゴシック" panose="020B0600070205080204" pitchFamily="34" charset="-128"/>
+                <a:cs typeface="Times New Roman" panose="02020603050405020304" pitchFamily="18" charset="0"/>
+              </a:rPr>
+              <a:t>*</a:t>
+            </a:r>
+            <a:r>
+              <a:rPr lang="en-US" altLang="ja-JP" sz="1800" kern="0">
+                <a:solidFill>
+                  <a:srgbClr val="9CDCFE"/>
+                </a:solidFill>
+                <a:effectLst/>
+                <a:latin typeface="Menlo" panose="020B0609030804020204" pitchFamily="49" charset="0"/>
+                <a:ea typeface="ＭＳ Ｐゴシック" panose="020B0600070205080204" pitchFamily="34" charset="-128"/>
+                <a:cs typeface="Times New Roman" panose="02020603050405020304" pitchFamily="18" charset="0"/>
+              </a:rPr>
+              <a:t>a</a:t>
+            </a:r>
+            <a:r>
+              <a:rPr lang="en-US" altLang="ja-JP" sz="1800" kern="0">
+                <a:solidFill>
+                  <a:srgbClr val="CCCCCC"/>
+                </a:solidFill>
+                <a:effectLst/>
+                <a:latin typeface="Menlo" panose="020B0609030804020204" pitchFamily="49" charset="0"/>
+                <a:ea typeface="ＭＳ Ｐゴシック" panose="020B0600070205080204" pitchFamily="34" charset="-128"/>
+                <a:cs typeface="Times New Roman" panose="02020603050405020304" pitchFamily="18" charset="0"/>
+              </a:rPr>
+              <a:t> </a:t>
+            </a:r>
+            <a:r>
+              <a:rPr lang="en-US" altLang="ja-JP" sz="1800" kern="0">
+                <a:solidFill>
+                  <a:srgbClr val="D4D4D4"/>
+                </a:solidFill>
+                <a:effectLst/>
+                <a:latin typeface="Menlo" panose="020B0609030804020204" pitchFamily="49" charset="0"/>
+                <a:ea typeface="ＭＳ Ｐゴシック" panose="020B0600070205080204" pitchFamily="34" charset="-128"/>
+                <a:cs typeface="Times New Roman" panose="02020603050405020304" pitchFamily="18" charset="0"/>
+              </a:rPr>
+              <a:t>+</a:t>
+            </a:r>
+            <a:r>
+              <a:rPr lang="en-US" altLang="ja-JP" sz="1800" kern="0">
+                <a:solidFill>
+                  <a:srgbClr val="CCCCCC"/>
+                </a:solidFill>
+                <a:effectLst/>
+                <a:latin typeface="Menlo" panose="020B0609030804020204" pitchFamily="49" charset="0"/>
+                <a:ea typeface="ＭＳ Ｐゴシック" panose="020B0600070205080204" pitchFamily="34" charset="-128"/>
+                <a:cs typeface="Times New Roman" panose="02020603050405020304" pitchFamily="18" charset="0"/>
+              </a:rPr>
+              <a:t> </a:t>
+            </a:r>
+            <a:r>
+              <a:rPr lang="en-US" altLang="ja-JP" sz="1800" kern="0">
+                <a:solidFill>
+                  <a:srgbClr val="B5CEA8"/>
+                </a:solidFill>
+                <a:effectLst/>
+                <a:latin typeface="Menlo" panose="020B0609030804020204" pitchFamily="49" charset="0"/>
+                <a:ea typeface="ＭＳ Ｐゴシック" panose="020B0600070205080204" pitchFamily="34" charset="-128"/>
+                <a:cs typeface="Times New Roman" panose="02020603050405020304" pitchFamily="18" charset="0"/>
+              </a:rPr>
+              <a:t>100</a:t>
+            </a:r>
+            <a:r>
+              <a:rPr lang="en-US" altLang="ja-JP" sz="1800" kern="0">
+                <a:solidFill>
+                  <a:srgbClr val="D4D4D4"/>
+                </a:solidFill>
+                <a:effectLst/>
+                <a:latin typeface="Menlo" panose="020B0609030804020204" pitchFamily="49" charset="0"/>
+                <a:ea typeface="ＭＳ Ｐゴシック" panose="020B0600070205080204" pitchFamily="34" charset="-128"/>
+                <a:cs typeface="Times New Roman" panose="02020603050405020304" pitchFamily="18" charset="0"/>
+              </a:rPr>
+              <a:t>*</a:t>
+            </a:r>
+            <a:r>
+              <a:rPr lang="en-US" altLang="ja-JP" sz="1800" kern="0">
+                <a:solidFill>
+                  <a:srgbClr val="9CDCFE"/>
+                </a:solidFill>
+                <a:effectLst/>
+                <a:latin typeface="Menlo" panose="020B0609030804020204" pitchFamily="49" charset="0"/>
+                <a:ea typeface="ＭＳ Ｐゴシック" panose="020B0600070205080204" pitchFamily="34" charset="-128"/>
+                <a:cs typeface="Times New Roman" panose="02020603050405020304" pitchFamily="18" charset="0"/>
+              </a:rPr>
+              <a:t>b</a:t>
+            </a:r>
+            <a:r>
+              <a:rPr lang="en-US" altLang="ja-JP" sz="1800" kern="0">
+                <a:solidFill>
+                  <a:srgbClr val="CCCCCC"/>
+                </a:solidFill>
+                <a:effectLst/>
+                <a:latin typeface="Menlo" panose="020B0609030804020204" pitchFamily="49" charset="0"/>
+                <a:ea typeface="ＭＳ Ｐゴシック" panose="020B0600070205080204" pitchFamily="34" charset="-128"/>
+                <a:cs typeface="Times New Roman" panose="02020603050405020304" pitchFamily="18" charset="0"/>
+              </a:rPr>
+              <a:t> </a:t>
+            </a:r>
+            <a:r>
+              <a:rPr lang="en-US" altLang="ja-JP" sz="1800" kern="0">
+                <a:solidFill>
+                  <a:srgbClr val="D4D4D4"/>
+                </a:solidFill>
+                <a:effectLst/>
+                <a:latin typeface="Menlo" panose="020B0609030804020204" pitchFamily="49" charset="0"/>
+                <a:ea typeface="ＭＳ Ｐゴシック" panose="020B0600070205080204" pitchFamily="34" charset="-128"/>
+                <a:cs typeface="Times New Roman" panose="02020603050405020304" pitchFamily="18" charset="0"/>
+              </a:rPr>
+              <a:t>+</a:t>
+            </a:r>
+            <a:r>
+              <a:rPr lang="en-US" altLang="ja-JP" sz="1800" kern="0">
+                <a:solidFill>
+                  <a:srgbClr val="CCCCCC"/>
+                </a:solidFill>
+                <a:effectLst/>
+                <a:latin typeface="Menlo" panose="020B0609030804020204" pitchFamily="49" charset="0"/>
+                <a:ea typeface="ＭＳ Ｐゴシック" panose="020B0600070205080204" pitchFamily="34" charset="-128"/>
+                <a:cs typeface="Times New Roman" panose="02020603050405020304" pitchFamily="18" charset="0"/>
+              </a:rPr>
+              <a:t> </a:t>
+            </a:r>
+            <a:r>
+              <a:rPr lang="en-US" altLang="ja-JP" sz="1800" kern="0">
+                <a:solidFill>
+                  <a:srgbClr val="B5CEA8"/>
+                </a:solidFill>
+                <a:effectLst/>
+                <a:latin typeface="Menlo" panose="020B0609030804020204" pitchFamily="49" charset="0"/>
+                <a:ea typeface="ＭＳ Ｐゴシック" panose="020B0600070205080204" pitchFamily="34" charset="-128"/>
+                <a:cs typeface="Times New Roman" panose="02020603050405020304" pitchFamily="18" charset="0"/>
+              </a:rPr>
+              <a:t>50</a:t>
+            </a:r>
+            <a:r>
+              <a:rPr lang="en-US" altLang="ja-JP" sz="1800" kern="0">
+                <a:solidFill>
+                  <a:srgbClr val="D4D4D4"/>
+                </a:solidFill>
+                <a:effectLst/>
+                <a:latin typeface="Menlo" panose="020B0609030804020204" pitchFamily="49" charset="0"/>
+                <a:ea typeface="ＭＳ Ｐゴシック" panose="020B0600070205080204" pitchFamily="34" charset="-128"/>
+                <a:cs typeface="Times New Roman" panose="02020603050405020304" pitchFamily="18" charset="0"/>
+              </a:rPr>
+              <a:t>*</a:t>
+            </a:r>
+            <a:r>
+              <a:rPr lang="en-US" altLang="ja-JP" sz="1800" kern="0">
+                <a:solidFill>
+                  <a:srgbClr val="9CDCFE"/>
+                </a:solidFill>
+                <a:effectLst/>
+                <a:latin typeface="Menlo" panose="020B0609030804020204" pitchFamily="49" charset="0"/>
+                <a:ea typeface="ＭＳ Ｐゴシック" panose="020B0600070205080204" pitchFamily="34" charset="-128"/>
+                <a:cs typeface="Times New Roman" panose="02020603050405020304" pitchFamily="18" charset="0"/>
+              </a:rPr>
+              <a:t>c</a:t>
+            </a:r>
+            <a:r>
+              <a:rPr lang="en-US" altLang="ja-JP" sz="1800" kern="0">
+                <a:solidFill>
+                  <a:srgbClr val="CCCCCC"/>
+                </a:solidFill>
+                <a:effectLst/>
+                <a:latin typeface="Menlo" panose="020B0609030804020204" pitchFamily="49" charset="0"/>
+                <a:ea typeface="ＭＳ Ｐゴシック" panose="020B0600070205080204" pitchFamily="34" charset="-128"/>
+                <a:cs typeface="Times New Roman" panose="02020603050405020304" pitchFamily="18" charset="0"/>
+              </a:rPr>
+              <a:t>;</a:t>
+            </a:r>
+            <a:endParaRPr lang="ja-JP" altLang="ja-JP" sz="1800" kern="100">
+              <a:effectLst/>
+              <a:latin typeface="游明朝" panose="02020400000000000000" pitchFamily="18" charset="-128"/>
+              <a:ea typeface="游明朝" panose="02020400000000000000" pitchFamily="18" charset="-128"/>
+              <a:cs typeface="Times New Roman" panose="02020603050405020304" pitchFamily="18" charset="0"/>
+            </a:endParaRPr>
+          </a:p>
+          <a:p>
+            <a:pPr algn="l">
+              <a:lnSpc>
+                <a:spcPts val="1950"/>
+              </a:lnSpc>
+            </a:pPr>
+            <a:r>
+              <a:rPr lang="en-US" altLang="ja-JP" sz="1800" kern="0">
+                <a:solidFill>
+                  <a:srgbClr val="CCCCCC"/>
+                </a:solidFill>
+                <a:effectLst/>
+                <a:latin typeface="Menlo" panose="020B0609030804020204" pitchFamily="49" charset="0"/>
+                <a:ea typeface="ＭＳ Ｐゴシック" panose="020B0600070205080204" pitchFamily="34" charset="-128"/>
+                <a:cs typeface="Times New Roman" panose="02020603050405020304" pitchFamily="18" charset="0"/>
+              </a:rPr>
+              <a:t>        </a:t>
+            </a:r>
+            <a:r>
+              <a:rPr lang="en-US" altLang="ja-JP" sz="1800" kern="0">
+                <a:solidFill>
+                  <a:srgbClr val="C586C0"/>
+                </a:solidFill>
+                <a:effectLst/>
+                <a:latin typeface="Menlo" panose="020B0609030804020204" pitchFamily="49" charset="0"/>
+                <a:ea typeface="ＭＳ Ｐゴシック" panose="020B0600070205080204" pitchFamily="34" charset="-128"/>
+                <a:cs typeface="Times New Roman" panose="02020603050405020304" pitchFamily="18" charset="0"/>
+              </a:rPr>
+              <a:t>if</a:t>
+            </a:r>
+            <a:r>
+              <a:rPr lang="en-US" altLang="ja-JP" sz="1800" kern="0">
+                <a:solidFill>
+                  <a:srgbClr val="CCCCCC"/>
+                </a:solidFill>
+                <a:effectLst/>
+                <a:latin typeface="Menlo" panose="020B0609030804020204" pitchFamily="49" charset="0"/>
+                <a:ea typeface="ＭＳ Ｐゴシック" panose="020B0600070205080204" pitchFamily="34" charset="-128"/>
+                <a:cs typeface="Times New Roman" panose="02020603050405020304" pitchFamily="18" charset="0"/>
+              </a:rPr>
+              <a:t> (</a:t>
+            </a:r>
+            <a:r>
+              <a:rPr lang="en-US" altLang="ja-JP" sz="1800" kern="0">
+                <a:solidFill>
+                  <a:srgbClr val="9CDCFE"/>
+                </a:solidFill>
+                <a:effectLst/>
+                <a:latin typeface="Menlo" panose="020B0609030804020204" pitchFamily="49" charset="0"/>
+                <a:ea typeface="ＭＳ Ｐゴシック" panose="020B0600070205080204" pitchFamily="34" charset="-128"/>
+                <a:cs typeface="Times New Roman" panose="02020603050405020304" pitchFamily="18" charset="0"/>
+              </a:rPr>
+              <a:t>sum</a:t>
+            </a:r>
+            <a:r>
+              <a:rPr lang="en-US" altLang="ja-JP" sz="1800" kern="0">
+                <a:solidFill>
+                  <a:srgbClr val="CCCCCC"/>
+                </a:solidFill>
+                <a:effectLst/>
+                <a:latin typeface="Menlo" panose="020B0609030804020204" pitchFamily="49" charset="0"/>
+                <a:ea typeface="ＭＳ Ｐゴシック" panose="020B0600070205080204" pitchFamily="34" charset="-128"/>
+                <a:cs typeface="Times New Roman" panose="02020603050405020304" pitchFamily="18" charset="0"/>
+              </a:rPr>
+              <a:t> </a:t>
+            </a:r>
+            <a:r>
+              <a:rPr lang="en-US" altLang="ja-JP" sz="1800" kern="0">
+                <a:solidFill>
+                  <a:srgbClr val="D4D4D4"/>
+                </a:solidFill>
+                <a:effectLst/>
+                <a:latin typeface="Menlo" panose="020B0609030804020204" pitchFamily="49" charset="0"/>
+                <a:ea typeface="ＭＳ Ｐゴシック" panose="020B0600070205080204" pitchFamily="34" charset="-128"/>
+                <a:cs typeface="Times New Roman" panose="02020603050405020304" pitchFamily="18" charset="0"/>
+              </a:rPr>
+              <a:t>==</a:t>
+            </a:r>
+            <a:r>
+              <a:rPr lang="en-US" altLang="ja-JP" sz="1800" kern="0">
+                <a:solidFill>
+                  <a:srgbClr val="CCCCCC"/>
+                </a:solidFill>
+                <a:effectLst/>
+                <a:latin typeface="Menlo" panose="020B0609030804020204" pitchFamily="49" charset="0"/>
+                <a:ea typeface="ＭＳ Ｐゴシック" panose="020B0600070205080204" pitchFamily="34" charset="-128"/>
+                <a:cs typeface="Times New Roman" panose="02020603050405020304" pitchFamily="18" charset="0"/>
+              </a:rPr>
+              <a:t> </a:t>
+            </a:r>
+            <a:r>
+              <a:rPr lang="en-US" altLang="ja-JP" sz="1800" kern="0">
+                <a:solidFill>
+                  <a:srgbClr val="9CDCFE"/>
+                </a:solidFill>
+                <a:effectLst/>
+                <a:latin typeface="Menlo" panose="020B0609030804020204" pitchFamily="49" charset="0"/>
+                <a:ea typeface="ＭＳ Ｐゴシック" panose="020B0600070205080204" pitchFamily="34" charset="-128"/>
+                <a:cs typeface="Times New Roman" panose="02020603050405020304" pitchFamily="18" charset="0"/>
+              </a:rPr>
+              <a:t>X</a:t>
+            </a:r>
+            <a:r>
+              <a:rPr lang="en-US" altLang="ja-JP" sz="1800" kern="0">
+                <a:solidFill>
+                  <a:srgbClr val="CCCCCC"/>
+                </a:solidFill>
+                <a:effectLst/>
+                <a:latin typeface="Menlo" panose="020B0609030804020204" pitchFamily="49" charset="0"/>
+                <a:ea typeface="ＭＳ Ｐゴシック" panose="020B0600070205080204" pitchFamily="34" charset="-128"/>
+                <a:cs typeface="Times New Roman" panose="02020603050405020304" pitchFamily="18" charset="0"/>
+              </a:rPr>
+              <a:t>) {</a:t>
+            </a:r>
+            <a:endParaRPr lang="ja-JP" altLang="ja-JP" sz="1800" kern="100">
+              <a:effectLst/>
+              <a:latin typeface="游明朝" panose="02020400000000000000" pitchFamily="18" charset="-128"/>
+              <a:ea typeface="游明朝" panose="02020400000000000000" pitchFamily="18" charset="-128"/>
+              <a:cs typeface="Times New Roman" panose="02020603050405020304" pitchFamily="18" charset="0"/>
+            </a:endParaRPr>
+          </a:p>
+          <a:p>
+            <a:pPr algn="l">
+              <a:lnSpc>
+                <a:spcPts val="1950"/>
+              </a:lnSpc>
+            </a:pPr>
+            <a:r>
+              <a:rPr lang="en-US" altLang="ja-JP" sz="1800" kern="0">
+                <a:solidFill>
+                  <a:srgbClr val="CCCCCC"/>
+                </a:solidFill>
+                <a:effectLst/>
+                <a:latin typeface="Menlo" panose="020B0609030804020204" pitchFamily="49" charset="0"/>
+                <a:ea typeface="ＭＳ Ｐゴシック" panose="020B0600070205080204" pitchFamily="34" charset="-128"/>
+                <a:cs typeface="Times New Roman" panose="02020603050405020304" pitchFamily="18" charset="0"/>
+              </a:rPr>
+              <a:t>          </a:t>
+            </a:r>
+            <a:r>
+              <a:rPr lang="en-US" altLang="ja-JP" sz="1800" kern="0">
+                <a:solidFill>
+                  <a:srgbClr val="9CDCFE"/>
+                </a:solidFill>
+                <a:effectLst/>
+                <a:latin typeface="Menlo" panose="020B0609030804020204" pitchFamily="49" charset="0"/>
+                <a:ea typeface="ＭＳ Ｐゴシック" panose="020B0600070205080204" pitchFamily="34" charset="-128"/>
+                <a:cs typeface="Times New Roman" panose="02020603050405020304" pitchFamily="18" charset="0"/>
+              </a:rPr>
+              <a:t>ans</a:t>
+            </a:r>
+            <a:r>
+              <a:rPr lang="en-US" altLang="ja-JP" sz="1800" kern="0">
+                <a:solidFill>
+                  <a:srgbClr val="D4D4D4"/>
+                </a:solidFill>
+                <a:effectLst/>
+                <a:latin typeface="Menlo" panose="020B0609030804020204" pitchFamily="49" charset="0"/>
+                <a:ea typeface="ＭＳ Ｐゴシック" panose="020B0600070205080204" pitchFamily="34" charset="-128"/>
+                <a:cs typeface="Times New Roman" panose="02020603050405020304" pitchFamily="18" charset="0"/>
+              </a:rPr>
+              <a:t>++</a:t>
+            </a:r>
+            <a:r>
+              <a:rPr lang="en-US" altLang="ja-JP" sz="1800" kern="0">
+                <a:solidFill>
+                  <a:srgbClr val="CCCCCC"/>
+                </a:solidFill>
+                <a:effectLst/>
+                <a:latin typeface="Menlo" panose="020B0609030804020204" pitchFamily="49" charset="0"/>
+                <a:ea typeface="ＭＳ Ｐゴシック" panose="020B0600070205080204" pitchFamily="34" charset="-128"/>
+                <a:cs typeface="Times New Roman" panose="02020603050405020304" pitchFamily="18" charset="0"/>
+              </a:rPr>
+              <a:t>;</a:t>
+            </a:r>
+            <a:endParaRPr lang="ja-JP" altLang="ja-JP" sz="1800" kern="100">
+              <a:effectLst/>
+              <a:latin typeface="游明朝" panose="02020400000000000000" pitchFamily="18" charset="-128"/>
+              <a:ea typeface="游明朝" panose="02020400000000000000" pitchFamily="18" charset="-128"/>
+              <a:cs typeface="Times New Roman" panose="02020603050405020304" pitchFamily="18" charset="0"/>
+            </a:endParaRPr>
+          </a:p>
+          <a:p>
+            <a:pPr algn="l">
+              <a:lnSpc>
+                <a:spcPts val="1950"/>
+              </a:lnSpc>
+            </a:pPr>
+            <a:r>
+              <a:rPr lang="en-US" altLang="ja-JP" sz="1800" kern="0">
+                <a:solidFill>
+                  <a:srgbClr val="CCCCCC"/>
+                </a:solidFill>
+                <a:effectLst/>
+                <a:latin typeface="Menlo" panose="020B0609030804020204" pitchFamily="49" charset="0"/>
+                <a:ea typeface="ＭＳ Ｐゴシック" panose="020B0600070205080204" pitchFamily="34" charset="-128"/>
+                <a:cs typeface="Times New Roman" panose="02020603050405020304" pitchFamily="18" charset="0"/>
+              </a:rPr>
+              <a:t>        } </a:t>
+            </a:r>
+            <a:endParaRPr lang="ja-JP" altLang="ja-JP" sz="1800" kern="100">
+              <a:effectLst/>
+              <a:latin typeface="游明朝" panose="02020400000000000000" pitchFamily="18" charset="-128"/>
+              <a:ea typeface="游明朝" panose="02020400000000000000" pitchFamily="18" charset="-128"/>
+              <a:cs typeface="Times New Roman" panose="02020603050405020304" pitchFamily="18" charset="0"/>
+            </a:endParaRPr>
+          </a:p>
+          <a:p>
+            <a:pPr algn="l">
+              <a:lnSpc>
+                <a:spcPts val="1950"/>
+              </a:lnSpc>
+            </a:pPr>
+            <a:r>
+              <a:rPr lang="en-US" altLang="ja-JP" sz="1800" kern="0">
+                <a:solidFill>
+                  <a:srgbClr val="CCCCCC"/>
+                </a:solidFill>
+                <a:effectLst/>
+                <a:latin typeface="Menlo" panose="020B0609030804020204" pitchFamily="49" charset="0"/>
+                <a:ea typeface="ＭＳ Ｐゴシック" panose="020B0600070205080204" pitchFamily="34" charset="-128"/>
+                <a:cs typeface="Times New Roman" panose="02020603050405020304" pitchFamily="18" charset="0"/>
+              </a:rPr>
+              <a:t>      }</a:t>
+            </a:r>
+            <a:endParaRPr lang="ja-JP" altLang="ja-JP" sz="1800" kern="100">
+              <a:effectLst/>
+              <a:latin typeface="游明朝" panose="02020400000000000000" pitchFamily="18" charset="-128"/>
+              <a:ea typeface="游明朝" panose="02020400000000000000" pitchFamily="18" charset="-128"/>
+              <a:cs typeface="Times New Roman" panose="02020603050405020304" pitchFamily="18" charset="0"/>
+            </a:endParaRPr>
+          </a:p>
+          <a:p>
+            <a:pPr algn="l">
+              <a:lnSpc>
+                <a:spcPts val="1950"/>
+              </a:lnSpc>
+            </a:pPr>
+            <a:r>
+              <a:rPr lang="en-US" altLang="ja-JP" sz="1800" kern="0">
+                <a:solidFill>
+                  <a:srgbClr val="CCCCCC"/>
+                </a:solidFill>
+                <a:effectLst/>
+                <a:latin typeface="Menlo" panose="020B0609030804020204" pitchFamily="49" charset="0"/>
+                <a:ea typeface="ＭＳ Ｐゴシック" panose="020B0600070205080204" pitchFamily="34" charset="-128"/>
+                <a:cs typeface="Times New Roman" panose="02020603050405020304" pitchFamily="18" charset="0"/>
+              </a:rPr>
+              <a:t>    }</a:t>
+            </a:r>
+            <a:endParaRPr lang="ja-JP" altLang="ja-JP" sz="1800" kern="100">
+              <a:effectLst/>
+              <a:latin typeface="游明朝" panose="02020400000000000000" pitchFamily="18" charset="-128"/>
+              <a:ea typeface="游明朝" panose="02020400000000000000" pitchFamily="18" charset="-128"/>
+              <a:cs typeface="Times New Roman" panose="02020603050405020304" pitchFamily="18" charset="0"/>
+            </a:endParaRPr>
+          </a:p>
+          <a:p>
+            <a:pPr algn="l">
+              <a:lnSpc>
+                <a:spcPts val="1950"/>
+              </a:lnSpc>
+            </a:pPr>
+            <a:r>
+              <a:rPr lang="en-US" altLang="ja-JP" sz="1800" kern="0">
+                <a:solidFill>
+                  <a:srgbClr val="CCCCCC"/>
+                </a:solidFill>
+                <a:effectLst/>
+                <a:latin typeface="Menlo" panose="020B0609030804020204" pitchFamily="49" charset="0"/>
+                <a:ea typeface="ＭＳ Ｐゴシック" panose="020B0600070205080204" pitchFamily="34" charset="-128"/>
+                <a:cs typeface="Times New Roman" panose="02020603050405020304" pitchFamily="18" charset="0"/>
+              </a:rPr>
+              <a:t>  }</a:t>
+            </a:r>
+            <a:endParaRPr lang="ja-JP" altLang="ja-JP" sz="1800" kern="100">
+              <a:effectLst/>
+              <a:latin typeface="游明朝" panose="02020400000000000000" pitchFamily="18" charset="-128"/>
+              <a:ea typeface="游明朝" panose="02020400000000000000" pitchFamily="18" charset="-128"/>
+              <a:cs typeface="Times New Roman" panose="02020603050405020304" pitchFamily="18" charset="0"/>
+            </a:endParaRPr>
+          </a:p>
+          <a:p>
+            <a:pPr algn="l">
+              <a:lnSpc>
+                <a:spcPts val="1950"/>
+              </a:lnSpc>
+            </a:pPr>
+            <a:r>
+              <a:rPr lang="en-US" altLang="ja-JP" sz="1800" kern="0">
+                <a:solidFill>
+                  <a:srgbClr val="CCCCCC"/>
+                </a:solidFill>
+                <a:effectLst/>
+                <a:latin typeface="Menlo" panose="020B0609030804020204" pitchFamily="49" charset="0"/>
+                <a:ea typeface="ＭＳ Ｐゴシック" panose="020B0600070205080204" pitchFamily="34" charset="-128"/>
+                <a:cs typeface="Times New Roman" panose="02020603050405020304" pitchFamily="18" charset="0"/>
+              </a:rPr>
+              <a:t>  </a:t>
+            </a:r>
+            <a:r>
+              <a:rPr lang="en-US" altLang="ja-JP" sz="1800" kern="0">
+                <a:solidFill>
+                  <a:srgbClr val="9CDCFE"/>
+                </a:solidFill>
+                <a:effectLst/>
+                <a:latin typeface="Menlo" panose="020B0609030804020204" pitchFamily="49" charset="0"/>
+                <a:ea typeface="ＭＳ Ｐゴシック" panose="020B0600070205080204" pitchFamily="34" charset="-128"/>
+                <a:cs typeface="Times New Roman" panose="02020603050405020304" pitchFamily="18" charset="0"/>
+              </a:rPr>
+              <a:t>cout</a:t>
+            </a:r>
+            <a:r>
+              <a:rPr lang="en-US" altLang="ja-JP" sz="1800" kern="0">
+                <a:solidFill>
+                  <a:srgbClr val="CCCCCC"/>
+                </a:solidFill>
+                <a:effectLst/>
+                <a:latin typeface="Menlo" panose="020B0609030804020204" pitchFamily="49" charset="0"/>
+                <a:ea typeface="ＭＳ Ｐゴシック" panose="020B0600070205080204" pitchFamily="34" charset="-128"/>
+                <a:cs typeface="Times New Roman" panose="02020603050405020304" pitchFamily="18" charset="0"/>
+              </a:rPr>
+              <a:t> </a:t>
+            </a:r>
+            <a:r>
+              <a:rPr lang="en-US" altLang="ja-JP" sz="1800" kern="0">
+                <a:solidFill>
+                  <a:srgbClr val="DCDCAA"/>
+                </a:solidFill>
+                <a:effectLst/>
+                <a:latin typeface="Menlo" panose="020B0609030804020204" pitchFamily="49" charset="0"/>
+                <a:ea typeface="ＭＳ Ｐゴシック" panose="020B0600070205080204" pitchFamily="34" charset="-128"/>
+                <a:cs typeface="Times New Roman" panose="02020603050405020304" pitchFamily="18" charset="0"/>
+              </a:rPr>
+              <a:t>&lt;&lt;</a:t>
+            </a:r>
+            <a:r>
+              <a:rPr lang="en-US" altLang="ja-JP" sz="1800" kern="0">
+                <a:solidFill>
+                  <a:srgbClr val="CCCCCC"/>
+                </a:solidFill>
+                <a:effectLst/>
+                <a:latin typeface="Menlo" panose="020B0609030804020204" pitchFamily="49" charset="0"/>
+                <a:ea typeface="ＭＳ Ｐゴシック" panose="020B0600070205080204" pitchFamily="34" charset="-128"/>
+                <a:cs typeface="Times New Roman" panose="02020603050405020304" pitchFamily="18" charset="0"/>
+              </a:rPr>
+              <a:t> </a:t>
+            </a:r>
+            <a:r>
+              <a:rPr lang="en-US" altLang="ja-JP" sz="1800" kern="0">
+                <a:solidFill>
+                  <a:srgbClr val="9CDCFE"/>
+                </a:solidFill>
+                <a:effectLst/>
+                <a:latin typeface="Menlo" panose="020B0609030804020204" pitchFamily="49" charset="0"/>
+                <a:ea typeface="ＭＳ Ｐゴシック" panose="020B0600070205080204" pitchFamily="34" charset="-128"/>
+                <a:cs typeface="Times New Roman" panose="02020603050405020304" pitchFamily="18" charset="0"/>
+              </a:rPr>
+              <a:t>ans</a:t>
+            </a:r>
+            <a:r>
+              <a:rPr lang="en-US" altLang="ja-JP" sz="1800" kern="0">
+                <a:solidFill>
+                  <a:srgbClr val="CCCCCC"/>
+                </a:solidFill>
+                <a:effectLst/>
+                <a:latin typeface="Menlo" panose="020B0609030804020204" pitchFamily="49" charset="0"/>
+                <a:ea typeface="ＭＳ Ｐゴシック" panose="020B0600070205080204" pitchFamily="34" charset="-128"/>
+                <a:cs typeface="Times New Roman" panose="02020603050405020304" pitchFamily="18" charset="0"/>
+              </a:rPr>
+              <a:t> </a:t>
+            </a:r>
+            <a:r>
+              <a:rPr lang="en-US" altLang="ja-JP" sz="1800" kern="0">
+                <a:solidFill>
+                  <a:srgbClr val="DCDCAA"/>
+                </a:solidFill>
+                <a:effectLst/>
+                <a:latin typeface="Menlo" panose="020B0609030804020204" pitchFamily="49" charset="0"/>
+                <a:ea typeface="ＭＳ Ｐゴシック" panose="020B0600070205080204" pitchFamily="34" charset="-128"/>
+                <a:cs typeface="Times New Roman" panose="02020603050405020304" pitchFamily="18" charset="0"/>
+              </a:rPr>
+              <a:t>&lt;&lt;</a:t>
+            </a:r>
+            <a:r>
+              <a:rPr lang="en-US" altLang="ja-JP" sz="1800" kern="0">
+                <a:solidFill>
+                  <a:srgbClr val="CCCCCC"/>
+                </a:solidFill>
+                <a:effectLst/>
+                <a:latin typeface="Menlo" panose="020B0609030804020204" pitchFamily="49" charset="0"/>
+                <a:ea typeface="ＭＳ Ｐゴシック" panose="020B0600070205080204" pitchFamily="34" charset="-128"/>
+                <a:cs typeface="Times New Roman" panose="02020603050405020304" pitchFamily="18" charset="0"/>
+              </a:rPr>
+              <a:t> </a:t>
+            </a:r>
+            <a:r>
+              <a:rPr lang="en-US" altLang="ja-JP" sz="1800" kern="0">
+                <a:solidFill>
+                  <a:srgbClr val="DCDCAA"/>
+                </a:solidFill>
+                <a:effectLst/>
+                <a:latin typeface="Menlo" panose="020B0609030804020204" pitchFamily="49" charset="0"/>
+                <a:ea typeface="ＭＳ Ｐゴシック" panose="020B0600070205080204" pitchFamily="34" charset="-128"/>
+                <a:cs typeface="Times New Roman" panose="02020603050405020304" pitchFamily="18" charset="0"/>
+              </a:rPr>
+              <a:t>endl</a:t>
+            </a:r>
+            <a:r>
+              <a:rPr lang="en-US" altLang="ja-JP" sz="1800" kern="0">
+                <a:solidFill>
+                  <a:srgbClr val="CCCCCC"/>
+                </a:solidFill>
+                <a:effectLst/>
+                <a:latin typeface="Menlo" panose="020B0609030804020204" pitchFamily="49" charset="0"/>
+                <a:ea typeface="ＭＳ Ｐゴシック" panose="020B0600070205080204" pitchFamily="34" charset="-128"/>
+                <a:cs typeface="Times New Roman" panose="02020603050405020304" pitchFamily="18" charset="0"/>
+              </a:rPr>
+              <a:t>;</a:t>
+            </a:r>
+            <a:endParaRPr lang="ja-JP" altLang="ja-JP" sz="1800" kern="100">
+              <a:effectLst/>
+              <a:latin typeface="游明朝" panose="02020400000000000000" pitchFamily="18" charset="-128"/>
+              <a:ea typeface="游明朝" panose="02020400000000000000" pitchFamily="18" charset="-128"/>
+              <a:cs typeface="Times New Roman" panose="02020603050405020304" pitchFamily="18" charset="0"/>
+            </a:endParaRPr>
+          </a:p>
+          <a:p>
+            <a:pPr algn="l">
+              <a:lnSpc>
+                <a:spcPts val="1950"/>
+              </a:lnSpc>
+            </a:pPr>
+            <a:r>
+              <a:rPr lang="en-US" altLang="ja-JP" sz="1800" kern="0">
+                <a:solidFill>
+                  <a:srgbClr val="CCCCCC"/>
+                </a:solidFill>
+                <a:effectLst/>
+                <a:latin typeface="Menlo" panose="020B0609030804020204" pitchFamily="49" charset="0"/>
+                <a:ea typeface="ＭＳ Ｐゴシック" panose="020B0600070205080204" pitchFamily="34" charset="-128"/>
+                <a:cs typeface="Times New Roman" panose="02020603050405020304" pitchFamily="18" charset="0"/>
+              </a:rPr>
+              <a:t>}</a:t>
+            </a:r>
+            <a:endParaRPr lang="ja-JP" altLang="ja-JP" sz="1800" kern="100">
+              <a:effectLst/>
+              <a:latin typeface="游明朝" panose="02020400000000000000" pitchFamily="18" charset="-128"/>
+              <a:ea typeface="游明朝" panose="02020400000000000000" pitchFamily="18" charset="-128"/>
+              <a:cs typeface="Times New Roman" panose="02020603050405020304" pitchFamily="18" charset="0"/>
+            </a:endParaRPr>
+          </a:p>
+        </p:txBody>
+      </p:sp>
+      <p:sp>
+        <p:nvSpPr>
+          <p:cNvPr id="3" name="テキスト ボックス 2">
+            <a:extLst>
+              <a:ext uri="{FF2B5EF4-FFF2-40B4-BE49-F238E27FC236}">
+                <a16:creationId xmlns:a16="http://schemas.microsoft.com/office/drawing/2014/main" id="{56293D2D-4438-1DA2-489D-B40EF83F8A4C}"/>
+              </a:ext>
+            </a:extLst>
+          </p:cNvPr>
+          <p:cNvSpPr txBox="1"/>
+          <p:nvPr/>
+        </p:nvSpPr>
+        <p:spPr>
+          <a:xfrm>
+            <a:off x="6374922" y="2641461"/>
+            <a:ext cx="5484194" cy="4216539"/>
+          </a:xfrm>
+          <a:prstGeom prst="rect">
+            <a:avLst/>
+          </a:prstGeom>
+          <a:solidFill>
+            <a:schemeClr val="tx1"/>
+          </a:solidFill>
+        </p:spPr>
+        <p:txBody>
+          <a:bodyPr wrap="none" rtlCol="0">
+            <a:spAutoFit/>
+          </a:bodyPr>
+          <a:lstStyle/>
+          <a:p>
+            <a:pPr algn="l">
+              <a:lnSpc>
+                <a:spcPts val="1950"/>
+              </a:lnSpc>
+            </a:pPr>
+            <a:r>
+              <a:rPr lang="en-US" altLang="ja-JP" sz="1800" kern="0">
+                <a:solidFill>
+                  <a:srgbClr val="4FC1FF"/>
+                </a:solidFill>
+                <a:effectLst/>
+                <a:latin typeface="Menlo" panose="020B0609030804020204" pitchFamily="49" charset="0"/>
+                <a:ea typeface="ＭＳ Ｐゴシック" panose="020B0600070205080204" pitchFamily="34" charset="-128"/>
+                <a:cs typeface="Times New Roman" panose="02020603050405020304" pitchFamily="18" charset="0"/>
+              </a:rPr>
+              <a:t>A</a:t>
+            </a:r>
+            <a:r>
+              <a:rPr lang="en-US" altLang="ja-JP" sz="1800" kern="0">
+                <a:solidFill>
+                  <a:srgbClr val="CCCCCC"/>
+                </a:solidFill>
+                <a:effectLst/>
+                <a:latin typeface="Menlo" panose="020B0609030804020204" pitchFamily="49" charset="0"/>
+                <a:ea typeface="ＭＳ Ｐゴシック" panose="020B0600070205080204" pitchFamily="34" charset="-128"/>
+                <a:cs typeface="Times New Roman" panose="02020603050405020304" pitchFamily="18" charset="0"/>
+              </a:rPr>
+              <a:t> </a:t>
+            </a:r>
+            <a:r>
+              <a:rPr lang="en-US" altLang="ja-JP" sz="1800" kern="0">
+                <a:solidFill>
+                  <a:srgbClr val="D4D4D4"/>
+                </a:solidFill>
+                <a:effectLst/>
+                <a:latin typeface="Menlo" panose="020B0609030804020204" pitchFamily="49" charset="0"/>
+                <a:ea typeface="ＭＳ Ｐゴシック" panose="020B0600070205080204" pitchFamily="34" charset="-128"/>
+                <a:cs typeface="Times New Roman" panose="02020603050405020304" pitchFamily="18" charset="0"/>
+              </a:rPr>
+              <a:t>=</a:t>
+            </a:r>
+            <a:r>
+              <a:rPr lang="en-US" altLang="ja-JP" sz="1800" kern="0">
+                <a:solidFill>
+                  <a:srgbClr val="CCCCCC"/>
+                </a:solidFill>
+                <a:effectLst/>
+                <a:latin typeface="Menlo" panose="020B0609030804020204" pitchFamily="49" charset="0"/>
+                <a:ea typeface="ＭＳ Ｐゴシック" panose="020B0600070205080204" pitchFamily="34" charset="-128"/>
+                <a:cs typeface="Times New Roman" panose="02020603050405020304" pitchFamily="18" charset="0"/>
+              </a:rPr>
+              <a:t> </a:t>
+            </a:r>
+            <a:r>
+              <a:rPr lang="en-US" altLang="ja-JP" sz="1800" kern="0">
+                <a:solidFill>
+                  <a:srgbClr val="4EC9B0"/>
+                </a:solidFill>
+                <a:effectLst/>
+                <a:latin typeface="Menlo" panose="020B0609030804020204" pitchFamily="49" charset="0"/>
+                <a:ea typeface="ＭＳ Ｐゴシック" panose="020B0600070205080204" pitchFamily="34" charset="-128"/>
+                <a:cs typeface="Times New Roman" panose="02020603050405020304" pitchFamily="18" charset="0"/>
+              </a:rPr>
+              <a:t>int</a:t>
+            </a:r>
+            <a:r>
+              <a:rPr lang="en-US" altLang="ja-JP" sz="1800" kern="0">
+                <a:solidFill>
+                  <a:srgbClr val="CCCCCC"/>
+                </a:solidFill>
+                <a:effectLst/>
+                <a:latin typeface="Menlo" panose="020B0609030804020204" pitchFamily="49" charset="0"/>
+                <a:ea typeface="ＭＳ Ｐゴシック" panose="020B0600070205080204" pitchFamily="34" charset="-128"/>
+                <a:cs typeface="Times New Roman" panose="02020603050405020304" pitchFamily="18" charset="0"/>
+              </a:rPr>
+              <a:t>(</a:t>
+            </a:r>
+            <a:r>
+              <a:rPr lang="en-US" altLang="ja-JP" sz="1800" kern="0">
+                <a:solidFill>
+                  <a:srgbClr val="DCDCAA"/>
+                </a:solidFill>
+                <a:effectLst/>
+                <a:latin typeface="Menlo" panose="020B0609030804020204" pitchFamily="49" charset="0"/>
+                <a:ea typeface="ＭＳ Ｐゴシック" panose="020B0600070205080204" pitchFamily="34" charset="-128"/>
+                <a:cs typeface="Times New Roman" panose="02020603050405020304" pitchFamily="18" charset="0"/>
+              </a:rPr>
+              <a:t>input</a:t>
+            </a:r>
+            <a:r>
+              <a:rPr lang="en-US" altLang="ja-JP" sz="1800" kern="0">
+                <a:solidFill>
+                  <a:srgbClr val="CCCCCC"/>
+                </a:solidFill>
+                <a:effectLst/>
+                <a:latin typeface="Menlo" panose="020B0609030804020204" pitchFamily="49" charset="0"/>
+                <a:ea typeface="ＭＳ Ｐゴシック" panose="020B0600070205080204" pitchFamily="34" charset="-128"/>
+                <a:cs typeface="Times New Roman" panose="02020603050405020304" pitchFamily="18" charset="0"/>
+              </a:rPr>
+              <a:t>())</a:t>
+            </a:r>
+            <a:endParaRPr lang="ja-JP" altLang="ja-JP" sz="1800" kern="100">
+              <a:effectLst/>
+              <a:latin typeface="游明朝" panose="02020400000000000000" pitchFamily="18" charset="-128"/>
+              <a:ea typeface="游明朝" panose="02020400000000000000" pitchFamily="18" charset="-128"/>
+              <a:cs typeface="Times New Roman" panose="02020603050405020304" pitchFamily="18" charset="0"/>
+            </a:endParaRPr>
+          </a:p>
+          <a:p>
+            <a:pPr algn="l">
+              <a:lnSpc>
+                <a:spcPts val="1950"/>
+              </a:lnSpc>
+            </a:pPr>
+            <a:r>
+              <a:rPr lang="en-US" altLang="ja-JP" sz="1800" kern="0">
+                <a:solidFill>
+                  <a:srgbClr val="4FC1FF"/>
+                </a:solidFill>
+                <a:effectLst/>
+                <a:latin typeface="Menlo" panose="020B0609030804020204" pitchFamily="49" charset="0"/>
+                <a:ea typeface="ＭＳ Ｐゴシック" panose="020B0600070205080204" pitchFamily="34" charset="-128"/>
+                <a:cs typeface="Times New Roman" panose="02020603050405020304" pitchFamily="18" charset="0"/>
+              </a:rPr>
+              <a:t>B</a:t>
+            </a:r>
+            <a:r>
+              <a:rPr lang="en-US" altLang="ja-JP" sz="1800" kern="0">
+                <a:solidFill>
+                  <a:srgbClr val="CCCCCC"/>
+                </a:solidFill>
+                <a:effectLst/>
+                <a:latin typeface="Menlo" panose="020B0609030804020204" pitchFamily="49" charset="0"/>
+                <a:ea typeface="ＭＳ Ｐゴシック" panose="020B0600070205080204" pitchFamily="34" charset="-128"/>
+                <a:cs typeface="Times New Roman" panose="02020603050405020304" pitchFamily="18" charset="0"/>
+              </a:rPr>
+              <a:t> </a:t>
+            </a:r>
+            <a:r>
+              <a:rPr lang="en-US" altLang="ja-JP" sz="1800" kern="0">
+                <a:solidFill>
+                  <a:srgbClr val="D4D4D4"/>
+                </a:solidFill>
+                <a:effectLst/>
+                <a:latin typeface="Menlo" panose="020B0609030804020204" pitchFamily="49" charset="0"/>
+                <a:ea typeface="ＭＳ Ｐゴシック" panose="020B0600070205080204" pitchFamily="34" charset="-128"/>
+                <a:cs typeface="Times New Roman" panose="02020603050405020304" pitchFamily="18" charset="0"/>
+              </a:rPr>
+              <a:t>=</a:t>
+            </a:r>
+            <a:r>
+              <a:rPr lang="en-US" altLang="ja-JP" sz="1800" kern="0">
+                <a:solidFill>
+                  <a:srgbClr val="CCCCCC"/>
+                </a:solidFill>
+                <a:effectLst/>
+                <a:latin typeface="Menlo" panose="020B0609030804020204" pitchFamily="49" charset="0"/>
+                <a:ea typeface="ＭＳ Ｐゴシック" panose="020B0600070205080204" pitchFamily="34" charset="-128"/>
+                <a:cs typeface="Times New Roman" panose="02020603050405020304" pitchFamily="18" charset="0"/>
+              </a:rPr>
+              <a:t> </a:t>
+            </a:r>
+            <a:r>
+              <a:rPr lang="en-US" altLang="ja-JP" sz="1800" kern="0">
+                <a:solidFill>
+                  <a:srgbClr val="4EC9B0"/>
+                </a:solidFill>
+                <a:effectLst/>
+                <a:latin typeface="Menlo" panose="020B0609030804020204" pitchFamily="49" charset="0"/>
+                <a:ea typeface="ＭＳ Ｐゴシック" panose="020B0600070205080204" pitchFamily="34" charset="-128"/>
+                <a:cs typeface="Times New Roman" panose="02020603050405020304" pitchFamily="18" charset="0"/>
+              </a:rPr>
+              <a:t>int</a:t>
+            </a:r>
+            <a:r>
+              <a:rPr lang="en-US" altLang="ja-JP" sz="1800" kern="0">
+                <a:solidFill>
+                  <a:srgbClr val="CCCCCC"/>
+                </a:solidFill>
+                <a:effectLst/>
+                <a:latin typeface="Menlo" panose="020B0609030804020204" pitchFamily="49" charset="0"/>
+                <a:ea typeface="ＭＳ Ｐゴシック" panose="020B0600070205080204" pitchFamily="34" charset="-128"/>
+                <a:cs typeface="Times New Roman" panose="02020603050405020304" pitchFamily="18" charset="0"/>
+              </a:rPr>
+              <a:t>(</a:t>
+            </a:r>
+            <a:r>
+              <a:rPr lang="en-US" altLang="ja-JP" sz="1800" kern="0">
+                <a:solidFill>
+                  <a:srgbClr val="DCDCAA"/>
+                </a:solidFill>
+                <a:effectLst/>
+                <a:latin typeface="Menlo" panose="020B0609030804020204" pitchFamily="49" charset="0"/>
+                <a:ea typeface="ＭＳ Ｐゴシック" panose="020B0600070205080204" pitchFamily="34" charset="-128"/>
+                <a:cs typeface="Times New Roman" panose="02020603050405020304" pitchFamily="18" charset="0"/>
+              </a:rPr>
+              <a:t>input</a:t>
+            </a:r>
+            <a:r>
+              <a:rPr lang="en-US" altLang="ja-JP" sz="1800" kern="0">
+                <a:solidFill>
+                  <a:srgbClr val="CCCCCC"/>
+                </a:solidFill>
+                <a:effectLst/>
+                <a:latin typeface="Menlo" panose="020B0609030804020204" pitchFamily="49" charset="0"/>
+                <a:ea typeface="ＭＳ Ｐゴシック" panose="020B0600070205080204" pitchFamily="34" charset="-128"/>
+                <a:cs typeface="Times New Roman" panose="02020603050405020304" pitchFamily="18" charset="0"/>
+              </a:rPr>
+              <a:t>())</a:t>
+            </a:r>
+            <a:endParaRPr lang="ja-JP" altLang="ja-JP" sz="1800" kern="100">
+              <a:effectLst/>
+              <a:latin typeface="游明朝" panose="02020400000000000000" pitchFamily="18" charset="-128"/>
+              <a:ea typeface="游明朝" panose="02020400000000000000" pitchFamily="18" charset="-128"/>
+              <a:cs typeface="Times New Roman" panose="02020603050405020304" pitchFamily="18" charset="0"/>
+            </a:endParaRPr>
+          </a:p>
+          <a:p>
+            <a:pPr algn="l">
+              <a:lnSpc>
+                <a:spcPts val="1950"/>
+              </a:lnSpc>
+            </a:pPr>
+            <a:r>
+              <a:rPr lang="en-US" altLang="ja-JP" sz="1800" kern="0">
+                <a:solidFill>
+                  <a:srgbClr val="4FC1FF"/>
+                </a:solidFill>
+                <a:effectLst/>
+                <a:latin typeface="Menlo" panose="020B0609030804020204" pitchFamily="49" charset="0"/>
+                <a:ea typeface="ＭＳ Ｐゴシック" panose="020B0600070205080204" pitchFamily="34" charset="-128"/>
+                <a:cs typeface="Times New Roman" panose="02020603050405020304" pitchFamily="18" charset="0"/>
+              </a:rPr>
+              <a:t>C</a:t>
+            </a:r>
+            <a:r>
+              <a:rPr lang="en-US" altLang="ja-JP" sz="1800" kern="0">
+                <a:solidFill>
+                  <a:srgbClr val="CCCCCC"/>
+                </a:solidFill>
+                <a:effectLst/>
+                <a:latin typeface="Menlo" panose="020B0609030804020204" pitchFamily="49" charset="0"/>
+                <a:ea typeface="ＭＳ Ｐゴシック" panose="020B0600070205080204" pitchFamily="34" charset="-128"/>
+                <a:cs typeface="Times New Roman" panose="02020603050405020304" pitchFamily="18" charset="0"/>
+              </a:rPr>
+              <a:t> </a:t>
+            </a:r>
+            <a:r>
+              <a:rPr lang="en-US" altLang="ja-JP" sz="1800" kern="0">
+                <a:solidFill>
+                  <a:srgbClr val="D4D4D4"/>
+                </a:solidFill>
+                <a:effectLst/>
+                <a:latin typeface="Menlo" panose="020B0609030804020204" pitchFamily="49" charset="0"/>
+                <a:ea typeface="ＭＳ Ｐゴシック" panose="020B0600070205080204" pitchFamily="34" charset="-128"/>
+                <a:cs typeface="Times New Roman" panose="02020603050405020304" pitchFamily="18" charset="0"/>
+              </a:rPr>
+              <a:t>=</a:t>
+            </a:r>
+            <a:r>
+              <a:rPr lang="en-US" altLang="ja-JP" sz="1800" kern="0">
+                <a:solidFill>
+                  <a:srgbClr val="CCCCCC"/>
+                </a:solidFill>
+                <a:effectLst/>
+                <a:latin typeface="Menlo" panose="020B0609030804020204" pitchFamily="49" charset="0"/>
+                <a:ea typeface="ＭＳ Ｐゴシック" panose="020B0600070205080204" pitchFamily="34" charset="-128"/>
+                <a:cs typeface="Times New Roman" panose="02020603050405020304" pitchFamily="18" charset="0"/>
+              </a:rPr>
+              <a:t> </a:t>
+            </a:r>
+            <a:r>
+              <a:rPr lang="en-US" altLang="ja-JP" sz="1800" kern="0">
+                <a:solidFill>
+                  <a:srgbClr val="4EC9B0"/>
+                </a:solidFill>
+                <a:effectLst/>
+                <a:latin typeface="Menlo" panose="020B0609030804020204" pitchFamily="49" charset="0"/>
+                <a:ea typeface="ＭＳ Ｐゴシック" panose="020B0600070205080204" pitchFamily="34" charset="-128"/>
+                <a:cs typeface="Times New Roman" panose="02020603050405020304" pitchFamily="18" charset="0"/>
+              </a:rPr>
+              <a:t>int</a:t>
+            </a:r>
+            <a:r>
+              <a:rPr lang="en-US" altLang="ja-JP" sz="1800" kern="0">
+                <a:solidFill>
+                  <a:srgbClr val="CCCCCC"/>
+                </a:solidFill>
+                <a:effectLst/>
+                <a:latin typeface="Menlo" panose="020B0609030804020204" pitchFamily="49" charset="0"/>
+                <a:ea typeface="ＭＳ Ｐゴシック" panose="020B0600070205080204" pitchFamily="34" charset="-128"/>
+                <a:cs typeface="Times New Roman" panose="02020603050405020304" pitchFamily="18" charset="0"/>
+              </a:rPr>
+              <a:t>(</a:t>
+            </a:r>
+            <a:r>
+              <a:rPr lang="en-US" altLang="ja-JP" sz="1800" kern="0">
+                <a:solidFill>
+                  <a:srgbClr val="DCDCAA"/>
+                </a:solidFill>
+                <a:effectLst/>
+                <a:latin typeface="Menlo" panose="020B0609030804020204" pitchFamily="49" charset="0"/>
+                <a:ea typeface="ＭＳ Ｐゴシック" panose="020B0600070205080204" pitchFamily="34" charset="-128"/>
+                <a:cs typeface="Times New Roman" panose="02020603050405020304" pitchFamily="18" charset="0"/>
+              </a:rPr>
+              <a:t>input</a:t>
+            </a:r>
+            <a:r>
+              <a:rPr lang="en-US" altLang="ja-JP" sz="1800" kern="0">
+                <a:solidFill>
+                  <a:srgbClr val="CCCCCC"/>
+                </a:solidFill>
+                <a:effectLst/>
+                <a:latin typeface="Menlo" panose="020B0609030804020204" pitchFamily="49" charset="0"/>
+                <a:ea typeface="ＭＳ Ｐゴシック" panose="020B0600070205080204" pitchFamily="34" charset="-128"/>
+                <a:cs typeface="Times New Roman" panose="02020603050405020304" pitchFamily="18" charset="0"/>
+              </a:rPr>
+              <a:t>())</a:t>
+            </a:r>
+            <a:endParaRPr lang="ja-JP" altLang="ja-JP" sz="1800" kern="100">
+              <a:effectLst/>
+              <a:latin typeface="游明朝" panose="02020400000000000000" pitchFamily="18" charset="-128"/>
+              <a:ea typeface="游明朝" panose="02020400000000000000" pitchFamily="18" charset="-128"/>
+              <a:cs typeface="Times New Roman" panose="02020603050405020304" pitchFamily="18" charset="0"/>
+            </a:endParaRPr>
+          </a:p>
+          <a:p>
+            <a:pPr algn="l">
+              <a:lnSpc>
+                <a:spcPts val="1950"/>
+              </a:lnSpc>
+            </a:pPr>
+            <a:r>
+              <a:rPr lang="en-US" altLang="ja-JP" sz="1800" kern="0">
+                <a:solidFill>
+                  <a:srgbClr val="4FC1FF"/>
+                </a:solidFill>
+                <a:effectLst/>
+                <a:latin typeface="Menlo" panose="020B0609030804020204" pitchFamily="49" charset="0"/>
+                <a:ea typeface="ＭＳ Ｐゴシック" panose="020B0600070205080204" pitchFamily="34" charset="-128"/>
+                <a:cs typeface="Times New Roman" panose="02020603050405020304" pitchFamily="18" charset="0"/>
+              </a:rPr>
+              <a:t>X</a:t>
+            </a:r>
+            <a:r>
+              <a:rPr lang="en-US" altLang="ja-JP" sz="1800" kern="0">
+                <a:solidFill>
+                  <a:srgbClr val="CCCCCC"/>
+                </a:solidFill>
+                <a:effectLst/>
+                <a:latin typeface="Menlo" panose="020B0609030804020204" pitchFamily="49" charset="0"/>
+                <a:ea typeface="ＭＳ Ｐゴシック" panose="020B0600070205080204" pitchFamily="34" charset="-128"/>
+                <a:cs typeface="Times New Roman" panose="02020603050405020304" pitchFamily="18" charset="0"/>
+              </a:rPr>
+              <a:t> </a:t>
+            </a:r>
+            <a:r>
+              <a:rPr lang="en-US" altLang="ja-JP" sz="1800" kern="0">
+                <a:solidFill>
+                  <a:srgbClr val="D4D4D4"/>
+                </a:solidFill>
+                <a:effectLst/>
+                <a:latin typeface="Menlo" panose="020B0609030804020204" pitchFamily="49" charset="0"/>
+                <a:ea typeface="ＭＳ Ｐゴシック" panose="020B0600070205080204" pitchFamily="34" charset="-128"/>
+                <a:cs typeface="Times New Roman" panose="02020603050405020304" pitchFamily="18" charset="0"/>
+              </a:rPr>
+              <a:t>=</a:t>
+            </a:r>
+            <a:r>
+              <a:rPr lang="en-US" altLang="ja-JP" sz="1800" kern="0">
+                <a:solidFill>
+                  <a:srgbClr val="CCCCCC"/>
+                </a:solidFill>
+                <a:effectLst/>
+                <a:latin typeface="Menlo" panose="020B0609030804020204" pitchFamily="49" charset="0"/>
+                <a:ea typeface="ＭＳ Ｐゴシック" panose="020B0600070205080204" pitchFamily="34" charset="-128"/>
+                <a:cs typeface="Times New Roman" panose="02020603050405020304" pitchFamily="18" charset="0"/>
+              </a:rPr>
+              <a:t> </a:t>
+            </a:r>
+            <a:r>
+              <a:rPr lang="en-US" altLang="ja-JP" sz="1800" kern="0">
+                <a:solidFill>
+                  <a:srgbClr val="4EC9B0"/>
+                </a:solidFill>
+                <a:effectLst/>
+                <a:latin typeface="Menlo" panose="020B0609030804020204" pitchFamily="49" charset="0"/>
+                <a:ea typeface="ＭＳ Ｐゴシック" panose="020B0600070205080204" pitchFamily="34" charset="-128"/>
+                <a:cs typeface="Times New Roman" panose="02020603050405020304" pitchFamily="18" charset="0"/>
+              </a:rPr>
+              <a:t>int</a:t>
+            </a:r>
+            <a:r>
+              <a:rPr lang="en-US" altLang="ja-JP" sz="1800" kern="0">
+                <a:solidFill>
+                  <a:srgbClr val="CCCCCC"/>
+                </a:solidFill>
+                <a:effectLst/>
+                <a:latin typeface="Menlo" panose="020B0609030804020204" pitchFamily="49" charset="0"/>
+                <a:ea typeface="ＭＳ Ｐゴシック" panose="020B0600070205080204" pitchFamily="34" charset="-128"/>
+                <a:cs typeface="Times New Roman" panose="02020603050405020304" pitchFamily="18" charset="0"/>
+              </a:rPr>
+              <a:t>(</a:t>
+            </a:r>
+            <a:r>
+              <a:rPr lang="en-US" altLang="ja-JP" sz="1800" kern="0">
+                <a:solidFill>
+                  <a:srgbClr val="DCDCAA"/>
+                </a:solidFill>
+                <a:effectLst/>
+                <a:latin typeface="Menlo" panose="020B0609030804020204" pitchFamily="49" charset="0"/>
+                <a:ea typeface="ＭＳ Ｐゴシック" panose="020B0600070205080204" pitchFamily="34" charset="-128"/>
+                <a:cs typeface="Times New Roman" panose="02020603050405020304" pitchFamily="18" charset="0"/>
+              </a:rPr>
+              <a:t>input</a:t>
+            </a:r>
+            <a:r>
+              <a:rPr lang="en-US" altLang="ja-JP" sz="1800" kern="0">
+                <a:solidFill>
+                  <a:srgbClr val="CCCCCC"/>
+                </a:solidFill>
+                <a:effectLst/>
+                <a:latin typeface="Menlo" panose="020B0609030804020204" pitchFamily="49" charset="0"/>
+                <a:ea typeface="ＭＳ Ｐゴシック" panose="020B0600070205080204" pitchFamily="34" charset="-128"/>
+                <a:cs typeface="Times New Roman" panose="02020603050405020304" pitchFamily="18" charset="0"/>
+              </a:rPr>
+              <a:t>())</a:t>
+            </a:r>
+            <a:endParaRPr lang="ja-JP" altLang="ja-JP" sz="1800" kern="100">
+              <a:effectLst/>
+              <a:latin typeface="游明朝" panose="02020400000000000000" pitchFamily="18" charset="-128"/>
+              <a:ea typeface="游明朝" panose="02020400000000000000" pitchFamily="18" charset="-128"/>
+              <a:cs typeface="Times New Roman" panose="02020603050405020304" pitchFamily="18" charset="0"/>
+            </a:endParaRPr>
+          </a:p>
+          <a:p>
+            <a:pPr algn="l">
+              <a:lnSpc>
+                <a:spcPts val="1950"/>
+              </a:lnSpc>
+            </a:pPr>
+            <a:r>
+              <a:rPr lang="en-US" altLang="ja-JP" sz="1800" kern="0">
+                <a:solidFill>
+                  <a:srgbClr val="CCCCCC"/>
+                </a:solidFill>
+                <a:effectLst/>
+                <a:latin typeface="Menlo" panose="020B0609030804020204" pitchFamily="49" charset="0"/>
+                <a:ea typeface="ＭＳ Ｐゴシック" panose="020B0600070205080204" pitchFamily="34" charset="-128"/>
+                <a:cs typeface="Times New Roman" panose="02020603050405020304" pitchFamily="18" charset="0"/>
+              </a:rPr>
+              <a:t> </a:t>
+            </a:r>
+            <a:endParaRPr lang="ja-JP" altLang="ja-JP" sz="1800" kern="100">
+              <a:effectLst/>
+              <a:latin typeface="游明朝" panose="02020400000000000000" pitchFamily="18" charset="-128"/>
+              <a:ea typeface="游明朝" panose="02020400000000000000" pitchFamily="18" charset="-128"/>
+              <a:cs typeface="Times New Roman" panose="02020603050405020304" pitchFamily="18" charset="0"/>
+            </a:endParaRPr>
+          </a:p>
+          <a:p>
+            <a:pPr algn="l">
+              <a:lnSpc>
+                <a:spcPts val="1950"/>
+              </a:lnSpc>
+            </a:pPr>
+            <a:r>
+              <a:rPr lang="en-US" altLang="ja-JP" sz="1800" kern="0">
+                <a:solidFill>
+                  <a:srgbClr val="9CDCFE"/>
+                </a:solidFill>
+                <a:effectLst/>
+                <a:latin typeface="Menlo" panose="020B0609030804020204" pitchFamily="49" charset="0"/>
+                <a:ea typeface="ＭＳ Ｐゴシック" panose="020B0600070205080204" pitchFamily="34" charset="-128"/>
+                <a:cs typeface="Times New Roman" panose="02020603050405020304" pitchFamily="18" charset="0"/>
+              </a:rPr>
+              <a:t>ans</a:t>
+            </a:r>
+            <a:r>
+              <a:rPr lang="en-US" altLang="ja-JP" sz="1800" kern="0">
+                <a:solidFill>
+                  <a:srgbClr val="CCCCCC"/>
+                </a:solidFill>
+                <a:effectLst/>
+                <a:latin typeface="Menlo" panose="020B0609030804020204" pitchFamily="49" charset="0"/>
+                <a:ea typeface="ＭＳ Ｐゴシック" panose="020B0600070205080204" pitchFamily="34" charset="-128"/>
+                <a:cs typeface="Times New Roman" panose="02020603050405020304" pitchFamily="18" charset="0"/>
+              </a:rPr>
+              <a:t> </a:t>
+            </a:r>
+            <a:r>
+              <a:rPr lang="en-US" altLang="ja-JP" sz="1800" kern="0">
+                <a:solidFill>
+                  <a:srgbClr val="D4D4D4"/>
+                </a:solidFill>
+                <a:effectLst/>
+                <a:latin typeface="Menlo" panose="020B0609030804020204" pitchFamily="49" charset="0"/>
+                <a:ea typeface="ＭＳ Ｐゴシック" panose="020B0600070205080204" pitchFamily="34" charset="-128"/>
+                <a:cs typeface="Times New Roman" panose="02020603050405020304" pitchFamily="18" charset="0"/>
+              </a:rPr>
+              <a:t>=</a:t>
+            </a:r>
+            <a:r>
+              <a:rPr lang="en-US" altLang="ja-JP" sz="1800" kern="0">
+                <a:solidFill>
+                  <a:srgbClr val="CCCCCC"/>
+                </a:solidFill>
+                <a:effectLst/>
+                <a:latin typeface="Menlo" panose="020B0609030804020204" pitchFamily="49" charset="0"/>
+                <a:ea typeface="ＭＳ Ｐゴシック" panose="020B0600070205080204" pitchFamily="34" charset="-128"/>
+                <a:cs typeface="Times New Roman" panose="02020603050405020304" pitchFamily="18" charset="0"/>
+              </a:rPr>
+              <a:t> </a:t>
+            </a:r>
+            <a:r>
+              <a:rPr lang="en-US" altLang="ja-JP" sz="1800" kern="0">
+                <a:solidFill>
+                  <a:srgbClr val="B5CEA8"/>
+                </a:solidFill>
+                <a:effectLst/>
+                <a:latin typeface="Menlo" panose="020B0609030804020204" pitchFamily="49" charset="0"/>
+                <a:ea typeface="ＭＳ Ｐゴシック" panose="020B0600070205080204" pitchFamily="34" charset="-128"/>
+                <a:cs typeface="Times New Roman" panose="02020603050405020304" pitchFamily="18" charset="0"/>
+              </a:rPr>
+              <a:t>0</a:t>
+            </a:r>
+            <a:endParaRPr lang="ja-JP" altLang="ja-JP" sz="1800" kern="100">
+              <a:effectLst/>
+              <a:latin typeface="游明朝" panose="02020400000000000000" pitchFamily="18" charset="-128"/>
+              <a:ea typeface="游明朝" panose="02020400000000000000" pitchFamily="18" charset="-128"/>
+              <a:cs typeface="Times New Roman" panose="02020603050405020304" pitchFamily="18" charset="0"/>
+            </a:endParaRPr>
+          </a:p>
+          <a:p>
+            <a:pPr algn="l">
+              <a:lnSpc>
+                <a:spcPts val="1950"/>
+              </a:lnSpc>
+            </a:pPr>
+            <a:r>
+              <a:rPr lang="en-US" altLang="ja-JP" sz="1800" kern="0">
+                <a:solidFill>
+                  <a:srgbClr val="CCCCCC"/>
+                </a:solidFill>
+                <a:effectLst/>
+                <a:latin typeface="Menlo" panose="020B0609030804020204" pitchFamily="49" charset="0"/>
+                <a:ea typeface="ＭＳ Ｐゴシック" panose="020B0600070205080204" pitchFamily="34" charset="-128"/>
+                <a:cs typeface="Times New Roman" panose="02020603050405020304" pitchFamily="18" charset="0"/>
+              </a:rPr>
+              <a:t> </a:t>
+            </a:r>
+            <a:endParaRPr lang="ja-JP" altLang="ja-JP" sz="1800" kern="100">
+              <a:effectLst/>
+              <a:latin typeface="游明朝" panose="02020400000000000000" pitchFamily="18" charset="-128"/>
+              <a:ea typeface="游明朝" panose="02020400000000000000" pitchFamily="18" charset="-128"/>
+              <a:cs typeface="Times New Roman" panose="02020603050405020304" pitchFamily="18" charset="0"/>
+            </a:endParaRPr>
+          </a:p>
+          <a:p>
+            <a:pPr algn="l">
+              <a:lnSpc>
+                <a:spcPts val="1950"/>
+              </a:lnSpc>
+            </a:pPr>
+            <a:r>
+              <a:rPr lang="en-US" altLang="ja-JP" sz="1800" kern="0">
+                <a:solidFill>
+                  <a:srgbClr val="C586C0"/>
+                </a:solidFill>
+                <a:effectLst/>
+                <a:latin typeface="Menlo" panose="020B0609030804020204" pitchFamily="49" charset="0"/>
+                <a:ea typeface="ＭＳ Ｐゴシック" panose="020B0600070205080204" pitchFamily="34" charset="-128"/>
+                <a:cs typeface="Times New Roman" panose="02020603050405020304" pitchFamily="18" charset="0"/>
+              </a:rPr>
+              <a:t>for</a:t>
+            </a:r>
+            <a:r>
+              <a:rPr lang="en-US" altLang="ja-JP" sz="1800" kern="0">
+                <a:solidFill>
+                  <a:srgbClr val="CCCCCC"/>
+                </a:solidFill>
+                <a:effectLst/>
+                <a:latin typeface="Menlo" panose="020B0609030804020204" pitchFamily="49" charset="0"/>
+                <a:ea typeface="ＭＳ Ｐゴシック" panose="020B0600070205080204" pitchFamily="34" charset="-128"/>
+                <a:cs typeface="Times New Roman" panose="02020603050405020304" pitchFamily="18" charset="0"/>
+              </a:rPr>
+              <a:t> </a:t>
+            </a:r>
+            <a:r>
+              <a:rPr lang="en-US" altLang="ja-JP" sz="1800" kern="0">
+                <a:solidFill>
+                  <a:srgbClr val="9CDCFE"/>
+                </a:solidFill>
+                <a:effectLst/>
+                <a:latin typeface="Menlo" panose="020B0609030804020204" pitchFamily="49" charset="0"/>
+                <a:ea typeface="ＭＳ Ｐゴシック" panose="020B0600070205080204" pitchFamily="34" charset="-128"/>
+                <a:cs typeface="Times New Roman" panose="02020603050405020304" pitchFamily="18" charset="0"/>
+              </a:rPr>
+              <a:t>a</a:t>
+            </a:r>
+            <a:r>
+              <a:rPr lang="en-US" altLang="ja-JP" sz="1800" kern="0">
+                <a:solidFill>
+                  <a:srgbClr val="CCCCCC"/>
+                </a:solidFill>
+                <a:effectLst/>
+                <a:latin typeface="Menlo" panose="020B0609030804020204" pitchFamily="49" charset="0"/>
+                <a:ea typeface="ＭＳ Ｐゴシック" panose="020B0600070205080204" pitchFamily="34" charset="-128"/>
+                <a:cs typeface="Times New Roman" panose="02020603050405020304" pitchFamily="18" charset="0"/>
+              </a:rPr>
+              <a:t> </a:t>
+            </a:r>
+            <a:r>
+              <a:rPr lang="en-US" altLang="ja-JP" sz="1800" kern="0">
+                <a:solidFill>
+                  <a:srgbClr val="C586C0"/>
+                </a:solidFill>
+                <a:effectLst/>
+                <a:latin typeface="Menlo" panose="020B0609030804020204" pitchFamily="49" charset="0"/>
+                <a:ea typeface="ＭＳ Ｐゴシック" panose="020B0600070205080204" pitchFamily="34" charset="-128"/>
+                <a:cs typeface="Times New Roman" panose="02020603050405020304" pitchFamily="18" charset="0"/>
+              </a:rPr>
+              <a:t>in</a:t>
+            </a:r>
+            <a:r>
+              <a:rPr lang="en-US" altLang="ja-JP" sz="1800" kern="0">
+                <a:solidFill>
+                  <a:srgbClr val="CCCCCC"/>
+                </a:solidFill>
+                <a:effectLst/>
+                <a:latin typeface="Menlo" panose="020B0609030804020204" pitchFamily="49" charset="0"/>
+                <a:ea typeface="ＭＳ Ｐゴシック" panose="020B0600070205080204" pitchFamily="34" charset="-128"/>
+                <a:cs typeface="Times New Roman" panose="02020603050405020304" pitchFamily="18" charset="0"/>
+              </a:rPr>
+              <a:t> </a:t>
+            </a:r>
+            <a:r>
+              <a:rPr lang="en-US" altLang="ja-JP" sz="1800" kern="0">
+                <a:solidFill>
+                  <a:srgbClr val="4EC9B0"/>
+                </a:solidFill>
+                <a:effectLst/>
+                <a:latin typeface="Menlo" panose="020B0609030804020204" pitchFamily="49" charset="0"/>
+                <a:ea typeface="ＭＳ Ｐゴシック" panose="020B0600070205080204" pitchFamily="34" charset="-128"/>
+                <a:cs typeface="Times New Roman" panose="02020603050405020304" pitchFamily="18" charset="0"/>
+              </a:rPr>
+              <a:t>range</a:t>
+            </a:r>
+            <a:r>
+              <a:rPr lang="en-US" altLang="ja-JP" sz="1800" kern="0">
+                <a:solidFill>
+                  <a:srgbClr val="CCCCCC"/>
+                </a:solidFill>
+                <a:effectLst/>
+                <a:latin typeface="Menlo" panose="020B0609030804020204" pitchFamily="49" charset="0"/>
+                <a:ea typeface="ＭＳ Ｐゴシック" panose="020B0600070205080204" pitchFamily="34" charset="-128"/>
+                <a:cs typeface="Times New Roman" panose="02020603050405020304" pitchFamily="18" charset="0"/>
+              </a:rPr>
+              <a:t>(</a:t>
+            </a:r>
+            <a:r>
+              <a:rPr lang="en-US" altLang="ja-JP" sz="1800" kern="0">
+                <a:solidFill>
+                  <a:srgbClr val="4FC1FF"/>
+                </a:solidFill>
+                <a:effectLst/>
+                <a:latin typeface="Menlo" panose="020B0609030804020204" pitchFamily="49" charset="0"/>
+                <a:ea typeface="ＭＳ Ｐゴシック" panose="020B0600070205080204" pitchFamily="34" charset="-128"/>
+                <a:cs typeface="Times New Roman" panose="02020603050405020304" pitchFamily="18" charset="0"/>
+              </a:rPr>
+              <a:t>A</a:t>
+            </a:r>
+            <a:r>
+              <a:rPr lang="en-US" altLang="ja-JP" sz="1800" kern="0">
+                <a:solidFill>
+                  <a:srgbClr val="D4D4D4"/>
+                </a:solidFill>
+                <a:effectLst/>
+                <a:latin typeface="Menlo" panose="020B0609030804020204" pitchFamily="49" charset="0"/>
+                <a:ea typeface="ＭＳ Ｐゴシック" panose="020B0600070205080204" pitchFamily="34" charset="-128"/>
+                <a:cs typeface="Times New Roman" panose="02020603050405020304" pitchFamily="18" charset="0"/>
+              </a:rPr>
+              <a:t>+</a:t>
+            </a:r>
+            <a:r>
+              <a:rPr lang="en-US" altLang="ja-JP" sz="1800" kern="0">
+                <a:solidFill>
+                  <a:srgbClr val="B5CEA8"/>
+                </a:solidFill>
+                <a:effectLst/>
+                <a:latin typeface="Menlo" panose="020B0609030804020204" pitchFamily="49" charset="0"/>
+                <a:ea typeface="ＭＳ Ｐゴシック" panose="020B0600070205080204" pitchFamily="34" charset="-128"/>
+                <a:cs typeface="Times New Roman" panose="02020603050405020304" pitchFamily="18" charset="0"/>
+              </a:rPr>
+              <a:t>1</a:t>
+            </a:r>
+            <a:r>
+              <a:rPr lang="en-US" altLang="ja-JP" sz="1800" kern="0">
+                <a:solidFill>
+                  <a:srgbClr val="CCCCCC"/>
+                </a:solidFill>
+                <a:effectLst/>
+                <a:latin typeface="Menlo" panose="020B0609030804020204" pitchFamily="49" charset="0"/>
+                <a:ea typeface="ＭＳ Ｐゴシック" panose="020B0600070205080204" pitchFamily="34" charset="-128"/>
+                <a:cs typeface="Times New Roman" panose="02020603050405020304" pitchFamily="18" charset="0"/>
+              </a:rPr>
+              <a:t>):</a:t>
+            </a:r>
+            <a:endParaRPr lang="ja-JP" altLang="ja-JP" sz="1800" kern="100">
+              <a:effectLst/>
+              <a:latin typeface="游明朝" panose="02020400000000000000" pitchFamily="18" charset="-128"/>
+              <a:ea typeface="游明朝" panose="02020400000000000000" pitchFamily="18" charset="-128"/>
+              <a:cs typeface="Times New Roman" panose="02020603050405020304" pitchFamily="18" charset="0"/>
+            </a:endParaRPr>
+          </a:p>
+          <a:p>
+            <a:pPr algn="l">
+              <a:lnSpc>
+                <a:spcPts val="1950"/>
+              </a:lnSpc>
+            </a:pPr>
+            <a:r>
+              <a:rPr lang="en-US" altLang="ja-JP" sz="1800" kern="0">
+                <a:solidFill>
+                  <a:srgbClr val="CCCCCC"/>
+                </a:solidFill>
+                <a:effectLst/>
+                <a:latin typeface="Menlo" panose="020B0609030804020204" pitchFamily="49" charset="0"/>
+                <a:ea typeface="ＭＳ Ｐゴシック" panose="020B0600070205080204" pitchFamily="34" charset="-128"/>
+                <a:cs typeface="Times New Roman" panose="02020603050405020304" pitchFamily="18" charset="0"/>
+              </a:rPr>
+              <a:t>    </a:t>
+            </a:r>
+            <a:r>
+              <a:rPr lang="en-US" altLang="ja-JP" sz="1800" kern="0">
+                <a:solidFill>
+                  <a:srgbClr val="C586C0"/>
+                </a:solidFill>
+                <a:effectLst/>
+                <a:latin typeface="Menlo" panose="020B0609030804020204" pitchFamily="49" charset="0"/>
+                <a:ea typeface="ＭＳ Ｐゴシック" panose="020B0600070205080204" pitchFamily="34" charset="-128"/>
+                <a:cs typeface="Times New Roman" panose="02020603050405020304" pitchFamily="18" charset="0"/>
+              </a:rPr>
+              <a:t>for</a:t>
+            </a:r>
+            <a:r>
+              <a:rPr lang="en-US" altLang="ja-JP" sz="1800" kern="0">
+                <a:solidFill>
+                  <a:srgbClr val="CCCCCC"/>
+                </a:solidFill>
+                <a:effectLst/>
+                <a:latin typeface="Menlo" panose="020B0609030804020204" pitchFamily="49" charset="0"/>
+                <a:ea typeface="ＭＳ Ｐゴシック" panose="020B0600070205080204" pitchFamily="34" charset="-128"/>
+                <a:cs typeface="Times New Roman" panose="02020603050405020304" pitchFamily="18" charset="0"/>
+              </a:rPr>
+              <a:t> </a:t>
+            </a:r>
+            <a:r>
+              <a:rPr lang="en-US" altLang="ja-JP" sz="1800" kern="0">
+                <a:solidFill>
+                  <a:srgbClr val="9CDCFE"/>
+                </a:solidFill>
+                <a:effectLst/>
+                <a:latin typeface="Menlo" panose="020B0609030804020204" pitchFamily="49" charset="0"/>
+                <a:ea typeface="ＭＳ Ｐゴシック" panose="020B0600070205080204" pitchFamily="34" charset="-128"/>
+                <a:cs typeface="Times New Roman" panose="02020603050405020304" pitchFamily="18" charset="0"/>
+              </a:rPr>
+              <a:t>b</a:t>
+            </a:r>
+            <a:r>
+              <a:rPr lang="en-US" altLang="ja-JP" sz="1800" kern="0">
+                <a:solidFill>
+                  <a:srgbClr val="CCCCCC"/>
+                </a:solidFill>
+                <a:effectLst/>
+                <a:latin typeface="Menlo" panose="020B0609030804020204" pitchFamily="49" charset="0"/>
+                <a:ea typeface="ＭＳ Ｐゴシック" panose="020B0600070205080204" pitchFamily="34" charset="-128"/>
+                <a:cs typeface="Times New Roman" panose="02020603050405020304" pitchFamily="18" charset="0"/>
+              </a:rPr>
+              <a:t> </a:t>
+            </a:r>
+            <a:r>
+              <a:rPr lang="en-US" altLang="ja-JP" sz="1800" kern="0">
+                <a:solidFill>
+                  <a:srgbClr val="C586C0"/>
+                </a:solidFill>
+                <a:effectLst/>
+                <a:latin typeface="Menlo" panose="020B0609030804020204" pitchFamily="49" charset="0"/>
+                <a:ea typeface="ＭＳ Ｐゴシック" panose="020B0600070205080204" pitchFamily="34" charset="-128"/>
+                <a:cs typeface="Times New Roman" panose="02020603050405020304" pitchFamily="18" charset="0"/>
+              </a:rPr>
+              <a:t>in</a:t>
+            </a:r>
+            <a:r>
+              <a:rPr lang="en-US" altLang="ja-JP" sz="1800" kern="0">
+                <a:solidFill>
+                  <a:srgbClr val="CCCCCC"/>
+                </a:solidFill>
+                <a:effectLst/>
+                <a:latin typeface="Menlo" panose="020B0609030804020204" pitchFamily="49" charset="0"/>
+                <a:ea typeface="ＭＳ Ｐゴシック" panose="020B0600070205080204" pitchFamily="34" charset="-128"/>
+                <a:cs typeface="Times New Roman" panose="02020603050405020304" pitchFamily="18" charset="0"/>
+              </a:rPr>
+              <a:t> </a:t>
+            </a:r>
+            <a:r>
+              <a:rPr lang="en-US" altLang="ja-JP" sz="1800" kern="0">
+                <a:solidFill>
+                  <a:srgbClr val="4EC9B0"/>
+                </a:solidFill>
+                <a:effectLst/>
+                <a:latin typeface="Menlo" panose="020B0609030804020204" pitchFamily="49" charset="0"/>
+                <a:ea typeface="ＭＳ Ｐゴシック" panose="020B0600070205080204" pitchFamily="34" charset="-128"/>
+                <a:cs typeface="Times New Roman" panose="02020603050405020304" pitchFamily="18" charset="0"/>
+              </a:rPr>
+              <a:t>range</a:t>
+            </a:r>
+            <a:r>
+              <a:rPr lang="en-US" altLang="ja-JP" sz="1800" kern="0">
+                <a:solidFill>
+                  <a:srgbClr val="CCCCCC"/>
+                </a:solidFill>
+                <a:effectLst/>
+                <a:latin typeface="Menlo" panose="020B0609030804020204" pitchFamily="49" charset="0"/>
+                <a:ea typeface="ＭＳ Ｐゴシック" panose="020B0600070205080204" pitchFamily="34" charset="-128"/>
+                <a:cs typeface="Times New Roman" panose="02020603050405020304" pitchFamily="18" charset="0"/>
+              </a:rPr>
+              <a:t>(</a:t>
+            </a:r>
+            <a:r>
+              <a:rPr lang="en-US" altLang="ja-JP" sz="1800" kern="0">
+                <a:solidFill>
+                  <a:srgbClr val="4FC1FF"/>
+                </a:solidFill>
+                <a:effectLst/>
+                <a:latin typeface="Menlo" panose="020B0609030804020204" pitchFamily="49" charset="0"/>
+                <a:ea typeface="ＭＳ Ｐゴシック" panose="020B0600070205080204" pitchFamily="34" charset="-128"/>
+                <a:cs typeface="Times New Roman" panose="02020603050405020304" pitchFamily="18" charset="0"/>
+              </a:rPr>
+              <a:t>B</a:t>
+            </a:r>
+            <a:r>
+              <a:rPr lang="en-US" altLang="ja-JP" sz="1800" kern="0">
+                <a:solidFill>
+                  <a:srgbClr val="D4D4D4"/>
+                </a:solidFill>
+                <a:effectLst/>
+                <a:latin typeface="Menlo" panose="020B0609030804020204" pitchFamily="49" charset="0"/>
+                <a:ea typeface="ＭＳ Ｐゴシック" panose="020B0600070205080204" pitchFamily="34" charset="-128"/>
+                <a:cs typeface="Times New Roman" panose="02020603050405020304" pitchFamily="18" charset="0"/>
+              </a:rPr>
+              <a:t>+</a:t>
+            </a:r>
+            <a:r>
+              <a:rPr lang="en-US" altLang="ja-JP" sz="1800" kern="0">
+                <a:solidFill>
+                  <a:srgbClr val="B5CEA8"/>
+                </a:solidFill>
+                <a:effectLst/>
+                <a:latin typeface="Menlo" panose="020B0609030804020204" pitchFamily="49" charset="0"/>
+                <a:ea typeface="ＭＳ Ｐゴシック" panose="020B0600070205080204" pitchFamily="34" charset="-128"/>
+                <a:cs typeface="Times New Roman" panose="02020603050405020304" pitchFamily="18" charset="0"/>
+              </a:rPr>
+              <a:t>1</a:t>
+            </a:r>
+            <a:r>
+              <a:rPr lang="en-US" altLang="ja-JP" sz="1800" kern="0">
+                <a:solidFill>
+                  <a:srgbClr val="CCCCCC"/>
+                </a:solidFill>
+                <a:effectLst/>
+                <a:latin typeface="Menlo" panose="020B0609030804020204" pitchFamily="49" charset="0"/>
+                <a:ea typeface="ＭＳ Ｐゴシック" panose="020B0600070205080204" pitchFamily="34" charset="-128"/>
+                <a:cs typeface="Times New Roman" panose="02020603050405020304" pitchFamily="18" charset="0"/>
+              </a:rPr>
+              <a:t>):</a:t>
+            </a:r>
+            <a:endParaRPr lang="ja-JP" altLang="ja-JP" sz="1800" kern="100">
+              <a:effectLst/>
+              <a:latin typeface="游明朝" panose="02020400000000000000" pitchFamily="18" charset="-128"/>
+              <a:ea typeface="游明朝" panose="02020400000000000000" pitchFamily="18" charset="-128"/>
+              <a:cs typeface="Times New Roman" panose="02020603050405020304" pitchFamily="18" charset="0"/>
+            </a:endParaRPr>
+          </a:p>
+          <a:p>
+            <a:pPr algn="l">
+              <a:lnSpc>
+                <a:spcPts val="1950"/>
+              </a:lnSpc>
+            </a:pPr>
+            <a:r>
+              <a:rPr lang="en-US" altLang="ja-JP" sz="1800" kern="0">
+                <a:solidFill>
+                  <a:srgbClr val="CCCCCC"/>
+                </a:solidFill>
+                <a:effectLst/>
+                <a:latin typeface="Menlo" panose="020B0609030804020204" pitchFamily="49" charset="0"/>
+                <a:ea typeface="ＭＳ Ｐゴシック" panose="020B0600070205080204" pitchFamily="34" charset="-128"/>
+                <a:cs typeface="Times New Roman" panose="02020603050405020304" pitchFamily="18" charset="0"/>
+              </a:rPr>
+              <a:t>        </a:t>
+            </a:r>
+            <a:r>
+              <a:rPr lang="en-US" altLang="ja-JP" sz="1800" kern="0">
+                <a:solidFill>
+                  <a:srgbClr val="C586C0"/>
+                </a:solidFill>
+                <a:effectLst/>
+                <a:latin typeface="Menlo" panose="020B0609030804020204" pitchFamily="49" charset="0"/>
+                <a:ea typeface="ＭＳ Ｐゴシック" panose="020B0600070205080204" pitchFamily="34" charset="-128"/>
+                <a:cs typeface="Times New Roman" panose="02020603050405020304" pitchFamily="18" charset="0"/>
+              </a:rPr>
+              <a:t>for</a:t>
+            </a:r>
+            <a:r>
+              <a:rPr lang="en-US" altLang="ja-JP" sz="1800" kern="0">
+                <a:solidFill>
+                  <a:srgbClr val="CCCCCC"/>
+                </a:solidFill>
+                <a:effectLst/>
+                <a:latin typeface="Menlo" panose="020B0609030804020204" pitchFamily="49" charset="0"/>
+                <a:ea typeface="ＭＳ Ｐゴシック" panose="020B0600070205080204" pitchFamily="34" charset="-128"/>
+                <a:cs typeface="Times New Roman" panose="02020603050405020304" pitchFamily="18" charset="0"/>
+              </a:rPr>
+              <a:t> </a:t>
+            </a:r>
+            <a:r>
+              <a:rPr lang="en-US" altLang="ja-JP" sz="1800" kern="0">
+                <a:solidFill>
+                  <a:srgbClr val="9CDCFE"/>
+                </a:solidFill>
+                <a:effectLst/>
+                <a:latin typeface="Menlo" panose="020B0609030804020204" pitchFamily="49" charset="0"/>
+                <a:ea typeface="ＭＳ Ｐゴシック" panose="020B0600070205080204" pitchFamily="34" charset="-128"/>
+                <a:cs typeface="Times New Roman" panose="02020603050405020304" pitchFamily="18" charset="0"/>
+              </a:rPr>
+              <a:t>c</a:t>
+            </a:r>
+            <a:r>
+              <a:rPr lang="en-US" altLang="ja-JP" sz="1800" kern="0">
+                <a:solidFill>
+                  <a:srgbClr val="CCCCCC"/>
+                </a:solidFill>
+                <a:effectLst/>
+                <a:latin typeface="Menlo" panose="020B0609030804020204" pitchFamily="49" charset="0"/>
+                <a:ea typeface="ＭＳ Ｐゴシック" panose="020B0600070205080204" pitchFamily="34" charset="-128"/>
+                <a:cs typeface="Times New Roman" panose="02020603050405020304" pitchFamily="18" charset="0"/>
+              </a:rPr>
+              <a:t> </a:t>
+            </a:r>
+            <a:r>
+              <a:rPr lang="en-US" altLang="ja-JP" sz="1800" kern="0">
+                <a:solidFill>
+                  <a:srgbClr val="C586C0"/>
+                </a:solidFill>
+                <a:effectLst/>
+                <a:latin typeface="Menlo" panose="020B0609030804020204" pitchFamily="49" charset="0"/>
+                <a:ea typeface="ＭＳ Ｐゴシック" panose="020B0600070205080204" pitchFamily="34" charset="-128"/>
+                <a:cs typeface="Times New Roman" panose="02020603050405020304" pitchFamily="18" charset="0"/>
+              </a:rPr>
+              <a:t>in</a:t>
+            </a:r>
+            <a:r>
+              <a:rPr lang="en-US" altLang="ja-JP" sz="1800" kern="0">
+                <a:solidFill>
+                  <a:srgbClr val="CCCCCC"/>
+                </a:solidFill>
+                <a:effectLst/>
+                <a:latin typeface="Menlo" panose="020B0609030804020204" pitchFamily="49" charset="0"/>
+                <a:ea typeface="ＭＳ Ｐゴシック" panose="020B0600070205080204" pitchFamily="34" charset="-128"/>
+                <a:cs typeface="Times New Roman" panose="02020603050405020304" pitchFamily="18" charset="0"/>
+              </a:rPr>
+              <a:t> </a:t>
+            </a:r>
+            <a:r>
+              <a:rPr lang="en-US" altLang="ja-JP" sz="1800" kern="0">
+                <a:solidFill>
+                  <a:srgbClr val="4EC9B0"/>
+                </a:solidFill>
+                <a:effectLst/>
+                <a:latin typeface="Menlo" panose="020B0609030804020204" pitchFamily="49" charset="0"/>
+                <a:ea typeface="ＭＳ Ｐゴシック" panose="020B0600070205080204" pitchFamily="34" charset="-128"/>
+                <a:cs typeface="Times New Roman" panose="02020603050405020304" pitchFamily="18" charset="0"/>
+              </a:rPr>
+              <a:t>range</a:t>
+            </a:r>
+            <a:r>
+              <a:rPr lang="en-US" altLang="ja-JP" sz="1800" kern="0">
+                <a:solidFill>
+                  <a:srgbClr val="CCCCCC"/>
+                </a:solidFill>
+                <a:effectLst/>
+                <a:latin typeface="Menlo" panose="020B0609030804020204" pitchFamily="49" charset="0"/>
+                <a:ea typeface="ＭＳ Ｐゴシック" panose="020B0600070205080204" pitchFamily="34" charset="-128"/>
+                <a:cs typeface="Times New Roman" panose="02020603050405020304" pitchFamily="18" charset="0"/>
+              </a:rPr>
+              <a:t>(</a:t>
+            </a:r>
+            <a:r>
+              <a:rPr lang="en-US" altLang="ja-JP" sz="1800" kern="0">
+                <a:solidFill>
+                  <a:srgbClr val="4FC1FF"/>
+                </a:solidFill>
+                <a:effectLst/>
+                <a:latin typeface="Menlo" panose="020B0609030804020204" pitchFamily="49" charset="0"/>
+                <a:ea typeface="ＭＳ Ｐゴシック" panose="020B0600070205080204" pitchFamily="34" charset="-128"/>
+                <a:cs typeface="Times New Roman" panose="02020603050405020304" pitchFamily="18" charset="0"/>
+              </a:rPr>
+              <a:t>C</a:t>
+            </a:r>
+            <a:r>
+              <a:rPr lang="en-US" altLang="ja-JP" sz="1800" kern="0">
+                <a:solidFill>
+                  <a:srgbClr val="D4D4D4"/>
+                </a:solidFill>
+                <a:effectLst/>
+                <a:latin typeface="Menlo" panose="020B0609030804020204" pitchFamily="49" charset="0"/>
+                <a:ea typeface="ＭＳ Ｐゴシック" panose="020B0600070205080204" pitchFamily="34" charset="-128"/>
+                <a:cs typeface="Times New Roman" panose="02020603050405020304" pitchFamily="18" charset="0"/>
+              </a:rPr>
+              <a:t>+</a:t>
+            </a:r>
+            <a:r>
+              <a:rPr lang="en-US" altLang="ja-JP" sz="1800" kern="0">
+                <a:solidFill>
+                  <a:srgbClr val="B5CEA8"/>
+                </a:solidFill>
+                <a:effectLst/>
+                <a:latin typeface="Menlo" panose="020B0609030804020204" pitchFamily="49" charset="0"/>
+                <a:ea typeface="ＭＳ Ｐゴシック" panose="020B0600070205080204" pitchFamily="34" charset="-128"/>
+                <a:cs typeface="Times New Roman" panose="02020603050405020304" pitchFamily="18" charset="0"/>
+              </a:rPr>
+              <a:t>1</a:t>
+            </a:r>
+            <a:r>
+              <a:rPr lang="en-US" altLang="ja-JP" sz="1800" kern="0">
+                <a:solidFill>
+                  <a:srgbClr val="CCCCCC"/>
+                </a:solidFill>
+                <a:effectLst/>
+                <a:latin typeface="Menlo" panose="020B0609030804020204" pitchFamily="49" charset="0"/>
+                <a:ea typeface="ＭＳ Ｐゴシック" panose="020B0600070205080204" pitchFamily="34" charset="-128"/>
+                <a:cs typeface="Times New Roman" panose="02020603050405020304" pitchFamily="18" charset="0"/>
+              </a:rPr>
+              <a:t>):</a:t>
+            </a:r>
+            <a:endParaRPr lang="ja-JP" altLang="ja-JP" sz="1800" kern="100">
+              <a:effectLst/>
+              <a:latin typeface="游明朝" panose="02020400000000000000" pitchFamily="18" charset="-128"/>
+              <a:ea typeface="游明朝" panose="02020400000000000000" pitchFamily="18" charset="-128"/>
+              <a:cs typeface="Times New Roman" panose="02020603050405020304" pitchFamily="18" charset="0"/>
+            </a:endParaRPr>
+          </a:p>
+          <a:p>
+            <a:pPr algn="l">
+              <a:lnSpc>
+                <a:spcPts val="1950"/>
+              </a:lnSpc>
+            </a:pPr>
+            <a:r>
+              <a:rPr lang="en-US" altLang="ja-JP" sz="1800" kern="0">
+                <a:solidFill>
+                  <a:srgbClr val="CCCCCC"/>
+                </a:solidFill>
+                <a:effectLst/>
+                <a:latin typeface="Menlo" panose="020B0609030804020204" pitchFamily="49" charset="0"/>
+                <a:ea typeface="ＭＳ Ｐゴシック" panose="020B0600070205080204" pitchFamily="34" charset="-128"/>
+                <a:cs typeface="Times New Roman" panose="02020603050405020304" pitchFamily="18" charset="0"/>
+              </a:rPr>
+              <a:t>            </a:t>
+            </a:r>
+            <a:r>
+              <a:rPr lang="en-US" altLang="ja-JP" sz="1800" kern="0">
+                <a:solidFill>
+                  <a:srgbClr val="9CDCFE"/>
+                </a:solidFill>
+                <a:effectLst/>
+                <a:latin typeface="Menlo" panose="020B0609030804020204" pitchFamily="49" charset="0"/>
+                <a:ea typeface="ＭＳ Ｐゴシック" panose="020B0600070205080204" pitchFamily="34" charset="-128"/>
+                <a:cs typeface="Times New Roman" panose="02020603050405020304" pitchFamily="18" charset="0"/>
+              </a:rPr>
+              <a:t>sum</a:t>
+            </a:r>
+            <a:r>
+              <a:rPr lang="en-US" altLang="ja-JP" sz="1800" kern="0">
+                <a:solidFill>
+                  <a:srgbClr val="CCCCCC"/>
+                </a:solidFill>
+                <a:effectLst/>
+                <a:latin typeface="Menlo" panose="020B0609030804020204" pitchFamily="49" charset="0"/>
+                <a:ea typeface="ＭＳ Ｐゴシック" panose="020B0600070205080204" pitchFamily="34" charset="-128"/>
+                <a:cs typeface="Times New Roman" panose="02020603050405020304" pitchFamily="18" charset="0"/>
+              </a:rPr>
+              <a:t> </a:t>
+            </a:r>
+            <a:r>
+              <a:rPr lang="en-US" altLang="ja-JP" sz="1800" kern="0">
+                <a:solidFill>
+                  <a:srgbClr val="D4D4D4"/>
+                </a:solidFill>
+                <a:effectLst/>
+                <a:latin typeface="Menlo" panose="020B0609030804020204" pitchFamily="49" charset="0"/>
+                <a:ea typeface="ＭＳ Ｐゴシック" panose="020B0600070205080204" pitchFamily="34" charset="-128"/>
+                <a:cs typeface="Times New Roman" panose="02020603050405020304" pitchFamily="18" charset="0"/>
+              </a:rPr>
+              <a:t>=</a:t>
+            </a:r>
+            <a:r>
+              <a:rPr lang="en-US" altLang="ja-JP" sz="1800" kern="0">
+                <a:solidFill>
+                  <a:srgbClr val="CCCCCC"/>
+                </a:solidFill>
+                <a:effectLst/>
+                <a:latin typeface="Menlo" panose="020B0609030804020204" pitchFamily="49" charset="0"/>
+                <a:ea typeface="ＭＳ Ｐゴシック" panose="020B0600070205080204" pitchFamily="34" charset="-128"/>
+                <a:cs typeface="Times New Roman" panose="02020603050405020304" pitchFamily="18" charset="0"/>
+              </a:rPr>
+              <a:t> </a:t>
+            </a:r>
+            <a:r>
+              <a:rPr lang="en-US" altLang="ja-JP" sz="1800" kern="0">
+                <a:solidFill>
+                  <a:srgbClr val="B5CEA8"/>
+                </a:solidFill>
+                <a:effectLst/>
+                <a:latin typeface="Menlo" panose="020B0609030804020204" pitchFamily="49" charset="0"/>
+                <a:ea typeface="ＭＳ Ｐゴシック" panose="020B0600070205080204" pitchFamily="34" charset="-128"/>
+                <a:cs typeface="Times New Roman" panose="02020603050405020304" pitchFamily="18" charset="0"/>
+              </a:rPr>
+              <a:t>500</a:t>
+            </a:r>
+            <a:r>
+              <a:rPr lang="en-US" altLang="ja-JP" sz="1800" kern="0">
+                <a:solidFill>
+                  <a:srgbClr val="D4D4D4"/>
+                </a:solidFill>
+                <a:effectLst/>
+                <a:latin typeface="Menlo" panose="020B0609030804020204" pitchFamily="49" charset="0"/>
+                <a:ea typeface="ＭＳ Ｐゴシック" panose="020B0600070205080204" pitchFamily="34" charset="-128"/>
+                <a:cs typeface="Times New Roman" panose="02020603050405020304" pitchFamily="18" charset="0"/>
+              </a:rPr>
+              <a:t>*</a:t>
+            </a:r>
+            <a:r>
+              <a:rPr lang="en-US" altLang="ja-JP" sz="1800" kern="0">
+                <a:solidFill>
+                  <a:srgbClr val="9CDCFE"/>
+                </a:solidFill>
+                <a:effectLst/>
+                <a:latin typeface="Menlo" panose="020B0609030804020204" pitchFamily="49" charset="0"/>
+                <a:ea typeface="ＭＳ Ｐゴシック" panose="020B0600070205080204" pitchFamily="34" charset="-128"/>
+                <a:cs typeface="Times New Roman" panose="02020603050405020304" pitchFamily="18" charset="0"/>
+              </a:rPr>
+              <a:t>a</a:t>
+            </a:r>
+            <a:r>
+              <a:rPr lang="en-US" altLang="ja-JP" sz="1800" kern="0">
+                <a:solidFill>
+                  <a:srgbClr val="CCCCCC"/>
+                </a:solidFill>
+                <a:effectLst/>
+                <a:latin typeface="Menlo" panose="020B0609030804020204" pitchFamily="49" charset="0"/>
+                <a:ea typeface="ＭＳ Ｐゴシック" panose="020B0600070205080204" pitchFamily="34" charset="-128"/>
+                <a:cs typeface="Times New Roman" panose="02020603050405020304" pitchFamily="18" charset="0"/>
+              </a:rPr>
+              <a:t> </a:t>
+            </a:r>
+            <a:r>
+              <a:rPr lang="en-US" altLang="ja-JP" sz="1800" kern="0">
+                <a:solidFill>
+                  <a:srgbClr val="D4D4D4"/>
+                </a:solidFill>
+                <a:effectLst/>
+                <a:latin typeface="Menlo" panose="020B0609030804020204" pitchFamily="49" charset="0"/>
+                <a:ea typeface="ＭＳ Ｐゴシック" panose="020B0600070205080204" pitchFamily="34" charset="-128"/>
+                <a:cs typeface="Times New Roman" panose="02020603050405020304" pitchFamily="18" charset="0"/>
+              </a:rPr>
+              <a:t>+</a:t>
+            </a:r>
+            <a:r>
+              <a:rPr lang="en-US" altLang="ja-JP" sz="1800" kern="0">
+                <a:solidFill>
+                  <a:srgbClr val="CCCCCC"/>
+                </a:solidFill>
+                <a:effectLst/>
+                <a:latin typeface="Menlo" panose="020B0609030804020204" pitchFamily="49" charset="0"/>
+                <a:ea typeface="ＭＳ Ｐゴシック" panose="020B0600070205080204" pitchFamily="34" charset="-128"/>
+                <a:cs typeface="Times New Roman" panose="02020603050405020304" pitchFamily="18" charset="0"/>
+              </a:rPr>
+              <a:t> </a:t>
+            </a:r>
+            <a:r>
+              <a:rPr lang="en-US" altLang="ja-JP" sz="1800" kern="0">
+                <a:solidFill>
+                  <a:srgbClr val="B5CEA8"/>
+                </a:solidFill>
+                <a:effectLst/>
+                <a:latin typeface="Menlo" panose="020B0609030804020204" pitchFamily="49" charset="0"/>
+                <a:ea typeface="ＭＳ Ｐゴシック" panose="020B0600070205080204" pitchFamily="34" charset="-128"/>
+                <a:cs typeface="Times New Roman" panose="02020603050405020304" pitchFamily="18" charset="0"/>
+              </a:rPr>
+              <a:t>100</a:t>
+            </a:r>
+            <a:r>
+              <a:rPr lang="en-US" altLang="ja-JP" sz="1800" kern="0">
+                <a:solidFill>
+                  <a:srgbClr val="D4D4D4"/>
+                </a:solidFill>
+                <a:effectLst/>
+                <a:latin typeface="Menlo" panose="020B0609030804020204" pitchFamily="49" charset="0"/>
+                <a:ea typeface="ＭＳ Ｐゴシック" panose="020B0600070205080204" pitchFamily="34" charset="-128"/>
+                <a:cs typeface="Times New Roman" panose="02020603050405020304" pitchFamily="18" charset="0"/>
+              </a:rPr>
+              <a:t>*</a:t>
+            </a:r>
+            <a:r>
+              <a:rPr lang="en-US" altLang="ja-JP" sz="1800" kern="0">
+                <a:solidFill>
+                  <a:srgbClr val="9CDCFE"/>
+                </a:solidFill>
+                <a:effectLst/>
+                <a:latin typeface="Menlo" panose="020B0609030804020204" pitchFamily="49" charset="0"/>
+                <a:ea typeface="ＭＳ Ｐゴシック" panose="020B0600070205080204" pitchFamily="34" charset="-128"/>
+                <a:cs typeface="Times New Roman" panose="02020603050405020304" pitchFamily="18" charset="0"/>
+              </a:rPr>
+              <a:t>b</a:t>
+            </a:r>
+            <a:r>
+              <a:rPr lang="en-US" altLang="ja-JP" sz="1800" kern="0">
+                <a:solidFill>
+                  <a:srgbClr val="CCCCCC"/>
+                </a:solidFill>
+                <a:effectLst/>
+                <a:latin typeface="Menlo" panose="020B0609030804020204" pitchFamily="49" charset="0"/>
+                <a:ea typeface="ＭＳ Ｐゴシック" panose="020B0600070205080204" pitchFamily="34" charset="-128"/>
+                <a:cs typeface="Times New Roman" panose="02020603050405020304" pitchFamily="18" charset="0"/>
+              </a:rPr>
+              <a:t> </a:t>
+            </a:r>
+            <a:r>
+              <a:rPr lang="en-US" altLang="ja-JP" sz="1800" kern="0">
+                <a:solidFill>
+                  <a:srgbClr val="D4D4D4"/>
+                </a:solidFill>
+                <a:effectLst/>
+                <a:latin typeface="Menlo" panose="020B0609030804020204" pitchFamily="49" charset="0"/>
+                <a:ea typeface="ＭＳ Ｐゴシック" panose="020B0600070205080204" pitchFamily="34" charset="-128"/>
+                <a:cs typeface="Times New Roman" panose="02020603050405020304" pitchFamily="18" charset="0"/>
+              </a:rPr>
+              <a:t>+</a:t>
+            </a:r>
+            <a:r>
+              <a:rPr lang="en-US" altLang="ja-JP" sz="1800" kern="0">
+                <a:solidFill>
+                  <a:srgbClr val="CCCCCC"/>
+                </a:solidFill>
+                <a:effectLst/>
+                <a:latin typeface="Menlo" panose="020B0609030804020204" pitchFamily="49" charset="0"/>
+                <a:ea typeface="ＭＳ Ｐゴシック" panose="020B0600070205080204" pitchFamily="34" charset="-128"/>
+                <a:cs typeface="Times New Roman" panose="02020603050405020304" pitchFamily="18" charset="0"/>
+              </a:rPr>
+              <a:t> </a:t>
+            </a:r>
+            <a:r>
+              <a:rPr lang="en-US" altLang="ja-JP" sz="1800" kern="0">
+                <a:solidFill>
+                  <a:srgbClr val="B5CEA8"/>
+                </a:solidFill>
+                <a:effectLst/>
+                <a:latin typeface="Menlo" panose="020B0609030804020204" pitchFamily="49" charset="0"/>
+                <a:ea typeface="ＭＳ Ｐゴシック" panose="020B0600070205080204" pitchFamily="34" charset="-128"/>
+                <a:cs typeface="Times New Roman" panose="02020603050405020304" pitchFamily="18" charset="0"/>
+              </a:rPr>
+              <a:t>50</a:t>
+            </a:r>
+            <a:r>
+              <a:rPr lang="en-US" altLang="ja-JP" sz="1800" kern="0">
+                <a:solidFill>
+                  <a:srgbClr val="D4D4D4"/>
+                </a:solidFill>
+                <a:effectLst/>
+                <a:latin typeface="Menlo" panose="020B0609030804020204" pitchFamily="49" charset="0"/>
+                <a:ea typeface="ＭＳ Ｐゴシック" panose="020B0600070205080204" pitchFamily="34" charset="-128"/>
+                <a:cs typeface="Times New Roman" panose="02020603050405020304" pitchFamily="18" charset="0"/>
+              </a:rPr>
+              <a:t>*</a:t>
+            </a:r>
+            <a:r>
+              <a:rPr lang="en-US" altLang="ja-JP" sz="1800" kern="0">
+                <a:solidFill>
+                  <a:srgbClr val="9CDCFE"/>
+                </a:solidFill>
+                <a:effectLst/>
+                <a:latin typeface="Menlo" panose="020B0609030804020204" pitchFamily="49" charset="0"/>
+                <a:ea typeface="ＭＳ Ｐゴシック" panose="020B0600070205080204" pitchFamily="34" charset="-128"/>
+                <a:cs typeface="Times New Roman" panose="02020603050405020304" pitchFamily="18" charset="0"/>
+              </a:rPr>
+              <a:t>c</a:t>
+            </a:r>
+            <a:endParaRPr lang="ja-JP" altLang="ja-JP" sz="1800" kern="100">
+              <a:effectLst/>
+              <a:latin typeface="游明朝" panose="02020400000000000000" pitchFamily="18" charset="-128"/>
+              <a:ea typeface="游明朝" panose="02020400000000000000" pitchFamily="18" charset="-128"/>
+              <a:cs typeface="Times New Roman" panose="02020603050405020304" pitchFamily="18" charset="0"/>
+            </a:endParaRPr>
+          </a:p>
+          <a:p>
+            <a:pPr algn="l">
+              <a:lnSpc>
+                <a:spcPts val="1950"/>
+              </a:lnSpc>
+            </a:pPr>
+            <a:r>
+              <a:rPr lang="en-US" altLang="ja-JP" sz="1800" kern="0">
+                <a:solidFill>
+                  <a:srgbClr val="CCCCCC"/>
+                </a:solidFill>
+                <a:effectLst/>
+                <a:latin typeface="Menlo" panose="020B0609030804020204" pitchFamily="49" charset="0"/>
+                <a:ea typeface="ＭＳ Ｐゴシック" panose="020B0600070205080204" pitchFamily="34" charset="-128"/>
+                <a:cs typeface="Times New Roman" panose="02020603050405020304" pitchFamily="18" charset="0"/>
+              </a:rPr>
+              <a:t>            </a:t>
+            </a:r>
+            <a:r>
+              <a:rPr lang="en-US" altLang="ja-JP" sz="1800" kern="0">
+                <a:solidFill>
+                  <a:srgbClr val="C586C0"/>
+                </a:solidFill>
+                <a:effectLst/>
+                <a:latin typeface="Menlo" panose="020B0609030804020204" pitchFamily="49" charset="0"/>
+                <a:ea typeface="ＭＳ Ｐゴシック" panose="020B0600070205080204" pitchFamily="34" charset="-128"/>
+                <a:cs typeface="Times New Roman" panose="02020603050405020304" pitchFamily="18" charset="0"/>
+              </a:rPr>
+              <a:t>if</a:t>
+            </a:r>
+            <a:r>
+              <a:rPr lang="en-US" altLang="ja-JP" sz="1800" kern="0">
+                <a:solidFill>
+                  <a:srgbClr val="CCCCCC"/>
+                </a:solidFill>
+                <a:effectLst/>
+                <a:latin typeface="Menlo" panose="020B0609030804020204" pitchFamily="49" charset="0"/>
+                <a:ea typeface="ＭＳ Ｐゴシック" panose="020B0600070205080204" pitchFamily="34" charset="-128"/>
+                <a:cs typeface="Times New Roman" panose="02020603050405020304" pitchFamily="18" charset="0"/>
+              </a:rPr>
+              <a:t> </a:t>
+            </a:r>
+            <a:r>
+              <a:rPr lang="en-US" altLang="ja-JP" sz="1800" kern="0">
+                <a:solidFill>
+                  <a:srgbClr val="9CDCFE"/>
+                </a:solidFill>
+                <a:effectLst/>
+                <a:latin typeface="Menlo" panose="020B0609030804020204" pitchFamily="49" charset="0"/>
+                <a:ea typeface="ＭＳ Ｐゴシック" panose="020B0600070205080204" pitchFamily="34" charset="-128"/>
+                <a:cs typeface="Times New Roman" panose="02020603050405020304" pitchFamily="18" charset="0"/>
+              </a:rPr>
+              <a:t>sum</a:t>
+            </a:r>
+            <a:r>
+              <a:rPr lang="en-US" altLang="ja-JP" sz="1800" kern="0">
+                <a:solidFill>
+                  <a:srgbClr val="CCCCCC"/>
+                </a:solidFill>
+                <a:effectLst/>
+                <a:latin typeface="Menlo" panose="020B0609030804020204" pitchFamily="49" charset="0"/>
+                <a:ea typeface="ＭＳ Ｐゴシック" panose="020B0600070205080204" pitchFamily="34" charset="-128"/>
+                <a:cs typeface="Times New Roman" panose="02020603050405020304" pitchFamily="18" charset="0"/>
+              </a:rPr>
+              <a:t> </a:t>
+            </a:r>
+            <a:r>
+              <a:rPr lang="en-US" altLang="ja-JP" sz="1800" kern="0">
+                <a:solidFill>
+                  <a:srgbClr val="D4D4D4"/>
+                </a:solidFill>
+                <a:effectLst/>
+                <a:latin typeface="Menlo" panose="020B0609030804020204" pitchFamily="49" charset="0"/>
+                <a:ea typeface="ＭＳ Ｐゴシック" panose="020B0600070205080204" pitchFamily="34" charset="-128"/>
+                <a:cs typeface="Times New Roman" panose="02020603050405020304" pitchFamily="18" charset="0"/>
+              </a:rPr>
+              <a:t>==</a:t>
+            </a:r>
+            <a:r>
+              <a:rPr lang="en-US" altLang="ja-JP" sz="1800" kern="0">
+                <a:solidFill>
+                  <a:srgbClr val="CCCCCC"/>
+                </a:solidFill>
+                <a:effectLst/>
+                <a:latin typeface="Menlo" panose="020B0609030804020204" pitchFamily="49" charset="0"/>
+                <a:ea typeface="ＭＳ Ｐゴシック" panose="020B0600070205080204" pitchFamily="34" charset="-128"/>
+                <a:cs typeface="Times New Roman" panose="02020603050405020304" pitchFamily="18" charset="0"/>
+              </a:rPr>
+              <a:t> </a:t>
+            </a:r>
+            <a:r>
+              <a:rPr lang="en-US" altLang="ja-JP" sz="1800" kern="0">
+                <a:solidFill>
+                  <a:srgbClr val="4FC1FF"/>
+                </a:solidFill>
+                <a:effectLst/>
+                <a:latin typeface="Menlo" panose="020B0609030804020204" pitchFamily="49" charset="0"/>
+                <a:ea typeface="ＭＳ Ｐゴシック" panose="020B0600070205080204" pitchFamily="34" charset="-128"/>
+                <a:cs typeface="Times New Roman" panose="02020603050405020304" pitchFamily="18" charset="0"/>
+              </a:rPr>
+              <a:t>X</a:t>
+            </a:r>
+            <a:r>
+              <a:rPr lang="en-US" altLang="ja-JP" sz="1800" kern="0">
+                <a:solidFill>
+                  <a:srgbClr val="CCCCCC"/>
+                </a:solidFill>
+                <a:effectLst/>
+                <a:latin typeface="Menlo" panose="020B0609030804020204" pitchFamily="49" charset="0"/>
+                <a:ea typeface="ＭＳ Ｐゴシック" panose="020B0600070205080204" pitchFamily="34" charset="-128"/>
+                <a:cs typeface="Times New Roman" panose="02020603050405020304" pitchFamily="18" charset="0"/>
+              </a:rPr>
+              <a:t>:</a:t>
+            </a:r>
+            <a:endParaRPr lang="ja-JP" altLang="ja-JP" sz="1800" kern="100">
+              <a:effectLst/>
+              <a:latin typeface="游明朝" panose="02020400000000000000" pitchFamily="18" charset="-128"/>
+              <a:ea typeface="游明朝" panose="02020400000000000000" pitchFamily="18" charset="-128"/>
+              <a:cs typeface="Times New Roman" panose="02020603050405020304" pitchFamily="18" charset="0"/>
+            </a:endParaRPr>
+          </a:p>
+          <a:p>
+            <a:pPr algn="l">
+              <a:lnSpc>
+                <a:spcPts val="1950"/>
+              </a:lnSpc>
+            </a:pPr>
+            <a:r>
+              <a:rPr lang="en-US" altLang="ja-JP" sz="1800" kern="0">
+                <a:solidFill>
+                  <a:srgbClr val="CCCCCC"/>
+                </a:solidFill>
+                <a:effectLst/>
+                <a:latin typeface="Menlo" panose="020B0609030804020204" pitchFamily="49" charset="0"/>
+                <a:ea typeface="ＭＳ Ｐゴシック" panose="020B0600070205080204" pitchFamily="34" charset="-128"/>
+                <a:cs typeface="Times New Roman" panose="02020603050405020304" pitchFamily="18" charset="0"/>
+              </a:rPr>
+              <a:t>                </a:t>
+            </a:r>
+            <a:r>
+              <a:rPr lang="en-US" altLang="ja-JP" sz="1800" kern="0">
+                <a:solidFill>
+                  <a:srgbClr val="9CDCFE"/>
+                </a:solidFill>
+                <a:effectLst/>
+                <a:latin typeface="Menlo" panose="020B0609030804020204" pitchFamily="49" charset="0"/>
+                <a:ea typeface="ＭＳ Ｐゴシック" panose="020B0600070205080204" pitchFamily="34" charset="-128"/>
+                <a:cs typeface="Times New Roman" panose="02020603050405020304" pitchFamily="18" charset="0"/>
+              </a:rPr>
+              <a:t>ans</a:t>
+            </a:r>
+            <a:r>
+              <a:rPr lang="en-US" altLang="ja-JP" sz="1800" kern="0">
+                <a:solidFill>
+                  <a:srgbClr val="CCCCCC"/>
+                </a:solidFill>
+                <a:effectLst/>
+                <a:latin typeface="Menlo" panose="020B0609030804020204" pitchFamily="49" charset="0"/>
+                <a:ea typeface="ＭＳ Ｐゴシック" panose="020B0600070205080204" pitchFamily="34" charset="-128"/>
+                <a:cs typeface="Times New Roman" panose="02020603050405020304" pitchFamily="18" charset="0"/>
+              </a:rPr>
+              <a:t> </a:t>
+            </a:r>
+            <a:r>
+              <a:rPr lang="en-US" altLang="ja-JP" sz="1800" kern="0">
+                <a:solidFill>
+                  <a:srgbClr val="D4D4D4"/>
+                </a:solidFill>
+                <a:effectLst/>
+                <a:latin typeface="Menlo" panose="020B0609030804020204" pitchFamily="49" charset="0"/>
+                <a:ea typeface="ＭＳ Ｐゴシック" panose="020B0600070205080204" pitchFamily="34" charset="-128"/>
+                <a:cs typeface="Times New Roman" panose="02020603050405020304" pitchFamily="18" charset="0"/>
+              </a:rPr>
+              <a:t>+=</a:t>
+            </a:r>
+            <a:r>
+              <a:rPr lang="en-US" altLang="ja-JP" sz="1800" kern="0">
+                <a:solidFill>
+                  <a:srgbClr val="CCCCCC"/>
+                </a:solidFill>
+                <a:effectLst/>
+                <a:latin typeface="Menlo" panose="020B0609030804020204" pitchFamily="49" charset="0"/>
+                <a:ea typeface="ＭＳ Ｐゴシック" panose="020B0600070205080204" pitchFamily="34" charset="-128"/>
+                <a:cs typeface="Times New Roman" panose="02020603050405020304" pitchFamily="18" charset="0"/>
+              </a:rPr>
+              <a:t> </a:t>
+            </a:r>
+            <a:r>
+              <a:rPr lang="en-US" altLang="ja-JP" sz="1800" kern="0">
+                <a:solidFill>
+                  <a:srgbClr val="B5CEA8"/>
+                </a:solidFill>
+                <a:effectLst/>
+                <a:latin typeface="Menlo" panose="020B0609030804020204" pitchFamily="49" charset="0"/>
+                <a:ea typeface="ＭＳ Ｐゴシック" panose="020B0600070205080204" pitchFamily="34" charset="-128"/>
+                <a:cs typeface="Times New Roman" panose="02020603050405020304" pitchFamily="18" charset="0"/>
+              </a:rPr>
+              <a:t>1</a:t>
+            </a:r>
+            <a:endParaRPr lang="ja-JP" altLang="ja-JP" sz="1800" kern="100">
+              <a:effectLst/>
+              <a:latin typeface="游明朝" panose="02020400000000000000" pitchFamily="18" charset="-128"/>
+              <a:ea typeface="游明朝" panose="02020400000000000000" pitchFamily="18" charset="-128"/>
+              <a:cs typeface="Times New Roman" panose="02020603050405020304" pitchFamily="18" charset="0"/>
+            </a:endParaRPr>
+          </a:p>
+          <a:p>
+            <a:pPr algn="l">
+              <a:lnSpc>
+                <a:spcPts val="1950"/>
+              </a:lnSpc>
+            </a:pPr>
+            <a:r>
+              <a:rPr lang="en-US" altLang="ja-JP" sz="1800" kern="0">
+                <a:solidFill>
+                  <a:srgbClr val="CCCCCC"/>
+                </a:solidFill>
+                <a:effectLst/>
+                <a:latin typeface="Menlo" panose="020B0609030804020204" pitchFamily="49" charset="0"/>
+                <a:ea typeface="ＭＳ Ｐゴシック" panose="020B0600070205080204" pitchFamily="34" charset="-128"/>
+                <a:cs typeface="Times New Roman" panose="02020603050405020304" pitchFamily="18" charset="0"/>
+              </a:rPr>
+              <a:t> </a:t>
+            </a:r>
+            <a:endParaRPr lang="ja-JP" altLang="ja-JP" sz="1800" kern="100">
+              <a:effectLst/>
+              <a:latin typeface="游明朝" panose="02020400000000000000" pitchFamily="18" charset="-128"/>
+              <a:ea typeface="游明朝" panose="02020400000000000000" pitchFamily="18" charset="-128"/>
+              <a:cs typeface="Times New Roman" panose="02020603050405020304" pitchFamily="18" charset="0"/>
+            </a:endParaRPr>
+          </a:p>
+          <a:p>
+            <a:pPr algn="l">
+              <a:lnSpc>
+                <a:spcPts val="1950"/>
+              </a:lnSpc>
+            </a:pPr>
+            <a:r>
+              <a:rPr lang="en-US" altLang="ja-JP" sz="1800" kern="0">
+                <a:solidFill>
+                  <a:srgbClr val="DCDCAA"/>
+                </a:solidFill>
+                <a:effectLst/>
+                <a:latin typeface="Menlo" panose="020B0609030804020204" pitchFamily="49" charset="0"/>
+                <a:ea typeface="ＭＳ Ｐゴシック" panose="020B0600070205080204" pitchFamily="34" charset="-128"/>
+                <a:cs typeface="Times New Roman" panose="02020603050405020304" pitchFamily="18" charset="0"/>
+              </a:rPr>
+              <a:t>print</a:t>
+            </a:r>
+            <a:r>
+              <a:rPr lang="en-US" altLang="ja-JP" sz="1800" kern="0">
+                <a:solidFill>
+                  <a:srgbClr val="CCCCCC"/>
+                </a:solidFill>
+                <a:effectLst/>
+                <a:latin typeface="Menlo" panose="020B0609030804020204" pitchFamily="49" charset="0"/>
+                <a:ea typeface="ＭＳ Ｐゴシック" panose="020B0600070205080204" pitchFamily="34" charset="-128"/>
+                <a:cs typeface="Times New Roman" panose="02020603050405020304" pitchFamily="18" charset="0"/>
+              </a:rPr>
+              <a:t>(</a:t>
+            </a:r>
+            <a:r>
+              <a:rPr lang="en-US" altLang="ja-JP" sz="1800" kern="0">
+                <a:solidFill>
+                  <a:srgbClr val="9CDCFE"/>
+                </a:solidFill>
+                <a:effectLst/>
+                <a:latin typeface="Menlo" panose="020B0609030804020204" pitchFamily="49" charset="0"/>
+                <a:ea typeface="ＭＳ Ｐゴシック" panose="020B0600070205080204" pitchFamily="34" charset="-128"/>
+                <a:cs typeface="Times New Roman" panose="02020603050405020304" pitchFamily="18" charset="0"/>
+              </a:rPr>
+              <a:t>ans</a:t>
+            </a:r>
+            <a:r>
+              <a:rPr lang="en-US" altLang="ja-JP" sz="1800" kern="0">
+                <a:solidFill>
+                  <a:srgbClr val="CCCCCC"/>
+                </a:solidFill>
+                <a:effectLst/>
+                <a:latin typeface="Menlo" panose="020B0609030804020204" pitchFamily="49" charset="0"/>
+                <a:ea typeface="ＭＳ Ｐゴシック" panose="020B0600070205080204" pitchFamily="34" charset="-128"/>
+                <a:cs typeface="Times New Roman" panose="02020603050405020304" pitchFamily="18" charset="0"/>
+              </a:rPr>
+              <a:t>)</a:t>
+            </a:r>
+            <a:endParaRPr lang="ja-JP" altLang="ja-JP" sz="1800" kern="100">
+              <a:effectLst/>
+              <a:latin typeface="游明朝" panose="02020400000000000000" pitchFamily="18" charset="-128"/>
+              <a:ea typeface="游明朝" panose="02020400000000000000" pitchFamily="18" charset="-128"/>
+              <a:cs typeface="Times New Roman" panose="02020603050405020304" pitchFamily="18" charset="0"/>
+            </a:endParaRPr>
+          </a:p>
+          <a:p>
+            <a:endParaRPr kumimoji="1" lang="ja-JP" altLang="en-US"/>
+          </a:p>
+        </p:txBody>
+      </p:sp>
+      <p:sp>
+        <p:nvSpPr>
+          <p:cNvPr id="6" name="テキスト ボックス 5">
+            <a:extLst>
+              <a:ext uri="{FF2B5EF4-FFF2-40B4-BE49-F238E27FC236}">
+                <a16:creationId xmlns:a16="http://schemas.microsoft.com/office/drawing/2014/main" id="{E542B258-7379-B7ED-F4FB-3419BE52A81F}"/>
+              </a:ext>
+            </a:extLst>
+          </p:cNvPr>
+          <p:cNvSpPr txBox="1"/>
+          <p:nvPr/>
+        </p:nvSpPr>
+        <p:spPr>
+          <a:xfrm>
+            <a:off x="2777562" y="1523206"/>
+            <a:ext cx="873759" cy="369332"/>
+          </a:xfrm>
+          <a:prstGeom prst="rect">
+            <a:avLst/>
+          </a:prstGeom>
+          <a:noFill/>
+        </p:spPr>
+        <p:txBody>
+          <a:bodyPr wrap="square" rtlCol="0">
+            <a:spAutoFit/>
+          </a:bodyPr>
+          <a:lstStyle/>
+          <a:p>
+            <a:r>
+              <a:rPr kumimoji="1" lang="en-US" altLang="ja-JP"/>
+              <a:t>C++</a:t>
+            </a:r>
+            <a:endParaRPr kumimoji="1" lang="ja-JP" altLang="en-US"/>
+          </a:p>
+        </p:txBody>
+      </p:sp>
+      <p:sp>
+        <p:nvSpPr>
+          <p:cNvPr id="7" name="テキスト ボックス 6">
+            <a:extLst>
+              <a:ext uri="{FF2B5EF4-FFF2-40B4-BE49-F238E27FC236}">
+                <a16:creationId xmlns:a16="http://schemas.microsoft.com/office/drawing/2014/main" id="{8BF48E59-600F-94DF-2251-49AB695BA9B4}"/>
+              </a:ext>
+            </a:extLst>
+          </p:cNvPr>
+          <p:cNvSpPr txBox="1"/>
+          <p:nvPr/>
+        </p:nvSpPr>
+        <p:spPr>
+          <a:xfrm>
+            <a:off x="8651186" y="2272129"/>
+            <a:ext cx="931665" cy="369332"/>
+          </a:xfrm>
+          <a:prstGeom prst="rect">
+            <a:avLst/>
+          </a:prstGeom>
+          <a:noFill/>
+        </p:spPr>
+        <p:txBody>
+          <a:bodyPr wrap="none" rtlCol="0">
+            <a:spAutoFit/>
+          </a:bodyPr>
+          <a:lstStyle/>
+          <a:p>
+            <a:r>
+              <a:rPr kumimoji="1" lang="en-US" altLang="ja-JP"/>
+              <a:t>Python</a:t>
+            </a:r>
+            <a:endParaRPr kumimoji="1" lang="ja-JP" altLang="en-US"/>
           </a:p>
         </p:txBody>
       </p:sp>
@@ -12693,6 +17015,1758 @@
     <p:extLst>
       <p:ext uri="{BB962C8B-B14F-4D97-AF65-F5344CB8AC3E}">
         <p14:creationId xmlns:p14="http://schemas.microsoft.com/office/powerpoint/2010/main" val="2518228326"/>
+      </p:ext>
+    </p:extLst>
+  </p:cSld>
+  <p:clrMapOvr>
+    <a:masterClrMapping/>
+  </p:clrMapOvr>
+</p:sld>
+</file>
+
+<file path=ppt/slides/slide21.xml><?xml version="1.0" encoding="utf-8"?>
+<p:sld xmlns:a="http://schemas.openxmlformats.org/drawingml/2006/main" xmlns:r="http://schemas.openxmlformats.org/officeDocument/2006/relationships" xmlns:p="http://schemas.openxmlformats.org/presentationml/2006/main">
+  <p:cSld>
+    <p:spTree>
+      <p:nvGrpSpPr>
+        <p:cNvPr id="1" name=""/>
+        <p:cNvGrpSpPr/>
+        <p:nvPr/>
+      </p:nvGrpSpPr>
+      <p:grpSpPr>
+        <a:xfrm>
+          <a:off x="0" y="0"/>
+          <a:ext cx="0" cy="0"/>
+          <a:chOff x="0" y="0"/>
+          <a:chExt cx="0" cy="0"/>
+        </a:xfrm>
+      </p:grpSpPr>
+      <p:sp>
+        <p:nvSpPr>
+          <p:cNvPr id="4" name="正方形/長方形 3">
+            <a:extLst>
+              <a:ext uri="{FF2B5EF4-FFF2-40B4-BE49-F238E27FC236}">
+                <a16:creationId xmlns:a16="http://schemas.microsoft.com/office/drawing/2014/main" id="{9DF20083-156A-16DA-0EEB-CA65C4F4EBBD}"/>
+              </a:ext>
+            </a:extLst>
+          </p:cNvPr>
+          <p:cNvSpPr/>
+          <p:nvPr/>
+        </p:nvSpPr>
+        <p:spPr>
+          <a:xfrm>
+            <a:off x="1396314" y="0"/>
+            <a:ext cx="10795686" cy="1397876"/>
+          </a:xfrm>
+          <a:prstGeom prst="rect">
+            <a:avLst/>
+          </a:prstGeom>
+          <a:solidFill>
+            <a:schemeClr val="accent5"/>
+          </a:solidFill>
+          <a:ln>
+            <a:noFill/>
+          </a:ln>
+        </p:spPr>
+        <p:style>
+          <a:lnRef idx="2">
+            <a:schemeClr val="accent1">
+              <a:shade val="15000"/>
+            </a:schemeClr>
+          </a:lnRef>
+          <a:fillRef idx="1">
+            <a:schemeClr val="accent1"/>
+          </a:fillRef>
+          <a:effectRef idx="0">
+            <a:schemeClr val="accent1"/>
+          </a:effectRef>
+          <a:fontRef idx="minor">
+            <a:schemeClr val="lt1"/>
+          </a:fontRef>
+        </p:style>
+        <p:txBody>
+          <a:bodyPr rtlCol="0" anchor="ctr"/>
+          <a:lstStyle/>
+          <a:p>
+            <a:r>
+              <a:rPr kumimoji="1" lang="en" altLang="ja-JP" sz="4000" b="1"/>
+              <a:t>ABC087B - Coins</a:t>
+            </a:r>
+            <a:endParaRPr kumimoji="1" lang="ja-JP" altLang="en-US" sz="4000" b="1"/>
+          </a:p>
+        </p:txBody>
+      </p:sp>
+      <p:sp>
+        <p:nvSpPr>
+          <p:cNvPr id="5" name="正方形/長方形 4">
+            <a:extLst>
+              <a:ext uri="{FF2B5EF4-FFF2-40B4-BE49-F238E27FC236}">
+                <a16:creationId xmlns:a16="http://schemas.microsoft.com/office/drawing/2014/main" id="{BD9D5376-097D-869C-B9C1-C3A110CFEA92}"/>
+              </a:ext>
+            </a:extLst>
+          </p:cNvPr>
+          <p:cNvSpPr/>
+          <p:nvPr/>
+        </p:nvSpPr>
+        <p:spPr>
+          <a:xfrm>
+            <a:off x="0" y="0"/>
+            <a:ext cx="1396314" cy="1397876"/>
+          </a:xfrm>
+          <a:prstGeom prst="rect">
+            <a:avLst/>
+          </a:prstGeom>
+          <a:ln>
+            <a:noFill/>
+          </a:ln>
+        </p:spPr>
+        <p:style>
+          <a:lnRef idx="2">
+            <a:schemeClr val="accent1">
+              <a:shade val="15000"/>
+            </a:schemeClr>
+          </a:lnRef>
+          <a:fillRef idx="1">
+            <a:schemeClr val="accent1"/>
+          </a:fillRef>
+          <a:effectRef idx="0">
+            <a:schemeClr val="accent1"/>
+          </a:effectRef>
+          <a:fontRef idx="minor">
+            <a:schemeClr val="lt1"/>
+          </a:fontRef>
+        </p:style>
+        <p:txBody>
+          <a:bodyPr rtlCol="0" anchor="ctr"/>
+          <a:lstStyle/>
+          <a:p>
+            <a:pPr algn="ctr"/>
+            <a:r>
+              <a:rPr kumimoji="1" lang="en-US" altLang="ja-JP" sz="3200" b="1"/>
+              <a:t>5.2</a:t>
+            </a:r>
+            <a:endParaRPr kumimoji="1" lang="ja-JP" altLang="en-US" sz="3200" b="1"/>
+          </a:p>
+        </p:txBody>
+      </p:sp>
+      <p:sp>
+        <p:nvSpPr>
+          <p:cNvPr id="2" name="テキスト ボックス 1">
+            <a:extLst>
+              <a:ext uri="{FF2B5EF4-FFF2-40B4-BE49-F238E27FC236}">
+                <a16:creationId xmlns:a16="http://schemas.microsoft.com/office/drawing/2014/main" id="{55DCEEB2-CFE2-9349-3C86-6CF1BF1D27AB}"/>
+              </a:ext>
+            </a:extLst>
+          </p:cNvPr>
+          <p:cNvSpPr txBox="1"/>
+          <p:nvPr/>
+        </p:nvSpPr>
+        <p:spPr>
+          <a:xfrm>
+            <a:off x="497840" y="1686560"/>
+            <a:ext cx="3877985" cy="584775"/>
+          </a:xfrm>
+          <a:prstGeom prst="rect">
+            <a:avLst/>
+          </a:prstGeom>
+          <a:noFill/>
+        </p:spPr>
+        <p:txBody>
+          <a:bodyPr wrap="none" rtlCol="0">
+            <a:spAutoFit/>
+          </a:bodyPr>
+          <a:lstStyle/>
+          <a:p>
+            <a:r>
+              <a:rPr kumimoji="1" lang="ja-JP" altLang="en-US" sz="3200"/>
+              <a:t>この問題のポイント</a:t>
+            </a:r>
+          </a:p>
+        </p:txBody>
+      </p:sp>
+      <p:sp>
+        <p:nvSpPr>
+          <p:cNvPr id="3" name="テキスト ボックス 2">
+            <a:extLst>
+              <a:ext uri="{FF2B5EF4-FFF2-40B4-BE49-F238E27FC236}">
+                <a16:creationId xmlns:a16="http://schemas.microsoft.com/office/drawing/2014/main" id="{760D5D3E-BB70-9312-A852-9D30A0EF0A14}"/>
+              </a:ext>
+            </a:extLst>
+          </p:cNvPr>
+          <p:cNvSpPr txBox="1"/>
+          <p:nvPr/>
+        </p:nvSpPr>
+        <p:spPr>
+          <a:xfrm>
+            <a:off x="698157" y="2742899"/>
+            <a:ext cx="2646878" cy="584775"/>
+          </a:xfrm>
+          <a:prstGeom prst="rect">
+            <a:avLst/>
+          </a:prstGeom>
+          <a:noFill/>
+        </p:spPr>
+        <p:txBody>
+          <a:bodyPr wrap="none" rtlCol="0">
+            <a:spAutoFit/>
+          </a:bodyPr>
+          <a:lstStyle/>
+          <a:p>
+            <a:r>
+              <a:rPr kumimoji="1" lang="ja-JP" altLang="en-US" sz="3200"/>
+              <a:t>・多重ループ</a:t>
+            </a:r>
+          </a:p>
+        </p:txBody>
+      </p:sp>
+    </p:spTree>
+    <p:extLst>
+      <p:ext uri="{BB962C8B-B14F-4D97-AF65-F5344CB8AC3E}">
+        <p14:creationId xmlns:p14="http://schemas.microsoft.com/office/powerpoint/2010/main" val="940485968"/>
+      </p:ext>
+    </p:extLst>
+  </p:cSld>
+  <p:clrMapOvr>
+    <a:masterClrMapping/>
+  </p:clrMapOvr>
+</p:sld>
+</file>
+
+<file path=ppt/slides/slide22.xml><?xml version="1.0" encoding="utf-8"?>
+<p:sld xmlns:a="http://schemas.openxmlformats.org/drawingml/2006/main" xmlns:r="http://schemas.openxmlformats.org/officeDocument/2006/relationships" xmlns:p="http://schemas.openxmlformats.org/presentationml/2006/main">
+  <p:cSld>
+    <p:spTree>
+      <p:nvGrpSpPr>
+        <p:cNvPr id="1" name=""/>
+        <p:cNvGrpSpPr/>
+        <p:nvPr/>
+      </p:nvGrpSpPr>
+      <p:grpSpPr>
+        <a:xfrm>
+          <a:off x="0" y="0"/>
+          <a:ext cx="0" cy="0"/>
+          <a:chOff x="0" y="0"/>
+          <a:chExt cx="0" cy="0"/>
+        </a:xfrm>
+      </p:grpSpPr>
+      <p:sp>
+        <p:nvSpPr>
+          <p:cNvPr id="4" name="正方形/長方形 3">
+            <a:extLst>
+              <a:ext uri="{FF2B5EF4-FFF2-40B4-BE49-F238E27FC236}">
+                <a16:creationId xmlns:a16="http://schemas.microsoft.com/office/drawing/2014/main" id="{9DF20083-156A-16DA-0EEB-CA65C4F4EBBD}"/>
+              </a:ext>
+            </a:extLst>
+          </p:cNvPr>
+          <p:cNvSpPr/>
+          <p:nvPr/>
+        </p:nvSpPr>
+        <p:spPr>
+          <a:xfrm>
+            <a:off x="1396314" y="0"/>
+            <a:ext cx="10795686" cy="1397876"/>
+          </a:xfrm>
+          <a:prstGeom prst="rect">
+            <a:avLst/>
+          </a:prstGeom>
+          <a:solidFill>
+            <a:schemeClr val="accent5"/>
+          </a:solidFill>
+          <a:ln>
+            <a:noFill/>
+          </a:ln>
+        </p:spPr>
+        <p:style>
+          <a:lnRef idx="2">
+            <a:schemeClr val="accent1">
+              <a:shade val="15000"/>
+            </a:schemeClr>
+          </a:lnRef>
+          <a:fillRef idx="1">
+            <a:schemeClr val="accent1"/>
+          </a:fillRef>
+          <a:effectRef idx="0">
+            <a:schemeClr val="accent1"/>
+          </a:effectRef>
+          <a:fontRef idx="minor">
+            <a:schemeClr val="lt1"/>
+          </a:fontRef>
+        </p:style>
+        <p:txBody>
+          <a:bodyPr rtlCol="0" anchor="ctr"/>
+          <a:lstStyle/>
+          <a:p>
+            <a:r>
+              <a:rPr kumimoji="1" lang="ja-JP" altLang="en-US" sz="4000" b="1">
+                <a:solidFill>
+                  <a:schemeClr val="tx1"/>
+                </a:solidFill>
+              </a:rPr>
+              <a:t>多重ループに慣れる</a:t>
+            </a:r>
+          </a:p>
+        </p:txBody>
+      </p:sp>
+      <p:sp>
+        <p:nvSpPr>
+          <p:cNvPr id="5" name="正方形/長方形 4">
+            <a:extLst>
+              <a:ext uri="{FF2B5EF4-FFF2-40B4-BE49-F238E27FC236}">
+                <a16:creationId xmlns:a16="http://schemas.microsoft.com/office/drawing/2014/main" id="{BD9D5376-097D-869C-B9C1-C3A110CFEA92}"/>
+              </a:ext>
+            </a:extLst>
+          </p:cNvPr>
+          <p:cNvSpPr/>
+          <p:nvPr/>
+        </p:nvSpPr>
+        <p:spPr>
+          <a:xfrm>
+            <a:off x="0" y="0"/>
+            <a:ext cx="1396314" cy="1397876"/>
+          </a:xfrm>
+          <a:prstGeom prst="rect">
+            <a:avLst/>
+          </a:prstGeom>
+          <a:ln>
+            <a:noFill/>
+          </a:ln>
+        </p:spPr>
+        <p:style>
+          <a:lnRef idx="2">
+            <a:schemeClr val="accent1">
+              <a:shade val="15000"/>
+            </a:schemeClr>
+          </a:lnRef>
+          <a:fillRef idx="1">
+            <a:schemeClr val="accent1"/>
+          </a:fillRef>
+          <a:effectRef idx="0">
+            <a:schemeClr val="accent1"/>
+          </a:effectRef>
+          <a:fontRef idx="minor">
+            <a:schemeClr val="lt1"/>
+          </a:fontRef>
+        </p:style>
+        <p:txBody>
+          <a:bodyPr rtlCol="0" anchor="ctr"/>
+          <a:lstStyle/>
+          <a:p>
+            <a:pPr algn="ctr"/>
+            <a:r>
+              <a:rPr kumimoji="1" lang="en-US" altLang="ja-JP" sz="3200" b="1"/>
+              <a:t>5.3</a:t>
+            </a:r>
+            <a:endParaRPr kumimoji="1" lang="ja-JP" altLang="en-US" sz="3200" b="1"/>
+          </a:p>
+        </p:txBody>
+      </p:sp>
+      <p:sp>
+        <p:nvSpPr>
+          <p:cNvPr id="2" name="テキスト ボックス 1">
+            <a:extLst>
+              <a:ext uri="{FF2B5EF4-FFF2-40B4-BE49-F238E27FC236}">
+                <a16:creationId xmlns:a16="http://schemas.microsoft.com/office/drawing/2014/main" id="{2F55A433-5E84-2E9D-457A-624441B7BA6A}"/>
+              </a:ext>
+            </a:extLst>
+          </p:cNvPr>
+          <p:cNvSpPr txBox="1"/>
+          <p:nvPr/>
+        </p:nvSpPr>
+        <p:spPr>
+          <a:xfrm>
+            <a:off x="698157" y="1960880"/>
+            <a:ext cx="4493538" cy="523220"/>
+          </a:xfrm>
+          <a:prstGeom prst="rect">
+            <a:avLst/>
+          </a:prstGeom>
+          <a:noFill/>
+        </p:spPr>
+        <p:txBody>
+          <a:bodyPr wrap="none" rtlCol="0">
+            <a:spAutoFit/>
+          </a:bodyPr>
+          <a:lstStyle/>
+          <a:p>
+            <a:r>
+              <a:rPr kumimoji="1" lang="ja-JP" altLang="en-US" sz="2800"/>
+              <a:t>多重ループには慣れも必要</a:t>
+            </a:r>
+          </a:p>
+        </p:txBody>
+      </p:sp>
+      <p:sp>
+        <p:nvSpPr>
+          <p:cNvPr id="6" name="テキスト ボックス 5">
+            <a:extLst>
+              <a:ext uri="{FF2B5EF4-FFF2-40B4-BE49-F238E27FC236}">
+                <a16:creationId xmlns:a16="http://schemas.microsoft.com/office/drawing/2014/main" id="{70F931C0-82EC-14A0-6E45-9AA2A2D77667}"/>
+              </a:ext>
+            </a:extLst>
+          </p:cNvPr>
+          <p:cNvSpPr txBox="1"/>
+          <p:nvPr/>
+        </p:nvSpPr>
+        <p:spPr>
+          <a:xfrm>
+            <a:off x="698157" y="3393440"/>
+            <a:ext cx="1261884" cy="523220"/>
+          </a:xfrm>
+          <a:prstGeom prst="rect">
+            <a:avLst/>
+          </a:prstGeom>
+          <a:noFill/>
+        </p:spPr>
+        <p:txBody>
+          <a:bodyPr wrap="none" rtlCol="0">
+            <a:spAutoFit/>
+          </a:bodyPr>
+          <a:lstStyle/>
+          <a:p>
+            <a:r>
+              <a:rPr kumimoji="1" lang="ja-JP" altLang="en-US" sz="2800"/>
+              <a:t>添字を</a:t>
+            </a:r>
+          </a:p>
+        </p:txBody>
+      </p:sp>
+      <p:sp>
+        <p:nvSpPr>
+          <p:cNvPr id="8" name="テキスト ボックス 7">
+            <a:extLst>
+              <a:ext uri="{FF2B5EF4-FFF2-40B4-BE49-F238E27FC236}">
+                <a16:creationId xmlns:a16="http://schemas.microsoft.com/office/drawing/2014/main" id="{EBCE7703-1EB7-13B5-D9A6-70862038603B}"/>
+              </a:ext>
+            </a:extLst>
+          </p:cNvPr>
+          <p:cNvSpPr txBox="1"/>
+          <p:nvPr/>
+        </p:nvSpPr>
+        <p:spPr>
+          <a:xfrm>
+            <a:off x="2494998" y="3406874"/>
+            <a:ext cx="1381760" cy="523220"/>
+          </a:xfrm>
+          <a:prstGeom prst="rect">
+            <a:avLst/>
+          </a:prstGeom>
+          <a:noFill/>
+        </p:spPr>
+        <p:txBody>
+          <a:bodyPr wrap="square">
+            <a:spAutoFit/>
+          </a:bodyPr>
+          <a:lstStyle/>
+          <a:p>
+            <a:r>
+              <a:rPr kumimoji="1" lang="en-US" altLang="ja-JP" sz="2800"/>
+              <a:t>i,j,k...</a:t>
+            </a:r>
+            <a:endParaRPr lang="ja-JP" altLang="en-US" sz="2800"/>
+          </a:p>
+        </p:txBody>
+      </p:sp>
+      <p:sp>
+        <p:nvSpPr>
+          <p:cNvPr id="9" name="テキスト ボックス 8">
+            <a:extLst>
+              <a:ext uri="{FF2B5EF4-FFF2-40B4-BE49-F238E27FC236}">
+                <a16:creationId xmlns:a16="http://schemas.microsoft.com/office/drawing/2014/main" id="{E27C628F-D437-284B-2C7F-DA4B7DC851BA}"/>
+              </a:ext>
+            </a:extLst>
+          </p:cNvPr>
+          <p:cNvSpPr txBox="1"/>
+          <p:nvPr/>
+        </p:nvSpPr>
+        <p:spPr>
+          <a:xfrm>
+            <a:off x="5913109" y="3437651"/>
+            <a:ext cx="2646878" cy="461665"/>
+          </a:xfrm>
+          <a:prstGeom prst="rect">
+            <a:avLst/>
+          </a:prstGeom>
+          <a:noFill/>
+        </p:spPr>
+        <p:txBody>
+          <a:bodyPr wrap="none" rtlCol="0">
+            <a:spAutoFit/>
+          </a:bodyPr>
+          <a:lstStyle/>
+          <a:p>
+            <a:r>
+              <a:rPr lang="ja-JP" altLang="en-US" sz="2400"/>
+              <a:t>分かりやすい添字</a:t>
+            </a:r>
+            <a:endParaRPr kumimoji="1" lang="ja-JP" altLang="en-US" sz="2400"/>
+          </a:p>
+        </p:txBody>
+      </p:sp>
+      <p:sp>
+        <p:nvSpPr>
+          <p:cNvPr id="10" name="テキスト ボックス 9">
+            <a:extLst>
+              <a:ext uri="{FF2B5EF4-FFF2-40B4-BE49-F238E27FC236}">
+                <a16:creationId xmlns:a16="http://schemas.microsoft.com/office/drawing/2014/main" id="{9DD5CD4D-3CE3-A742-F46C-330155B2A215}"/>
+              </a:ext>
+            </a:extLst>
+          </p:cNvPr>
+          <p:cNvSpPr txBox="1"/>
+          <p:nvPr/>
+        </p:nvSpPr>
+        <p:spPr>
+          <a:xfrm>
+            <a:off x="4411715" y="3406874"/>
+            <a:ext cx="543739" cy="523220"/>
+          </a:xfrm>
+          <a:prstGeom prst="rect">
+            <a:avLst/>
+          </a:prstGeom>
+          <a:noFill/>
+        </p:spPr>
+        <p:txBody>
+          <a:bodyPr wrap="none" rtlCol="0">
+            <a:spAutoFit/>
+          </a:bodyPr>
+          <a:lstStyle/>
+          <a:p>
+            <a:r>
+              <a:rPr lang="ja-JP" altLang="en-US" sz="2800"/>
+              <a:t>⇒</a:t>
+            </a:r>
+            <a:endParaRPr kumimoji="1" lang="ja-JP" altLang="en-US" sz="2800"/>
+          </a:p>
+        </p:txBody>
+      </p:sp>
+      <p:sp>
+        <p:nvSpPr>
+          <p:cNvPr id="11" name="テキスト ボックス 10">
+            <a:extLst>
+              <a:ext uri="{FF2B5EF4-FFF2-40B4-BE49-F238E27FC236}">
+                <a16:creationId xmlns:a16="http://schemas.microsoft.com/office/drawing/2014/main" id="{5D477479-3190-7402-333B-1D74D5427208}"/>
+              </a:ext>
+            </a:extLst>
+          </p:cNvPr>
+          <p:cNvSpPr txBox="1"/>
+          <p:nvPr/>
+        </p:nvSpPr>
+        <p:spPr>
+          <a:xfrm>
+            <a:off x="9712960" y="3616960"/>
+            <a:ext cx="877163" cy="369332"/>
+          </a:xfrm>
+          <a:prstGeom prst="rect">
+            <a:avLst/>
+          </a:prstGeom>
+          <a:noFill/>
+        </p:spPr>
+        <p:txBody>
+          <a:bodyPr wrap="none" rtlCol="0">
+            <a:spAutoFit/>
+          </a:bodyPr>
+          <a:lstStyle/>
+          <a:p>
+            <a:r>
+              <a:rPr kumimoji="1" lang="ja-JP" altLang="en-US"/>
+              <a:t>にする</a:t>
+            </a:r>
+          </a:p>
+        </p:txBody>
+      </p:sp>
+      <p:sp>
+        <p:nvSpPr>
+          <p:cNvPr id="12" name="テキスト ボックス 11">
+            <a:extLst>
+              <a:ext uri="{FF2B5EF4-FFF2-40B4-BE49-F238E27FC236}">
+                <a16:creationId xmlns:a16="http://schemas.microsoft.com/office/drawing/2014/main" id="{7B1660E0-B7FF-4DBA-6613-DD9AFF1B3CC7}"/>
+              </a:ext>
+            </a:extLst>
+          </p:cNvPr>
+          <p:cNvSpPr txBox="1"/>
+          <p:nvPr/>
+        </p:nvSpPr>
+        <p:spPr>
+          <a:xfrm>
+            <a:off x="863600" y="4765040"/>
+            <a:ext cx="505267" cy="369332"/>
+          </a:xfrm>
+          <a:prstGeom prst="rect">
+            <a:avLst/>
+          </a:prstGeom>
+          <a:noFill/>
+        </p:spPr>
+        <p:txBody>
+          <a:bodyPr wrap="none" rtlCol="0">
+            <a:spAutoFit/>
+          </a:bodyPr>
+          <a:lstStyle/>
+          <a:p>
+            <a:r>
+              <a:rPr kumimoji="1" lang="ja-JP" altLang="en-US"/>
+              <a:t>例</a:t>
+            </a:r>
+            <a:r>
+              <a:rPr lang="en-US" altLang="ja-JP"/>
+              <a:t>)</a:t>
+            </a:r>
+            <a:endParaRPr kumimoji="1" lang="ja-JP" altLang="en-US"/>
+          </a:p>
+        </p:txBody>
+      </p:sp>
+      <p:sp>
+        <p:nvSpPr>
+          <p:cNvPr id="13" name="テキスト ボックス 12">
+            <a:extLst>
+              <a:ext uri="{FF2B5EF4-FFF2-40B4-BE49-F238E27FC236}">
+                <a16:creationId xmlns:a16="http://schemas.microsoft.com/office/drawing/2014/main" id="{DAF89F67-F813-8DD0-5AD2-5C654C64C471}"/>
+              </a:ext>
+            </a:extLst>
+          </p:cNvPr>
+          <p:cNvSpPr txBox="1"/>
+          <p:nvPr/>
+        </p:nvSpPr>
+        <p:spPr>
+          <a:xfrm>
+            <a:off x="1809079" y="4994196"/>
+            <a:ext cx="5205271" cy="1887696"/>
+          </a:xfrm>
+          <a:prstGeom prst="rect">
+            <a:avLst/>
+          </a:prstGeom>
+          <a:solidFill>
+            <a:schemeClr val="tx1"/>
+          </a:solidFill>
+        </p:spPr>
+        <p:txBody>
+          <a:bodyPr wrap="none" rtlCol="0">
+            <a:spAutoFit/>
+          </a:bodyPr>
+          <a:lstStyle/>
+          <a:p>
+            <a:pPr indent="165100" algn="l">
+              <a:lnSpc>
+                <a:spcPts val="1950"/>
+              </a:lnSpc>
+            </a:pPr>
+            <a:r>
+              <a:rPr lang="en-US" altLang="ja-JP" sz="1800" kern="0">
+                <a:solidFill>
+                  <a:srgbClr val="C586C0"/>
+                </a:solidFill>
+                <a:effectLst/>
+                <a:latin typeface="Menlo" panose="020B0609030804020204" pitchFamily="49" charset="0"/>
+                <a:ea typeface="ＭＳ Ｐゴシック" panose="020B0600070205080204" pitchFamily="34" charset="-128"/>
+                <a:cs typeface="Times New Roman" panose="02020603050405020304" pitchFamily="18" charset="0"/>
+              </a:rPr>
+              <a:t>for</a:t>
+            </a:r>
+            <a:r>
+              <a:rPr lang="en-US" altLang="ja-JP" sz="1800" kern="0">
+                <a:solidFill>
+                  <a:srgbClr val="CCCCCC"/>
+                </a:solidFill>
+                <a:effectLst/>
+                <a:latin typeface="Menlo" panose="020B0609030804020204" pitchFamily="49" charset="0"/>
+                <a:ea typeface="ＭＳ Ｐゴシック" panose="020B0600070205080204" pitchFamily="34" charset="-128"/>
+                <a:cs typeface="Times New Roman" panose="02020603050405020304" pitchFamily="18" charset="0"/>
+              </a:rPr>
+              <a:t> (</a:t>
+            </a:r>
+            <a:r>
+              <a:rPr lang="en-US" altLang="ja-JP" sz="1800" kern="0">
+                <a:solidFill>
+                  <a:srgbClr val="569CD6"/>
+                </a:solidFill>
+                <a:effectLst/>
+                <a:latin typeface="Menlo" panose="020B0609030804020204" pitchFamily="49" charset="0"/>
+                <a:ea typeface="ＭＳ Ｐゴシック" panose="020B0600070205080204" pitchFamily="34" charset="-128"/>
+                <a:cs typeface="Times New Roman" panose="02020603050405020304" pitchFamily="18" charset="0"/>
+              </a:rPr>
+              <a:t>int</a:t>
+            </a:r>
+            <a:r>
+              <a:rPr lang="en-US" altLang="ja-JP" sz="1800" kern="0">
+                <a:solidFill>
+                  <a:srgbClr val="CCCCCC"/>
+                </a:solidFill>
+                <a:effectLst/>
+                <a:latin typeface="Menlo" panose="020B0609030804020204" pitchFamily="49" charset="0"/>
+                <a:ea typeface="ＭＳ Ｐゴシック" panose="020B0600070205080204" pitchFamily="34" charset="-128"/>
+                <a:cs typeface="Times New Roman" panose="02020603050405020304" pitchFamily="18" charset="0"/>
+              </a:rPr>
+              <a:t> </a:t>
+            </a:r>
+            <a:r>
+              <a:rPr lang="en-US" altLang="ja-JP" sz="1800" kern="0">
+                <a:solidFill>
+                  <a:srgbClr val="9CDCFE"/>
+                </a:solidFill>
+                <a:effectLst/>
+                <a:latin typeface="Menlo" panose="020B0609030804020204" pitchFamily="49" charset="0"/>
+                <a:ea typeface="ＭＳ Ｐゴシック" panose="020B0600070205080204" pitchFamily="34" charset="-128"/>
+                <a:cs typeface="Times New Roman" panose="02020603050405020304" pitchFamily="18" charset="0"/>
+              </a:rPr>
+              <a:t>a</a:t>
+            </a:r>
+            <a:r>
+              <a:rPr lang="en-US" altLang="ja-JP" sz="1800" kern="0">
+                <a:solidFill>
+                  <a:srgbClr val="CCCCCC"/>
+                </a:solidFill>
+                <a:effectLst/>
+                <a:latin typeface="Menlo" panose="020B0609030804020204" pitchFamily="49" charset="0"/>
+                <a:ea typeface="ＭＳ Ｐゴシック" panose="020B0600070205080204" pitchFamily="34" charset="-128"/>
+                <a:cs typeface="Times New Roman" panose="02020603050405020304" pitchFamily="18" charset="0"/>
+              </a:rPr>
+              <a:t> </a:t>
+            </a:r>
+            <a:r>
+              <a:rPr lang="en-US" altLang="ja-JP" sz="1800" kern="0">
+                <a:solidFill>
+                  <a:srgbClr val="D4D4D4"/>
+                </a:solidFill>
+                <a:effectLst/>
+                <a:latin typeface="Menlo" panose="020B0609030804020204" pitchFamily="49" charset="0"/>
+                <a:ea typeface="ＭＳ Ｐゴシック" panose="020B0600070205080204" pitchFamily="34" charset="-128"/>
+                <a:cs typeface="Times New Roman" panose="02020603050405020304" pitchFamily="18" charset="0"/>
+              </a:rPr>
+              <a:t>=</a:t>
+            </a:r>
+            <a:r>
+              <a:rPr lang="en-US" altLang="ja-JP" sz="1800" kern="0">
+                <a:solidFill>
+                  <a:srgbClr val="CCCCCC"/>
+                </a:solidFill>
+                <a:effectLst/>
+                <a:latin typeface="Menlo" panose="020B0609030804020204" pitchFamily="49" charset="0"/>
+                <a:ea typeface="ＭＳ Ｐゴシック" panose="020B0600070205080204" pitchFamily="34" charset="-128"/>
+                <a:cs typeface="Times New Roman" panose="02020603050405020304" pitchFamily="18" charset="0"/>
+              </a:rPr>
+              <a:t> </a:t>
+            </a:r>
+            <a:r>
+              <a:rPr lang="en-US" altLang="ja-JP" sz="1800" kern="0">
+                <a:solidFill>
+                  <a:srgbClr val="B5CEA8"/>
+                </a:solidFill>
+                <a:effectLst/>
+                <a:latin typeface="Menlo" panose="020B0609030804020204" pitchFamily="49" charset="0"/>
+                <a:ea typeface="ＭＳ Ｐゴシック" panose="020B0600070205080204" pitchFamily="34" charset="-128"/>
+                <a:cs typeface="Times New Roman" panose="02020603050405020304" pitchFamily="18" charset="0"/>
+              </a:rPr>
+              <a:t>0</a:t>
+            </a:r>
+            <a:r>
+              <a:rPr lang="en-US" altLang="ja-JP" sz="1800" kern="0">
+                <a:solidFill>
+                  <a:srgbClr val="CCCCCC"/>
+                </a:solidFill>
+                <a:effectLst/>
+                <a:latin typeface="Menlo" panose="020B0609030804020204" pitchFamily="49" charset="0"/>
+                <a:ea typeface="ＭＳ Ｐゴシック" panose="020B0600070205080204" pitchFamily="34" charset="-128"/>
+                <a:cs typeface="Times New Roman" panose="02020603050405020304" pitchFamily="18" charset="0"/>
+              </a:rPr>
+              <a:t>; </a:t>
+            </a:r>
+            <a:r>
+              <a:rPr lang="en-US" altLang="ja-JP" sz="1800" kern="0">
+                <a:solidFill>
+                  <a:srgbClr val="9CDCFE"/>
+                </a:solidFill>
+                <a:effectLst/>
+                <a:latin typeface="Menlo" panose="020B0609030804020204" pitchFamily="49" charset="0"/>
+                <a:ea typeface="ＭＳ Ｐゴシック" panose="020B0600070205080204" pitchFamily="34" charset="-128"/>
+                <a:cs typeface="Times New Roman" panose="02020603050405020304" pitchFamily="18" charset="0"/>
+              </a:rPr>
+              <a:t>a</a:t>
+            </a:r>
+            <a:r>
+              <a:rPr lang="en-US" altLang="ja-JP" sz="1800" kern="0">
+                <a:solidFill>
+                  <a:srgbClr val="CCCCCC"/>
+                </a:solidFill>
+                <a:effectLst/>
+                <a:latin typeface="Menlo" panose="020B0609030804020204" pitchFamily="49" charset="0"/>
+                <a:ea typeface="ＭＳ Ｐゴシック" panose="020B0600070205080204" pitchFamily="34" charset="-128"/>
+                <a:cs typeface="Times New Roman" panose="02020603050405020304" pitchFamily="18" charset="0"/>
+              </a:rPr>
+              <a:t> </a:t>
+            </a:r>
+            <a:r>
+              <a:rPr lang="en-US" altLang="ja-JP" sz="1800" kern="0">
+                <a:solidFill>
+                  <a:srgbClr val="D4D4D4"/>
+                </a:solidFill>
+                <a:effectLst/>
+                <a:latin typeface="Menlo" panose="020B0609030804020204" pitchFamily="49" charset="0"/>
+                <a:ea typeface="ＭＳ Ｐゴシック" panose="020B0600070205080204" pitchFamily="34" charset="-128"/>
+                <a:cs typeface="Times New Roman" panose="02020603050405020304" pitchFamily="18" charset="0"/>
+              </a:rPr>
+              <a:t>&lt;=</a:t>
+            </a:r>
+            <a:r>
+              <a:rPr lang="en-US" altLang="ja-JP" sz="1800" kern="0">
+                <a:solidFill>
+                  <a:srgbClr val="CCCCCC"/>
+                </a:solidFill>
+                <a:effectLst/>
+                <a:latin typeface="Menlo" panose="020B0609030804020204" pitchFamily="49" charset="0"/>
+                <a:ea typeface="ＭＳ Ｐゴシック" panose="020B0600070205080204" pitchFamily="34" charset="-128"/>
+                <a:cs typeface="Times New Roman" panose="02020603050405020304" pitchFamily="18" charset="0"/>
+              </a:rPr>
+              <a:t> </a:t>
+            </a:r>
+            <a:r>
+              <a:rPr lang="en-US" altLang="ja-JP" sz="1800" kern="0">
+                <a:solidFill>
+                  <a:srgbClr val="9CDCFE"/>
+                </a:solidFill>
+                <a:effectLst/>
+                <a:latin typeface="Menlo" panose="020B0609030804020204" pitchFamily="49" charset="0"/>
+                <a:ea typeface="ＭＳ Ｐゴシック" panose="020B0600070205080204" pitchFamily="34" charset="-128"/>
+                <a:cs typeface="Times New Roman" panose="02020603050405020304" pitchFamily="18" charset="0"/>
+              </a:rPr>
+              <a:t>A</a:t>
+            </a:r>
+            <a:r>
+              <a:rPr lang="en-US" altLang="ja-JP" sz="1800" kern="0">
+                <a:solidFill>
+                  <a:srgbClr val="CCCCCC"/>
+                </a:solidFill>
+                <a:effectLst/>
+                <a:latin typeface="Menlo" panose="020B0609030804020204" pitchFamily="49" charset="0"/>
+                <a:ea typeface="ＭＳ Ｐゴシック" panose="020B0600070205080204" pitchFamily="34" charset="-128"/>
+                <a:cs typeface="Times New Roman" panose="02020603050405020304" pitchFamily="18" charset="0"/>
+              </a:rPr>
+              <a:t>; </a:t>
+            </a:r>
+            <a:r>
+              <a:rPr lang="en-US" altLang="ja-JP" sz="1800" kern="0">
+                <a:solidFill>
+                  <a:srgbClr val="D4D4D4"/>
+                </a:solidFill>
+                <a:effectLst/>
+                <a:latin typeface="Menlo" panose="020B0609030804020204" pitchFamily="49" charset="0"/>
+                <a:ea typeface="ＭＳ Ｐゴシック" panose="020B0600070205080204" pitchFamily="34" charset="-128"/>
+                <a:cs typeface="Times New Roman" panose="02020603050405020304" pitchFamily="18" charset="0"/>
+              </a:rPr>
+              <a:t>++</a:t>
+            </a:r>
+            <a:r>
+              <a:rPr lang="en-US" altLang="ja-JP" sz="1800" kern="0">
+                <a:solidFill>
+                  <a:srgbClr val="9CDCFE"/>
+                </a:solidFill>
+                <a:effectLst/>
+                <a:latin typeface="Menlo" panose="020B0609030804020204" pitchFamily="49" charset="0"/>
+                <a:ea typeface="ＭＳ Ｐゴシック" panose="020B0600070205080204" pitchFamily="34" charset="-128"/>
+                <a:cs typeface="Times New Roman" panose="02020603050405020304" pitchFamily="18" charset="0"/>
+              </a:rPr>
+              <a:t>a</a:t>
+            </a:r>
+            <a:r>
+              <a:rPr lang="en-US" altLang="ja-JP" sz="1800" kern="0">
+                <a:solidFill>
+                  <a:srgbClr val="CCCCCC"/>
+                </a:solidFill>
+                <a:effectLst/>
+                <a:latin typeface="Menlo" panose="020B0609030804020204" pitchFamily="49" charset="0"/>
+                <a:ea typeface="ＭＳ Ｐゴシック" panose="020B0600070205080204" pitchFamily="34" charset="-128"/>
+                <a:cs typeface="Times New Roman" panose="02020603050405020304" pitchFamily="18" charset="0"/>
+              </a:rPr>
+              <a:t>) {</a:t>
+            </a:r>
+            <a:endParaRPr lang="ja-JP" altLang="ja-JP" sz="1800" kern="100">
+              <a:effectLst/>
+              <a:latin typeface="游明朝" panose="02020400000000000000" pitchFamily="18" charset="-128"/>
+              <a:ea typeface="游明朝" panose="02020400000000000000" pitchFamily="18" charset="-128"/>
+              <a:cs typeface="Times New Roman" panose="02020603050405020304" pitchFamily="18" charset="0"/>
+            </a:endParaRPr>
+          </a:p>
+          <a:p>
+            <a:pPr algn="l">
+              <a:lnSpc>
+                <a:spcPts val="1950"/>
+              </a:lnSpc>
+            </a:pPr>
+            <a:r>
+              <a:rPr lang="en-US" altLang="ja-JP" sz="1800" kern="0">
+                <a:solidFill>
+                  <a:srgbClr val="CCCCCC"/>
+                </a:solidFill>
+                <a:effectLst/>
+                <a:latin typeface="Menlo" panose="020B0609030804020204" pitchFamily="49" charset="0"/>
+                <a:ea typeface="ＭＳ Ｐゴシック" panose="020B0600070205080204" pitchFamily="34" charset="-128"/>
+                <a:cs typeface="Times New Roman" panose="02020603050405020304" pitchFamily="18" charset="0"/>
+              </a:rPr>
+              <a:t>    </a:t>
+            </a:r>
+            <a:r>
+              <a:rPr lang="en-US" altLang="ja-JP" sz="1800" kern="0">
+                <a:solidFill>
+                  <a:srgbClr val="C586C0"/>
+                </a:solidFill>
+                <a:effectLst/>
+                <a:latin typeface="Menlo" panose="020B0609030804020204" pitchFamily="49" charset="0"/>
+                <a:ea typeface="ＭＳ Ｐゴシック" panose="020B0600070205080204" pitchFamily="34" charset="-128"/>
+                <a:cs typeface="Times New Roman" panose="02020603050405020304" pitchFamily="18" charset="0"/>
+              </a:rPr>
+              <a:t>for</a:t>
+            </a:r>
+            <a:r>
+              <a:rPr lang="en-US" altLang="ja-JP" sz="1800" kern="0">
+                <a:solidFill>
+                  <a:srgbClr val="CCCCCC"/>
+                </a:solidFill>
+                <a:effectLst/>
+                <a:latin typeface="Menlo" panose="020B0609030804020204" pitchFamily="49" charset="0"/>
+                <a:ea typeface="ＭＳ Ｐゴシック" panose="020B0600070205080204" pitchFamily="34" charset="-128"/>
+                <a:cs typeface="Times New Roman" panose="02020603050405020304" pitchFamily="18" charset="0"/>
+              </a:rPr>
+              <a:t> (</a:t>
+            </a:r>
+            <a:r>
+              <a:rPr lang="en-US" altLang="ja-JP" sz="1800" kern="0">
+                <a:solidFill>
+                  <a:srgbClr val="569CD6"/>
+                </a:solidFill>
+                <a:effectLst/>
+                <a:latin typeface="Menlo" panose="020B0609030804020204" pitchFamily="49" charset="0"/>
+                <a:ea typeface="ＭＳ Ｐゴシック" panose="020B0600070205080204" pitchFamily="34" charset="-128"/>
+                <a:cs typeface="Times New Roman" panose="02020603050405020304" pitchFamily="18" charset="0"/>
+              </a:rPr>
+              <a:t>int</a:t>
+            </a:r>
+            <a:r>
+              <a:rPr lang="en-US" altLang="ja-JP" sz="1800" kern="0">
+                <a:solidFill>
+                  <a:srgbClr val="CCCCCC"/>
+                </a:solidFill>
+                <a:effectLst/>
+                <a:latin typeface="Menlo" panose="020B0609030804020204" pitchFamily="49" charset="0"/>
+                <a:ea typeface="ＭＳ Ｐゴシック" panose="020B0600070205080204" pitchFamily="34" charset="-128"/>
+                <a:cs typeface="Times New Roman" panose="02020603050405020304" pitchFamily="18" charset="0"/>
+              </a:rPr>
+              <a:t> </a:t>
+            </a:r>
+            <a:r>
+              <a:rPr lang="en-US" altLang="ja-JP" sz="1800" kern="0">
+                <a:solidFill>
+                  <a:srgbClr val="9CDCFE"/>
+                </a:solidFill>
+                <a:effectLst/>
+                <a:latin typeface="Menlo" panose="020B0609030804020204" pitchFamily="49" charset="0"/>
+                <a:ea typeface="ＭＳ Ｐゴシック" panose="020B0600070205080204" pitchFamily="34" charset="-128"/>
+                <a:cs typeface="Times New Roman" panose="02020603050405020304" pitchFamily="18" charset="0"/>
+              </a:rPr>
+              <a:t>b</a:t>
+            </a:r>
+            <a:r>
+              <a:rPr lang="en-US" altLang="ja-JP" sz="1800" kern="0">
+                <a:solidFill>
+                  <a:srgbClr val="CCCCCC"/>
+                </a:solidFill>
+                <a:effectLst/>
+                <a:latin typeface="Menlo" panose="020B0609030804020204" pitchFamily="49" charset="0"/>
+                <a:ea typeface="ＭＳ Ｐゴシック" panose="020B0600070205080204" pitchFamily="34" charset="-128"/>
+                <a:cs typeface="Times New Roman" panose="02020603050405020304" pitchFamily="18" charset="0"/>
+              </a:rPr>
+              <a:t> </a:t>
+            </a:r>
+            <a:r>
+              <a:rPr lang="en-US" altLang="ja-JP" sz="1800" kern="0">
+                <a:solidFill>
+                  <a:srgbClr val="D4D4D4"/>
+                </a:solidFill>
+                <a:effectLst/>
+                <a:latin typeface="Menlo" panose="020B0609030804020204" pitchFamily="49" charset="0"/>
+                <a:ea typeface="ＭＳ Ｐゴシック" panose="020B0600070205080204" pitchFamily="34" charset="-128"/>
+                <a:cs typeface="Times New Roman" panose="02020603050405020304" pitchFamily="18" charset="0"/>
+              </a:rPr>
+              <a:t>=</a:t>
+            </a:r>
+            <a:r>
+              <a:rPr lang="en-US" altLang="ja-JP" sz="1800" kern="0">
+                <a:solidFill>
+                  <a:srgbClr val="CCCCCC"/>
+                </a:solidFill>
+                <a:effectLst/>
+                <a:latin typeface="Menlo" panose="020B0609030804020204" pitchFamily="49" charset="0"/>
+                <a:ea typeface="ＭＳ Ｐゴシック" panose="020B0600070205080204" pitchFamily="34" charset="-128"/>
+                <a:cs typeface="Times New Roman" panose="02020603050405020304" pitchFamily="18" charset="0"/>
+              </a:rPr>
+              <a:t> </a:t>
+            </a:r>
+            <a:r>
+              <a:rPr lang="en-US" altLang="ja-JP" sz="1800" kern="0">
+                <a:solidFill>
+                  <a:srgbClr val="B5CEA8"/>
+                </a:solidFill>
+                <a:effectLst/>
+                <a:latin typeface="Menlo" panose="020B0609030804020204" pitchFamily="49" charset="0"/>
+                <a:ea typeface="ＭＳ Ｐゴシック" panose="020B0600070205080204" pitchFamily="34" charset="-128"/>
+                <a:cs typeface="Times New Roman" panose="02020603050405020304" pitchFamily="18" charset="0"/>
+              </a:rPr>
+              <a:t>0</a:t>
+            </a:r>
+            <a:r>
+              <a:rPr lang="en-US" altLang="ja-JP" sz="1800" kern="0">
+                <a:solidFill>
+                  <a:srgbClr val="CCCCCC"/>
+                </a:solidFill>
+                <a:effectLst/>
+                <a:latin typeface="Menlo" panose="020B0609030804020204" pitchFamily="49" charset="0"/>
+                <a:ea typeface="ＭＳ Ｐゴシック" panose="020B0600070205080204" pitchFamily="34" charset="-128"/>
+                <a:cs typeface="Times New Roman" panose="02020603050405020304" pitchFamily="18" charset="0"/>
+              </a:rPr>
+              <a:t>; </a:t>
+            </a:r>
+            <a:r>
+              <a:rPr lang="en-US" altLang="ja-JP" sz="1800" kern="0">
+                <a:solidFill>
+                  <a:srgbClr val="9CDCFE"/>
+                </a:solidFill>
+                <a:effectLst/>
+                <a:latin typeface="Menlo" panose="020B0609030804020204" pitchFamily="49" charset="0"/>
+                <a:ea typeface="ＭＳ Ｐゴシック" panose="020B0600070205080204" pitchFamily="34" charset="-128"/>
+                <a:cs typeface="Times New Roman" panose="02020603050405020304" pitchFamily="18" charset="0"/>
+              </a:rPr>
+              <a:t>b</a:t>
+            </a:r>
+            <a:r>
+              <a:rPr lang="en-US" altLang="ja-JP" sz="1800" kern="0">
+                <a:solidFill>
+                  <a:srgbClr val="CCCCCC"/>
+                </a:solidFill>
+                <a:effectLst/>
+                <a:latin typeface="Menlo" panose="020B0609030804020204" pitchFamily="49" charset="0"/>
+                <a:ea typeface="ＭＳ Ｐゴシック" panose="020B0600070205080204" pitchFamily="34" charset="-128"/>
+                <a:cs typeface="Times New Roman" panose="02020603050405020304" pitchFamily="18" charset="0"/>
+              </a:rPr>
+              <a:t> </a:t>
+            </a:r>
+            <a:r>
+              <a:rPr lang="en-US" altLang="ja-JP" sz="1800" kern="0">
+                <a:solidFill>
+                  <a:srgbClr val="D4D4D4"/>
+                </a:solidFill>
+                <a:effectLst/>
+                <a:latin typeface="Menlo" panose="020B0609030804020204" pitchFamily="49" charset="0"/>
+                <a:ea typeface="ＭＳ Ｐゴシック" panose="020B0600070205080204" pitchFamily="34" charset="-128"/>
+                <a:cs typeface="Times New Roman" panose="02020603050405020304" pitchFamily="18" charset="0"/>
+              </a:rPr>
+              <a:t>&lt;=</a:t>
+            </a:r>
+            <a:r>
+              <a:rPr lang="en-US" altLang="ja-JP" sz="1800" kern="0">
+                <a:solidFill>
+                  <a:srgbClr val="CCCCCC"/>
+                </a:solidFill>
+                <a:effectLst/>
+                <a:latin typeface="Menlo" panose="020B0609030804020204" pitchFamily="49" charset="0"/>
+                <a:ea typeface="ＭＳ Ｐゴシック" panose="020B0600070205080204" pitchFamily="34" charset="-128"/>
+                <a:cs typeface="Times New Roman" panose="02020603050405020304" pitchFamily="18" charset="0"/>
+              </a:rPr>
+              <a:t> </a:t>
+            </a:r>
+            <a:r>
+              <a:rPr lang="en-US" altLang="ja-JP" sz="1800" kern="0">
+                <a:solidFill>
+                  <a:srgbClr val="9CDCFE"/>
+                </a:solidFill>
+                <a:effectLst/>
+                <a:latin typeface="Menlo" panose="020B0609030804020204" pitchFamily="49" charset="0"/>
+                <a:ea typeface="ＭＳ Ｐゴシック" panose="020B0600070205080204" pitchFamily="34" charset="-128"/>
+                <a:cs typeface="Times New Roman" panose="02020603050405020304" pitchFamily="18" charset="0"/>
+              </a:rPr>
+              <a:t>B</a:t>
+            </a:r>
+            <a:r>
+              <a:rPr lang="en-US" altLang="ja-JP" sz="1800" kern="0">
+                <a:solidFill>
+                  <a:srgbClr val="CCCCCC"/>
+                </a:solidFill>
+                <a:effectLst/>
+                <a:latin typeface="Menlo" panose="020B0609030804020204" pitchFamily="49" charset="0"/>
+                <a:ea typeface="ＭＳ Ｐゴシック" panose="020B0600070205080204" pitchFamily="34" charset="-128"/>
+                <a:cs typeface="Times New Roman" panose="02020603050405020304" pitchFamily="18" charset="0"/>
+              </a:rPr>
+              <a:t>; </a:t>
+            </a:r>
+            <a:r>
+              <a:rPr lang="en-US" altLang="ja-JP" sz="1800" kern="0">
+                <a:solidFill>
+                  <a:srgbClr val="D4D4D4"/>
+                </a:solidFill>
+                <a:effectLst/>
+                <a:latin typeface="Menlo" panose="020B0609030804020204" pitchFamily="49" charset="0"/>
+                <a:ea typeface="ＭＳ Ｐゴシック" panose="020B0600070205080204" pitchFamily="34" charset="-128"/>
+                <a:cs typeface="Times New Roman" panose="02020603050405020304" pitchFamily="18" charset="0"/>
+              </a:rPr>
+              <a:t>++</a:t>
+            </a:r>
+            <a:r>
+              <a:rPr lang="en-US" altLang="ja-JP" sz="1800" kern="0">
+                <a:solidFill>
+                  <a:srgbClr val="9CDCFE"/>
+                </a:solidFill>
+                <a:effectLst/>
+                <a:latin typeface="Menlo" panose="020B0609030804020204" pitchFamily="49" charset="0"/>
+                <a:ea typeface="ＭＳ Ｐゴシック" panose="020B0600070205080204" pitchFamily="34" charset="-128"/>
+                <a:cs typeface="Times New Roman" panose="02020603050405020304" pitchFamily="18" charset="0"/>
+              </a:rPr>
+              <a:t>b</a:t>
+            </a:r>
+            <a:r>
+              <a:rPr lang="en-US" altLang="ja-JP" sz="1800" kern="0">
+                <a:solidFill>
+                  <a:srgbClr val="CCCCCC"/>
+                </a:solidFill>
+                <a:effectLst/>
+                <a:latin typeface="Menlo" panose="020B0609030804020204" pitchFamily="49" charset="0"/>
+                <a:ea typeface="ＭＳ Ｐゴシック" panose="020B0600070205080204" pitchFamily="34" charset="-128"/>
+                <a:cs typeface="Times New Roman" panose="02020603050405020304" pitchFamily="18" charset="0"/>
+              </a:rPr>
+              <a:t>) {</a:t>
+            </a:r>
+            <a:endParaRPr lang="ja-JP" altLang="ja-JP" sz="1800" kern="100">
+              <a:effectLst/>
+              <a:latin typeface="游明朝" panose="02020400000000000000" pitchFamily="18" charset="-128"/>
+              <a:ea typeface="游明朝" panose="02020400000000000000" pitchFamily="18" charset="-128"/>
+              <a:cs typeface="Times New Roman" panose="02020603050405020304" pitchFamily="18" charset="0"/>
+            </a:endParaRPr>
+          </a:p>
+          <a:p>
+            <a:pPr algn="l">
+              <a:lnSpc>
+                <a:spcPts val="1950"/>
+              </a:lnSpc>
+            </a:pPr>
+            <a:r>
+              <a:rPr lang="en-US" altLang="ja-JP" sz="1800" kern="0">
+                <a:solidFill>
+                  <a:srgbClr val="CCCCCC"/>
+                </a:solidFill>
+                <a:effectLst/>
+                <a:latin typeface="Menlo" panose="020B0609030804020204" pitchFamily="49" charset="0"/>
+                <a:ea typeface="ＭＳ Ｐゴシック" panose="020B0600070205080204" pitchFamily="34" charset="-128"/>
+                <a:cs typeface="Times New Roman" panose="02020603050405020304" pitchFamily="18" charset="0"/>
+              </a:rPr>
+              <a:t>      </a:t>
+            </a:r>
+            <a:r>
+              <a:rPr lang="en-US" altLang="ja-JP" sz="1800" kern="0">
+                <a:solidFill>
+                  <a:srgbClr val="C586C0"/>
+                </a:solidFill>
+                <a:effectLst/>
+                <a:latin typeface="Menlo" panose="020B0609030804020204" pitchFamily="49" charset="0"/>
+                <a:ea typeface="ＭＳ Ｐゴシック" panose="020B0600070205080204" pitchFamily="34" charset="-128"/>
+                <a:cs typeface="Times New Roman" panose="02020603050405020304" pitchFamily="18" charset="0"/>
+              </a:rPr>
+              <a:t>for</a:t>
+            </a:r>
+            <a:r>
+              <a:rPr lang="en-US" altLang="ja-JP" sz="1800" kern="0">
+                <a:solidFill>
+                  <a:srgbClr val="CCCCCC"/>
+                </a:solidFill>
+                <a:effectLst/>
+                <a:latin typeface="Menlo" panose="020B0609030804020204" pitchFamily="49" charset="0"/>
+                <a:ea typeface="ＭＳ Ｐゴシック" panose="020B0600070205080204" pitchFamily="34" charset="-128"/>
+                <a:cs typeface="Times New Roman" panose="02020603050405020304" pitchFamily="18" charset="0"/>
+              </a:rPr>
+              <a:t> (</a:t>
+            </a:r>
+            <a:r>
+              <a:rPr lang="en-US" altLang="ja-JP" sz="1800" kern="0">
+                <a:solidFill>
+                  <a:srgbClr val="569CD6"/>
+                </a:solidFill>
+                <a:effectLst/>
+                <a:latin typeface="Menlo" panose="020B0609030804020204" pitchFamily="49" charset="0"/>
+                <a:ea typeface="ＭＳ Ｐゴシック" panose="020B0600070205080204" pitchFamily="34" charset="-128"/>
+                <a:cs typeface="Times New Roman" panose="02020603050405020304" pitchFamily="18" charset="0"/>
+              </a:rPr>
+              <a:t>int</a:t>
+            </a:r>
+            <a:r>
+              <a:rPr lang="en-US" altLang="ja-JP" sz="1800" kern="0">
+                <a:solidFill>
+                  <a:srgbClr val="CCCCCC"/>
+                </a:solidFill>
+                <a:effectLst/>
+                <a:latin typeface="Menlo" panose="020B0609030804020204" pitchFamily="49" charset="0"/>
+                <a:ea typeface="ＭＳ Ｐゴシック" panose="020B0600070205080204" pitchFamily="34" charset="-128"/>
+                <a:cs typeface="Times New Roman" panose="02020603050405020304" pitchFamily="18" charset="0"/>
+              </a:rPr>
+              <a:t> </a:t>
+            </a:r>
+            <a:r>
+              <a:rPr lang="en-US" altLang="ja-JP" sz="1800" kern="0">
+                <a:solidFill>
+                  <a:srgbClr val="9CDCFE"/>
+                </a:solidFill>
+                <a:effectLst/>
+                <a:latin typeface="Menlo" panose="020B0609030804020204" pitchFamily="49" charset="0"/>
+                <a:ea typeface="ＭＳ Ｐゴシック" panose="020B0600070205080204" pitchFamily="34" charset="-128"/>
+                <a:cs typeface="Times New Roman" panose="02020603050405020304" pitchFamily="18" charset="0"/>
+              </a:rPr>
+              <a:t>c</a:t>
+            </a:r>
+            <a:r>
+              <a:rPr lang="en-US" altLang="ja-JP" sz="1800" kern="0">
+                <a:solidFill>
+                  <a:srgbClr val="CCCCCC"/>
+                </a:solidFill>
+                <a:effectLst/>
+                <a:latin typeface="Menlo" panose="020B0609030804020204" pitchFamily="49" charset="0"/>
+                <a:ea typeface="ＭＳ Ｐゴシック" panose="020B0600070205080204" pitchFamily="34" charset="-128"/>
+                <a:cs typeface="Times New Roman" panose="02020603050405020304" pitchFamily="18" charset="0"/>
+              </a:rPr>
+              <a:t> </a:t>
+            </a:r>
+            <a:r>
+              <a:rPr lang="en-US" altLang="ja-JP" sz="1800" kern="0">
+                <a:solidFill>
+                  <a:srgbClr val="D4D4D4"/>
+                </a:solidFill>
+                <a:effectLst/>
+                <a:latin typeface="Menlo" panose="020B0609030804020204" pitchFamily="49" charset="0"/>
+                <a:ea typeface="ＭＳ Ｐゴシック" panose="020B0600070205080204" pitchFamily="34" charset="-128"/>
+                <a:cs typeface="Times New Roman" panose="02020603050405020304" pitchFamily="18" charset="0"/>
+              </a:rPr>
+              <a:t>=</a:t>
+            </a:r>
+            <a:r>
+              <a:rPr lang="en-US" altLang="ja-JP" sz="1800" kern="0">
+                <a:solidFill>
+                  <a:srgbClr val="CCCCCC"/>
+                </a:solidFill>
+                <a:effectLst/>
+                <a:latin typeface="Menlo" panose="020B0609030804020204" pitchFamily="49" charset="0"/>
+                <a:ea typeface="ＭＳ Ｐゴシック" panose="020B0600070205080204" pitchFamily="34" charset="-128"/>
+                <a:cs typeface="Times New Roman" panose="02020603050405020304" pitchFamily="18" charset="0"/>
+              </a:rPr>
+              <a:t> </a:t>
+            </a:r>
+            <a:r>
+              <a:rPr lang="en-US" altLang="ja-JP" sz="1800" kern="0">
+                <a:solidFill>
+                  <a:srgbClr val="B5CEA8"/>
+                </a:solidFill>
+                <a:effectLst/>
+                <a:latin typeface="Menlo" panose="020B0609030804020204" pitchFamily="49" charset="0"/>
+                <a:ea typeface="ＭＳ Ｐゴシック" panose="020B0600070205080204" pitchFamily="34" charset="-128"/>
+                <a:cs typeface="Times New Roman" panose="02020603050405020304" pitchFamily="18" charset="0"/>
+              </a:rPr>
+              <a:t>0</a:t>
+            </a:r>
+            <a:r>
+              <a:rPr lang="en-US" altLang="ja-JP" sz="1800" kern="0">
+                <a:solidFill>
+                  <a:srgbClr val="CCCCCC"/>
+                </a:solidFill>
+                <a:effectLst/>
+                <a:latin typeface="Menlo" panose="020B0609030804020204" pitchFamily="49" charset="0"/>
+                <a:ea typeface="ＭＳ Ｐゴシック" panose="020B0600070205080204" pitchFamily="34" charset="-128"/>
+                <a:cs typeface="Times New Roman" panose="02020603050405020304" pitchFamily="18" charset="0"/>
+              </a:rPr>
+              <a:t>; </a:t>
+            </a:r>
+            <a:r>
+              <a:rPr lang="en-US" altLang="ja-JP" sz="1800" kern="0">
+                <a:solidFill>
+                  <a:srgbClr val="9CDCFE"/>
+                </a:solidFill>
+                <a:effectLst/>
+                <a:latin typeface="Menlo" panose="020B0609030804020204" pitchFamily="49" charset="0"/>
+                <a:ea typeface="ＭＳ Ｐゴシック" panose="020B0600070205080204" pitchFamily="34" charset="-128"/>
+                <a:cs typeface="Times New Roman" panose="02020603050405020304" pitchFamily="18" charset="0"/>
+              </a:rPr>
+              <a:t>c</a:t>
+            </a:r>
+            <a:r>
+              <a:rPr lang="en-US" altLang="ja-JP" sz="1800" kern="0">
+                <a:solidFill>
+                  <a:srgbClr val="CCCCCC"/>
+                </a:solidFill>
+                <a:effectLst/>
+                <a:latin typeface="Menlo" panose="020B0609030804020204" pitchFamily="49" charset="0"/>
+                <a:ea typeface="ＭＳ Ｐゴシック" panose="020B0600070205080204" pitchFamily="34" charset="-128"/>
+                <a:cs typeface="Times New Roman" panose="02020603050405020304" pitchFamily="18" charset="0"/>
+              </a:rPr>
+              <a:t> </a:t>
+            </a:r>
+            <a:r>
+              <a:rPr lang="en-US" altLang="ja-JP" sz="1800" kern="0">
+                <a:solidFill>
+                  <a:srgbClr val="D4D4D4"/>
+                </a:solidFill>
+                <a:effectLst/>
+                <a:latin typeface="Menlo" panose="020B0609030804020204" pitchFamily="49" charset="0"/>
+                <a:ea typeface="ＭＳ Ｐゴシック" panose="020B0600070205080204" pitchFamily="34" charset="-128"/>
+                <a:cs typeface="Times New Roman" panose="02020603050405020304" pitchFamily="18" charset="0"/>
+              </a:rPr>
+              <a:t>&lt;=</a:t>
+            </a:r>
+            <a:r>
+              <a:rPr lang="en-US" altLang="ja-JP" sz="1800" kern="0">
+                <a:solidFill>
+                  <a:srgbClr val="CCCCCC"/>
+                </a:solidFill>
+                <a:effectLst/>
+                <a:latin typeface="Menlo" panose="020B0609030804020204" pitchFamily="49" charset="0"/>
+                <a:ea typeface="ＭＳ Ｐゴシック" panose="020B0600070205080204" pitchFamily="34" charset="-128"/>
+                <a:cs typeface="Times New Roman" panose="02020603050405020304" pitchFamily="18" charset="0"/>
+              </a:rPr>
+              <a:t> </a:t>
+            </a:r>
+            <a:r>
+              <a:rPr lang="en-US" altLang="ja-JP" sz="1800" kern="0">
+                <a:solidFill>
+                  <a:srgbClr val="9CDCFE"/>
+                </a:solidFill>
+                <a:effectLst/>
+                <a:latin typeface="Menlo" panose="020B0609030804020204" pitchFamily="49" charset="0"/>
+                <a:ea typeface="ＭＳ Ｐゴシック" panose="020B0600070205080204" pitchFamily="34" charset="-128"/>
+                <a:cs typeface="Times New Roman" panose="02020603050405020304" pitchFamily="18" charset="0"/>
+              </a:rPr>
+              <a:t>C</a:t>
+            </a:r>
+            <a:r>
+              <a:rPr lang="en-US" altLang="ja-JP" sz="1800" kern="0">
+                <a:solidFill>
+                  <a:srgbClr val="CCCCCC"/>
+                </a:solidFill>
+                <a:effectLst/>
+                <a:latin typeface="Menlo" panose="020B0609030804020204" pitchFamily="49" charset="0"/>
+                <a:ea typeface="ＭＳ Ｐゴシック" panose="020B0600070205080204" pitchFamily="34" charset="-128"/>
+                <a:cs typeface="Times New Roman" panose="02020603050405020304" pitchFamily="18" charset="0"/>
+              </a:rPr>
+              <a:t>; </a:t>
+            </a:r>
+            <a:r>
+              <a:rPr lang="en-US" altLang="ja-JP" sz="1800" kern="0">
+                <a:solidFill>
+                  <a:srgbClr val="D4D4D4"/>
+                </a:solidFill>
+                <a:effectLst/>
+                <a:latin typeface="Menlo" panose="020B0609030804020204" pitchFamily="49" charset="0"/>
+                <a:ea typeface="ＭＳ Ｐゴシック" panose="020B0600070205080204" pitchFamily="34" charset="-128"/>
+                <a:cs typeface="Times New Roman" panose="02020603050405020304" pitchFamily="18" charset="0"/>
+              </a:rPr>
+              <a:t>++</a:t>
+            </a:r>
+            <a:r>
+              <a:rPr lang="en-US" altLang="ja-JP" sz="1800" kern="0">
+                <a:solidFill>
+                  <a:srgbClr val="9CDCFE"/>
+                </a:solidFill>
+                <a:effectLst/>
+                <a:latin typeface="Menlo" panose="020B0609030804020204" pitchFamily="49" charset="0"/>
+                <a:ea typeface="ＭＳ Ｐゴシック" panose="020B0600070205080204" pitchFamily="34" charset="-128"/>
+                <a:cs typeface="Times New Roman" panose="02020603050405020304" pitchFamily="18" charset="0"/>
+              </a:rPr>
+              <a:t>c</a:t>
+            </a:r>
+            <a:r>
+              <a:rPr lang="en-US" altLang="ja-JP" sz="1800" kern="0">
+                <a:solidFill>
+                  <a:srgbClr val="CCCCCC"/>
+                </a:solidFill>
+                <a:effectLst/>
+                <a:latin typeface="Menlo" panose="020B0609030804020204" pitchFamily="49" charset="0"/>
+                <a:ea typeface="ＭＳ Ｐゴシック" panose="020B0600070205080204" pitchFamily="34" charset="-128"/>
+                <a:cs typeface="Times New Roman" panose="02020603050405020304" pitchFamily="18" charset="0"/>
+              </a:rPr>
+              <a:t>) {</a:t>
+            </a:r>
+            <a:endParaRPr lang="ja-JP" altLang="ja-JP" sz="1800" kern="100">
+              <a:effectLst/>
+              <a:latin typeface="游明朝" panose="02020400000000000000" pitchFamily="18" charset="-128"/>
+              <a:ea typeface="游明朝" panose="02020400000000000000" pitchFamily="18" charset="-128"/>
+              <a:cs typeface="Times New Roman" panose="02020603050405020304" pitchFamily="18" charset="0"/>
+            </a:endParaRPr>
+          </a:p>
+          <a:p>
+            <a:pPr algn="l">
+              <a:lnSpc>
+                <a:spcPts val="1950"/>
+              </a:lnSpc>
+            </a:pPr>
+            <a:r>
+              <a:rPr lang="en-US" altLang="ja-JP" sz="1800" kern="0">
+                <a:solidFill>
+                  <a:srgbClr val="CCCCCC"/>
+                </a:solidFill>
+                <a:effectLst/>
+                <a:latin typeface="Menlo" panose="020B0609030804020204" pitchFamily="49" charset="0"/>
+                <a:ea typeface="ＭＳ Ｐゴシック" panose="020B0600070205080204" pitchFamily="34" charset="-128"/>
+                <a:cs typeface="Times New Roman" panose="02020603050405020304" pitchFamily="18" charset="0"/>
+              </a:rPr>
+              <a:t>	  //</a:t>
+            </a:r>
+            <a:r>
+              <a:rPr lang="ja-JP" altLang="ja-JP" sz="1800" kern="0">
+                <a:solidFill>
+                  <a:srgbClr val="CCCCCC"/>
+                </a:solidFill>
+                <a:effectLst/>
+                <a:latin typeface="Menlo" panose="020B0609030804020204" pitchFamily="49" charset="0"/>
+                <a:ea typeface="ＭＳ Ｐゴシック" panose="020B0600070205080204" pitchFamily="34" charset="-128"/>
+                <a:cs typeface="Menlo" panose="020B0609030804020204" pitchFamily="49" charset="0"/>
+              </a:rPr>
+              <a:t>略</a:t>
+            </a:r>
+            <a:endParaRPr lang="ja-JP" altLang="ja-JP" sz="1800" kern="100">
+              <a:effectLst/>
+              <a:latin typeface="游明朝" panose="02020400000000000000" pitchFamily="18" charset="-128"/>
+              <a:ea typeface="游明朝" panose="02020400000000000000" pitchFamily="18" charset="-128"/>
+              <a:cs typeface="Times New Roman" panose="02020603050405020304" pitchFamily="18" charset="0"/>
+            </a:endParaRPr>
+          </a:p>
+          <a:p>
+            <a:pPr algn="l">
+              <a:lnSpc>
+                <a:spcPts val="1950"/>
+              </a:lnSpc>
+            </a:pPr>
+            <a:r>
+              <a:rPr lang="en-US" altLang="ja-JP" sz="1800" kern="0">
+                <a:solidFill>
+                  <a:srgbClr val="CCCCCC"/>
+                </a:solidFill>
+                <a:effectLst/>
+                <a:latin typeface="Menlo" panose="020B0609030804020204" pitchFamily="49" charset="0"/>
+                <a:ea typeface="ＭＳ Ｐゴシック" panose="020B0600070205080204" pitchFamily="34" charset="-128"/>
+                <a:cs typeface="Times New Roman" panose="02020603050405020304" pitchFamily="18" charset="0"/>
+              </a:rPr>
+              <a:t>      }</a:t>
+            </a:r>
+            <a:endParaRPr lang="ja-JP" altLang="ja-JP" sz="1800" kern="100">
+              <a:effectLst/>
+              <a:latin typeface="游明朝" panose="02020400000000000000" pitchFamily="18" charset="-128"/>
+              <a:ea typeface="游明朝" panose="02020400000000000000" pitchFamily="18" charset="-128"/>
+              <a:cs typeface="Times New Roman" panose="02020603050405020304" pitchFamily="18" charset="0"/>
+            </a:endParaRPr>
+          </a:p>
+          <a:p>
+            <a:pPr algn="l">
+              <a:lnSpc>
+                <a:spcPts val="1950"/>
+              </a:lnSpc>
+            </a:pPr>
+            <a:r>
+              <a:rPr lang="en-US" altLang="ja-JP" sz="1800" kern="0">
+                <a:solidFill>
+                  <a:srgbClr val="CCCCCC"/>
+                </a:solidFill>
+                <a:effectLst/>
+                <a:latin typeface="Menlo" panose="020B0609030804020204" pitchFamily="49" charset="0"/>
+                <a:ea typeface="ＭＳ Ｐゴシック" panose="020B0600070205080204" pitchFamily="34" charset="-128"/>
+                <a:cs typeface="Times New Roman" panose="02020603050405020304" pitchFamily="18" charset="0"/>
+              </a:rPr>
+              <a:t>    }</a:t>
+            </a:r>
+            <a:endParaRPr lang="ja-JP" altLang="ja-JP" sz="1800" kern="100">
+              <a:effectLst/>
+              <a:latin typeface="游明朝" panose="02020400000000000000" pitchFamily="18" charset="-128"/>
+              <a:ea typeface="游明朝" panose="02020400000000000000" pitchFamily="18" charset="-128"/>
+              <a:cs typeface="Times New Roman" panose="02020603050405020304" pitchFamily="18" charset="0"/>
+            </a:endParaRPr>
+          </a:p>
+          <a:p>
+            <a:pPr algn="l">
+              <a:lnSpc>
+                <a:spcPts val="1950"/>
+              </a:lnSpc>
+            </a:pPr>
+            <a:r>
+              <a:rPr lang="en-US" altLang="ja-JP" sz="1800" kern="0">
+                <a:solidFill>
+                  <a:srgbClr val="CCCCCC"/>
+                </a:solidFill>
+                <a:effectLst/>
+                <a:latin typeface="Menlo" panose="020B0609030804020204" pitchFamily="49" charset="0"/>
+                <a:ea typeface="ＭＳ Ｐゴシック" panose="020B0600070205080204" pitchFamily="34" charset="-128"/>
+                <a:cs typeface="Times New Roman" panose="02020603050405020304" pitchFamily="18" charset="0"/>
+              </a:rPr>
+              <a:t>  }</a:t>
+            </a:r>
+            <a:endParaRPr lang="ja-JP" altLang="ja-JP" sz="1800" kern="100">
+              <a:effectLst/>
+              <a:latin typeface="游明朝" panose="02020400000000000000" pitchFamily="18" charset="-128"/>
+              <a:ea typeface="游明朝" panose="02020400000000000000" pitchFamily="18" charset="-128"/>
+              <a:cs typeface="Times New Roman" panose="02020603050405020304" pitchFamily="18" charset="0"/>
+            </a:endParaRPr>
+          </a:p>
+        </p:txBody>
+      </p:sp>
+    </p:spTree>
+    <p:extLst>
+      <p:ext uri="{BB962C8B-B14F-4D97-AF65-F5344CB8AC3E}">
+        <p14:creationId xmlns:p14="http://schemas.microsoft.com/office/powerpoint/2010/main" val="2502192005"/>
+      </p:ext>
+    </p:extLst>
+  </p:cSld>
+  <p:clrMapOvr>
+    <a:masterClrMapping/>
+  </p:clrMapOvr>
+</p:sld>
+</file>
+
+<file path=ppt/slides/slide23.xml><?xml version="1.0" encoding="utf-8"?>
+<p:sld xmlns:a="http://schemas.openxmlformats.org/drawingml/2006/main" xmlns:r="http://schemas.openxmlformats.org/officeDocument/2006/relationships" xmlns:p="http://schemas.openxmlformats.org/presentationml/2006/main">
+  <p:cSld>
+    <p:spTree>
+      <p:nvGrpSpPr>
+        <p:cNvPr id="1" name=""/>
+        <p:cNvGrpSpPr/>
+        <p:nvPr/>
+      </p:nvGrpSpPr>
+      <p:grpSpPr>
+        <a:xfrm>
+          <a:off x="0" y="0"/>
+          <a:ext cx="0" cy="0"/>
+          <a:chOff x="0" y="0"/>
+          <a:chExt cx="0" cy="0"/>
+        </a:xfrm>
+      </p:grpSpPr>
+      <p:sp>
+        <p:nvSpPr>
+          <p:cNvPr id="4" name="正方形/長方形 3">
+            <a:extLst>
+              <a:ext uri="{FF2B5EF4-FFF2-40B4-BE49-F238E27FC236}">
+                <a16:creationId xmlns:a16="http://schemas.microsoft.com/office/drawing/2014/main" id="{9DF20083-156A-16DA-0EEB-CA65C4F4EBBD}"/>
+              </a:ext>
+            </a:extLst>
+          </p:cNvPr>
+          <p:cNvSpPr/>
+          <p:nvPr/>
+        </p:nvSpPr>
+        <p:spPr>
+          <a:xfrm>
+            <a:off x="1396314" y="0"/>
+            <a:ext cx="10795686" cy="1397876"/>
+          </a:xfrm>
+          <a:prstGeom prst="rect">
+            <a:avLst/>
+          </a:prstGeom>
+          <a:solidFill>
+            <a:schemeClr val="accent5"/>
+          </a:solidFill>
+          <a:ln>
+            <a:noFill/>
+          </a:ln>
+        </p:spPr>
+        <p:style>
+          <a:lnRef idx="2">
+            <a:schemeClr val="accent1">
+              <a:shade val="15000"/>
+            </a:schemeClr>
+          </a:lnRef>
+          <a:fillRef idx="1">
+            <a:schemeClr val="accent1"/>
+          </a:fillRef>
+          <a:effectRef idx="0">
+            <a:schemeClr val="accent1"/>
+          </a:effectRef>
+          <a:fontRef idx="minor">
+            <a:schemeClr val="lt1"/>
+          </a:fontRef>
+        </p:style>
+        <p:txBody>
+          <a:bodyPr rtlCol="0" anchor="ctr"/>
+          <a:lstStyle/>
+          <a:p>
+            <a:endParaRPr kumimoji="1" lang="ja-JP" altLang="en-US" sz="4000" b="1"/>
+          </a:p>
+        </p:txBody>
+      </p:sp>
+      <p:sp>
+        <p:nvSpPr>
+          <p:cNvPr id="5" name="正方形/長方形 4">
+            <a:extLst>
+              <a:ext uri="{FF2B5EF4-FFF2-40B4-BE49-F238E27FC236}">
+                <a16:creationId xmlns:a16="http://schemas.microsoft.com/office/drawing/2014/main" id="{BD9D5376-097D-869C-B9C1-C3A110CFEA92}"/>
+              </a:ext>
+            </a:extLst>
+          </p:cNvPr>
+          <p:cNvSpPr/>
+          <p:nvPr/>
+        </p:nvSpPr>
+        <p:spPr>
+          <a:xfrm>
+            <a:off x="0" y="0"/>
+            <a:ext cx="1396314" cy="1397876"/>
+          </a:xfrm>
+          <a:prstGeom prst="rect">
+            <a:avLst/>
+          </a:prstGeom>
+          <a:ln>
+            <a:noFill/>
+          </a:ln>
+        </p:spPr>
+        <p:style>
+          <a:lnRef idx="2">
+            <a:schemeClr val="accent1">
+              <a:shade val="15000"/>
+            </a:schemeClr>
+          </a:lnRef>
+          <a:fillRef idx="1">
+            <a:schemeClr val="accent1"/>
+          </a:fillRef>
+          <a:effectRef idx="0">
+            <a:schemeClr val="accent1"/>
+          </a:effectRef>
+          <a:fontRef idx="minor">
+            <a:schemeClr val="lt1"/>
+          </a:fontRef>
+        </p:style>
+        <p:txBody>
+          <a:bodyPr rtlCol="0" anchor="ctr"/>
+          <a:lstStyle/>
+          <a:p>
+            <a:pPr algn="ctr"/>
+            <a:endParaRPr kumimoji="1" lang="ja-JP" altLang="en-US" sz="3200" b="1"/>
+          </a:p>
+        </p:txBody>
+      </p:sp>
+    </p:spTree>
+    <p:extLst>
+      <p:ext uri="{BB962C8B-B14F-4D97-AF65-F5344CB8AC3E}">
+        <p14:creationId xmlns:p14="http://schemas.microsoft.com/office/powerpoint/2010/main" val="1273467430"/>
+      </p:ext>
+    </p:extLst>
+  </p:cSld>
+  <p:clrMapOvr>
+    <a:masterClrMapping/>
+  </p:clrMapOvr>
+</p:sld>
+</file>
+
+<file path=ppt/slides/slide24.xml><?xml version="1.0" encoding="utf-8"?>
+<p:sld xmlns:a="http://schemas.openxmlformats.org/drawingml/2006/main" xmlns:r="http://schemas.openxmlformats.org/officeDocument/2006/relationships" xmlns:p="http://schemas.openxmlformats.org/presentationml/2006/main">
+  <p:cSld>
+    <p:spTree>
+      <p:nvGrpSpPr>
+        <p:cNvPr id="1" name=""/>
+        <p:cNvGrpSpPr/>
+        <p:nvPr/>
+      </p:nvGrpSpPr>
+      <p:grpSpPr>
+        <a:xfrm>
+          <a:off x="0" y="0"/>
+          <a:ext cx="0" cy="0"/>
+          <a:chOff x="0" y="0"/>
+          <a:chExt cx="0" cy="0"/>
+        </a:xfrm>
+      </p:grpSpPr>
+      <p:sp>
+        <p:nvSpPr>
+          <p:cNvPr id="4" name="正方形/長方形 3">
+            <a:extLst>
+              <a:ext uri="{FF2B5EF4-FFF2-40B4-BE49-F238E27FC236}">
+                <a16:creationId xmlns:a16="http://schemas.microsoft.com/office/drawing/2014/main" id="{9DF20083-156A-16DA-0EEB-CA65C4F4EBBD}"/>
+              </a:ext>
+            </a:extLst>
+          </p:cNvPr>
+          <p:cNvSpPr/>
+          <p:nvPr/>
+        </p:nvSpPr>
+        <p:spPr>
+          <a:xfrm>
+            <a:off x="1396314" y="0"/>
+            <a:ext cx="10795686" cy="1397876"/>
+          </a:xfrm>
+          <a:prstGeom prst="rect">
+            <a:avLst/>
+          </a:prstGeom>
+          <a:solidFill>
+            <a:schemeClr val="accent5"/>
+          </a:solidFill>
+          <a:ln>
+            <a:noFill/>
+          </a:ln>
+        </p:spPr>
+        <p:style>
+          <a:lnRef idx="2">
+            <a:schemeClr val="accent1">
+              <a:shade val="15000"/>
+            </a:schemeClr>
+          </a:lnRef>
+          <a:fillRef idx="1">
+            <a:schemeClr val="accent1"/>
+          </a:fillRef>
+          <a:effectRef idx="0">
+            <a:schemeClr val="accent1"/>
+          </a:effectRef>
+          <a:fontRef idx="minor">
+            <a:schemeClr val="lt1"/>
+          </a:fontRef>
+        </p:style>
+        <p:txBody>
+          <a:bodyPr rtlCol="0" anchor="ctr"/>
+          <a:lstStyle/>
+          <a:p>
+            <a:endParaRPr kumimoji="1" lang="ja-JP" altLang="en-US" sz="4000" b="1"/>
+          </a:p>
+        </p:txBody>
+      </p:sp>
+      <p:sp>
+        <p:nvSpPr>
+          <p:cNvPr id="5" name="正方形/長方形 4">
+            <a:extLst>
+              <a:ext uri="{FF2B5EF4-FFF2-40B4-BE49-F238E27FC236}">
+                <a16:creationId xmlns:a16="http://schemas.microsoft.com/office/drawing/2014/main" id="{BD9D5376-097D-869C-B9C1-C3A110CFEA92}"/>
+              </a:ext>
+            </a:extLst>
+          </p:cNvPr>
+          <p:cNvSpPr/>
+          <p:nvPr/>
+        </p:nvSpPr>
+        <p:spPr>
+          <a:xfrm>
+            <a:off x="0" y="0"/>
+            <a:ext cx="1396314" cy="1397876"/>
+          </a:xfrm>
+          <a:prstGeom prst="rect">
+            <a:avLst/>
+          </a:prstGeom>
+          <a:ln>
+            <a:noFill/>
+          </a:ln>
+        </p:spPr>
+        <p:style>
+          <a:lnRef idx="2">
+            <a:schemeClr val="accent1">
+              <a:shade val="15000"/>
+            </a:schemeClr>
+          </a:lnRef>
+          <a:fillRef idx="1">
+            <a:schemeClr val="accent1"/>
+          </a:fillRef>
+          <a:effectRef idx="0">
+            <a:schemeClr val="accent1"/>
+          </a:effectRef>
+          <a:fontRef idx="minor">
+            <a:schemeClr val="lt1"/>
+          </a:fontRef>
+        </p:style>
+        <p:txBody>
+          <a:bodyPr rtlCol="0" anchor="ctr"/>
+          <a:lstStyle/>
+          <a:p>
+            <a:pPr algn="ctr"/>
+            <a:endParaRPr kumimoji="1" lang="ja-JP" altLang="en-US" sz="3200" b="1"/>
+          </a:p>
+        </p:txBody>
+      </p:sp>
+    </p:spTree>
+    <p:extLst>
+      <p:ext uri="{BB962C8B-B14F-4D97-AF65-F5344CB8AC3E}">
+        <p14:creationId xmlns:p14="http://schemas.microsoft.com/office/powerpoint/2010/main" val="135150930"/>
       </p:ext>
     </p:extLst>
   </p:cSld>

--- a/ABS_勉強会.pptx
+++ b/ABS_勉強会.pptx
@@ -35,6 +35,12 @@
     <p:sldId id="283" r:id="rId29"/>
     <p:sldId id="286" r:id="rId30"/>
     <p:sldId id="280" r:id="rId31"/>
+    <p:sldId id="292" r:id="rId32"/>
+    <p:sldId id="287" r:id="rId33"/>
+    <p:sldId id="288" r:id="rId34"/>
+    <p:sldId id="289" r:id="rId35"/>
+    <p:sldId id="290" r:id="rId36"/>
+    <p:sldId id="291" r:id="rId37"/>
   </p:sldIdLst>
   <p:sldSz cx="12192000" cy="6858000"/>
   <p:notesSz cx="6858000" cy="9144000"/>
@@ -28964,6 +28970,10 @@
           <a:bodyPr rtlCol="0" anchor="ctr"/>
           <a:lstStyle/>
           <a:p>
+            <a:r>
+              <a:rPr kumimoji="1" lang="en" altLang="ja-JP" sz="4000" b="1"/>
+              <a:t>ABC088B - Card Game for Two</a:t>
+            </a:r>
             <a:endParaRPr kumimoji="1" lang="ja-JP" altLang="en-US" sz="4000" b="1"/>
           </a:p>
         </p:txBody>
@@ -29013,7 +29023,376 @@
           <a:lstStyle/>
           <a:p>
             <a:pPr algn="ctr"/>
+            <a:r>
+              <a:rPr lang="en-US" altLang="ja-JP" sz="3200" b="1"/>
+              <a:t>7</a:t>
+            </a:r>
             <a:endParaRPr kumimoji="1" lang="ja-JP" altLang="en-US" sz="3200" b="1"/>
+          </a:p>
+        </p:txBody>
+      </p:sp>
+      <p:sp>
+        <p:nvSpPr>
+          <p:cNvPr id="2" name="テキスト ボックス 1">
+            <a:extLst>
+              <a:ext uri="{FF2B5EF4-FFF2-40B4-BE49-F238E27FC236}">
+                <a16:creationId xmlns:a16="http://schemas.microsoft.com/office/drawing/2014/main" id="{C0240D40-60C1-684C-AC52-EA5685B8E1E7}"/>
+              </a:ext>
+            </a:extLst>
+          </p:cNvPr>
+          <p:cNvSpPr txBox="1"/>
+          <p:nvPr/>
+        </p:nvSpPr>
+        <p:spPr>
+          <a:xfrm>
+            <a:off x="762000" y="1676400"/>
+            <a:ext cx="1107996" cy="461665"/>
+          </a:xfrm>
+          <a:prstGeom prst="rect">
+            <a:avLst/>
+          </a:prstGeom>
+          <a:noFill/>
+        </p:spPr>
+        <p:txBody>
+          <a:bodyPr wrap="none" rtlCol="0">
+            <a:spAutoFit/>
+          </a:bodyPr>
+          <a:lstStyle/>
+          <a:p>
+            <a:r>
+              <a:rPr kumimoji="1" lang="ja-JP" altLang="en-US" sz="2400"/>
+              <a:t>解き方</a:t>
+            </a:r>
+          </a:p>
+        </p:txBody>
+      </p:sp>
+      <p:sp>
+        <p:nvSpPr>
+          <p:cNvPr id="3" name="テキスト ボックス 2">
+            <a:extLst>
+              <a:ext uri="{FF2B5EF4-FFF2-40B4-BE49-F238E27FC236}">
+                <a16:creationId xmlns:a16="http://schemas.microsoft.com/office/drawing/2014/main" id="{6B19DEC5-EB4C-1485-DC1A-EC591992DF30}"/>
+              </a:ext>
+            </a:extLst>
+          </p:cNvPr>
+          <p:cNvSpPr txBox="1"/>
+          <p:nvPr/>
+        </p:nvSpPr>
+        <p:spPr>
+          <a:xfrm>
+            <a:off x="965200" y="2621280"/>
+            <a:ext cx="2098651" cy="369332"/>
+          </a:xfrm>
+          <a:prstGeom prst="rect">
+            <a:avLst/>
+          </a:prstGeom>
+          <a:noFill/>
+        </p:spPr>
+        <p:txBody>
+          <a:bodyPr wrap="none" rtlCol="0">
+            <a:spAutoFit/>
+          </a:bodyPr>
+          <a:lstStyle/>
+          <a:p>
+            <a:r>
+              <a:rPr kumimoji="1" lang="ja-JP" altLang="en-US"/>
+              <a:t>最適な戦略とは</a:t>
+            </a:r>
+            <a:r>
+              <a:rPr kumimoji="1" lang="en-US" altLang="ja-JP"/>
+              <a:t>...?</a:t>
+            </a:r>
+            <a:endParaRPr kumimoji="1" lang="ja-JP" altLang="en-US"/>
+          </a:p>
+        </p:txBody>
+      </p:sp>
+      <p:sp>
+        <p:nvSpPr>
+          <p:cNvPr id="7" name="1 つの角を丸めた四角形 6">
+            <a:extLst>
+              <a:ext uri="{FF2B5EF4-FFF2-40B4-BE49-F238E27FC236}">
+                <a16:creationId xmlns:a16="http://schemas.microsoft.com/office/drawing/2014/main" id="{98D525C1-2255-64B0-04A9-63AD1148CC4E}"/>
+              </a:ext>
+            </a:extLst>
+          </p:cNvPr>
+          <p:cNvSpPr/>
+          <p:nvPr/>
+        </p:nvSpPr>
+        <p:spPr>
+          <a:xfrm>
+            <a:off x="2025582" y="3946359"/>
+            <a:ext cx="991402" cy="1530416"/>
+          </a:xfrm>
+          <a:prstGeom prst="round1Rect">
+            <a:avLst/>
+          </a:prstGeom>
+          <a:solidFill>
+            <a:schemeClr val="bg1">
+              <a:lumMod val="95000"/>
+            </a:schemeClr>
+          </a:solidFill>
+          <a:ln w="19050">
+            <a:solidFill>
+              <a:schemeClr val="tx1"/>
+            </a:solidFill>
+          </a:ln>
+        </p:spPr>
+        <p:style>
+          <a:lnRef idx="2">
+            <a:schemeClr val="dk1"/>
+          </a:lnRef>
+          <a:fillRef idx="1">
+            <a:schemeClr val="lt1"/>
+          </a:fillRef>
+          <a:effectRef idx="0">
+            <a:schemeClr val="dk1"/>
+          </a:effectRef>
+          <a:fontRef idx="minor">
+            <a:schemeClr val="dk1"/>
+          </a:fontRef>
+        </p:style>
+        <p:txBody>
+          <a:bodyPr rtlCol="0" anchor="ctr"/>
+          <a:lstStyle/>
+          <a:p>
+            <a:pPr algn="ctr"/>
+            <a:r>
+              <a:rPr kumimoji="1" lang="en-US" altLang="ja-JP" sz="2800" dirty="0"/>
+              <a:t>7</a:t>
+            </a:r>
+            <a:endParaRPr kumimoji="1" lang="ja-JP" altLang="en-US" sz="2800"/>
+          </a:p>
+        </p:txBody>
+      </p:sp>
+      <p:sp>
+        <p:nvSpPr>
+          <p:cNvPr id="8" name="1 つの角を丸めた四角形 7">
+            <a:extLst>
+              <a:ext uri="{FF2B5EF4-FFF2-40B4-BE49-F238E27FC236}">
+                <a16:creationId xmlns:a16="http://schemas.microsoft.com/office/drawing/2014/main" id="{B3F2FD97-BDC2-D0E8-DA1F-5685B9A180CB}"/>
+              </a:ext>
+            </a:extLst>
+          </p:cNvPr>
+          <p:cNvSpPr/>
+          <p:nvPr/>
+        </p:nvSpPr>
+        <p:spPr>
+          <a:xfrm>
+            <a:off x="9026358" y="3946359"/>
+            <a:ext cx="991402" cy="1530416"/>
+          </a:xfrm>
+          <a:prstGeom prst="round1Rect">
+            <a:avLst/>
+          </a:prstGeom>
+          <a:solidFill>
+            <a:schemeClr val="bg1">
+              <a:lumMod val="95000"/>
+            </a:schemeClr>
+          </a:solidFill>
+          <a:ln w="19050">
+            <a:solidFill>
+              <a:schemeClr val="tx1"/>
+            </a:solidFill>
+          </a:ln>
+        </p:spPr>
+        <p:style>
+          <a:lnRef idx="2">
+            <a:schemeClr val="dk1"/>
+          </a:lnRef>
+          <a:fillRef idx="1">
+            <a:schemeClr val="lt1"/>
+          </a:fillRef>
+          <a:effectRef idx="0">
+            <a:schemeClr val="dk1"/>
+          </a:effectRef>
+          <a:fontRef idx="minor">
+            <a:schemeClr val="dk1"/>
+          </a:fontRef>
+        </p:style>
+        <p:txBody>
+          <a:bodyPr rtlCol="0" anchor="ctr"/>
+          <a:lstStyle/>
+          <a:p>
+            <a:pPr algn="ctr"/>
+            <a:r>
+              <a:rPr kumimoji="1" lang="en-US" altLang="ja-JP" sz="2800" dirty="0"/>
+              <a:t>3</a:t>
+            </a:r>
+            <a:endParaRPr kumimoji="1" lang="ja-JP" altLang="en-US" sz="2800"/>
+          </a:p>
+        </p:txBody>
+      </p:sp>
+      <p:sp>
+        <p:nvSpPr>
+          <p:cNvPr id="9" name="1 つの角を丸めた四角形 8">
+            <a:extLst>
+              <a:ext uri="{FF2B5EF4-FFF2-40B4-BE49-F238E27FC236}">
+                <a16:creationId xmlns:a16="http://schemas.microsoft.com/office/drawing/2014/main" id="{73CCB7F2-DB5A-B58D-698E-895FFC628C67}"/>
+              </a:ext>
+            </a:extLst>
+          </p:cNvPr>
+          <p:cNvSpPr/>
+          <p:nvPr/>
+        </p:nvSpPr>
+        <p:spPr>
+          <a:xfrm>
+            <a:off x="3775776" y="3946359"/>
+            <a:ext cx="991402" cy="1530416"/>
+          </a:xfrm>
+          <a:prstGeom prst="round1Rect">
+            <a:avLst/>
+          </a:prstGeom>
+          <a:solidFill>
+            <a:schemeClr val="bg1">
+              <a:lumMod val="95000"/>
+            </a:schemeClr>
+          </a:solidFill>
+          <a:ln w="19050">
+            <a:solidFill>
+              <a:schemeClr val="tx1"/>
+            </a:solidFill>
+          </a:ln>
+        </p:spPr>
+        <p:style>
+          <a:lnRef idx="2">
+            <a:schemeClr val="dk1"/>
+          </a:lnRef>
+          <a:fillRef idx="1">
+            <a:schemeClr val="lt1"/>
+          </a:fillRef>
+          <a:effectRef idx="0">
+            <a:schemeClr val="dk1"/>
+          </a:effectRef>
+          <a:fontRef idx="minor">
+            <a:schemeClr val="dk1"/>
+          </a:fontRef>
+        </p:style>
+        <p:txBody>
+          <a:bodyPr rtlCol="0" anchor="ctr"/>
+          <a:lstStyle/>
+          <a:p>
+            <a:pPr algn="ctr"/>
+            <a:r>
+              <a:rPr lang="en-US" altLang="ja-JP" sz="2800" dirty="0"/>
+              <a:t>1</a:t>
+            </a:r>
+            <a:endParaRPr kumimoji="1" lang="ja-JP" altLang="en-US" sz="2800"/>
+          </a:p>
+        </p:txBody>
+      </p:sp>
+      <p:sp>
+        <p:nvSpPr>
+          <p:cNvPr id="10" name="1 つの角を丸めた四角形 9">
+            <a:extLst>
+              <a:ext uri="{FF2B5EF4-FFF2-40B4-BE49-F238E27FC236}">
+                <a16:creationId xmlns:a16="http://schemas.microsoft.com/office/drawing/2014/main" id="{543F5062-F327-7C04-F471-0F09C5B31533}"/>
+              </a:ext>
+            </a:extLst>
+          </p:cNvPr>
+          <p:cNvSpPr/>
+          <p:nvPr/>
+        </p:nvSpPr>
+        <p:spPr>
+          <a:xfrm>
+            <a:off x="5525970" y="3946359"/>
+            <a:ext cx="991402" cy="1530416"/>
+          </a:xfrm>
+          <a:prstGeom prst="round1Rect">
+            <a:avLst/>
+          </a:prstGeom>
+          <a:solidFill>
+            <a:schemeClr val="bg1">
+              <a:lumMod val="95000"/>
+            </a:schemeClr>
+          </a:solidFill>
+          <a:ln w="19050">
+            <a:solidFill>
+              <a:schemeClr val="tx1"/>
+            </a:solidFill>
+          </a:ln>
+        </p:spPr>
+        <p:style>
+          <a:lnRef idx="2">
+            <a:schemeClr val="dk1"/>
+          </a:lnRef>
+          <a:fillRef idx="1">
+            <a:schemeClr val="lt1"/>
+          </a:fillRef>
+          <a:effectRef idx="0">
+            <a:schemeClr val="dk1"/>
+          </a:effectRef>
+          <a:fontRef idx="minor">
+            <a:schemeClr val="dk1"/>
+          </a:fontRef>
+        </p:style>
+        <p:txBody>
+          <a:bodyPr rtlCol="0" anchor="ctr"/>
+          <a:lstStyle/>
+          <a:p>
+            <a:pPr algn="ctr"/>
+            <a:r>
+              <a:rPr kumimoji="1" lang="en-US" altLang="ja-JP" sz="2800" dirty="0"/>
+              <a:t>4</a:t>
+            </a:r>
+            <a:endParaRPr kumimoji="1" lang="ja-JP" altLang="en-US" sz="2800"/>
+          </a:p>
+        </p:txBody>
+      </p:sp>
+      <p:sp>
+        <p:nvSpPr>
+          <p:cNvPr id="11" name="1 つの角を丸めた四角形 10">
+            <a:extLst>
+              <a:ext uri="{FF2B5EF4-FFF2-40B4-BE49-F238E27FC236}">
+                <a16:creationId xmlns:a16="http://schemas.microsoft.com/office/drawing/2014/main" id="{BE876897-6D43-5E0E-2A9A-C4077AAFC15A}"/>
+              </a:ext>
+            </a:extLst>
+          </p:cNvPr>
+          <p:cNvSpPr/>
+          <p:nvPr/>
+        </p:nvSpPr>
+        <p:spPr>
+          <a:xfrm>
+            <a:off x="7276164" y="3946359"/>
+            <a:ext cx="991402" cy="1530416"/>
+          </a:xfrm>
+          <a:prstGeom prst="round1Rect">
+            <a:avLst/>
+          </a:prstGeom>
+          <a:solidFill>
+            <a:schemeClr val="bg1">
+              <a:lumMod val="95000"/>
+            </a:schemeClr>
+          </a:solidFill>
+          <a:ln w="19050">
+            <a:solidFill>
+              <a:schemeClr val="tx1"/>
+            </a:solidFill>
+          </a:ln>
+        </p:spPr>
+        <p:style>
+          <a:lnRef idx="2">
+            <a:schemeClr val="dk1"/>
+          </a:lnRef>
+          <a:fillRef idx="1">
+            <a:schemeClr val="lt1"/>
+          </a:fillRef>
+          <a:effectRef idx="0">
+            <a:schemeClr val="dk1"/>
+          </a:effectRef>
+          <a:fontRef idx="minor">
+            <a:schemeClr val="dk1"/>
+          </a:fontRef>
+        </p:style>
+        <p:txBody>
+          <a:bodyPr rtlCol="0" anchor="ctr"/>
+          <a:lstStyle/>
+          <a:p>
+            <a:pPr algn="ctr"/>
+            <a:r>
+              <a:rPr kumimoji="1" lang="en-US" altLang="ja-JP" sz="2800" dirty="0"/>
+              <a:t>6</a:t>
+            </a:r>
+            <a:endParaRPr kumimoji="1" lang="ja-JP" altLang="en-US" sz="2800"/>
           </a:p>
         </p:txBody>
       </p:sp>
@@ -29021,6 +29400,6409 @@
     <p:extLst>
       <p:ext uri="{BB962C8B-B14F-4D97-AF65-F5344CB8AC3E}">
         <p14:creationId xmlns:p14="http://schemas.microsoft.com/office/powerpoint/2010/main" val="135150930"/>
+      </p:ext>
+    </p:extLst>
+  </p:cSld>
+  <p:clrMapOvr>
+    <a:masterClrMapping/>
+  </p:clrMapOvr>
+</p:sld>
+</file>
+
+<file path=ppt/slides/slide31.xml><?xml version="1.0" encoding="utf-8"?>
+<p:sld xmlns:a="http://schemas.openxmlformats.org/drawingml/2006/main" xmlns:r="http://schemas.openxmlformats.org/officeDocument/2006/relationships" xmlns:p="http://schemas.openxmlformats.org/presentationml/2006/main">
+  <p:cSld>
+    <p:spTree>
+      <p:nvGrpSpPr>
+        <p:cNvPr id="1" name=""/>
+        <p:cNvGrpSpPr/>
+        <p:nvPr/>
+      </p:nvGrpSpPr>
+      <p:grpSpPr>
+        <a:xfrm>
+          <a:off x="0" y="0"/>
+          <a:ext cx="0" cy="0"/>
+          <a:chOff x="0" y="0"/>
+          <a:chExt cx="0" cy="0"/>
+        </a:xfrm>
+      </p:grpSpPr>
+      <p:sp>
+        <p:nvSpPr>
+          <p:cNvPr id="4" name="正方形/長方形 3">
+            <a:extLst>
+              <a:ext uri="{FF2B5EF4-FFF2-40B4-BE49-F238E27FC236}">
+                <a16:creationId xmlns:a16="http://schemas.microsoft.com/office/drawing/2014/main" id="{9DF20083-156A-16DA-0EEB-CA65C4F4EBBD}"/>
+              </a:ext>
+            </a:extLst>
+          </p:cNvPr>
+          <p:cNvSpPr/>
+          <p:nvPr/>
+        </p:nvSpPr>
+        <p:spPr>
+          <a:xfrm>
+            <a:off x="1396314" y="0"/>
+            <a:ext cx="10795686" cy="1397876"/>
+          </a:xfrm>
+          <a:prstGeom prst="rect">
+            <a:avLst/>
+          </a:prstGeom>
+          <a:solidFill>
+            <a:schemeClr val="accent5"/>
+          </a:solidFill>
+          <a:ln>
+            <a:noFill/>
+          </a:ln>
+        </p:spPr>
+        <p:style>
+          <a:lnRef idx="2">
+            <a:schemeClr val="accent1">
+              <a:shade val="15000"/>
+            </a:schemeClr>
+          </a:lnRef>
+          <a:fillRef idx="1">
+            <a:schemeClr val="accent1"/>
+          </a:fillRef>
+          <a:effectRef idx="0">
+            <a:schemeClr val="accent1"/>
+          </a:effectRef>
+          <a:fontRef idx="minor">
+            <a:schemeClr val="lt1"/>
+          </a:fontRef>
+        </p:style>
+        <p:txBody>
+          <a:bodyPr rtlCol="0" anchor="ctr"/>
+          <a:lstStyle/>
+          <a:p>
+            <a:r>
+              <a:rPr kumimoji="1" lang="en" altLang="ja-JP" sz="4000" b="1"/>
+              <a:t>ABC088B - Card Game for Two</a:t>
+            </a:r>
+            <a:endParaRPr kumimoji="1" lang="ja-JP" altLang="en-US" sz="4000" b="1"/>
+          </a:p>
+        </p:txBody>
+      </p:sp>
+      <p:sp>
+        <p:nvSpPr>
+          <p:cNvPr id="5" name="正方形/長方形 4">
+            <a:extLst>
+              <a:ext uri="{FF2B5EF4-FFF2-40B4-BE49-F238E27FC236}">
+                <a16:creationId xmlns:a16="http://schemas.microsoft.com/office/drawing/2014/main" id="{BD9D5376-097D-869C-B9C1-C3A110CFEA92}"/>
+              </a:ext>
+            </a:extLst>
+          </p:cNvPr>
+          <p:cNvSpPr/>
+          <p:nvPr/>
+        </p:nvSpPr>
+        <p:spPr>
+          <a:xfrm>
+            <a:off x="0" y="0"/>
+            <a:ext cx="1396314" cy="1397876"/>
+          </a:xfrm>
+          <a:prstGeom prst="rect">
+            <a:avLst/>
+          </a:prstGeom>
+          <a:ln>
+            <a:noFill/>
+          </a:ln>
+        </p:spPr>
+        <p:style>
+          <a:lnRef idx="2">
+            <a:schemeClr val="accent1">
+              <a:shade val="15000"/>
+            </a:schemeClr>
+          </a:lnRef>
+          <a:fillRef idx="1">
+            <a:schemeClr val="accent1"/>
+          </a:fillRef>
+          <a:effectRef idx="0">
+            <a:schemeClr val="accent1"/>
+          </a:effectRef>
+          <a:fontRef idx="minor">
+            <a:schemeClr val="lt1"/>
+          </a:fontRef>
+        </p:style>
+        <p:txBody>
+          <a:bodyPr rtlCol="0" anchor="ctr"/>
+          <a:lstStyle/>
+          <a:p>
+            <a:pPr algn="ctr"/>
+            <a:r>
+              <a:rPr lang="en-US" altLang="ja-JP" sz="3200" b="1"/>
+              <a:t>7.1</a:t>
+            </a:r>
+            <a:endParaRPr kumimoji="1" lang="ja-JP" altLang="en-US" sz="3200" b="1"/>
+          </a:p>
+        </p:txBody>
+      </p:sp>
+      <p:sp>
+        <p:nvSpPr>
+          <p:cNvPr id="2" name="テキスト ボックス 1">
+            <a:extLst>
+              <a:ext uri="{FF2B5EF4-FFF2-40B4-BE49-F238E27FC236}">
+                <a16:creationId xmlns:a16="http://schemas.microsoft.com/office/drawing/2014/main" id="{C0240D40-60C1-684C-AC52-EA5685B8E1E7}"/>
+              </a:ext>
+            </a:extLst>
+          </p:cNvPr>
+          <p:cNvSpPr txBox="1"/>
+          <p:nvPr/>
+        </p:nvSpPr>
+        <p:spPr>
+          <a:xfrm>
+            <a:off x="762000" y="1676400"/>
+            <a:ext cx="1107996" cy="461665"/>
+          </a:xfrm>
+          <a:prstGeom prst="rect">
+            <a:avLst/>
+          </a:prstGeom>
+          <a:noFill/>
+        </p:spPr>
+        <p:txBody>
+          <a:bodyPr wrap="none" rtlCol="0">
+            <a:spAutoFit/>
+          </a:bodyPr>
+          <a:lstStyle/>
+          <a:p>
+            <a:r>
+              <a:rPr kumimoji="1" lang="ja-JP" altLang="en-US" sz="2400"/>
+              <a:t>解き方</a:t>
+            </a:r>
+          </a:p>
+        </p:txBody>
+      </p:sp>
+      <p:sp>
+        <p:nvSpPr>
+          <p:cNvPr id="6" name="1 つの角を丸めた四角形 5">
+            <a:extLst>
+              <a:ext uri="{FF2B5EF4-FFF2-40B4-BE49-F238E27FC236}">
+                <a16:creationId xmlns:a16="http://schemas.microsoft.com/office/drawing/2014/main" id="{1122570F-B36D-709A-1E9E-F36F60DC0D68}"/>
+              </a:ext>
+            </a:extLst>
+          </p:cNvPr>
+          <p:cNvSpPr/>
+          <p:nvPr/>
+        </p:nvSpPr>
+        <p:spPr>
+          <a:xfrm>
+            <a:off x="1626245" y="2763071"/>
+            <a:ext cx="866478" cy="1331858"/>
+          </a:xfrm>
+          <a:prstGeom prst="round1Rect">
+            <a:avLst/>
+          </a:prstGeom>
+          <a:solidFill>
+            <a:srgbClr val="FFB19F"/>
+          </a:solidFill>
+          <a:ln w="19050">
+            <a:solidFill>
+              <a:schemeClr val="tx1"/>
+            </a:solidFill>
+          </a:ln>
+        </p:spPr>
+        <p:style>
+          <a:lnRef idx="2">
+            <a:schemeClr val="dk1"/>
+          </a:lnRef>
+          <a:fillRef idx="1">
+            <a:schemeClr val="lt1"/>
+          </a:fillRef>
+          <a:effectRef idx="0">
+            <a:schemeClr val="dk1"/>
+          </a:effectRef>
+          <a:fontRef idx="minor">
+            <a:schemeClr val="dk1"/>
+          </a:fontRef>
+        </p:style>
+        <p:txBody>
+          <a:bodyPr rtlCol="0" anchor="ctr"/>
+          <a:lstStyle/>
+          <a:p>
+            <a:pPr algn="ctr"/>
+            <a:r>
+              <a:rPr kumimoji="1" lang="en-US" altLang="ja-JP" sz="2800" dirty="0"/>
+              <a:t>7</a:t>
+            </a:r>
+            <a:endParaRPr kumimoji="1" lang="ja-JP" altLang="en-US" sz="2800"/>
+          </a:p>
+        </p:txBody>
+      </p:sp>
+      <p:sp>
+        <p:nvSpPr>
+          <p:cNvPr id="12" name="1 つの角を丸めた四角形 11">
+            <a:extLst>
+              <a:ext uri="{FF2B5EF4-FFF2-40B4-BE49-F238E27FC236}">
+                <a16:creationId xmlns:a16="http://schemas.microsoft.com/office/drawing/2014/main" id="{04A507D2-2416-A3C3-8613-92D10B791319}"/>
+              </a:ext>
+            </a:extLst>
+          </p:cNvPr>
+          <p:cNvSpPr/>
+          <p:nvPr/>
+        </p:nvSpPr>
+        <p:spPr>
+          <a:xfrm>
+            <a:off x="1593154" y="4759313"/>
+            <a:ext cx="866478" cy="1331858"/>
+          </a:xfrm>
+          <a:prstGeom prst="round1Rect">
+            <a:avLst/>
+          </a:prstGeom>
+          <a:solidFill>
+            <a:schemeClr val="accent5">
+              <a:lumMod val="60000"/>
+              <a:lumOff val="40000"/>
+            </a:schemeClr>
+          </a:solidFill>
+          <a:ln w="19050">
+            <a:solidFill>
+              <a:schemeClr val="tx1"/>
+            </a:solidFill>
+          </a:ln>
+        </p:spPr>
+        <p:style>
+          <a:lnRef idx="2">
+            <a:schemeClr val="dk1"/>
+          </a:lnRef>
+          <a:fillRef idx="1">
+            <a:schemeClr val="lt1"/>
+          </a:fillRef>
+          <a:effectRef idx="0">
+            <a:schemeClr val="dk1"/>
+          </a:effectRef>
+          <a:fontRef idx="minor">
+            <a:schemeClr val="dk1"/>
+          </a:fontRef>
+        </p:style>
+        <p:txBody>
+          <a:bodyPr rtlCol="0" anchor="ctr"/>
+          <a:lstStyle/>
+          <a:p>
+            <a:pPr algn="ctr"/>
+            <a:r>
+              <a:rPr lang="en-US" altLang="ja-JP" sz="2800" dirty="0"/>
+              <a:t>6</a:t>
+            </a:r>
+            <a:endParaRPr kumimoji="1" lang="ja-JP" altLang="en-US" sz="2800"/>
+          </a:p>
+        </p:txBody>
+      </p:sp>
+      <p:sp>
+        <p:nvSpPr>
+          <p:cNvPr id="13" name="1 つの角を丸めた四角形 12">
+            <a:extLst>
+              <a:ext uri="{FF2B5EF4-FFF2-40B4-BE49-F238E27FC236}">
+                <a16:creationId xmlns:a16="http://schemas.microsoft.com/office/drawing/2014/main" id="{BCC6188B-B270-4929-3371-9CD2D2C6005E}"/>
+              </a:ext>
+            </a:extLst>
+          </p:cNvPr>
+          <p:cNvSpPr/>
+          <p:nvPr/>
+        </p:nvSpPr>
+        <p:spPr>
+          <a:xfrm>
+            <a:off x="2894575" y="2763071"/>
+            <a:ext cx="866478" cy="1331858"/>
+          </a:xfrm>
+          <a:prstGeom prst="round1Rect">
+            <a:avLst/>
+          </a:prstGeom>
+          <a:solidFill>
+            <a:srgbClr val="FFB19F"/>
+          </a:solidFill>
+          <a:ln w="19050">
+            <a:solidFill>
+              <a:schemeClr val="tx1"/>
+            </a:solidFill>
+          </a:ln>
+        </p:spPr>
+        <p:style>
+          <a:lnRef idx="2">
+            <a:schemeClr val="dk1"/>
+          </a:lnRef>
+          <a:fillRef idx="1">
+            <a:schemeClr val="lt1"/>
+          </a:fillRef>
+          <a:effectRef idx="0">
+            <a:schemeClr val="dk1"/>
+          </a:effectRef>
+          <a:fontRef idx="minor">
+            <a:schemeClr val="dk1"/>
+          </a:fontRef>
+        </p:style>
+        <p:txBody>
+          <a:bodyPr rtlCol="0" anchor="ctr"/>
+          <a:lstStyle/>
+          <a:p>
+            <a:pPr algn="ctr"/>
+            <a:r>
+              <a:rPr kumimoji="1" lang="en-US" altLang="ja-JP" sz="2800" dirty="0"/>
+              <a:t>4</a:t>
+            </a:r>
+            <a:endParaRPr kumimoji="1" lang="ja-JP" altLang="en-US" sz="2800"/>
+          </a:p>
+        </p:txBody>
+      </p:sp>
+      <p:sp>
+        <p:nvSpPr>
+          <p:cNvPr id="14" name="1 つの角を丸めた四角形 13">
+            <a:extLst>
+              <a:ext uri="{FF2B5EF4-FFF2-40B4-BE49-F238E27FC236}">
+                <a16:creationId xmlns:a16="http://schemas.microsoft.com/office/drawing/2014/main" id="{A9C5D305-84F2-D50E-B1AC-9F204AD22F74}"/>
+              </a:ext>
+            </a:extLst>
+          </p:cNvPr>
+          <p:cNvSpPr/>
+          <p:nvPr/>
+        </p:nvSpPr>
+        <p:spPr>
+          <a:xfrm>
+            <a:off x="4206120" y="2748634"/>
+            <a:ext cx="866478" cy="1331858"/>
+          </a:xfrm>
+          <a:prstGeom prst="round1Rect">
+            <a:avLst/>
+          </a:prstGeom>
+          <a:solidFill>
+            <a:srgbClr val="FFB19F"/>
+          </a:solidFill>
+          <a:ln w="19050">
+            <a:solidFill>
+              <a:schemeClr val="tx1"/>
+            </a:solidFill>
+          </a:ln>
+        </p:spPr>
+        <p:style>
+          <a:lnRef idx="2">
+            <a:schemeClr val="dk1"/>
+          </a:lnRef>
+          <a:fillRef idx="1">
+            <a:schemeClr val="lt1"/>
+          </a:fillRef>
+          <a:effectRef idx="0">
+            <a:schemeClr val="dk1"/>
+          </a:effectRef>
+          <a:fontRef idx="minor">
+            <a:schemeClr val="dk1"/>
+          </a:fontRef>
+        </p:style>
+        <p:txBody>
+          <a:bodyPr rtlCol="0" anchor="ctr"/>
+          <a:lstStyle/>
+          <a:p>
+            <a:pPr algn="ctr"/>
+            <a:r>
+              <a:rPr lang="en-US" altLang="ja-JP" sz="2800" dirty="0"/>
+              <a:t>1</a:t>
+            </a:r>
+            <a:endParaRPr kumimoji="1" lang="ja-JP" altLang="en-US" sz="2800"/>
+          </a:p>
+        </p:txBody>
+      </p:sp>
+      <p:sp>
+        <p:nvSpPr>
+          <p:cNvPr id="15" name="1 つの角を丸めた四角形 14">
+            <a:extLst>
+              <a:ext uri="{FF2B5EF4-FFF2-40B4-BE49-F238E27FC236}">
+                <a16:creationId xmlns:a16="http://schemas.microsoft.com/office/drawing/2014/main" id="{D3A4D893-3A88-3317-D4BD-ACFE86511425}"/>
+              </a:ext>
+            </a:extLst>
+          </p:cNvPr>
+          <p:cNvSpPr/>
+          <p:nvPr/>
+        </p:nvSpPr>
+        <p:spPr>
+          <a:xfrm>
+            <a:off x="2894575" y="4759313"/>
+            <a:ext cx="866478" cy="1331858"/>
+          </a:xfrm>
+          <a:prstGeom prst="round1Rect">
+            <a:avLst/>
+          </a:prstGeom>
+          <a:solidFill>
+            <a:schemeClr val="accent5">
+              <a:lumMod val="60000"/>
+              <a:lumOff val="40000"/>
+            </a:schemeClr>
+          </a:solidFill>
+          <a:ln w="19050">
+            <a:solidFill>
+              <a:schemeClr val="tx1"/>
+            </a:solidFill>
+          </a:ln>
+        </p:spPr>
+        <p:style>
+          <a:lnRef idx="2">
+            <a:schemeClr val="dk1"/>
+          </a:lnRef>
+          <a:fillRef idx="1">
+            <a:schemeClr val="lt1"/>
+          </a:fillRef>
+          <a:effectRef idx="0">
+            <a:schemeClr val="dk1"/>
+          </a:effectRef>
+          <a:fontRef idx="minor">
+            <a:schemeClr val="dk1"/>
+          </a:fontRef>
+        </p:style>
+        <p:txBody>
+          <a:bodyPr rtlCol="0" anchor="ctr"/>
+          <a:lstStyle/>
+          <a:p>
+            <a:pPr algn="ctr"/>
+            <a:r>
+              <a:rPr lang="en-US" altLang="ja-JP" sz="2800" dirty="0"/>
+              <a:t>3</a:t>
+            </a:r>
+            <a:endParaRPr kumimoji="1" lang="ja-JP" altLang="en-US" sz="2800"/>
+          </a:p>
+        </p:txBody>
+      </p:sp>
+      <p:sp>
+        <p:nvSpPr>
+          <p:cNvPr id="16" name="テキスト ボックス 15">
+            <a:extLst>
+              <a:ext uri="{FF2B5EF4-FFF2-40B4-BE49-F238E27FC236}">
+                <a16:creationId xmlns:a16="http://schemas.microsoft.com/office/drawing/2014/main" id="{BD847AA6-0D99-39D1-079E-A8A88F24B1BB}"/>
+              </a:ext>
+            </a:extLst>
+          </p:cNvPr>
+          <p:cNvSpPr txBox="1"/>
+          <p:nvPr/>
+        </p:nvSpPr>
+        <p:spPr>
+          <a:xfrm>
+            <a:off x="5290971" y="3229897"/>
+            <a:ext cx="1015021" cy="461665"/>
+          </a:xfrm>
+          <a:prstGeom prst="rect">
+            <a:avLst/>
+          </a:prstGeom>
+          <a:noFill/>
+        </p:spPr>
+        <p:txBody>
+          <a:bodyPr wrap="none" rtlCol="0">
+            <a:spAutoFit/>
+          </a:bodyPr>
+          <a:lstStyle/>
+          <a:p>
+            <a:r>
+              <a:rPr kumimoji="1" lang="en-US" altLang="ja-JP" sz="2400" dirty="0"/>
+              <a:t>=   12</a:t>
+            </a:r>
+            <a:endParaRPr kumimoji="1" lang="ja-JP" altLang="en-US" sz="2400"/>
+          </a:p>
+        </p:txBody>
+      </p:sp>
+      <p:sp>
+        <p:nvSpPr>
+          <p:cNvPr id="17" name="テキスト ボックス 16">
+            <a:extLst>
+              <a:ext uri="{FF2B5EF4-FFF2-40B4-BE49-F238E27FC236}">
+                <a16:creationId xmlns:a16="http://schemas.microsoft.com/office/drawing/2014/main" id="{7D4B6A1E-7FB3-8B9A-3965-92FD18963DB2}"/>
+              </a:ext>
+            </a:extLst>
+          </p:cNvPr>
+          <p:cNvSpPr txBox="1"/>
+          <p:nvPr/>
+        </p:nvSpPr>
+        <p:spPr>
+          <a:xfrm>
+            <a:off x="2517960" y="3244334"/>
+            <a:ext cx="351378" cy="369332"/>
+          </a:xfrm>
+          <a:prstGeom prst="rect">
+            <a:avLst/>
+          </a:prstGeom>
+          <a:noFill/>
+        </p:spPr>
+        <p:txBody>
+          <a:bodyPr wrap="none" rtlCol="0">
+            <a:spAutoFit/>
+          </a:bodyPr>
+          <a:lstStyle/>
+          <a:p>
+            <a:r>
+              <a:rPr kumimoji="1" lang="en-US" altLang="ja-JP" dirty="0"/>
+              <a:t>+</a:t>
+            </a:r>
+            <a:endParaRPr kumimoji="1" lang="ja-JP" altLang="en-US"/>
+          </a:p>
+        </p:txBody>
+      </p:sp>
+      <p:sp>
+        <p:nvSpPr>
+          <p:cNvPr id="18" name="テキスト ボックス 17">
+            <a:extLst>
+              <a:ext uri="{FF2B5EF4-FFF2-40B4-BE49-F238E27FC236}">
+                <a16:creationId xmlns:a16="http://schemas.microsoft.com/office/drawing/2014/main" id="{5B179EFA-1946-F134-6A3A-341D59EAE372}"/>
+              </a:ext>
+            </a:extLst>
+          </p:cNvPr>
+          <p:cNvSpPr txBox="1"/>
+          <p:nvPr/>
+        </p:nvSpPr>
+        <p:spPr>
+          <a:xfrm>
+            <a:off x="2514414" y="5292015"/>
+            <a:ext cx="351378" cy="369332"/>
+          </a:xfrm>
+          <a:prstGeom prst="rect">
+            <a:avLst/>
+          </a:prstGeom>
+          <a:noFill/>
+        </p:spPr>
+        <p:txBody>
+          <a:bodyPr wrap="square" rtlCol="0">
+            <a:spAutoFit/>
+          </a:bodyPr>
+          <a:lstStyle/>
+          <a:p>
+            <a:r>
+              <a:rPr kumimoji="1" lang="en-US" altLang="ja-JP" dirty="0"/>
+              <a:t>+</a:t>
+            </a:r>
+            <a:endParaRPr kumimoji="1" lang="ja-JP" altLang="en-US"/>
+          </a:p>
+        </p:txBody>
+      </p:sp>
+      <p:sp>
+        <p:nvSpPr>
+          <p:cNvPr id="19" name="テキスト ボックス 18">
+            <a:extLst>
+              <a:ext uri="{FF2B5EF4-FFF2-40B4-BE49-F238E27FC236}">
+                <a16:creationId xmlns:a16="http://schemas.microsoft.com/office/drawing/2014/main" id="{2F496ACE-C13B-B0DA-636A-93A85EC75300}"/>
+              </a:ext>
+            </a:extLst>
+          </p:cNvPr>
+          <p:cNvSpPr txBox="1"/>
+          <p:nvPr/>
+        </p:nvSpPr>
+        <p:spPr>
+          <a:xfrm>
+            <a:off x="3761053" y="3244334"/>
+            <a:ext cx="351378" cy="369332"/>
+          </a:xfrm>
+          <a:prstGeom prst="rect">
+            <a:avLst/>
+          </a:prstGeom>
+          <a:noFill/>
+        </p:spPr>
+        <p:txBody>
+          <a:bodyPr wrap="none" rtlCol="0">
+            <a:spAutoFit/>
+          </a:bodyPr>
+          <a:lstStyle/>
+          <a:p>
+            <a:r>
+              <a:rPr kumimoji="1" lang="en-US" altLang="ja-JP" dirty="0"/>
+              <a:t>+</a:t>
+            </a:r>
+            <a:endParaRPr kumimoji="1" lang="ja-JP" altLang="en-US"/>
+          </a:p>
+        </p:txBody>
+      </p:sp>
+      <p:sp>
+        <p:nvSpPr>
+          <p:cNvPr id="20" name="テキスト ボックス 19">
+            <a:extLst>
+              <a:ext uri="{FF2B5EF4-FFF2-40B4-BE49-F238E27FC236}">
+                <a16:creationId xmlns:a16="http://schemas.microsoft.com/office/drawing/2014/main" id="{D03A09D8-3813-C4D8-3CC6-98FBBDDB09F5}"/>
+              </a:ext>
+            </a:extLst>
+          </p:cNvPr>
+          <p:cNvSpPr txBox="1"/>
+          <p:nvPr/>
+        </p:nvSpPr>
+        <p:spPr>
+          <a:xfrm>
+            <a:off x="5290971" y="5292015"/>
+            <a:ext cx="667170" cy="461665"/>
+          </a:xfrm>
+          <a:prstGeom prst="rect">
+            <a:avLst/>
+          </a:prstGeom>
+          <a:noFill/>
+        </p:spPr>
+        <p:txBody>
+          <a:bodyPr wrap="none" rtlCol="0">
+            <a:spAutoFit/>
+          </a:bodyPr>
+          <a:lstStyle/>
+          <a:p>
+            <a:r>
+              <a:rPr kumimoji="1" lang="en-US" altLang="ja-JP" sz="2400" dirty="0"/>
+              <a:t>= 9</a:t>
+            </a:r>
+            <a:endParaRPr kumimoji="1" lang="ja-JP" altLang="en-US" sz="2400"/>
+          </a:p>
+        </p:txBody>
+      </p:sp>
+      <p:sp>
+        <p:nvSpPr>
+          <p:cNvPr id="21" name="テキスト ボックス 20">
+            <a:extLst>
+              <a:ext uri="{FF2B5EF4-FFF2-40B4-BE49-F238E27FC236}">
+                <a16:creationId xmlns:a16="http://schemas.microsoft.com/office/drawing/2014/main" id="{912F0B33-5C60-F39C-CBFB-A16108D7FCF7}"/>
+              </a:ext>
+            </a:extLst>
+          </p:cNvPr>
+          <p:cNvSpPr txBox="1"/>
+          <p:nvPr/>
+        </p:nvSpPr>
+        <p:spPr>
+          <a:xfrm>
+            <a:off x="416340" y="3281231"/>
+            <a:ext cx="875561" cy="461665"/>
+          </a:xfrm>
+          <a:prstGeom prst="rect">
+            <a:avLst/>
+          </a:prstGeom>
+          <a:noFill/>
+        </p:spPr>
+        <p:txBody>
+          <a:bodyPr wrap="none" rtlCol="0">
+            <a:spAutoFit/>
+          </a:bodyPr>
+          <a:lstStyle/>
+          <a:p>
+            <a:r>
+              <a:rPr kumimoji="1" lang="en-US" altLang="ja-JP" sz="2400"/>
+              <a:t>Alice</a:t>
+            </a:r>
+            <a:endParaRPr kumimoji="1" lang="ja-JP" altLang="en-US" sz="2400"/>
+          </a:p>
+        </p:txBody>
+      </p:sp>
+      <p:sp>
+        <p:nvSpPr>
+          <p:cNvPr id="22" name="テキスト ボックス 21">
+            <a:extLst>
+              <a:ext uri="{FF2B5EF4-FFF2-40B4-BE49-F238E27FC236}">
+                <a16:creationId xmlns:a16="http://schemas.microsoft.com/office/drawing/2014/main" id="{B2D49887-C7B4-2319-D546-15D485EEF807}"/>
+              </a:ext>
+            </a:extLst>
+          </p:cNvPr>
+          <p:cNvSpPr txBox="1"/>
+          <p:nvPr/>
+        </p:nvSpPr>
+        <p:spPr>
+          <a:xfrm>
+            <a:off x="449592" y="5164586"/>
+            <a:ext cx="744114" cy="461665"/>
+          </a:xfrm>
+          <a:prstGeom prst="rect">
+            <a:avLst/>
+          </a:prstGeom>
+          <a:noFill/>
+        </p:spPr>
+        <p:txBody>
+          <a:bodyPr wrap="none" rtlCol="0">
+            <a:spAutoFit/>
+          </a:bodyPr>
+          <a:lstStyle/>
+          <a:p>
+            <a:r>
+              <a:rPr lang="en-US" altLang="ja-JP" sz="2400"/>
+              <a:t>Bob</a:t>
+            </a:r>
+            <a:endParaRPr kumimoji="1" lang="ja-JP" altLang="en-US" sz="2400"/>
+          </a:p>
+        </p:txBody>
+      </p:sp>
+      <p:sp>
+        <p:nvSpPr>
+          <p:cNvPr id="24" name="1 つの角を丸めた四角形 23">
+            <a:extLst>
+              <a:ext uri="{FF2B5EF4-FFF2-40B4-BE49-F238E27FC236}">
+                <a16:creationId xmlns:a16="http://schemas.microsoft.com/office/drawing/2014/main" id="{910D4D54-AFD6-E0F2-73DA-3211B55B58F3}"/>
+              </a:ext>
+            </a:extLst>
+          </p:cNvPr>
+          <p:cNvSpPr/>
+          <p:nvPr/>
+        </p:nvSpPr>
+        <p:spPr>
+          <a:xfrm>
+            <a:off x="2062103" y="1560181"/>
+            <a:ext cx="494098" cy="736622"/>
+          </a:xfrm>
+          <a:prstGeom prst="round1Rect">
+            <a:avLst/>
+          </a:prstGeom>
+          <a:solidFill>
+            <a:schemeClr val="bg1">
+              <a:lumMod val="95000"/>
+            </a:schemeClr>
+          </a:solidFill>
+          <a:ln w="19050">
+            <a:solidFill>
+              <a:schemeClr val="tx1"/>
+            </a:solidFill>
+          </a:ln>
+        </p:spPr>
+        <p:style>
+          <a:lnRef idx="2">
+            <a:schemeClr val="dk1"/>
+          </a:lnRef>
+          <a:fillRef idx="1">
+            <a:schemeClr val="lt1"/>
+          </a:fillRef>
+          <a:effectRef idx="0">
+            <a:schemeClr val="dk1"/>
+          </a:effectRef>
+          <a:fontRef idx="minor">
+            <a:schemeClr val="dk1"/>
+          </a:fontRef>
+        </p:style>
+        <p:txBody>
+          <a:bodyPr rtlCol="0" anchor="ctr"/>
+          <a:lstStyle/>
+          <a:p>
+            <a:pPr algn="ctr"/>
+            <a:r>
+              <a:rPr kumimoji="1" lang="en-US" altLang="ja-JP" sz="2800" dirty="0"/>
+              <a:t>7</a:t>
+            </a:r>
+            <a:endParaRPr kumimoji="1" lang="ja-JP" altLang="en-US" sz="2800"/>
+          </a:p>
+        </p:txBody>
+      </p:sp>
+      <p:sp>
+        <p:nvSpPr>
+          <p:cNvPr id="25" name="1 つの角を丸めた四角形 24">
+            <a:extLst>
+              <a:ext uri="{FF2B5EF4-FFF2-40B4-BE49-F238E27FC236}">
+                <a16:creationId xmlns:a16="http://schemas.microsoft.com/office/drawing/2014/main" id="{4A3F5E80-4F34-DD51-80F6-BF7D747FD1BD}"/>
+              </a:ext>
+            </a:extLst>
+          </p:cNvPr>
+          <p:cNvSpPr/>
+          <p:nvPr/>
+        </p:nvSpPr>
+        <p:spPr>
+          <a:xfrm>
+            <a:off x="5317741" y="1571570"/>
+            <a:ext cx="494098" cy="736622"/>
+          </a:xfrm>
+          <a:prstGeom prst="round1Rect">
+            <a:avLst/>
+          </a:prstGeom>
+          <a:solidFill>
+            <a:schemeClr val="bg1">
+              <a:lumMod val="95000"/>
+            </a:schemeClr>
+          </a:solidFill>
+          <a:ln w="19050">
+            <a:solidFill>
+              <a:schemeClr val="tx1"/>
+            </a:solidFill>
+          </a:ln>
+        </p:spPr>
+        <p:style>
+          <a:lnRef idx="2">
+            <a:schemeClr val="dk1"/>
+          </a:lnRef>
+          <a:fillRef idx="1">
+            <a:schemeClr val="lt1"/>
+          </a:fillRef>
+          <a:effectRef idx="0">
+            <a:schemeClr val="dk1"/>
+          </a:effectRef>
+          <a:fontRef idx="minor">
+            <a:schemeClr val="dk1"/>
+          </a:fontRef>
+        </p:style>
+        <p:txBody>
+          <a:bodyPr rtlCol="0" anchor="ctr"/>
+          <a:lstStyle/>
+          <a:p>
+            <a:pPr algn="ctr"/>
+            <a:r>
+              <a:rPr kumimoji="1" lang="en-US" altLang="ja-JP" sz="2800" dirty="0"/>
+              <a:t>3</a:t>
+            </a:r>
+            <a:endParaRPr kumimoji="1" lang="ja-JP" altLang="en-US" sz="2800"/>
+          </a:p>
+        </p:txBody>
+      </p:sp>
+      <p:sp>
+        <p:nvSpPr>
+          <p:cNvPr id="26" name="1 つの角を丸めた四角形 25">
+            <a:extLst>
+              <a:ext uri="{FF2B5EF4-FFF2-40B4-BE49-F238E27FC236}">
+                <a16:creationId xmlns:a16="http://schemas.microsoft.com/office/drawing/2014/main" id="{C9C5756E-DE22-B40D-52AB-508CE08682C0}"/>
+              </a:ext>
+            </a:extLst>
+          </p:cNvPr>
+          <p:cNvSpPr/>
+          <p:nvPr/>
+        </p:nvSpPr>
+        <p:spPr>
+          <a:xfrm>
+            <a:off x="2937200" y="1560181"/>
+            <a:ext cx="494098" cy="736622"/>
+          </a:xfrm>
+          <a:prstGeom prst="round1Rect">
+            <a:avLst/>
+          </a:prstGeom>
+          <a:solidFill>
+            <a:schemeClr val="bg1">
+              <a:lumMod val="95000"/>
+            </a:schemeClr>
+          </a:solidFill>
+          <a:ln w="19050">
+            <a:solidFill>
+              <a:schemeClr val="tx1"/>
+            </a:solidFill>
+          </a:ln>
+        </p:spPr>
+        <p:style>
+          <a:lnRef idx="2">
+            <a:schemeClr val="dk1"/>
+          </a:lnRef>
+          <a:fillRef idx="1">
+            <a:schemeClr val="lt1"/>
+          </a:fillRef>
+          <a:effectRef idx="0">
+            <a:schemeClr val="dk1"/>
+          </a:effectRef>
+          <a:fontRef idx="minor">
+            <a:schemeClr val="dk1"/>
+          </a:fontRef>
+        </p:style>
+        <p:txBody>
+          <a:bodyPr rtlCol="0" anchor="ctr"/>
+          <a:lstStyle/>
+          <a:p>
+            <a:pPr algn="ctr"/>
+            <a:r>
+              <a:rPr lang="en-US" altLang="ja-JP" sz="2800" dirty="0"/>
+              <a:t>1</a:t>
+            </a:r>
+            <a:endParaRPr kumimoji="1" lang="ja-JP" altLang="en-US" sz="2800"/>
+          </a:p>
+        </p:txBody>
+      </p:sp>
+      <p:sp>
+        <p:nvSpPr>
+          <p:cNvPr id="27" name="1 つの角を丸めた四角形 26">
+            <a:extLst>
+              <a:ext uri="{FF2B5EF4-FFF2-40B4-BE49-F238E27FC236}">
+                <a16:creationId xmlns:a16="http://schemas.microsoft.com/office/drawing/2014/main" id="{FA0B2BB7-ABD7-AD20-0ADD-BB355E925A18}"/>
+              </a:ext>
+            </a:extLst>
+          </p:cNvPr>
+          <p:cNvSpPr/>
+          <p:nvPr/>
+        </p:nvSpPr>
+        <p:spPr>
+          <a:xfrm>
+            <a:off x="3761053" y="1571570"/>
+            <a:ext cx="494098" cy="736622"/>
+          </a:xfrm>
+          <a:prstGeom prst="round1Rect">
+            <a:avLst/>
+          </a:prstGeom>
+          <a:solidFill>
+            <a:schemeClr val="bg1">
+              <a:lumMod val="95000"/>
+            </a:schemeClr>
+          </a:solidFill>
+          <a:ln w="19050">
+            <a:solidFill>
+              <a:schemeClr val="tx1"/>
+            </a:solidFill>
+          </a:ln>
+        </p:spPr>
+        <p:style>
+          <a:lnRef idx="2">
+            <a:schemeClr val="dk1"/>
+          </a:lnRef>
+          <a:fillRef idx="1">
+            <a:schemeClr val="lt1"/>
+          </a:fillRef>
+          <a:effectRef idx="0">
+            <a:schemeClr val="dk1"/>
+          </a:effectRef>
+          <a:fontRef idx="minor">
+            <a:schemeClr val="dk1"/>
+          </a:fontRef>
+        </p:style>
+        <p:txBody>
+          <a:bodyPr rtlCol="0" anchor="ctr"/>
+          <a:lstStyle/>
+          <a:p>
+            <a:pPr algn="ctr"/>
+            <a:r>
+              <a:rPr kumimoji="1" lang="en-US" altLang="ja-JP" sz="2800" dirty="0"/>
+              <a:t>4</a:t>
+            </a:r>
+            <a:endParaRPr kumimoji="1" lang="ja-JP" altLang="en-US" sz="2800"/>
+          </a:p>
+        </p:txBody>
+      </p:sp>
+      <p:sp>
+        <p:nvSpPr>
+          <p:cNvPr id="28" name="1 つの角を丸めた四角形 27">
+            <a:extLst>
+              <a:ext uri="{FF2B5EF4-FFF2-40B4-BE49-F238E27FC236}">
+                <a16:creationId xmlns:a16="http://schemas.microsoft.com/office/drawing/2014/main" id="{6C77101B-CE57-07F7-44A5-F8A7FD956726}"/>
+              </a:ext>
+            </a:extLst>
+          </p:cNvPr>
+          <p:cNvSpPr/>
+          <p:nvPr/>
+        </p:nvSpPr>
+        <p:spPr>
+          <a:xfrm>
+            <a:off x="4539397" y="1571570"/>
+            <a:ext cx="494098" cy="736622"/>
+          </a:xfrm>
+          <a:prstGeom prst="round1Rect">
+            <a:avLst/>
+          </a:prstGeom>
+          <a:solidFill>
+            <a:schemeClr val="bg1">
+              <a:lumMod val="95000"/>
+            </a:schemeClr>
+          </a:solidFill>
+          <a:ln w="19050">
+            <a:solidFill>
+              <a:schemeClr val="tx1"/>
+            </a:solidFill>
+          </a:ln>
+        </p:spPr>
+        <p:style>
+          <a:lnRef idx="2">
+            <a:schemeClr val="dk1"/>
+          </a:lnRef>
+          <a:fillRef idx="1">
+            <a:schemeClr val="lt1"/>
+          </a:fillRef>
+          <a:effectRef idx="0">
+            <a:schemeClr val="dk1"/>
+          </a:effectRef>
+          <a:fontRef idx="minor">
+            <a:schemeClr val="dk1"/>
+          </a:fontRef>
+        </p:style>
+        <p:txBody>
+          <a:bodyPr rtlCol="0" anchor="ctr"/>
+          <a:lstStyle/>
+          <a:p>
+            <a:pPr algn="ctr"/>
+            <a:r>
+              <a:rPr kumimoji="1" lang="en-US" altLang="ja-JP" sz="2800" dirty="0"/>
+              <a:t>6</a:t>
+            </a:r>
+            <a:endParaRPr kumimoji="1" lang="ja-JP" altLang="en-US" sz="2800"/>
+          </a:p>
+        </p:txBody>
+      </p:sp>
+      <p:sp>
+        <p:nvSpPr>
+          <p:cNvPr id="34" name="テキスト ボックス 33">
+            <a:extLst>
+              <a:ext uri="{FF2B5EF4-FFF2-40B4-BE49-F238E27FC236}">
+                <a16:creationId xmlns:a16="http://schemas.microsoft.com/office/drawing/2014/main" id="{6CD4D4B8-3CCC-F226-C0CE-AC324A1975B8}"/>
+              </a:ext>
+            </a:extLst>
+          </p:cNvPr>
+          <p:cNvSpPr txBox="1"/>
+          <p:nvPr/>
+        </p:nvSpPr>
+        <p:spPr>
+          <a:xfrm>
+            <a:off x="6644952" y="3979341"/>
+            <a:ext cx="5399235" cy="707886"/>
+          </a:xfrm>
+          <a:prstGeom prst="rect">
+            <a:avLst/>
+          </a:prstGeom>
+          <a:noFill/>
+        </p:spPr>
+        <p:txBody>
+          <a:bodyPr wrap="none" rtlCol="0">
+            <a:spAutoFit/>
+          </a:bodyPr>
+          <a:lstStyle/>
+          <a:p>
+            <a:r>
+              <a:rPr kumimoji="1" lang="ja-JP" altLang="en-US" sz="2000">
+                <a:highlight>
+                  <a:srgbClr val="FFFF00"/>
+                </a:highlight>
+              </a:rPr>
+              <a:t>最適な戦略</a:t>
+            </a:r>
+            <a:r>
+              <a:rPr kumimoji="1" lang="en-US" altLang="ja-JP" sz="2000" dirty="0"/>
+              <a:t> = </a:t>
+            </a:r>
+          </a:p>
+          <a:p>
+            <a:r>
+              <a:rPr lang="ja-JP" altLang="en-US" sz="2000"/>
+              <a:t>　　　　　</a:t>
+            </a:r>
+            <a:r>
+              <a:rPr kumimoji="1" lang="ja-JP" altLang="en-US" sz="2000">
+                <a:highlight>
+                  <a:srgbClr val="FFFF00"/>
+                </a:highlight>
+              </a:rPr>
+              <a:t>取れる中で一番大きいものを取る</a:t>
+            </a:r>
+            <a:r>
+              <a:rPr kumimoji="1" lang="en-US" altLang="ja-JP" sz="2000" dirty="0">
+                <a:highlight>
+                  <a:srgbClr val="FFFF00"/>
+                </a:highlight>
+              </a:rPr>
+              <a:t>!</a:t>
+            </a:r>
+            <a:endParaRPr kumimoji="1" lang="ja-JP" altLang="en-US" sz="2000">
+              <a:highlight>
+                <a:srgbClr val="FFFF00"/>
+              </a:highlight>
+            </a:endParaRPr>
+          </a:p>
+        </p:txBody>
+      </p:sp>
+    </p:spTree>
+    <p:extLst>
+      <p:ext uri="{BB962C8B-B14F-4D97-AF65-F5344CB8AC3E}">
+        <p14:creationId xmlns:p14="http://schemas.microsoft.com/office/powerpoint/2010/main" val="1769519648"/>
+      </p:ext>
+    </p:extLst>
+  </p:cSld>
+  <p:clrMapOvr>
+    <a:masterClrMapping/>
+  </p:clrMapOvr>
+</p:sld>
+</file>
+
+<file path=ppt/slides/slide32.xml><?xml version="1.0" encoding="utf-8"?>
+<p:sld xmlns:a="http://schemas.openxmlformats.org/drawingml/2006/main" xmlns:r="http://schemas.openxmlformats.org/officeDocument/2006/relationships" xmlns:p="http://schemas.openxmlformats.org/presentationml/2006/main">
+  <p:cSld>
+    <p:spTree>
+      <p:nvGrpSpPr>
+        <p:cNvPr id="1" name=""/>
+        <p:cNvGrpSpPr/>
+        <p:nvPr/>
+      </p:nvGrpSpPr>
+      <p:grpSpPr>
+        <a:xfrm>
+          <a:off x="0" y="0"/>
+          <a:ext cx="0" cy="0"/>
+          <a:chOff x="0" y="0"/>
+          <a:chExt cx="0" cy="0"/>
+        </a:xfrm>
+      </p:grpSpPr>
+      <p:sp>
+        <p:nvSpPr>
+          <p:cNvPr id="4" name="正方形/長方形 3">
+            <a:extLst>
+              <a:ext uri="{FF2B5EF4-FFF2-40B4-BE49-F238E27FC236}">
+                <a16:creationId xmlns:a16="http://schemas.microsoft.com/office/drawing/2014/main" id="{9DF20083-156A-16DA-0EEB-CA65C4F4EBBD}"/>
+              </a:ext>
+            </a:extLst>
+          </p:cNvPr>
+          <p:cNvSpPr/>
+          <p:nvPr/>
+        </p:nvSpPr>
+        <p:spPr>
+          <a:xfrm>
+            <a:off x="1396314" y="0"/>
+            <a:ext cx="10795686" cy="1397876"/>
+          </a:xfrm>
+          <a:prstGeom prst="rect">
+            <a:avLst/>
+          </a:prstGeom>
+          <a:solidFill>
+            <a:schemeClr val="accent5"/>
+          </a:solidFill>
+          <a:ln>
+            <a:noFill/>
+          </a:ln>
+        </p:spPr>
+        <p:style>
+          <a:lnRef idx="2">
+            <a:schemeClr val="accent1">
+              <a:shade val="15000"/>
+            </a:schemeClr>
+          </a:lnRef>
+          <a:fillRef idx="1">
+            <a:schemeClr val="accent1"/>
+          </a:fillRef>
+          <a:effectRef idx="0">
+            <a:schemeClr val="accent1"/>
+          </a:effectRef>
+          <a:fontRef idx="minor">
+            <a:schemeClr val="lt1"/>
+          </a:fontRef>
+        </p:style>
+        <p:txBody>
+          <a:bodyPr rtlCol="0" anchor="ctr"/>
+          <a:lstStyle/>
+          <a:p>
+            <a:r>
+              <a:rPr kumimoji="1" lang="en" altLang="ja-JP" sz="4000" b="1"/>
+              <a:t>ABC088B - Card Game for Two</a:t>
+            </a:r>
+            <a:endParaRPr kumimoji="1" lang="ja-JP" altLang="en-US" sz="4000" b="1"/>
+          </a:p>
+        </p:txBody>
+      </p:sp>
+      <p:sp>
+        <p:nvSpPr>
+          <p:cNvPr id="5" name="正方形/長方形 4">
+            <a:extLst>
+              <a:ext uri="{FF2B5EF4-FFF2-40B4-BE49-F238E27FC236}">
+                <a16:creationId xmlns:a16="http://schemas.microsoft.com/office/drawing/2014/main" id="{BD9D5376-097D-869C-B9C1-C3A110CFEA92}"/>
+              </a:ext>
+            </a:extLst>
+          </p:cNvPr>
+          <p:cNvSpPr/>
+          <p:nvPr/>
+        </p:nvSpPr>
+        <p:spPr>
+          <a:xfrm>
+            <a:off x="0" y="0"/>
+            <a:ext cx="1396314" cy="1397876"/>
+          </a:xfrm>
+          <a:prstGeom prst="rect">
+            <a:avLst/>
+          </a:prstGeom>
+          <a:ln>
+            <a:noFill/>
+          </a:ln>
+        </p:spPr>
+        <p:style>
+          <a:lnRef idx="2">
+            <a:schemeClr val="accent1">
+              <a:shade val="15000"/>
+            </a:schemeClr>
+          </a:lnRef>
+          <a:fillRef idx="1">
+            <a:schemeClr val="accent1"/>
+          </a:fillRef>
+          <a:effectRef idx="0">
+            <a:schemeClr val="accent1"/>
+          </a:effectRef>
+          <a:fontRef idx="minor">
+            <a:schemeClr val="lt1"/>
+          </a:fontRef>
+        </p:style>
+        <p:txBody>
+          <a:bodyPr rtlCol="0" anchor="ctr"/>
+          <a:lstStyle/>
+          <a:p>
+            <a:pPr algn="ctr"/>
+            <a:r>
+              <a:rPr lang="en-US" altLang="ja-JP" sz="3200" b="1"/>
+              <a:t>7</a:t>
+            </a:r>
+            <a:r>
+              <a:rPr kumimoji="1" lang="en-US" altLang="ja-JP" sz="3200" b="1"/>
+              <a:t>.2</a:t>
+            </a:r>
+            <a:endParaRPr kumimoji="1" lang="ja-JP" altLang="en-US" sz="3200" b="1"/>
+          </a:p>
+        </p:txBody>
+      </p:sp>
+      <p:sp>
+        <p:nvSpPr>
+          <p:cNvPr id="2" name="テキスト ボックス 1">
+            <a:extLst>
+              <a:ext uri="{FF2B5EF4-FFF2-40B4-BE49-F238E27FC236}">
+                <a16:creationId xmlns:a16="http://schemas.microsoft.com/office/drawing/2014/main" id="{1B34DDCA-4FD9-8FE1-F13B-0704AB4D5799}"/>
+              </a:ext>
+            </a:extLst>
+          </p:cNvPr>
+          <p:cNvSpPr txBox="1"/>
+          <p:nvPr/>
+        </p:nvSpPr>
+        <p:spPr>
+          <a:xfrm>
+            <a:off x="508000" y="1666240"/>
+            <a:ext cx="1107996" cy="461665"/>
+          </a:xfrm>
+          <a:prstGeom prst="rect">
+            <a:avLst/>
+          </a:prstGeom>
+          <a:noFill/>
+        </p:spPr>
+        <p:txBody>
+          <a:bodyPr wrap="none" rtlCol="0">
+            <a:spAutoFit/>
+          </a:bodyPr>
+          <a:lstStyle/>
+          <a:p>
+            <a:r>
+              <a:rPr kumimoji="1" lang="ja-JP" altLang="en-US" sz="2400"/>
+              <a:t>解き方</a:t>
+            </a:r>
+          </a:p>
+        </p:txBody>
+      </p:sp>
+      <p:sp>
+        <p:nvSpPr>
+          <p:cNvPr id="3" name="テキスト ボックス 2">
+            <a:extLst>
+              <a:ext uri="{FF2B5EF4-FFF2-40B4-BE49-F238E27FC236}">
+                <a16:creationId xmlns:a16="http://schemas.microsoft.com/office/drawing/2014/main" id="{B9F9A263-49D9-DD1B-F60C-142E79492505}"/>
+              </a:ext>
+            </a:extLst>
+          </p:cNvPr>
+          <p:cNvSpPr txBox="1"/>
+          <p:nvPr/>
+        </p:nvSpPr>
+        <p:spPr>
+          <a:xfrm>
+            <a:off x="363340" y="2396269"/>
+            <a:ext cx="5732660" cy="400110"/>
+          </a:xfrm>
+          <a:prstGeom prst="rect">
+            <a:avLst/>
+          </a:prstGeom>
+          <a:noFill/>
+        </p:spPr>
+        <p:txBody>
+          <a:bodyPr wrap="none" rtlCol="0">
+            <a:spAutoFit/>
+          </a:bodyPr>
+          <a:lstStyle/>
+          <a:p>
+            <a:r>
+              <a:rPr kumimoji="1" lang="ja-JP" altLang="en-US" sz="2000"/>
+              <a:t>最適な戦略</a:t>
+            </a:r>
+            <a:r>
+              <a:rPr kumimoji="1" lang="en-US" altLang="ja-JP" sz="2000" dirty="0"/>
+              <a:t> = </a:t>
+            </a:r>
+            <a:r>
+              <a:rPr kumimoji="1" lang="ja-JP" altLang="en-US" sz="2000"/>
+              <a:t>取れる中で一番大きいものを取る</a:t>
+            </a:r>
+          </a:p>
+        </p:txBody>
+      </p:sp>
+      <p:sp>
+        <p:nvSpPr>
+          <p:cNvPr id="6" name="テキスト ボックス 5">
+            <a:extLst>
+              <a:ext uri="{FF2B5EF4-FFF2-40B4-BE49-F238E27FC236}">
+                <a16:creationId xmlns:a16="http://schemas.microsoft.com/office/drawing/2014/main" id="{1C6AFBF7-A493-5247-44E5-EB3D2C97FEDF}"/>
+              </a:ext>
+            </a:extLst>
+          </p:cNvPr>
+          <p:cNvSpPr txBox="1"/>
+          <p:nvPr/>
+        </p:nvSpPr>
+        <p:spPr>
+          <a:xfrm>
+            <a:off x="363340" y="3002714"/>
+            <a:ext cx="6170279" cy="461665"/>
+          </a:xfrm>
+          <a:prstGeom prst="rect">
+            <a:avLst/>
+          </a:prstGeom>
+          <a:noFill/>
+        </p:spPr>
+        <p:txBody>
+          <a:bodyPr wrap="none" rtlCol="0">
+            <a:spAutoFit/>
+          </a:bodyPr>
+          <a:lstStyle/>
+          <a:p>
+            <a:r>
+              <a:rPr lang="en-US" altLang="ja-JP" sz="2400" dirty="0"/>
+              <a:t>-&gt; </a:t>
+            </a:r>
+            <a:r>
+              <a:rPr lang="ja-JP" altLang="en-US" sz="2400">
+                <a:highlight>
+                  <a:srgbClr val="FFFF00"/>
+                </a:highlight>
+              </a:rPr>
+              <a:t>大きいものから並べて交互に取れば良い</a:t>
+            </a:r>
+            <a:endParaRPr kumimoji="1" lang="ja-JP" altLang="en-US" sz="2400">
+              <a:highlight>
+                <a:srgbClr val="FFFF00"/>
+              </a:highlight>
+            </a:endParaRPr>
+          </a:p>
+        </p:txBody>
+      </p:sp>
+      <p:sp>
+        <p:nvSpPr>
+          <p:cNvPr id="7" name="テキスト ボックス 6">
+            <a:extLst>
+              <a:ext uri="{FF2B5EF4-FFF2-40B4-BE49-F238E27FC236}">
+                <a16:creationId xmlns:a16="http://schemas.microsoft.com/office/drawing/2014/main" id="{FF39475C-2FFB-2E63-2AC2-A19C2D10EBA8}"/>
+              </a:ext>
+            </a:extLst>
+          </p:cNvPr>
+          <p:cNvSpPr txBox="1"/>
+          <p:nvPr/>
+        </p:nvSpPr>
+        <p:spPr>
+          <a:xfrm>
+            <a:off x="3246544" y="3610106"/>
+            <a:ext cx="3134191" cy="369332"/>
+          </a:xfrm>
+          <a:prstGeom prst="rect">
+            <a:avLst/>
+          </a:prstGeom>
+          <a:noFill/>
+        </p:spPr>
+        <p:txBody>
+          <a:bodyPr wrap="none" rtlCol="0">
+            <a:spAutoFit/>
+          </a:bodyPr>
+          <a:lstStyle/>
+          <a:p>
+            <a:r>
+              <a:rPr kumimoji="1" lang="en-US" altLang="ja-JP" dirty="0"/>
+              <a:t>(</a:t>
+            </a:r>
+            <a:r>
+              <a:rPr kumimoji="1" lang="ja-JP" altLang="en-US"/>
+              <a:t>降順ソートして前から見る</a:t>
+            </a:r>
+            <a:r>
+              <a:rPr kumimoji="1" lang="en-US" altLang="ja-JP" dirty="0"/>
+              <a:t>)</a:t>
+            </a:r>
+            <a:endParaRPr kumimoji="1" lang="ja-JP" altLang="en-US"/>
+          </a:p>
+        </p:txBody>
+      </p:sp>
+      <p:sp>
+        <p:nvSpPr>
+          <p:cNvPr id="9" name="テキスト ボックス 8">
+            <a:extLst>
+              <a:ext uri="{FF2B5EF4-FFF2-40B4-BE49-F238E27FC236}">
+                <a16:creationId xmlns:a16="http://schemas.microsoft.com/office/drawing/2014/main" id="{566700FA-7FFC-89DF-89AD-CDA6F8482269}"/>
+              </a:ext>
+            </a:extLst>
+          </p:cNvPr>
+          <p:cNvSpPr txBox="1"/>
+          <p:nvPr/>
+        </p:nvSpPr>
+        <p:spPr>
+          <a:xfrm>
+            <a:off x="6939535" y="2918460"/>
+            <a:ext cx="5252465" cy="3939540"/>
+          </a:xfrm>
+          <a:prstGeom prst="rect">
+            <a:avLst/>
+          </a:prstGeom>
+          <a:solidFill>
+            <a:schemeClr val="tx1"/>
+          </a:solidFill>
+        </p:spPr>
+        <p:txBody>
+          <a:bodyPr wrap="square">
+            <a:spAutoFit/>
+          </a:bodyPr>
+          <a:lstStyle/>
+          <a:p>
+            <a:pPr algn="l">
+              <a:lnSpc>
+                <a:spcPts val="1950"/>
+              </a:lnSpc>
+            </a:pPr>
+            <a:r>
+              <a:rPr lang="en-US" altLang="ja-JP" sz="1800" kern="0">
+                <a:solidFill>
+                  <a:srgbClr val="4FC1FF"/>
+                </a:solidFill>
+                <a:effectLst/>
+                <a:latin typeface="Menlo" panose="020B0609030804020204" pitchFamily="49" charset="0"/>
+                <a:ea typeface="ＭＳ Ｐゴシック" panose="020B0600070205080204" pitchFamily="34" charset="-128"/>
+                <a:cs typeface="Times New Roman" panose="02020603050405020304" pitchFamily="18" charset="0"/>
+              </a:rPr>
+              <a:t>N</a:t>
+            </a:r>
+            <a:r>
+              <a:rPr lang="en-US" altLang="ja-JP" sz="1800" kern="0">
+                <a:solidFill>
+                  <a:srgbClr val="CCCCCC"/>
+                </a:solidFill>
+                <a:effectLst/>
+                <a:latin typeface="Menlo" panose="020B0609030804020204" pitchFamily="49" charset="0"/>
+                <a:ea typeface="ＭＳ Ｐゴシック" panose="020B0600070205080204" pitchFamily="34" charset="-128"/>
+                <a:cs typeface="Times New Roman" panose="02020603050405020304" pitchFamily="18" charset="0"/>
+              </a:rPr>
+              <a:t> </a:t>
+            </a:r>
+            <a:r>
+              <a:rPr lang="en-US" altLang="ja-JP" sz="1800" kern="0">
+                <a:solidFill>
+                  <a:srgbClr val="D4D4D4"/>
+                </a:solidFill>
+                <a:effectLst/>
+                <a:latin typeface="Menlo" panose="020B0609030804020204" pitchFamily="49" charset="0"/>
+                <a:ea typeface="ＭＳ Ｐゴシック" panose="020B0600070205080204" pitchFamily="34" charset="-128"/>
+                <a:cs typeface="Times New Roman" panose="02020603050405020304" pitchFamily="18" charset="0"/>
+              </a:rPr>
+              <a:t>=</a:t>
+            </a:r>
+            <a:r>
+              <a:rPr lang="en-US" altLang="ja-JP" sz="1800" kern="0">
+                <a:solidFill>
+                  <a:srgbClr val="CCCCCC"/>
+                </a:solidFill>
+                <a:effectLst/>
+                <a:latin typeface="Menlo" panose="020B0609030804020204" pitchFamily="49" charset="0"/>
+                <a:ea typeface="ＭＳ Ｐゴシック" panose="020B0600070205080204" pitchFamily="34" charset="-128"/>
+                <a:cs typeface="Times New Roman" panose="02020603050405020304" pitchFamily="18" charset="0"/>
+              </a:rPr>
+              <a:t> </a:t>
+            </a:r>
+            <a:r>
+              <a:rPr lang="en-US" altLang="ja-JP" sz="1800" kern="0">
+                <a:solidFill>
+                  <a:srgbClr val="4EC9B0"/>
+                </a:solidFill>
+                <a:effectLst/>
+                <a:latin typeface="Menlo" panose="020B0609030804020204" pitchFamily="49" charset="0"/>
+                <a:ea typeface="ＭＳ Ｐゴシック" panose="020B0600070205080204" pitchFamily="34" charset="-128"/>
+                <a:cs typeface="Times New Roman" panose="02020603050405020304" pitchFamily="18" charset="0"/>
+              </a:rPr>
+              <a:t>int</a:t>
+            </a:r>
+            <a:r>
+              <a:rPr lang="en-US" altLang="ja-JP" sz="1800" kern="0">
+                <a:solidFill>
+                  <a:srgbClr val="CCCCCC"/>
+                </a:solidFill>
+                <a:effectLst/>
+                <a:latin typeface="Menlo" panose="020B0609030804020204" pitchFamily="49" charset="0"/>
+                <a:ea typeface="ＭＳ Ｐゴシック" panose="020B0600070205080204" pitchFamily="34" charset="-128"/>
+                <a:cs typeface="Times New Roman" panose="02020603050405020304" pitchFamily="18" charset="0"/>
+              </a:rPr>
+              <a:t>(</a:t>
+            </a:r>
+            <a:r>
+              <a:rPr lang="en-US" altLang="ja-JP" sz="1800" kern="0">
+                <a:solidFill>
+                  <a:srgbClr val="DCDCAA"/>
+                </a:solidFill>
+                <a:effectLst/>
+                <a:latin typeface="Menlo" panose="020B0609030804020204" pitchFamily="49" charset="0"/>
+                <a:ea typeface="ＭＳ Ｐゴシック" panose="020B0600070205080204" pitchFamily="34" charset="-128"/>
+                <a:cs typeface="Times New Roman" panose="02020603050405020304" pitchFamily="18" charset="0"/>
+              </a:rPr>
+              <a:t>input</a:t>
+            </a:r>
+            <a:r>
+              <a:rPr lang="en-US" altLang="ja-JP" sz="1800" kern="0">
+                <a:solidFill>
+                  <a:srgbClr val="CCCCCC"/>
+                </a:solidFill>
+                <a:effectLst/>
+                <a:latin typeface="Menlo" panose="020B0609030804020204" pitchFamily="49" charset="0"/>
+                <a:ea typeface="ＭＳ Ｐゴシック" panose="020B0600070205080204" pitchFamily="34" charset="-128"/>
+                <a:cs typeface="Times New Roman" panose="02020603050405020304" pitchFamily="18" charset="0"/>
+              </a:rPr>
+              <a:t>())</a:t>
+            </a:r>
+            <a:endParaRPr lang="ja-JP" altLang="ja-JP" sz="1200" kern="100">
+              <a:effectLst/>
+              <a:latin typeface="游明朝" panose="02020400000000000000" pitchFamily="18" charset="-128"/>
+              <a:ea typeface="游明朝" panose="02020400000000000000" pitchFamily="18" charset="-128"/>
+              <a:cs typeface="Times New Roman" panose="02020603050405020304" pitchFamily="18" charset="0"/>
+            </a:endParaRPr>
+          </a:p>
+          <a:p>
+            <a:pPr algn="l">
+              <a:lnSpc>
+                <a:spcPts val="1950"/>
+              </a:lnSpc>
+            </a:pPr>
+            <a:r>
+              <a:rPr lang="en-US" altLang="ja-JP" sz="1800" kern="0">
+                <a:solidFill>
+                  <a:srgbClr val="9CDCFE"/>
+                </a:solidFill>
+                <a:effectLst/>
+                <a:latin typeface="Menlo" panose="020B0609030804020204" pitchFamily="49" charset="0"/>
+                <a:ea typeface="ＭＳ Ｐゴシック" panose="020B0600070205080204" pitchFamily="34" charset="-128"/>
+                <a:cs typeface="Times New Roman" panose="02020603050405020304" pitchFamily="18" charset="0"/>
+              </a:rPr>
+              <a:t>a</a:t>
+            </a:r>
+            <a:r>
+              <a:rPr lang="en-US" altLang="ja-JP" sz="1800" kern="0">
+                <a:solidFill>
+                  <a:srgbClr val="CCCCCC"/>
+                </a:solidFill>
+                <a:effectLst/>
+                <a:latin typeface="Menlo" panose="020B0609030804020204" pitchFamily="49" charset="0"/>
+                <a:ea typeface="ＭＳ Ｐゴシック" panose="020B0600070205080204" pitchFamily="34" charset="-128"/>
+                <a:cs typeface="Times New Roman" panose="02020603050405020304" pitchFamily="18" charset="0"/>
+              </a:rPr>
+              <a:t> </a:t>
+            </a:r>
+            <a:r>
+              <a:rPr lang="en-US" altLang="ja-JP" sz="1800" kern="0">
+                <a:solidFill>
+                  <a:srgbClr val="D4D4D4"/>
+                </a:solidFill>
+                <a:effectLst/>
+                <a:latin typeface="Menlo" panose="020B0609030804020204" pitchFamily="49" charset="0"/>
+                <a:ea typeface="ＭＳ Ｐゴシック" panose="020B0600070205080204" pitchFamily="34" charset="-128"/>
+                <a:cs typeface="Times New Roman" panose="02020603050405020304" pitchFamily="18" charset="0"/>
+              </a:rPr>
+              <a:t>=</a:t>
+            </a:r>
+            <a:r>
+              <a:rPr lang="en-US" altLang="ja-JP" sz="1800" kern="0">
+                <a:solidFill>
+                  <a:srgbClr val="CCCCCC"/>
+                </a:solidFill>
+                <a:effectLst/>
+                <a:latin typeface="Menlo" panose="020B0609030804020204" pitchFamily="49" charset="0"/>
+                <a:ea typeface="ＭＳ Ｐゴシック" panose="020B0600070205080204" pitchFamily="34" charset="-128"/>
+                <a:cs typeface="Times New Roman" panose="02020603050405020304" pitchFamily="18" charset="0"/>
+              </a:rPr>
+              <a:t> </a:t>
+            </a:r>
+            <a:r>
+              <a:rPr lang="en-US" altLang="ja-JP" sz="1800" kern="0">
+                <a:solidFill>
+                  <a:srgbClr val="4EC9B0"/>
+                </a:solidFill>
+                <a:effectLst/>
+                <a:latin typeface="Menlo" panose="020B0609030804020204" pitchFamily="49" charset="0"/>
+                <a:ea typeface="ＭＳ Ｐゴシック" panose="020B0600070205080204" pitchFamily="34" charset="-128"/>
+                <a:cs typeface="Times New Roman" panose="02020603050405020304" pitchFamily="18" charset="0"/>
+              </a:rPr>
+              <a:t>list</a:t>
+            </a:r>
+            <a:r>
+              <a:rPr lang="en-US" altLang="ja-JP" sz="1800" kern="0">
+                <a:solidFill>
+                  <a:srgbClr val="CCCCCC"/>
+                </a:solidFill>
+                <a:effectLst/>
+                <a:latin typeface="Menlo" panose="020B0609030804020204" pitchFamily="49" charset="0"/>
+                <a:ea typeface="ＭＳ Ｐゴシック" panose="020B0600070205080204" pitchFamily="34" charset="-128"/>
+                <a:cs typeface="Times New Roman" panose="02020603050405020304" pitchFamily="18" charset="0"/>
+              </a:rPr>
+              <a:t>(</a:t>
+            </a:r>
+            <a:r>
+              <a:rPr lang="en-US" altLang="ja-JP" sz="1800" kern="0">
+                <a:solidFill>
+                  <a:srgbClr val="4EC9B0"/>
+                </a:solidFill>
+                <a:effectLst/>
+                <a:latin typeface="Menlo" panose="020B0609030804020204" pitchFamily="49" charset="0"/>
+                <a:ea typeface="ＭＳ Ｐゴシック" panose="020B0600070205080204" pitchFamily="34" charset="-128"/>
+                <a:cs typeface="Times New Roman" panose="02020603050405020304" pitchFamily="18" charset="0"/>
+              </a:rPr>
+              <a:t>map</a:t>
+            </a:r>
+            <a:r>
+              <a:rPr lang="en-US" altLang="ja-JP" sz="1800" kern="0">
+                <a:solidFill>
+                  <a:srgbClr val="CCCCCC"/>
+                </a:solidFill>
+                <a:effectLst/>
+                <a:latin typeface="Menlo" panose="020B0609030804020204" pitchFamily="49" charset="0"/>
+                <a:ea typeface="ＭＳ Ｐゴシック" panose="020B0600070205080204" pitchFamily="34" charset="-128"/>
+                <a:cs typeface="Times New Roman" panose="02020603050405020304" pitchFamily="18" charset="0"/>
+              </a:rPr>
+              <a:t>(</a:t>
+            </a:r>
+            <a:r>
+              <a:rPr lang="en-US" altLang="ja-JP" sz="1800" kern="0">
+                <a:solidFill>
+                  <a:srgbClr val="4EC9B0"/>
+                </a:solidFill>
+                <a:effectLst/>
+                <a:latin typeface="Menlo" panose="020B0609030804020204" pitchFamily="49" charset="0"/>
+                <a:ea typeface="ＭＳ Ｐゴシック" panose="020B0600070205080204" pitchFamily="34" charset="-128"/>
+                <a:cs typeface="Times New Roman" panose="02020603050405020304" pitchFamily="18" charset="0"/>
+              </a:rPr>
+              <a:t>int</a:t>
+            </a:r>
+            <a:r>
+              <a:rPr lang="en-US" altLang="ja-JP" sz="1800" kern="0">
+                <a:solidFill>
+                  <a:srgbClr val="CCCCCC"/>
+                </a:solidFill>
+                <a:effectLst/>
+                <a:latin typeface="Menlo" panose="020B0609030804020204" pitchFamily="49" charset="0"/>
+                <a:ea typeface="ＭＳ Ｐゴシック" panose="020B0600070205080204" pitchFamily="34" charset="-128"/>
+                <a:cs typeface="Times New Roman" panose="02020603050405020304" pitchFamily="18" charset="0"/>
+              </a:rPr>
+              <a:t>, </a:t>
+            </a:r>
+            <a:r>
+              <a:rPr lang="en-US" altLang="ja-JP" sz="1800" kern="0">
+                <a:solidFill>
+                  <a:srgbClr val="DCDCAA"/>
+                </a:solidFill>
+                <a:effectLst/>
+                <a:latin typeface="Menlo" panose="020B0609030804020204" pitchFamily="49" charset="0"/>
+                <a:ea typeface="ＭＳ Ｐゴシック" panose="020B0600070205080204" pitchFamily="34" charset="-128"/>
+                <a:cs typeface="Times New Roman" panose="02020603050405020304" pitchFamily="18" charset="0"/>
+              </a:rPr>
+              <a:t>input</a:t>
+            </a:r>
+            <a:r>
+              <a:rPr lang="en-US" altLang="ja-JP" sz="1800" kern="0">
+                <a:solidFill>
+                  <a:srgbClr val="CCCCCC"/>
+                </a:solidFill>
+                <a:effectLst/>
+                <a:latin typeface="Menlo" panose="020B0609030804020204" pitchFamily="49" charset="0"/>
+                <a:ea typeface="ＭＳ Ｐゴシック" panose="020B0600070205080204" pitchFamily="34" charset="-128"/>
+                <a:cs typeface="Times New Roman" panose="02020603050405020304" pitchFamily="18" charset="0"/>
+              </a:rPr>
+              <a:t>().</a:t>
+            </a:r>
+            <a:r>
+              <a:rPr lang="en-US" altLang="ja-JP" sz="1800" kern="0">
+                <a:solidFill>
+                  <a:srgbClr val="DCDCAA"/>
+                </a:solidFill>
+                <a:effectLst/>
+                <a:latin typeface="Menlo" panose="020B0609030804020204" pitchFamily="49" charset="0"/>
+                <a:ea typeface="ＭＳ Ｐゴシック" panose="020B0600070205080204" pitchFamily="34" charset="-128"/>
+                <a:cs typeface="Times New Roman" panose="02020603050405020304" pitchFamily="18" charset="0"/>
+              </a:rPr>
+              <a:t>split</a:t>
+            </a:r>
+            <a:r>
+              <a:rPr lang="en-US" altLang="ja-JP" sz="1800" kern="0">
+                <a:solidFill>
+                  <a:srgbClr val="CCCCCC"/>
+                </a:solidFill>
+                <a:effectLst/>
+                <a:latin typeface="Menlo" panose="020B0609030804020204" pitchFamily="49" charset="0"/>
+                <a:ea typeface="ＭＳ Ｐゴシック" panose="020B0600070205080204" pitchFamily="34" charset="-128"/>
+                <a:cs typeface="Times New Roman" panose="02020603050405020304" pitchFamily="18" charset="0"/>
+              </a:rPr>
+              <a:t>()))</a:t>
+            </a:r>
+            <a:endParaRPr lang="ja-JP" altLang="ja-JP" sz="1200" kern="100">
+              <a:effectLst/>
+              <a:latin typeface="游明朝" panose="02020400000000000000" pitchFamily="18" charset="-128"/>
+              <a:ea typeface="游明朝" panose="02020400000000000000" pitchFamily="18" charset="-128"/>
+              <a:cs typeface="Times New Roman" panose="02020603050405020304" pitchFamily="18" charset="0"/>
+            </a:endParaRPr>
+          </a:p>
+          <a:p>
+            <a:pPr algn="l">
+              <a:lnSpc>
+                <a:spcPts val="1950"/>
+              </a:lnSpc>
+            </a:pPr>
+            <a:r>
+              <a:rPr lang="en-US" altLang="ja-JP" sz="1800" kern="0">
+                <a:solidFill>
+                  <a:srgbClr val="CCCCCC"/>
+                </a:solidFill>
+                <a:effectLst/>
+                <a:latin typeface="Menlo" panose="020B0609030804020204" pitchFamily="49" charset="0"/>
+                <a:ea typeface="ＭＳ Ｐゴシック" panose="020B0600070205080204" pitchFamily="34" charset="-128"/>
+                <a:cs typeface="Times New Roman" panose="02020603050405020304" pitchFamily="18" charset="0"/>
+              </a:rPr>
+              <a:t> </a:t>
+            </a:r>
+            <a:endParaRPr lang="ja-JP" altLang="ja-JP" sz="1200" kern="100">
+              <a:effectLst/>
+              <a:latin typeface="游明朝" panose="02020400000000000000" pitchFamily="18" charset="-128"/>
+              <a:ea typeface="游明朝" panose="02020400000000000000" pitchFamily="18" charset="-128"/>
+              <a:cs typeface="Times New Roman" panose="02020603050405020304" pitchFamily="18" charset="0"/>
+            </a:endParaRPr>
+          </a:p>
+          <a:p>
+            <a:pPr algn="l">
+              <a:lnSpc>
+                <a:spcPts val="1950"/>
+              </a:lnSpc>
+            </a:pPr>
+            <a:r>
+              <a:rPr lang="en-US" altLang="ja-JP" sz="1800" kern="0">
+                <a:solidFill>
+                  <a:srgbClr val="9CDCFE"/>
+                </a:solidFill>
+                <a:effectLst/>
+                <a:latin typeface="Menlo" panose="020B0609030804020204" pitchFamily="49" charset="0"/>
+                <a:ea typeface="ＭＳ Ｐゴシック" panose="020B0600070205080204" pitchFamily="34" charset="-128"/>
+                <a:cs typeface="Times New Roman" panose="02020603050405020304" pitchFamily="18" charset="0"/>
+              </a:rPr>
+              <a:t>a</a:t>
+            </a:r>
+            <a:r>
+              <a:rPr lang="en-US" altLang="ja-JP" sz="1800" kern="0">
+                <a:solidFill>
+                  <a:srgbClr val="CCCCCC"/>
+                </a:solidFill>
+                <a:effectLst/>
+                <a:latin typeface="Menlo" panose="020B0609030804020204" pitchFamily="49" charset="0"/>
+                <a:ea typeface="ＭＳ Ｐゴシック" panose="020B0600070205080204" pitchFamily="34" charset="-128"/>
+                <a:cs typeface="Times New Roman" panose="02020603050405020304" pitchFamily="18" charset="0"/>
+              </a:rPr>
+              <a:t>.</a:t>
+            </a:r>
+            <a:r>
+              <a:rPr lang="en-US" altLang="ja-JP" sz="1800" kern="0">
+                <a:solidFill>
+                  <a:srgbClr val="DCDCAA"/>
+                </a:solidFill>
+                <a:effectLst/>
+                <a:latin typeface="Menlo" panose="020B0609030804020204" pitchFamily="49" charset="0"/>
+                <a:ea typeface="ＭＳ Ｐゴシック" panose="020B0600070205080204" pitchFamily="34" charset="-128"/>
+                <a:cs typeface="Times New Roman" panose="02020603050405020304" pitchFamily="18" charset="0"/>
+              </a:rPr>
+              <a:t>sort</a:t>
+            </a:r>
+            <a:r>
+              <a:rPr lang="en-US" altLang="ja-JP" sz="1800" kern="0">
+                <a:solidFill>
+                  <a:srgbClr val="CCCCCC"/>
+                </a:solidFill>
+                <a:effectLst/>
+                <a:latin typeface="Menlo" panose="020B0609030804020204" pitchFamily="49" charset="0"/>
+                <a:ea typeface="ＭＳ Ｐゴシック" panose="020B0600070205080204" pitchFamily="34" charset="-128"/>
+                <a:cs typeface="Times New Roman" panose="02020603050405020304" pitchFamily="18" charset="0"/>
+              </a:rPr>
+              <a:t>(</a:t>
+            </a:r>
+            <a:r>
+              <a:rPr lang="en-US" altLang="ja-JP" sz="1800" kern="0">
+                <a:solidFill>
+                  <a:srgbClr val="9CDCFE"/>
+                </a:solidFill>
+                <a:effectLst/>
+                <a:latin typeface="Menlo" panose="020B0609030804020204" pitchFamily="49" charset="0"/>
+                <a:ea typeface="ＭＳ Ｐゴシック" panose="020B0600070205080204" pitchFamily="34" charset="-128"/>
+                <a:cs typeface="Times New Roman" panose="02020603050405020304" pitchFamily="18" charset="0"/>
+              </a:rPr>
+              <a:t>reverse</a:t>
+            </a:r>
+            <a:r>
+              <a:rPr lang="en-US" altLang="ja-JP" sz="1800" kern="0">
+                <a:solidFill>
+                  <a:srgbClr val="D4D4D4"/>
+                </a:solidFill>
+                <a:effectLst/>
+                <a:latin typeface="Menlo" panose="020B0609030804020204" pitchFamily="49" charset="0"/>
+                <a:ea typeface="ＭＳ Ｐゴシック" panose="020B0600070205080204" pitchFamily="34" charset="-128"/>
+                <a:cs typeface="Times New Roman" panose="02020603050405020304" pitchFamily="18" charset="0"/>
+              </a:rPr>
+              <a:t>=</a:t>
+            </a:r>
+            <a:r>
+              <a:rPr lang="en-US" altLang="ja-JP" sz="1800" kern="0">
+                <a:solidFill>
+                  <a:srgbClr val="569CD6"/>
+                </a:solidFill>
+                <a:effectLst/>
+                <a:latin typeface="Menlo" panose="020B0609030804020204" pitchFamily="49" charset="0"/>
+                <a:ea typeface="ＭＳ Ｐゴシック" panose="020B0600070205080204" pitchFamily="34" charset="-128"/>
+                <a:cs typeface="Times New Roman" panose="02020603050405020304" pitchFamily="18" charset="0"/>
+              </a:rPr>
+              <a:t>True</a:t>
+            </a:r>
+            <a:r>
+              <a:rPr lang="en-US" altLang="ja-JP" sz="1800" kern="0">
+                <a:solidFill>
+                  <a:srgbClr val="CCCCCC"/>
+                </a:solidFill>
+                <a:effectLst/>
+                <a:latin typeface="Menlo" panose="020B0609030804020204" pitchFamily="49" charset="0"/>
+                <a:ea typeface="ＭＳ Ｐゴシック" panose="020B0600070205080204" pitchFamily="34" charset="-128"/>
+                <a:cs typeface="Times New Roman" panose="02020603050405020304" pitchFamily="18" charset="0"/>
+              </a:rPr>
+              <a:t>) </a:t>
+            </a:r>
+            <a:r>
+              <a:rPr lang="en-US" altLang="ja-JP" sz="1800" kern="0">
+                <a:solidFill>
+                  <a:srgbClr val="6A9955"/>
+                </a:solidFill>
+                <a:effectLst/>
+                <a:latin typeface="Menlo" panose="020B0609030804020204" pitchFamily="49" charset="0"/>
+                <a:ea typeface="ＭＳ Ｐゴシック" panose="020B0600070205080204" pitchFamily="34" charset="-128"/>
+                <a:cs typeface="Times New Roman" panose="02020603050405020304" pitchFamily="18" charset="0"/>
+              </a:rPr>
+              <a:t>#</a:t>
+            </a:r>
+            <a:r>
+              <a:rPr lang="ja-JP" altLang="ja-JP" sz="1800" kern="0">
+                <a:solidFill>
+                  <a:srgbClr val="6A9955"/>
+                </a:solidFill>
+                <a:effectLst/>
+                <a:latin typeface="Menlo" panose="020B0609030804020204" pitchFamily="49" charset="0"/>
+                <a:ea typeface="ＭＳ Ｐゴシック" panose="020B0600070205080204" pitchFamily="34" charset="-128"/>
+                <a:cs typeface="Menlo" panose="020B0609030804020204" pitchFamily="49" charset="0"/>
+              </a:rPr>
+              <a:t>降順ソート</a:t>
+            </a:r>
+            <a:endParaRPr lang="ja-JP" altLang="ja-JP" sz="1200" kern="100">
+              <a:effectLst/>
+              <a:latin typeface="游明朝" panose="02020400000000000000" pitchFamily="18" charset="-128"/>
+              <a:ea typeface="游明朝" panose="02020400000000000000" pitchFamily="18" charset="-128"/>
+              <a:cs typeface="Times New Roman" panose="02020603050405020304" pitchFamily="18" charset="0"/>
+            </a:endParaRPr>
+          </a:p>
+          <a:p>
+            <a:pPr algn="l">
+              <a:lnSpc>
+                <a:spcPts val="1950"/>
+              </a:lnSpc>
+            </a:pPr>
+            <a:r>
+              <a:rPr lang="en-US" altLang="ja-JP" sz="1800" kern="0">
+                <a:solidFill>
+                  <a:srgbClr val="CCCCCC"/>
+                </a:solidFill>
+                <a:effectLst/>
+                <a:latin typeface="Menlo" panose="020B0609030804020204" pitchFamily="49" charset="0"/>
+                <a:ea typeface="ＭＳ Ｐゴシック" panose="020B0600070205080204" pitchFamily="34" charset="-128"/>
+                <a:cs typeface="Times New Roman" panose="02020603050405020304" pitchFamily="18" charset="0"/>
+              </a:rPr>
+              <a:t> </a:t>
+            </a:r>
+            <a:endParaRPr lang="ja-JP" altLang="ja-JP" sz="1200" kern="100">
+              <a:effectLst/>
+              <a:latin typeface="游明朝" panose="02020400000000000000" pitchFamily="18" charset="-128"/>
+              <a:ea typeface="游明朝" panose="02020400000000000000" pitchFamily="18" charset="-128"/>
+              <a:cs typeface="Times New Roman" panose="02020603050405020304" pitchFamily="18" charset="0"/>
+            </a:endParaRPr>
+          </a:p>
+          <a:p>
+            <a:pPr algn="l">
+              <a:lnSpc>
+                <a:spcPts val="1950"/>
+              </a:lnSpc>
+            </a:pPr>
+            <a:r>
+              <a:rPr lang="en-US" altLang="ja-JP" sz="1800" kern="0">
+                <a:solidFill>
+                  <a:srgbClr val="9CDCFE"/>
+                </a:solidFill>
+                <a:effectLst/>
+                <a:latin typeface="Menlo" panose="020B0609030804020204" pitchFamily="49" charset="0"/>
+                <a:ea typeface="ＭＳ Ｐゴシック" panose="020B0600070205080204" pitchFamily="34" charset="-128"/>
+                <a:cs typeface="Times New Roman" panose="02020603050405020304" pitchFamily="18" charset="0"/>
+              </a:rPr>
+              <a:t>Alice</a:t>
+            </a:r>
+            <a:r>
+              <a:rPr lang="en-US" altLang="ja-JP" sz="1800" kern="0">
+                <a:solidFill>
+                  <a:srgbClr val="CCCCCC"/>
+                </a:solidFill>
+                <a:effectLst/>
+                <a:latin typeface="Menlo" panose="020B0609030804020204" pitchFamily="49" charset="0"/>
+                <a:ea typeface="ＭＳ Ｐゴシック" panose="020B0600070205080204" pitchFamily="34" charset="-128"/>
+                <a:cs typeface="Times New Roman" panose="02020603050405020304" pitchFamily="18" charset="0"/>
+              </a:rPr>
+              <a:t> </a:t>
+            </a:r>
+            <a:r>
+              <a:rPr lang="en-US" altLang="ja-JP" sz="1800" kern="0">
+                <a:solidFill>
+                  <a:srgbClr val="D4D4D4"/>
+                </a:solidFill>
+                <a:effectLst/>
+                <a:latin typeface="Menlo" panose="020B0609030804020204" pitchFamily="49" charset="0"/>
+                <a:ea typeface="ＭＳ Ｐゴシック" panose="020B0600070205080204" pitchFamily="34" charset="-128"/>
+                <a:cs typeface="Times New Roman" panose="02020603050405020304" pitchFamily="18" charset="0"/>
+              </a:rPr>
+              <a:t>=</a:t>
+            </a:r>
+            <a:r>
+              <a:rPr lang="en-US" altLang="ja-JP" sz="1800" kern="0">
+                <a:solidFill>
+                  <a:srgbClr val="CCCCCC"/>
+                </a:solidFill>
+                <a:effectLst/>
+                <a:latin typeface="Menlo" panose="020B0609030804020204" pitchFamily="49" charset="0"/>
+                <a:ea typeface="ＭＳ Ｐゴシック" panose="020B0600070205080204" pitchFamily="34" charset="-128"/>
+                <a:cs typeface="Times New Roman" panose="02020603050405020304" pitchFamily="18" charset="0"/>
+              </a:rPr>
+              <a:t> </a:t>
+            </a:r>
+            <a:r>
+              <a:rPr lang="en-US" altLang="ja-JP" sz="1800" kern="0">
+                <a:solidFill>
+                  <a:srgbClr val="B5CEA8"/>
+                </a:solidFill>
+                <a:effectLst/>
+                <a:latin typeface="Menlo" panose="020B0609030804020204" pitchFamily="49" charset="0"/>
+                <a:ea typeface="ＭＳ Ｐゴシック" panose="020B0600070205080204" pitchFamily="34" charset="-128"/>
+                <a:cs typeface="Times New Roman" panose="02020603050405020304" pitchFamily="18" charset="0"/>
+              </a:rPr>
+              <a:t>0</a:t>
+            </a:r>
+            <a:endParaRPr lang="ja-JP" altLang="ja-JP" sz="1200" kern="100">
+              <a:effectLst/>
+              <a:latin typeface="游明朝" panose="02020400000000000000" pitchFamily="18" charset="-128"/>
+              <a:ea typeface="游明朝" panose="02020400000000000000" pitchFamily="18" charset="-128"/>
+              <a:cs typeface="Times New Roman" panose="02020603050405020304" pitchFamily="18" charset="0"/>
+            </a:endParaRPr>
+          </a:p>
+          <a:p>
+            <a:pPr algn="l">
+              <a:lnSpc>
+                <a:spcPts val="1950"/>
+              </a:lnSpc>
+            </a:pPr>
+            <a:r>
+              <a:rPr lang="en-US" altLang="ja-JP" sz="1800" kern="0">
+                <a:solidFill>
+                  <a:srgbClr val="9CDCFE"/>
+                </a:solidFill>
+                <a:effectLst/>
+                <a:latin typeface="Menlo" panose="020B0609030804020204" pitchFamily="49" charset="0"/>
+                <a:ea typeface="ＭＳ Ｐゴシック" panose="020B0600070205080204" pitchFamily="34" charset="-128"/>
+                <a:cs typeface="Times New Roman" panose="02020603050405020304" pitchFamily="18" charset="0"/>
+              </a:rPr>
+              <a:t>Bob</a:t>
+            </a:r>
+            <a:r>
+              <a:rPr lang="en-US" altLang="ja-JP" sz="1800" kern="0">
+                <a:solidFill>
+                  <a:srgbClr val="CCCCCC"/>
+                </a:solidFill>
+                <a:effectLst/>
+                <a:latin typeface="Menlo" panose="020B0609030804020204" pitchFamily="49" charset="0"/>
+                <a:ea typeface="ＭＳ Ｐゴシック" panose="020B0600070205080204" pitchFamily="34" charset="-128"/>
+                <a:cs typeface="Times New Roman" panose="02020603050405020304" pitchFamily="18" charset="0"/>
+              </a:rPr>
+              <a:t> </a:t>
+            </a:r>
+            <a:r>
+              <a:rPr lang="en-US" altLang="ja-JP" sz="1800" kern="0">
+                <a:solidFill>
+                  <a:srgbClr val="D4D4D4"/>
+                </a:solidFill>
+                <a:effectLst/>
+                <a:latin typeface="Menlo" panose="020B0609030804020204" pitchFamily="49" charset="0"/>
+                <a:ea typeface="ＭＳ Ｐゴシック" panose="020B0600070205080204" pitchFamily="34" charset="-128"/>
+                <a:cs typeface="Times New Roman" panose="02020603050405020304" pitchFamily="18" charset="0"/>
+              </a:rPr>
+              <a:t>=</a:t>
+            </a:r>
+            <a:r>
+              <a:rPr lang="en-US" altLang="ja-JP" sz="1800" kern="0">
+                <a:solidFill>
+                  <a:srgbClr val="CCCCCC"/>
+                </a:solidFill>
+                <a:effectLst/>
+                <a:latin typeface="Menlo" panose="020B0609030804020204" pitchFamily="49" charset="0"/>
+                <a:ea typeface="ＭＳ Ｐゴシック" panose="020B0600070205080204" pitchFamily="34" charset="-128"/>
+                <a:cs typeface="Times New Roman" panose="02020603050405020304" pitchFamily="18" charset="0"/>
+              </a:rPr>
+              <a:t> </a:t>
+            </a:r>
+            <a:r>
+              <a:rPr lang="en-US" altLang="ja-JP" sz="1800" kern="0">
+                <a:solidFill>
+                  <a:srgbClr val="B5CEA8"/>
+                </a:solidFill>
+                <a:effectLst/>
+                <a:latin typeface="Menlo" panose="020B0609030804020204" pitchFamily="49" charset="0"/>
+                <a:ea typeface="ＭＳ Ｐゴシック" panose="020B0600070205080204" pitchFamily="34" charset="-128"/>
+                <a:cs typeface="Times New Roman" panose="02020603050405020304" pitchFamily="18" charset="0"/>
+              </a:rPr>
+              <a:t>0</a:t>
+            </a:r>
+            <a:endParaRPr lang="ja-JP" altLang="ja-JP" sz="1200" kern="100">
+              <a:effectLst/>
+              <a:latin typeface="游明朝" panose="02020400000000000000" pitchFamily="18" charset="-128"/>
+              <a:ea typeface="游明朝" panose="02020400000000000000" pitchFamily="18" charset="-128"/>
+              <a:cs typeface="Times New Roman" panose="02020603050405020304" pitchFamily="18" charset="0"/>
+            </a:endParaRPr>
+          </a:p>
+          <a:p>
+            <a:pPr algn="l">
+              <a:lnSpc>
+                <a:spcPts val="1950"/>
+              </a:lnSpc>
+            </a:pPr>
+            <a:r>
+              <a:rPr lang="en-US" altLang="ja-JP" sz="1800" kern="0">
+                <a:solidFill>
+                  <a:srgbClr val="CCCCCC"/>
+                </a:solidFill>
+                <a:effectLst/>
+                <a:latin typeface="Menlo" panose="020B0609030804020204" pitchFamily="49" charset="0"/>
+                <a:ea typeface="ＭＳ Ｐゴシック" panose="020B0600070205080204" pitchFamily="34" charset="-128"/>
+                <a:cs typeface="Times New Roman" panose="02020603050405020304" pitchFamily="18" charset="0"/>
+              </a:rPr>
+              <a:t> </a:t>
+            </a:r>
+            <a:endParaRPr lang="ja-JP" altLang="ja-JP" sz="1200" kern="100">
+              <a:effectLst/>
+              <a:latin typeface="游明朝" panose="02020400000000000000" pitchFamily="18" charset="-128"/>
+              <a:ea typeface="游明朝" panose="02020400000000000000" pitchFamily="18" charset="-128"/>
+              <a:cs typeface="Times New Roman" panose="02020603050405020304" pitchFamily="18" charset="0"/>
+            </a:endParaRPr>
+          </a:p>
+          <a:p>
+            <a:pPr algn="l">
+              <a:lnSpc>
+                <a:spcPts val="1950"/>
+              </a:lnSpc>
+            </a:pPr>
+            <a:r>
+              <a:rPr lang="en-US" altLang="ja-JP" sz="1800" kern="0">
+                <a:solidFill>
+                  <a:srgbClr val="C586C0"/>
+                </a:solidFill>
+                <a:effectLst/>
+                <a:latin typeface="Menlo" panose="020B0609030804020204" pitchFamily="49" charset="0"/>
+                <a:ea typeface="ＭＳ Ｐゴシック" panose="020B0600070205080204" pitchFamily="34" charset="-128"/>
+                <a:cs typeface="Times New Roman" panose="02020603050405020304" pitchFamily="18" charset="0"/>
+              </a:rPr>
+              <a:t>for</a:t>
+            </a:r>
+            <a:r>
+              <a:rPr lang="en-US" altLang="ja-JP" sz="1800" kern="0">
+                <a:solidFill>
+                  <a:srgbClr val="CCCCCC"/>
+                </a:solidFill>
+                <a:effectLst/>
+                <a:latin typeface="Menlo" panose="020B0609030804020204" pitchFamily="49" charset="0"/>
+                <a:ea typeface="ＭＳ Ｐゴシック" panose="020B0600070205080204" pitchFamily="34" charset="-128"/>
+                <a:cs typeface="Times New Roman" panose="02020603050405020304" pitchFamily="18" charset="0"/>
+              </a:rPr>
+              <a:t> </a:t>
+            </a:r>
+            <a:r>
+              <a:rPr lang="en-US" altLang="ja-JP" sz="1800" kern="0">
+                <a:solidFill>
+                  <a:srgbClr val="9CDCFE"/>
+                </a:solidFill>
+                <a:effectLst/>
+                <a:latin typeface="Menlo" panose="020B0609030804020204" pitchFamily="49" charset="0"/>
+                <a:ea typeface="ＭＳ Ｐゴシック" panose="020B0600070205080204" pitchFamily="34" charset="-128"/>
+                <a:cs typeface="Times New Roman" panose="02020603050405020304" pitchFamily="18" charset="0"/>
+              </a:rPr>
+              <a:t>i</a:t>
+            </a:r>
+            <a:r>
+              <a:rPr lang="en-US" altLang="ja-JP" sz="1800" kern="0">
+                <a:solidFill>
+                  <a:srgbClr val="CCCCCC"/>
+                </a:solidFill>
+                <a:effectLst/>
+                <a:latin typeface="Menlo" panose="020B0609030804020204" pitchFamily="49" charset="0"/>
+                <a:ea typeface="ＭＳ Ｐゴシック" panose="020B0600070205080204" pitchFamily="34" charset="-128"/>
+                <a:cs typeface="Times New Roman" panose="02020603050405020304" pitchFamily="18" charset="0"/>
+              </a:rPr>
+              <a:t> </a:t>
+            </a:r>
+            <a:r>
+              <a:rPr lang="en-US" altLang="ja-JP" sz="1800" kern="0">
+                <a:solidFill>
+                  <a:srgbClr val="C586C0"/>
+                </a:solidFill>
+                <a:effectLst/>
+                <a:latin typeface="Menlo" panose="020B0609030804020204" pitchFamily="49" charset="0"/>
+                <a:ea typeface="ＭＳ Ｐゴシック" panose="020B0600070205080204" pitchFamily="34" charset="-128"/>
+                <a:cs typeface="Times New Roman" panose="02020603050405020304" pitchFamily="18" charset="0"/>
+              </a:rPr>
+              <a:t>in</a:t>
+            </a:r>
+            <a:r>
+              <a:rPr lang="en-US" altLang="ja-JP" sz="1800" kern="0">
+                <a:solidFill>
+                  <a:srgbClr val="CCCCCC"/>
+                </a:solidFill>
+                <a:effectLst/>
+                <a:latin typeface="Menlo" panose="020B0609030804020204" pitchFamily="49" charset="0"/>
+                <a:ea typeface="ＭＳ Ｐゴシック" panose="020B0600070205080204" pitchFamily="34" charset="-128"/>
+                <a:cs typeface="Times New Roman" panose="02020603050405020304" pitchFamily="18" charset="0"/>
+              </a:rPr>
+              <a:t> </a:t>
+            </a:r>
+            <a:r>
+              <a:rPr lang="en-US" altLang="ja-JP" sz="1800" kern="0">
+                <a:solidFill>
+                  <a:srgbClr val="4EC9B0"/>
+                </a:solidFill>
+                <a:effectLst/>
+                <a:latin typeface="Menlo" panose="020B0609030804020204" pitchFamily="49" charset="0"/>
+                <a:ea typeface="ＭＳ Ｐゴシック" panose="020B0600070205080204" pitchFamily="34" charset="-128"/>
+                <a:cs typeface="Times New Roman" panose="02020603050405020304" pitchFamily="18" charset="0"/>
+              </a:rPr>
+              <a:t>range</a:t>
+            </a:r>
+            <a:r>
+              <a:rPr lang="en-US" altLang="ja-JP" sz="1800" kern="0">
+                <a:solidFill>
+                  <a:srgbClr val="CCCCCC"/>
+                </a:solidFill>
+                <a:effectLst/>
+                <a:latin typeface="Menlo" panose="020B0609030804020204" pitchFamily="49" charset="0"/>
+                <a:ea typeface="ＭＳ Ｐゴシック" panose="020B0600070205080204" pitchFamily="34" charset="-128"/>
+                <a:cs typeface="Times New Roman" panose="02020603050405020304" pitchFamily="18" charset="0"/>
+              </a:rPr>
+              <a:t>(</a:t>
+            </a:r>
+            <a:r>
+              <a:rPr lang="en-US" altLang="ja-JP" sz="1800" kern="0">
+                <a:solidFill>
+                  <a:srgbClr val="4FC1FF"/>
+                </a:solidFill>
+                <a:effectLst/>
+                <a:latin typeface="Menlo" panose="020B0609030804020204" pitchFamily="49" charset="0"/>
+                <a:ea typeface="ＭＳ Ｐゴシック" panose="020B0600070205080204" pitchFamily="34" charset="-128"/>
+                <a:cs typeface="Times New Roman" panose="02020603050405020304" pitchFamily="18" charset="0"/>
+              </a:rPr>
+              <a:t>N</a:t>
+            </a:r>
+            <a:r>
+              <a:rPr lang="en-US" altLang="ja-JP" sz="1800" kern="0">
+                <a:solidFill>
+                  <a:srgbClr val="CCCCCC"/>
+                </a:solidFill>
+                <a:effectLst/>
+                <a:latin typeface="Menlo" panose="020B0609030804020204" pitchFamily="49" charset="0"/>
+                <a:ea typeface="ＭＳ Ｐゴシック" panose="020B0600070205080204" pitchFamily="34" charset="-128"/>
+                <a:cs typeface="Times New Roman" panose="02020603050405020304" pitchFamily="18" charset="0"/>
+              </a:rPr>
+              <a:t>):</a:t>
+            </a:r>
+            <a:endParaRPr lang="ja-JP" altLang="ja-JP" sz="1200" kern="100">
+              <a:effectLst/>
+              <a:latin typeface="游明朝" panose="02020400000000000000" pitchFamily="18" charset="-128"/>
+              <a:ea typeface="游明朝" panose="02020400000000000000" pitchFamily="18" charset="-128"/>
+              <a:cs typeface="Times New Roman" panose="02020603050405020304" pitchFamily="18" charset="0"/>
+            </a:endParaRPr>
+          </a:p>
+          <a:p>
+            <a:pPr algn="l">
+              <a:lnSpc>
+                <a:spcPts val="1950"/>
+              </a:lnSpc>
+            </a:pPr>
+            <a:r>
+              <a:rPr lang="en-US" altLang="ja-JP" sz="1800" kern="0">
+                <a:solidFill>
+                  <a:srgbClr val="CCCCCC"/>
+                </a:solidFill>
+                <a:effectLst/>
+                <a:latin typeface="Menlo" panose="020B0609030804020204" pitchFamily="49" charset="0"/>
+                <a:ea typeface="ＭＳ Ｐゴシック" panose="020B0600070205080204" pitchFamily="34" charset="-128"/>
+                <a:cs typeface="Times New Roman" panose="02020603050405020304" pitchFamily="18" charset="0"/>
+              </a:rPr>
+              <a:t>    </a:t>
+            </a:r>
+            <a:r>
+              <a:rPr lang="en-US" altLang="ja-JP" sz="1800" kern="0">
+                <a:solidFill>
+                  <a:srgbClr val="C586C0"/>
+                </a:solidFill>
+                <a:effectLst/>
+                <a:latin typeface="Menlo" panose="020B0609030804020204" pitchFamily="49" charset="0"/>
+                <a:ea typeface="ＭＳ Ｐゴシック" panose="020B0600070205080204" pitchFamily="34" charset="-128"/>
+                <a:cs typeface="Times New Roman" panose="02020603050405020304" pitchFamily="18" charset="0"/>
+              </a:rPr>
+              <a:t>if</a:t>
+            </a:r>
+            <a:r>
+              <a:rPr lang="en-US" altLang="ja-JP" sz="1800" kern="0">
+                <a:solidFill>
+                  <a:srgbClr val="CCCCCC"/>
+                </a:solidFill>
+                <a:effectLst/>
+                <a:latin typeface="Menlo" panose="020B0609030804020204" pitchFamily="49" charset="0"/>
+                <a:ea typeface="ＭＳ Ｐゴシック" panose="020B0600070205080204" pitchFamily="34" charset="-128"/>
+                <a:cs typeface="Times New Roman" panose="02020603050405020304" pitchFamily="18" charset="0"/>
+              </a:rPr>
+              <a:t> </a:t>
+            </a:r>
+            <a:r>
+              <a:rPr lang="en-US" altLang="ja-JP" sz="1800" kern="0">
+                <a:solidFill>
+                  <a:srgbClr val="9CDCFE"/>
+                </a:solidFill>
+                <a:effectLst/>
+                <a:latin typeface="Menlo" panose="020B0609030804020204" pitchFamily="49" charset="0"/>
+                <a:ea typeface="ＭＳ Ｐゴシック" panose="020B0600070205080204" pitchFamily="34" charset="-128"/>
+                <a:cs typeface="Times New Roman" panose="02020603050405020304" pitchFamily="18" charset="0"/>
+              </a:rPr>
+              <a:t>i</a:t>
+            </a:r>
+            <a:r>
+              <a:rPr lang="en-US" altLang="ja-JP" sz="1800" kern="0">
+                <a:solidFill>
+                  <a:srgbClr val="CCCCCC"/>
+                </a:solidFill>
+                <a:effectLst/>
+                <a:latin typeface="Menlo" panose="020B0609030804020204" pitchFamily="49" charset="0"/>
+                <a:ea typeface="ＭＳ Ｐゴシック" panose="020B0600070205080204" pitchFamily="34" charset="-128"/>
+                <a:cs typeface="Times New Roman" panose="02020603050405020304" pitchFamily="18" charset="0"/>
+              </a:rPr>
+              <a:t> </a:t>
+            </a:r>
+            <a:r>
+              <a:rPr lang="en-US" altLang="ja-JP" sz="1800" kern="0">
+                <a:solidFill>
+                  <a:srgbClr val="D4D4D4"/>
+                </a:solidFill>
+                <a:effectLst/>
+                <a:latin typeface="Menlo" panose="020B0609030804020204" pitchFamily="49" charset="0"/>
+                <a:ea typeface="ＭＳ Ｐゴシック" panose="020B0600070205080204" pitchFamily="34" charset="-128"/>
+                <a:cs typeface="Times New Roman" panose="02020603050405020304" pitchFamily="18" charset="0"/>
+              </a:rPr>
+              <a:t>%</a:t>
+            </a:r>
+            <a:r>
+              <a:rPr lang="en-US" altLang="ja-JP" sz="1800" kern="0">
+                <a:solidFill>
+                  <a:srgbClr val="CCCCCC"/>
+                </a:solidFill>
+                <a:effectLst/>
+                <a:latin typeface="Menlo" panose="020B0609030804020204" pitchFamily="49" charset="0"/>
+                <a:ea typeface="ＭＳ Ｐゴシック" panose="020B0600070205080204" pitchFamily="34" charset="-128"/>
+                <a:cs typeface="Times New Roman" panose="02020603050405020304" pitchFamily="18" charset="0"/>
+              </a:rPr>
+              <a:t> </a:t>
+            </a:r>
+            <a:r>
+              <a:rPr lang="en-US" altLang="ja-JP" sz="1800" kern="0">
+                <a:solidFill>
+                  <a:srgbClr val="B5CEA8"/>
+                </a:solidFill>
+                <a:effectLst/>
+                <a:latin typeface="Menlo" panose="020B0609030804020204" pitchFamily="49" charset="0"/>
+                <a:ea typeface="ＭＳ Ｐゴシック" panose="020B0600070205080204" pitchFamily="34" charset="-128"/>
+                <a:cs typeface="Times New Roman" panose="02020603050405020304" pitchFamily="18" charset="0"/>
+              </a:rPr>
+              <a:t>2</a:t>
+            </a:r>
+            <a:r>
+              <a:rPr lang="en-US" altLang="ja-JP" sz="1800" kern="0">
+                <a:solidFill>
+                  <a:srgbClr val="CCCCCC"/>
+                </a:solidFill>
+                <a:effectLst/>
+                <a:latin typeface="Menlo" panose="020B0609030804020204" pitchFamily="49" charset="0"/>
+                <a:ea typeface="ＭＳ Ｐゴシック" panose="020B0600070205080204" pitchFamily="34" charset="-128"/>
+                <a:cs typeface="Times New Roman" panose="02020603050405020304" pitchFamily="18" charset="0"/>
+              </a:rPr>
+              <a:t> </a:t>
+            </a:r>
+            <a:r>
+              <a:rPr lang="en-US" altLang="ja-JP" sz="1800" kern="0">
+                <a:solidFill>
+                  <a:srgbClr val="D4D4D4"/>
+                </a:solidFill>
+                <a:effectLst/>
+                <a:latin typeface="Menlo" panose="020B0609030804020204" pitchFamily="49" charset="0"/>
+                <a:ea typeface="ＭＳ Ｐゴシック" panose="020B0600070205080204" pitchFamily="34" charset="-128"/>
+                <a:cs typeface="Times New Roman" panose="02020603050405020304" pitchFamily="18" charset="0"/>
+              </a:rPr>
+              <a:t>==</a:t>
+            </a:r>
+            <a:r>
+              <a:rPr lang="en-US" altLang="ja-JP" sz="1800" kern="0">
+                <a:solidFill>
+                  <a:srgbClr val="CCCCCC"/>
+                </a:solidFill>
+                <a:effectLst/>
+                <a:latin typeface="Menlo" panose="020B0609030804020204" pitchFamily="49" charset="0"/>
+                <a:ea typeface="ＭＳ Ｐゴシック" panose="020B0600070205080204" pitchFamily="34" charset="-128"/>
+                <a:cs typeface="Times New Roman" panose="02020603050405020304" pitchFamily="18" charset="0"/>
+              </a:rPr>
+              <a:t> </a:t>
+            </a:r>
+            <a:r>
+              <a:rPr lang="en-US" altLang="ja-JP" sz="1800" kern="0">
+                <a:solidFill>
+                  <a:srgbClr val="B5CEA8"/>
+                </a:solidFill>
+                <a:effectLst/>
+                <a:latin typeface="Menlo" panose="020B0609030804020204" pitchFamily="49" charset="0"/>
+                <a:ea typeface="ＭＳ Ｐゴシック" panose="020B0600070205080204" pitchFamily="34" charset="-128"/>
+                <a:cs typeface="Times New Roman" panose="02020603050405020304" pitchFamily="18" charset="0"/>
+              </a:rPr>
+              <a:t>0</a:t>
+            </a:r>
+            <a:r>
+              <a:rPr lang="en-US" altLang="ja-JP" sz="1800" kern="0">
+                <a:solidFill>
+                  <a:srgbClr val="CCCCCC"/>
+                </a:solidFill>
+                <a:effectLst/>
+                <a:latin typeface="Menlo" panose="020B0609030804020204" pitchFamily="49" charset="0"/>
+                <a:ea typeface="ＭＳ Ｐゴシック" panose="020B0600070205080204" pitchFamily="34" charset="-128"/>
+                <a:cs typeface="Times New Roman" panose="02020603050405020304" pitchFamily="18" charset="0"/>
+              </a:rPr>
+              <a:t>: </a:t>
+            </a:r>
+            <a:r>
+              <a:rPr lang="en-US" altLang="ja-JP" sz="1800" kern="0">
+                <a:solidFill>
+                  <a:srgbClr val="6A9955"/>
+                </a:solidFill>
+                <a:effectLst/>
+                <a:latin typeface="Menlo" panose="020B0609030804020204" pitchFamily="49" charset="0"/>
+                <a:ea typeface="ＭＳ Ｐゴシック" panose="020B0600070205080204" pitchFamily="34" charset="-128"/>
+                <a:cs typeface="Times New Roman" panose="02020603050405020304" pitchFamily="18" charset="0"/>
+              </a:rPr>
+              <a:t>#Alice</a:t>
+            </a:r>
+            <a:r>
+              <a:rPr lang="ja-JP" altLang="ja-JP" sz="1800" kern="0">
+                <a:solidFill>
+                  <a:srgbClr val="6A9955"/>
+                </a:solidFill>
+                <a:effectLst/>
+                <a:latin typeface="Menlo" panose="020B0609030804020204" pitchFamily="49" charset="0"/>
+                <a:ea typeface="ＭＳ Ｐゴシック" panose="020B0600070205080204" pitchFamily="34" charset="-128"/>
+                <a:cs typeface="Menlo" panose="020B0609030804020204" pitchFamily="49" charset="0"/>
+              </a:rPr>
+              <a:t>のターン</a:t>
+            </a:r>
+            <a:endParaRPr lang="ja-JP" altLang="ja-JP" sz="1200" kern="100">
+              <a:effectLst/>
+              <a:latin typeface="游明朝" panose="02020400000000000000" pitchFamily="18" charset="-128"/>
+              <a:ea typeface="游明朝" panose="02020400000000000000" pitchFamily="18" charset="-128"/>
+              <a:cs typeface="Times New Roman" panose="02020603050405020304" pitchFamily="18" charset="0"/>
+            </a:endParaRPr>
+          </a:p>
+          <a:p>
+            <a:pPr algn="l">
+              <a:lnSpc>
+                <a:spcPts val="1950"/>
+              </a:lnSpc>
+            </a:pPr>
+            <a:r>
+              <a:rPr lang="en-US" altLang="ja-JP" sz="1800" kern="0">
+                <a:solidFill>
+                  <a:srgbClr val="CCCCCC"/>
+                </a:solidFill>
+                <a:effectLst/>
+                <a:latin typeface="Menlo" panose="020B0609030804020204" pitchFamily="49" charset="0"/>
+                <a:ea typeface="ＭＳ Ｐゴシック" panose="020B0600070205080204" pitchFamily="34" charset="-128"/>
+                <a:cs typeface="Times New Roman" panose="02020603050405020304" pitchFamily="18" charset="0"/>
+              </a:rPr>
+              <a:t>        </a:t>
+            </a:r>
+            <a:r>
+              <a:rPr lang="en-US" altLang="ja-JP" sz="1800" kern="0">
+                <a:solidFill>
+                  <a:srgbClr val="9CDCFE"/>
+                </a:solidFill>
+                <a:effectLst/>
+                <a:latin typeface="Menlo" panose="020B0609030804020204" pitchFamily="49" charset="0"/>
+                <a:ea typeface="ＭＳ Ｐゴシック" panose="020B0600070205080204" pitchFamily="34" charset="-128"/>
+                <a:cs typeface="Times New Roman" panose="02020603050405020304" pitchFamily="18" charset="0"/>
+              </a:rPr>
+              <a:t>Alice</a:t>
+            </a:r>
+            <a:r>
+              <a:rPr lang="en-US" altLang="ja-JP" sz="1800" kern="0">
+                <a:solidFill>
+                  <a:srgbClr val="CCCCCC"/>
+                </a:solidFill>
+                <a:effectLst/>
+                <a:latin typeface="Menlo" panose="020B0609030804020204" pitchFamily="49" charset="0"/>
+                <a:ea typeface="ＭＳ Ｐゴシック" panose="020B0600070205080204" pitchFamily="34" charset="-128"/>
+                <a:cs typeface="Times New Roman" panose="02020603050405020304" pitchFamily="18" charset="0"/>
+              </a:rPr>
+              <a:t> </a:t>
+            </a:r>
+            <a:r>
+              <a:rPr lang="en-US" altLang="ja-JP" sz="1800" kern="0">
+                <a:solidFill>
+                  <a:srgbClr val="D4D4D4"/>
+                </a:solidFill>
+                <a:effectLst/>
+                <a:latin typeface="Menlo" panose="020B0609030804020204" pitchFamily="49" charset="0"/>
+                <a:ea typeface="ＭＳ Ｐゴシック" panose="020B0600070205080204" pitchFamily="34" charset="-128"/>
+                <a:cs typeface="Times New Roman" panose="02020603050405020304" pitchFamily="18" charset="0"/>
+              </a:rPr>
+              <a:t>+=</a:t>
+            </a:r>
+            <a:r>
+              <a:rPr lang="en-US" altLang="ja-JP" sz="1800" kern="0">
+                <a:solidFill>
+                  <a:srgbClr val="CCCCCC"/>
+                </a:solidFill>
+                <a:effectLst/>
+                <a:latin typeface="Menlo" panose="020B0609030804020204" pitchFamily="49" charset="0"/>
+                <a:ea typeface="ＭＳ Ｐゴシック" panose="020B0600070205080204" pitchFamily="34" charset="-128"/>
+                <a:cs typeface="Times New Roman" panose="02020603050405020304" pitchFamily="18" charset="0"/>
+              </a:rPr>
+              <a:t> </a:t>
+            </a:r>
+            <a:r>
+              <a:rPr lang="en-US" altLang="ja-JP" sz="1800" kern="0">
+                <a:solidFill>
+                  <a:srgbClr val="9CDCFE"/>
+                </a:solidFill>
+                <a:effectLst/>
+                <a:latin typeface="Menlo" panose="020B0609030804020204" pitchFamily="49" charset="0"/>
+                <a:ea typeface="ＭＳ Ｐゴシック" panose="020B0600070205080204" pitchFamily="34" charset="-128"/>
+                <a:cs typeface="Times New Roman" panose="02020603050405020304" pitchFamily="18" charset="0"/>
+              </a:rPr>
+              <a:t>a</a:t>
+            </a:r>
+            <a:r>
+              <a:rPr lang="en-US" altLang="ja-JP" sz="1800" kern="0">
+                <a:solidFill>
+                  <a:srgbClr val="CCCCCC"/>
+                </a:solidFill>
+                <a:effectLst/>
+                <a:latin typeface="Menlo" panose="020B0609030804020204" pitchFamily="49" charset="0"/>
+                <a:ea typeface="ＭＳ Ｐゴシック" panose="020B0600070205080204" pitchFamily="34" charset="-128"/>
+                <a:cs typeface="Times New Roman" panose="02020603050405020304" pitchFamily="18" charset="0"/>
+              </a:rPr>
+              <a:t>[</a:t>
+            </a:r>
+            <a:r>
+              <a:rPr lang="en-US" altLang="ja-JP" sz="1800" kern="0">
+                <a:solidFill>
+                  <a:srgbClr val="9CDCFE"/>
+                </a:solidFill>
+                <a:effectLst/>
+                <a:latin typeface="Menlo" panose="020B0609030804020204" pitchFamily="49" charset="0"/>
+                <a:ea typeface="ＭＳ Ｐゴシック" panose="020B0600070205080204" pitchFamily="34" charset="-128"/>
+                <a:cs typeface="Times New Roman" panose="02020603050405020304" pitchFamily="18" charset="0"/>
+              </a:rPr>
+              <a:t>i</a:t>
+            </a:r>
+            <a:r>
+              <a:rPr lang="en-US" altLang="ja-JP" sz="1800" kern="0">
+                <a:solidFill>
+                  <a:srgbClr val="CCCCCC"/>
+                </a:solidFill>
+                <a:effectLst/>
+                <a:latin typeface="Menlo" panose="020B0609030804020204" pitchFamily="49" charset="0"/>
+                <a:ea typeface="ＭＳ Ｐゴシック" panose="020B0600070205080204" pitchFamily="34" charset="-128"/>
+                <a:cs typeface="Times New Roman" panose="02020603050405020304" pitchFamily="18" charset="0"/>
+              </a:rPr>
+              <a:t>]</a:t>
+            </a:r>
+            <a:endParaRPr lang="ja-JP" altLang="ja-JP" sz="1200" kern="100">
+              <a:effectLst/>
+              <a:latin typeface="游明朝" panose="02020400000000000000" pitchFamily="18" charset="-128"/>
+              <a:ea typeface="游明朝" panose="02020400000000000000" pitchFamily="18" charset="-128"/>
+              <a:cs typeface="Times New Roman" panose="02020603050405020304" pitchFamily="18" charset="0"/>
+            </a:endParaRPr>
+          </a:p>
+          <a:p>
+            <a:pPr algn="l">
+              <a:lnSpc>
+                <a:spcPts val="1950"/>
+              </a:lnSpc>
+            </a:pPr>
+            <a:r>
+              <a:rPr lang="en-US" altLang="ja-JP" sz="1800" kern="0">
+                <a:solidFill>
+                  <a:srgbClr val="CCCCCC"/>
+                </a:solidFill>
+                <a:effectLst/>
+                <a:latin typeface="Menlo" panose="020B0609030804020204" pitchFamily="49" charset="0"/>
+                <a:ea typeface="ＭＳ Ｐゴシック" panose="020B0600070205080204" pitchFamily="34" charset="-128"/>
+                <a:cs typeface="Times New Roman" panose="02020603050405020304" pitchFamily="18" charset="0"/>
+              </a:rPr>
+              <a:t>    </a:t>
+            </a:r>
+            <a:r>
+              <a:rPr lang="en-US" altLang="ja-JP" sz="1800" kern="0">
+                <a:solidFill>
+                  <a:srgbClr val="C586C0"/>
+                </a:solidFill>
+                <a:effectLst/>
+                <a:latin typeface="Menlo" panose="020B0609030804020204" pitchFamily="49" charset="0"/>
+                <a:ea typeface="ＭＳ Ｐゴシック" panose="020B0600070205080204" pitchFamily="34" charset="-128"/>
+                <a:cs typeface="Times New Roman" panose="02020603050405020304" pitchFamily="18" charset="0"/>
+              </a:rPr>
+              <a:t>else</a:t>
+            </a:r>
+            <a:r>
+              <a:rPr lang="en-US" altLang="ja-JP" sz="1800" kern="0">
+                <a:solidFill>
+                  <a:srgbClr val="CCCCCC"/>
+                </a:solidFill>
+                <a:effectLst/>
+                <a:latin typeface="Menlo" panose="020B0609030804020204" pitchFamily="49" charset="0"/>
+                <a:ea typeface="ＭＳ Ｐゴシック" panose="020B0600070205080204" pitchFamily="34" charset="-128"/>
+                <a:cs typeface="Times New Roman" panose="02020603050405020304" pitchFamily="18" charset="0"/>
+              </a:rPr>
+              <a:t>:          </a:t>
+            </a:r>
+            <a:r>
+              <a:rPr lang="en-US" altLang="ja-JP" sz="1800" kern="0">
+                <a:solidFill>
+                  <a:srgbClr val="6A9955"/>
+                </a:solidFill>
+                <a:effectLst/>
+                <a:latin typeface="Menlo" panose="020B0609030804020204" pitchFamily="49" charset="0"/>
+                <a:ea typeface="ＭＳ Ｐゴシック" panose="020B0600070205080204" pitchFamily="34" charset="-128"/>
+                <a:cs typeface="Times New Roman" panose="02020603050405020304" pitchFamily="18" charset="0"/>
+              </a:rPr>
+              <a:t>#Bob</a:t>
+            </a:r>
+            <a:r>
+              <a:rPr lang="ja-JP" altLang="ja-JP" sz="1800" kern="0">
+                <a:solidFill>
+                  <a:srgbClr val="6A9955"/>
+                </a:solidFill>
+                <a:effectLst/>
+                <a:latin typeface="Menlo" panose="020B0609030804020204" pitchFamily="49" charset="0"/>
+                <a:ea typeface="ＭＳ Ｐゴシック" panose="020B0600070205080204" pitchFamily="34" charset="-128"/>
+                <a:cs typeface="Menlo" panose="020B0609030804020204" pitchFamily="49" charset="0"/>
+              </a:rPr>
+              <a:t>のターン</a:t>
+            </a:r>
+            <a:endParaRPr lang="ja-JP" altLang="ja-JP" sz="1200" kern="100">
+              <a:effectLst/>
+              <a:latin typeface="游明朝" panose="02020400000000000000" pitchFamily="18" charset="-128"/>
+              <a:ea typeface="游明朝" panose="02020400000000000000" pitchFamily="18" charset="-128"/>
+              <a:cs typeface="Times New Roman" panose="02020603050405020304" pitchFamily="18" charset="0"/>
+            </a:endParaRPr>
+          </a:p>
+          <a:p>
+            <a:pPr algn="l">
+              <a:lnSpc>
+                <a:spcPts val="1950"/>
+              </a:lnSpc>
+            </a:pPr>
+            <a:r>
+              <a:rPr lang="en-US" altLang="ja-JP" sz="1800" kern="0">
+                <a:solidFill>
+                  <a:srgbClr val="CCCCCC"/>
+                </a:solidFill>
+                <a:effectLst/>
+                <a:latin typeface="Menlo" panose="020B0609030804020204" pitchFamily="49" charset="0"/>
+                <a:ea typeface="ＭＳ Ｐゴシック" panose="020B0600070205080204" pitchFamily="34" charset="-128"/>
+                <a:cs typeface="Times New Roman" panose="02020603050405020304" pitchFamily="18" charset="0"/>
+              </a:rPr>
+              <a:t>        </a:t>
+            </a:r>
+            <a:r>
+              <a:rPr lang="en-US" altLang="ja-JP" sz="1800" kern="0">
+                <a:solidFill>
+                  <a:srgbClr val="9CDCFE"/>
+                </a:solidFill>
+                <a:effectLst/>
+                <a:latin typeface="Menlo" panose="020B0609030804020204" pitchFamily="49" charset="0"/>
+                <a:ea typeface="ＭＳ Ｐゴシック" panose="020B0600070205080204" pitchFamily="34" charset="-128"/>
+                <a:cs typeface="Times New Roman" panose="02020603050405020304" pitchFamily="18" charset="0"/>
+              </a:rPr>
+              <a:t>Bob</a:t>
+            </a:r>
+            <a:r>
+              <a:rPr lang="en-US" altLang="ja-JP" sz="1800" kern="0">
+                <a:solidFill>
+                  <a:srgbClr val="CCCCCC"/>
+                </a:solidFill>
+                <a:effectLst/>
+                <a:latin typeface="Menlo" panose="020B0609030804020204" pitchFamily="49" charset="0"/>
+                <a:ea typeface="ＭＳ Ｐゴシック" panose="020B0600070205080204" pitchFamily="34" charset="-128"/>
+                <a:cs typeface="Times New Roman" panose="02020603050405020304" pitchFamily="18" charset="0"/>
+              </a:rPr>
+              <a:t> </a:t>
+            </a:r>
+            <a:r>
+              <a:rPr lang="en-US" altLang="ja-JP" sz="1800" kern="0">
+                <a:solidFill>
+                  <a:srgbClr val="D4D4D4"/>
+                </a:solidFill>
+                <a:effectLst/>
+                <a:latin typeface="Menlo" panose="020B0609030804020204" pitchFamily="49" charset="0"/>
+                <a:ea typeface="ＭＳ Ｐゴシック" panose="020B0600070205080204" pitchFamily="34" charset="-128"/>
+                <a:cs typeface="Times New Roman" panose="02020603050405020304" pitchFamily="18" charset="0"/>
+              </a:rPr>
+              <a:t>+=</a:t>
+            </a:r>
+            <a:r>
+              <a:rPr lang="en-US" altLang="ja-JP" sz="1800" kern="0">
+                <a:solidFill>
+                  <a:srgbClr val="CCCCCC"/>
+                </a:solidFill>
+                <a:effectLst/>
+                <a:latin typeface="Menlo" panose="020B0609030804020204" pitchFamily="49" charset="0"/>
+                <a:ea typeface="ＭＳ Ｐゴシック" panose="020B0600070205080204" pitchFamily="34" charset="-128"/>
+                <a:cs typeface="Times New Roman" panose="02020603050405020304" pitchFamily="18" charset="0"/>
+              </a:rPr>
+              <a:t> </a:t>
+            </a:r>
+            <a:r>
+              <a:rPr lang="en-US" altLang="ja-JP" sz="1800" kern="0">
+                <a:solidFill>
+                  <a:srgbClr val="9CDCFE"/>
+                </a:solidFill>
+                <a:effectLst/>
+                <a:latin typeface="Menlo" panose="020B0609030804020204" pitchFamily="49" charset="0"/>
+                <a:ea typeface="ＭＳ Ｐゴシック" panose="020B0600070205080204" pitchFamily="34" charset="-128"/>
+                <a:cs typeface="Times New Roman" panose="02020603050405020304" pitchFamily="18" charset="0"/>
+              </a:rPr>
+              <a:t>a</a:t>
+            </a:r>
+            <a:r>
+              <a:rPr lang="en-US" altLang="ja-JP" sz="1800" kern="0">
+                <a:solidFill>
+                  <a:srgbClr val="CCCCCC"/>
+                </a:solidFill>
+                <a:effectLst/>
+                <a:latin typeface="Menlo" panose="020B0609030804020204" pitchFamily="49" charset="0"/>
+                <a:ea typeface="ＭＳ Ｐゴシック" panose="020B0600070205080204" pitchFamily="34" charset="-128"/>
+                <a:cs typeface="Times New Roman" panose="02020603050405020304" pitchFamily="18" charset="0"/>
+              </a:rPr>
+              <a:t>[</a:t>
+            </a:r>
+            <a:r>
+              <a:rPr lang="en-US" altLang="ja-JP" sz="1800" kern="0">
+                <a:solidFill>
+                  <a:srgbClr val="9CDCFE"/>
+                </a:solidFill>
+                <a:effectLst/>
+                <a:latin typeface="Menlo" panose="020B0609030804020204" pitchFamily="49" charset="0"/>
+                <a:ea typeface="ＭＳ Ｐゴシック" panose="020B0600070205080204" pitchFamily="34" charset="-128"/>
+                <a:cs typeface="Times New Roman" panose="02020603050405020304" pitchFamily="18" charset="0"/>
+              </a:rPr>
+              <a:t>i</a:t>
+            </a:r>
+            <a:r>
+              <a:rPr lang="en-US" altLang="ja-JP" sz="1800" kern="0">
+                <a:solidFill>
+                  <a:srgbClr val="CCCCCC"/>
+                </a:solidFill>
+                <a:effectLst/>
+                <a:latin typeface="Menlo" panose="020B0609030804020204" pitchFamily="49" charset="0"/>
+                <a:ea typeface="ＭＳ Ｐゴシック" panose="020B0600070205080204" pitchFamily="34" charset="-128"/>
+                <a:cs typeface="Times New Roman" panose="02020603050405020304" pitchFamily="18" charset="0"/>
+              </a:rPr>
+              <a:t>]</a:t>
+            </a:r>
+            <a:endParaRPr lang="ja-JP" altLang="ja-JP" sz="1200" kern="100">
+              <a:effectLst/>
+              <a:latin typeface="游明朝" panose="02020400000000000000" pitchFamily="18" charset="-128"/>
+              <a:ea typeface="游明朝" panose="02020400000000000000" pitchFamily="18" charset="-128"/>
+              <a:cs typeface="Times New Roman" panose="02020603050405020304" pitchFamily="18" charset="0"/>
+            </a:endParaRPr>
+          </a:p>
+          <a:p>
+            <a:pPr algn="l">
+              <a:lnSpc>
+                <a:spcPts val="1950"/>
+              </a:lnSpc>
+            </a:pPr>
+            <a:r>
+              <a:rPr lang="en-US" altLang="ja-JP" sz="1800" kern="0">
+                <a:solidFill>
+                  <a:srgbClr val="CCCCCC"/>
+                </a:solidFill>
+                <a:effectLst/>
+                <a:latin typeface="Menlo" panose="020B0609030804020204" pitchFamily="49" charset="0"/>
+                <a:ea typeface="ＭＳ Ｐゴシック" panose="020B0600070205080204" pitchFamily="34" charset="-128"/>
+                <a:cs typeface="Times New Roman" panose="02020603050405020304" pitchFamily="18" charset="0"/>
+              </a:rPr>
+              <a:t> </a:t>
+            </a:r>
+            <a:endParaRPr lang="ja-JP" altLang="ja-JP" sz="1200" kern="100">
+              <a:effectLst/>
+              <a:latin typeface="游明朝" panose="02020400000000000000" pitchFamily="18" charset="-128"/>
+              <a:ea typeface="游明朝" panose="02020400000000000000" pitchFamily="18" charset="-128"/>
+              <a:cs typeface="Times New Roman" panose="02020603050405020304" pitchFamily="18" charset="0"/>
+            </a:endParaRPr>
+          </a:p>
+          <a:p>
+            <a:pPr algn="l">
+              <a:lnSpc>
+                <a:spcPts val="1950"/>
+              </a:lnSpc>
+            </a:pPr>
+            <a:r>
+              <a:rPr lang="en-US" altLang="ja-JP" sz="1800" kern="0">
+                <a:solidFill>
+                  <a:srgbClr val="DCDCAA"/>
+                </a:solidFill>
+                <a:effectLst/>
+                <a:latin typeface="Menlo" panose="020B0609030804020204" pitchFamily="49" charset="0"/>
+                <a:ea typeface="ＭＳ Ｐゴシック" panose="020B0600070205080204" pitchFamily="34" charset="-128"/>
+                <a:cs typeface="Times New Roman" panose="02020603050405020304" pitchFamily="18" charset="0"/>
+              </a:rPr>
+              <a:t>print</a:t>
+            </a:r>
+            <a:r>
+              <a:rPr lang="en-US" altLang="ja-JP" sz="1800" kern="0">
+                <a:solidFill>
+                  <a:srgbClr val="CCCCCC"/>
+                </a:solidFill>
+                <a:effectLst/>
+                <a:latin typeface="Menlo" panose="020B0609030804020204" pitchFamily="49" charset="0"/>
+                <a:ea typeface="ＭＳ Ｐゴシック" panose="020B0600070205080204" pitchFamily="34" charset="-128"/>
+                <a:cs typeface="Times New Roman" panose="02020603050405020304" pitchFamily="18" charset="0"/>
+              </a:rPr>
+              <a:t>(</a:t>
+            </a:r>
+            <a:r>
+              <a:rPr lang="en-US" altLang="ja-JP" sz="1800" kern="0">
+                <a:solidFill>
+                  <a:srgbClr val="9CDCFE"/>
+                </a:solidFill>
+                <a:effectLst/>
+                <a:latin typeface="Menlo" panose="020B0609030804020204" pitchFamily="49" charset="0"/>
+                <a:ea typeface="ＭＳ Ｐゴシック" panose="020B0600070205080204" pitchFamily="34" charset="-128"/>
+                <a:cs typeface="Times New Roman" panose="02020603050405020304" pitchFamily="18" charset="0"/>
+              </a:rPr>
+              <a:t>Alice</a:t>
+            </a:r>
+            <a:r>
+              <a:rPr lang="en-US" altLang="ja-JP" sz="1800" kern="0">
+                <a:solidFill>
+                  <a:srgbClr val="CCCCCC"/>
+                </a:solidFill>
+                <a:effectLst/>
+                <a:latin typeface="Menlo" panose="020B0609030804020204" pitchFamily="49" charset="0"/>
+                <a:ea typeface="ＭＳ Ｐゴシック" panose="020B0600070205080204" pitchFamily="34" charset="-128"/>
+                <a:cs typeface="Times New Roman" panose="02020603050405020304" pitchFamily="18" charset="0"/>
+              </a:rPr>
+              <a:t> </a:t>
+            </a:r>
+            <a:r>
+              <a:rPr lang="en-US" altLang="ja-JP" sz="1800" kern="0">
+                <a:solidFill>
+                  <a:srgbClr val="D4D4D4"/>
+                </a:solidFill>
+                <a:effectLst/>
+                <a:latin typeface="Menlo" panose="020B0609030804020204" pitchFamily="49" charset="0"/>
+                <a:ea typeface="ＭＳ Ｐゴシック" panose="020B0600070205080204" pitchFamily="34" charset="-128"/>
+                <a:cs typeface="Times New Roman" panose="02020603050405020304" pitchFamily="18" charset="0"/>
+              </a:rPr>
+              <a:t>-</a:t>
+            </a:r>
+            <a:r>
+              <a:rPr lang="en-US" altLang="ja-JP" sz="1800" kern="0">
+                <a:solidFill>
+                  <a:srgbClr val="CCCCCC"/>
+                </a:solidFill>
+                <a:effectLst/>
+                <a:latin typeface="Menlo" panose="020B0609030804020204" pitchFamily="49" charset="0"/>
+                <a:ea typeface="ＭＳ Ｐゴシック" panose="020B0600070205080204" pitchFamily="34" charset="-128"/>
+                <a:cs typeface="Times New Roman" panose="02020603050405020304" pitchFamily="18" charset="0"/>
+              </a:rPr>
+              <a:t> </a:t>
+            </a:r>
+            <a:r>
+              <a:rPr lang="en-US" altLang="ja-JP" sz="1800" kern="0">
+                <a:solidFill>
+                  <a:srgbClr val="9CDCFE"/>
+                </a:solidFill>
+                <a:effectLst/>
+                <a:latin typeface="Menlo" panose="020B0609030804020204" pitchFamily="49" charset="0"/>
+                <a:ea typeface="ＭＳ Ｐゴシック" panose="020B0600070205080204" pitchFamily="34" charset="-128"/>
+                <a:cs typeface="Times New Roman" panose="02020603050405020304" pitchFamily="18" charset="0"/>
+              </a:rPr>
+              <a:t>Bob</a:t>
+            </a:r>
+            <a:r>
+              <a:rPr lang="en-US" altLang="ja-JP" sz="1800" kern="0">
+                <a:solidFill>
+                  <a:srgbClr val="CCCCCC"/>
+                </a:solidFill>
+                <a:effectLst/>
+                <a:latin typeface="Menlo" panose="020B0609030804020204" pitchFamily="49" charset="0"/>
+                <a:ea typeface="ＭＳ Ｐゴシック" panose="020B0600070205080204" pitchFamily="34" charset="-128"/>
+                <a:cs typeface="Times New Roman" panose="02020603050405020304" pitchFamily="18" charset="0"/>
+              </a:rPr>
+              <a:t>)</a:t>
+            </a:r>
+            <a:endParaRPr lang="ja-JP" altLang="ja-JP" sz="1200" kern="100">
+              <a:effectLst/>
+              <a:latin typeface="游明朝" panose="02020400000000000000" pitchFamily="18" charset="-128"/>
+              <a:ea typeface="游明朝" panose="02020400000000000000" pitchFamily="18" charset="-128"/>
+              <a:cs typeface="Times New Roman" panose="02020603050405020304" pitchFamily="18" charset="0"/>
+            </a:endParaRPr>
+          </a:p>
+        </p:txBody>
+      </p:sp>
+      <p:sp>
+        <p:nvSpPr>
+          <p:cNvPr id="10" name="テキスト ボックス 9">
+            <a:extLst>
+              <a:ext uri="{FF2B5EF4-FFF2-40B4-BE49-F238E27FC236}">
+                <a16:creationId xmlns:a16="http://schemas.microsoft.com/office/drawing/2014/main" id="{000940D8-A5E6-89E3-CE73-4B3422247F50}"/>
+              </a:ext>
+            </a:extLst>
+          </p:cNvPr>
+          <p:cNvSpPr txBox="1"/>
+          <p:nvPr/>
+        </p:nvSpPr>
+        <p:spPr>
+          <a:xfrm>
+            <a:off x="9099934" y="2611713"/>
+            <a:ext cx="931665" cy="369332"/>
+          </a:xfrm>
+          <a:prstGeom prst="rect">
+            <a:avLst/>
+          </a:prstGeom>
+          <a:noFill/>
+        </p:spPr>
+        <p:txBody>
+          <a:bodyPr wrap="none" rtlCol="0">
+            <a:spAutoFit/>
+          </a:bodyPr>
+          <a:lstStyle/>
+          <a:p>
+            <a:r>
+              <a:rPr kumimoji="1" lang="en-US" altLang="ja-JP"/>
+              <a:t>Python</a:t>
+            </a:r>
+            <a:endParaRPr kumimoji="1" lang="ja-JP" altLang="en-US"/>
+          </a:p>
+        </p:txBody>
+      </p:sp>
+    </p:spTree>
+    <p:extLst>
+      <p:ext uri="{BB962C8B-B14F-4D97-AF65-F5344CB8AC3E}">
+        <p14:creationId xmlns:p14="http://schemas.microsoft.com/office/powerpoint/2010/main" val="313357135"/>
+      </p:ext>
+    </p:extLst>
+  </p:cSld>
+  <p:clrMapOvr>
+    <a:masterClrMapping/>
+  </p:clrMapOvr>
+</p:sld>
+</file>
+
+<file path=ppt/slides/slide33.xml><?xml version="1.0" encoding="utf-8"?>
+<p:sld xmlns:a="http://schemas.openxmlformats.org/drawingml/2006/main" xmlns:r="http://schemas.openxmlformats.org/officeDocument/2006/relationships" xmlns:p="http://schemas.openxmlformats.org/presentationml/2006/main">
+  <p:cSld>
+    <p:spTree>
+      <p:nvGrpSpPr>
+        <p:cNvPr id="1" name=""/>
+        <p:cNvGrpSpPr/>
+        <p:nvPr/>
+      </p:nvGrpSpPr>
+      <p:grpSpPr>
+        <a:xfrm>
+          <a:off x="0" y="0"/>
+          <a:ext cx="0" cy="0"/>
+          <a:chOff x="0" y="0"/>
+          <a:chExt cx="0" cy="0"/>
+        </a:xfrm>
+      </p:grpSpPr>
+      <p:sp>
+        <p:nvSpPr>
+          <p:cNvPr id="4" name="正方形/長方形 3">
+            <a:extLst>
+              <a:ext uri="{FF2B5EF4-FFF2-40B4-BE49-F238E27FC236}">
+                <a16:creationId xmlns:a16="http://schemas.microsoft.com/office/drawing/2014/main" id="{9DF20083-156A-16DA-0EEB-CA65C4F4EBBD}"/>
+              </a:ext>
+            </a:extLst>
+          </p:cNvPr>
+          <p:cNvSpPr/>
+          <p:nvPr/>
+        </p:nvSpPr>
+        <p:spPr>
+          <a:xfrm>
+            <a:off x="1396314" y="0"/>
+            <a:ext cx="10795686" cy="1397876"/>
+          </a:xfrm>
+          <a:prstGeom prst="rect">
+            <a:avLst/>
+          </a:prstGeom>
+          <a:solidFill>
+            <a:schemeClr val="accent5"/>
+          </a:solidFill>
+          <a:ln>
+            <a:noFill/>
+          </a:ln>
+        </p:spPr>
+        <p:style>
+          <a:lnRef idx="2">
+            <a:schemeClr val="accent1">
+              <a:shade val="15000"/>
+            </a:schemeClr>
+          </a:lnRef>
+          <a:fillRef idx="1">
+            <a:schemeClr val="accent1"/>
+          </a:fillRef>
+          <a:effectRef idx="0">
+            <a:schemeClr val="accent1"/>
+          </a:effectRef>
+          <a:fontRef idx="minor">
+            <a:schemeClr val="lt1"/>
+          </a:fontRef>
+        </p:style>
+        <p:txBody>
+          <a:bodyPr rtlCol="0" anchor="ctr"/>
+          <a:lstStyle/>
+          <a:p>
+            <a:r>
+              <a:rPr kumimoji="1" lang="en" altLang="ja-JP" sz="4000" b="1"/>
+              <a:t>ABC088B - Card Game for Two</a:t>
+            </a:r>
+            <a:endParaRPr kumimoji="1" lang="ja-JP" altLang="en-US" sz="4000" b="1"/>
+          </a:p>
+        </p:txBody>
+      </p:sp>
+      <p:sp>
+        <p:nvSpPr>
+          <p:cNvPr id="5" name="正方形/長方形 4">
+            <a:extLst>
+              <a:ext uri="{FF2B5EF4-FFF2-40B4-BE49-F238E27FC236}">
+                <a16:creationId xmlns:a16="http://schemas.microsoft.com/office/drawing/2014/main" id="{BD9D5376-097D-869C-B9C1-C3A110CFEA92}"/>
+              </a:ext>
+            </a:extLst>
+          </p:cNvPr>
+          <p:cNvSpPr/>
+          <p:nvPr/>
+        </p:nvSpPr>
+        <p:spPr>
+          <a:xfrm>
+            <a:off x="0" y="0"/>
+            <a:ext cx="1396314" cy="1397876"/>
+          </a:xfrm>
+          <a:prstGeom prst="rect">
+            <a:avLst/>
+          </a:prstGeom>
+          <a:ln>
+            <a:noFill/>
+          </a:ln>
+        </p:spPr>
+        <p:style>
+          <a:lnRef idx="2">
+            <a:schemeClr val="accent1">
+              <a:shade val="15000"/>
+            </a:schemeClr>
+          </a:lnRef>
+          <a:fillRef idx="1">
+            <a:schemeClr val="accent1"/>
+          </a:fillRef>
+          <a:effectRef idx="0">
+            <a:schemeClr val="accent1"/>
+          </a:effectRef>
+          <a:fontRef idx="minor">
+            <a:schemeClr val="lt1"/>
+          </a:fontRef>
+        </p:style>
+        <p:txBody>
+          <a:bodyPr rtlCol="0" anchor="ctr"/>
+          <a:lstStyle/>
+          <a:p>
+            <a:pPr algn="ctr"/>
+            <a:r>
+              <a:rPr lang="en-US" altLang="ja-JP" sz="3200" b="1"/>
+              <a:t>7</a:t>
+            </a:r>
+            <a:r>
+              <a:rPr kumimoji="1" lang="en-US" altLang="ja-JP" sz="3200" b="1"/>
+              <a:t>.</a:t>
+            </a:r>
+            <a:r>
+              <a:rPr lang="en-US" altLang="ja-JP" sz="3200" b="1"/>
+              <a:t>3</a:t>
+            </a:r>
+            <a:endParaRPr kumimoji="1" lang="ja-JP" altLang="en-US" sz="3200" b="1"/>
+          </a:p>
+        </p:txBody>
+      </p:sp>
+      <p:sp>
+        <p:nvSpPr>
+          <p:cNvPr id="2" name="テキスト ボックス 1">
+            <a:extLst>
+              <a:ext uri="{FF2B5EF4-FFF2-40B4-BE49-F238E27FC236}">
+                <a16:creationId xmlns:a16="http://schemas.microsoft.com/office/drawing/2014/main" id="{9E6DA334-CB7D-3F5F-5F73-68CA8E75AF61}"/>
+              </a:ext>
+            </a:extLst>
+          </p:cNvPr>
+          <p:cNvSpPr txBox="1"/>
+          <p:nvPr/>
+        </p:nvSpPr>
+        <p:spPr>
+          <a:xfrm>
+            <a:off x="193040" y="1463365"/>
+            <a:ext cx="4990469" cy="3931269"/>
+          </a:xfrm>
+          <a:prstGeom prst="rect">
+            <a:avLst/>
+          </a:prstGeom>
+          <a:solidFill>
+            <a:schemeClr val="tx1"/>
+          </a:solidFill>
+        </p:spPr>
+        <p:txBody>
+          <a:bodyPr wrap="none" rtlCol="0">
+            <a:spAutoFit/>
+          </a:bodyPr>
+          <a:lstStyle/>
+          <a:p>
+            <a:pPr algn="l">
+              <a:lnSpc>
+                <a:spcPts val="1950"/>
+              </a:lnSpc>
+            </a:pPr>
+            <a:r>
+              <a:rPr lang="en-US" altLang="ja-JP" sz="1600" kern="0">
+                <a:solidFill>
+                  <a:srgbClr val="C586C0"/>
+                </a:solidFill>
+                <a:effectLst/>
+                <a:latin typeface="Menlo" panose="020B0609030804020204" pitchFamily="49" charset="0"/>
+                <a:ea typeface="ＭＳ Ｐゴシック" panose="020B0600070205080204" pitchFamily="34" charset="-128"/>
+                <a:cs typeface="Times New Roman" panose="02020603050405020304" pitchFamily="18" charset="0"/>
+              </a:rPr>
+              <a:t>#include</a:t>
+            </a:r>
+            <a:r>
+              <a:rPr lang="en-US" altLang="ja-JP" sz="1600" kern="0">
+                <a:solidFill>
+                  <a:srgbClr val="569CD6"/>
+                </a:solidFill>
+                <a:effectLst/>
+                <a:latin typeface="Menlo" panose="020B0609030804020204" pitchFamily="49" charset="0"/>
+                <a:ea typeface="ＭＳ Ｐゴシック" panose="020B0600070205080204" pitchFamily="34" charset="-128"/>
+                <a:cs typeface="Times New Roman" panose="02020603050405020304" pitchFamily="18" charset="0"/>
+              </a:rPr>
+              <a:t> </a:t>
+            </a:r>
+            <a:r>
+              <a:rPr lang="en-US" altLang="ja-JP" sz="1600" kern="0">
+                <a:solidFill>
+                  <a:srgbClr val="CE9178"/>
+                </a:solidFill>
+                <a:effectLst/>
+                <a:latin typeface="Menlo" panose="020B0609030804020204" pitchFamily="49" charset="0"/>
+                <a:ea typeface="ＭＳ Ｐゴシック" panose="020B0600070205080204" pitchFamily="34" charset="-128"/>
+                <a:cs typeface="Times New Roman" panose="02020603050405020304" pitchFamily="18" charset="0"/>
+              </a:rPr>
+              <a:t>&lt;iostream&gt;</a:t>
+            </a:r>
+            <a:endParaRPr lang="ja-JP" altLang="ja-JP" sz="1600" kern="100">
+              <a:effectLst/>
+              <a:latin typeface="游明朝" panose="02020400000000000000" pitchFamily="18" charset="-128"/>
+              <a:ea typeface="游明朝" panose="02020400000000000000" pitchFamily="18" charset="-128"/>
+              <a:cs typeface="Times New Roman" panose="02020603050405020304" pitchFamily="18" charset="0"/>
+            </a:endParaRPr>
+          </a:p>
+          <a:p>
+            <a:pPr algn="l">
+              <a:lnSpc>
+                <a:spcPts val="1950"/>
+              </a:lnSpc>
+            </a:pPr>
+            <a:r>
+              <a:rPr lang="en-US" altLang="ja-JP" sz="1600" kern="0">
+                <a:solidFill>
+                  <a:srgbClr val="C586C0"/>
+                </a:solidFill>
+                <a:effectLst/>
+                <a:latin typeface="Menlo" panose="020B0609030804020204" pitchFamily="49" charset="0"/>
+                <a:ea typeface="ＭＳ Ｐゴシック" panose="020B0600070205080204" pitchFamily="34" charset="-128"/>
+                <a:cs typeface="Times New Roman" panose="02020603050405020304" pitchFamily="18" charset="0"/>
+              </a:rPr>
+              <a:t>#include</a:t>
+            </a:r>
+            <a:r>
+              <a:rPr lang="en-US" altLang="ja-JP" sz="1600" kern="0">
+                <a:solidFill>
+                  <a:srgbClr val="569CD6"/>
+                </a:solidFill>
+                <a:effectLst/>
+                <a:latin typeface="Menlo" panose="020B0609030804020204" pitchFamily="49" charset="0"/>
+                <a:ea typeface="ＭＳ Ｐゴシック" panose="020B0600070205080204" pitchFamily="34" charset="-128"/>
+                <a:cs typeface="Times New Roman" panose="02020603050405020304" pitchFamily="18" charset="0"/>
+              </a:rPr>
+              <a:t> </a:t>
+            </a:r>
+            <a:r>
+              <a:rPr lang="en-US" altLang="ja-JP" sz="1600" kern="0">
+                <a:solidFill>
+                  <a:srgbClr val="CE9178"/>
+                </a:solidFill>
+                <a:effectLst/>
+                <a:latin typeface="Menlo" panose="020B0609030804020204" pitchFamily="49" charset="0"/>
+                <a:ea typeface="ＭＳ Ｐゴシック" panose="020B0600070205080204" pitchFamily="34" charset="-128"/>
+                <a:cs typeface="Times New Roman" panose="02020603050405020304" pitchFamily="18" charset="0"/>
+              </a:rPr>
+              <a:t>&lt;vector&gt;</a:t>
+            </a:r>
+            <a:endParaRPr lang="ja-JP" altLang="ja-JP" sz="1600" kern="100">
+              <a:effectLst/>
+              <a:latin typeface="游明朝" panose="02020400000000000000" pitchFamily="18" charset="-128"/>
+              <a:ea typeface="游明朝" panose="02020400000000000000" pitchFamily="18" charset="-128"/>
+              <a:cs typeface="Times New Roman" panose="02020603050405020304" pitchFamily="18" charset="0"/>
+            </a:endParaRPr>
+          </a:p>
+          <a:p>
+            <a:pPr algn="l">
+              <a:lnSpc>
+                <a:spcPts val="1950"/>
+              </a:lnSpc>
+            </a:pPr>
+            <a:r>
+              <a:rPr lang="en-US" altLang="ja-JP" sz="1600" kern="0">
+                <a:solidFill>
+                  <a:srgbClr val="C586C0"/>
+                </a:solidFill>
+                <a:effectLst/>
+                <a:latin typeface="Menlo" panose="020B0609030804020204" pitchFamily="49" charset="0"/>
+                <a:ea typeface="ＭＳ Ｐゴシック" panose="020B0600070205080204" pitchFamily="34" charset="-128"/>
+                <a:cs typeface="Times New Roman" panose="02020603050405020304" pitchFamily="18" charset="0"/>
+              </a:rPr>
+              <a:t>#include</a:t>
+            </a:r>
+            <a:r>
+              <a:rPr lang="en-US" altLang="ja-JP" sz="1600" kern="0">
+                <a:solidFill>
+                  <a:srgbClr val="569CD6"/>
+                </a:solidFill>
+                <a:effectLst/>
+                <a:latin typeface="Menlo" panose="020B0609030804020204" pitchFamily="49" charset="0"/>
+                <a:ea typeface="ＭＳ Ｐゴシック" panose="020B0600070205080204" pitchFamily="34" charset="-128"/>
+                <a:cs typeface="Times New Roman" panose="02020603050405020304" pitchFamily="18" charset="0"/>
+              </a:rPr>
+              <a:t> </a:t>
+            </a:r>
+            <a:r>
+              <a:rPr lang="en-US" altLang="ja-JP" sz="1600" kern="0">
+                <a:solidFill>
+                  <a:srgbClr val="CE9178"/>
+                </a:solidFill>
+                <a:effectLst/>
+                <a:latin typeface="Menlo" panose="020B0609030804020204" pitchFamily="49" charset="0"/>
+                <a:ea typeface="ＭＳ Ｐゴシック" panose="020B0600070205080204" pitchFamily="34" charset="-128"/>
+                <a:cs typeface="Times New Roman" panose="02020603050405020304" pitchFamily="18" charset="0"/>
+              </a:rPr>
+              <a:t>&lt;algorithm&gt;</a:t>
+            </a:r>
+            <a:endParaRPr lang="ja-JP" altLang="ja-JP" sz="1600" kern="100">
+              <a:effectLst/>
+              <a:latin typeface="游明朝" panose="02020400000000000000" pitchFamily="18" charset="-128"/>
+              <a:ea typeface="游明朝" panose="02020400000000000000" pitchFamily="18" charset="-128"/>
+              <a:cs typeface="Times New Roman" panose="02020603050405020304" pitchFamily="18" charset="0"/>
+            </a:endParaRPr>
+          </a:p>
+          <a:p>
+            <a:pPr algn="l">
+              <a:lnSpc>
+                <a:spcPts val="1950"/>
+              </a:lnSpc>
+            </a:pPr>
+            <a:r>
+              <a:rPr lang="en-US" altLang="ja-JP" sz="1600" kern="0">
+                <a:solidFill>
+                  <a:srgbClr val="C586C0"/>
+                </a:solidFill>
+                <a:effectLst/>
+                <a:latin typeface="Menlo" panose="020B0609030804020204" pitchFamily="49" charset="0"/>
+                <a:ea typeface="ＭＳ Ｐゴシック" panose="020B0600070205080204" pitchFamily="34" charset="-128"/>
+                <a:cs typeface="Times New Roman" panose="02020603050405020304" pitchFamily="18" charset="0"/>
+              </a:rPr>
+              <a:t>using</a:t>
+            </a:r>
+            <a:r>
+              <a:rPr lang="en-US" altLang="ja-JP" sz="1600" kern="0">
+                <a:solidFill>
+                  <a:srgbClr val="CCCCCC"/>
+                </a:solidFill>
+                <a:effectLst/>
+                <a:latin typeface="Menlo" panose="020B0609030804020204" pitchFamily="49" charset="0"/>
+                <a:ea typeface="ＭＳ Ｐゴシック" panose="020B0600070205080204" pitchFamily="34" charset="-128"/>
+                <a:cs typeface="Times New Roman" panose="02020603050405020304" pitchFamily="18" charset="0"/>
+              </a:rPr>
+              <a:t> </a:t>
+            </a:r>
+            <a:r>
+              <a:rPr lang="en-US" altLang="ja-JP" sz="1600" kern="0">
+                <a:solidFill>
+                  <a:srgbClr val="569CD6"/>
+                </a:solidFill>
+                <a:effectLst/>
+                <a:latin typeface="Menlo" panose="020B0609030804020204" pitchFamily="49" charset="0"/>
+                <a:ea typeface="ＭＳ Ｐゴシック" panose="020B0600070205080204" pitchFamily="34" charset="-128"/>
+                <a:cs typeface="Times New Roman" panose="02020603050405020304" pitchFamily="18" charset="0"/>
+              </a:rPr>
+              <a:t>namespace</a:t>
+            </a:r>
+            <a:r>
+              <a:rPr lang="en-US" altLang="ja-JP" sz="1600" kern="0">
+                <a:solidFill>
+                  <a:srgbClr val="CCCCCC"/>
+                </a:solidFill>
+                <a:effectLst/>
+                <a:latin typeface="Menlo" panose="020B0609030804020204" pitchFamily="49" charset="0"/>
+                <a:ea typeface="ＭＳ Ｐゴシック" panose="020B0600070205080204" pitchFamily="34" charset="-128"/>
+                <a:cs typeface="Times New Roman" panose="02020603050405020304" pitchFamily="18" charset="0"/>
+              </a:rPr>
+              <a:t> </a:t>
+            </a:r>
+            <a:r>
+              <a:rPr lang="en-US" altLang="ja-JP" sz="1600" kern="0">
+                <a:solidFill>
+                  <a:srgbClr val="4EC9B0"/>
+                </a:solidFill>
+                <a:effectLst/>
+                <a:latin typeface="Menlo" panose="020B0609030804020204" pitchFamily="49" charset="0"/>
+                <a:ea typeface="ＭＳ Ｐゴシック" panose="020B0600070205080204" pitchFamily="34" charset="-128"/>
+                <a:cs typeface="Times New Roman" panose="02020603050405020304" pitchFamily="18" charset="0"/>
+              </a:rPr>
+              <a:t>std</a:t>
+            </a:r>
+            <a:r>
+              <a:rPr lang="en-US" altLang="ja-JP" sz="1600" kern="0">
+                <a:solidFill>
+                  <a:srgbClr val="CCCCCC"/>
+                </a:solidFill>
+                <a:effectLst/>
+                <a:latin typeface="Menlo" panose="020B0609030804020204" pitchFamily="49" charset="0"/>
+                <a:ea typeface="ＭＳ Ｐゴシック" panose="020B0600070205080204" pitchFamily="34" charset="-128"/>
+                <a:cs typeface="Times New Roman" panose="02020603050405020304" pitchFamily="18" charset="0"/>
+              </a:rPr>
+              <a:t>;</a:t>
+            </a:r>
+            <a:endParaRPr lang="ja-JP" altLang="ja-JP" sz="1600" kern="100">
+              <a:effectLst/>
+              <a:latin typeface="游明朝" panose="02020400000000000000" pitchFamily="18" charset="-128"/>
+              <a:ea typeface="游明朝" panose="02020400000000000000" pitchFamily="18" charset="-128"/>
+              <a:cs typeface="Times New Roman" panose="02020603050405020304" pitchFamily="18" charset="0"/>
+            </a:endParaRPr>
+          </a:p>
+          <a:p>
+            <a:pPr algn="l">
+              <a:lnSpc>
+                <a:spcPts val="1950"/>
+              </a:lnSpc>
+            </a:pPr>
+            <a:r>
+              <a:rPr lang="en-US" altLang="ja-JP" sz="1600" kern="0">
+                <a:solidFill>
+                  <a:srgbClr val="CCCCCC"/>
+                </a:solidFill>
+                <a:effectLst/>
+                <a:latin typeface="Menlo" panose="020B0609030804020204" pitchFamily="49" charset="0"/>
+                <a:ea typeface="ＭＳ Ｐゴシック" panose="020B0600070205080204" pitchFamily="34" charset="-128"/>
+                <a:cs typeface="Times New Roman" panose="02020603050405020304" pitchFamily="18" charset="0"/>
+              </a:rPr>
+              <a:t> </a:t>
+            </a:r>
+            <a:endParaRPr lang="ja-JP" altLang="ja-JP" sz="1600" kern="100">
+              <a:effectLst/>
+              <a:latin typeface="游明朝" panose="02020400000000000000" pitchFamily="18" charset="-128"/>
+              <a:ea typeface="游明朝" panose="02020400000000000000" pitchFamily="18" charset="-128"/>
+              <a:cs typeface="Times New Roman" panose="02020603050405020304" pitchFamily="18" charset="0"/>
+            </a:endParaRPr>
+          </a:p>
+          <a:p>
+            <a:pPr algn="l">
+              <a:lnSpc>
+                <a:spcPts val="1950"/>
+              </a:lnSpc>
+            </a:pPr>
+            <a:r>
+              <a:rPr lang="en-US" altLang="ja-JP" sz="1600" kern="0">
+                <a:solidFill>
+                  <a:srgbClr val="569CD6"/>
+                </a:solidFill>
+                <a:effectLst/>
+                <a:latin typeface="Menlo" panose="020B0609030804020204" pitchFamily="49" charset="0"/>
+                <a:ea typeface="ＭＳ Ｐゴシック" panose="020B0600070205080204" pitchFamily="34" charset="-128"/>
+                <a:cs typeface="Times New Roman" panose="02020603050405020304" pitchFamily="18" charset="0"/>
+              </a:rPr>
+              <a:t>int</a:t>
+            </a:r>
+            <a:r>
+              <a:rPr lang="en-US" altLang="ja-JP" sz="1600" kern="0">
+                <a:solidFill>
+                  <a:srgbClr val="CCCCCC"/>
+                </a:solidFill>
+                <a:effectLst/>
+                <a:latin typeface="Menlo" panose="020B0609030804020204" pitchFamily="49" charset="0"/>
+                <a:ea typeface="ＭＳ Ｐゴシック" panose="020B0600070205080204" pitchFamily="34" charset="-128"/>
+                <a:cs typeface="Times New Roman" panose="02020603050405020304" pitchFamily="18" charset="0"/>
+              </a:rPr>
+              <a:t> </a:t>
+            </a:r>
+            <a:r>
+              <a:rPr lang="en-US" altLang="ja-JP" sz="1600" kern="0">
+                <a:solidFill>
+                  <a:srgbClr val="DCDCAA"/>
+                </a:solidFill>
+                <a:effectLst/>
+                <a:latin typeface="Menlo" panose="020B0609030804020204" pitchFamily="49" charset="0"/>
+                <a:ea typeface="ＭＳ Ｐゴシック" panose="020B0600070205080204" pitchFamily="34" charset="-128"/>
+                <a:cs typeface="Times New Roman" panose="02020603050405020304" pitchFamily="18" charset="0"/>
+              </a:rPr>
+              <a:t>main</a:t>
+            </a:r>
+            <a:r>
+              <a:rPr lang="en-US" altLang="ja-JP" sz="1600" kern="0">
+                <a:solidFill>
+                  <a:srgbClr val="CCCCCC"/>
+                </a:solidFill>
+                <a:effectLst/>
+                <a:latin typeface="Menlo" panose="020B0609030804020204" pitchFamily="49" charset="0"/>
+                <a:ea typeface="ＭＳ Ｐゴシック" panose="020B0600070205080204" pitchFamily="34" charset="-128"/>
+                <a:cs typeface="Times New Roman" panose="02020603050405020304" pitchFamily="18" charset="0"/>
+              </a:rPr>
+              <a:t>(){</a:t>
+            </a:r>
+            <a:endParaRPr lang="ja-JP" altLang="ja-JP" sz="1600" kern="100">
+              <a:effectLst/>
+              <a:latin typeface="游明朝" panose="02020400000000000000" pitchFamily="18" charset="-128"/>
+              <a:ea typeface="游明朝" panose="02020400000000000000" pitchFamily="18" charset="-128"/>
+              <a:cs typeface="Times New Roman" panose="02020603050405020304" pitchFamily="18" charset="0"/>
+            </a:endParaRPr>
+          </a:p>
+          <a:p>
+            <a:pPr algn="l">
+              <a:lnSpc>
+                <a:spcPts val="1950"/>
+              </a:lnSpc>
+            </a:pPr>
+            <a:r>
+              <a:rPr lang="en-US" altLang="ja-JP" sz="1600" kern="0">
+                <a:solidFill>
+                  <a:srgbClr val="CCCCCC"/>
+                </a:solidFill>
+                <a:effectLst/>
+                <a:latin typeface="Menlo" panose="020B0609030804020204" pitchFamily="49" charset="0"/>
+                <a:ea typeface="ＭＳ Ｐゴシック" panose="020B0600070205080204" pitchFamily="34" charset="-128"/>
+                <a:cs typeface="Times New Roman" panose="02020603050405020304" pitchFamily="18" charset="0"/>
+              </a:rPr>
+              <a:t>  </a:t>
+            </a:r>
+            <a:r>
+              <a:rPr lang="en-US" altLang="ja-JP" sz="1600" kern="0">
+                <a:solidFill>
+                  <a:srgbClr val="569CD6"/>
+                </a:solidFill>
+                <a:effectLst/>
+                <a:latin typeface="Menlo" panose="020B0609030804020204" pitchFamily="49" charset="0"/>
+                <a:ea typeface="ＭＳ Ｐゴシック" panose="020B0600070205080204" pitchFamily="34" charset="-128"/>
+                <a:cs typeface="Times New Roman" panose="02020603050405020304" pitchFamily="18" charset="0"/>
+              </a:rPr>
+              <a:t>int</a:t>
+            </a:r>
+            <a:r>
+              <a:rPr lang="en-US" altLang="ja-JP" sz="1600" kern="0">
+                <a:solidFill>
+                  <a:srgbClr val="CCCCCC"/>
+                </a:solidFill>
+                <a:effectLst/>
+                <a:latin typeface="Menlo" panose="020B0609030804020204" pitchFamily="49" charset="0"/>
+                <a:ea typeface="ＭＳ Ｐゴシック" panose="020B0600070205080204" pitchFamily="34" charset="-128"/>
+                <a:cs typeface="Times New Roman" panose="02020603050405020304" pitchFamily="18" charset="0"/>
+              </a:rPr>
+              <a:t> </a:t>
+            </a:r>
+            <a:r>
+              <a:rPr lang="en-US" altLang="ja-JP" sz="1600" kern="0">
+                <a:solidFill>
+                  <a:srgbClr val="9CDCFE"/>
+                </a:solidFill>
+                <a:effectLst/>
+                <a:latin typeface="Menlo" panose="020B0609030804020204" pitchFamily="49" charset="0"/>
+                <a:ea typeface="ＭＳ Ｐゴシック" panose="020B0600070205080204" pitchFamily="34" charset="-128"/>
+                <a:cs typeface="Times New Roman" panose="02020603050405020304" pitchFamily="18" charset="0"/>
+              </a:rPr>
+              <a:t>N</a:t>
+            </a:r>
+            <a:r>
+              <a:rPr lang="en-US" altLang="ja-JP" sz="1600" kern="0">
+                <a:solidFill>
+                  <a:srgbClr val="CCCCCC"/>
+                </a:solidFill>
+                <a:effectLst/>
+                <a:latin typeface="Menlo" panose="020B0609030804020204" pitchFamily="49" charset="0"/>
+                <a:ea typeface="ＭＳ Ｐゴシック" panose="020B0600070205080204" pitchFamily="34" charset="-128"/>
+                <a:cs typeface="Times New Roman" panose="02020603050405020304" pitchFamily="18" charset="0"/>
+              </a:rPr>
+              <a:t>;</a:t>
+            </a:r>
+            <a:endParaRPr lang="ja-JP" altLang="ja-JP" sz="1600" kern="100">
+              <a:effectLst/>
+              <a:latin typeface="游明朝" panose="02020400000000000000" pitchFamily="18" charset="-128"/>
+              <a:ea typeface="游明朝" panose="02020400000000000000" pitchFamily="18" charset="-128"/>
+              <a:cs typeface="Times New Roman" panose="02020603050405020304" pitchFamily="18" charset="0"/>
+            </a:endParaRPr>
+          </a:p>
+          <a:p>
+            <a:pPr algn="l">
+              <a:lnSpc>
+                <a:spcPts val="1950"/>
+              </a:lnSpc>
+            </a:pPr>
+            <a:r>
+              <a:rPr lang="en-US" altLang="ja-JP" sz="1600" kern="0">
+                <a:solidFill>
+                  <a:srgbClr val="CCCCCC"/>
+                </a:solidFill>
+                <a:effectLst/>
+                <a:latin typeface="Menlo" panose="020B0609030804020204" pitchFamily="49" charset="0"/>
+                <a:ea typeface="ＭＳ Ｐゴシック" panose="020B0600070205080204" pitchFamily="34" charset="-128"/>
+                <a:cs typeface="Times New Roman" panose="02020603050405020304" pitchFamily="18" charset="0"/>
+              </a:rPr>
+              <a:t>  </a:t>
+            </a:r>
+            <a:r>
+              <a:rPr lang="en-US" altLang="ja-JP" sz="1600" kern="0">
+                <a:solidFill>
+                  <a:srgbClr val="9CDCFE"/>
+                </a:solidFill>
+                <a:effectLst/>
+                <a:latin typeface="Menlo" panose="020B0609030804020204" pitchFamily="49" charset="0"/>
+                <a:ea typeface="ＭＳ Ｐゴシック" panose="020B0600070205080204" pitchFamily="34" charset="-128"/>
+                <a:cs typeface="Times New Roman" panose="02020603050405020304" pitchFamily="18" charset="0"/>
+              </a:rPr>
+              <a:t>cin</a:t>
+            </a:r>
+            <a:r>
+              <a:rPr lang="en-US" altLang="ja-JP" sz="1600" kern="0">
+                <a:solidFill>
+                  <a:srgbClr val="CCCCCC"/>
+                </a:solidFill>
+                <a:effectLst/>
+                <a:latin typeface="Menlo" panose="020B0609030804020204" pitchFamily="49" charset="0"/>
+                <a:ea typeface="ＭＳ Ｐゴシック" panose="020B0600070205080204" pitchFamily="34" charset="-128"/>
+                <a:cs typeface="Times New Roman" panose="02020603050405020304" pitchFamily="18" charset="0"/>
+              </a:rPr>
+              <a:t> </a:t>
+            </a:r>
+            <a:r>
+              <a:rPr lang="en-US" altLang="ja-JP" sz="1600" kern="0">
+                <a:solidFill>
+                  <a:srgbClr val="DCDCAA"/>
+                </a:solidFill>
+                <a:effectLst/>
+                <a:latin typeface="Menlo" panose="020B0609030804020204" pitchFamily="49" charset="0"/>
+                <a:ea typeface="ＭＳ Ｐゴシック" panose="020B0600070205080204" pitchFamily="34" charset="-128"/>
+                <a:cs typeface="Times New Roman" panose="02020603050405020304" pitchFamily="18" charset="0"/>
+              </a:rPr>
+              <a:t>&gt;&gt;</a:t>
+            </a:r>
+            <a:r>
+              <a:rPr lang="en-US" altLang="ja-JP" sz="1600" kern="0">
+                <a:solidFill>
+                  <a:srgbClr val="CCCCCC"/>
+                </a:solidFill>
+                <a:effectLst/>
+                <a:latin typeface="Menlo" panose="020B0609030804020204" pitchFamily="49" charset="0"/>
+                <a:ea typeface="ＭＳ Ｐゴシック" panose="020B0600070205080204" pitchFamily="34" charset="-128"/>
+                <a:cs typeface="Times New Roman" panose="02020603050405020304" pitchFamily="18" charset="0"/>
+              </a:rPr>
+              <a:t> </a:t>
+            </a:r>
+            <a:r>
+              <a:rPr lang="en-US" altLang="ja-JP" sz="1600" kern="0">
+                <a:solidFill>
+                  <a:srgbClr val="9CDCFE"/>
+                </a:solidFill>
+                <a:effectLst/>
+                <a:latin typeface="Menlo" panose="020B0609030804020204" pitchFamily="49" charset="0"/>
+                <a:ea typeface="ＭＳ Ｐゴシック" panose="020B0600070205080204" pitchFamily="34" charset="-128"/>
+                <a:cs typeface="Times New Roman" panose="02020603050405020304" pitchFamily="18" charset="0"/>
+              </a:rPr>
+              <a:t>N</a:t>
+            </a:r>
+            <a:r>
+              <a:rPr lang="en-US" altLang="ja-JP" sz="1600" kern="0">
+                <a:solidFill>
+                  <a:srgbClr val="CCCCCC"/>
+                </a:solidFill>
+                <a:effectLst/>
+                <a:latin typeface="Menlo" panose="020B0609030804020204" pitchFamily="49" charset="0"/>
+                <a:ea typeface="ＭＳ Ｐゴシック" panose="020B0600070205080204" pitchFamily="34" charset="-128"/>
+                <a:cs typeface="Times New Roman" panose="02020603050405020304" pitchFamily="18" charset="0"/>
+              </a:rPr>
+              <a:t>;</a:t>
+            </a:r>
+            <a:endParaRPr lang="ja-JP" altLang="ja-JP" sz="1600" kern="100">
+              <a:effectLst/>
+              <a:latin typeface="游明朝" panose="02020400000000000000" pitchFamily="18" charset="-128"/>
+              <a:ea typeface="游明朝" panose="02020400000000000000" pitchFamily="18" charset="-128"/>
+              <a:cs typeface="Times New Roman" panose="02020603050405020304" pitchFamily="18" charset="0"/>
+            </a:endParaRPr>
+          </a:p>
+          <a:p>
+            <a:pPr algn="l">
+              <a:lnSpc>
+                <a:spcPts val="1950"/>
+              </a:lnSpc>
+            </a:pPr>
+            <a:r>
+              <a:rPr lang="en-US" altLang="ja-JP" sz="1600" kern="0">
+                <a:solidFill>
+                  <a:srgbClr val="CCCCCC"/>
+                </a:solidFill>
+                <a:effectLst/>
+                <a:latin typeface="Menlo" panose="020B0609030804020204" pitchFamily="49" charset="0"/>
+                <a:ea typeface="ＭＳ Ｐゴシック" panose="020B0600070205080204" pitchFamily="34" charset="-128"/>
+                <a:cs typeface="Times New Roman" panose="02020603050405020304" pitchFamily="18" charset="0"/>
+              </a:rPr>
+              <a:t>  </a:t>
+            </a:r>
+            <a:r>
+              <a:rPr lang="en-US" altLang="ja-JP" sz="1600" kern="0">
+                <a:solidFill>
+                  <a:srgbClr val="4EC9B0"/>
+                </a:solidFill>
+                <a:effectLst/>
+                <a:latin typeface="Menlo" panose="020B0609030804020204" pitchFamily="49" charset="0"/>
+                <a:ea typeface="ＭＳ Ｐゴシック" panose="020B0600070205080204" pitchFamily="34" charset="-128"/>
+                <a:cs typeface="Times New Roman" panose="02020603050405020304" pitchFamily="18" charset="0"/>
+              </a:rPr>
+              <a:t>vector</a:t>
+            </a:r>
+            <a:r>
+              <a:rPr lang="en-US" altLang="ja-JP" sz="1600" kern="0">
+                <a:solidFill>
+                  <a:srgbClr val="D4D4D4"/>
+                </a:solidFill>
+                <a:effectLst/>
+                <a:latin typeface="Menlo" panose="020B0609030804020204" pitchFamily="49" charset="0"/>
+                <a:ea typeface="ＭＳ Ｐゴシック" panose="020B0600070205080204" pitchFamily="34" charset="-128"/>
+                <a:cs typeface="Times New Roman" panose="02020603050405020304" pitchFamily="18" charset="0"/>
+              </a:rPr>
+              <a:t>&lt;</a:t>
+            </a:r>
+            <a:r>
+              <a:rPr lang="en-US" altLang="ja-JP" sz="1600" kern="0">
+                <a:solidFill>
+                  <a:srgbClr val="569CD6"/>
+                </a:solidFill>
+                <a:effectLst/>
+                <a:latin typeface="Menlo" panose="020B0609030804020204" pitchFamily="49" charset="0"/>
+                <a:ea typeface="ＭＳ Ｐゴシック" panose="020B0600070205080204" pitchFamily="34" charset="-128"/>
+                <a:cs typeface="Times New Roman" panose="02020603050405020304" pitchFamily="18" charset="0"/>
+              </a:rPr>
+              <a:t>int</a:t>
+            </a:r>
+            <a:r>
+              <a:rPr lang="en-US" altLang="ja-JP" sz="1600" kern="0">
+                <a:solidFill>
+                  <a:srgbClr val="D4D4D4"/>
+                </a:solidFill>
+                <a:effectLst/>
+                <a:latin typeface="Menlo" panose="020B0609030804020204" pitchFamily="49" charset="0"/>
+                <a:ea typeface="ＭＳ Ｐゴシック" panose="020B0600070205080204" pitchFamily="34" charset="-128"/>
+                <a:cs typeface="Times New Roman" panose="02020603050405020304" pitchFamily="18" charset="0"/>
+              </a:rPr>
+              <a:t>&gt;</a:t>
+            </a:r>
+            <a:r>
+              <a:rPr lang="en-US" altLang="ja-JP" sz="1600" kern="0">
+                <a:solidFill>
+                  <a:srgbClr val="CCCCCC"/>
+                </a:solidFill>
+                <a:effectLst/>
+                <a:latin typeface="Menlo" panose="020B0609030804020204" pitchFamily="49" charset="0"/>
+                <a:ea typeface="ＭＳ Ｐゴシック" panose="020B0600070205080204" pitchFamily="34" charset="-128"/>
+                <a:cs typeface="Times New Roman" panose="02020603050405020304" pitchFamily="18" charset="0"/>
+              </a:rPr>
+              <a:t> </a:t>
+            </a:r>
+            <a:r>
+              <a:rPr lang="en-US" altLang="ja-JP" sz="1600" kern="0">
+                <a:solidFill>
+                  <a:srgbClr val="9CDCFE"/>
+                </a:solidFill>
+                <a:effectLst/>
+                <a:latin typeface="Menlo" panose="020B0609030804020204" pitchFamily="49" charset="0"/>
+                <a:ea typeface="ＭＳ Ｐゴシック" panose="020B0600070205080204" pitchFamily="34" charset="-128"/>
+                <a:cs typeface="Times New Roman" panose="02020603050405020304" pitchFamily="18" charset="0"/>
+              </a:rPr>
+              <a:t>a</a:t>
+            </a:r>
+            <a:r>
+              <a:rPr lang="en-US" altLang="ja-JP" sz="1600" kern="0">
+                <a:solidFill>
+                  <a:srgbClr val="CCCCCC"/>
+                </a:solidFill>
+                <a:effectLst/>
+                <a:latin typeface="Menlo" panose="020B0609030804020204" pitchFamily="49" charset="0"/>
+                <a:ea typeface="ＭＳ Ｐゴシック" panose="020B0600070205080204" pitchFamily="34" charset="-128"/>
+                <a:cs typeface="Times New Roman" panose="02020603050405020304" pitchFamily="18" charset="0"/>
+              </a:rPr>
+              <a:t>(</a:t>
+            </a:r>
+            <a:r>
+              <a:rPr lang="en-US" altLang="ja-JP" sz="1600" kern="0">
+                <a:solidFill>
+                  <a:srgbClr val="9CDCFE"/>
+                </a:solidFill>
+                <a:effectLst/>
+                <a:latin typeface="Menlo" panose="020B0609030804020204" pitchFamily="49" charset="0"/>
+                <a:ea typeface="ＭＳ Ｐゴシック" panose="020B0600070205080204" pitchFamily="34" charset="-128"/>
+                <a:cs typeface="Times New Roman" panose="02020603050405020304" pitchFamily="18" charset="0"/>
+              </a:rPr>
+              <a:t>N</a:t>
+            </a:r>
+            <a:r>
+              <a:rPr lang="en-US" altLang="ja-JP" sz="1600" kern="0">
+                <a:solidFill>
+                  <a:srgbClr val="CCCCCC"/>
+                </a:solidFill>
+                <a:effectLst/>
+                <a:latin typeface="Menlo" panose="020B0609030804020204" pitchFamily="49" charset="0"/>
+                <a:ea typeface="ＭＳ Ｐゴシック" panose="020B0600070205080204" pitchFamily="34" charset="-128"/>
+                <a:cs typeface="Times New Roman" panose="02020603050405020304" pitchFamily="18" charset="0"/>
+              </a:rPr>
+              <a:t>);</a:t>
+            </a:r>
+            <a:endParaRPr lang="ja-JP" altLang="ja-JP" sz="1600" kern="100">
+              <a:effectLst/>
+              <a:latin typeface="游明朝" panose="02020400000000000000" pitchFamily="18" charset="-128"/>
+              <a:ea typeface="游明朝" panose="02020400000000000000" pitchFamily="18" charset="-128"/>
+              <a:cs typeface="Times New Roman" panose="02020603050405020304" pitchFamily="18" charset="0"/>
+            </a:endParaRPr>
+          </a:p>
+          <a:p>
+            <a:pPr algn="l">
+              <a:lnSpc>
+                <a:spcPts val="1950"/>
+              </a:lnSpc>
+            </a:pPr>
+            <a:r>
+              <a:rPr lang="en-US" altLang="ja-JP" sz="1600" kern="0">
+                <a:solidFill>
+                  <a:srgbClr val="CCCCCC"/>
+                </a:solidFill>
+                <a:effectLst/>
+                <a:latin typeface="Menlo" panose="020B0609030804020204" pitchFamily="49" charset="0"/>
+                <a:ea typeface="ＭＳ Ｐゴシック" panose="020B0600070205080204" pitchFamily="34" charset="-128"/>
+                <a:cs typeface="Times New Roman" panose="02020603050405020304" pitchFamily="18" charset="0"/>
+              </a:rPr>
+              <a:t>  </a:t>
+            </a:r>
+            <a:r>
+              <a:rPr lang="en-US" altLang="ja-JP" sz="1600" kern="0">
+                <a:solidFill>
+                  <a:srgbClr val="C586C0"/>
+                </a:solidFill>
+                <a:effectLst/>
+                <a:latin typeface="Menlo" panose="020B0609030804020204" pitchFamily="49" charset="0"/>
+                <a:ea typeface="ＭＳ Ｐゴシック" panose="020B0600070205080204" pitchFamily="34" charset="-128"/>
+                <a:cs typeface="Times New Roman" panose="02020603050405020304" pitchFamily="18" charset="0"/>
+              </a:rPr>
+              <a:t>for</a:t>
+            </a:r>
+            <a:r>
+              <a:rPr lang="en-US" altLang="ja-JP" sz="1600" kern="0">
+                <a:solidFill>
+                  <a:srgbClr val="CCCCCC"/>
+                </a:solidFill>
+                <a:effectLst/>
+                <a:latin typeface="Menlo" panose="020B0609030804020204" pitchFamily="49" charset="0"/>
+                <a:ea typeface="ＭＳ Ｐゴシック" panose="020B0600070205080204" pitchFamily="34" charset="-128"/>
+                <a:cs typeface="Times New Roman" panose="02020603050405020304" pitchFamily="18" charset="0"/>
+              </a:rPr>
+              <a:t>(</a:t>
+            </a:r>
+            <a:r>
+              <a:rPr lang="en-US" altLang="ja-JP" sz="1600" kern="0">
+                <a:solidFill>
+                  <a:srgbClr val="569CD6"/>
+                </a:solidFill>
+                <a:effectLst/>
+                <a:latin typeface="Menlo" panose="020B0609030804020204" pitchFamily="49" charset="0"/>
+                <a:ea typeface="ＭＳ Ｐゴシック" panose="020B0600070205080204" pitchFamily="34" charset="-128"/>
+                <a:cs typeface="Times New Roman" panose="02020603050405020304" pitchFamily="18" charset="0"/>
+              </a:rPr>
+              <a:t>int</a:t>
+            </a:r>
+            <a:r>
+              <a:rPr lang="en-US" altLang="ja-JP" sz="1600" kern="0">
+                <a:solidFill>
+                  <a:srgbClr val="CCCCCC"/>
+                </a:solidFill>
+                <a:effectLst/>
+                <a:latin typeface="Menlo" panose="020B0609030804020204" pitchFamily="49" charset="0"/>
+                <a:ea typeface="ＭＳ Ｐゴシック" panose="020B0600070205080204" pitchFamily="34" charset="-128"/>
+                <a:cs typeface="Times New Roman" panose="02020603050405020304" pitchFamily="18" charset="0"/>
+              </a:rPr>
+              <a:t> </a:t>
+            </a:r>
+            <a:r>
+              <a:rPr lang="en-US" altLang="ja-JP" sz="1600" kern="0">
+                <a:solidFill>
+                  <a:srgbClr val="9CDCFE"/>
+                </a:solidFill>
+                <a:effectLst/>
+                <a:latin typeface="Menlo" panose="020B0609030804020204" pitchFamily="49" charset="0"/>
+                <a:ea typeface="ＭＳ Ｐゴシック" panose="020B0600070205080204" pitchFamily="34" charset="-128"/>
+                <a:cs typeface="Times New Roman" panose="02020603050405020304" pitchFamily="18" charset="0"/>
+              </a:rPr>
+              <a:t>i</a:t>
+            </a:r>
+            <a:r>
+              <a:rPr lang="en-US" altLang="ja-JP" sz="1600" kern="0">
+                <a:solidFill>
+                  <a:srgbClr val="CCCCCC"/>
+                </a:solidFill>
+                <a:effectLst/>
+                <a:latin typeface="Menlo" panose="020B0609030804020204" pitchFamily="49" charset="0"/>
+                <a:ea typeface="ＭＳ Ｐゴシック" panose="020B0600070205080204" pitchFamily="34" charset="-128"/>
+                <a:cs typeface="Times New Roman" panose="02020603050405020304" pitchFamily="18" charset="0"/>
+              </a:rPr>
+              <a:t> </a:t>
+            </a:r>
+            <a:r>
+              <a:rPr lang="en-US" altLang="ja-JP" sz="1600" kern="0">
+                <a:solidFill>
+                  <a:srgbClr val="D4D4D4"/>
+                </a:solidFill>
+                <a:effectLst/>
+                <a:latin typeface="Menlo" panose="020B0609030804020204" pitchFamily="49" charset="0"/>
+                <a:ea typeface="ＭＳ Ｐゴシック" panose="020B0600070205080204" pitchFamily="34" charset="-128"/>
+                <a:cs typeface="Times New Roman" panose="02020603050405020304" pitchFamily="18" charset="0"/>
+              </a:rPr>
+              <a:t>=</a:t>
+            </a:r>
+            <a:r>
+              <a:rPr lang="en-US" altLang="ja-JP" sz="1600" kern="0">
+                <a:solidFill>
+                  <a:srgbClr val="CCCCCC"/>
+                </a:solidFill>
+                <a:effectLst/>
+                <a:latin typeface="Menlo" panose="020B0609030804020204" pitchFamily="49" charset="0"/>
+                <a:ea typeface="ＭＳ Ｐゴシック" panose="020B0600070205080204" pitchFamily="34" charset="-128"/>
+                <a:cs typeface="Times New Roman" panose="02020603050405020304" pitchFamily="18" charset="0"/>
+              </a:rPr>
+              <a:t> </a:t>
+            </a:r>
+            <a:r>
+              <a:rPr lang="en-US" altLang="ja-JP" sz="1600" kern="0">
+                <a:solidFill>
+                  <a:srgbClr val="B5CEA8"/>
+                </a:solidFill>
+                <a:effectLst/>
+                <a:latin typeface="Menlo" panose="020B0609030804020204" pitchFamily="49" charset="0"/>
+                <a:ea typeface="ＭＳ Ｐゴシック" panose="020B0600070205080204" pitchFamily="34" charset="-128"/>
+                <a:cs typeface="Times New Roman" panose="02020603050405020304" pitchFamily="18" charset="0"/>
+              </a:rPr>
+              <a:t>0</a:t>
+            </a:r>
+            <a:r>
+              <a:rPr lang="en-US" altLang="ja-JP" sz="1600" kern="0">
+                <a:solidFill>
+                  <a:srgbClr val="CCCCCC"/>
+                </a:solidFill>
+                <a:effectLst/>
+                <a:latin typeface="Menlo" panose="020B0609030804020204" pitchFamily="49" charset="0"/>
+                <a:ea typeface="ＭＳ Ｐゴシック" panose="020B0600070205080204" pitchFamily="34" charset="-128"/>
+                <a:cs typeface="Times New Roman" panose="02020603050405020304" pitchFamily="18" charset="0"/>
+              </a:rPr>
+              <a:t>;</a:t>
+            </a:r>
+            <a:r>
+              <a:rPr lang="en-US" altLang="ja-JP" sz="1600" kern="0">
+                <a:solidFill>
+                  <a:srgbClr val="9CDCFE"/>
+                </a:solidFill>
+                <a:effectLst/>
+                <a:latin typeface="Menlo" panose="020B0609030804020204" pitchFamily="49" charset="0"/>
+                <a:ea typeface="ＭＳ Ｐゴシック" panose="020B0600070205080204" pitchFamily="34" charset="-128"/>
+                <a:cs typeface="Times New Roman" panose="02020603050405020304" pitchFamily="18" charset="0"/>
+              </a:rPr>
+              <a:t>i</a:t>
+            </a:r>
+            <a:r>
+              <a:rPr lang="en-US" altLang="ja-JP" sz="1600" kern="0">
+                <a:solidFill>
+                  <a:srgbClr val="CCCCCC"/>
+                </a:solidFill>
+                <a:effectLst/>
+                <a:latin typeface="Menlo" panose="020B0609030804020204" pitchFamily="49" charset="0"/>
+                <a:ea typeface="ＭＳ Ｐゴシック" panose="020B0600070205080204" pitchFamily="34" charset="-128"/>
+                <a:cs typeface="Times New Roman" panose="02020603050405020304" pitchFamily="18" charset="0"/>
+              </a:rPr>
+              <a:t> </a:t>
+            </a:r>
+            <a:r>
+              <a:rPr lang="en-US" altLang="ja-JP" sz="1600" kern="0">
+                <a:solidFill>
+                  <a:srgbClr val="D4D4D4"/>
+                </a:solidFill>
+                <a:effectLst/>
+                <a:latin typeface="Menlo" panose="020B0609030804020204" pitchFamily="49" charset="0"/>
+                <a:ea typeface="ＭＳ Ｐゴシック" panose="020B0600070205080204" pitchFamily="34" charset="-128"/>
+                <a:cs typeface="Times New Roman" panose="02020603050405020304" pitchFamily="18" charset="0"/>
+              </a:rPr>
+              <a:t>&lt;</a:t>
+            </a:r>
+            <a:r>
+              <a:rPr lang="en-US" altLang="ja-JP" sz="1600" kern="0">
+                <a:solidFill>
+                  <a:srgbClr val="CCCCCC"/>
+                </a:solidFill>
+                <a:effectLst/>
+                <a:latin typeface="Menlo" panose="020B0609030804020204" pitchFamily="49" charset="0"/>
+                <a:ea typeface="ＭＳ Ｐゴシック" panose="020B0600070205080204" pitchFamily="34" charset="-128"/>
+                <a:cs typeface="Times New Roman" panose="02020603050405020304" pitchFamily="18" charset="0"/>
+              </a:rPr>
+              <a:t> </a:t>
+            </a:r>
+            <a:r>
+              <a:rPr lang="en-US" altLang="ja-JP" sz="1600" kern="0">
+                <a:solidFill>
+                  <a:srgbClr val="9CDCFE"/>
+                </a:solidFill>
+                <a:effectLst/>
+                <a:latin typeface="Menlo" panose="020B0609030804020204" pitchFamily="49" charset="0"/>
+                <a:ea typeface="ＭＳ Ｐゴシック" panose="020B0600070205080204" pitchFamily="34" charset="-128"/>
+                <a:cs typeface="Times New Roman" panose="02020603050405020304" pitchFamily="18" charset="0"/>
+              </a:rPr>
+              <a:t>N</a:t>
+            </a:r>
+            <a:r>
+              <a:rPr lang="en-US" altLang="ja-JP" sz="1600" kern="0">
+                <a:solidFill>
+                  <a:srgbClr val="CCCCCC"/>
+                </a:solidFill>
+                <a:effectLst/>
+                <a:latin typeface="Menlo" panose="020B0609030804020204" pitchFamily="49" charset="0"/>
+                <a:ea typeface="ＭＳ Ｐゴシック" panose="020B0600070205080204" pitchFamily="34" charset="-128"/>
+                <a:cs typeface="Times New Roman" panose="02020603050405020304" pitchFamily="18" charset="0"/>
+              </a:rPr>
+              <a:t> ;</a:t>
+            </a:r>
+            <a:r>
+              <a:rPr lang="en-US" altLang="ja-JP" sz="1600" kern="0">
+                <a:solidFill>
+                  <a:srgbClr val="9CDCFE"/>
+                </a:solidFill>
+                <a:effectLst/>
+                <a:latin typeface="Menlo" panose="020B0609030804020204" pitchFamily="49" charset="0"/>
+                <a:ea typeface="ＭＳ Ｐゴシック" panose="020B0600070205080204" pitchFamily="34" charset="-128"/>
+                <a:cs typeface="Times New Roman" panose="02020603050405020304" pitchFamily="18" charset="0"/>
+              </a:rPr>
+              <a:t>i</a:t>
+            </a:r>
+            <a:r>
+              <a:rPr lang="en-US" altLang="ja-JP" sz="1600" kern="0">
+                <a:solidFill>
+                  <a:srgbClr val="D4D4D4"/>
+                </a:solidFill>
+                <a:effectLst/>
+                <a:latin typeface="Menlo" panose="020B0609030804020204" pitchFamily="49" charset="0"/>
+                <a:ea typeface="ＭＳ Ｐゴシック" panose="020B0600070205080204" pitchFamily="34" charset="-128"/>
+                <a:cs typeface="Times New Roman" panose="02020603050405020304" pitchFamily="18" charset="0"/>
+              </a:rPr>
+              <a:t>++</a:t>
+            </a:r>
+            <a:r>
+              <a:rPr lang="en-US" altLang="ja-JP" sz="1600" kern="0">
+                <a:solidFill>
+                  <a:srgbClr val="CCCCCC"/>
+                </a:solidFill>
+                <a:effectLst/>
+                <a:latin typeface="Menlo" panose="020B0609030804020204" pitchFamily="49" charset="0"/>
+                <a:ea typeface="ＭＳ Ｐゴシック" panose="020B0600070205080204" pitchFamily="34" charset="-128"/>
+                <a:cs typeface="Times New Roman" panose="02020603050405020304" pitchFamily="18" charset="0"/>
+              </a:rPr>
+              <a:t>){</a:t>
+            </a:r>
+            <a:endParaRPr lang="ja-JP" altLang="ja-JP" sz="1600" kern="100">
+              <a:effectLst/>
+              <a:latin typeface="游明朝" panose="02020400000000000000" pitchFamily="18" charset="-128"/>
+              <a:ea typeface="游明朝" panose="02020400000000000000" pitchFamily="18" charset="-128"/>
+              <a:cs typeface="Times New Roman" panose="02020603050405020304" pitchFamily="18" charset="0"/>
+            </a:endParaRPr>
+          </a:p>
+          <a:p>
+            <a:pPr algn="l">
+              <a:lnSpc>
+                <a:spcPts val="1950"/>
+              </a:lnSpc>
+            </a:pPr>
+            <a:r>
+              <a:rPr lang="en-US" altLang="ja-JP" sz="1600" kern="0">
+                <a:solidFill>
+                  <a:srgbClr val="CCCCCC"/>
+                </a:solidFill>
+                <a:effectLst/>
+                <a:latin typeface="Menlo" panose="020B0609030804020204" pitchFamily="49" charset="0"/>
+                <a:ea typeface="ＭＳ Ｐゴシック" panose="020B0600070205080204" pitchFamily="34" charset="-128"/>
+                <a:cs typeface="Times New Roman" panose="02020603050405020304" pitchFamily="18" charset="0"/>
+              </a:rPr>
+              <a:t>    </a:t>
+            </a:r>
+            <a:r>
+              <a:rPr lang="en-US" altLang="ja-JP" sz="1600" kern="0">
+                <a:solidFill>
+                  <a:srgbClr val="9CDCFE"/>
+                </a:solidFill>
+                <a:effectLst/>
+                <a:latin typeface="Menlo" panose="020B0609030804020204" pitchFamily="49" charset="0"/>
+                <a:ea typeface="ＭＳ Ｐゴシック" panose="020B0600070205080204" pitchFamily="34" charset="-128"/>
+                <a:cs typeface="Times New Roman" panose="02020603050405020304" pitchFamily="18" charset="0"/>
+              </a:rPr>
+              <a:t>cin</a:t>
+            </a:r>
+            <a:r>
+              <a:rPr lang="en-US" altLang="ja-JP" sz="1600" kern="0">
+                <a:solidFill>
+                  <a:srgbClr val="CCCCCC"/>
+                </a:solidFill>
+                <a:effectLst/>
+                <a:latin typeface="Menlo" panose="020B0609030804020204" pitchFamily="49" charset="0"/>
+                <a:ea typeface="ＭＳ Ｐゴシック" panose="020B0600070205080204" pitchFamily="34" charset="-128"/>
+                <a:cs typeface="Times New Roman" panose="02020603050405020304" pitchFamily="18" charset="0"/>
+              </a:rPr>
+              <a:t> </a:t>
+            </a:r>
+            <a:r>
+              <a:rPr lang="en-US" altLang="ja-JP" sz="1600" kern="0">
+                <a:solidFill>
+                  <a:srgbClr val="DCDCAA"/>
+                </a:solidFill>
+                <a:effectLst/>
+                <a:latin typeface="Menlo" panose="020B0609030804020204" pitchFamily="49" charset="0"/>
+                <a:ea typeface="ＭＳ Ｐゴシック" panose="020B0600070205080204" pitchFamily="34" charset="-128"/>
+                <a:cs typeface="Times New Roman" panose="02020603050405020304" pitchFamily="18" charset="0"/>
+              </a:rPr>
+              <a:t>&gt;&gt;</a:t>
+            </a:r>
+            <a:r>
+              <a:rPr lang="en-US" altLang="ja-JP" sz="1600" kern="0">
+                <a:solidFill>
+                  <a:srgbClr val="CCCCCC"/>
+                </a:solidFill>
+                <a:effectLst/>
+                <a:latin typeface="Menlo" panose="020B0609030804020204" pitchFamily="49" charset="0"/>
+                <a:ea typeface="ＭＳ Ｐゴシック" panose="020B0600070205080204" pitchFamily="34" charset="-128"/>
+                <a:cs typeface="Times New Roman" panose="02020603050405020304" pitchFamily="18" charset="0"/>
+              </a:rPr>
+              <a:t> </a:t>
+            </a:r>
+            <a:r>
+              <a:rPr lang="en-US" altLang="ja-JP" sz="1600" kern="0">
+                <a:solidFill>
+                  <a:srgbClr val="9CDCFE"/>
+                </a:solidFill>
+                <a:effectLst/>
+                <a:latin typeface="Menlo" panose="020B0609030804020204" pitchFamily="49" charset="0"/>
+                <a:ea typeface="ＭＳ Ｐゴシック" panose="020B0600070205080204" pitchFamily="34" charset="-128"/>
+                <a:cs typeface="Times New Roman" panose="02020603050405020304" pitchFamily="18" charset="0"/>
+              </a:rPr>
+              <a:t>a</a:t>
+            </a:r>
+            <a:r>
+              <a:rPr lang="en-US" altLang="ja-JP" sz="1600" kern="0">
+                <a:solidFill>
+                  <a:srgbClr val="DCDCAA"/>
+                </a:solidFill>
+                <a:effectLst/>
+                <a:latin typeface="Menlo" panose="020B0609030804020204" pitchFamily="49" charset="0"/>
+                <a:ea typeface="ＭＳ Ｐゴシック" panose="020B0600070205080204" pitchFamily="34" charset="-128"/>
+                <a:cs typeface="Times New Roman" panose="02020603050405020304" pitchFamily="18" charset="0"/>
+              </a:rPr>
+              <a:t>[</a:t>
+            </a:r>
+            <a:r>
+              <a:rPr lang="en-US" altLang="ja-JP" sz="1600" kern="0">
+                <a:solidFill>
+                  <a:srgbClr val="9CDCFE"/>
+                </a:solidFill>
+                <a:effectLst/>
+                <a:latin typeface="Menlo" panose="020B0609030804020204" pitchFamily="49" charset="0"/>
+                <a:ea typeface="ＭＳ Ｐゴシック" panose="020B0600070205080204" pitchFamily="34" charset="-128"/>
+                <a:cs typeface="Times New Roman" panose="02020603050405020304" pitchFamily="18" charset="0"/>
+              </a:rPr>
+              <a:t>i</a:t>
+            </a:r>
+            <a:r>
+              <a:rPr lang="en-US" altLang="ja-JP" sz="1600" kern="0">
+                <a:solidFill>
+                  <a:srgbClr val="DCDCAA"/>
+                </a:solidFill>
+                <a:effectLst/>
+                <a:latin typeface="Menlo" panose="020B0609030804020204" pitchFamily="49" charset="0"/>
+                <a:ea typeface="ＭＳ Ｐゴシック" panose="020B0600070205080204" pitchFamily="34" charset="-128"/>
+                <a:cs typeface="Times New Roman" panose="02020603050405020304" pitchFamily="18" charset="0"/>
+              </a:rPr>
+              <a:t>]</a:t>
+            </a:r>
+            <a:r>
+              <a:rPr lang="en-US" altLang="ja-JP" sz="1600" kern="0">
+                <a:solidFill>
+                  <a:srgbClr val="CCCCCC"/>
+                </a:solidFill>
+                <a:effectLst/>
+                <a:latin typeface="Menlo" panose="020B0609030804020204" pitchFamily="49" charset="0"/>
+                <a:ea typeface="ＭＳ Ｐゴシック" panose="020B0600070205080204" pitchFamily="34" charset="-128"/>
+                <a:cs typeface="Times New Roman" panose="02020603050405020304" pitchFamily="18" charset="0"/>
+              </a:rPr>
+              <a:t>;</a:t>
+            </a:r>
+            <a:endParaRPr lang="ja-JP" altLang="ja-JP" sz="1600" kern="100">
+              <a:effectLst/>
+              <a:latin typeface="游明朝" panose="02020400000000000000" pitchFamily="18" charset="-128"/>
+              <a:ea typeface="游明朝" panose="02020400000000000000" pitchFamily="18" charset="-128"/>
+              <a:cs typeface="Times New Roman" panose="02020603050405020304" pitchFamily="18" charset="0"/>
+            </a:endParaRPr>
+          </a:p>
+          <a:p>
+            <a:pPr algn="l">
+              <a:lnSpc>
+                <a:spcPts val="1950"/>
+              </a:lnSpc>
+            </a:pPr>
+            <a:r>
+              <a:rPr lang="en-US" altLang="ja-JP" sz="1600" kern="0">
+                <a:solidFill>
+                  <a:srgbClr val="CCCCCC"/>
+                </a:solidFill>
+                <a:effectLst/>
+                <a:latin typeface="Menlo" panose="020B0609030804020204" pitchFamily="49" charset="0"/>
+                <a:ea typeface="ＭＳ Ｐゴシック" panose="020B0600070205080204" pitchFamily="34" charset="-128"/>
+                <a:cs typeface="Times New Roman" panose="02020603050405020304" pitchFamily="18" charset="0"/>
+              </a:rPr>
+              <a:t>  }</a:t>
+            </a:r>
+            <a:endParaRPr lang="ja-JP" altLang="ja-JP" sz="1600" kern="100">
+              <a:effectLst/>
+              <a:latin typeface="游明朝" panose="02020400000000000000" pitchFamily="18" charset="-128"/>
+              <a:ea typeface="游明朝" panose="02020400000000000000" pitchFamily="18" charset="-128"/>
+              <a:cs typeface="Times New Roman" panose="02020603050405020304" pitchFamily="18" charset="0"/>
+            </a:endParaRPr>
+          </a:p>
+          <a:p>
+            <a:pPr algn="l">
+              <a:lnSpc>
+                <a:spcPts val="1950"/>
+              </a:lnSpc>
+            </a:pPr>
+            <a:r>
+              <a:rPr lang="en-US" altLang="ja-JP" sz="1600" kern="0">
+                <a:solidFill>
+                  <a:srgbClr val="CCCCCC"/>
+                </a:solidFill>
+                <a:effectLst/>
+                <a:latin typeface="Menlo" panose="020B0609030804020204" pitchFamily="49" charset="0"/>
+                <a:ea typeface="ＭＳ Ｐゴシック" panose="020B0600070205080204" pitchFamily="34" charset="-128"/>
+                <a:cs typeface="Times New Roman" panose="02020603050405020304" pitchFamily="18" charset="0"/>
+              </a:rPr>
+              <a:t>  </a:t>
+            </a:r>
+            <a:r>
+              <a:rPr lang="en-US" altLang="ja-JP" sz="1600" kern="0">
+                <a:solidFill>
+                  <a:srgbClr val="DCDCAA"/>
+                </a:solidFill>
+                <a:effectLst/>
+                <a:latin typeface="Menlo" panose="020B0609030804020204" pitchFamily="49" charset="0"/>
+                <a:ea typeface="ＭＳ Ｐゴシック" panose="020B0600070205080204" pitchFamily="34" charset="-128"/>
+                <a:cs typeface="Times New Roman" panose="02020603050405020304" pitchFamily="18" charset="0"/>
+              </a:rPr>
+              <a:t>sort</a:t>
+            </a:r>
+            <a:r>
+              <a:rPr lang="en-US" altLang="ja-JP" sz="1600" kern="0">
+                <a:solidFill>
+                  <a:srgbClr val="CCCCCC"/>
+                </a:solidFill>
+                <a:effectLst/>
+                <a:latin typeface="Menlo" panose="020B0609030804020204" pitchFamily="49" charset="0"/>
+                <a:ea typeface="ＭＳ Ｐゴシック" panose="020B0600070205080204" pitchFamily="34" charset="-128"/>
+                <a:cs typeface="Times New Roman" panose="02020603050405020304" pitchFamily="18" charset="0"/>
+              </a:rPr>
+              <a:t>(</a:t>
+            </a:r>
+            <a:r>
+              <a:rPr lang="en-US" altLang="ja-JP" sz="1600" kern="0">
+                <a:solidFill>
+                  <a:srgbClr val="9CDCFE"/>
+                </a:solidFill>
+                <a:effectLst/>
+                <a:latin typeface="Menlo" panose="020B0609030804020204" pitchFamily="49" charset="0"/>
+                <a:ea typeface="ＭＳ Ｐゴシック" panose="020B0600070205080204" pitchFamily="34" charset="-128"/>
+                <a:cs typeface="Times New Roman" panose="02020603050405020304" pitchFamily="18" charset="0"/>
+              </a:rPr>
+              <a:t>a</a:t>
+            </a:r>
+            <a:r>
+              <a:rPr lang="en-US" altLang="ja-JP" sz="1600" kern="0">
+                <a:solidFill>
+                  <a:srgbClr val="CCCCCC"/>
+                </a:solidFill>
+                <a:effectLst/>
+                <a:latin typeface="Menlo" panose="020B0609030804020204" pitchFamily="49" charset="0"/>
+                <a:ea typeface="ＭＳ Ｐゴシック" panose="020B0600070205080204" pitchFamily="34" charset="-128"/>
+                <a:cs typeface="Times New Roman" panose="02020603050405020304" pitchFamily="18" charset="0"/>
+              </a:rPr>
+              <a:t>.</a:t>
+            </a:r>
+            <a:r>
+              <a:rPr lang="en-US" altLang="ja-JP" sz="1600" kern="0">
+                <a:solidFill>
+                  <a:srgbClr val="DCDCAA"/>
+                </a:solidFill>
+                <a:effectLst/>
+                <a:latin typeface="Menlo" panose="020B0609030804020204" pitchFamily="49" charset="0"/>
+                <a:ea typeface="ＭＳ Ｐゴシック" panose="020B0600070205080204" pitchFamily="34" charset="-128"/>
+                <a:cs typeface="Times New Roman" panose="02020603050405020304" pitchFamily="18" charset="0"/>
+              </a:rPr>
+              <a:t>begin</a:t>
+            </a:r>
+            <a:r>
+              <a:rPr lang="en-US" altLang="ja-JP" sz="1600" kern="0">
+                <a:solidFill>
+                  <a:srgbClr val="CCCCCC"/>
+                </a:solidFill>
+                <a:effectLst/>
+                <a:latin typeface="Menlo" panose="020B0609030804020204" pitchFamily="49" charset="0"/>
+                <a:ea typeface="ＭＳ Ｐゴシック" panose="020B0600070205080204" pitchFamily="34" charset="-128"/>
+                <a:cs typeface="Times New Roman" panose="02020603050405020304" pitchFamily="18" charset="0"/>
+              </a:rPr>
+              <a:t>(),</a:t>
+            </a:r>
+            <a:r>
+              <a:rPr lang="en-US" altLang="ja-JP" sz="1600" kern="0">
+                <a:solidFill>
+                  <a:srgbClr val="9CDCFE"/>
+                </a:solidFill>
+                <a:effectLst/>
+                <a:latin typeface="Menlo" panose="020B0609030804020204" pitchFamily="49" charset="0"/>
+                <a:ea typeface="ＭＳ Ｐゴシック" panose="020B0600070205080204" pitchFamily="34" charset="-128"/>
+                <a:cs typeface="Times New Roman" panose="02020603050405020304" pitchFamily="18" charset="0"/>
+              </a:rPr>
+              <a:t>a</a:t>
+            </a:r>
+            <a:r>
+              <a:rPr lang="en-US" altLang="ja-JP" sz="1600" kern="0">
+                <a:solidFill>
+                  <a:srgbClr val="CCCCCC"/>
+                </a:solidFill>
+                <a:effectLst/>
+                <a:latin typeface="Menlo" panose="020B0609030804020204" pitchFamily="49" charset="0"/>
+                <a:ea typeface="ＭＳ Ｐゴシック" panose="020B0600070205080204" pitchFamily="34" charset="-128"/>
+                <a:cs typeface="Times New Roman" panose="02020603050405020304" pitchFamily="18" charset="0"/>
+              </a:rPr>
+              <a:t>.</a:t>
+            </a:r>
+            <a:r>
+              <a:rPr lang="en-US" altLang="ja-JP" sz="1600" kern="0">
+                <a:solidFill>
+                  <a:srgbClr val="DCDCAA"/>
+                </a:solidFill>
+                <a:effectLst/>
+                <a:latin typeface="Menlo" panose="020B0609030804020204" pitchFamily="49" charset="0"/>
+                <a:ea typeface="ＭＳ Ｐゴシック" panose="020B0600070205080204" pitchFamily="34" charset="-128"/>
+                <a:cs typeface="Times New Roman" panose="02020603050405020304" pitchFamily="18" charset="0"/>
+              </a:rPr>
+              <a:t>end</a:t>
+            </a:r>
+            <a:r>
+              <a:rPr lang="en-US" altLang="ja-JP" sz="1600" kern="0">
+                <a:solidFill>
+                  <a:srgbClr val="CCCCCC"/>
+                </a:solidFill>
+                <a:effectLst/>
+                <a:latin typeface="Menlo" panose="020B0609030804020204" pitchFamily="49" charset="0"/>
+                <a:ea typeface="ＭＳ Ｐゴシック" panose="020B0600070205080204" pitchFamily="34" charset="-128"/>
+                <a:cs typeface="Times New Roman" panose="02020603050405020304" pitchFamily="18" charset="0"/>
+              </a:rPr>
+              <a:t>());</a:t>
+            </a:r>
+            <a:r>
+              <a:rPr lang="en-US" altLang="ja-JP" sz="1600" kern="0">
+                <a:solidFill>
+                  <a:srgbClr val="6A9955"/>
+                </a:solidFill>
+                <a:effectLst/>
+                <a:latin typeface="Menlo" panose="020B0609030804020204" pitchFamily="49" charset="0"/>
+                <a:ea typeface="ＭＳ Ｐゴシック" panose="020B0600070205080204" pitchFamily="34" charset="-128"/>
+                <a:cs typeface="Times New Roman" panose="02020603050405020304" pitchFamily="18" charset="0"/>
+              </a:rPr>
+              <a:t>//</a:t>
+            </a:r>
+            <a:r>
+              <a:rPr lang="ja-JP" altLang="ja-JP" sz="1600" kern="0">
+                <a:solidFill>
+                  <a:srgbClr val="6A9955"/>
+                </a:solidFill>
+                <a:effectLst/>
+                <a:latin typeface="Menlo" panose="020B0609030804020204" pitchFamily="49" charset="0"/>
+                <a:ea typeface="ＭＳ Ｐゴシック" panose="020B0600070205080204" pitchFamily="34" charset="-128"/>
+                <a:cs typeface="Menlo" panose="020B0609030804020204" pitchFamily="49" charset="0"/>
+              </a:rPr>
+              <a:t>昇順にソート</a:t>
+            </a:r>
+            <a:endParaRPr lang="ja-JP" altLang="ja-JP" sz="1600" kern="100">
+              <a:effectLst/>
+              <a:latin typeface="游明朝" panose="02020400000000000000" pitchFamily="18" charset="-128"/>
+              <a:ea typeface="游明朝" panose="02020400000000000000" pitchFamily="18" charset="-128"/>
+              <a:cs typeface="Times New Roman" panose="02020603050405020304" pitchFamily="18" charset="0"/>
+            </a:endParaRPr>
+          </a:p>
+          <a:p>
+            <a:pPr algn="l">
+              <a:lnSpc>
+                <a:spcPts val="1950"/>
+              </a:lnSpc>
+            </a:pPr>
+            <a:r>
+              <a:rPr lang="en-US" altLang="ja-JP" sz="1600" kern="0">
+                <a:solidFill>
+                  <a:srgbClr val="CCCCCC"/>
+                </a:solidFill>
+                <a:effectLst/>
+                <a:latin typeface="Menlo" panose="020B0609030804020204" pitchFamily="49" charset="0"/>
+                <a:ea typeface="ＭＳ Ｐゴシック" panose="020B0600070205080204" pitchFamily="34" charset="-128"/>
+                <a:cs typeface="Times New Roman" panose="02020603050405020304" pitchFamily="18" charset="0"/>
+              </a:rPr>
+              <a:t>  </a:t>
+            </a:r>
+            <a:r>
+              <a:rPr lang="en-US" altLang="ja-JP" sz="1600" kern="0">
+                <a:solidFill>
+                  <a:srgbClr val="DCDCAA"/>
+                </a:solidFill>
+                <a:effectLst/>
+                <a:latin typeface="Menlo" panose="020B0609030804020204" pitchFamily="49" charset="0"/>
+                <a:ea typeface="ＭＳ Ｐゴシック" panose="020B0600070205080204" pitchFamily="34" charset="-128"/>
+                <a:cs typeface="Times New Roman" panose="02020603050405020304" pitchFamily="18" charset="0"/>
+              </a:rPr>
+              <a:t>reverse</a:t>
+            </a:r>
+            <a:r>
+              <a:rPr lang="en-US" altLang="ja-JP" sz="1600" kern="0">
+                <a:solidFill>
+                  <a:srgbClr val="CCCCCC"/>
+                </a:solidFill>
+                <a:effectLst/>
+                <a:latin typeface="Menlo" panose="020B0609030804020204" pitchFamily="49" charset="0"/>
+                <a:ea typeface="ＭＳ Ｐゴシック" panose="020B0600070205080204" pitchFamily="34" charset="-128"/>
+                <a:cs typeface="Times New Roman" panose="02020603050405020304" pitchFamily="18" charset="0"/>
+              </a:rPr>
+              <a:t>(</a:t>
+            </a:r>
+            <a:r>
+              <a:rPr lang="en-US" altLang="ja-JP" sz="1600" kern="0">
+                <a:solidFill>
+                  <a:srgbClr val="9CDCFE"/>
+                </a:solidFill>
+                <a:effectLst/>
+                <a:latin typeface="Menlo" panose="020B0609030804020204" pitchFamily="49" charset="0"/>
+                <a:ea typeface="ＭＳ Ｐゴシック" panose="020B0600070205080204" pitchFamily="34" charset="-128"/>
+                <a:cs typeface="Times New Roman" panose="02020603050405020304" pitchFamily="18" charset="0"/>
+              </a:rPr>
+              <a:t>a</a:t>
+            </a:r>
+            <a:r>
+              <a:rPr lang="en-US" altLang="ja-JP" sz="1600" kern="0">
+                <a:solidFill>
+                  <a:srgbClr val="CCCCCC"/>
+                </a:solidFill>
+                <a:effectLst/>
+                <a:latin typeface="Menlo" panose="020B0609030804020204" pitchFamily="49" charset="0"/>
+                <a:ea typeface="ＭＳ Ｐゴシック" panose="020B0600070205080204" pitchFamily="34" charset="-128"/>
+                <a:cs typeface="Times New Roman" panose="02020603050405020304" pitchFamily="18" charset="0"/>
+              </a:rPr>
+              <a:t>.</a:t>
+            </a:r>
+            <a:r>
+              <a:rPr lang="en-US" altLang="ja-JP" sz="1600" kern="0">
+                <a:solidFill>
+                  <a:srgbClr val="DCDCAA"/>
+                </a:solidFill>
+                <a:effectLst/>
+                <a:latin typeface="Menlo" panose="020B0609030804020204" pitchFamily="49" charset="0"/>
+                <a:ea typeface="ＭＳ Ｐゴシック" panose="020B0600070205080204" pitchFamily="34" charset="-128"/>
+                <a:cs typeface="Times New Roman" panose="02020603050405020304" pitchFamily="18" charset="0"/>
+              </a:rPr>
+              <a:t>begin</a:t>
+            </a:r>
+            <a:r>
+              <a:rPr lang="en-US" altLang="ja-JP" sz="1600" kern="0">
+                <a:solidFill>
+                  <a:srgbClr val="CCCCCC"/>
+                </a:solidFill>
+                <a:effectLst/>
+                <a:latin typeface="Menlo" panose="020B0609030804020204" pitchFamily="49" charset="0"/>
+                <a:ea typeface="ＭＳ Ｐゴシック" panose="020B0600070205080204" pitchFamily="34" charset="-128"/>
+                <a:cs typeface="Times New Roman" panose="02020603050405020304" pitchFamily="18" charset="0"/>
+              </a:rPr>
+              <a:t>(),</a:t>
+            </a:r>
+            <a:r>
+              <a:rPr lang="en-US" altLang="ja-JP" sz="1600" kern="0">
+                <a:solidFill>
+                  <a:srgbClr val="9CDCFE"/>
+                </a:solidFill>
+                <a:effectLst/>
+                <a:latin typeface="Menlo" panose="020B0609030804020204" pitchFamily="49" charset="0"/>
+                <a:ea typeface="ＭＳ Ｐゴシック" panose="020B0600070205080204" pitchFamily="34" charset="-128"/>
+                <a:cs typeface="Times New Roman" panose="02020603050405020304" pitchFamily="18" charset="0"/>
+              </a:rPr>
+              <a:t>a</a:t>
+            </a:r>
+            <a:r>
+              <a:rPr lang="en-US" altLang="ja-JP" sz="1600" kern="0">
+                <a:solidFill>
+                  <a:srgbClr val="CCCCCC"/>
+                </a:solidFill>
+                <a:effectLst/>
+                <a:latin typeface="Menlo" panose="020B0609030804020204" pitchFamily="49" charset="0"/>
+                <a:ea typeface="ＭＳ Ｐゴシック" panose="020B0600070205080204" pitchFamily="34" charset="-128"/>
+                <a:cs typeface="Times New Roman" panose="02020603050405020304" pitchFamily="18" charset="0"/>
+              </a:rPr>
+              <a:t>.</a:t>
+            </a:r>
+            <a:r>
+              <a:rPr lang="en-US" altLang="ja-JP" sz="1600" kern="0">
+                <a:solidFill>
+                  <a:srgbClr val="DCDCAA"/>
+                </a:solidFill>
+                <a:effectLst/>
+                <a:latin typeface="Menlo" panose="020B0609030804020204" pitchFamily="49" charset="0"/>
+                <a:ea typeface="ＭＳ Ｐゴシック" panose="020B0600070205080204" pitchFamily="34" charset="-128"/>
+                <a:cs typeface="Times New Roman" panose="02020603050405020304" pitchFamily="18" charset="0"/>
+              </a:rPr>
+              <a:t>end</a:t>
+            </a:r>
+            <a:r>
+              <a:rPr lang="en-US" altLang="ja-JP" sz="1600" kern="0">
+                <a:solidFill>
+                  <a:srgbClr val="CCCCCC"/>
+                </a:solidFill>
+                <a:effectLst/>
+                <a:latin typeface="Menlo" panose="020B0609030804020204" pitchFamily="49" charset="0"/>
+                <a:ea typeface="ＭＳ Ｐゴシック" panose="020B0600070205080204" pitchFamily="34" charset="-128"/>
+                <a:cs typeface="Times New Roman" panose="02020603050405020304" pitchFamily="18" charset="0"/>
+              </a:rPr>
+              <a:t>());</a:t>
+            </a:r>
+            <a:r>
+              <a:rPr lang="en-US" altLang="ja-JP" sz="1600" kern="0">
+                <a:solidFill>
+                  <a:srgbClr val="6A9955"/>
+                </a:solidFill>
+                <a:effectLst/>
+                <a:latin typeface="Menlo" panose="020B0609030804020204" pitchFamily="49" charset="0"/>
+                <a:ea typeface="ＭＳ Ｐゴシック" panose="020B0600070205080204" pitchFamily="34" charset="-128"/>
+                <a:cs typeface="Times New Roman" panose="02020603050405020304" pitchFamily="18" charset="0"/>
+              </a:rPr>
+              <a:t>//</a:t>
+            </a:r>
+            <a:r>
+              <a:rPr lang="ja-JP" altLang="ja-JP" sz="1600" kern="0">
+                <a:solidFill>
+                  <a:srgbClr val="6A9955"/>
+                </a:solidFill>
+                <a:effectLst/>
+                <a:latin typeface="Menlo" panose="020B0609030804020204" pitchFamily="49" charset="0"/>
+                <a:ea typeface="ＭＳ Ｐゴシック" panose="020B0600070205080204" pitchFamily="34" charset="-128"/>
+                <a:cs typeface="Menlo" panose="020B0609030804020204" pitchFamily="49" charset="0"/>
+              </a:rPr>
+              <a:t>降順にする</a:t>
+            </a:r>
+            <a:endParaRPr lang="ja-JP" altLang="ja-JP" sz="1600" kern="100">
+              <a:effectLst/>
+              <a:latin typeface="游明朝" panose="02020400000000000000" pitchFamily="18" charset="-128"/>
+              <a:ea typeface="游明朝" panose="02020400000000000000" pitchFamily="18" charset="-128"/>
+              <a:cs typeface="Times New Roman" panose="02020603050405020304" pitchFamily="18" charset="0"/>
+            </a:endParaRPr>
+          </a:p>
+          <a:p>
+            <a:pPr algn="l">
+              <a:lnSpc>
+                <a:spcPts val="1950"/>
+              </a:lnSpc>
+            </a:pPr>
+            <a:endParaRPr lang="ja-JP" altLang="ja-JP" sz="1600" kern="100">
+              <a:effectLst/>
+              <a:latin typeface="游明朝" panose="02020400000000000000" pitchFamily="18" charset="-128"/>
+              <a:ea typeface="游明朝" panose="02020400000000000000" pitchFamily="18" charset="-128"/>
+              <a:cs typeface="Times New Roman" panose="02020603050405020304" pitchFamily="18" charset="0"/>
+            </a:endParaRPr>
+          </a:p>
+        </p:txBody>
+      </p:sp>
+      <p:sp>
+        <p:nvSpPr>
+          <p:cNvPr id="6" name="テキスト ボックス 5">
+            <a:extLst>
+              <a:ext uri="{FF2B5EF4-FFF2-40B4-BE49-F238E27FC236}">
+                <a16:creationId xmlns:a16="http://schemas.microsoft.com/office/drawing/2014/main" id="{4DF81B9C-2F6E-287D-FAD7-757D87044B8C}"/>
+              </a:ext>
+            </a:extLst>
+          </p:cNvPr>
+          <p:cNvSpPr txBox="1"/>
+          <p:nvPr/>
+        </p:nvSpPr>
+        <p:spPr>
+          <a:xfrm>
+            <a:off x="5679092" y="1463365"/>
+            <a:ext cx="4748416" cy="3447098"/>
+          </a:xfrm>
+          <a:prstGeom prst="rect">
+            <a:avLst/>
+          </a:prstGeom>
+          <a:solidFill>
+            <a:schemeClr val="tx1"/>
+          </a:solidFill>
+        </p:spPr>
+        <p:txBody>
+          <a:bodyPr wrap="none" rtlCol="0">
+            <a:spAutoFit/>
+          </a:bodyPr>
+          <a:lstStyle/>
+          <a:p>
+            <a:pPr algn="l">
+              <a:lnSpc>
+                <a:spcPts val="1950"/>
+              </a:lnSpc>
+            </a:pPr>
+            <a:r>
+              <a:rPr lang="en-US" altLang="ja-JP" sz="1600" kern="0">
+                <a:solidFill>
+                  <a:srgbClr val="569CD6"/>
+                </a:solidFill>
+                <a:effectLst/>
+                <a:latin typeface="Menlo" panose="020B0609030804020204" pitchFamily="49" charset="0"/>
+                <a:ea typeface="ＭＳ Ｐゴシック" panose="020B0600070205080204" pitchFamily="34" charset="-128"/>
+                <a:cs typeface="Times New Roman" panose="02020603050405020304" pitchFamily="18" charset="0"/>
+              </a:rPr>
+              <a:t>int</a:t>
+            </a:r>
+            <a:r>
+              <a:rPr lang="en-US" altLang="ja-JP" sz="1600" kern="0">
+                <a:solidFill>
+                  <a:srgbClr val="CCCCCC"/>
+                </a:solidFill>
+                <a:effectLst/>
+                <a:latin typeface="Menlo" panose="020B0609030804020204" pitchFamily="49" charset="0"/>
+                <a:ea typeface="ＭＳ Ｐゴシック" panose="020B0600070205080204" pitchFamily="34" charset="-128"/>
+                <a:cs typeface="Times New Roman" panose="02020603050405020304" pitchFamily="18" charset="0"/>
+              </a:rPr>
+              <a:t> </a:t>
+            </a:r>
+            <a:r>
+              <a:rPr lang="en-US" altLang="ja-JP" sz="1600" kern="0">
+                <a:solidFill>
+                  <a:srgbClr val="9CDCFE"/>
+                </a:solidFill>
+                <a:effectLst/>
+                <a:latin typeface="Menlo" panose="020B0609030804020204" pitchFamily="49" charset="0"/>
+                <a:ea typeface="ＭＳ Ｐゴシック" panose="020B0600070205080204" pitchFamily="34" charset="-128"/>
+                <a:cs typeface="Times New Roman" panose="02020603050405020304" pitchFamily="18" charset="0"/>
+              </a:rPr>
+              <a:t>Alice</a:t>
+            </a:r>
+            <a:r>
+              <a:rPr lang="en-US" altLang="ja-JP" sz="1600" kern="0">
+                <a:solidFill>
+                  <a:srgbClr val="CCCCCC"/>
+                </a:solidFill>
+                <a:effectLst/>
+                <a:latin typeface="Menlo" panose="020B0609030804020204" pitchFamily="49" charset="0"/>
+                <a:ea typeface="ＭＳ Ｐゴシック" panose="020B0600070205080204" pitchFamily="34" charset="-128"/>
+                <a:cs typeface="Times New Roman" panose="02020603050405020304" pitchFamily="18" charset="0"/>
+              </a:rPr>
+              <a:t> </a:t>
+            </a:r>
+            <a:r>
+              <a:rPr lang="en-US" altLang="ja-JP" sz="1600" kern="0">
+                <a:solidFill>
+                  <a:srgbClr val="D4D4D4"/>
+                </a:solidFill>
+                <a:effectLst/>
+                <a:latin typeface="Menlo" panose="020B0609030804020204" pitchFamily="49" charset="0"/>
+                <a:ea typeface="ＭＳ Ｐゴシック" panose="020B0600070205080204" pitchFamily="34" charset="-128"/>
+                <a:cs typeface="Times New Roman" panose="02020603050405020304" pitchFamily="18" charset="0"/>
+              </a:rPr>
+              <a:t>=</a:t>
+            </a:r>
+            <a:r>
+              <a:rPr lang="en-US" altLang="ja-JP" sz="1600" kern="0">
+                <a:solidFill>
+                  <a:srgbClr val="CCCCCC"/>
+                </a:solidFill>
+                <a:effectLst/>
+                <a:latin typeface="Menlo" panose="020B0609030804020204" pitchFamily="49" charset="0"/>
+                <a:ea typeface="ＭＳ Ｐゴシック" panose="020B0600070205080204" pitchFamily="34" charset="-128"/>
+                <a:cs typeface="Times New Roman" panose="02020603050405020304" pitchFamily="18" charset="0"/>
+              </a:rPr>
+              <a:t> </a:t>
+            </a:r>
+            <a:r>
+              <a:rPr lang="en-US" altLang="ja-JP" sz="1600" kern="0">
+                <a:solidFill>
+                  <a:srgbClr val="B5CEA8"/>
+                </a:solidFill>
+                <a:effectLst/>
+                <a:latin typeface="Menlo" panose="020B0609030804020204" pitchFamily="49" charset="0"/>
+                <a:ea typeface="ＭＳ Ｐゴシック" panose="020B0600070205080204" pitchFamily="34" charset="-128"/>
+                <a:cs typeface="Times New Roman" panose="02020603050405020304" pitchFamily="18" charset="0"/>
+              </a:rPr>
+              <a:t>0</a:t>
+            </a:r>
+            <a:r>
+              <a:rPr lang="en-US" altLang="ja-JP" sz="1600" kern="0">
+                <a:solidFill>
+                  <a:srgbClr val="CCCCCC"/>
+                </a:solidFill>
+                <a:effectLst/>
+                <a:latin typeface="Menlo" panose="020B0609030804020204" pitchFamily="49" charset="0"/>
+                <a:ea typeface="ＭＳ Ｐゴシック" panose="020B0600070205080204" pitchFamily="34" charset="-128"/>
+                <a:cs typeface="Times New Roman" panose="02020603050405020304" pitchFamily="18" charset="0"/>
+              </a:rPr>
+              <a:t>;</a:t>
+            </a:r>
+            <a:endParaRPr lang="ja-JP" altLang="ja-JP" sz="1600" kern="100">
+              <a:effectLst/>
+              <a:latin typeface="游明朝" panose="02020400000000000000" pitchFamily="18" charset="-128"/>
+              <a:ea typeface="游明朝" panose="02020400000000000000" pitchFamily="18" charset="-128"/>
+              <a:cs typeface="Times New Roman" panose="02020603050405020304" pitchFamily="18" charset="0"/>
+            </a:endParaRPr>
+          </a:p>
+          <a:p>
+            <a:pPr algn="l">
+              <a:lnSpc>
+                <a:spcPts val="1950"/>
+              </a:lnSpc>
+            </a:pPr>
+            <a:r>
+              <a:rPr lang="en-US" altLang="ja-JP" sz="1600" kern="0">
+                <a:solidFill>
+                  <a:srgbClr val="CCCCCC"/>
+                </a:solidFill>
+                <a:effectLst/>
+                <a:latin typeface="Menlo" panose="020B0609030804020204" pitchFamily="49" charset="0"/>
+                <a:ea typeface="ＭＳ Ｐゴシック" panose="020B0600070205080204" pitchFamily="34" charset="-128"/>
+                <a:cs typeface="Times New Roman" panose="02020603050405020304" pitchFamily="18" charset="0"/>
+              </a:rPr>
+              <a:t>  </a:t>
+            </a:r>
+            <a:r>
+              <a:rPr lang="en-US" altLang="ja-JP" sz="1600" kern="0">
+                <a:solidFill>
+                  <a:srgbClr val="569CD6"/>
+                </a:solidFill>
+                <a:effectLst/>
+                <a:latin typeface="Menlo" panose="020B0609030804020204" pitchFamily="49" charset="0"/>
+                <a:ea typeface="ＭＳ Ｐゴシック" panose="020B0600070205080204" pitchFamily="34" charset="-128"/>
+                <a:cs typeface="Times New Roman" panose="02020603050405020304" pitchFamily="18" charset="0"/>
+              </a:rPr>
+              <a:t>int</a:t>
+            </a:r>
+            <a:r>
+              <a:rPr lang="en-US" altLang="ja-JP" sz="1600" kern="0">
+                <a:solidFill>
+                  <a:srgbClr val="CCCCCC"/>
+                </a:solidFill>
+                <a:effectLst/>
+                <a:latin typeface="Menlo" panose="020B0609030804020204" pitchFamily="49" charset="0"/>
+                <a:ea typeface="ＭＳ Ｐゴシック" panose="020B0600070205080204" pitchFamily="34" charset="-128"/>
+                <a:cs typeface="Times New Roman" panose="02020603050405020304" pitchFamily="18" charset="0"/>
+              </a:rPr>
+              <a:t> </a:t>
+            </a:r>
+            <a:r>
+              <a:rPr lang="en-US" altLang="ja-JP" sz="1600" kern="0">
+                <a:solidFill>
+                  <a:srgbClr val="9CDCFE"/>
+                </a:solidFill>
+                <a:effectLst/>
+                <a:latin typeface="Menlo" panose="020B0609030804020204" pitchFamily="49" charset="0"/>
+                <a:ea typeface="ＭＳ Ｐゴシック" panose="020B0600070205080204" pitchFamily="34" charset="-128"/>
+                <a:cs typeface="Times New Roman" panose="02020603050405020304" pitchFamily="18" charset="0"/>
+              </a:rPr>
+              <a:t>Bob</a:t>
+            </a:r>
+            <a:r>
+              <a:rPr lang="en-US" altLang="ja-JP" sz="1600" kern="0">
+                <a:solidFill>
+                  <a:srgbClr val="CCCCCC"/>
+                </a:solidFill>
+                <a:effectLst/>
+                <a:latin typeface="Menlo" panose="020B0609030804020204" pitchFamily="49" charset="0"/>
+                <a:ea typeface="ＭＳ Ｐゴシック" panose="020B0600070205080204" pitchFamily="34" charset="-128"/>
+                <a:cs typeface="Times New Roman" panose="02020603050405020304" pitchFamily="18" charset="0"/>
+              </a:rPr>
+              <a:t> </a:t>
+            </a:r>
+            <a:r>
+              <a:rPr lang="en-US" altLang="ja-JP" sz="1600" kern="0">
+                <a:solidFill>
+                  <a:srgbClr val="D4D4D4"/>
+                </a:solidFill>
+                <a:effectLst/>
+                <a:latin typeface="Menlo" panose="020B0609030804020204" pitchFamily="49" charset="0"/>
+                <a:ea typeface="ＭＳ Ｐゴシック" panose="020B0600070205080204" pitchFamily="34" charset="-128"/>
+                <a:cs typeface="Times New Roman" panose="02020603050405020304" pitchFamily="18" charset="0"/>
+              </a:rPr>
+              <a:t>=</a:t>
+            </a:r>
+            <a:r>
+              <a:rPr lang="en-US" altLang="ja-JP" sz="1600" kern="0">
+                <a:solidFill>
+                  <a:srgbClr val="CCCCCC"/>
+                </a:solidFill>
+                <a:effectLst/>
+                <a:latin typeface="Menlo" panose="020B0609030804020204" pitchFamily="49" charset="0"/>
+                <a:ea typeface="ＭＳ Ｐゴシック" panose="020B0600070205080204" pitchFamily="34" charset="-128"/>
+                <a:cs typeface="Times New Roman" panose="02020603050405020304" pitchFamily="18" charset="0"/>
+              </a:rPr>
+              <a:t> </a:t>
+            </a:r>
+            <a:r>
+              <a:rPr lang="en-US" altLang="ja-JP" sz="1600" kern="0">
+                <a:solidFill>
+                  <a:srgbClr val="B5CEA8"/>
+                </a:solidFill>
+                <a:effectLst/>
+                <a:latin typeface="Menlo" panose="020B0609030804020204" pitchFamily="49" charset="0"/>
+                <a:ea typeface="ＭＳ Ｐゴシック" panose="020B0600070205080204" pitchFamily="34" charset="-128"/>
+                <a:cs typeface="Times New Roman" panose="02020603050405020304" pitchFamily="18" charset="0"/>
+              </a:rPr>
+              <a:t>0</a:t>
+            </a:r>
+            <a:r>
+              <a:rPr lang="en-US" altLang="ja-JP" sz="1600" kern="0">
+                <a:solidFill>
+                  <a:srgbClr val="CCCCCC"/>
+                </a:solidFill>
+                <a:effectLst/>
+                <a:latin typeface="Menlo" panose="020B0609030804020204" pitchFamily="49" charset="0"/>
+                <a:ea typeface="ＭＳ Ｐゴシック" panose="020B0600070205080204" pitchFamily="34" charset="-128"/>
+                <a:cs typeface="Times New Roman" panose="02020603050405020304" pitchFamily="18" charset="0"/>
+              </a:rPr>
+              <a:t>;</a:t>
+            </a:r>
+            <a:endParaRPr lang="ja-JP" altLang="ja-JP" sz="1600" kern="100">
+              <a:effectLst/>
+              <a:latin typeface="游明朝" panose="02020400000000000000" pitchFamily="18" charset="-128"/>
+              <a:ea typeface="游明朝" panose="02020400000000000000" pitchFamily="18" charset="-128"/>
+              <a:cs typeface="Times New Roman" panose="02020603050405020304" pitchFamily="18" charset="0"/>
+            </a:endParaRPr>
+          </a:p>
+          <a:p>
+            <a:pPr algn="l">
+              <a:lnSpc>
+                <a:spcPts val="1950"/>
+              </a:lnSpc>
+            </a:pPr>
+            <a:r>
+              <a:rPr lang="en-US" altLang="ja-JP" sz="1600" kern="0">
+                <a:solidFill>
+                  <a:srgbClr val="CCCCCC"/>
+                </a:solidFill>
+                <a:effectLst/>
+                <a:latin typeface="Menlo" panose="020B0609030804020204" pitchFamily="49" charset="0"/>
+                <a:ea typeface="ＭＳ Ｐゴシック" panose="020B0600070205080204" pitchFamily="34" charset="-128"/>
+                <a:cs typeface="Times New Roman" panose="02020603050405020304" pitchFamily="18" charset="0"/>
+              </a:rPr>
+              <a:t>  </a:t>
+            </a:r>
+            <a:r>
+              <a:rPr lang="en-US" altLang="ja-JP" sz="1600" kern="0">
+                <a:solidFill>
+                  <a:srgbClr val="C586C0"/>
+                </a:solidFill>
+                <a:effectLst/>
+                <a:latin typeface="Menlo" panose="020B0609030804020204" pitchFamily="49" charset="0"/>
+                <a:ea typeface="ＭＳ Ｐゴシック" panose="020B0600070205080204" pitchFamily="34" charset="-128"/>
+                <a:cs typeface="Times New Roman" panose="02020603050405020304" pitchFamily="18" charset="0"/>
+              </a:rPr>
+              <a:t>for</a:t>
+            </a:r>
+            <a:r>
+              <a:rPr lang="en-US" altLang="ja-JP" sz="1600" kern="0">
+                <a:solidFill>
+                  <a:srgbClr val="CCCCCC"/>
+                </a:solidFill>
+                <a:effectLst/>
+                <a:latin typeface="Menlo" panose="020B0609030804020204" pitchFamily="49" charset="0"/>
+                <a:ea typeface="ＭＳ Ｐゴシック" panose="020B0600070205080204" pitchFamily="34" charset="-128"/>
+                <a:cs typeface="Times New Roman" panose="02020603050405020304" pitchFamily="18" charset="0"/>
+              </a:rPr>
+              <a:t> (</a:t>
+            </a:r>
+            <a:r>
+              <a:rPr lang="en-US" altLang="ja-JP" sz="1600" kern="0">
+                <a:solidFill>
+                  <a:srgbClr val="569CD6"/>
+                </a:solidFill>
+                <a:effectLst/>
+                <a:latin typeface="Menlo" panose="020B0609030804020204" pitchFamily="49" charset="0"/>
+                <a:ea typeface="ＭＳ Ｐゴシック" panose="020B0600070205080204" pitchFamily="34" charset="-128"/>
+                <a:cs typeface="Times New Roman" panose="02020603050405020304" pitchFamily="18" charset="0"/>
+              </a:rPr>
+              <a:t>int</a:t>
+            </a:r>
+            <a:r>
+              <a:rPr lang="en-US" altLang="ja-JP" sz="1600" kern="0">
+                <a:solidFill>
+                  <a:srgbClr val="CCCCCC"/>
+                </a:solidFill>
+                <a:effectLst/>
+                <a:latin typeface="Menlo" panose="020B0609030804020204" pitchFamily="49" charset="0"/>
+                <a:ea typeface="ＭＳ Ｐゴシック" panose="020B0600070205080204" pitchFamily="34" charset="-128"/>
+                <a:cs typeface="Times New Roman" panose="02020603050405020304" pitchFamily="18" charset="0"/>
+              </a:rPr>
+              <a:t> </a:t>
+            </a:r>
+            <a:r>
+              <a:rPr lang="en-US" altLang="ja-JP" sz="1600" kern="0">
+                <a:solidFill>
+                  <a:srgbClr val="9CDCFE"/>
+                </a:solidFill>
+                <a:effectLst/>
+                <a:latin typeface="Menlo" panose="020B0609030804020204" pitchFamily="49" charset="0"/>
+                <a:ea typeface="ＭＳ Ｐゴシック" panose="020B0600070205080204" pitchFamily="34" charset="-128"/>
+                <a:cs typeface="Times New Roman" panose="02020603050405020304" pitchFamily="18" charset="0"/>
+              </a:rPr>
+              <a:t>i</a:t>
+            </a:r>
+            <a:r>
+              <a:rPr lang="en-US" altLang="ja-JP" sz="1600" kern="0">
+                <a:solidFill>
+                  <a:srgbClr val="CCCCCC"/>
+                </a:solidFill>
+                <a:effectLst/>
+                <a:latin typeface="Menlo" panose="020B0609030804020204" pitchFamily="49" charset="0"/>
+                <a:ea typeface="ＭＳ Ｐゴシック" panose="020B0600070205080204" pitchFamily="34" charset="-128"/>
+                <a:cs typeface="Times New Roman" panose="02020603050405020304" pitchFamily="18" charset="0"/>
+              </a:rPr>
+              <a:t> </a:t>
+            </a:r>
+            <a:r>
+              <a:rPr lang="en-US" altLang="ja-JP" sz="1600" kern="0">
+                <a:solidFill>
+                  <a:srgbClr val="D4D4D4"/>
+                </a:solidFill>
+                <a:effectLst/>
+                <a:latin typeface="Menlo" panose="020B0609030804020204" pitchFamily="49" charset="0"/>
+                <a:ea typeface="ＭＳ Ｐゴシック" panose="020B0600070205080204" pitchFamily="34" charset="-128"/>
+                <a:cs typeface="Times New Roman" panose="02020603050405020304" pitchFamily="18" charset="0"/>
+              </a:rPr>
+              <a:t>=</a:t>
+            </a:r>
+            <a:r>
+              <a:rPr lang="en-US" altLang="ja-JP" sz="1600" kern="0">
+                <a:solidFill>
+                  <a:srgbClr val="CCCCCC"/>
+                </a:solidFill>
+                <a:effectLst/>
+                <a:latin typeface="Menlo" panose="020B0609030804020204" pitchFamily="49" charset="0"/>
+                <a:ea typeface="ＭＳ Ｐゴシック" panose="020B0600070205080204" pitchFamily="34" charset="-128"/>
+                <a:cs typeface="Times New Roman" panose="02020603050405020304" pitchFamily="18" charset="0"/>
+              </a:rPr>
+              <a:t> </a:t>
+            </a:r>
+            <a:r>
+              <a:rPr lang="en-US" altLang="ja-JP" sz="1600" kern="0">
+                <a:solidFill>
+                  <a:srgbClr val="B5CEA8"/>
+                </a:solidFill>
+                <a:effectLst/>
+                <a:latin typeface="Menlo" panose="020B0609030804020204" pitchFamily="49" charset="0"/>
+                <a:ea typeface="ＭＳ Ｐゴシック" panose="020B0600070205080204" pitchFamily="34" charset="-128"/>
+                <a:cs typeface="Times New Roman" panose="02020603050405020304" pitchFamily="18" charset="0"/>
+              </a:rPr>
+              <a:t>0</a:t>
+            </a:r>
+            <a:r>
+              <a:rPr lang="en-US" altLang="ja-JP" sz="1600" kern="0">
+                <a:solidFill>
+                  <a:srgbClr val="CCCCCC"/>
+                </a:solidFill>
+                <a:effectLst/>
+                <a:latin typeface="Menlo" panose="020B0609030804020204" pitchFamily="49" charset="0"/>
+                <a:ea typeface="ＭＳ Ｐゴシック" panose="020B0600070205080204" pitchFamily="34" charset="-128"/>
+                <a:cs typeface="Times New Roman" panose="02020603050405020304" pitchFamily="18" charset="0"/>
+              </a:rPr>
+              <a:t>; </a:t>
+            </a:r>
+            <a:r>
+              <a:rPr lang="en-US" altLang="ja-JP" sz="1600" kern="0">
+                <a:solidFill>
+                  <a:srgbClr val="9CDCFE"/>
+                </a:solidFill>
+                <a:effectLst/>
+                <a:latin typeface="Menlo" panose="020B0609030804020204" pitchFamily="49" charset="0"/>
+                <a:ea typeface="ＭＳ Ｐゴシック" panose="020B0600070205080204" pitchFamily="34" charset="-128"/>
+                <a:cs typeface="Times New Roman" panose="02020603050405020304" pitchFamily="18" charset="0"/>
+              </a:rPr>
+              <a:t>i</a:t>
+            </a:r>
+            <a:r>
+              <a:rPr lang="en-US" altLang="ja-JP" sz="1600" kern="0">
+                <a:solidFill>
+                  <a:srgbClr val="CCCCCC"/>
+                </a:solidFill>
+                <a:effectLst/>
+                <a:latin typeface="Menlo" panose="020B0609030804020204" pitchFamily="49" charset="0"/>
+                <a:ea typeface="ＭＳ Ｐゴシック" panose="020B0600070205080204" pitchFamily="34" charset="-128"/>
+                <a:cs typeface="Times New Roman" panose="02020603050405020304" pitchFamily="18" charset="0"/>
+              </a:rPr>
+              <a:t> </a:t>
+            </a:r>
+            <a:r>
+              <a:rPr lang="en-US" altLang="ja-JP" sz="1600" kern="0">
+                <a:solidFill>
+                  <a:srgbClr val="D4D4D4"/>
+                </a:solidFill>
+                <a:effectLst/>
+                <a:latin typeface="Menlo" panose="020B0609030804020204" pitchFamily="49" charset="0"/>
+                <a:ea typeface="ＭＳ Ｐゴシック" panose="020B0600070205080204" pitchFamily="34" charset="-128"/>
+                <a:cs typeface="Times New Roman" panose="02020603050405020304" pitchFamily="18" charset="0"/>
+              </a:rPr>
+              <a:t>&lt;</a:t>
+            </a:r>
+            <a:r>
+              <a:rPr lang="en-US" altLang="ja-JP" sz="1600" kern="0">
+                <a:solidFill>
+                  <a:srgbClr val="CCCCCC"/>
+                </a:solidFill>
+                <a:effectLst/>
+                <a:latin typeface="Menlo" panose="020B0609030804020204" pitchFamily="49" charset="0"/>
+                <a:ea typeface="ＭＳ Ｐゴシック" panose="020B0600070205080204" pitchFamily="34" charset="-128"/>
+                <a:cs typeface="Times New Roman" panose="02020603050405020304" pitchFamily="18" charset="0"/>
+              </a:rPr>
+              <a:t> </a:t>
+            </a:r>
+            <a:r>
+              <a:rPr lang="en-US" altLang="ja-JP" sz="1600" kern="0">
+                <a:solidFill>
+                  <a:srgbClr val="9CDCFE"/>
+                </a:solidFill>
+                <a:effectLst/>
+                <a:latin typeface="Menlo" panose="020B0609030804020204" pitchFamily="49" charset="0"/>
+                <a:ea typeface="ＭＳ Ｐゴシック" panose="020B0600070205080204" pitchFamily="34" charset="-128"/>
+                <a:cs typeface="Times New Roman" panose="02020603050405020304" pitchFamily="18" charset="0"/>
+              </a:rPr>
+              <a:t>N</a:t>
+            </a:r>
+            <a:r>
+              <a:rPr lang="en-US" altLang="ja-JP" sz="1600" kern="0">
+                <a:solidFill>
+                  <a:srgbClr val="CCCCCC"/>
+                </a:solidFill>
+                <a:effectLst/>
+                <a:latin typeface="Menlo" panose="020B0609030804020204" pitchFamily="49" charset="0"/>
+                <a:ea typeface="ＭＳ Ｐゴシック" panose="020B0600070205080204" pitchFamily="34" charset="-128"/>
+                <a:cs typeface="Times New Roman" panose="02020603050405020304" pitchFamily="18" charset="0"/>
+              </a:rPr>
+              <a:t>; </a:t>
+            </a:r>
+            <a:r>
+              <a:rPr lang="en-US" altLang="ja-JP" sz="1600" kern="0">
+                <a:solidFill>
+                  <a:srgbClr val="9CDCFE"/>
+                </a:solidFill>
+                <a:effectLst/>
+                <a:latin typeface="Menlo" panose="020B0609030804020204" pitchFamily="49" charset="0"/>
+                <a:ea typeface="ＭＳ Ｐゴシック" panose="020B0600070205080204" pitchFamily="34" charset="-128"/>
+                <a:cs typeface="Times New Roman" panose="02020603050405020304" pitchFamily="18" charset="0"/>
+              </a:rPr>
+              <a:t>i</a:t>
+            </a:r>
+            <a:r>
+              <a:rPr lang="en-US" altLang="ja-JP" sz="1600" kern="0">
+                <a:solidFill>
+                  <a:srgbClr val="D4D4D4"/>
+                </a:solidFill>
+                <a:effectLst/>
+                <a:latin typeface="Menlo" panose="020B0609030804020204" pitchFamily="49" charset="0"/>
+                <a:ea typeface="ＭＳ Ｐゴシック" panose="020B0600070205080204" pitchFamily="34" charset="-128"/>
+                <a:cs typeface="Times New Roman" panose="02020603050405020304" pitchFamily="18" charset="0"/>
+              </a:rPr>
+              <a:t>++</a:t>
+            </a:r>
+            <a:r>
+              <a:rPr lang="en-US" altLang="ja-JP" sz="1600" kern="0">
+                <a:solidFill>
+                  <a:srgbClr val="CCCCCC"/>
+                </a:solidFill>
+                <a:effectLst/>
+                <a:latin typeface="Menlo" panose="020B0609030804020204" pitchFamily="49" charset="0"/>
+                <a:ea typeface="ＭＳ Ｐゴシック" panose="020B0600070205080204" pitchFamily="34" charset="-128"/>
+                <a:cs typeface="Times New Roman" panose="02020603050405020304" pitchFamily="18" charset="0"/>
+              </a:rPr>
+              <a:t>) {</a:t>
+            </a:r>
+            <a:endParaRPr lang="ja-JP" altLang="ja-JP" sz="1600" kern="100">
+              <a:effectLst/>
+              <a:latin typeface="游明朝" panose="02020400000000000000" pitchFamily="18" charset="-128"/>
+              <a:ea typeface="游明朝" panose="02020400000000000000" pitchFamily="18" charset="-128"/>
+              <a:cs typeface="Times New Roman" panose="02020603050405020304" pitchFamily="18" charset="0"/>
+            </a:endParaRPr>
+          </a:p>
+          <a:p>
+            <a:pPr algn="l">
+              <a:lnSpc>
+                <a:spcPts val="1950"/>
+              </a:lnSpc>
+            </a:pPr>
+            <a:r>
+              <a:rPr lang="en-US" altLang="ja-JP" sz="1600" kern="0">
+                <a:solidFill>
+                  <a:srgbClr val="CCCCCC"/>
+                </a:solidFill>
+                <a:effectLst/>
+                <a:latin typeface="Menlo" panose="020B0609030804020204" pitchFamily="49" charset="0"/>
+                <a:ea typeface="ＭＳ Ｐゴシック" panose="020B0600070205080204" pitchFamily="34" charset="-128"/>
+                <a:cs typeface="Times New Roman" panose="02020603050405020304" pitchFamily="18" charset="0"/>
+              </a:rPr>
+              <a:t>    </a:t>
+            </a:r>
+            <a:r>
+              <a:rPr lang="en-US" altLang="ja-JP" sz="1600" kern="0">
+                <a:solidFill>
+                  <a:srgbClr val="C586C0"/>
+                </a:solidFill>
+                <a:effectLst/>
+                <a:latin typeface="Menlo" panose="020B0609030804020204" pitchFamily="49" charset="0"/>
+                <a:ea typeface="ＭＳ Ｐゴシック" panose="020B0600070205080204" pitchFamily="34" charset="-128"/>
+                <a:cs typeface="Times New Roman" panose="02020603050405020304" pitchFamily="18" charset="0"/>
+              </a:rPr>
+              <a:t>if</a:t>
+            </a:r>
+            <a:r>
+              <a:rPr lang="en-US" altLang="ja-JP" sz="1600" kern="0">
+                <a:solidFill>
+                  <a:srgbClr val="CCCCCC"/>
+                </a:solidFill>
+                <a:effectLst/>
+                <a:latin typeface="Menlo" panose="020B0609030804020204" pitchFamily="49" charset="0"/>
+                <a:ea typeface="ＭＳ Ｐゴシック" panose="020B0600070205080204" pitchFamily="34" charset="-128"/>
+                <a:cs typeface="Times New Roman" panose="02020603050405020304" pitchFamily="18" charset="0"/>
+              </a:rPr>
+              <a:t> (</a:t>
+            </a:r>
+            <a:r>
+              <a:rPr lang="en-US" altLang="ja-JP" sz="1600" kern="0">
+                <a:solidFill>
+                  <a:srgbClr val="9CDCFE"/>
+                </a:solidFill>
+                <a:effectLst/>
+                <a:latin typeface="Menlo" panose="020B0609030804020204" pitchFamily="49" charset="0"/>
+                <a:ea typeface="ＭＳ Ｐゴシック" panose="020B0600070205080204" pitchFamily="34" charset="-128"/>
+                <a:cs typeface="Times New Roman" panose="02020603050405020304" pitchFamily="18" charset="0"/>
+              </a:rPr>
+              <a:t>i</a:t>
+            </a:r>
+            <a:r>
+              <a:rPr lang="en-US" altLang="ja-JP" sz="1600" kern="0">
+                <a:solidFill>
+                  <a:srgbClr val="CCCCCC"/>
+                </a:solidFill>
+                <a:effectLst/>
+                <a:latin typeface="Menlo" panose="020B0609030804020204" pitchFamily="49" charset="0"/>
+                <a:ea typeface="ＭＳ Ｐゴシック" panose="020B0600070205080204" pitchFamily="34" charset="-128"/>
+                <a:cs typeface="Times New Roman" panose="02020603050405020304" pitchFamily="18" charset="0"/>
+              </a:rPr>
+              <a:t> </a:t>
+            </a:r>
+            <a:r>
+              <a:rPr lang="en-US" altLang="ja-JP" sz="1600" kern="0">
+                <a:solidFill>
+                  <a:srgbClr val="D4D4D4"/>
+                </a:solidFill>
+                <a:effectLst/>
+                <a:latin typeface="Menlo" panose="020B0609030804020204" pitchFamily="49" charset="0"/>
+                <a:ea typeface="ＭＳ Ｐゴシック" panose="020B0600070205080204" pitchFamily="34" charset="-128"/>
+                <a:cs typeface="Times New Roman" panose="02020603050405020304" pitchFamily="18" charset="0"/>
+              </a:rPr>
+              <a:t>%</a:t>
+            </a:r>
+            <a:r>
+              <a:rPr lang="en-US" altLang="ja-JP" sz="1600" kern="0">
+                <a:solidFill>
+                  <a:srgbClr val="CCCCCC"/>
+                </a:solidFill>
+                <a:effectLst/>
+                <a:latin typeface="Menlo" panose="020B0609030804020204" pitchFamily="49" charset="0"/>
+                <a:ea typeface="ＭＳ Ｐゴシック" panose="020B0600070205080204" pitchFamily="34" charset="-128"/>
+                <a:cs typeface="Times New Roman" panose="02020603050405020304" pitchFamily="18" charset="0"/>
+              </a:rPr>
+              <a:t> </a:t>
+            </a:r>
+            <a:r>
+              <a:rPr lang="en-US" altLang="ja-JP" sz="1600" kern="0">
+                <a:solidFill>
+                  <a:srgbClr val="B5CEA8"/>
+                </a:solidFill>
+                <a:effectLst/>
+                <a:latin typeface="Menlo" panose="020B0609030804020204" pitchFamily="49" charset="0"/>
+                <a:ea typeface="ＭＳ Ｐゴシック" panose="020B0600070205080204" pitchFamily="34" charset="-128"/>
+                <a:cs typeface="Times New Roman" panose="02020603050405020304" pitchFamily="18" charset="0"/>
+              </a:rPr>
+              <a:t>2</a:t>
+            </a:r>
+            <a:r>
+              <a:rPr lang="en-US" altLang="ja-JP" sz="1600" kern="0">
+                <a:solidFill>
+                  <a:srgbClr val="CCCCCC"/>
+                </a:solidFill>
+                <a:effectLst/>
+                <a:latin typeface="Menlo" panose="020B0609030804020204" pitchFamily="49" charset="0"/>
+                <a:ea typeface="ＭＳ Ｐゴシック" panose="020B0600070205080204" pitchFamily="34" charset="-128"/>
+                <a:cs typeface="Times New Roman" panose="02020603050405020304" pitchFamily="18" charset="0"/>
+              </a:rPr>
+              <a:t> </a:t>
+            </a:r>
+            <a:r>
+              <a:rPr lang="en-US" altLang="ja-JP" sz="1600" kern="0">
+                <a:solidFill>
+                  <a:srgbClr val="D4D4D4"/>
+                </a:solidFill>
+                <a:effectLst/>
+                <a:latin typeface="Menlo" panose="020B0609030804020204" pitchFamily="49" charset="0"/>
+                <a:ea typeface="ＭＳ Ｐゴシック" panose="020B0600070205080204" pitchFamily="34" charset="-128"/>
+                <a:cs typeface="Times New Roman" panose="02020603050405020304" pitchFamily="18" charset="0"/>
+              </a:rPr>
+              <a:t>==</a:t>
+            </a:r>
+            <a:r>
+              <a:rPr lang="en-US" altLang="ja-JP" sz="1600" kern="0">
+                <a:solidFill>
+                  <a:srgbClr val="CCCCCC"/>
+                </a:solidFill>
+                <a:effectLst/>
+                <a:latin typeface="Menlo" panose="020B0609030804020204" pitchFamily="49" charset="0"/>
+                <a:ea typeface="ＭＳ Ｐゴシック" panose="020B0600070205080204" pitchFamily="34" charset="-128"/>
+                <a:cs typeface="Times New Roman" panose="02020603050405020304" pitchFamily="18" charset="0"/>
+              </a:rPr>
+              <a:t> </a:t>
+            </a:r>
+            <a:r>
+              <a:rPr lang="en-US" altLang="ja-JP" sz="1600" kern="0">
+                <a:solidFill>
+                  <a:srgbClr val="B5CEA8"/>
+                </a:solidFill>
+                <a:effectLst/>
+                <a:latin typeface="Menlo" panose="020B0609030804020204" pitchFamily="49" charset="0"/>
+                <a:ea typeface="ＭＳ Ｐゴシック" panose="020B0600070205080204" pitchFamily="34" charset="-128"/>
+                <a:cs typeface="Times New Roman" panose="02020603050405020304" pitchFamily="18" charset="0"/>
+              </a:rPr>
+              <a:t>0</a:t>
+            </a:r>
+            <a:r>
+              <a:rPr lang="en-US" altLang="ja-JP" sz="1600" kern="0">
+                <a:solidFill>
+                  <a:srgbClr val="CCCCCC"/>
+                </a:solidFill>
+                <a:effectLst/>
+                <a:latin typeface="Menlo" panose="020B0609030804020204" pitchFamily="49" charset="0"/>
+                <a:ea typeface="ＭＳ Ｐゴシック" panose="020B0600070205080204" pitchFamily="34" charset="-128"/>
+                <a:cs typeface="Times New Roman" panose="02020603050405020304" pitchFamily="18" charset="0"/>
+              </a:rPr>
+              <a:t>) {</a:t>
+            </a:r>
+            <a:r>
+              <a:rPr lang="en-US" altLang="ja-JP" sz="1600" kern="0">
+                <a:solidFill>
+                  <a:srgbClr val="6A9955"/>
+                </a:solidFill>
+                <a:effectLst/>
+                <a:latin typeface="Menlo" panose="020B0609030804020204" pitchFamily="49" charset="0"/>
+                <a:ea typeface="ＭＳ Ｐゴシック" panose="020B0600070205080204" pitchFamily="34" charset="-128"/>
+                <a:cs typeface="Times New Roman" panose="02020603050405020304" pitchFamily="18" charset="0"/>
+              </a:rPr>
+              <a:t> // Alice </a:t>
+            </a:r>
+            <a:r>
+              <a:rPr lang="ja-JP" altLang="ja-JP" sz="1600" kern="0">
+                <a:solidFill>
+                  <a:srgbClr val="6A9955"/>
+                </a:solidFill>
+                <a:effectLst/>
+                <a:latin typeface="Menlo" panose="020B0609030804020204" pitchFamily="49" charset="0"/>
+                <a:ea typeface="ＭＳ Ｐゴシック" panose="020B0600070205080204" pitchFamily="34" charset="-128"/>
+                <a:cs typeface="Menlo" panose="020B0609030804020204" pitchFamily="49" charset="0"/>
+              </a:rPr>
+              <a:t>のターン</a:t>
+            </a:r>
+            <a:endParaRPr lang="ja-JP" altLang="ja-JP" sz="1600" kern="100">
+              <a:effectLst/>
+              <a:latin typeface="游明朝" panose="02020400000000000000" pitchFamily="18" charset="-128"/>
+              <a:ea typeface="游明朝" panose="02020400000000000000" pitchFamily="18" charset="-128"/>
+              <a:cs typeface="Times New Roman" panose="02020603050405020304" pitchFamily="18" charset="0"/>
+            </a:endParaRPr>
+          </a:p>
+          <a:p>
+            <a:pPr algn="l">
+              <a:lnSpc>
+                <a:spcPts val="1950"/>
+              </a:lnSpc>
+            </a:pPr>
+            <a:r>
+              <a:rPr lang="en-US" altLang="ja-JP" sz="1600" kern="0">
+                <a:solidFill>
+                  <a:srgbClr val="CCCCCC"/>
+                </a:solidFill>
+                <a:effectLst/>
+                <a:latin typeface="Menlo" panose="020B0609030804020204" pitchFamily="49" charset="0"/>
+                <a:ea typeface="ＭＳ Ｐゴシック" panose="020B0600070205080204" pitchFamily="34" charset="-128"/>
+                <a:cs typeface="Times New Roman" panose="02020603050405020304" pitchFamily="18" charset="0"/>
+              </a:rPr>
+              <a:t>      </a:t>
+            </a:r>
+            <a:r>
+              <a:rPr lang="en-US" altLang="ja-JP" sz="1600" kern="0">
+                <a:solidFill>
+                  <a:srgbClr val="9CDCFE"/>
+                </a:solidFill>
+                <a:effectLst/>
+                <a:latin typeface="Menlo" panose="020B0609030804020204" pitchFamily="49" charset="0"/>
+                <a:ea typeface="ＭＳ Ｐゴシック" panose="020B0600070205080204" pitchFamily="34" charset="-128"/>
+                <a:cs typeface="Times New Roman" panose="02020603050405020304" pitchFamily="18" charset="0"/>
+              </a:rPr>
+              <a:t>Alice</a:t>
+            </a:r>
+            <a:r>
+              <a:rPr lang="en-US" altLang="ja-JP" sz="1600" kern="0">
+                <a:solidFill>
+                  <a:srgbClr val="CCCCCC"/>
+                </a:solidFill>
+                <a:effectLst/>
+                <a:latin typeface="Menlo" panose="020B0609030804020204" pitchFamily="49" charset="0"/>
+                <a:ea typeface="ＭＳ Ｐゴシック" panose="020B0600070205080204" pitchFamily="34" charset="-128"/>
+                <a:cs typeface="Times New Roman" panose="02020603050405020304" pitchFamily="18" charset="0"/>
+              </a:rPr>
+              <a:t> </a:t>
+            </a:r>
+            <a:r>
+              <a:rPr lang="en-US" altLang="ja-JP" sz="1600" kern="0">
+                <a:solidFill>
+                  <a:srgbClr val="D4D4D4"/>
+                </a:solidFill>
+                <a:effectLst/>
+                <a:latin typeface="Menlo" panose="020B0609030804020204" pitchFamily="49" charset="0"/>
+                <a:ea typeface="ＭＳ Ｐゴシック" panose="020B0600070205080204" pitchFamily="34" charset="-128"/>
+                <a:cs typeface="Times New Roman" panose="02020603050405020304" pitchFamily="18" charset="0"/>
+              </a:rPr>
+              <a:t>+=</a:t>
+            </a:r>
+            <a:r>
+              <a:rPr lang="en-US" altLang="ja-JP" sz="1600" kern="0">
+                <a:solidFill>
+                  <a:srgbClr val="CCCCCC"/>
+                </a:solidFill>
+                <a:effectLst/>
+                <a:latin typeface="Menlo" panose="020B0609030804020204" pitchFamily="49" charset="0"/>
+                <a:ea typeface="ＭＳ Ｐゴシック" panose="020B0600070205080204" pitchFamily="34" charset="-128"/>
+                <a:cs typeface="Times New Roman" panose="02020603050405020304" pitchFamily="18" charset="0"/>
+              </a:rPr>
+              <a:t> </a:t>
+            </a:r>
+            <a:r>
+              <a:rPr lang="en-US" altLang="ja-JP" sz="1600" kern="0">
+                <a:solidFill>
+                  <a:srgbClr val="9CDCFE"/>
+                </a:solidFill>
+                <a:effectLst/>
+                <a:latin typeface="Menlo" panose="020B0609030804020204" pitchFamily="49" charset="0"/>
+                <a:ea typeface="ＭＳ Ｐゴシック" panose="020B0600070205080204" pitchFamily="34" charset="-128"/>
+                <a:cs typeface="Times New Roman" panose="02020603050405020304" pitchFamily="18" charset="0"/>
+              </a:rPr>
+              <a:t>a</a:t>
+            </a:r>
+            <a:r>
+              <a:rPr lang="en-US" altLang="ja-JP" sz="1600" kern="0">
+                <a:solidFill>
+                  <a:srgbClr val="DCDCAA"/>
+                </a:solidFill>
+                <a:effectLst/>
+                <a:latin typeface="Menlo" panose="020B0609030804020204" pitchFamily="49" charset="0"/>
+                <a:ea typeface="ＭＳ Ｐゴシック" panose="020B0600070205080204" pitchFamily="34" charset="-128"/>
+                <a:cs typeface="Times New Roman" panose="02020603050405020304" pitchFamily="18" charset="0"/>
+              </a:rPr>
+              <a:t>[</a:t>
+            </a:r>
+            <a:r>
+              <a:rPr lang="en-US" altLang="ja-JP" sz="1600" kern="0">
+                <a:solidFill>
+                  <a:srgbClr val="9CDCFE"/>
+                </a:solidFill>
+                <a:effectLst/>
+                <a:latin typeface="Menlo" panose="020B0609030804020204" pitchFamily="49" charset="0"/>
+                <a:ea typeface="ＭＳ Ｐゴシック" panose="020B0600070205080204" pitchFamily="34" charset="-128"/>
+                <a:cs typeface="Times New Roman" panose="02020603050405020304" pitchFamily="18" charset="0"/>
+              </a:rPr>
+              <a:t>i</a:t>
+            </a:r>
+            <a:r>
+              <a:rPr lang="en-US" altLang="ja-JP" sz="1600" kern="0">
+                <a:solidFill>
+                  <a:srgbClr val="DCDCAA"/>
+                </a:solidFill>
+                <a:effectLst/>
+                <a:latin typeface="Menlo" panose="020B0609030804020204" pitchFamily="49" charset="0"/>
+                <a:ea typeface="ＭＳ Ｐゴシック" panose="020B0600070205080204" pitchFamily="34" charset="-128"/>
+                <a:cs typeface="Times New Roman" panose="02020603050405020304" pitchFamily="18" charset="0"/>
+              </a:rPr>
+              <a:t>]</a:t>
+            </a:r>
+            <a:r>
+              <a:rPr lang="en-US" altLang="ja-JP" sz="1600" kern="0">
+                <a:solidFill>
+                  <a:srgbClr val="CCCCCC"/>
+                </a:solidFill>
+                <a:effectLst/>
+                <a:latin typeface="Menlo" panose="020B0609030804020204" pitchFamily="49" charset="0"/>
+                <a:ea typeface="ＭＳ Ｐゴシック" panose="020B0600070205080204" pitchFamily="34" charset="-128"/>
+                <a:cs typeface="Times New Roman" panose="02020603050405020304" pitchFamily="18" charset="0"/>
+              </a:rPr>
+              <a:t>;</a:t>
+            </a:r>
+            <a:endParaRPr lang="ja-JP" altLang="ja-JP" sz="1600" kern="100">
+              <a:effectLst/>
+              <a:latin typeface="游明朝" panose="02020400000000000000" pitchFamily="18" charset="-128"/>
+              <a:ea typeface="游明朝" panose="02020400000000000000" pitchFamily="18" charset="-128"/>
+              <a:cs typeface="Times New Roman" panose="02020603050405020304" pitchFamily="18" charset="0"/>
+            </a:endParaRPr>
+          </a:p>
+          <a:p>
+            <a:pPr algn="l">
+              <a:lnSpc>
+                <a:spcPts val="1950"/>
+              </a:lnSpc>
+            </a:pPr>
+            <a:r>
+              <a:rPr lang="en-US" altLang="ja-JP" sz="1600" kern="0">
+                <a:solidFill>
+                  <a:srgbClr val="CCCCCC"/>
+                </a:solidFill>
+                <a:effectLst/>
+                <a:latin typeface="Menlo" panose="020B0609030804020204" pitchFamily="49" charset="0"/>
+                <a:ea typeface="ＭＳ Ｐゴシック" panose="020B0600070205080204" pitchFamily="34" charset="-128"/>
+                <a:cs typeface="Times New Roman" panose="02020603050405020304" pitchFamily="18" charset="0"/>
+              </a:rPr>
+              <a:t>    }</a:t>
+            </a:r>
+            <a:endParaRPr lang="ja-JP" altLang="ja-JP" sz="1600" kern="100">
+              <a:effectLst/>
+              <a:latin typeface="游明朝" panose="02020400000000000000" pitchFamily="18" charset="-128"/>
+              <a:ea typeface="游明朝" panose="02020400000000000000" pitchFamily="18" charset="-128"/>
+              <a:cs typeface="Times New Roman" panose="02020603050405020304" pitchFamily="18" charset="0"/>
+            </a:endParaRPr>
+          </a:p>
+          <a:p>
+            <a:pPr algn="l">
+              <a:lnSpc>
+                <a:spcPts val="1950"/>
+              </a:lnSpc>
+            </a:pPr>
+            <a:r>
+              <a:rPr lang="en-US" altLang="ja-JP" sz="1600" kern="0">
+                <a:solidFill>
+                  <a:srgbClr val="CCCCCC"/>
+                </a:solidFill>
+                <a:effectLst/>
+                <a:latin typeface="Menlo" panose="020B0609030804020204" pitchFamily="49" charset="0"/>
+                <a:ea typeface="ＭＳ Ｐゴシック" panose="020B0600070205080204" pitchFamily="34" charset="-128"/>
+                <a:cs typeface="Times New Roman" panose="02020603050405020304" pitchFamily="18" charset="0"/>
+              </a:rPr>
+              <a:t>    </a:t>
+            </a:r>
+            <a:r>
+              <a:rPr lang="en-US" altLang="ja-JP" sz="1600" kern="0">
+                <a:solidFill>
+                  <a:srgbClr val="C586C0"/>
+                </a:solidFill>
+                <a:effectLst/>
+                <a:latin typeface="Menlo" panose="020B0609030804020204" pitchFamily="49" charset="0"/>
+                <a:ea typeface="ＭＳ Ｐゴシック" panose="020B0600070205080204" pitchFamily="34" charset="-128"/>
+                <a:cs typeface="Times New Roman" panose="02020603050405020304" pitchFamily="18" charset="0"/>
+              </a:rPr>
+              <a:t>else</a:t>
+            </a:r>
+            <a:r>
+              <a:rPr lang="en-US" altLang="ja-JP" sz="1600" kern="0">
+                <a:solidFill>
+                  <a:srgbClr val="CCCCCC"/>
+                </a:solidFill>
+                <a:effectLst/>
+                <a:latin typeface="Menlo" panose="020B0609030804020204" pitchFamily="49" charset="0"/>
+                <a:ea typeface="ＭＳ Ｐゴシック" panose="020B0600070205080204" pitchFamily="34" charset="-128"/>
+                <a:cs typeface="Times New Roman" panose="02020603050405020304" pitchFamily="18" charset="0"/>
+              </a:rPr>
+              <a:t> {</a:t>
+            </a:r>
+            <a:r>
+              <a:rPr lang="en-US" altLang="ja-JP" sz="1600" kern="0">
+                <a:solidFill>
+                  <a:srgbClr val="6A9955"/>
+                </a:solidFill>
+                <a:effectLst/>
+                <a:latin typeface="Menlo" panose="020B0609030804020204" pitchFamily="49" charset="0"/>
+                <a:ea typeface="ＭＳ Ｐゴシック" panose="020B0600070205080204" pitchFamily="34" charset="-128"/>
+                <a:cs typeface="Times New Roman" panose="02020603050405020304" pitchFamily="18" charset="0"/>
+              </a:rPr>
+              <a:t> // Bob </a:t>
+            </a:r>
+            <a:r>
+              <a:rPr lang="ja-JP" altLang="ja-JP" sz="1600" kern="0">
+                <a:solidFill>
+                  <a:srgbClr val="6A9955"/>
+                </a:solidFill>
+                <a:effectLst/>
+                <a:latin typeface="Menlo" panose="020B0609030804020204" pitchFamily="49" charset="0"/>
+                <a:ea typeface="ＭＳ Ｐゴシック" panose="020B0600070205080204" pitchFamily="34" charset="-128"/>
+                <a:cs typeface="Menlo" panose="020B0609030804020204" pitchFamily="49" charset="0"/>
+              </a:rPr>
+              <a:t>のターン</a:t>
+            </a:r>
+            <a:endParaRPr lang="ja-JP" altLang="ja-JP" sz="1600" kern="100">
+              <a:effectLst/>
+              <a:latin typeface="游明朝" panose="02020400000000000000" pitchFamily="18" charset="-128"/>
+              <a:ea typeface="游明朝" panose="02020400000000000000" pitchFamily="18" charset="-128"/>
+              <a:cs typeface="Times New Roman" panose="02020603050405020304" pitchFamily="18" charset="0"/>
+            </a:endParaRPr>
+          </a:p>
+          <a:p>
+            <a:pPr algn="l">
+              <a:lnSpc>
+                <a:spcPts val="1950"/>
+              </a:lnSpc>
+            </a:pPr>
+            <a:r>
+              <a:rPr lang="en-US" altLang="ja-JP" sz="1600" kern="0">
+                <a:solidFill>
+                  <a:srgbClr val="CCCCCC"/>
+                </a:solidFill>
+                <a:effectLst/>
+                <a:latin typeface="Menlo" panose="020B0609030804020204" pitchFamily="49" charset="0"/>
+                <a:ea typeface="ＭＳ Ｐゴシック" panose="020B0600070205080204" pitchFamily="34" charset="-128"/>
+                <a:cs typeface="Times New Roman" panose="02020603050405020304" pitchFamily="18" charset="0"/>
+              </a:rPr>
+              <a:t>      </a:t>
+            </a:r>
+            <a:r>
+              <a:rPr lang="en-US" altLang="ja-JP" sz="1600" kern="0">
+                <a:solidFill>
+                  <a:srgbClr val="9CDCFE"/>
+                </a:solidFill>
+                <a:effectLst/>
+                <a:latin typeface="Menlo" panose="020B0609030804020204" pitchFamily="49" charset="0"/>
+                <a:ea typeface="ＭＳ Ｐゴシック" panose="020B0600070205080204" pitchFamily="34" charset="-128"/>
+                <a:cs typeface="Times New Roman" panose="02020603050405020304" pitchFamily="18" charset="0"/>
+              </a:rPr>
+              <a:t>Bob</a:t>
+            </a:r>
+            <a:r>
+              <a:rPr lang="en-US" altLang="ja-JP" sz="1600" kern="0">
+                <a:solidFill>
+                  <a:srgbClr val="CCCCCC"/>
+                </a:solidFill>
+                <a:effectLst/>
+                <a:latin typeface="Menlo" panose="020B0609030804020204" pitchFamily="49" charset="0"/>
+                <a:ea typeface="ＭＳ Ｐゴシック" panose="020B0600070205080204" pitchFamily="34" charset="-128"/>
+                <a:cs typeface="Times New Roman" panose="02020603050405020304" pitchFamily="18" charset="0"/>
+              </a:rPr>
+              <a:t> </a:t>
+            </a:r>
+            <a:r>
+              <a:rPr lang="en-US" altLang="ja-JP" sz="1600" kern="0">
+                <a:solidFill>
+                  <a:srgbClr val="D4D4D4"/>
+                </a:solidFill>
+                <a:effectLst/>
+                <a:latin typeface="Menlo" panose="020B0609030804020204" pitchFamily="49" charset="0"/>
+                <a:ea typeface="ＭＳ Ｐゴシック" panose="020B0600070205080204" pitchFamily="34" charset="-128"/>
+                <a:cs typeface="Times New Roman" panose="02020603050405020304" pitchFamily="18" charset="0"/>
+              </a:rPr>
+              <a:t>+=</a:t>
+            </a:r>
+            <a:r>
+              <a:rPr lang="en-US" altLang="ja-JP" sz="1600" kern="0">
+                <a:solidFill>
+                  <a:srgbClr val="CCCCCC"/>
+                </a:solidFill>
+                <a:effectLst/>
+                <a:latin typeface="Menlo" panose="020B0609030804020204" pitchFamily="49" charset="0"/>
+                <a:ea typeface="ＭＳ Ｐゴシック" panose="020B0600070205080204" pitchFamily="34" charset="-128"/>
+                <a:cs typeface="Times New Roman" panose="02020603050405020304" pitchFamily="18" charset="0"/>
+              </a:rPr>
+              <a:t> </a:t>
+            </a:r>
+            <a:r>
+              <a:rPr lang="en-US" altLang="ja-JP" sz="1600" kern="0">
+                <a:solidFill>
+                  <a:srgbClr val="9CDCFE"/>
+                </a:solidFill>
+                <a:effectLst/>
+                <a:latin typeface="Menlo" panose="020B0609030804020204" pitchFamily="49" charset="0"/>
+                <a:ea typeface="ＭＳ Ｐゴシック" panose="020B0600070205080204" pitchFamily="34" charset="-128"/>
+                <a:cs typeface="Times New Roman" panose="02020603050405020304" pitchFamily="18" charset="0"/>
+              </a:rPr>
+              <a:t>a</a:t>
+            </a:r>
+            <a:r>
+              <a:rPr lang="en-US" altLang="ja-JP" sz="1600" kern="0">
+                <a:solidFill>
+                  <a:srgbClr val="DCDCAA"/>
+                </a:solidFill>
+                <a:effectLst/>
+                <a:latin typeface="Menlo" panose="020B0609030804020204" pitchFamily="49" charset="0"/>
+                <a:ea typeface="ＭＳ Ｐゴシック" panose="020B0600070205080204" pitchFamily="34" charset="-128"/>
+                <a:cs typeface="Times New Roman" panose="02020603050405020304" pitchFamily="18" charset="0"/>
+              </a:rPr>
+              <a:t>[</a:t>
+            </a:r>
+            <a:r>
+              <a:rPr lang="en-US" altLang="ja-JP" sz="1600" kern="0">
+                <a:solidFill>
+                  <a:srgbClr val="9CDCFE"/>
+                </a:solidFill>
+                <a:effectLst/>
+                <a:latin typeface="Menlo" panose="020B0609030804020204" pitchFamily="49" charset="0"/>
+                <a:ea typeface="ＭＳ Ｐゴシック" panose="020B0600070205080204" pitchFamily="34" charset="-128"/>
+                <a:cs typeface="Times New Roman" panose="02020603050405020304" pitchFamily="18" charset="0"/>
+              </a:rPr>
+              <a:t>i</a:t>
+            </a:r>
+            <a:r>
+              <a:rPr lang="en-US" altLang="ja-JP" sz="1600" kern="0">
+                <a:solidFill>
+                  <a:srgbClr val="DCDCAA"/>
+                </a:solidFill>
+                <a:effectLst/>
+                <a:latin typeface="Menlo" panose="020B0609030804020204" pitchFamily="49" charset="0"/>
+                <a:ea typeface="ＭＳ Ｐゴシック" panose="020B0600070205080204" pitchFamily="34" charset="-128"/>
+                <a:cs typeface="Times New Roman" panose="02020603050405020304" pitchFamily="18" charset="0"/>
+              </a:rPr>
+              <a:t>]</a:t>
+            </a:r>
+            <a:r>
+              <a:rPr lang="en-US" altLang="ja-JP" sz="1600" kern="0">
+                <a:solidFill>
+                  <a:srgbClr val="CCCCCC"/>
+                </a:solidFill>
+                <a:effectLst/>
+                <a:latin typeface="Menlo" panose="020B0609030804020204" pitchFamily="49" charset="0"/>
+                <a:ea typeface="ＭＳ Ｐゴシック" panose="020B0600070205080204" pitchFamily="34" charset="-128"/>
+                <a:cs typeface="Times New Roman" panose="02020603050405020304" pitchFamily="18" charset="0"/>
+              </a:rPr>
+              <a:t>;</a:t>
+            </a:r>
+            <a:endParaRPr lang="ja-JP" altLang="ja-JP" sz="1600" kern="100">
+              <a:effectLst/>
+              <a:latin typeface="游明朝" panose="02020400000000000000" pitchFamily="18" charset="-128"/>
+              <a:ea typeface="游明朝" panose="02020400000000000000" pitchFamily="18" charset="-128"/>
+              <a:cs typeface="Times New Roman" panose="02020603050405020304" pitchFamily="18" charset="0"/>
+            </a:endParaRPr>
+          </a:p>
+          <a:p>
+            <a:pPr algn="l">
+              <a:lnSpc>
+                <a:spcPts val="1950"/>
+              </a:lnSpc>
+            </a:pPr>
+            <a:r>
+              <a:rPr lang="en-US" altLang="ja-JP" sz="1600" kern="0">
+                <a:solidFill>
+                  <a:srgbClr val="CCCCCC"/>
+                </a:solidFill>
+                <a:effectLst/>
+                <a:latin typeface="Menlo" panose="020B0609030804020204" pitchFamily="49" charset="0"/>
+                <a:ea typeface="ＭＳ Ｐゴシック" panose="020B0600070205080204" pitchFamily="34" charset="-128"/>
+                <a:cs typeface="Times New Roman" panose="02020603050405020304" pitchFamily="18" charset="0"/>
+              </a:rPr>
+              <a:t>    }</a:t>
+            </a:r>
+            <a:endParaRPr lang="ja-JP" altLang="ja-JP" sz="1600" kern="100">
+              <a:effectLst/>
+              <a:latin typeface="游明朝" panose="02020400000000000000" pitchFamily="18" charset="-128"/>
+              <a:ea typeface="游明朝" panose="02020400000000000000" pitchFamily="18" charset="-128"/>
+              <a:cs typeface="Times New Roman" panose="02020603050405020304" pitchFamily="18" charset="0"/>
+            </a:endParaRPr>
+          </a:p>
+          <a:p>
+            <a:pPr algn="l">
+              <a:lnSpc>
+                <a:spcPts val="1950"/>
+              </a:lnSpc>
+            </a:pPr>
+            <a:r>
+              <a:rPr lang="en-US" altLang="ja-JP" sz="1600" kern="0">
+                <a:solidFill>
+                  <a:srgbClr val="CCCCCC"/>
+                </a:solidFill>
+                <a:effectLst/>
+                <a:latin typeface="Menlo" panose="020B0609030804020204" pitchFamily="49" charset="0"/>
+                <a:ea typeface="ＭＳ Ｐゴシック" panose="020B0600070205080204" pitchFamily="34" charset="-128"/>
+                <a:cs typeface="Times New Roman" panose="02020603050405020304" pitchFamily="18" charset="0"/>
+              </a:rPr>
+              <a:t>  }</a:t>
+            </a:r>
+            <a:endParaRPr lang="ja-JP" altLang="ja-JP" sz="1600" kern="100">
+              <a:effectLst/>
+              <a:latin typeface="游明朝" panose="02020400000000000000" pitchFamily="18" charset="-128"/>
+              <a:ea typeface="游明朝" panose="02020400000000000000" pitchFamily="18" charset="-128"/>
+              <a:cs typeface="Times New Roman" panose="02020603050405020304" pitchFamily="18" charset="0"/>
+            </a:endParaRPr>
+          </a:p>
+          <a:p>
+            <a:pPr algn="l">
+              <a:lnSpc>
+                <a:spcPts val="1950"/>
+              </a:lnSpc>
+            </a:pPr>
+            <a:r>
+              <a:rPr lang="en-US" altLang="ja-JP" sz="1600" kern="0">
+                <a:solidFill>
+                  <a:srgbClr val="CCCCCC"/>
+                </a:solidFill>
+                <a:effectLst/>
+                <a:latin typeface="Menlo" panose="020B0609030804020204" pitchFamily="49" charset="0"/>
+                <a:ea typeface="ＭＳ Ｐゴシック" panose="020B0600070205080204" pitchFamily="34" charset="-128"/>
+                <a:cs typeface="Times New Roman" panose="02020603050405020304" pitchFamily="18" charset="0"/>
+              </a:rPr>
+              <a:t>  </a:t>
+            </a:r>
+            <a:r>
+              <a:rPr lang="en-US" altLang="ja-JP" sz="1600" kern="0">
+                <a:solidFill>
+                  <a:srgbClr val="9CDCFE"/>
+                </a:solidFill>
+                <a:effectLst/>
+                <a:latin typeface="Menlo" panose="020B0609030804020204" pitchFamily="49" charset="0"/>
+                <a:ea typeface="ＭＳ Ｐゴシック" panose="020B0600070205080204" pitchFamily="34" charset="-128"/>
+                <a:cs typeface="Times New Roman" panose="02020603050405020304" pitchFamily="18" charset="0"/>
+              </a:rPr>
+              <a:t>cout</a:t>
+            </a:r>
+            <a:r>
+              <a:rPr lang="en-US" altLang="ja-JP" sz="1600" kern="0">
+                <a:solidFill>
+                  <a:srgbClr val="CCCCCC"/>
+                </a:solidFill>
+                <a:effectLst/>
+                <a:latin typeface="Menlo" panose="020B0609030804020204" pitchFamily="49" charset="0"/>
+                <a:ea typeface="ＭＳ Ｐゴシック" panose="020B0600070205080204" pitchFamily="34" charset="-128"/>
+                <a:cs typeface="Times New Roman" panose="02020603050405020304" pitchFamily="18" charset="0"/>
+              </a:rPr>
+              <a:t> </a:t>
+            </a:r>
+            <a:r>
+              <a:rPr lang="en-US" altLang="ja-JP" sz="1600" kern="0">
+                <a:solidFill>
+                  <a:srgbClr val="DCDCAA"/>
+                </a:solidFill>
+                <a:effectLst/>
+                <a:latin typeface="Menlo" panose="020B0609030804020204" pitchFamily="49" charset="0"/>
+                <a:ea typeface="ＭＳ Ｐゴシック" panose="020B0600070205080204" pitchFamily="34" charset="-128"/>
+                <a:cs typeface="Times New Roman" panose="02020603050405020304" pitchFamily="18" charset="0"/>
+              </a:rPr>
+              <a:t>&lt;&lt;</a:t>
+            </a:r>
+            <a:r>
+              <a:rPr lang="en-US" altLang="ja-JP" sz="1600" kern="0">
+                <a:solidFill>
+                  <a:srgbClr val="CCCCCC"/>
+                </a:solidFill>
+                <a:effectLst/>
+                <a:latin typeface="Menlo" panose="020B0609030804020204" pitchFamily="49" charset="0"/>
+                <a:ea typeface="ＭＳ Ｐゴシック" panose="020B0600070205080204" pitchFamily="34" charset="-128"/>
+                <a:cs typeface="Times New Roman" panose="02020603050405020304" pitchFamily="18" charset="0"/>
+              </a:rPr>
+              <a:t> </a:t>
+            </a:r>
+            <a:r>
+              <a:rPr lang="en-US" altLang="ja-JP" sz="1600" kern="0">
+                <a:solidFill>
+                  <a:srgbClr val="9CDCFE"/>
+                </a:solidFill>
+                <a:effectLst/>
+                <a:latin typeface="Menlo" panose="020B0609030804020204" pitchFamily="49" charset="0"/>
+                <a:ea typeface="ＭＳ Ｐゴシック" panose="020B0600070205080204" pitchFamily="34" charset="-128"/>
+                <a:cs typeface="Times New Roman" panose="02020603050405020304" pitchFamily="18" charset="0"/>
+              </a:rPr>
+              <a:t>Alice</a:t>
+            </a:r>
+            <a:r>
+              <a:rPr lang="en-US" altLang="ja-JP" sz="1600" kern="0">
+                <a:solidFill>
+                  <a:srgbClr val="CCCCCC"/>
+                </a:solidFill>
+                <a:effectLst/>
+                <a:latin typeface="Menlo" panose="020B0609030804020204" pitchFamily="49" charset="0"/>
+                <a:ea typeface="ＭＳ Ｐゴシック" panose="020B0600070205080204" pitchFamily="34" charset="-128"/>
+                <a:cs typeface="Times New Roman" panose="02020603050405020304" pitchFamily="18" charset="0"/>
+              </a:rPr>
+              <a:t> </a:t>
+            </a:r>
+            <a:r>
+              <a:rPr lang="en-US" altLang="ja-JP" sz="1600" kern="0">
+                <a:solidFill>
+                  <a:srgbClr val="D4D4D4"/>
+                </a:solidFill>
+                <a:effectLst/>
+                <a:latin typeface="Menlo" panose="020B0609030804020204" pitchFamily="49" charset="0"/>
+                <a:ea typeface="ＭＳ Ｐゴシック" panose="020B0600070205080204" pitchFamily="34" charset="-128"/>
+                <a:cs typeface="Times New Roman" panose="02020603050405020304" pitchFamily="18" charset="0"/>
+              </a:rPr>
+              <a:t>-</a:t>
+            </a:r>
+            <a:r>
+              <a:rPr lang="en-US" altLang="ja-JP" sz="1600" kern="0">
+                <a:solidFill>
+                  <a:srgbClr val="CCCCCC"/>
+                </a:solidFill>
+                <a:effectLst/>
+                <a:latin typeface="Menlo" panose="020B0609030804020204" pitchFamily="49" charset="0"/>
+                <a:ea typeface="ＭＳ Ｐゴシック" panose="020B0600070205080204" pitchFamily="34" charset="-128"/>
+                <a:cs typeface="Times New Roman" panose="02020603050405020304" pitchFamily="18" charset="0"/>
+              </a:rPr>
+              <a:t> </a:t>
+            </a:r>
+            <a:r>
+              <a:rPr lang="en-US" altLang="ja-JP" sz="1600" kern="0">
+                <a:solidFill>
+                  <a:srgbClr val="9CDCFE"/>
+                </a:solidFill>
+                <a:effectLst/>
+                <a:latin typeface="Menlo" panose="020B0609030804020204" pitchFamily="49" charset="0"/>
+                <a:ea typeface="ＭＳ Ｐゴシック" panose="020B0600070205080204" pitchFamily="34" charset="-128"/>
+                <a:cs typeface="Times New Roman" panose="02020603050405020304" pitchFamily="18" charset="0"/>
+              </a:rPr>
+              <a:t>Bob</a:t>
+            </a:r>
+            <a:r>
+              <a:rPr lang="en-US" altLang="ja-JP" sz="1600" kern="0">
+                <a:solidFill>
+                  <a:srgbClr val="CCCCCC"/>
+                </a:solidFill>
+                <a:effectLst/>
+                <a:latin typeface="Menlo" panose="020B0609030804020204" pitchFamily="49" charset="0"/>
+                <a:ea typeface="ＭＳ Ｐゴシック" panose="020B0600070205080204" pitchFamily="34" charset="-128"/>
+                <a:cs typeface="Times New Roman" panose="02020603050405020304" pitchFamily="18" charset="0"/>
+              </a:rPr>
+              <a:t> </a:t>
+            </a:r>
+            <a:r>
+              <a:rPr lang="en-US" altLang="ja-JP" sz="1600" kern="0">
+                <a:solidFill>
+                  <a:srgbClr val="DCDCAA"/>
+                </a:solidFill>
+                <a:effectLst/>
+                <a:latin typeface="Menlo" panose="020B0609030804020204" pitchFamily="49" charset="0"/>
+                <a:ea typeface="ＭＳ Ｐゴシック" panose="020B0600070205080204" pitchFamily="34" charset="-128"/>
+                <a:cs typeface="Times New Roman" panose="02020603050405020304" pitchFamily="18" charset="0"/>
+              </a:rPr>
+              <a:t>&lt;&lt;</a:t>
+            </a:r>
+            <a:r>
+              <a:rPr lang="en-US" altLang="ja-JP" sz="1600" kern="0">
+                <a:solidFill>
+                  <a:srgbClr val="CCCCCC"/>
+                </a:solidFill>
+                <a:effectLst/>
+                <a:latin typeface="Menlo" panose="020B0609030804020204" pitchFamily="49" charset="0"/>
+                <a:ea typeface="ＭＳ Ｐゴシック" panose="020B0600070205080204" pitchFamily="34" charset="-128"/>
+                <a:cs typeface="Times New Roman" panose="02020603050405020304" pitchFamily="18" charset="0"/>
+              </a:rPr>
+              <a:t> </a:t>
+            </a:r>
+            <a:r>
+              <a:rPr lang="en-US" altLang="ja-JP" sz="1600" kern="0">
+                <a:solidFill>
+                  <a:srgbClr val="DCDCAA"/>
+                </a:solidFill>
+                <a:effectLst/>
+                <a:latin typeface="Menlo" panose="020B0609030804020204" pitchFamily="49" charset="0"/>
+                <a:ea typeface="ＭＳ Ｐゴシック" panose="020B0600070205080204" pitchFamily="34" charset="-128"/>
+                <a:cs typeface="Times New Roman" panose="02020603050405020304" pitchFamily="18" charset="0"/>
+              </a:rPr>
+              <a:t>endl</a:t>
+            </a:r>
+            <a:r>
+              <a:rPr lang="en-US" altLang="ja-JP" sz="1600" kern="0">
+                <a:solidFill>
+                  <a:srgbClr val="CCCCCC"/>
+                </a:solidFill>
+                <a:effectLst/>
+                <a:latin typeface="Menlo" panose="020B0609030804020204" pitchFamily="49" charset="0"/>
+                <a:ea typeface="ＭＳ Ｐゴシック" panose="020B0600070205080204" pitchFamily="34" charset="-128"/>
+                <a:cs typeface="Times New Roman" panose="02020603050405020304" pitchFamily="18" charset="0"/>
+              </a:rPr>
+              <a:t>;</a:t>
+            </a:r>
+            <a:endParaRPr lang="ja-JP" altLang="ja-JP" sz="1600" kern="100">
+              <a:effectLst/>
+              <a:latin typeface="游明朝" panose="02020400000000000000" pitchFamily="18" charset="-128"/>
+              <a:ea typeface="游明朝" panose="02020400000000000000" pitchFamily="18" charset="-128"/>
+              <a:cs typeface="Times New Roman" panose="02020603050405020304" pitchFamily="18" charset="0"/>
+            </a:endParaRPr>
+          </a:p>
+          <a:p>
+            <a:pPr algn="l">
+              <a:lnSpc>
+                <a:spcPts val="1950"/>
+              </a:lnSpc>
+            </a:pPr>
+            <a:r>
+              <a:rPr lang="en-US" altLang="ja-JP" sz="1600" kern="0">
+                <a:solidFill>
+                  <a:srgbClr val="CCCCCC"/>
+                </a:solidFill>
+                <a:effectLst/>
+                <a:latin typeface="Menlo" panose="020B0609030804020204" pitchFamily="49" charset="0"/>
+                <a:ea typeface="ＭＳ Ｐゴシック" panose="020B0600070205080204" pitchFamily="34" charset="-128"/>
+                <a:cs typeface="Times New Roman" panose="02020603050405020304" pitchFamily="18" charset="0"/>
+              </a:rPr>
+              <a:t>}</a:t>
+            </a:r>
+            <a:endParaRPr lang="ja-JP" altLang="ja-JP" sz="1600" kern="100">
+              <a:effectLst/>
+              <a:latin typeface="游明朝" panose="02020400000000000000" pitchFamily="18" charset="-128"/>
+              <a:ea typeface="游明朝" panose="02020400000000000000" pitchFamily="18" charset="-128"/>
+              <a:cs typeface="Times New Roman" panose="02020603050405020304" pitchFamily="18" charset="0"/>
+            </a:endParaRPr>
+          </a:p>
+          <a:p>
+            <a:endParaRPr kumimoji="1" lang="ja-JP" altLang="en-US" sz="1600"/>
+          </a:p>
+        </p:txBody>
+      </p:sp>
+      <p:sp>
+        <p:nvSpPr>
+          <p:cNvPr id="7" name="テキスト ボックス 6">
+            <a:extLst>
+              <a:ext uri="{FF2B5EF4-FFF2-40B4-BE49-F238E27FC236}">
+                <a16:creationId xmlns:a16="http://schemas.microsoft.com/office/drawing/2014/main" id="{60AF8E08-EAD6-6E53-4388-F403829EC98E}"/>
+              </a:ext>
+            </a:extLst>
+          </p:cNvPr>
+          <p:cNvSpPr txBox="1"/>
+          <p:nvPr/>
+        </p:nvSpPr>
+        <p:spPr>
+          <a:xfrm>
+            <a:off x="1940560" y="5460123"/>
+            <a:ext cx="675185" cy="369332"/>
+          </a:xfrm>
+          <a:prstGeom prst="rect">
+            <a:avLst/>
+          </a:prstGeom>
+          <a:noFill/>
+        </p:spPr>
+        <p:txBody>
+          <a:bodyPr wrap="none" rtlCol="0">
+            <a:spAutoFit/>
+          </a:bodyPr>
+          <a:lstStyle/>
+          <a:p>
+            <a:r>
+              <a:rPr kumimoji="1" lang="en-US" altLang="ja-JP"/>
+              <a:t>C++</a:t>
+            </a:r>
+            <a:endParaRPr kumimoji="1" lang="ja-JP" altLang="en-US"/>
+          </a:p>
+        </p:txBody>
+      </p:sp>
+      <p:sp>
+        <p:nvSpPr>
+          <p:cNvPr id="8" name="テキスト ボックス 7">
+            <a:extLst>
+              <a:ext uri="{FF2B5EF4-FFF2-40B4-BE49-F238E27FC236}">
+                <a16:creationId xmlns:a16="http://schemas.microsoft.com/office/drawing/2014/main" id="{6DE568A4-4BA3-8C7E-E79D-25ADC9464289}"/>
+              </a:ext>
+            </a:extLst>
+          </p:cNvPr>
+          <p:cNvSpPr txBox="1"/>
+          <p:nvPr/>
+        </p:nvSpPr>
+        <p:spPr>
+          <a:xfrm>
+            <a:off x="825832" y="5994400"/>
+            <a:ext cx="3579826" cy="369332"/>
+          </a:xfrm>
+          <a:prstGeom prst="rect">
+            <a:avLst/>
+          </a:prstGeom>
+          <a:noFill/>
+        </p:spPr>
+        <p:txBody>
+          <a:bodyPr wrap="none" rtlCol="0">
+            <a:spAutoFit/>
+          </a:bodyPr>
+          <a:lstStyle/>
+          <a:p>
+            <a:r>
+              <a:rPr kumimoji="1" lang="en-US" altLang="ja-JP"/>
+              <a:t>※ sort</a:t>
+            </a:r>
+            <a:r>
+              <a:rPr kumimoji="1" lang="ja-JP" altLang="en-US"/>
+              <a:t>は</a:t>
+            </a:r>
+            <a:r>
+              <a:rPr kumimoji="1" lang="en-US" altLang="ja-JP"/>
+              <a:t> algorithm</a:t>
+            </a:r>
+            <a:r>
+              <a:rPr kumimoji="1" lang="ja-JP" altLang="en-US"/>
+              <a:t>に入っている</a:t>
+            </a:r>
+          </a:p>
+        </p:txBody>
+      </p:sp>
+    </p:spTree>
+    <p:extLst>
+      <p:ext uri="{BB962C8B-B14F-4D97-AF65-F5344CB8AC3E}">
+        <p14:creationId xmlns:p14="http://schemas.microsoft.com/office/powerpoint/2010/main" val="623973502"/>
+      </p:ext>
+    </p:extLst>
+  </p:cSld>
+  <p:clrMapOvr>
+    <a:masterClrMapping/>
+  </p:clrMapOvr>
+</p:sld>
+</file>
+
+<file path=ppt/slides/slide34.xml><?xml version="1.0" encoding="utf-8"?>
+<p:sld xmlns:a="http://schemas.openxmlformats.org/drawingml/2006/main" xmlns:r="http://schemas.openxmlformats.org/officeDocument/2006/relationships" xmlns:p="http://schemas.openxmlformats.org/presentationml/2006/main">
+  <p:cSld>
+    <p:spTree>
+      <p:nvGrpSpPr>
+        <p:cNvPr id="1" name=""/>
+        <p:cNvGrpSpPr/>
+        <p:nvPr/>
+      </p:nvGrpSpPr>
+      <p:grpSpPr>
+        <a:xfrm>
+          <a:off x="0" y="0"/>
+          <a:ext cx="0" cy="0"/>
+          <a:chOff x="0" y="0"/>
+          <a:chExt cx="0" cy="0"/>
+        </a:xfrm>
+      </p:grpSpPr>
+      <p:sp>
+        <p:nvSpPr>
+          <p:cNvPr id="4" name="正方形/長方形 3">
+            <a:extLst>
+              <a:ext uri="{FF2B5EF4-FFF2-40B4-BE49-F238E27FC236}">
+                <a16:creationId xmlns:a16="http://schemas.microsoft.com/office/drawing/2014/main" id="{9DF20083-156A-16DA-0EEB-CA65C4F4EBBD}"/>
+              </a:ext>
+            </a:extLst>
+          </p:cNvPr>
+          <p:cNvSpPr/>
+          <p:nvPr/>
+        </p:nvSpPr>
+        <p:spPr>
+          <a:xfrm>
+            <a:off x="1396314" y="0"/>
+            <a:ext cx="10795686" cy="1397876"/>
+          </a:xfrm>
+          <a:prstGeom prst="rect">
+            <a:avLst/>
+          </a:prstGeom>
+          <a:solidFill>
+            <a:schemeClr val="accent5"/>
+          </a:solidFill>
+          <a:ln>
+            <a:noFill/>
+          </a:ln>
+        </p:spPr>
+        <p:style>
+          <a:lnRef idx="2">
+            <a:schemeClr val="accent1">
+              <a:shade val="15000"/>
+            </a:schemeClr>
+          </a:lnRef>
+          <a:fillRef idx="1">
+            <a:schemeClr val="accent1"/>
+          </a:fillRef>
+          <a:effectRef idx="0">
+            <a:schemeClr val="accent1"/>
+          </a:effectRef>
+          <a:fontRef idx="minor">
+            <a:schemeClr val="lt1"/>
+          </a:fontRef>
+        </p:style>
+        <p:txBody>
+          <a:bodyPr rtlCol="0" anchor="ctr"/>
+          <a:lstStyle/>
+          <a:p>
+            <a:r>
+              <a:rPr kumimoji="1" lang="en" altLang="ja-JP" sz="4000" b="1"/>
+              <a:t>ABC088B - Card Game for Two</a:t>
+            </a:r>
+            <a:endParaRPr kumimoji="1" lang="ja-JP" altLang="en-US" sz="4000" b="1"/>
+          </a:p>
+        </p:txBody>
+      </p:sp>
+      <p:sp>
+        <p:nvSpPr>
+          <p:cNvPr id="5" name="正方形/長方形 4">
+            <a:extLst>
+              <a:ext uri="{FF2B5EF4-FFF2-40B4-BE49-F238E27FC236}">
+                <a16:creationId xmlns:a16="http://schemas.microsoft.com/office/drawing/2014/main" id="{BD9D5376-097D-869C-B9C1-C3A110CFEA92}"/>
+              </a:ext>
+            </a:extLst>
+          </p:cNvPr>
+          <p:cNvSpPr/>
+          <p:nvPr/>
+        </p:nvSpPr>
+        <p:spPr>
+          <a:xfrm>
+            <a:off x="0" y="0"/>
+            <a:ext cx="1396314" cy="1397876"/>
+          </a:xfrm>
+          <a:prstGeom prst="rect">
+            <a:avLst/>
+          </a:prstGeom>
+          <a:ln>
+            <a:noFill/>
+          </a:ln>
+        </p:spPr>
+        <p:style>
+          <a:lnRef idx="2">
+            <a:schemeClr val="accent1">
+              <a:shade val="15000"/>
+            </a:schemeClr>
+          </a:lnRef>
+          <a:fillRef idx="1">
+            <a:schemeClr val="accent1"/>
+          </a:fillRef>
+          <a:effectRef idx="0">
+            <a:schemeClr val="accent1"/>
+          </a:effectRef>
+          <a:fontRef idx="minor">
+            <a:schemeClr val="lt1"/>
+          </a:fontRef>
+        </p:style>
+        <p:txBody>
+          <a:bodyPr rtlCol="0" anchor="ctr"/>
+          <a:lstStyle/>
+          <a:p>
+            <a:pPr algn="ctr"/>
+            <a:r>
+              <a:rPr kumimoji="1" lang="en-US" altLang="ja-JP" sz="3200" b="1"/>
+              <a:t>7.4</a:t>
+            </a:r>
+            <a:endParaRPr kumimoji="1" lang="ja-JP" altLang="en-US" sz="3200" b="1"/>
+          </a:p>
+        </p:txBody>
+      </p:sp>
+      <p:sp>
+        <p:nvSpPr>
+          <p:cNvPr id="2" name="テキスト ボックス 1">
+            <a:extLst>
+              <a:ext uri="{FF2B5EF4-FFF2-40B4-BE49-F238E27FC236}">
+                <a16:creationId xmlns:a16="http://schemas.microsoft.com/office/drawing/2014/main" id="{6E445646-04D4-1FC0-15D7-1DE40765D1B5}"/>
+              </a:ext>
+            </a:extLst>
+          </p:cNvPr>
+          <p:cNvSpPr txBox="1"/>
+          <p:nvPr/>
+        </p:nvSpPr>
+        <p:spPr>
+          <a:xfrm>
+            <a:off x="335280" y="1737360"/>
+            <a:ext cx="3474720" cy="523220"/>
+          </a:xfrm>
+          <a:prstGeom prst="rect">
+            <a:avLst/>
+          </a:prstGeom>
+          <a:noFill/>
+        </p:spPr>
+        <p:txBody>
+          <a:bodyPr wrap="square" rtlCol="0">
+            <a:spAutoFit/>
+          </a:bodyPr>
+          <a:lstStyle/>
+          <a:p>
+            <a:r>
+              <a:rPr kumimoji="1" lang="ja-JP" altLang="en-US" sz="2800"/>
+              <a:t>この問題のポイント</a:t>
+            </a:r>
+          </a:p>
+        </p:txBody>
+      </p:sp>
+      <p:sp>
+        <p:nvSpPr>
+          <p:cNvPr id="3" name="テキスト ボックス 2">
+            <a:extLst>
+              <a:ext uri="{FF2B5EF4-FFF2-40B4-BE49-F238E27FC236}">
+                <a16:creationId xmlns:a16="http://schemas.microsoft.com/office/drawing/2014/main" id="{3AC3E330-3FBF-2BE7-194C-EB08BEC58BAA}"/>
+              </a:ext>
+            </a:extLst>
+          </p:cNvPr>
+          <p:cNvSpPr txBox="1"/>
+          <p:nvPr/>
+        </p:nvSpPr>
+        <p:spPr>
+          <a:xfrm>
+            <a:off x="698157" y="3037840"/>
+            <a:ext cx="1826141" cy="584775"/>
+          </a:xfrm>
+          <a:prstGeom prst="rect">
+            <a:avLst/>
+          </a:prstGeom>
+          <a:noFill/>
+        </p:spPr>
+        <p:txBody>
+          <a:bodyPr wrap="none" rtlCol="0">
+            <a:spAutoFit/>
+          </a:bodyPr>
+          <a:lstStyle/>
+          <a:p>
+            <a:r>
+              <a:rPr kumimoji="1" lang="ja-JP" altLang="en-US" sz="3200"/>
+              <a:t>・貪欲法</a:t>
+            </a:r>
+          </a:p>
+        </p:txBody>
+      </p:sp>
+    </p:spTree>
+    <p:extLst>
+      <p:ext uri="{BB962C8B-B14F-4D97-AF65-F5344CB8AC3E}">
+        <p14:creationId xmlns:p14="http://schemas.microsoft.com/office/powerpoint/2010/main" val="2840893274"/>
+      </p:ext>
+    </p:extLst>
+  </p:cSld>
+  <p:clrMapOvr>
+    <a:masterClrMapping/>
+  </p:clrMapOvr>
+</p:sld>
+</file>
+
+<file path=ppt/slides/slide35.xml><?xml version="1.0" encoding="utf-8"?>
+<p:sld xmlns:a="http://schemas.openxmlformats.org/drawingml/2006/main" xmlns:r="http://schemas.openxmlformats.org/officeDocument/2006/relationships" xmlns:p="http://schemas.openxmlformats.org/presentationml/2006/main">
+  <p:cSld>
+    <p:spTree>
+      <p:nvGrpSpPr>
+        <p:cNvPr id="1" name=""/>
+        <p:cNvGrpSpPr/>
+        <p:nvPr/>
+      </p:nvGrpSpPr>
+      <p:grpSpPr>
+        <a:xfrm>
+          <a:off x="0" y="0"/>
+          <a:ext cx="0" cy="0"/>
+          <a:chOff x="0" y="0"/>
+          <a:chExt cx="0" cy="0"/>
+        </a:xfrm>
+      </p:grpSpPr>
+      <p:sp>
+        <p:nvSpPr>
+          <p:cNvPr id="4" name="正方形/長方形 3">
+            <a:extLst>
+              <a:ext uri="{FF2B5EF4-FFF2-40B4-BE49-F238E27FC236}">
+                <a16:creationId xmlns:a16="http://schemas.microsoft.com/office/drawing/2014/main" id="{9DF20083-156A-16DA-0EEB-CA65C4F4EBBD}"/>
+              </a:ext>
+            </a:extLst>
+          </p:cNvPr>
+          <p:cNvSpPr/>
+          <p:nvPr/>
+        </p:nvSpPr>
+        <p:spPr>
+          <a:xfrm>
+            <a:off x="1396314" y="0"/>
+            <a:ext cx="10795686" cy="1397876"/>
+          </a:xfrm>
+          <a:prstGeom prst="rect">
+            <a:avLst/>
+          </a:prstGeom>
+          <a:solidFill>
+            <a:schemeClr val="accent5"/>
+          </a:solidFill>
+          <a:ln>
+            <a:noFill/>
+          </a:ln>
+        </p:spPr>
+        <p:style>
+          <a:lnRef idx="2">
+            <a:schemeClr val="accent1">
+              <a:shade val="15000"/>
+            </a:schemeClr>
+          </a:lnRef>
+          <a:fillRef idx="1">
+            <a:schemeClr val="accent1"/>
+          </a:fillRef>
+          <a:effectRef idx="0">
+            <a:schemeClr val="accent1"/>
+          </a:effectRef>
+          <a:fontRef idx="minor">
+            <a:schemeClr val="lt1"/>
+          </a:fontRef>
+        </p:style>
+        <p:txBody>
+          <a:bodyPr rtlCol="0" anchor="ctr"/>
+          <a:lstStyle/>
+          <a:p>
+            <a:endParaRPr kumimoji="1" lang="ja-JP" altLang="en-US" sz="4000" b="1"/>
+          </a:p>
+        </p:txBody>
+      </p:sp>
+      <p:sp>
+        <p:nvSpPr>
+          <p:cNvPr id="5" name="正方形/長方形 4">
+            <a:extLst>
+              <a:ext uri="{FF2B5EF4-FFF2-40B4-BE49-F238E27FC236}">
+                <a16:creationId xmlns:a16="http://schemas.microsoft.com/office/drawing/2014/main" id="{BD9D5376-097D-869C-B9C1-C3A110CFEA92}"/>
+              </a:ext>
+            </a:extLst>
+          </p:cNvPr>
+          <p:cNvSpPr/>
+          <p:nvPr/>
+        </p:nvSpPr>
+        <p:spPr>
+          <a:xfrm>
+            <a:off x="0" y="0"/>
+            <a:ext cx="1396314" cy="1397876"/>
+          </a:xfrm>
+          <a:prstGeom prst="rect">
+            <a:avLst/>
+          </a:prstGeom>
+          <a:ln>
+            <a:noFill/>
+          </a:ln>
+        </p:spPr>
+        <p:style>
+          <a:lnRef idx="2">
+            <a:schemeClr val="accent1">
+              <a:shade val="15000"/>
+            </a:schemeClr>
+          </a:lnRef>
+          <a:fillRef idx="1">
+            <a:schemeClr val="accent1"/>
+          </a:fillRef>
+          <a:effectRef idx="0">
+            <a:schemeClr val="accent1"/>
+          </a:effectRef>
+          <a:fontRef idx="minor">
+            <a:schemeClr val="lt1"/>
+          </a:fontRef>
+        </p:style>
+        <p:txBody>
+          <a:bodyPr rtlCol="0" anchor="ctr"/>
+          <a:lstStyle/>
+          <a:p>
+            <a:pPr algn="ctr"/>
+            <a:endParaRPr kumimoji="1" lang="ja-JP" altLang="en-US" sz="3200" b="1"/>
+          </a:p>
+        </p:txBody>
+      </p:sp>
+    </p:spTree>
+    <p:extLst>
+      <p:ext uri="{BB962C8B-B14F-4D97-AF65-F5344CB8AC3E}">
+        <p14:creationId xmlns:p14="http://schemas.microsoft.com/office/powerpoint/2010/main" val="4150175258"/>
+      </p:ext>
+    </p:extLst>
+  </p:cSld>
+  <p:clrMapOvr>
+    <a:masterClrMapping/>
+  </p:clrMapOvr>
+</p:sld>
+</file>
+
+<file path=ppt/slides/slide36.xml><?xml version="1.0" encoding="utf-8"?>
+<p:sld xmlns:a="http://schemas.openxmlformats.org/drawingml/2006/main" xmlns:r="http://schemas.openxmlformats.org/officeDocument/2006/relationships" xmlns:p="http://schemas.openxmlformats.org/presentationml/2006/main">
+  <p:cSld>
+    <p:spTree>
+      <p:nvGrpSpPr>
+        <p:cNvPr id="1" name=""/>
+        <p:cNvGrpSpPr/>
+        <p:nvPr/>
+      </p:nvGrpSpPr>
+      <p:grpSpPr>
+        <a:xfrm>
+          <a:off x="0" y="0"/>
+          <a:ext cx="0" cy="0"/>
+          <a:chOff x="0" y="0"/>
+          <a:chExt cx="0" cy="0"/>
+        </a:xfrm>
+      </p:grpSpPr>
+      <p:sp>
+        <p:nvSpPr>
+          <p:cNvPr id="4" name="正方形/長方形 3">
+            <a:extLst>
+              <a:ext uri="{FF2B5EF4-FFF2-40B4-BE49-F238E27FC236}">
+                <a16:creationId xmlns:a16="http://schemas.microsoft.com/office/drawing/2014/main" id="{9DF20083-156A-16DA-0EEB-CA65C4F4EBBD}"/>
+              </a:ext>
+            </a:extLst>
+          </p:cNvPr>
+          <p:cNvSpPr/>
+          <p:nvPr/>
+        </p:nvSpPr>
+        <p:spPr>
+          <a:xfrm>
+            <a:off x="1396314" y="0"/>
+            <a:ext cx="10795686" cy="1397876"/>
+          </a:xfrm>
+          <a:prstGeom prst="rect">
+            <a:avLst/>
+          </a:prstGeom>
+          <a:solidFill>
+            <a:schemeClr val="accent5"/>
+          </a:solidFill>
+          <a:ln>
+            <a:noFill/>
+          </a:ln>
+        </p:spPr>
+        <p:style>
+          <a:lnRef idx="2">
+            <a:schemeClr val="accent1">
+              <a:shade val="15000"/>
+            </a:schemeClr>
+          </a:lnRef>
+          <a:fillRef idx="1">
+            <a:schemeClr val="accent1"/>
+          </a:fillRef>
+          <a:effectRef idx="0">
+            <a:schemeClr val="accent1"/>
+          </a:effectRef>
+          <a:fontRef idx="minor">
+            <a:schemeClr val="lt1"/>
+          </a:fontRef>
+        </p:style>
+        <p:txBody>
+          <a:bodyPr rtlCol="0" anchor="ctr"/>
+          <a:lstStyle/>
+          <a:p>
+            <a:r>
+              <a:rPr kumimoji="1" lang="ja-JP" altLang="en-US" sz="4000" b="1">
+                <a:solidFill>
+                  <a:schemeClr val="tx1"/>
+                </a:solidFill>
+              </a:rPr>
+              <a:t>貪欲法</a:t>
+            </a:r>
+          </a:p>
+        </p:txBody>
+      </p:sp>
+      <p:sp>
+        <p:nvSpPr>
+          <p:cNvPr id="5" name="正方形/長方形 4">
+            <a:extLst>
+              <a:ext uri="{FF2B5EF4-FFF2-40B4-BE49-F238E27FC236}">
+                <a16:creationId xmlns:a16="http://schemas.microsoft.com/office/drawing/2014/main" id="{BD9D5376-097D-869C-B9C1-C3A110CFEA92}"/>
+              </a:ext>
+            </a:extLst>
+          </p:cNvPr>
+          <p:cNvSpPr/>
+          <p:nvPr/>
+        </p:nvSpPr>
+        <p:spPr>
+          <a:xfrm>
+            <a:off x="0" y="0"/>
+            <a:ext cx="1396314" cy="1397876"/>
+          </a:xfrm>
+          <a:prstGeom prst="rect">
+            <a:avLst/>
+          </a:prstGeom>
+          <a:ln>
+            <a:noFill/>
+          </a:ln>
+        </p:spPr>
+        <p:style>
+          <a:lnRef idx="2">
+            <a:schemeClr val="accent1">
+              <a:shade val="15000"/>
+            </a:schemeClr>
+          </a:lnRef>
+          <a:fillRef idx="1">
+            <a:schemeClr val="accent1"/>
+          </a:fillRef>
+          <a:effectRef idx="0">
+            <a:schemeClr val="accent1"/>
+          </a:effectRef>
+          <a:fontRef idx="minor">
+            <a:schemeClr val="lt1"/>
+          </a:fontRef>
+        </p:style>
+        <p:txBody>
+          <a:bodyPr rtlCol="0" anchor="ctr"/>
+          <a:lstStyle/>
+          <a:p>
+            <a:pPr algn="ctr"/>
+            <a:r>
+              <a:rPr kumimoji="1" lang="en-US" altLang="ja-JP" sz="3200" b="1"/>
+              <a:t>7.5</a:t>
+            </a:r>
+            <a:endParaRPr kumimoji="1" lang="ja-JP" altLang="en-US" sz="3200" b="1"/>
+          </a:p>
+        </p:txBody>
+      </p:sp>
+      <p:sp>
+        <p:nvSpPr>
+          <p:cNvPr id="2" name="テキスト ボックス 1">
+            <a:extLst>
+              <a:ext uri="{FF2B5EF4-FFF2-40B4-BE49-F238E27FC236}">
+                <a16:creationId xmlns:a16="http://schemas.microsoft.com/office/drawing/2014/main" id="{C683227E-16E8-86AC-3CA6-19C55CC2D2A2}"/>
+              </a:ext>
+            </a:extLst>
+          </p:cNvPr>
+          <p:cNvSpPr txBox="1"/>
+          <p:nvPr/>
+        </p:nvSpPr>
+        <p:spPr>
+          <a:xfrm>
+            <a:off x="487680" y="2103120"/>
+            <a:ext cx="1980029" cy="523220"/>
+          </a:xfrm>
+          <a:prstGeom prst="rect">
+            <a:avLst/>
+          </a:prstGeom>
+          <a:noFill/>
+        </p:spPr>
+        <p:txBody>
+          <a:bodyPr wrap="none" rtlCol="0">
+            <a:spAutoFit/>
+          </a:bodyPr>
+          <a:lstStyle/>
+          <a:p>
+            <a:r>
+              <a:rPr kumimoji="1" lang="ja-JP" altLang="en-US" sz="2800"/>
+              <a:t>貪欲法とは</a:t>
+            </a:r>
+          </a:p>
+        </p:txBody>
+      </p:sp>
+      <p:sp>
+        <p:nvSpPr>
+          <p:cNvPr id="3" name="テキスト ボックス 2">
+            <a:extLst>
+              <a:ext uri="{FF2B5EF4-FFF2-40B4-BE49-F238E27FC236}">
+                <a16:creationId xmlns:a16="http://schemas.microsoft.com/office/drawing/2014/main" id="{471BC033-D7A5-D804-F933-F5975E1C5488}"/>
+              </a:ext>
+            </a:extLst>
+          </p:cNvPr>
+          <p:cNvSpPr txBox="1"/>
+          <p:nvPr/>
+        </p:nvSpPr>
+        <p:spPr>
+          <a:xfrm>
+            <a:off x="1117600" y="2905780"/>
+            <a:ext cx="8802410" cy="523220"/>
+          </a:xfrm>
+          <a:prstGeom prst="rect">
+            <a:avLst/>
+          </a:prstGeom>
+          <a:noFill/>
+        </p:spPr>
+        <p:txBody>
+          <a:bodyPr wrap="none" rtlCol="0">
+            <a:spAutoFit/>
+          </a:bodyPr>
+          <a:lstStyle/>
+          <a:p>
+            <a:r>
+              <a:rPr kumimoji="1" lang="ja-JP" altLang="en-US" sz="2800"/>
+              <a:t>後のことは考えずその場面での最善を選んでいく手法</a:t>
+            </a:r>
+          </a:p>
+        </p:txBody>
+      </p:sp>
+    </p:spTree>
+    <p:extLst>
+      <p:ext uri="{BB962C8B-B14F-4D97-AF65-F5344CB8AC3E}">
+        <p14:creationId xmlns:p14="http://schemas.microsoft.com/office/powerpoint/2010/main" val="3648854217"/>
       </p:ext>
     </p:extLst>
   </p:cSld>
